--- a/trunk/Presentacion/Tecnica/Presentacion Tecnica.pptx
+++ b/trunk/Presentacion/Tecnica/Presentacion Tecnica.pptx
@@ -5,13 +5,17 @@
     <p:sldMasterId id="2147484416" r:id="rId1"/>
   </p:sldMasterIdLst>
   <p:notesMasterIdLst>
-    <p:notesMasterId r:id="rId6"/>
+    <p:notesMasterId r:id="rId10"/>
   </p:notesMasterIdLst>
   <p:sldIdLst>
     <p:sldId id="256" r:id="rId2"/>
     <p:sldId id="257" r:id="rId3"/>
     <p:sldId id="259" r:id="rId4"/>
     <p:sldId id="264" r:id="rId5"/>
+    <p:sldId id="265" r:id="rId6"/>
+    <p:sldId id="267" r:id="rId7"/>
+    <p:sldId id="266" r:id="rId8"/>
+    <p:sldId id="268" r:id="rId9"/>
   </p:sldIdLst>
   <p:sldSz cx="9144000" cy="6858000" type="screen4x3"/>
   <p:notesSz cx="6858000" cy="9144000"/>
@@ -4943,7 +4947,6 @@
               <a:rPr lang="es-AR" sz="5400" b="1" u="sng" dirty="0" smtClean="0"/>
               <a:t> Usos</a:t>
             </a:r>
-            <a:endParaRPr lang="es-AR" sz="5400" b="1" u="sng" dirty="0" smtClean="0"/>
           </a:p>
           <a:p>
             <a:pPr algn="ctr"/>
@@ -7340,6 +7343,4351 @@
 </p:sld>
 </file>
 
+<file path=ppt/slides/slide5.xml><?xml version="1.0" encoding="utf-8"?>
+<p:sld xmlns:a="http://schemas.openxmlformats.org/drawingml/2006/main" xmlns:r="http://schemas.openxmlformats.org/officeDocument/2006/relationships" xmlns:p="http://schemas.openxmlformats.org/presentationml/2006/main">
+  <p:cSld>
+    <p:spTree>
+      <p:nvGrpSpPr>
+        <p:cNvPr id="1" name=""/>
+        <p:cNvGrpSpPr/>
+        <p:nvPr/>
+      </p:nvGrpSpPr>
+      <p:grpSpPr>
+        <a:xfrm>
+          <a:off x="0" y="0"/>
+          <a:ext cx="0" cy="0"/>
+          <a:chOff x="0" y="0"/>
+          <a:chExt cx="0" cy="0"/>
+        </a:xfrm>
+      </p:grpSpPr>
+      <p:grpSp>
+        <p:nvGrpSpPr>
+          <p:cNvPr id="2" name="Group 22"/>
+          <p:cNvGrpSpPr/>
+          <p:nvPr/>
+        </p:nvGrpSpPr>
+        <p:grpSpPr>
+          <a:xfrm>
+            <a:off x="304800" y="304800"/>
+            <a:ext cx="8534400" cy="6248400"/>
+            <a:chOff x="304800" y="304800"/>
+            <a:chExt cx="8534400" cy="6248400"/>
+          </a:xfrm>
+          <a:solidFill>
+            <a:schemeClr val="bg1">
+              <a:lumMod val="85000"/>
+            </a:schemeClr>
+          </a:solidFill>
+        </p:grpSpPr>
+        <p:sp>
+          <p:nvSpPr>
+            <p:cNvPr id="18" name="Rounded Rectangle 17"/>
+            <p:cNvSpPr/>
+            <p:nvPr/>
+          </p:nvSpPr>
+          <p:spPr>
+            <a:xfrm>
+              <a:off x="304800" y="304800"/>
+              <a:ext cx="8534400" cy="6248400"/>
+            </a:xfrm>
+            <a:prstGeom prst="roundRect">
+              <a:avLst/>
+            </a:prstGeom>
+            <a:grpFill/>
+            <a:ln>
+              <a:noFill/>
+            </a:ln>
+          </p:spPr>
+          <p:style>
+            <a:lnRef idx="2">
+              <a:schemeClr val="accent1">
+                <a:shade val="50000"/>
+              </a:schemeClr>
+            </a:lnRef>
+            <a:fillRef idx="1">
+              <a:schemeClr val="accent1"/>
+            </a:fillRef>
+            <a:effectRef idx="0">
+              <a:schemeClr val="accent1"/>
+            </a:effectRef>
+            <a:fontRef idx="minor">
+              <a:schemeClr val="lt1"/>
+            </a:fontRef>
+          </p:style>
+          <p:txBody>
+            <a:bodyPr rtlCol="0" anchor="ctr"/>
+            <a:lstStyle/>
+            <a:p>
+              <a:pPr algn="ctr"/>
+              <a:endParaRPr lang="es-AR"/>
+            </a:p>
+          </p:txBody>
+        </p:sp>
+        <p:sp>
+          <p:nvSpPr>
+            <p:cNvPr id="22" name="Rounded Rectangle 21"/>
+            <p:cNvSpPr/>
+            <p:nvPr/>
+          </p:nvSpPr>
+          <p:spPr>
+            <a:xfrm>
+              <a:off x="7086600" y="304800"/>
+              <a:ext cx="1752600" cy="1752600"/>
+            </a:xfrm>
+            <a:prstGeom prst="roundRect">
+              <a:avLst/>
+            </a:prstGeom>
+            <a:grpFill/>
+            <a:ln>
+              <a:noFill/>
+            </a:ln>
+          </p:spPr>
+          <p:style>
+            <a:lnRef idx="2">
+              <a:schemeClr val="accent1">
+                <a:shade val="50000"/>
+              </a:schemeClr>
+            </a:lnRef>
+            <a:fillRef idx="1">
+              <a:schemeClr val="accent1"/>
+            </a:fillRef>
+            <a:effectRef idx="0">
+              <a:schemeClr val="accent1"/>
+            </a:effectRef>
+            <a:fontRef idx="minor">
+              <a:schemeClr val="lt1"/>
+            </a:fontRef>
+          </p:style>
+          <p:txBody>
+            <a:bodyPr rtlCol="0" anchor="ctr"/>
+            <a:lstStyle/>
+            <a:p>
+              <a:pPr algn="ctr"/>
+              <a:endParaRPr lang="es-AR"/>
+            </a:p>
+          </p:txBody>
+        </p:sp>
+        <p:sp>
+          <p:nvSpPr>
+            <p:cNvPr id="21" name="Rounded Rectangle 20"/>
+            <p:cNvSpPr/>
+            <p:nvPr/>
+          </p:nvSpPr>
+          <p:spPr>
+            <a:xfrm>
+              <a:off x="304800" y="304800"/>
+              <a:ext cx="1752600" cy="1752600"/>
+            </a:xfrm>
+            <a:prstGeom prst="roundRect">
+              <a:avLst/>
+            </a:prstGeom>
+            <a:grpFill/>
+            <a:ln>
+              <a:noFill/>
+            </a:ln>
+          </p:spPr>
+          <p:style>
+            <a:lnRef idx="2">
+              <a:schemeClr val="accent1">
+                <a:shade val="50000"/>
+              </a:schemeClr>
+            </a:lnRef>
+            <a:fillRef idx="1">
+              <a:schemeClr val="accent1"/>
+            </a:fillRef>
+            <a:effectRef idx="0">
+              <a:schemeClr val="accent1"/>
+            </a:effectRef>
+            <a:fontRef idx="minor">
+              <a:schemeClr val="lt1"/>
+            </a:fontRef>
+          </p:style>
+          <p:txBody>
+            <a:bodyPr rtlCol="0" anchor="ctr"/>
+            <a:lstStyle/>
+            <a:p>
+              <a:pPr algn="ctr"/>
+              <a:endParaRPr lang="es-AR"/>
+            </a:p>
+          </p:txBody>
+        </p:sp>
+        <p:sp>
+          <p:nvSpPr>
+            <p:cNvPr id="17" name="Rounded Rectangle 16"/>
+            <p:cNvSpPr/>
+            <p:nvPr/>
+          </p:nvSpPr>
+          <p:spPr>
+            <a:xfrm>
+              <a:off x="304800" y="4800600"/>
+              <a:ext cx="1752600" cy="1752600"/>
+            </a:xfrm>
+            <a:prstGeom prst="roundRect">
+              <a:avLst/>
+            </a:prstGeom>
+            <a:grpFill/>
+            <a:ln>
+              <a:noFill/>
+            </a:ln>
+          </p:spPr>
+          <p:style>
+            <a:lnRef idx="2">
+              <a:schemeClr val="accent1">
+                <a:shade val="50000"/>
+              </a:schemeClr>
+            </a:lnRef>
+            <a:fillRef idx="1">
+              <a:schemeClr val="accent1"/>
+            </a:fillRef>
+            <a:effectRef idx="0">
+              <a:schemeClr val="accent1"/>
+            </a:effectRef>
+            <a:fontRef idx="minor">
+              <a:schemeClr val="lt1"/>
+            </a:fontRef>
+          </p:style>
+          <p:txBody>
+            <a:bodyPr rtlCol="0" anchor="ctr"/>
+            <a:lstStyle/>
+            <a:p>
+              <a:pPr algn="ctr"/>
+              <a:endParaRPr lang="es-AR"/>
+            </a:p>
+          </p:txBody>
+        </p:sp>
+        <p:sp>
+          <p:nvSpPr>
+            <p:cNvPr id="19" name="Rounded Rectangle 18"/>
+            <p:cNvSpPr/>
+            <p:nvPr/>
+          </p:nvSpPr>
+          <p:spPr>
+            <a:xfrm>
+              <a:off x="7086600" y="4800600"/>
+              <a:ext cx="1752600" cy="1752600"/>
+            </a:xfrm>
+            <a:prstGeom prst="roundRect">
+              <a:avLst/>
+            </a:prstGeom>
+            <a:grpFill/>
+            <a:ln>
+              <a:noFill/>
+            </a:ln>
+          </p:spPr>
+          <p:style>
+            <a:lnRef idx="2">
+              <a:schemeClr val="accent1">
+                <a:shade val="50000"/>
+              </a:schemeClr>
+            </a:lnRef>
+            <a:fillRef idx="1">
+              <a:schemeClr val="accent1"/>
+            </a:fillRef>
+            <a:effectRef idx="0">
+              <a:schemeClr val="accent1"/>
+            </a:effectRef>
+            <a:fontRef idx="minor">
+              <a:schemeClr val="lt1"/>
+            </a:fontRef>
+          </p:style>
+          <p:txBody>
+            <a:bodyPr rtlCol="0" anchor="ctr"/>
+            <a:lstStyle/>
+            <a:p>
+              <a:pPr algn="ctr"/>
+              <a:endParaRPr lang="es-AR"/>
+            </a:p>
+          </p:txBody>
+        </p:sp>
+      </p:grpSp>
+      <p:sp>
+        <p:nvSpPr>
+          <p:cNvPr id="40" name="Freeform 39"/>
+          <p:cNvSpPr/>
+          <p:nvPr/>
+        </p:nvSpPr>
+        <p:spPr>
+          <a:xfrm>
+            <a:off x="457200" y="457200"/>
+            <a:ext cx="8229600" cy="5803900"/>
+          </a:xfrm>
+          <a:custGeom>
+            <a:avLst/>
+            <a:gdLst>
+              <a:gd name="connsiteX0" fmla="*/ 0 w 8077200"/>
+              <a:gd name="connsiteY0" fmla="*/ 965219 h 5791200"/>
+              <a:gd name="connsiteX1" fmla="*/ 282707 w 8077200"/>
+              <a:gd name="connsiteY1" fmla="*/ 282706 h 5791200"/>
+              <a:gd name="connsiteX2" fmla="*/ 965221 w 8077200"/>
+              <a:gd name="connsiteY2" fmla="*/ 1 h 5791200"/>
+              <a:gd name="connsiteX3" fmla="*/ 7111981 w 8077200"/>
+              <a:gd name="connsiteY3" fmla="*/ 0 h 5791200"/>
+              <a:gd name="connsiteX4" fmla="*/ 7794494 w 8077200"/>
+              <a:gd name="connsiteY4" fmla="*/ 282707 h 5791200"/>
+              <a:gd name="connsiteX5" fmla="*/ 8077199 w 8077200"/>
+              <a:gd name="connsiteY5" fmla="*/ 965221 h 5791200"/>
+              <a:gd name="connsiteX6" fmla="*/ 8077200 w 8077200"/>
+              <a:gd name="connsiteY6" fmla="*/ 4825981 h 5791200"/>
+              <a:gd name="connsiteX7" fmla="*/ 7794494 w 8077200"/>
+              <a:gd name="connsiteY7" fmla="*/ 5508494 h 5791200"/>
+              <a:gd name="connsiteX8" fmla="*/ 7111981 w 8077200"/>
+              <a:gd name="connsiteY8" fmla="*/ 5791200 h 5791200"/>
+              <a:gd name="connsiteX9" fmla="*/ 965219 w 8077200"/>
+              <a:gd name="connsiteY9" fmla="*/ 5791200 h 5791200"/>
+              <a:gd name="connsiteX10" fmla="*/ 282706 w 8077200"/>
+              <a:gd name="connsiteY10" fmla="*/ 5508493 h 5791200"/>
+              <a:gd name="connsiteX11" fmla="*/ 0 w 8077200"/>
+              <a:gd name="connsiteY11" fmla="*/ 4825980 h 5791200"/>
+              <a:gd name="connsiteX12" fmla="*/ 0 w 8077200"/>
+              <a:gd name="connsiteY12" fmla="*/ 965219 h 5791200"/>
+              <a:gd name="connsiteX0" fmla="*/ 0 w 8077200"/>
+              <a:gd name="connsiteY0" fmla="*/ 609600 h 5791200"/>
+              <a:gd name="connsiteX1" fmla="*/ 282707 w 8077200"/>
+              <a:gd name="connsiteY1" fmla="*/ 282706 h 5791200"/>
+              <a:gd name="connsiteX2" fmla="*/ 965221 w 8077200"/>
+              <a:gd name="connsiteY2" fmla="*/ 1 h 5791200"/>
+              <a:gd name="connsiteX3" fmla="*/ 7111981 w 8077200"/>
+              <a:gd name="connsiteY3" fmla="*/ 0 h 5791200"/>
+              <a:gd name="connsiteX4" fmla="*/ 7794494 w 8077200"/>
+              <a:gd name="connsiteY4" fmla="*/ 282707 h 5791200"/>
+              <a:gd name="connsiteX5" fmla="*/ 8077199 w 8077200"/>
+              <a:gd name="connsiteY5" fmla="*/ 965221 h 5791200"/>
+              <a:gd name="connsiteX6" fmla="*/ 8077200 w 8077200"/>
+              <a:gd name="connsiteY6" fmla="*/ 4825981 h 5791200"/>
+              <a:gd name="connsiteX7" fmla="*/ 7794494 w 8077200"/>
+              <a:gd name="connsiteY7" fmla="*/ 5508494 h 5791200"/>
+              <a:gd name="connsiteX8" fmla="*/ 7111981 w 8077200"/>
+              <a:gd name="connsiteY8" fmla="*/ 5791200 h 5791200"/>
+              <a:gd name="connsiteX9" fmla="*/ 965219 w 8077200"/>
+              <a:gd name="connsiteY9" fmla="*/ 5791200 h 5791200"/>
+              <a:gd name="connsiteX10" fmla="*/ 282706 w 8077200"/>
+              <a:gd name="connsiteY10" fmla="*/ 5508493 h 5791200"/>
+              <a:gd name="connsiteX11" fmla="*/ 0 w 8077200"/>
+              <a:gd name="connsiteY11" fmla="*/ 4825980 h 5791200"/>
+              <a:gd name="connsiteX12" fmla="*/ 0 w 8077200"/>
+              <a:gd name="connsiteY12" fmla="*/ 609600 h 5791200"/>
+              <a:gd name="connsiteX0" fmla="*/ 0 w 8077200"/>
+              <a:gd name="connsiteY0" fmla="*/ 609601 h 5791201"/>
+              <a:gd name="connsiteX1" fmla="*/ 282707 w 8077200"/>
+              <a:gd name="connsiteY1" fmla="*/ 282707 h 5791201"/>
+              <a:gd name="connsiteX2" fmla="*/ 609600 w 8077200"/>
+              <a:gd name="connsiteY2" fmla="*/ 1 h 5791201"/>
+              <a:gd name="connsiteX3" fmla="*/ 7111981 w 8077200"/>
+              <a:gd name="connsiteY3" fmla="*/ 1 h 5791201"/>
+              <a:gd name="connsiteX4" fmla="*/ 7794494 w 8077200"/>
+              <a:gd name="connsiteY4" fmla="*/ 282708 h 5791201"/>
+              <a:gd name="connsiteX5" fmla="*/ 8077199 w 8077200"/>
+              <a:gd name="connsiteY5" fmla="*/ 965222 h 5791201"/>
+              <a:gd name="connsiteX6" fmla="*/ 8077200 w 8077200"/>
+              <a:gd name="connsiteY6" fmla="*/ 4825982 h 5791201"/>
+              <a:gd name="connsiteX7" fmla="*/ 7794494 w 8077200"/>
+              <a:gd name="connsiteY7" fmla="*/ 5508495 h 5791201"/>
+              <a:gd name="connsiteX8" fmla="*/ 7111981 w 8077200"/>
+              <a:gd name="connsiteY8" fmla="*/ 5791201 h 5791201"/>
+              <a:gd name="connsiteX9" fmla="*/ 965219 w 8077200"/>
+              <a:gd name="connsiteY9" fmla="*/ 5791201 h 5791201"/>
+              <a:gd name="connsiteX10" fmla="*/ 282706 w 8077200"/>
+              <a:gd name="connsiteY10" fmla="*/ 5508494 h 5791201"/>
+              <a:gd name="connsiteX11" fmla="*/ 0 w 8077200"/>
+              <a:gd name="connsiteY11" fmla="*/ 4825981 h 5791201"/>
+              <a:gd name="connsiteX12" fmla="*/ 0 w 8077200"/>
+              <a:gd name="connsiteY12" fmla="*/ 609601 h 5791201"/>
+              <a:gd name="connsiteX0" fmla="*/ 0 w 8077200"/>
+              <a:gd name="connsiteY0" fmla="*/ 609601 h 5791201"/>
+              <a:gd name="connsiteX1" fmla="*/ 152400 w 8077200"/>
+              <a:gd name="connsiteY1" fmla="*/ 152402 h 5791201"/>
+              <a:gd name="connsiteX2" fmla="*/ 609600 w 8077200"/>
+              <a:gd name="connsiteY2" fmla="*/ 1 h 5791201"/>
+              <a:gd name="connsiteX3" fmla="*/ 7111981 w 8077200"/>
+              <a:gd name="connsiteY3" fmla="*/ 1 h 5791201"/>
+              <a:gd name="connsiteX4" fmla="*/ 7794494 w 8077200"/>
+              <a:gd name="connsiteY4" fmla="*/ 282708 h 5791201"/>
+              <a:gd name="connsiteX5" fmla="*/ 8077199 w 8077200"/>
+              <a:gd name="connsiteY5" fmla="*/ 965222 h 5791201"/>
+              <a:gd name="connsiteX6" fmla="*/ 8077200 w 8077200"/>
+              <a:gd name="connsiteY6" fmla="*/ 4825982 h 5791201"/>
+              <a:gd name="connsiteX7" fmla="*/ 7794494 w 8077200"/>
+              <a:gd name="connsiteY7" fmla="*/ 5508495 h 5791201"/>
+              <a:gd name="connsiteX8" fmla="*/ 7111981 w 8077200"/>
+              <a:gd name="connsiteY8" fmla="*/ 5791201 h 5791201"/>
+              <a:gd name="connsiteX9" fmla="*/ 965219 w 8077200"/>
+              <a:gd name="connsiteY9" fmla="*/ 5791201 h 5791201"/>
+              <a:gd name="connsiteX10" fmla="*/ 282706 w 8077200"/>
+              <a:gd name="connsiteY10" fmla="*/ 5508494 h 5791201"/>
+              <a:gd name="connsiteX11" fmla="*/ 0 w 8077200"/>
+              <a:gd name="connsiteY11" fmla="*/ 4825981 h 5791201"/>
+              <a:gd name="connsiteX12" fmla="*/ 0 w 8077200"/>
+              <a:gd name="connsiteY12" fmla="*/ 609601 h 5791201"/>
+              <a:gd name="connsiteX0" fmla="*/ 0 w 8077200"/>
+              <a:gd name="connsiteY0" fmla="*/ 609600 h 5791200"/>
+              <a:gd name="connsiteX1" fmla="*/ 152400 w 8077200"/>
+              <a:gd name="connsiteY1" fmla="*/ 152401 h 5791200"/>
+              <a:gd name="connsiteX2" fmla="*/ 533400 w 8077200"/>
+              <a:gd name="connsiteY2" fmla="*/ 1 h 5791200"/>
+              <a:gd name="connsiteX3" fmla="*/ 7111981 w 8077200"/>
+              <a:gd name="connsiteY3" fmla="*/ 0 h 5791200"/>
+              <a:gd name="connsiteX4" fmla="*/ 7794494 w 8077200"/>
+              <a:gd name="connsiteY4" fmla="*/ 282707 h 5791200"/>
+              <a:gd name="connsiteX5" fmla="*/ 8077199 w 8077200"/>
+              <a:gd name="connsiteY5" fmla="*/ 965221 h 5791200"/>
+              <a:gd name="connsiteX6" fmla="*/ 8077200 w 8077200"/>
+              <a:gd name="connsiteY6" fmla="*/ 4825981 h 5791200"/>
+              <a:gd name="connsiteX7" fmla="*/ 7794494 w 8077200"/>
+              <a:gd name="connsiteY7" fmla="*/ 5508494 h 5791200"/>
+              <a:gd name="connsiteX8" fmla="*/ 7111981 w 8077200"/>
+              <a:gd name="connsiteY8" fmla="*/ 5791200 h 5791200"/>
+              <a:gd name="connsiteX9" fmla="*/ 965219 w 8077200"/>
+              <a:gd name="connsiteY9" fmla="*/ 5791200 h 5791200"/>
+              <a:gd name="connsiteX10" fmla="*/ 282706 w 8077200"/>
+              <a:gd name="connsiteY10" fmla="*/ 5508493 h 5791200"/>
+              <a:gd name="connsiteX11" fmla="*/ 0 w 8077200"/>
+              <a:gd name="connsiteY11" fmla="*/ 4825980 h 5791200"/>
+              <a:gd name="connsiteX12" fmla="*/ 0 w 8077200"/>
+              <a:gd name="connsiteY12" fmla="*/ 609600 h 5791200"/>
+              <a:gd name="connsiteX0" fmla="*/ 0 w 8077200"/>
+              <a:gd name="connsiteY0" fmla="*/ 533400 h 5791200"/>
+              <a:gd name="connsiteX1" fmla="*/ 152400 w 8077200"/>
+              <a:gd name="connsiteY1" fmla="*/ 152401 h 5791200"/>
+              <a:gd name="connsiteX2" fmla="*/ 533400 w 8077200"/>
+              <a:gd name="connsiteY2" fmla="*/ 1 h 5791200"/>
+              <a:gd name="connsiteX3" fmla="*/ 7111981 w 8077200"/>
+              <a:gd name="connsiteY3" fmla="*/ 0 h 5791200"/>
+              <a:gd name="connsiteX4" fmla="*/ 7794494 w 8077200"/>
+              <a:gd name="connsiteY4" fmla="*/ 282707 h 5791200"/>
+              <a:gd name="connsiteX5" fmla="*/ 8077199 w 8077200"/>
+              <a:gd name="connsiteY5" fmla="*/ 965221 h 5791200"/>
+              <a:gd name="connsiteX6" fmla="*/ 8077200 w 8077200"/>
+              <a:gd name="connsiteY6" fmla="*/ 4825981 h 5791200"/>
+              <a:gd name="connsiteX7" fmla="*/ 7794494 w 8077200"/>
+              <a:gd name="connsiteY7" fmla="*/ 5508494 h 5791200"/>
+              <a:gd name="connsiteX8" fmla="*/ 7111981 w 8077200"/>
+              <a:gd name="connsiteY8" fmla="*/ 5791200 h 5791200"/>
+              <a:gd name="connsiteX9" fmla="*/ 965219 w 8077200"/>
+              <a:gd name="connsiteY9" fmla="*/ 5791200 h 5791200"/>
+              <a:gd name="connsiteX10" fmla="*/ 282706 w 8077200"/>
+              <a:gd name="connsiteY10" fmla="*/ 5508493 h 5791200"/>
+              <a:gd name="connsiteX11" fmla="*/ 0 w 8077200"/>
+              <a:gd name="connsiteY11" fmla="*/ 4825980 h 5791200"/>
+              <a:gd name="connsiteX12" fmla="*/ 0 w 8077200"/>
+              <a:gd name="connsiteY12" fmla="*/ 533400 h 5791200"/>
+              <a:gd name="connsiteX0" fmla="*/ 12700 w 8089900"/>
+              <a:gd name="connsiteY0" fmla="*/ 546100 h 5803900"/>
+              <a:gd name="connsiteX1" fmla="*/ 88900 w 8089900"/>
+              <a:gd name="connsiteY1" fmla="*/ 88900 h 5803900"/>
+              <a:gd name="connsiteX2" fmla="*/ 546100 w 8089900"/>
+              <a:gd name="connsiteY2" fmla="*/ 12701 h 5803900"/>
+              <a:gd name="connsiteX3" fmla="*/ 7124681 w 8089900"/>
+              <a:gd name="connsiteY3" fmla="*/ 12700 h 5803900"/>
+              <a:gd name="connsiteX4" fmla="*/ 7807194 w 8089900"/>
+              <a:gd name="connsiteY4" fmla="*/ 295407 h 5803900"/>
+              <a:gd name="connsiteX5" fmla="*/ 8089899 w 8089900"/>
+              <a:gd name="connsiteY5" fmla="*/ 977921 h 5803900"/>
+              <a:gd name="connsiteX6" fmla="*/ 8089900 w 8089900"/>
+              <a:gd name="connsiteY6" fmla="*/ 4838681 h 5803900"/>
+              <a:gd name="connsiteX7" fmla="*/ 7807194 w 8089900"/>
+              <a:gd name="connsiteY7" fmla="*/ 5521194 h 5803900"/>
+              <a:gd name="connsiteX8" fmla="*/ 7124681 w 8089900"/>
+              <a:gd name="connsiteY8" fmla="*/ 5803900 h 5803900"/>
+              <a:gd name="connsiteX9" fmla="*/ 977919 w 8089900"/>
+              <a:gd name="connsiteY9" fmla="*/ 5803900 h 5803900"/>
+              <a:gd name="connsiteX10" fmla="*/ 295406 w 8089900"/>
+              <a:gd name="connsiteY10" fmla="*/ 5521193 h 5803900"/>
+              <a:gd name="connsiteX11" fmla="*/ 12700 w 8089900"/>
+              <a:gd name="connsiteY11" fmla="*/ 4838680 h 5803900"/>
+              <a:gd name="connsiteX12" fmla="*/ 12700 w 8089900"/>
+              <a:gd name="connsiteY12" fmla="*/ 546100 h 5803900"/>
+              <a:gd name="connsiteX0" fmla="*/ 12700 w 8089900"/>
+              <a:gd name="connsiteY0" fmla="*/ 546100 h 5803900"/>
+              <a:gd name="connsiteX1" fmla="*/ 88900 w 8089900"/>
+              <a:gd name="connsiteY1" fmla="*/ 88900 h 5803900"/>
+              <a:gd name="connsiteX2" fmla="*/ 546100 w 8089900"/>
+              <a:gd name="connsiteY2" fmla="*/ 12701 h 5803900"/>
+              <a:gd name="connsiteX3" fmla="*/ 7124681 w 8089900"/>
+              <a:gd name="connsiteY3" fmla="*/ 12700 h 5803900"/>
+              <a:gd name="connsiteX4" fmla="*/ 7807194 w 8089900"/>
+              <a:gd name="connsiteY4" fmla="*/ 295407 h 5803900"/>
+              <a:gd name="connsiteX5" fmla="*/ 8089899 w 8089900"/>
+              <a:gd name="connsiteY5" fmla="*/ 977921 h 5803900"/>
+              <a:gd name="connsiteX6" fmla="*/ 8089900 w 8089900"/>
+              <a:gd name="connsiteY6" fmla="*/ 4838681 h 5803900"/>
+              <a:gd name="connsiteX7" fmla="*/ 7807194 w 8089900"/>
+              <a:gd name="connsiteY7" fmla="*/ 5521194 h 5803900"/>
+              <a:gd name="connsiteX8" fmla="*/ 7124681 w 8089900"/>
+              <a:gd name="connsiteY8" fmla="*/ 5803900 h 5803900"/>
+              <a:gd name="connsiteX9" fmla="*/ 977919 w 8089900"/>
+              <a:gd name="connsiteY9" fmla="*/ 5803900 h 5803900"/>
+              <a:gd name="connsiteX10" fmla="*/ 295406 w 8089900"/>
+              <a:gd name="connsiteY10" fmla="*/ 5521193 h 5803900"/>
+              <a:gd name="connsiteX11" fmla="*/ 12700 w 8089900"/>
+              <a:gd name="connsiteY11" fmla="*/ 5346700 h 5803900"/>
+              <a:gd name="connsiteX12" fmla="*/ 12700 w 8089900"/>
+              <a:gd name="connsiteY12" fmla="*/ 546100 h 5803900"/>
+              <a:gd name="connsiteX0" fmla="*/ 12700 w 8089900"/>
+              <a:gd name="connsiteY0" fmla="*/ 546100 h 5803900"/>
+              <a:gd name="connsiteX1" fmla="*/ 88900 w 8089900"/>
+              <a:gd name="connsiteY1" fmla="*/ 88900 h 5803900"/>
+              <a:gd name="connsiteX2" fmla="*/ 546100 w 8089900"/>
+              <a:gd name="connsiteY2" fmla="*/ 12701 h 5803900"/>
+              <a:gd name="connsiteX3" fmla="*/ 7124681 w 8089900"/>
+              <a:gd name="connsiteY3" fmla="*/ 12700 h 5803900"/>
+              <a:gd name="connsiteX4" fmla="*/ 7807194 w 8089900"/>
+              <a:gd name="connsiteY4" fmla="*/ 295407 h 5803900"/>
+              <a:gd name="connsiteX5" fmla="*/ 8089899 w 8089900"/>
+              <a:gd name="connsiteY5" fmla="*/ 977921 h 5803900"/>
+              <a:gd name="connsiteX6" fmla="*/ 8089900 w 8089900"/>
+              <a:gd name="connsiteY6" fmla="*/ 4838681 h 5803900"/>
+              <a:gd name="connsiteX7" fmla="*/ 7807194 w 8089900"/>
+              <a:gd name="connsiteY7" fmla="*/ 5521194 h 5803900"/>
+              <a:gd name="connsiteX8" fmla="*/ 7124681 w 8089900"/>
+              <a:gd name="connsiteY8" fmla="*/ 5803900 h 5803900"/>
+              <a:gd name="connsiteX9" fmla="*/ 546100 w 8089900"/>
+              <a:gd name="connsiteY9" fmla="*/ 5803900 h 5803900"/>
+              <a:gd name="connsiteX10" fmla="*/ 295406 w 8089900"/>
+              <a:gd name="connsiteY10" fmla="*/ 5521193 h 5803900"/>
+              <a:gd name="connsiteX11" fmla="*/ 12700 w 8089900"/>
+              <a:gd name="connsiteY11" fmla="*/ 5346700 h 5803900"/>
+              <a:gd name="connsiteX12" fmla="*/ 12700 w 8089900"/>
+              <a:gd name="connsiteY12" fmla="*/ 546100 h 5803900"/>
+              <a:gd name="connsiteX0" fmla="*/ 12700 w 8089900"/>
+              <a:gd name="connsiteY0" fmla="*/ 546100 h 5803900"/>
+              <a:gd name="connsiteX1" fmla="*/ 88900 w 8089900"/>
+              <a:gd name="connsiteY1" fmla="*/ 88900 h 5803900"/>
+              <a:gd name="connsiteX2" fmla="*/ 546100 w 8089900"/>
+              <a:gd name="connsiteY2" fmla="*/ 12701 h 5803900"/>
+              <a:gd name="connsiteX3" fmla="*/ 7124681 w 8089900"/>
+              <a:gd name="connsiteY3" fmla="*/ 12700 h 5803900"/>
+              <a:gd name="connsiteX4" fmla="*/ 7807194 w 8089900"/>
+              <a:gd name="connsiteY4" fmla="*/ 295407 h 5803900"/>
+              <a:gd name="connsiteX5" fmla="*/ 8089899 w 8089900"/>
+              <a:gd name="connsiteY5" fmla="*/ 977921 h 5803900"/>
+              <a:gd name="connsiteX6" fmla="*/ 8089900 w 8089900"/>
+              <a:gd name="connsiteY6" fmla="*/ 4838681 h 5803900"/>
+              <a:gd name="connsiteX7" fmla="*/ 7807194 w 8089900"/>
+              <a:gd name="connsiteY7" fmla="*/ 5521194 h 5803900"/>
+              <a:gd name="connsiteX8" fmla="*/ 7124681 w 8089900"/>
+              <a:gd name="connsiteY8" fmla="*/ 5803900 h 5803900"/>
+              <a:gd name="connsiteX9" fmla="*/ 546100 w 8089900"/>
+              <a:gd name="connsiteY9" fmla="*/ 5803900 h 5803900"/>
+              <a:gd name="connsiteX10" fmla="*/ 88900 w 8089900"/>
+              <a:gd name="connsiteY10" fmla="*/ 5727700 h 5803900"/>
+              <a:gd name="connsiteX11" fmla="*/ 12700 w 8089900"/>
+              <a:gd name="connsiteY11" fmla="*/ 5346700 h 5803900"/>
+              <a:gd name="connsiteX12" fmla="*/ 12700 w 8089900"/>
+              <a:gd name="connsiteY12" fmla="*/ 546100 h 5803900"/>
+              <a:gd name="connsiteX0" fmla="*/ 12700 w 8089900"/>
+              <a:gd name="connsiteY0" fmla="*/ 546100 h 5803900"/>
+              <a:gd name="connsiteX1" fmla="*/ 88900 w 8089900"/>
+              <a:gd name="connsiteY1" fmla="*/ 88900 h 5803900"/>
+              <a:gd name="connsiteX2" fmla="*/ 546100 w 8089900"/>
+              <a:gd name="connsiteY2" fmla="*/ 12701 h 5803900"/>
+              <a:gd name="connsiteX3" fmla="*/ 7556500 w 8089900"/>
+              <a:gd name="connsiteY3" fmla="*/ 12700 h 5803900"/>
+              <a:gd name="connsiteX4" fmla="*/ 7807194 w 8089900"/>
+              <a:gd name="connsiteY4" fmla="*/ 295407 h 5803900"/>
+              <a:gd name="connsiteX5" fmla="*/ 8089899 w 8089900"/>
+              <a:gd name="connsiteY5" fmla="*/ 977921 h 5803900"/>
+              <a:gd name="connsiteX6" fmla="*/ 8089900 w 8089900"/>
+              <a:gd name="connsiteY6" fmla="*/ 4838681 h 5803900"/>
+              <a:gd name="connsiteX7" fmla="*/ 7807194 w 8089900"/>
+              <a:gd name="connsiteY7" fmla="*/ 5521194 h 5803900"/>
+              <a:gd name="connsiteX8" fmla="*/ 7124681 w 8089900"/>
+              <a:gd name="connsiteY8" fmla="*/ 5803900 h 5803900"/>
+              <a:gd name="connsiteX9" fmla="*/ 546100 w 8089900"/>
+              <a:gd name="connsiteY9" fmla="*/ 5803900 h 5803900"/>
+              <a:gd name="connsiteX10" fmla="*/ 88900 w 8089900"/>
+              <a:gd name="connsiteY10" fmla="*/ 5727700 h 5803900"/>
+              <a:gd name="connsiteX11" fmla="*/ 12700 w 8089900"/>
+              <a:gd name="connsiteY11" fmla="*/ 5346700 h 5803900"/>
+              <a:gd name="connsiteX12" fmla="*/ 12700 w 8089900"/>
+              <a:gd name="connsiteY12" fmla="*/ 546100 h 5803900"/>
+              <a:gd name="connsiteX0" fmla="*/ 12700 w 8089901"/>
+              <a:gd name="connsiteY0" fmla="*/ 546100 h 5803900"/>
+              <a:gd name="connsiteX1" fmla="*/ 88900 w 8089901"/>
+              <a:gd name="connsiteY1" fmla="*/ 88900 h 5803900"/>
+              <a:gd name="connsiteX2" fmla="*/ 546100 w 8089901"/>
+              <a:gd name="connsiteY2" fmla="*/ 12701 h 5803900"/>
+              <a:gd name="connsiteX3" fmla="*/ 7556500 w 8089901"/>
+              <a:gd name="connsiteY3" fmla="*/ 12700 h 5803900"/>
+              <a:gd name="connsiteX4" fmla="*/ 7807194 w 8089901"/>
+              <a:gd name="connsiteY4" fmla="*/ 295407 h 5803900"/>
+              <a:gd name="connsiteX5" fmla="*/ 8089900 w 8089901"/>
+              <a:gd name="connsiteY5" fmla="*/ 469900 h 5803900"/>
+              <a:gd name="connsiteX6" fmla="*/ 8089900 w 8089901"/>
+              <a:gd name="connsiteY6" fmla="*/ 4838681 h 5803900"/>
+              <a:gd name="connsiteX7" fmla="*/ 7807194 w 8089901"/>
+              <a:gd name="connsiteY7" fmla="*/ 5521194 h 5803900"/>
+              <a:gd name="connsiteX8" fmla="*/ 7124681 w 8089901"/>
+              <a:gd name="connsiteY8" fmla="*/ 5803900 h 5803900"/>
+              <a:gd name="connsiteX9" fmla="*/ 546100 w 8089901"/>
+              <a:gd name="connsiteY9" fmla="*/ 5803900 h 5803900"/>
+              <a:gd name="connsiteX10" fmla="*/ 88900 w 8089901"/>
+              <a:gd name="connsiteY10" fmla="*/ 5727700 h 5803900"/>
+              <a:gd name="connsiteX11" fmla="*/ 12700 w 8089901"/>
+              <a:gd name="connsiteY11" fmla="*/ 5346700 h 5803900"/>
+              <a:gd name="connsiteX12" fmla="*/ 12700 w 8089901"/>
+              <a:gd name="connsiteY12" fmla="*/ 546100 h 5803900"/>
+              <a:gd name="connsiteX0" fmla="*/ 12700 w 8102600"/>
+              <a:gd name="connsiteY0" fmla="*/ 546100 h 5803900"/>
+              <a:gd name="connsiteX1" fmla="*/ 88900 w 8102600"/>
+              <a:gd name="connsiteY1" fmla="*/ 88900 h 5803900"/>
+              <a:gd name="connsiteX2" fmla="*/ 546100 w 8102600"/>
+              <a:gd name="connsiteY2" fmla="*/ 12701 h 5803900"/>
+              <a:gd name="connsiteX3" fmla="*/ 7556500 w 8102600"/>
+              <a:gd name="connsiteY3" fmla="*/ 12700 h 5803900"/>
+              <a:gd name="connsiteX4" fmla="*/ 8013700 w 8102600"/>
+              <a:gd name="connsiteY4" fmla="*/ 88900 h 5803900"/>
+              <a:gd name="connsiteX5" fmla="*/ 8089900 w 8102600"/>
+              <a:gd name="connsiteY5" fmla="*/ 469900 h 5803900"/>
+              <a:gd name="connsiteX6" fmla="*/ 8089900 w 8102600"/>
+              <a:gd name="connsiteY6" fmla="*/ 4838681 h 5803900"/>
+              <a:gd name="connsiteX7" fmla="*/ 7807194 w 8102600"/>
+              <a:gd name="connsiteY7" fmla="*/ 5521194 h 5803900"/>
+              <a:gd name="connsiteX8" fmla="*/ 7124681 w 8102600"/>
+              <a:gd name="connsiteY8" fmla="*/ 5803900 h 5803900"/>
+              <a:gd name="connsiteX9" fmla="*/ 546100 w 8102600"/>
+              <a:gd name="connsiteY9" fmla="*/ 5803900 h 5803900"/>
+              <a:gd name="connsiteX10" fmla="*/ 88900 w 8102600"/>
+              <a:gd name="connsiteY10" fmla="*/ 5727700 h 5803900"/>
+              <a:gd name="connsiteX11" fmla="*/ 12700 w 8102600"/>
+              <a:gd name="connsiteY11" fmla="*/ 5346700 h 5803900"/>
+              <a:gd name="connsiteX12" fmla="*/ 12700 w 8102600"/>
+              <a:gd name="connsiteY12" fmla="*/ 546100 h 5803900"/>
+              <a:gd name="connsiteX0" fmla="*/ 12700 w 8102600"/>
+              <a:gd name="connsiteY0" fmla="*/ 546100 h 5803900"/>
+              <a:gd name="connsiteX1" fmla="*/ 88900 w 8102600"/>
+              <a:gd name="connsiteY1" fmla="*/ 88900 h 5803900"/>
+              <a:gd name="connsiteX2" fmla="*/ 546100 w 8102600"/>
+              <a:gd name="connsiteY2" fmla="*/ 12701 h 5803900"/>
+              <a:gd name="connsiteX3" fmla="*/ 7556500 w 8102600"/>
+              <a:gd name="connsiteY3" fmla="*/ 12700 h 5803900"/>
+              <a:gd name="connsiteX4" fmla="*/ 8013700 w 8102600"/>
+              <a:gd name="connsiteY4" fmla="*/ 88900 h 5803900"/>
+              <a:gd name="connsiteX5" fmla="*/ 8089899 w 8102600"/>
+              <a:gd name="connsiteY5" fmla="*/ 469900 h 5803900"/>
+              <a:gd name="connsiteX6" fmla="*/ 8089900 w 8102600"/>
+              <a:gd name="connsiteY6" fmla="*/ 4838681 h 5803900"/>
+              <a:gd name="connsiteX7" fmla="*/ 7807194 w 8102600"/>
+              <a:gd name="connsiteY7" fmla="*/ 5521194 h 5803900"/>
+              <a:gd name="connsiteX8" fmla="*/ 7124681 w 8102600"/>
+              <a:gd name="connsiteY8" fmla="*/ 5803900 h 5803900"/>
+              <a:gd name="connsiteX9" fmla="*/ 546100 w 8102600"/>
+              <a:gd name="connsiteY9" fmla="*/ 5803900 h 5803900"/>
+              <a:gd name="connsiteX10" fmla="*/ 88900 w 8102600"/>
+              <a:gd name="connsiteY10" fmla="*/ 5727700 h 5803900"/>
+              <a:gd name="connsiteX11" fmla="*/ 12700 w 8102600"/>
+              <a:gd name="connsiteY11" fmla="*/ 5346700 h 5803900"/>
+              <a:gd name="connsiteX12" fmla="*/ 12700 w 8102600"/>
+              <a:gd name="connsiteY12" fmla="*/ 546100 h 5803900"/>
+              <a:gd name="connsiteX0" fmla="*/ 12700 w 8102599"/>
+              <a:gd name="connsiteY0" fmla="*/ 546100 h 5803900"/>
+              <a:gd name="connsiteX1" fmla="*/ 88900 w 8102599"/>
+              <a:gd name="connsiteY1" fmla="*/ 88900 h 5803900"/>
+              <a:gd name="connsiteX2" fmla="*/ 546100 w 8102599"/>
+              <a:gd name="connsiteY2" fmla="*/ 12701 h 5803900"/>
+              <a:gd name="connsiteX3" fmla="*/ 7556500 w 8102599"/>
+              <a:gd name="connsiteY3" fmla="*/ 12700 h 5803900"/>
+              <a:gd name="connsiteX4" fmla="*/ 8013699 w 8102599"/>
+              <a:gd name="connsiteY4" fmla="*/ 88900 h 5803900"/>
+              <a:gd name="connsiteX5" fmla="*/ 8089899 w 8102599"/>
+              <a:gd name="connsiteY5" fmla="*/ 469900 h 5803900"/>
+              <a:gd name="connsiteX6" fmla="*/ 8089900 w 8102599"/>
+              <a:gd name="connsiteY6" fmla="*/ 4838681 h 5803900"/>
+              <a:gd name="connsiteX7" fmla="*/ 7807194 w 8102599"/>
+              <a:gd name="connsiteY7" fmla="*/ 5521194 h 5803900"/>
+              <a:gd name="connsiteX8" fmla="*/ 7124681 w 8102599"/>
+              <a:gd name="connsiteY8" fmla="*/ 5803900 h 5803900"/>
+              <a:gd name="connsiteX9" fmla="*/ 546100 w 8102599"/>
+              <a:gd name="connsiteY9" fmla="*/ 5803900 h 5803900"/>
+              <a:gd name="connsiteX10" fmla="*/ 88900 w 8102599"/>
+              <a:gd name="connsiteY10" fmla="*/ 5727700 h 5803900"/>
+              <a:gd name="connsiteX11" fmla="*/ 12700 w 8102599"/>
+              <a:gd name="connsiteY11" fmla="*/ 5346700 h 5803900"/>
+              <a:gd name="connsiteX12" fmla="*/ 12700 w 8102599"/>
+              <a:gd name="connsiteY12" fmla="*/ 546100 h 5803900"/>
+              <a:gd name="connsiteX0" fmla="*/ 12700 w 8102599"/>
+              <a:gd name="connsiteY0" fmla="*/ 546100 h 5803900"/>
+              <a:gd name="connsiteX1" fmla="*/ 88900 w 8102599"/>
+              <a:gd name="connsiteY1" fmla="*/ 88900 h 5803900"/>
+              <a:gd name="connsiteX2" fmla="*/ 546100 w 8102599"/>
+              <a:gd name="connsiteY2" fmla="*/ 12701 h 5803900"/>
+              <a:gd name="connsiteX3" fmla="*/ 7556500 w 8102599"/>
+              <a:gd name="connsiteY3" fmla="*/ 12700 h 5803900"/>
+              <a:gd name="connsiteX4" fmla="*/ 8013699 w 8102599"/>
+              <a:gd name="connsiteY4" fmla="*/ 88900 h 5803900"/>
+              <a:gd name="connsiteX5" fmla="*/ 8089899 w 8102599"/>
+              <a:gd name="connsiteY5" fmla="*/ 469900 h 5803900"/>
+              <a:gd name="connsiteX6" fmla="*/ 8089900 w 8102599"/>
+              <a:gd name="connsiteY6" fmla="*/ 5346700 h 5803900"/>
+              <a:gd name="connsiteX7" fmla="*/ 7807194 w 8102599"/>
+              <a:gd name="connsiteY7" fmla="*/ 5521194 h 5803900"/>
+              <a:gd name="connsiteX8" fmla="*/ 7124681 w 8102599"/>
+              <a:gd name="connsiteY8" fmla="*/ 5803900 h 5803900"/>
+              <a:gd name="connsiteX9" fmla="*/ 546100 w 8102599"/>
+              <a:gd name="connsiteY9" fmla="*/ 5803900 h 5803900"/>
+              <a:gd name="connsiteX10" fmla="*/ 88900 w 8102599"/>
+              <a:gd name="connsiteY10" fmla="*/ 5727700 h 5803900"/>
+              <a:gd name="connsiteX11" fmla="*/ 12700 w 8102599"/>
+              <a:gd name="connsiteY11" fmla="*/ 5346700 h 5803900"/>
+              <a:gd name="connsiteX12" fmla="*/ 12700 w 8102599"/>
+              <a:gd name="connsiteY12" fmla="*/ 546100 h 5803900"/>
+              <a:gd name="connsiteX0" fmla="*/ 12700 w 8102599"/>
+              <a:gd name="connsiteY0" fmla="*/ 546100 h 5803900"/>
+              <a:gd name="connsiteX1" fmla="*/ 88900 w 8102599"/>
+              <a:gd name="connsiteY1" fmla="*/ 88900 h 5803900"/>
+              <a:gd name="connsiteX2" fmla="*/ 546100 w 8102599"/>
+              <a:gd name="connsiteY2" fmla="*/ 12701 h 5803900"/>
+              <a:gd name="connsiteX3" fmla="*/ 7556500 w 8102599"/>
+              <a:gd name="connsiteY3" fmla="*/ 12700 h 5803900"/>
+              <a:gd name="connsiteX4" fmla="*/ 8013699 w 8102599"/>
+              <a:gd name="connsiteY4" fmla="*/ 88900 h 5803900"/>
+              <a:gd name="connsiteX5" fmla="*/ 8089899 w 8102599"/>
+              <a:gd name="connsiteY5" fmla="*/ 469900 h 5803900"/>
+              <a:gd name="connsiteX6" fmla="*/ 8089900 w 8102599"/>
+              <a:gd name="connsiteY6" fmla="*/ 5346700 h 5803900"/>
+              <a:gd name="connsiteX7" fmla="*/ 7807194 w 8102599"/>
+              <a:gd name="connsiteY7" fmla="*/ 5521194 h 5803900"/>
+              <a:gd name="connsiteX8" fmla="*/ 7632700 w 8102599"/>
+              <a:gd name="connsiteY8" fmla="*/ 5803900 h 5803900"/>
+              <a:gd name="connsiteX9" fmla="*/ 546100 w 8102599"/>
+              <a:gd name="connsiteY9" fmla="*/ 5803900 h 5803900"/>
+              <a:gd name="connsiteX10" fmla="*/ 88900 w 8102599"/>
+              <a:gd name="connsiteY10" fmla="*/ 5727700 h 5803900"/>
+              <a:gd name="connsiteX11" fmla="*/ 12700 w 8102599"/>
+              <a:gd name="connsiteY11" fmla="*/ 5346700 h 5803900"/>
+              <a:gd name="connsiteX12" fmla="*/ 12700 w 8102599"/>
+              <a:gd name="connsiteY12" fmla="*/ 546100 h 5803900"/>
+              <a:gd name="connsiteX0" fmla="*/ 12700 w 8102599"/>
+              <a:gd name="connsiteY0" fmla="*/ 546100 h 5803900"/>
+              <a:gd name="connsiteX1" fmla="*/ 88900 w 8102599"/>
+              <a:gd name="connsiteY1" fmla="*/ 88900 h 5803900"/>
+              <a:gd name="connsiteX2" fmla="*/ 546100 w 8102599"/>
+              <a:gd name="connsiteY2" fmla="*/ 12701 h 5803900"/>
+              <a:gd name="connsiteX3" fmla="*/ 7556500 w 8102599"/>
+              <a:gd name="connsiteY3" fmla="*/ 12700 h 5803900"/>
+              <a:gd name="connsiteX4" fmla="*/ 8013699 w 8102599"/>
+              <a:gd name="connsiteY4" fmla="*/ 88900 h 5803900"/>
+              <a:gd name="connsiteX5" fmla="*/ 8089899 w 8102599"/>
+              <a:gd name="connsiteY5" fmla="*/ 469900 h 5803900"/>
+              <a:gd name="connsiteX6" fmla="*/ 8089900 w 8102599"/>
+              <a:gd name="connsiteY6" fmla="*/ 5346700 h 5803900"/>
+              <a:gd name="connsiteX7" fmla="*/ 8013700 w 8102599"/>
+              <a:gd name="connsiteY7" fmla="*/ 5727700 h 5803900"/>
+              <a:gd name="connsiteX8" fmla="*/ 7632700 w 8102599"/>
+              <a:gd name="connsiteY8" fmla="*/ 5803900 h 5803900"/>
+              <a:gd name="connsiteX9" fmla="*/ 546100 w 8102599"/>
+              <a:gd name="connsiteY9" fmla="*/ 5803900 h 5803900"/>
+              <a:gd name="connsiteX10" fmla="*/ 88900 w 8102599"/>
+              <a:gd name="connsiteY10" fmla="*/ 5727700 h 5803900"/>
+              <a:gd name="connsiteX11" fmla="*/ 12700 w 8102599"/>
+              <a:gd name="connsiteY11" fmla="*/ 5346700 h 5803900"/>
+              <a:gd name="connsiteX12" fmla="*/ 12700 w 8102599"/>
+              <a:gd name="connsiteY12" fmla="*/ 546100 h 5803900"/>
+            </a:gdLst>
+            <a:ahLst/>
+            <a:cxnLst>
+              <a:cxn ang="0">
+                <a:pos x="connsiteX0" y="connsiteY0"/>
+              </a:cxn>
+              <a:cxn ang="0">
+                <a:pos x="connsiteX1" y="connsiteY1"/>
+              </a:cxn>
+              <a:cxn ang="0">
+                <a:pos x="connsiteX2" y="connsiteY2"/>
+              </a:cxn>
+              <a:cxn ang="0">
+                <a:pos x="connsiteX3" y="connsiteY3"/>
+              </a:cxn>
+              <a:cxn ang="0">
+                <a:pos x="connsiteX4" y="connsiteY4"/>
+              </a:cxn>
+              <a:cxn ang="0">
+                <a:pos x="connsiteX5" y="connsiteY5"/>
+              </a:cxn>
+              <a:cxn ang="0">
+                <a:pos x="connsiteX6" y="connsiteY6"/>
+              </a:cxn>
+              <a:cxn ang="0">
+                <a:pos x="connsiteX7" y="connsiteY7"/>
+              </a:cxn>
+              <a:cxn ang="0">
+                <a:pos x="connsiteX8" y="connsiteY8"/>
+              </a:cxn>
+              <a:cxn ang="0">
+                <a:pos x="connsiteX9" y="connsiteY9"/>
+              </a:cxn>
+              <a:cxn ang="0">
+                <a:pos x="connsiteX10" y="connsiteY10"/>
+              </a:cxn>
+              <a:cxn ang="0">
+                <a:pos x="connsiteX11" y="connsiteY11"/>
+              </a:cxn>
+              <a:cxn ang="0">
+                <a:pos x="connsiteX12" y="connsiteY12"/>
+              </a:cxn>
+            </a:cxnLst>
+            <a:rect l="l" t="t" r="r" b="b"/>
+            <a:pathLst>
+              <a:path w="8102599" h="5803900">
+                <a:moveTo>
+                  <a:pt x="12700" y="546100"/>
+                </a:moveTo>
+                <a:cubicBezTo>
+                  <a:pt x="12700" y="290108"/>
+                  <a:pt x="0" y="177800"/>
+                  <a:pt x="88900" y="88900"/>
+                </a:cubicBezTo>
+                <a:cubicBezTo>
+                  <a:pt x="177800" y="0"/>
+                  <a:pt x="290107" y="12700"/>
+                  <a:pt x="546100" y="12701"/>
+                </a:cubicBezTo>
+                <a:lnTo>
+                  <a:pt x="7556500" y="12700"/>
+                </a:lnTo>
+                <a:cubicBezTo>
+                  <a:pt x="7812492" y="12700"/>
+                  <a:pt x="7924799" y="12700"/>
+                  <a:pt x="8013699" y="88900"/>
+                </a:cubicBezTo>
+                <a:cubicBezTo>
+                  <a:pt x="8102599" y="165100"/>
+                  <a:pt x="8089900" y="213907"/>
+                  <a:pt x="8089899" y="469900"/>
+                </a:cubicBezTo>
+                <a:cubicBezTo>
+                  <a:pt x="8089899" y="1926160"/>
+                  <a:pt x="8089900" y="3890440"/>
+                  <a:pt x="8089900" y="5346700"/>
+                </a:cubicBezTo>
+                <a:cubicBezTo>
+                  <a:pt x="8089900" y="5602692"/>
+                  <a:pt x="8089900" y="5651500"/>
+                  <a:pt x="8013700" y="5727700"/>
+                </a:cubicBezTo>
+                <a:cubicBezTo>
+                  <a:pt x="7937500" y="5803900"/>
+                  <a:pt x="7888692" y="5803900"/>
+                  <a:pt x="7632700" y="5803900"/>
+                </a:cubicBezTo>
+                <a:lnTo>
+                  <a:pt x="546100" y="5803900"/>
+                </a:lnTo>
+                <a:cubicBezTo>
+                  <a:pt x="290108" y="5803900"/>
+                  <a:pt x="177800" y="5803900"/>
+                  <a:pt x="88900" y="5727700"/>
+                </a:cubicBezTo>
+                <a:cubicBezTo>
+                  <a:pt x="0" y="5651500"/>
+                  <a:pt x="12700" y="5602692"/>
+                  <a:pt x="12700" y="5346700"/>
+                </a:cubicBezTo>
+                <a:lnTo>
+                  <a:pt x="12700" y="546100"/>
+                </a:lnTo>
+                <a:close/>
+              </a:path>
+            </a:pathLst>
+          </a:custGeom>
+          <a:gradFill>
+            <a:gsLst>
+              <a:gs pos="0">
+                <a:schemeClr val="bg1">
+                  <a:lumMod val="50000"/>
+                </a:schemeClr>
+              </a:gs>
+              <a:gs pos="39999">
+                <a:schemeClr val="bg1">
+                  <a:lumMod val="65000"/>
+                </a:schemeClr>
+              </a:gs>
+              <a:gs pos="70000">
+                <a:schemeClr val="bg1">
+                  <a:lumMod val="50000"/>
+                  <a:alpha val="73000"/>
+                </a:schemeClr>
+              </a:gs>
+            </a:gsLst>
+            <a:lin ang="5400000" scaled="0"/>
+          </a:gradFill>
+          <a:ln>
+            <a:solidFill>
+              <a:schemeClr val="bg1">
+                <a:lumMod val="75000"/>
+              </a:schemeClr>
+            </a:solidFill>
+          </a:ln>
+        </p:spPr>
+        <p:style>
+          <a:lnRef idx="2">
+            <a:schemeClr val="accent1">
+              <a:shade val="50000"/>
+            </a:schemeClr>
+          </a:lnRef>
+          <a:fillRef idx="1">
+            <a:schemeClr val="accent1"/>
+          </a:fillRef>
+          <a:effectRef idx="0">
+            <a:schemeClr val="accent1"/>
+          </a:effectRef>
+          <a:fontRef idx="minor">
+            <a:schemeClr val="lt1"/>
+          </a:fontRef>
+        </p:style>
+        <p:txBody>
+          <a:bodyPr rtlCol="0" anchor="ctr"/>
+          <a:lstStyle/>
+          <a:p>
+            <a:pPr fontAlgn="t"/>
+            <a:endParaRPr lang="es-AR" b="1" dirty="0" smtClean="0"/>
+          </a:p>
+          <a:p>
+            <a:pPr algn="ctr"/>
+            <a:endParaRPr lang="es-AR" dirty="0"/>
+          </a:p>
+        </p:txBody>
+      </p:sp>
+      <p:sp>
+        <p:nvSpPr>
+          <p:cNvPr id="14" name="Rectangle 13"/>
+          <p:cNvSpPr/>
+          <p:nvPr/>
+        </p:nvSpPr>
+        <p:spPr>
+          <a:xfrm>
+            <a:off x="381000" y="1295400"/>
+            <a:ext cx="8458200" cy="1066800"/>
+          </a:xfrm>
+          <a:prstGeom prst="rect">
+            <a:avLst/>
+          </a:prstGeom>
+          <a:noFill/>
+          <a:ln>
+            <a:noFill/>
+          </a:ln>
+        </p:spPr>
+        <p:style>
+          <a:lnRef idx="2">
+            <a:schemeClr val="accent1">
+              <a:shade val="50000"/>
+            </a:schemeClr>
+          </a:lnRef>
+          <a:fillRef idx="1">
+            <a:schemeClr val="accent1"/>
+          </a:fillRef>
+          <a:effectRef idx="0">
+            <a:schemeClr val="accent1"/>
+          </a:effectRef>
+          <a:fontRef idx="minor">
+            <a:schemeClr val="lt1"/>
+          </a:fontRef>
+        </p:style>
+        <p:txBody>
+          <a:bodyPr rtlCol="0" anchor="ctr"/>
+          <a:lstStyle/>
+          <a:p>
+            <a:pPr algn="ctr"/>
+            <a:r>
+              <a:rPr lang="es-AR" sz="4800" b="1" dirty="0" smtClean="0"/>
+              <a:t>Modelo de Datos</a:t>
+            </a:r>
+          </a:p>
+          <a:p>
+            <a:pPr algn="ctr"/>
+            <a:endParaRPr lang="es-AR" sz="1200" dirty="0"/>
+          </a:p>
+        </p:txBody>
+      </p:sp>
+      <p:grpSp>
+        <p:nvGrpSpPr>
+          <p:cNvPr id="3" name="Group 14"/>
+          <p:cNvGrpSpPr/>
+          <p:nvPr/>
+        </p:nvGrpSpPr>
+        <p:grpSpPr>
+          <a:xfrm>
+            <a:off x="1295400" y="544415"/>
+            <a:ext cx="6553200" cy="903384"/>
+            <a:chOff x="1295400" y="544415"/>
+            <a:chExt cx="6553200" cy="903384"/>
+          </a:xfrm>
+        </p:grpSpPr>
+        <p:sp>
+          <p:nvSpPr>
+            <p:cNvPr id="16" name="Round Same Side Corner Rectangle 15"/>
+            <p:cNvSpPr/>
+            <p:nvPr/>
+          </p:nvSpPr>
+          <p:spPr>
+            <a:xfrm rot="10800000">
+              <a:off x="1295400" y="544415"/>
+              <a:ext cx="6553200" cy="903384"/>
+            </a:xfrm>
+            <a:prstGeom prst="round2SameRect">
+              <a:avLst/>
+            </a:prstGeom>
+          </p:spPr>
+          <p:style>
+            <a:lnRef idx="2">
+              <a:schemeClr val="dk1">
+                <a:shade val="50000"/>
+              </a:schemeClr>
+            </a:lnRef>
+            <a:fillRef idx="1">
+              <a:schemeClr val="dk1"/>
+            </a:fillRef>
+            <a:effectRef idx="0">
+              <a:schemeClr val="dk1"/>
+            </a:effectRef>
+            <a:fontRef idx="minor">
+              <a:schemeClr val="lt1"/>
+            </a:fontRef>
+          </p:style>
+          <p:txBody>
+            <a:bodyPr rtlCol="0" anchor="ctr"/>
+            <a:lstStyle/>
+            <a:p>
+              <a:pPr algn="ctr"/>
+              <a:endParaRPr lang="es-AR" dirty="0"/>
+            </a:p>
+          </p:txBody>
+        </p:sp>
+        <p:pic>
+          <p:nvPicPr>
+            <p:cNvPr id="20" name="Picture 2" descr="E:\U.B.A.Files\Materias\75.45 Taller de Desarrollo de Proyectos I\TP\Trunk\Proyecto\web\site\images\logo.png"/>
+            <p:cNvPicPr>
+              <a:picLocks noChangeAspect="1" noChangeArrowheads="1"/>
+            </p:cNvPicPr>
+            <p:nvPr/>
+          </p:nvPicPr>
+          <p:blipFill>
+            <a:blip r:embed="rId2" cstate="print"/>
+            <a:srcRect/>
+            <a:stretch>
+              <a:fillRect/>
+            </a:stretch>
+          </p:blipFill>
+          <p:spPr bwMode="auto">
+            <a:xfrm>
+              <a:off x="1600200" y="609600"/>
+              <a:ext cx="2640904" cy="762000"/>
+            </a:xfrm>
+            <a:prstGeom prst="rect">
+              <a:avLst/>
+            </a:prstGeom>
+            <a:noFill/>
+          </p:spPr>
+        </p:pic>
+        <p:sp>
+          <p:nvSpPr>
+            <p:cNvPr id="23" name="TextBox 22"/>
+            <p:cNvSpPr txBox="1"/>
+            <p:nvPr/>
+          </p:nvSpPr>
+          <p:spPr>
+            <a:xfrm>
+              <a:off x="4515457" y="685800"/>
+              <a:ext cx="3180743" cy="307777"/>
+            </a:xfrm>
+            <a:prstGeom prst="rect">
+              <a:avLst/>
+            </a:prstGeom>
+            <a:noFill/>
+          </p:spPr>
+          <p:txBody>
+            <a:bodyPr wrap="none" rtlCol="0">
+              <a:spAutoFit/>
+            </a:bodyPr>
+            <a:lstStyle/>
+            <a:p>
+              <a:r>
+                <a:rPr lang="es-AR" sz="1400" dirty="0" smtClean="0">
+                  <a:solidFill>
+                    <a:schemeClr val="bg1">
+                      <a:lumMod val="50000"/>
+                    </a:schemeClr>
+                  </a:solidFill>
+                </a:rPr>
+                <a:t>Centralización y análisis de datos</a:t>
+              </a:r>
+              <a:endParaRPr lang="es-AR" sz="1400" dirty="0">
+                <a:solidFill>
+                  <a:schemeClr val="bg1">
+                    <a:lumMod val="50000"/>
+                  </a:schemeClr>
+                </a:solidFill>
+              </a:endParaRPr>
+            </a:p>
+          </p:txBody>
+        </p:sp>
+      </p:grpSp>
+    </p:spTree>
+  </p:cSld>
+  <p:clrMapOvr>
+    <a:masterClrMapping/>
+  </p:clrMapOvr>
+</p:sld>
+</file>
+
+<file path=ppt/slides/slide6.xml><?xml version="1.0" encoding="utf-8"?>
+<p:sld xmlns:a="http://schemas.openxmlformats.org/drawingml/2006/main" xmlns:r="http://schemas.openxmlformats.org/officeDocument/2006/relationships" xmlns:p="http://schemas.openxmlformats.org/presentationml/2006/main">
+  <p:cSld>
+    <p:spTree>
+      <p:nvGrpSpPr>
+        <p:cNvPr id="1" name=""/>
+        <p:cNvGrpSpPr/>
+        <p:nvPr/>
+      </p:nvGrpSpPr>
+      <p:grpSpPr>
+        <a:xfrm>
+          <a:off x="0" y="0"/>
+          <a:ext cx="0" cy="0"/>
+          <a:chOff x="0" y="0"/>
+          <a:chExt cx="0" cy="0"/>
+        </a:xfrm>
+      </p:grpSpPr>
+      <p:grpSp>
+        <p:nvGrpSpPr>
+          <p:cNvPr id="2" name="Group 22"/>
+          <p:cNvGrpSpPr/>
+          <p:nvPr/>
+        </p:nvGrpSpPr>
+        <p:grpSpPr>
+          <a:xfrm>
+            <a:off x="304800" y="304800"/>
+            <a:ext cx="8534400" cy="6248400"/>
+            <a:chOff x="304800" y="304800"/>
+            <a:chExt cx="8534400" cy="6248400"/>
+          </a:xfrm>
+          <a:solidFill>
+            <a:schemeClr val="bg1">
+              <a:lumMod val="85000"/>
+            </a:schemeClr>
+          </a:solidFill>
+        </p:grpSpPr>
+        <p:sp>
+          <p:nvSpPr>
+            <p:cNvPr id="18" name="Rounded Rectangle 17"/>
+            <p:cNvSpPr/>
+            <p:nvPr/>
+          </p:nvSpPr>
+          <p:spPr>
+            <a:xfrm>
+              <a:off x="304800" y="304800"/>
+              <a:ext cx="8534400" cy="6248400"/>
+            </a:xfrm>
+            <a:prstGeom prst="roundRect">
+              <a:avLst/>
+            </a:prstGeom>
+            <a:grpFill/>
+            <a:ln>
+              <a:noFill/>
+            </a:ln>
+          </p:spPr>
+          <p:style>
+            <a:lnRef idx="2">
+              <a:schemeClr val="accent1">
+                <a:shade val="50000"/>
+              </a:schemeClr>
+            </a:lnRef>
+            <a:fillRef idx="1">
+              <a:schemeClr val="accent1"/>
+            </a:fillRef>
+            <a:effectRef idx="0">
+              <a:schemeClr val="accent1"/>
+            </a:effectRef>
+            <a:fontRef idx="minor">
+              <a:schemeClr val="lt1"/>
+            </a:fontRef>
+          </p:style>
+          <p:txBody>
+            <a:bodyPr rtlCol="0" anchor="ctr"/>
+            <a:lstStyle/>
+            <a:p>
+              <a:pPr algn="ctr"/>
+              <a:endParaRPr lang="es-AR"/>
+            </a:p>
+          </p:txBody>
+        </p:sp>
+        <p:sp>
+          <p:nvSpPr>
+            <p:cNvPr id="22" name="Rounded Rectangle 21"/>
+            <p:cNvSpPr/>
+            <p:nvPr/>
+          </p:nvSpPr>
+          <p:spPr>
+            <a:xfrm>
+              <a:off x="7086600" y="304800"/>
+              <a:ext cx="1752600" cy="1752600"/>
+            </a:xfrm>
+            <a:prstGeom prst="roundRect">
+              <a:avLst/>
+            </a:prstGeom>
+            <a:grpFill/>
+            <a:ln>
+              <a:noFill/>
+            </a:ln>
+          </p:spPr>
+          <p:style>
+            <a:lnRef idx="2">
+              <a:schemeClr val="accent1">
+                <a:shade val="50000"/>
+              </a:schemeClr>
+            </a:lnRef>
+            <a:fillRef idx="1">
+              <a:schemeClr val="accent1"/>
+            </a:fillRef>
+            <a:effectRef idx="0">
+              <a:schemeClr val="accent1"/>
+            </a:effectRef>
+            <a:fontRef idx="minor">
+              <a:schemeClr val="lt1"/>
+            </a:fontRef>
+          </p:style>
+          <p:txBody>
+            <a:bodyPr rtlCol="0" anchor="ctr"/>
+            <a:lstStyle/>
+            <a:p>
+              <a:pPr algn="ctr"/>
+              <a:endParaRPr lang="es-AR"/>
+            </a:p>
+          </p:txBody>
+        </p:sp>
+        <p:sp>
+          <p:nvSpPr>
+            <p:cNvPr id="21" name="Rounded Rectangle 20"/>
+            <p:cNvSpPr/>
+            <p:nvPr/>
+          </p:nvSpPr>
+          <p:spPr>
+            <a:xfrm>
+              <a:off x="304800" y="304800"/>
+              <a:ext cx="1752600" cy="1752600"/>
+            </a:xfrm>
+            <a:prstGeom prst="roundRect">
+              <a:avLst/>
+            </a:prstGeom>
+            <a:grpFill/>
+            <a:ln>
+              <a:noFill/>
+            </a:ln>
+          </p:spPr>
+          <p:style>
+            <a:lnRef idx="2">
+              <a:schemeClr val="accent1">
+                <a:shade val="50000"/>
+              </a:schemeClr>
+            </a:lnRef>
+            <a:fillRef idx="1">
+              <a:schemeClr val="accent1"/>
+            </a:fillRef>
+            <a:effectRef idx="0">
+              <a:schemeClr val="accent1"/>
+            </a:effectRef>
+            <a:fontRef idx="minor">
+              <a:schemeClr val="lt1"/>
+            </a:fontRef>
+          </p:style>
+          <p:txBody>
+            <a:bodyPr rtlCol="0" anchor="ctr"/>
+            <a:lstStyle/>
+            <a:p>
+              <a:pPr algn="ctr"/>
+              <a:endParaRPr lang="es-AR"/>
+            </a:p>
+          </p:txBody>
+        </p:sp>
+        <p:sp>
+          <p:nvSpPr>
+            <p:cNvPr id="17" name="Rounded Rectangle 16"/>
+            <p:cNvSpPr/>
+            <p:nvPr/>
+          </p:nvSpPr>
+          <p:spPr>
+            <a:xfrm>
+              <a:off x="304800" y="4800600"/>
+              <a:ext cx="1752600" cy="1752600"/>
+            </a:xfrm>
+            <a:prstGeom prst="roundRect">
+              <a:avLst/>
+            </a:prstGeom>
+            <a:grpFill/>
+            <a:ln>
+              <a:noFill/>
+            </a:ln>
+          </p:spPr>
+          <p:style>
+            <a:lnRef idx="2">
+              <a:schemeClr val="accent1">
+                <a:shade val="50000"/>
+              </a:schemeClr>
+            </a:lnRef>
+            <a:fillRef idx="1">
+              <a:schemeClr val="accent1"/>
+            </a:fillRef>
+            <a:effectRef idx="0">
+              <a:schemeClr val="accent1"/>
+            </a:effectRef>
+            <a:fontRef idx="minor">
+              <a:schemeClr val="lt1"/>
+            </a:fontRef>
+          </p:style>
+          <p:txBody>
+            <a:bodyPr rtlCol="0" anchor="ctr"/>
+            <a:lstStyle/>
+            <a:p>
+              <a:pPr algn="ctr"/>
+              <a:endParaRPr lang="es-AR"/>
+            </a:p>
+          </p:txBody>
+        </p:sp>
+        <p:sp>
+          <p:nvSpPr>
+            <p:cNvPr id="19" name="Rounded Rectangle 18"/>
+            <p:cNvSpPr/>
+            <p:nvPr/>
+          </p:nvSpPr>
+          <p:spPr>
+            <a:xfrm>
+              <a:off x="7086600" y="4800600"/>
+              <a:ext cx="1752600" cy="1752600"/>
+            </a:xfrm>
+            <a:prstGeom prst="roundRect">
+              <a:avLst/>
+            </a:prstGeom>
+            <a:grpFill/>
+            <a:ln>
+              <a:noFill/>
+            </a:ln>
+          </p:spPr>
+          <p:style>
+            <a:lnRef idx="2">
+              <a:schemeClr val="accent1">
+                <a:shade val="50000"/>
+              </a:schemeClr>
+            </a:lnRef>
+            <a:fillRef idx="1">
+              <a:schemeClr val="accent1"/>
+            </a:fillRef>
+            <a:effectRef idx="0">
+              <a:schemeClr val="accent1"/>
+            </a:effectRef>
+            <a:fontRef idx="minor">
+              <a:schemeClr val="lt1"/>
+            </a:fontRef>
+          </p:style>
+          <p:txBody>
+            <a:bodyPr rtlCol="0" anchor="ctr"/>
+            <a:lstStyle/>
+            <a:p>
+              <a:pPr algn="ctr"/>
+              <a:endParaRPr lang="es-AR"/>
+            </a:p>
+          </p:txBody>
+        </p:sp>
+      </p:grpSp>
+      <p:sp>
+        <p:nvSpPr>
+          <p:cNvPr id="40" name="Freeform 39"/>
+          <p:cNvSpPr/>
+          <p:nvPr/>
+        </p:nvSpPr>
+        <p:spPr>
+          <a:xfrm>
+            <a:off x="457200" y="457200"/>
+            <a:ext cx="8229600" cy="5803900"/>
+          </a:xfrm>
+          <a:custGeom>
+            <a:avLst/>
+            <a:gdLst>
+              <a:gd name="connsiteX0" fmla="*/ 0 w 8077200"/>
+              <a:gd name="connsiteY0" fmla="*/ 965219 h 5791200"/>
+              <a:gd name="connsiteX1" fmla="*/ 282707 w 8077200"/>
+              <a:gd name="connsiteY1" fmla="*/ 282706 h 5791200"/>
+              <a:gd name="connsiteX2" fmla="*/ 965221 w 8077200"/>
+              <a:gd name="connsiteY2" fmla="*/ 1 h 5791200"/>
+              <a:gd name="connsiteX3" fmla="*/ 7111981 w 8077200"/>
+              <a:gd name="connsiteY3" fmla="*/ 0 h 5791200"/>
+              <a:gd name="connsiteX4" fmla="*/ 7794494 w 8077200"/>
+              <a:gd name="connsiteY4" fmla="*/ 282707 h 5791200"/>
+              <a:gd name="connsiteX5" fmla="*/ 8077199 w 8077200"/>
+              <a:gd name="connsiteY5" fmla="*/ 965221 h 5791200"/>
+              <a:gd name="connsiteX6" fmla="*/ 8077200 w 8077200"/>
+              <a:gd name="connsiteY6" fmla="*/ 4825981 h 5791200"/>
+              <a:gd name="connsiteX7" fmla="*/ 7794494 w 8077200"/>
+              <a:gd name="connsiteY7" fmla="*/ 5508494 h 5791200"/>
+              <a:gd name="connsiteX8" fmla="*/ 7111981 w 8077200"/>
+              <a:gd name="connsiteY8" fmla="*/ 5791200 h 5791200"/>
+              <a:gd name="connsiteX9" fmla="*/ 965219 w 8077200"/>
+              <a:gd name="connsiteY9" fmla="*/ 5791200 h 5791200"/>
+              <a:gd name="connsiteX10" fmla="*/ 282706 w 8077200"/>
+              <a:gd name="connsiteY10" fmla="*/ 5508493 h 5791200"/>
+              <a:gd name="connsiteX11" fmla="*/ 0 w 8077200"/>
+              <a:gd name="connsiteY11" fmla="*/ 4825980 h 5791200"/>
+              <a:gd name="connsiteX12" fmla="*/ 0 w 8077200"/>
+              <a:gd name="connsiteY12" fmla="*/ 965219 h 5791200"/>
+              <a:gd name="connsiteX0" fmla="*/ 0 w 8077200"/>
+              <a:gd name="connsiteY0" fmla="*/ 609600 h 5791200"/>
+              <a:gd name="connsiteX1" fmla="*/ 282707 w 8077200"/>
+              <a:gd name="connsiteY1" fmla="*/ 282706 h 5791200"/>
+              <a:gd name="connsiteX2" fmla="*/ 965221 w 8077200"/>
+              <a:gd name="connsiteY2" fmla="*/ 1 h 5791200"/>
+              <a:gd name="connsiteX3" fmla="*/ 7111981 w 8077200"/>
+              <a:gd name="connsiteY3" fmla="*/ 0 h 5791200"/>
+              <a:gd name="connsiteX4" fmla="*/ 7794494 w 8077200"/>
+              <a:gd name="connsiteY4" fmla="*/ 282707 h 5791200"/>
+              <a:gd name="connsiteX5" fmla="*/ 8077199 w 8077200"/>
+              <a:gd name="connsiteY5" fmla="*/ 965221 h 5791200"/>
+              <a:gd name="connsiteX6" fmla="*/ 8077200 w 8077200"/>
+              <a:gd name="connsiteY6" fmla="*/ 4825981 h 5791200"/>
+              <a:gd name="connsiteX7" fmla="*/ 7794494 w 8077200"/>
+              <a:gd name="connsiteY7" fmla="*/ 5508494 h 5791200"/>
+              <a:gd name="connsiteX8" fmla="*/ 7111981 w 8077200"/>
+              <a:gd name="connsiteY8" fmla="*/ 5791200 h 5791200"/>
+              <a:gd name="connsiteX9" fmla="*/ 965219 w 8077200"/>
+              <a:gd name="connsiteY9" fmla="*/ 5791200 h 5791200"/>
+              <a:gd name="connsiteX10" fmla="*/ 282706 w 8077200"/>
+              <a:gd name="connsiteY10" fmla="*/ 5508493 h 5791200"/>
+              <a:gd name="connsiteX11" fmla="*/ 0 w 8077200"/>
+              <a:gd name="connsiteY11" fmla="*/ 4825980 h 5791200"/>
+              <a:gd name="connsiteX12" fmla="*/ 0 w 8077200"/>
+              <a:gd name="connsiteY12" fmla="*/ 609600 h 5791200"/>
+              <a:gd name="connsiteX0" fmla="*/ 0 w 8077200"/>
+              <a:gd name="connsiteY0" fmla="*/ 609601 h 5791201"/>
+              <a:gd name="connsiteX1" fmla="*/ 282707 w 8077200"/>
+              <a:gd name="connsiteY1" fmla="*/ 282707 h 5791201"/>
+              <a:gd name="connsiteX2" fmla="*/ 609600 w 8077200"/>
+              <a:gd name="connsiteY2" fmla="*/ 1 h 5791201"/>
+              <a:gd name="connsiteX3" fmla="*/ 7111981 w 8077200"/>
+              <a:gd name="connsiteY3" fmla="*/ 1 h 5791201"/>
+              <a:gd name="connsiteX4" fmla="*/ 7794494 w 8077200"/>
+              <a:gd name="connsiteY4" fmla="*/ 282708 h 5791201"/>
+              <a:gd name="connsiteX5" fmla="*/ 8077199 w 8077200"/>
+              <a:gd name="connsiteY5" fmla="*/ 965222 h 5791201"/>
+              <a:gd name="connsiteX6" fmla="*/ 8077200 w 8077200"/>
+              <a:gd name="connsiteY6" fmla="*/ 4825982 h 5791201"/>
+              <a:gd name="connsiteX7" fmla="*/ 7794494 w 8077200"/>
+              <a:gd name="connsiteY7" fmla="*/ 5508495 h 5791201"/>
+              <a:gd name="connsiteX8" fmla="*/ 7111981 w 8077200"/>
+              <a:gd name="connsiteY8" fmla="*/ 5791201 h 5791201"/>
+              <a:gd name="connsiteX9" fmla="*/ 965219 w 8077200"/>
+              <a:gd name="connsiteY9" fmla="*/ 5791201 h 5791201"/>
+              <a:gd name="connsiteX10" fmla="*/ 282706 w 8077200"/>
+              <a:gd name="connsiteY10" fmla="*/ 5508494 h 5791201"/>
+              <a:gd name="connsiteX11" fmla="*/ 0 w 8077200"/>
+              <a:gd name="connsiteY11" fmla="*/ 4825981 h 5791201"/>
+              <a:gd name="connsiteX12" fmla="*/ 0 w 8077200"/>
+              <a:gd name="connsiteY12" fmla="*/ 609601 h 5791201"/>
+              <a:gd name="connsiteX0" fmla="*/ 0 w 8077200"/>
+              <a:gd name="connsiteY0" fmla="*/ 609601 h 5791201"/>
+              <a:gd name="connsiteX1" fmla="*/ 152400 w 8077200"/>
+              <a:gd name="connsiteY1" fmla="*/ 152402 h 5791201"/>
+              <a:gd name="connsiteX2" fmla="*/ 609600 w 8077200"/>
+              <a:gd name="connsiteY2" fmla="*/ 1 h 5791201"/>
+              <a:gd name="connsiteX3" fmla="*/ 7111981 w 8077200"/>
+              <a:gd name="connsiteY3" fmla="*/ 1 h 5791201"/>
+              <a:gd name="connsiteX4" fmla="*/ 7794494 w 8077200"/>
+              <a:gd name="connsiteY4" fmla="*/ 282708 h 5791201"/>
+              <a:gd name="connsiteX5" fmla="*/ 8077199 w 8077200"/>
+              <a:gd name="connsiteY5" fmla="*/ 965222 h 5791201"/>
+              <a:gd name="connsiteX6" fmla="*/ 8077200 w 8077200"/>
+              <a:gd name="connsiteY6" fmla="*/ 4825982 h 5791201"/>
+              <a:gd name="connsiteX7" fmla="*/ 7794494 w 8077200"/>
+              <a:gd name="connsiteY7" fmla="*/ 5508495 h 5791201"/>
+              <a:gd name="connsiteX8" fmla="*/ 7111981 w 8077200"/>
+              <a:gd name="connsiteY8" fmla="*/ 5791201 h 5791201"/>
+              <a:gd name="connsiteX9" fmla="*/ 965219 w 8077200"/>
+              <a:gd name="connsiteY9" fmla="*/ 5791201 h 5791201"/>
+              <a:gd name="connsiteX10" fmla="*/ 282706 w 8077200"/>
+              <a:gd name="connsiteY10" fmla="*/ 5508494 h 5791201"/>
+              <a:gd name="connsiteX11" fmla="*/ 0 w 8077200"/>
+              <a:gd name="connsiteY11" fmla="*/ 4825981 h 5791201"/>
+              <a:gd name="connsiteX12" fmla="*/ 0 w 8077200"/>
+              <a:gd name="connsiteY12" fmla="*/ 609601 h 5791201"/>
+              <a:gd name="connsiteX0" fmla="*/ 0 w 8077200"/>
+              <a:gd name="connsiteY0" fmla="*/ 609600 h 5791200"/>
+              <a:gd name="connsiteX1" fmla="*/ 152400 w 8077200"/>
+              <a:gd name="connsiteY1" fmla="*/ 152401 h 5791200"/>
+              <a:gd name="connsiteX2" fmla="*/ 533400 w 8077200"/>
+              <a:gd name="connsiteY2" fmla="*/ 1 h 5791200"/>
+              <a:gd name="connsiteX3" fmla="*/ 7111981 w 8077200"/>
+              <a:gd name="connsiteY3" fmla="*/ 0 h 5791200"/>
+              <a:gd name="connsiteX4" fmla="*/ 7794494 w 8077200"/>
+              <a:gd name="connsiteY4" fmla="*/ 282707 h 5791200"/>
+              <a:gd name="connsiteX5" fmla="*/ 8077199 w 8077200"/>
+              <a:gd name="connsiteY5" fmla="*/ 965221 h 5791200"/>
+              <a:gd name="connsiteX6" fmla="*/ 8077200 w 8077200"/>
+              <a:gd name="connsiteY6" fmla="*/ 4825981 h 5791200"/>
+              <a:gd name="connsiteX7" fmla="*/ 7794494 w 8077200"/>
+              <a:gd name="connsiteY7" fmla="*/ 5508494 h 5791200"/>
+              <a:gd name="connsiteX8" fmla="*/ 7111981 w 8077200"/>
+              <a:gd name="connsiteY8" fmla="*/ 5791200 h 5791200"/>
+              <a:gd name="connsiteX9" fmla="*/ 965219 w 8077200"/>
+              <a:gd name="connsiteY9" fmla="*/ 5791200 h 5791200"/>
+              <a:gd name="connsiteX10" fmla="*/ 282706 w 8077200"/>
+              <a:gd name="connsiteY10" fmla="*/ 5508493 h 5791200"/>
+              <a:gd name="connsiteX11" fmla="*/ 0 w 8077200"/>
+              <a:gd name="connsiteY11" fmla="*/ 4825980 h 5791200"/>
+              <a:gd name="connsiteX12" fmla="*/ 0 w 8077200"/>
+              <a:gd name="connsiteY12" fmla="*/ 609600 h 5791200"/>
+              <a:gd name="connsiteX0" fmla="*/ 0 w 8077200"/>
+              <a:gd name="connsiteY0" fmla="*/ 533400 h 5791200"/>
+              <a:gd name="connsiteX1" fmla="*/ 152400 w 8077200"/>
+              <a:gd name="connsiteY1" fmla="*/ 152401 h 5791200"/>
+              <a:gd name="connsiteX2" fmla="*/ 533400 w 8077200"/>
+              <a:gd name="connsiteY2" fmla="*/ 1 h 5791200"/>
+              <a:gd name="connsiteX3" fmla="*/ 7111981 w 8077200"/>
+              <a:gd name="connsiteY3" fmla="*/ 0 h 5791200"/>
+              <a:gd name="connsiteX4" fmla="*/ 7794494 w 8077200"/>
+              <a:gd name="connsiteY4" fmla="*/ 282707 h 5791200"/>
+              <a:gd name="connsiteX5" fmla="*/ 8077199 w 8077200"/>
+              <a:gd name="connsiteY5" fmla="*/ 965221 h 5791200"/>
+              <a:gd name="connsiteX6" fmla="*/ 8077200 w 8077200"/>
+              <a:gd name="connsiteY6" fmla="*/ 4825981 h 5791200"/>
+              <a:gd name="connsiteX7" fmla="*/ 7794494 w 8077200"/>
+              <a:gd name="connsiteY7" fmla="*/ 5508494 h 5791200"/>
+              <a:gd name="connsiteX8" fmla="*/ 7111981 w 8077200"/>
+              <a:gd name="connsiteY8" fmla="*/ 5791200 h 5791200"/>
+              <a:gd name="connsiteX9" fmla="*/ 965219 w 8077200"/>
+              <a:gd name="connsiteY9" fmla="*/ 5791200 h 5791200"/>
+              <a:gd name="connsiteX10" fmla="*/ 282706 w 8077200"/>
+              <a:gd name="connsiteY10" fmla="*/ 5508493 h 5791200"/>
+              <a:gd name="connsiteX11" fmla="*/ 0 w 8077200"/>
+              <a:gd name="connsiteY11" fmla="*/ 4825980 h 5791200"/>
+              <a:gd name="connsiteX12" fmla="*/ 0 w 8077200"/>
+              <a:gd name="connsiteY12" fmla="*/ 533400 h 5791200"/>
+              <a:gd name="connsiteX0" fmla="*/ 12700 w 8089900"/>
+              <a:gd name="connsiteY0" fmla="*/ 546100 h 5803900"/>
+              <a:gd name="connsiteX1" fmla="*/ 88900 w 8089900"/>
+              <a:gd name="connsiteY1" fmla="*/ 88900 h 5803900"/>
+              <a:gd name="connsiteX2" fmla="*/ 546100 w 8089900"/>
+              <a:gd name="connsiteY2" fmla="*/ 12701 h 5803900"/>
+              <a:gd name="connsiteX3" fmla="*/ 7124681 w 8089900"/>
+              <a:gd name="connsiteY3" fmla="*/ 12700 h 5803900"/>
+              <a:gd name="connsiteX4" fmla="*/ 7807194 w 8089900"/>
+              <a:gd name="connsiteY4" fmla="*/ 295407 h 5803900"/>
+              <a:gd name="connsiteX5" fmla="*/ 8089899 w 8089900"/>
+              <a:gd name="connsiteY5" fmla="*/ 977921 h 5803900"/>
+              <a:gd name="connsiteX6" fmla="*/ 8089900 w 8089900"/>
+              <a:gd name="connsiteY6" fmla="*/ 4838681 h 5803900"/>
+              <a:gd name="connsiteX7" fmla="*/ 7807194 w 8089900"/>
+              <a:gd name="connsiteY7" fmla="*/ 5521194 h 5803900"/>
+              <a:gd name="connsiteX8" fmla="*/ 7124681 w 8089900"/>
+              <a:gd name="connsiteY8" fmla="*/ 5803900 h 5803900"/>
+              <a:gd name="connsiteX9" fmla="*/ 977919 w 8089900"/>
+              <a:gd name="connsiteY9" fmla="*/ 5803900 h 5803900"/>
+              <a:gd name="connsiteX10" fmla="*/ 295406 w 8089900"/>
+              <a:gd name="connsiteY10" fmla="*/ 5521193 h 5803900"/>
+              <a:gd name="connsiteX11" fmla="*/ 12700 w 8089900"/>
+              <a:gd name="connsiteY11" fmla="*/ 4838680 h 5803900"/>
+              <a:gd name="connsiteX12" fmla="*/ 12700 w 8089900"/>
+              <a:gd name="connsiteY12" fmla="*/ 546100 h 5803900"/>
+              <a:gd name="connsiteX0" fmla="*/ 12700 w 8089900"/>
+              <a:gd name="connsiteY0" fmla="*/ 546100 h 5803900"/>
+              <a:gd name="connsiteX1" fmla="*/ 88900 w 8089900"/>
+              <a:gd name="connsiteY1" fmla="*/ 88900 h 5803900"/>
+              <a:gd name="connsiteX2" fmla="*/ 546100 w 8089900"/>
+              <a:gd name="connsiteY2" fmla="*/ 12701 h 5803900"/>
+              <a:gd name="connsiteX3" fmla="*/ 7124681 w 8089900"/>
+              <a:gd name="connsiteY3" fmla="*/ 12700 h 5803900"/>
+              <a:gd name="connsiteX4" fmla="*/ 7807194 w 8089900"/>
+              <a:gd name="connsiteY4" fmla="*/ 295407 h 5803900"/>
+              <a:gd name="connsiteX5" fmla="*/ 8089899 w 8089900"/>
+              <a:gd name="connsiteY5" fmla="*/ 977921 h 5803900"/>
+              <a:gd name="connsiteX6" fmla="*/ 8089900 w 8089900"/>
+              <a:gd name="connsiteY6" fmla="*/ 4838681 h 5803900"/>
+              <a:gd name="connsiteX7" fmla="*/ 7807194 w 8089900"/>
+              <a:gd name="connsiteY7" fmla="*/ 5521194 h 5803900"/>
+              <a:gd name="connsiteX8" fmla="*/ 7124681 w 8089900"/>
+              <a:gd name="connsiteY8" fmla="*/ 5803900 h 5803900"/>
+              <a:gd name="connsiteX9" fmla="*/ 977919 w 8089900"/>
+              <a:gd name="connsiteY9" fmla="*/ 5803900 h 5803900"/>
+              <a:gd name="connsiteX10" fmla="*/ 295406 w 8089900"/>
+              <a:gd name="connsiteY10" fmla="*/ 5521193 h 5803900"/>
+              <a:gd name="connsiteX11" fmla="*/ 12700 w 8089900"/>
+              <a:gd name="connsiteY11" fmla="*/ 5346700 h 5803900"/>
+              <a:gd name="connsiteX12" fmla="*/ 12700 w 8089900"/>
+              <a:gd name="connsiteY12" fmla="*/ 546100 h 5803900"/>
+              <a:gd name="connsiteX0" fmla="*/ 12700 w 8089900"/>
+              <a:gd name="connsiteY0" fmla="*/ 546100 h 5803900"/>
+              <a:gd name="connsiteX1" fmla="*/ 88900 w 8089900"/>
+              <a:gd name="connsiteY1" fmla="*/ 88900 h 5803900"/>
+              <a:gd name="connsiteX2" fmla="*/ 546100 w 8089900"/>
+              <a:gd name="connsiteY2" fmla="*/ 12701 h 5803900"/>
+              <a:gd name="connsiteX3" fmla="*/ 7124681 w 8089900"/>
+              <a:gd name="connsiteY3" fmla="*/ 12700 h 5803900"/>
+              <a:gd name="connsiteX4" fmla="*/ 7807194 w 8089900"/>
+              <a:gd name="connsiteY4" fmla="*/ 295407 h 5803900"/>
+              <a:gd name="connsiteX5" fmla="*/ 8089899 w 8089900"/>
+              <a:gd name="connsiteY5" fmla="*/ 977921 h 5803900"/>
+              <a:gd name="connsiteX6" fmla="*/ 8089900 w 8089900"/>
+              <a:gd name="connsiteY6" fmla="*/ 4838681 h 5803900"/>
+              <a:gd name="connsiteX7" fmla="*/ 7807194 w 8089900"/>
+              <a:gd name="connsiteY7" fmla="*/ 5521194 h 5803900"/>
+              <a:gd name="connsiteX8" fmla="*/ 7124681 w 8089900"/>
+              <a:gd name="connsiteY8" fmla="*/ 5803900 h 5803900"/>
+              <a:gd name="connsiteX9" fmla="*/ 546100 w 8089900"/>
+              <a:gd name="connsiteY9" fmla="*/ 5803900 h 5803900"/>
+              <a:gd name="connsiteX10" fmla="*/ 295406 w 8089900"/>
+              <a:gd name="connsiteY10" fmla="*/ 5521193 h 5803900"/>
+              <a:gd name="connsiteX11" fmla="*/ 12700 w 8089900"/>
+              <a:gd name="connsiteY11" fmla="*/ 5346700 h 5803900"/>
+              <a:gd name="connsiteX12" fmla="*/ 12700 w 8089900"/>
+              <a:gd name="connsiteY12" fmla="*/ 546100 h 5803900"/>
+              <a:gd name="connsiteX0" fmla="*/ 12700 w 8089900"/>
+              <a:gd name="connsiteY0" fmla="*/ 546100 h 5803900"/>
+              <a:gd name="connsiteX1" fmla="*/ 88900 w 8089900"/>
+              <a:gd name="connsiteY1" fmla="*/ 88900 h 5803900"/>
+              <a:gd name="connsiteX2" fmla="*/ 546100 w 8089900"/>
+              <a:gd name="connsiteY2" fmla="*/ 12701 h 5803900"/>
+              <a:gd name="connsiteX3" fmla="*/ 7124681 w 8089900"/>
+              <a:gd name="connsiteY3" fmla="*/ 12700 h 5803900"/>
+              <a:gd name="connsiteX4" fmla="*/ 7807194 w 8089900"/>
+              <a:gd name="connsiteY4" fmla="*/ 295407 h 5803900"/>
+              <a:gd name="connsiteX5" fmla="*/ 8089899 w 8089900"/>
+              <a:gd name="connsiteY5" fmla="*/ 977921 h 5803900"/>
+              <a:gd name="connsiteX6" fmla="*/ 8089900 w 8089900"/>
+              <a:gd name="connsiteY6" fmla="*/ 4838681 h 5803900"/>
+              <a:gd name="connsiteX7" fmla="*/ 7807194 w 8089900"/>
+              <a:gd name="connsiteY7" fmla="*/ 5521194 h 5803900"/>
+              <a:gd name="connsiteX8" fmla="*/ 7124681 w 8089900"/>
+              <a:gd name="connsiteY8" fmla="*/ 5803900 h 5803900"/>
+              <a:gd name="connsiteX9" fmla="*/ 546100 w 8089900"/>
+              <a:gd name="connsiteY9" fmla="*/ 5803900 h 5803900"/>
+              <a:gd name="connsiteX10" fmla="*/ 88900 w 8089900"/>
+              <a:gd name="connsiteY10" fmla="*/ 5727700 h 5803900"/>
+              <a:gd name="connsiteX11" fmla="*/ 12700 w 8089900"/>
+              <a:gd name="connsiteY11" fmla="*/ 5346700 h 5803900"/>
+              <a:gd name="connsiteX12" fmla="*/ 12700 w 8089900"/>
+              <a:gd name="connsiteY12" fmla="*/ 546100 h 5803900"/>
+              <a:gd name="connsiteX0" fmla="*/ 12700 w 8089900"/>
+              <a:gd name="connsiteY0" fmla="*/ 546100 h 5803900"/>
+              <a:gd name="connsiteX1" fmla="*/ 88900 w 8089900"/>
+              <a:gd name="connsiteY1" fmla="*/ 88900 h 5803900"/>
+              <a:gd name="connsiteX2" fmla="*/ 546100 w 8089900"/>
+              <a:gd name="connsiteY2" fmla="*/ 12701 h 5803900"/>
+              <a:gd name="connsiteX3" fmla="*/ 7556500 w 8089900"/>
+              <a:gd name="connsiteY3" fmla="*/ 12700 h 5803900"/>
+              <a:gd name="connsiteX4" fmla="*/ 7807194 w 8089900"/>
+              <a:gd name="connsiteY4" fmla="*/ 295407 h 5803900"/>
+              <a:gd name="connsiteX5" fmla="*/ 8089899 w 8089900"/>
+              <a:gd name="connsiteY5" fmla="*/ 977921 h 5803900"/>
+              <a:gd name="connsiteX6" fmla="*/ 8089900 w 8089900"/>
+              <a:gd name="connsiteY6" fmla="*/ 4838681 h 5803900"/>
+              <a:gd name="connsiteX7" fmla="*/ 7807194 w 8089900"/>
+              <a:gd name="connsiteY7" fmla="*/ 5521194 h 5803900"/>
+              <a:gd name="connsiteX8" fmla="*/ 7124681 w 8089900"/>
+              <a:gd name="connsiteY8" fmla="*/ 5803900 h 5803900"/>
+              <a:gd name="connsiteX9" fmla="*/ 546100 w 8089900"/>
+              <a:gd name="connsiteY9" fmla="*/ 5803900 h 5803900"/>
+              <a:gd name="connsiteX10" fmla="*/ 88900 w 8089900"/>
+              <a:gd name="connsiteY10" fmla="*/ 5727700 h 5803900"/>
+              <a:gd name="connsiteX11" fmla="*/ 12700 w 8089900"/>
+              <a:gd name="connsiteY11" fmla="*/ 5346700 h 5803900"/>
+              <a:gd name="connsiteX12" fmla="*/ 12700 w 8089900"/>
+              <a:gd name="connsiteY12" fmla="*/ 546100 h 5803900"/>
+              <a:gd name="connsiteX0" fmla="*/ 12700 w 8089901"/>
+              <a:gd name="connsiteY0" fmla="*/ 546100 h 5803900"/>
+              <a:gd name="connsiteX1" fmla="*/ 88900 w 8089901"/>
+              <a:gd name="connsiteY1" fmla="*/ 88900 h 5803900"/>
+              <a:gd name="connsiteX2" fmla="*/ 546100 w 8089901"/>
+              <a:gd name="connsiteY2" fmla="*/ 12701 h 5803900"/>
+              <a:gd name="connsiteX3" fmla="*/ 7556500 w 8089901"/>
+              <a:gd name="connsiteY3" fmla="*/ 12700 h 5803900"/>
+              <a:gd name="connsiteX4" fmla="*/ 7807194 w 8089901"/>
+              <a:gd name="connsiteY4" fmla="*/ 295407 h 5803900"/>
+              <a:gd name="connsiteX5" fmla="*/ 8089900 w 8089901"/>
+              <a:gd name="connsiteY5" fmla="*/ 469900 h 5803900"/>
+              <a:gd name="connsiteX6" fmla="*/ 8089900 w 8089901"/>
+              <a:gd name="connsiteY6" fmla="*/ 4838681 h 5803900"/>
+              <a:gd name="connsiteX7" fmla="*/ 7807194 w 8089901"/>
+              <a:gd name="connsiteY7" fmla="*/ 5521194 h 5803900"/>
+              <a:gd name="connsiteX8" fmla="*/ 7124681 w 8089901"/>
+              <a:gd name="connsiteY8" fmla="*/ 5803900 h 5803900"/>
+              <a:gd name="connsiteX9" fmla="*/ 546100 w 8089901"/>
+              <a:gd name="connsiteY9" fmla="*/ 5803900 h 5803900"/>
+              <a:gd name="connsiteX10" fmla="*/ 88900 w 8089901"/>
+              <a:gd name="connsiteY10" fmla="*/ 5727700 h 5803900"/>
+              <a:gd name="connsiteX11" fmla="*/ 12700 w 8089901"/>
+              <a:gd name="connsiteY11" fmla="*/ 5346700 h 5803900"/>
+              <a:gd name="connsiteX12" fmla="*/ 12700 w 8089901"/>
+              <a:gd name="connsiteY12" fmla="*/ 546100 h 5803900"/>
+              <a:gd name="connsiteX0" fmla="*/ 12700 w 8102600"/>
+              <a:gd name="connsiteY0" fmla="*/ 546100 h 5803900"/>
+              <a:gd name="connsiteX1" fmla="*/ 88900 w 8102600"/>
+              <a:gd name="connsiteY1" fmla="*/ 88900 h 5803900"/>
+              <a:gd name="connsiteX2" fmla="*/ 546100 w 8102600"/>
+              <a:gd name="connsiteY2" fmla="*/ 12701 h 5803900"/>
+              <a:gd name="connsiteX3" fmla="*/ 7556500 w 8102600"/>
+              <a:gd name="connsiteY3" fmla="*/ 12700 h 5803900"/>
+              <a:gd name="connsiteX4" fmla="*/ 8013700 w 8102600"/>
+              <a:gd name="connsiteY4" fmla="*/ 88900 h 5803900"/>
+              <a:gd name="connsiteX5" fmla="*/ 8089900 w 8102600"/>
+              <a:gd name="connsiteY5" fmla="*/ 469900 h 5803900"/>
+              <a:gd name="connsiteX6" fmla="*/ 8089900 w 8102600"/>
+              <a:gd name="connsiteY6" fmla="*/ 4838681 h 5803900"/>
+              <a:gd name="connsiteX7" fmla="*/ 7807194 w 8102600"/>
+              <a:gd name="connsiteY7" fmla="*/ 5521194 h 5803900"/>
+              <a:gd name="connsiteX8" fmla="*/ 7124681 w 8102600"/>
+              <a:gd name="connsiteY8" fmla="*/ 5803900 h 5803900"/>
+              <a:gd name="connsiteX9" fmla="*/ 546100 w 8102600"/>
+              <a:gd name="connsiteY9" fmla="*/ 5803900 h 5803900"/>
+              <a:gd name="connsiteX10" fmla="*/ 88900 w 8102600"/>
+              <a:gd name="connsiteY10" fmla="*/ 5727700 h 5803900"/>
+              <a:gd name="connsiteX11" fmla="*/ 12700 w 8102600"/>
+              <a:gd name="connsiteY11" fmla="*/ 5346700 h 5803900"/>
+              <a:gd name="connsiteX12" fmla="*/ 12700 w 8102600"/>
+              <a:gd name="connsiteY12" fmla="*/ 546100 h 5803900"/>
+              <a:gd name="connsiteX0" fmla="*/ 12700 w 8102600"/>
+              <a:gd name="connsiteY0" fmla="*/ 546100 h 5803900"/>
+              <a:gd name="connsiteX1" fmla="*/ 88900 w 8102600"/>
+              <a:gd name="connsiteY1" fmla="*/ 88900 h 5803900"/>
+              <a:gd name="connsiteX2" fmla="*/ 546100 w 8102600"/>
+              <a:gd name="connsiteY2" fmla="*/ 12701 h 5803900"/>
+              <a:gd name="connsiteX3" fmla="*/ 7556500 w 8102600"/>
+              <a:gd name="connsiteY3" fmla="*/ 12700 h 5803900"/>
+              <a:gd name="connsiteX4" fmla="*/ 8013700 w 8102600"/>
+              <a:gd name="connsiteY4" fmla="*/ 88900 h 5803900"/>
+              <a:gd name="connsiteX5" fmla="*/ 8089899 w 8102600"/>
+              <a:gd name="connsiteY5" fmla="*/ 469900 h 5803900"/>
+              <a:gd name="connsiteX6" fmla="*/ 8089900 w 8102600"/>
+              <a:gd name="connsiteY6" fmla="*/ 4838681 h 5803900"/>
+              <a:gd name="connsiteX7" fmla="*/ 7807194 w 8102600"/>
+              <a:gd name="connsiteY7" fmla="*/ 5521194 h 5803900"/>
+              <a:gd name="connsiteX8" fmla="*/ 7124681 w 8102600"/>
+              <a:gd name="connsiteY8" fmla="*/ 5803900 h 5803900"/>
+              <a:gd name="connsiteX9" fmla="*/ 546100 w 8102600"/>
+              <a:gd name="connsiteY9" fmla="*/ 5803900 h 5803900"/>
+              <a:gd name="connsiteX10" fmla="*/ 88900 w 8102600"/>
+              <a:gd name="connsiteY10" fmla="*/ 5727700 h 5803900"/>
+              <a:gd name="connsiteX11" fmla="*/ 12700 w 8102600"/>
+              <a:gd name="connsiteY11" fmla="*/ 5346700 h 5803900"/>
+              <a:gd name="connsiteX12" fmla="*/ 12700 w 8102600"/>
+              <a:gd name="connsiteY12" fmla="*/ 546100 h 5803900"/>
+              <a:gd name="connsiteX0" fmla="*/ 12700 w 8102599"/>
+              <a:gd name="connsiteY0" fmla="*/ 546100 h 5803900"/>
+              <a:gd name="connsiteX1" fmla="*/ 88900 w 8102599"/>
+              <a:gd name="connsiteY1" fmla="*/ 88900 h 5803900"/>
+              <a:gd name="connsiteX2" fmla="*/ 546100 w 8102599"/>
+              <a:gd name="connsiteY2" fmla="*/ 12701 h 5803900"/>
+              <a:gd name="connsiteX3" fmla="*/ 7556500 w 8102599"/>
+              <a:gd name="connsiteY3" fmla="*/ 12700 h 5803900"/>
+              <a:gd name="connsiteX4" fmla="*/ 8013699 w 8102599"/>
+              <a:gd name="connsiteY4" fmla="*/ 88900 h 5803900"/>
+              <a:gd name="connsiteX5" fmla="*/ 8089899 w 8102599"/>
+              <a:gd name="connsiteY5" fmla="*/ 469900 h 5803900"/>
+              <a:gd name="connsiteX6" fmla="*/ 8089900 w 8102599"/>
+              <a:gd name="connsiteY6" fmla="*/ 4838681 h 5803900"/>
+              <a:gd name="connsiteX7" fmla="*/ 7807194 w 8102599"/>
+              <a:gd name="connsiteY7" fmla="*/ 5521194 h 5803900"/>
+              <a:gd name="connsiteX8" fmla="*/ 7124681 w 8102599"/>
+              <a:gd name="connsiteY8" fmla="*/ 5803900 h 5803900"/>
+              <a:gd name="connsiteX9" fmla="*/ 546100 w 8102599"/>
+              <a:gd name="connsiteY9" fmla="*/ 5803900 h 5803900"/>
+              <a:gd name="connsiteX10" fmla="*/ 88900 w 8102599"/>
+              <a:gd name="connsiteY10" fmla="*/ 5727700 h 5803900"/>
+              <a:gd name="connsiteX11" fmla="*/ 12700 w 8102599"/>
+              <a:gd name="connsiteY11" fmla="*/ 5346700 h 5803900"/>
+              <a:gd name="connsiteX12" fmla="*/ 12700 w 8102599"/>
+              <a:gd name="connsiteY12" fmla="*/ 546100 h 5803900"/>
+              <a:gd name="connsiteX0" fmla="*/ 12700 w 8102599"/>
+              <a:gd name="connsiteY0" fmla="*/ 546100 h 5803900"/>
+              <a:gd name="connsiteX1" fmla="*/ 88900 w 8102599"/>
+              <a:gd name="connsiteY1" fmla="*/ 88900 h 5803900"/>
+              <a:gd name="connsiteX2" fmla="*/ 546100 w 8102599"/>
+              <a:gd name="connsiteY2" fmla="*/ 12701 h 5803900"/>
+              <a:gd name="connsiteX3" fmla="*/ 7556500 w 8102599"/>
+              <a:gd name="connsiteY3" fmla="*/ 12700 h 5803900"/>
+              <a:gd name="connsiteX4" fmla="*/ 8013699 w 8102599"/>
+              <a:gd name="connsiteY4" fmla="*/ 88900 h 5803900"/>
+              <a:gd name="connsiteX5" fmla="*/ 8089899 w 8102599"/>
+              <a:gd name="connsiteY5" fmla="*/ 469900 h 5803900"/>
+              <a:gd name="connsiteX6" fmla="*/ 8089900 w 8102599"/>
+              <a:gd name="connsiteY6" fmla="*/ 5346700 h 5803900"/>
+              <a:gd name="connsiteX7" fmla="*/ 7807194 w 8102599"/>
+              <a:gd name="connsiteY7" fmla="*/ 5521194 h 5803900"/>
+              <a:gd name="connsiteX8" fmla="*/ 7124681 w 8102599"/>
+              <a:gd name="connsiteY8" fmla="*/ 5803900 h 5803900"/>
+              <a:gd name="connsiteX9" fmla="*/ 546100 w 8102599"/>
+              <a:gd name="connsiteY9" fmla="*/ 5803900 h 5803900"/>
+              <a:gd name="connsiteX10" fmla="*/ 88900 w 8102599"/>
+              <a:gd name="connsiteY10" fmla="*/ 5727700 h 5803900"/>
+              <a:gd name="connsiteX11" fmla="*/ 12700 w 8102599"/>
+              <a:gd name="connsiteY11" fmla="*/ 5346700 h 5803900"/>
+              <a:gd name="connsiteX12" fmla="*/ 12700 w 8102599"/>
+              <a:gd name="connsiteY12" fmla="*/ 546100 h 5803900"/>
+              <a:gd name="connsiteX0" fmla="*/ 12700 w 8102599"/>
+              <a:gd name="connsiteY0" fmla="*/ 546100 h 5803900"/>
+              <a:gd name="connsiteX1" fmla="*/ 88900 w 8102599"/>
+              <a:gd name="connsiteY1" fmla="*/ 88900 h 5803900"/>
+              <a:gd name="connsiteX2" fmla="*/ 546100 w 8102599"/>
+              <a:gd name="connsiteY2" fmla="*/ 12701 h 5803900"/>
+              <a:gd name="connsiteX3" fmla="*/ 7556500 w 8102599"/>
+              <a:gd name="connsiteY3" fmla="*/ 12700 h 5803900"/>
+              <a:gd name="connsiteX4" fmla="*/ 8013699 w 8102599"/>
+              <a:gd name="connsiteY4" fmla="*/ 88900 h 5803900"/>
+              <a:gd name="connsiteX5" fmla="*/ 8089899 w 8102599"/>
+              <a:gd name="connsiteY5" fmla="*/ 469900 h 5803900"/>
+              <a:gd name="connsiteX6" fmla="*/ 8089900 w 8102599"/>
+              <a:gd name="connsiteY6" fmla="*/ 5346700 h 5803900"/>
+              <a:gd name="connsiteX7" fmla="*/ 7807194 w 8102599"/>
+              <a:gd name="connsiteY7" fmla="*/ 5521194 h 5803900"/>
+              <a:gd name="connsiteX8" fmla="*/ 7632700 w 8102599"/>
+              <a:gd name="connsiteY8" fmla="*/ 5803900 h 5803900"/>
+              <a:gd name="connsiteX9" fmla="*/ 546100 w 8102599"/>
+              <a:gd name="connsiteY9" fmla="*/ 5803900 h 5803900"/>
+              <a:gd name="connsiteX10" fmla="*/ 88900 w 8102599"/>
+              <a:gd name="connsiteY10" fmla="*/ 5727700 h 5803900"/>
+              <a:gd name="connsiteX11" fmla="*/ 12700 w 8102599"/>
+              <a:gd name="connsiteY11" fmla="*/ 5346700 h 5803900"/>
+              <a:gd name="connsiteX12" fmla="*/ 12700 w 8102599"/>
+              <a:gd name="connsiteY12" fmla="*/ 546100 h 5803900"/>
+              <a:gd name="connsiteX0" fmla="*/ 12700 w 8102599"/>
+              <a:gd name="connsiteY0" fmla="*/ 546100 h 5803900"/>
+              <a:gd name="connsiteX1" fmla="*/ 88900 w 8102599"/>
+              <a:gd name="connsiteY1" fmla="*/ 88900 h 5803900"/>
+              <a:gd name="connsiteX2" fmla="*/ 546100 w 8102599"/>
+              <a:gd name="connsiteY2" fmla="*/ 12701 h 5803900"/>
+              <a:gd name="connsiteX3" fmla="*/ 7556500 w 8102599"/>
+              <a:gd name="connsiteY3" fmla="*/ 12700 h 5803900"/>
+              <a:gd name="connsiteX4" fmla="*/ 8013699 w 8102599"/>
+              <a:gd name="connsiteY4" fmla="*/ 88900 h 5803900"/>
+              <a:gd name="connsiteX5" fmla="*/ 8089899 w 8102599"/>
+              <a:gd name="connsiteY5" fmla="*/ 469900 h 5803900"/>
+              <a:gd name="connsiteX6" fmla="*/ 8089900 w 8102599"/>
+              <a:gd name="connsiteY6" fmla="*/ 5346700 h 5803900"/>
+              <a:gd name="connsiteX7" fmla="*/ 8013700 w 8102599"/>
+              <a:gd name="connsiteY7" fmla="*/ 5727700 h 5803900"/>
+              <a:gd name="connsiteX8" fmla="*/ 7632700 w 8102599"/>
+              <a:gd name="connsiteY8" fmla="*/ 5803900 h 5803900"/>
+              <a:gd name="connsiteX9" fmla="*/ 546100 w 8102599"/>
+              <a:gd name="connsiteY9" fmla="*/ 5803900 h 5803900"/>
+              <a:gd name="connsiteX10" fmla="*/ 88900 w 8102599"/>
+              <a:gd name="connsiteY10" fmla="*/ 5727700 h 5803900"/>
+              <a:gd name="connsiteX11" fmla="*/ 12700 w 8102599"/>
+              <a:gd name="connsiteY11" fmla="*/ 5346700 h 5803900"/>
+              <a:gd name="connsiteX12" fmla="*/ 12700 w 8102599"/>
+              <a:gd name="connsiteY12" fmla="*/ 546100 h 5803900"/>
+            </a:gdLst>
+            <a:ahLst/>
+            <a:cxnLst>
+              <a:cxn ang="0">
+                <a:pos x="connsiteX0" y="connsiteY0"/>
+              </a:cxn>
+              <a:cxn ang="0">
+                <a:pos x="connsiteX1" y="connsiteY1"/>
+              </a:cxn>
+              <a:cxn ang="0">
+                <a:pos x="connsiteX2" y="connsiteY2"/>
+              </a:cxn>
+              <a:cxn ang="0">
+                <a:pos x="connsiteX3" y="connsiteY3"/>
+              </a:cxn>
+              <a:cxn ang="0">
+                <a:pos x="connsiteX4" y="connsiteY4"/>
+              </a:cxn>
+              <a:cxn ang="0">
+                <a:pos x="connsiteX5" y="connsiteY5"/>
+              </a:cxn>
+              <a:cxn ang="0">
+                <a:pos x="connsiteX6" y="connsiteY6"/>
+              </a:cxn>
+              <a:cxn ang="0">
+                <a:pos x="connsiteX7" y="connsiteY7"/>
+              </a:cxn>
+              <a:cxn ang="0">
+                <a:pos x="connsiteX8" y="connsiteY8"/>
+              </a:cxn>
+              <a:cxn ang="0">
+                <a:pos x="connsiteX9" y="connsiteY9"/>
+              </a:cxn>
+              <a:cxn ang="0">
+                <a:pos x="connsiteX10" y="connsiteY10"/>
+              </a:cxn>
+              <a:cxn ang="0">
+                <a:pos x="connsiteX11" y="connsiteY11"/>
+              </a:cxn>
+              <a:cxn ang="0">
+                <a:pos x="connsiteX12" y="connsiteY12"/>
+              </a:cxn>
+            </a:cxnLst>
+            <a:rect l="l" t="t" r="r" b="b"/>
+            <a:pathLst>
+              <a:path w="8102599" h="5803900">
+                <a:moveTo>
+                  <a:pt x="12700" y="546100"/>
+                </a:moveTo>
+                <a:cubicBezTo>
+                  <a:pt x="12700" y="290108"/>
+                  <a:pt x="0" y="177800"/>
+                  <a:pt x="88900" y="88900"/>
+                </a:cubicBezTo>
+                <a:cubicBezTo>
+                  <a:pt x="177800" y="0"/>
+                  <a:pt x="290107" y="12700"/>
+                  <a:pt x="546100" y="12701"/>
+                </a:cubicBezTo>
+                <a:lnTo>
+                  <a:pt x="7556500" y="12700"/>
+                </a:lnTo>
+                <a:cubicBezTo>
+                  <a:pt x="7812492" y="12700"/>
+                  <a:pt x="7924799" y="12700"/>
+                  <a:pt x="8013699" y="88900"/>
+                </a:cubicBezTo>
+                <a:cubicBezTo>
+                  <a:pt x="8102599" y="165100"/>
+                  <a:pt x="8089900" y="213907"/>
+                  <a:pt x="8089899" y="469900"/>
+                </a:cubicBezTo>
+                <a:cubicBezTo>
+                  <a:pt x="8089899" y="1926160"/>
+                  <a:pt x="8089900" y="3890440"/>
+                  <a:pt x="8089900" y="5346700"/>
+                </a:cubicBezTo>
+                <a:cubicBezTo>
+                  <a:pt x="8089900" y="5602692"/>
+                  <a:pt x="8089900" y="5651500"/>
+                  <a:pt x="8013700" y="5727700"/>
+                </a:cubicBezTo>
+                <a:cubicBezTo>
+                  <a:pt x="7937500" y="5803900"/>
+                  <a:pt x="7888692" y="5803900"/>
+                  <a:pt x="7632700" y="5803900"/>
+                </a:cubicBezTo>
+                <a:lnTo>
+                  <a:pt x="546100" y="5803900"/>
+                </a:lnTo>
+                <a:cubicBezTo>
+                  <a:pt x="290108" y="5803900"/>
+                  <a:pt x="177800" y="5803900"/>
+                  <a:pt x="88900" y="5727700"/>
+                </a:cubicBezTo>
+                <a:cubicBezTo>
+                  <a:pt x="0" y="5651500"/>
+                  <a:pt x="12700" y="5602692"/>
+                  <a:pt x="12700" y="5346700"/>
+                </a:cubicBezTo>
+                <a:lnTo>
+                  <a:pt x="12700" y="546100"/>
+                </a:lnTo>
+                <a:close/>
+              </a:path>
+            </a:pathLst>
+          </a:custGeom>
+          <a:gradFill>
+            <a:gsLst>
+              <a:gs pos="0">
+                <a:schemeClr val="bg1">
+                  <a:lumMod val="50000"/>
+                </a:schemeClr>
+              </a:gs>
+              <a:gs pos="39999">
+                <a:schemeClr val="bg1">
+                  <a:lumMod val="65000"/>
+                </a:schemeClr>
+              </a:gs>
+              <a:gs pos="70000">
+                <a:schemeClr val="bg1">
+                  <a:lumMod val="50000"/>
+                  <a:alpha val="73000"/>
+                </a:schemeClr>
+              </a:gs>
+            </a:gsLst>
+            <a:lin ang="5400000" scaled="0"/>
+          </a:gradFill>
+          <a:ln>
+            <a:solidFill>
+              <a:schemeClr val="bg1">
+                <a:lumMod val="75000"/>
+              </a:schemeClr>
+            </a:solidFill>
+          </a:ln>
+        </p:spPr>
+        <p:style>
+          <a:lnRef idx="2">
+            <a:schemeClr val="accent1">
+              <a:shade val="50000"/>
+            </a:schemeClr>
+          </a:lnRef>
+          <a:fillRef idx="1">
+            <a:schemeClr val="accent1"/>
+          </a:fillRef>
+          <a:effectRef idx="0">
+            <a:schemeClr val="accent1"/>
+          </a:effectRef>
+          <a:fontRef idx="minor">
+            <a:schemeClr val="lt1"/>
+          </a:fontRef>
+        </p:style>
+        <p:txBody>
+          <a:bodyPr rtlCol="0" anchor="ctr"/>
+          <a:lstStyle/>
+          <a:p>
+            <a:pPr fontAlgn="t"/>
+            <a:endParaRPr lang="es-AR" b="1" dirty="0" smtClean="0"/>
+          </a:p>
+          <a:p>
+            <a:pPr algn="ctr"/>
+            <a:endParaRPr lang="es-AR" dirty="0"/>
+          </a:p>
+        </p:txBody>
+      </p:sp>
+      <p:sp>
+        <p:nvSpPr>
+          <p:cNvPr id="14" name="Rectangle 13"/>
+          <p:cNvSpPr/>
+          <p:nvPr/>
+        </p:nvSpPr>
+        <p:spPr>
+          <a:xfrm>
+            <a:off x="381000" y="1295400"/>
+            <a:ext cx="8458200" cy="1066800"/>
+          </a:xfrm>
+          <a:prstGeom prst="rect">
+            <a:avLst/>
+          </a:prstGeom>
+          <a:noFill/>
+          <a:ln>
+            <a:noFill/>
+          </a:ln>
+        </p:spPr>
+        <p:style>
+          <a:lnRef idx="2">
+            <a:schemeClr val="accent1">
+              <a:shade val="50000"/>
+            </a:schemeClr>
+          </a:lnRef>
+          <a:fillRef idx="1">
+            <a:schemeClr val="accent1"/>
+          </a:fillRef>
+          <a:effectRef idx="0">
+            <a:schemeClr val="accent1"/>
+          </a:effectRef>
+          <a:fontRef idx="minor">
+            <a:schemeClr val="lt1"/>
+          </a:fontRef>
+        </p:style>
+        <p:txBody>
+          <a:bodyPr rtlCol="0" anchor="ctr"/>
+          <a:lstStyle/>
+          <a:p>
+            <a:pPr algn="ctr"/>
+            <a:r>
+              <a:rPr lang="es-AR" sz="4800" b="1" dirty="0" err="1" smtClean="0"/>
+              <a:t>Frameworks</a:t>
+            </a:r>
+            <a:endParaRPr lang="es-AR" sz="4800" b="1" dirty="0" smtClean="0"/>
+          </a:p>
+          <a:p>
+            <a:pPr algn="ctr"/>
+            <a:endParaRPr lang="es-AR" sz="1200" dirty="0"/>
+          </a:p>
+        </p:txBody>
+      </p:sp>
+      <p:grpSp>
+        <p:nvGrpSpPr>
+          <p:cNvPr id="3" name="Group 14"/>
+          <p:cNvGrpSpPr/>
+          <p:nvPr/>
+        </p:nvGrpSpPr>
+        <p:grpSpPr>
+          <a:xfrm>
+            <a:off x="1295400" y="544415"/>
+            <a:ext cx="6553200" cy="903384"/>
+            <a:chOff x="1295400" y="544415"/>
+            <a:chExt cx="6553200" cy="903384"/>
+          </a:xfrm>
+        </p:grpSpPr>
+        <p:sp>
+          <p:nvSpPr>
+            <p:cNvPr id="16" name="Round Same Side Corner Rectangle 15"/>
+            <p:cNvSpPr/>
+            <p:nvPr/>
+          </p:nvSpPr>
+          <p:spPr>
+            <a:xfrm rot="10800000">
+              <a:off x="1295400" y="544415"/>
+              <a:ext cx="6553200" cy="903384"/>
+            </a:xfrm>
+            <a:prstGeom prst="round2SameRect">
+              <a:avLst/>
+            </a:prstGeom>
+          </p:spPr>
+          <p:style>
+            <a:lnRef idx="2">
+              <a:schemeClr val="dk1">
+                <a:shade val="50000"/>
+              </a:schemeClr>
+            </a:lnRef>
+            <a:fillRef idx="1">
+              <a:schemeClr val="dk1"/>
+            </a:fillRef>
+            <a:effectRef idx="0">
+              <a:schemeClr val="dk1"/>
+            </a:effectRef>
+            <a:fontRef idx="minor">
+              <a:schemeClr val="lt1"/>
+            </a:fontRef>
+          </p:style>
+          <p:txBody>
+            <a:bodyPr rtlCol="0" anchor="ctr"/>
+            <a:lstStyle/>
+            <a:p>
+              <a:pPr algn="ctr"/>
+              <a:endParaRPr lang="es-AR" dirty="0"/>
+            </a:p>
+          </p:txBody>
+        </p:sp>
+        <p:pic>
+          <p:nvPicPr>
+            <p:cNvPr id="20" name="Picture 2" descr="E:\U.B.A.Files\Materias\75.45 Taller de Desarrollo de Proyectos I\TP\Trunk\Proyecto\web\site\images\logo.png"/>
+            <p:cNvPicPr>
+              <a:picLocks noChangeAspect="1" noChangeArrowheads="1"/>
+            </p:cNvPicPr>
+            <p:nvPr/>
+          </p:nvPicPr>
+          <p:blipFill>
+            <a:blip r:embed="rId2" cstate="print"/>
+            <a:srcRect/>
+            <a:stretch>
+              <a:fillRect/>
+            </a:stretch>
+          </p:blipFill>
+          <p:spPr bwMode="auto">
+            <a:xfrm>
+              <a:off x="1600200" y="609600"/>
+              <a:ext cx="2640904" cy="762000"/>
+            </a:xfrm>
+            <a:prstGeom prst="rect">
+              <a:avLst/>
+            </a:prstGeom>
+            <a:noFill/>
+          </p:spPr>
+        </p:pic>
+        <p:sp>
+          <p:nvSpPr>
+            <p:cNvPr id="23" name="TextBox 22"/>
+            <p:cNvSpPr txBox="1"/>
+            <p:nvPr/>
+          </p:nvSpPr>
+          <p:spPr>
+            <a:xfrm>
+              <a:off x="4515457" y="685800"/>
+              <a:ext cx="3180743" cy="307777"/>
+            </a:xfrm>
+            <a:prstGeom prst="rect">
+              <a:avLst/>
+            </a:prstGeom>
+            <a:noFill/>
+          </p:spPr>
+          <p:txBody>
+            <a:bodyPr wrap="none" rtlCol="0">
+              <a:spAutoFit/>
+            </a:bodyPr>
+            <a:lstStyle/>
+            <a:p>
+              <a:r>
+                <a:rPr lang="es-AR" sz="1400" dirty="0" smtClean="0">
+                  <a:solidFill>
+                    <a:schemeClr val="bg1">
+                      <a:lumMod val="50000"/>
+                    </a:schemeClr>
+                  </a:solidFill>
+                </a:rPr>
+                <a:t>Centralización y análisis de datos</a:t>
+              </a:r>
+              <a:endParaRPr lang="es-AR" sz="1400" dirty="0">
+                <a:solidFill>
+                  <a:schemeClr val="bg1">
+                    <a:lumMod val="50000"/>
+                  </a:schemeClr>
+                </a:solidFill>
+              </a:endParaRPr>
+            </a:p>
+          </p:txBody>
+        </p:sp>
+      </p:grpSp>
+    </p:spTree>
+  </p:cSld>
+  <p:clrMapOvr>
+    <a:masterClrMapping/>
+  </p:clrMapOvr>
+</p:sld>
+</file>
+
+<file path=ppt/slides/slide7.xml><?xml version="1.0" encoding="utf-8"?>
+<p:sld xmlns:a="http://schemas.openxmlformats.org/drawingml/2006/main" xmlns:r="http://schemas.openxmlformats.org/officeDocument/2006/relationships" xmlns:p="http://schemas.openxmlformats.org/presentationml/2006/main">
+  <p:cSld>
+    <p:spTree>
+      <p:nvGrpSpPr>
+        <p:cNvPr id="1" name=""/>
+        <p:cNvGrpSpPr/>
+        <p:nvPr/>
+      </p:nvGrpSpPr>
+      <p:grpSpPr>
+        <a:xfrm>
+          <a:off x="0" y="0"/>
+          <a:ext cx="0" cy="0"/>
+          <a:chOff x="0" y="0"/>
+          <a:chExt cx="0" cy="0"/>
+        </a:xfrm>
+      </p:grpSpPr>
+      <p:grpSp>
+        <p:nvGrpSpPr>
+          <p:cNvPr id="2" name="Group 22"/>
+          <p:cNvGrpSpPr/>
+          <p:nvPr/>
+        </p:nvGrpSpPr>
+        <p:grpSpPr>
+          <a:xfrm>
+            <a:off x="304800" y="304800"/>
+            <a:ext cx="8534400" cy="6248400"/>
+            <a:chOff x="304800" y="304800"/>
+            <a:chExt cx="8534400" cy="6248400"/>
+          </a:xfrm>
+          <a:solidFill>
+            <a:schemeClr val="bg1">
+              <a:lumMod val="85000"/>
+            </a:schemeClr>
+          </a:solidFill>
+        </p:grpSpPr>
+        <p:sp>
+          <p:nvSpPr>
+            <p:cNvPr id="18" name="Rounded Rectangle 17"/>
+            <p:cNvSpPr/>
+            <p:nvPr/>
+          </p:nvSpPr>
+          <p:spPr>
+            <a:xfrm>
+              <a:off x="304800" y="304800"/>
+              <a:ext cx="8534400" cy="6248400"/>
+            </a:xfrm>
+            <a:prstGeom prst="roundRect">
+              <a:avLst/>
+            </a:prstGeom>
+            <a:grpFill/>
+            <a:ln>
+              <a:noFill/>
+            </a:ln>
+          </p:spPr>
+          <p:style>
+            <a:lnRef idx="2">
+              <a:schemeClr val="accent1">
+                <a:shade val="50000"/>
+              </a:schemeClr>
+            </a:lnRef>
+            <a:fillRef idx="1">
+              <a:schemeClr val="accent1"/>
+            </a:fillRef>
+            <a:effectRef idx="0">
+              <a:schemeClr val="accent1"/>
+            </a:effectRef>
+            <a:fontRef idx="minor">
+              <a:schemeClr val="lt1"/>
+            </a:fontRef>
+          </p:style>
+          <p:txBody>
+            <a:bodyPr rtlCol="0" anchor="ctr"/>
+            <a:lstStyle/>
+            <a:p>
+              <a:pPr algn="ctr"/>
+              <a:endParaRPr lang="es-AR"/>
+            </a:p>
+          </p:txBody>
+        </p:sp>
+        <p:sp>
+          <p:nvSpPr>
+            <p:cNvPr id="22" name="Rounded Rectangle 21"/>
+            <p:cNvSpPr/>
+            <p:nvPr/>
+          </p:nvSpPr>
+          <p:spPr>
+            <a:xfrm>
+              <a:off x="7086600" y="304800"/>
+              <a:ext cx="1752600" cy="1752600"/>
+            </a:xfrm>
+            <a:prstGeom prst="roundRect">
+              <a:avLst/>
+            </a:prstGeom>
+            <a:grpFill/>
+            <a:ln>
+              <a:noFill/>
+            </a:ln>
+          </p:spPr>
+          <p:style>
+            <a:lnRef idx="2">
+              <a:schemeClr val="accent1">
+                <a:shade val="50000"/>
+              </a:schemeClr>
+            </a:lnRef>
+            <a:fillRef idx="1">
+              <a:schemeClr val="accent1"/>
+            </a:fillRef>
+            <a:effectRef idx="0">
+              <a:schemeClr val="accent1"/>
+            </a:effectRef>
+            <a:fontRef idx="minor">
+              <a:schemeClr val="lt1"/>
+            </a:fontRef>
+          </p:style>
+          <p:txBody>
+            <a:bodyPr rtlCol="0" anchor="ctr"/>
+            <a:lstStyle/>
+            <a:p>
+              <a:pPr algn="ctr"/>
+              <a:endParaRPr lang="es-AR"/>
+            </a:p>
+          </p:txBody>
+        </p:sp>
+        <p:sp>
+          <p:nvSpPr>
+            <p:cNvPr id="21" name="Rounded Rectangle 20"/>
+            <p:cNvSpPr/>
+            <p:nvPr/>
+          </p:nvSpPr>
+          <p:spPr>
+            <a:xfrm>
+              <a:off x="304800" y="304800"/>
+              <a:ext cx="1752600" cy="1752600"/>
+            </a:xfrm>
+            <a:prstGeom prst="roundRect">
+              <a:avLst/>
+            </a:prstGeom>
+            <a:grpFill/>
+            <a:ln>
+              <a:noFill/>
+            </a:ln>
+          </p:spPr>
+          <p:style>
+            <a:lnRef idx="2">
+              <a:schemeClr val="accent1">
+                <a:shade val="50000"/>
+              </a:schemeClr>
+            </a:lnRef>
+            <a:fillRef idx="1">
+              <a:schemeClr val="accent1"/>
+            </a:fillRef>
+            <a:effectRef idx="0">
+              <a:schemeClr val="accent1"/>
+            </a:effectRef>
+            <a:fontRef idx="minor">
+              <a:schemeClr val="lt1"/>
+            </a:fontRef>
+          </p:style>
+          <p:txBody>
+            <a:bodyPr rtlCol="0" anchor="ctr"/>
+            <a:lstStyle/>
+            <a:p>
+              <a:pPr algn="ctr"/>
+              <a:endParaRPr lang="es-AR"/>
+            </a:p>
+          </p:txBody>
+        </p:sp>
+        <p:sp>
+          <p:nvSpPr>
+            <p:cNvPr id="17" name="Rounded Rectangle 16"/>
+            <p:cNvSpPr/>
+            <p:nvPr/>
+          </p:nvSpPr>
+          <p:spPr>
+            <a:xfrm>
+              <a:off x="304800" y="4800600"/>
+              <a:ext cx="1752600" cy="1752600"/>
+            </a:xfrm>
+            <a:prstGeom prst="roundRect">
+              <a:avLst/>
+            </a:prstGeom>
+            <a:grpFill/>
+            <a:ln>
+              <a:noFill/>
+            </a:ln>
+          </p:spPr>
+          <p:style>
+            <a:lnRef idx="2">
+              <a:schemeClr val="accent1">
+                <a:shade val="50000"/>
+              </a:schemeClr>
+            </a:lnRef>
+            <a:fillRef idx="1">
+              <a:schemeClr val="accent1"/>
+            </a:fillRef>
+            <a:effectRef idx="0">
+              <a:schemeClr val="accent1"/>
+            </a:effectRef>
+            <a:fontRef idx="minor">
+              <a:schemeClr val="lt1"/>
+            </a:fontRef>
+          </p:style>
+          <p:txBody>
+            <a:bodyPr rtlCol="0" anchor="ctr"/>
+            <a:lstStyle/>
+            <a:p>
+              <a:pPr algn="ctr"/>
+              <a:endParaRPr lang="es-AR"/>
+            </a:p>
+          </p:txBody>
+        </p:sp>
+        <p:sp>
+          <p:nvSpPr>
+            <p:cNvPr id="19" name="Rounded Rectangle 18"/>
+            <p:cNvSpPr/>
+            <p:nvPr/>
+          </p:nvSpPr>
+          <p:spPr>
+            <a:xfrm>
+              <a:off x="7086600" y="4800600"/>
+              <a:ext cx="1752600" cy="1752600"/>
+            </a:xfrm>
+            <a:prstGeom prst="roundRect">
+              <a:avLst/>
+            </a:prstGeom>
+            <a:grpFill/>
+            <a:ln>
+              <a:noFill/>
+            </a:ln>
+          </p:spPr>
+          <p:style>
+            <a:lnRef idx="2">
+              <a:schemeClr val="accent1">
+                <a:shade val="50000"/>
+              </a:schemeClr>
+            </a:lnRef>
+            <a:fillRef idx="1">
+              <a:schemeClr val="accent1"/>
+            </a:fillRef>
+            <a:effectRef idx="0">
+              <a:schemeClr val="accent1"/>
+            </a:effectRef>
+            <a:fontRef idx="minor">
+              <a:schemeClr val="lt1"/>
+            </a:fontRef>
+          </p:style>
+          <p:txBody>
+            <a:bodyPr rtlCol="0" anchor="ctr"/>
+            <a:lstStyle/>
+            <a:p>
+              <a:pPr algn="ctr"/>
+              <a:endParaRPr lang="es-AR"/>
+            </a:p>
+          </p:txBody>
+        </p:sp>
+      </p:grpSp>
+      <p:sp>
+        <p:nvSpPr>
+          <p:cNvPr id="40" name="Freeform 39"/>
+          <p:cNvSpPr/>
+          <p:nvPr/>
+        </p:nvSpPr>
+        <p:spPr>
+          <a:xfrm>
+            <a:off x="457200" y="457200"/>
+            <a:ext cx="8229600" cy="5803900"/>
+          </a:xfrm>
+          <a:custGeom>
+            <a:avLst/>
+            <a:gdLst>
+              <a:gd name="connsiteX0" fmla="*/ 0 w 8077200"/>
+              <a:gd name="connsiteY0" fmla="*/ 965219 h 5791200"/>
+              <a:gd name="connsiteX1" fmla="*/ 282707 w 8077200"/>
+              <a:gd name="connsiteY1" fmla="*/ 282706 h 5791200"/>
+              <a:gd name="connsiteX2" fmla="*/ 965221 w 8077200"/>
+              <a:gd name="connsiteY2" fmla="*/ 1 h 5791200"/>
+              <a:gd name="connsiteX3" fmla="*/ 7111981 w 8077200"/>
+              <a:gd name="connsiteY3" fmla="*/ 0 h 5791200"/>
+              <a:gd name="connsiteX4" fmla="*/ 7794494 w 8077200"/>
+              <a:gd name="connsiteY4" fmla="*/ 282707 h 5791200"/>
+              <a:gd name="connsiteX5" fmla="*/ 8077199 w 8077200"/>
+              <a:gd name="connsiteY5" fmla="*/ 965221 h 5791200"/>
+              <a:gd name="connsiteX6" fmla="*/ 8077200 w 8077200"/>
+              <a:gd name="connsiteY6" fmla="*/ 4825981 h 5791200"/>
+              <a:gd name="connsiteX7" fmla="*/ 7794494 w 8077200"/>
+              <a:gd name="connsiteY7" fmla="*/ 5508494 h 5791200"/>
+              <a:gd name="connsiteX8" fmla="*/ 7111981 w 8077200"/>
+              <a:gd name="connsiteY8" fmla="*/ 5791200 h 5791200"/>
+              <a:gd name="connsiteX9" fmla="*/ 965219 w 8077200"/>
+              <a:gd name="connsiteY9" fmla="*/ 5791200 h 5791200"/>
+              <a:gd name="connsiteX10" fmla="*/ 282706 w 8077200"/>
+              <a:gd name="connsiteY10" fmla="*/ 5508493 h 5791200"/>
+              <a:gd name="connsiteX11" fmla="*/ 0 w 8077200"/>
+              <a:gd name="connsiteY11" fmla="*/ 4825980 h 5791200"/>
+              <a:gd name="connsiteX12" fmla="*/ 0 w 8077200"/>
+              <a:gd name="connsiteY12" fmla="*/ 965219 h 5791200"/>
+              <a:gd name="connsiteX0" fmla="*/ 0 w 8077200"/>
+              <a:gd name="connsiteY0" fmla="*/ 609600 h 5791200"/>
+              <a:gd name="connsiteX1" fmla="*/ 282707 w 8077200"/>
+              <a:gd name="connsiteY1" fmla="*/ 282706 h 5791200"/>
+              <a:gd name="connsiteX2" fmla="*/ 965221 w 8077200"/>
+              <a:gd name="connsiteY2" fmla="*/ 1 h 5791200"/>
+              <a:gd name="connsiteX3" fmla="*/ 7111981 w 8077200"/>
+              <a:gd name="connsiteY3" fmla="*/ 0 h 5791200"/>
+              <a:gd name="connsiteX4" fmla="*/ 7794494 w 8077200"/>
+              <a:gd name="connsiteY4" fmla="*/ 282707 h 5791200"/>
+              <a:gd name="connsiteX5" fmla="*/ 8077199 w 8077200"/>
+              <a:gd name="connsiteY5" fmla="*/ 965221 h 5791200"/>
+              <a:gd name="connsiteX6" fmla="*/ 8077200 w 8077200"/>
+              <a:gd name="connsiteY6" fmla="*/ 4825981 h 5791200"/>
+              <a:gd name="connsiteX7" fmla="*/ 7794494 w 8077200"/>
+              <a:gd name="connsiteY7" fmla="*/ 5508494 h 5791200"/>
+              <a:gd name="connsiteX8" fmla="*/ 7111981 w 8077200"/>
+              <a:gd name="connsiteY8" fmla="*/ 5791200 h 5791200"/>
+              <a:gd name="connsiteX9" fmla="*/ 965219 w 8077200"/>
+              <a:gd name="connsiteY9" fmla="*/ 5791200 h 5791200"/>
+              <a:gd name="connsiteX10" fmla="*/ 282706 w 8077200"/>
+              <a:gd name="connsiteY10" fmla="*/ 5508493 h 5791200"/>
+              <a:gd name="connsiteX11" fmla="*/ 0 w 8077200"/>
+              <a:gd name="connsiteY11" fmla="*/ 4825980 h 5791200"/>
+              <a:gd name="connsiteX12" fmla="*/ 0 w 8077200"/>
+              <a:gd name="connsiteY12" fmla="*/ 609600 h 5791200"/>
+              <a:gd name="connsiteX0" fmla="*/ 0 w 8077200"/>
+              <a:gd name="connsiteY0" fmla="*/ 609601 h 5791201"/>
+              <a:gd name="connsiteX1" fmla="*/ 282707 w 8077200"/>
+              <a:gd name="connsiteY1" fmla="*/ 282707 h 5791201"/>
+              <a:gd name="connsiteX2" fmla="*/ 609600 w 8077200"/>
+              <a:gd name="connsiteY2" fmla="*/ 1 h 5791201"/>
+              <a:gd name="connsiteX3" fmla="*/ 7111981 w 8077200"/>
+              <a:gd name="connsiteY3" fmla="*/ 1 h 5791201"/>
+              <a:gd name="connsiteX4" fmla="*/ 7794494 w 8077200"/>
+              <a:gd name="connsiteY4" fmla="*/ 282708 h 5791201"/>
+              <a:gd name="connsiteX5" fmla="*/ 8077199 w 8077200"/>
+              <a:gd name="connsiteY5" fmla="*/ 965222 h 5791201"/>
+              <a:gd name="connsiteX6" fmla="*/ 8077200 w 8077200"/>
+              <a:gd name="connsiteY6" fmla="*/ 4825982 h 5791201"/>
+              <a:gd name="connsiteX7" fmla="*/ 7794494 w 8077200"/>
+              <a:gd name="connsiteY7" fmla="*/ 5508495 h 5791201"/>
+              <a:gd name="connsiteX8" fmla="*/ 7111981 w 8077200"/>
+              <a:gd name="connsiteY8" fmla="*/ 5791201 h 5791201"/>
+              <a:gd name="connsiteX9" fmla="*/ 965219 w 8077200"/>
+              <a:gd name="connsiteY9" fmla="*/ 5791201 h 5791201"/>
+              <a:gd name="connsiteX10" fmla="*/ 282706 w 8077200"/>
+              <a:gd name="connsiteY10" fmla="*/ 5508494 h 5791201"/>
+              <a:gd name="connsiteX11" fmla="*/ 0 w 8077200"/>
+              <a:gd name="connsiteY11" fmla="*/ 4825981 h 5791201"/>
+              <a:gd name="connsiteX12" fmla="*/ 0 w 8077200"/>
+              <a:gd name="connsiteY12" fmla="*/ 609601 h 5791201"/>
+              <a:gd name="connsiteX0" fmla="*/ 0 w 8077200"/>
+              <a:gd name="connsiteY0" fmla="*/ 609601 h 5791201"/>
+              <a:gd name="connsiteX1" fmla="*/ 152400 w 8077200"/>
+              <a:gd name="connsiteY1" fmla="*/ 152402 h 5791201"/>
+              <a:gd name="connsiteX2" fmla="*/ 609600 w 8077200"/>
+              <a:gd name="connsiteY2" fmla="*/ 1 h 5791201"/>
+              <a:gd name="connsiteX3" fmla="*/ 7111981 w 8077200"/>
+              <a:gd name="connsiteY3" fmla="*/ 1 h 5791201"/>
+              <a:gd name="connsiteX4" fmla="*/ 7794494 w 8077200"/>
+              <a:gd name="connsiteY4" fmla="*/ 282708 h 5791201"/>
+              <a:gd name="connsiteX5" fmla="*/ 8077199 w 8077200"/>
+              <a:gd name="connsiteY5" fmla="*/ 965222 h 5791201"/>
+              <a:gd name="connsiteX6" fmla="*/ 8077200 w 8077200"/>
+              <a:gd name="connsiteY6" fmla="*/ 4825982 h 5791201"/>
+              <a:gd name="connsiteX7" fmla="*/ 7794494 w 8077200"/>
+              <a:gd name="connsiteY7" fmla="*/ 5508495 h 5791201"/>
+              <a:gd name="connsiteX8" fmla="*/ 7111981 w 8077200"/>
+              <a:gd name="connsiteY8" fmla="*/ 5791201 h 5791201"/>
+              <a:gd name="connsiteX9" fmla="*/ 965219 w 8077200"/>
+              <a:gd name="connsiteY9" fmla="*/ 5791201 h 5791201"/>
+              <a:gd name="connsiteX10" fmla="*/ 282706 w 8077200"/>
+              <a:gd name="connsiteY10" fmla="*/ 5508494 h 5791201"/>
+              <a:gd name="connsiteX11" fmla="*/ 0 w 8077200"/>
+              <a:gd name="connsiteY11" fmla="*/ 4825981 h 5791201"/>
+              <a:gd name="connsiteX12" fmla="*/ 0 w 8077200"/>
+              <a:gd name="connsiteY12" fmla="*/ 609601 h 5791201"/>
+              <a:gd name="connsiteX0" fmla="*/ 0 w 8077200"/>
+              <a:gd name="connsiteY0" fmla="*/ 609600 h 5791200"/>
+              <a:gd name="connsiteX1" fmla="*/ 152400 w 8077200"/>
+              <a:gd name="connsiteY1" fmla="*/ 152401 h 5791200"/>
+              <a:gd name="connsiteX2" fmla="*/ 533400 w 8077200"/>
+              <a:gd name="connsiteY2" fmla="*/ 1 h 5791200"/>
+              <a:gd name="connsiteX3" fmla="*/ 7111981 w 8077200"/>
+              <a:gd name="connsiteY3" fmla="*/ 0 h 5791200"/>
+              <a:gd name="connsiteX4" fmla="*/ 7794494 w 8077200"/>
+              <a:gd name="connsiteY4" fmla="*/ 282707 h 5791200"/>
+              <a:gd name="connsiteX5" fmla="*/ 8077199 w 8077200"/>
+              <a:gd name="connsiteY5" fmla="*/ 965221 h 5791200"/>
+              <a:gd name="connsiteX6" fmla="*/ 8077200 w 8077200"/>
+              <a:gd name="connsiteY6" fmla="*/ 4825981 h 5791200"/>
+              <a:gd name="connsiteX7" fmla="*/ 7794494 w 8077200"/>
+              <a:gd name="connsiteY7" fmla="*/ 5508494 h 5791200"/>
+              <a:gd name="connsiteX8" fmla="*/ 7111981 w 8077200"/>
+              <a:gd name="connsiteY8" fmla="*/ 5791200 h 5791200"/>
+              <a:gd name="connsiteX9" fmla="*/ 965219 w 8077200"/>
+              <a:gd name="connsiteY9" fmla="*/ 5791200 h 5791200"/>
+              <a:gd name="connsiteX10" fmla="*/ 282706 w 8077200"/>
+              <a:gd name="connsiteY10" fmla="*/ 5508493 h 5791200"/>
+              <a:gd name="connsiteX11" fmla="*/ 0 w 8077200"/>
+              <a:gd name="connsiteY11" fmla="*/ 4825980 h 5791200"/>
+              <a:gd name="connsiteX12" fmla="*/ 0 w 8077200"/>
+              <a:gd name="connsiteY12" fmla="*/ 609600 h 5791200"/>
+              <a:gd name="connsiteX0" fmla="*/ 0 w 8077200"/>
+              <a:gd name="connsiteY0" fmla="*/ 533400 h 5791200"/>
+              <a:gd name="connsiteX1" fmla="*/ 152400 w 8077200"/>
+              <a:gd name="connsiteY1" fmla="*/ 152401 h 5791200"/>
+              <a:gd name="connsiteX2" fmla="*/ 533400 w 8077200"/>
+              <a:gd name="connsiteY2" fmla="*/ 1 h 5791200"/>
+              <a:gd name="connsiteX3" fmla="*/ 7111981 w 8077200"/>
+              <a:gd name="connsiteY3" fmla="*/ 0 h 5791200"/>
+              <a:gd name="connsiteX4" fmla="*/ 7794494 w 8077200"/>
+              <a:gd name="connsiteY4" fmla="*/ 282707 h 5791200"/>
+              <a:gd name="connsiteX5" fmla="*/ 8077199 w 8077200"/>
+              <a:gd name="connsiteY5" fmla="*/ 965221 h 5791200"/>
+              <a:gd name="connsiteX6" fmla="*/ 8077200 w 8077200"/>
+              <a:gd name="connsiteY6" fmla="*/ 4825981 h 5791200"/>
+              <a:gd name="connsiteX7" fmla="*/ 7794494 w 8077200"/>
+              <a:gd name="connsiteY7" fmla="*/ 5508494 h 5791200"/>
+              <a:gd name="connsiteX8" fmla="*/ 7111981 w 8077200"/>
+              <a:gd name="connsiteY8" fmla="*/ 5791200 h 5791200"/>
+              <a:gd name="connsiteX9" fmla="*/ 965219 w 8077200"/>
+              <a:gd name="connsiteY9" fmla="*/ 5791200 h 5791200"/>
+              <a:gd name="connsiteX10" fmla="*/ 282706 w 8077200"/>
+              <a:gd name="connsiteY10" fmla="*/ 5508493 h 5791200"/>
+              <a:gd name="connsiteX11" fmla="*/ 0 w 8077200"/>
+              <a:gd name="connsiteY11" fmla="*/ 4825980 h 5791200"/>
+              <a:gd name="connsiteX12" fmla="*/ 0 w 8077200"/>
+              <a:gd name="connsiteY12" fmla="*/ 533400 h 5791200"/>
+              <a:gd name="connsiteX0" fmla="*/ 12700 w 8089900"/>
+              <a:gd name="connsiteY0" fmla="*/ 546100 h 5803900"/>
+              <a:gd name="connsiteX1" fmla="*/ 88900 w 8089900"/>
+              <a:gd name="connsiteY1" fmla="*/ 88900 h 5803900"/>
+              <a:gd name="connsiteX2" fmla="*/ 546100 w 8089900"/>
+              <a:gd name="connsiteY2" fmla="*/ 12701 h 5803900"/>
+              <a:gd name="connsiteX3" fmla="*/ 7124681 w 8089900"/>
+              <a:gd name="connsiteY3" fmla="*/ 12700 h 5803900"/>
+              <a:gd name="connsiteX4" fmla="*/ 7807194 w 8089900"/>
+              <a:gd name="connsiteY4" fmla="*/ 295407 h 5803900"/>
+              <a:gd name="connsiteX5" fmla="*/ 8089899 w 8089900"/>
+              <a:gd name="connsiteY5" fmla="*/ 977921 h 5803900"/>
+              <a:gd name="connsiteX6" fmla="*/ 8089900 w 8089900"/>
+              <a:gd name="connsiteY6" fmla="*/ 4838681 h 5803900"/>
+              <a:gd name="connsiteX7" fmla="*/ 7807194 w 8089900"/>
+              <a:gd name="connsiteY7" fmla="*/ 5521194 h 5803900"/>
+              <a:gd name="connsiteX8" fmla="*/ 7124681 w 8089900"/>
+              <a:gd name="connsiteY8" fmla="*/ 5803900 h 5803900"/>
+              <a:gd name="connsiteX9" fmla="*/ 977919 w 8089900"/>
+              <a:gd name="connsiteY9" fmla="*/ 5803900 h 5803900"/>
+              <a:gd name="connsiteX10" fmla="*/ 295406 w 8089900"/>
+              <a:gd name="connsiteY10" fmla="*/ 5521193 h 5803900"/>
+              <a:gd name="connsiteX11" fmla="*/ 12700 w 8089900"/>
+              <a:gd name="connsiteY11" fmla="*/ 4838680 h 5803900"/>
+              <a:gd name="connsiteX12" fmla="*/ 12700 w 8089900"/>
+              <a:gd name="connsiteY12" fmla="*/ 546100 h 5803900"/>
+              <a:gd name="connsiteX0" fmla="*/ 12700 w 8089900"/>
+              <a:gd name="connsiteY0" fmla="*/ 546100 h 5803900"/>
+              <a:gd name="connsiteX1" fmla="*/ 88900 w 8089900"/>
+              <a:gd name="connsiteY1" fmla="*/ 88900 h 5803900"/>
+              <a:gd name="connsiteX2" fmla="*/ 546100 w 8089900"/>
+              <a:gd name="connsiteY2" fmla="*/ 12701 h 5803900"/>
+              <a:gd name="connsiteX3" fmla="*/ 7124681 w 8089900"/>
+              <a:gd name="connsiteY3" fmla="*/ 12700 h 5803900"/>
+              <a:gd name="connsiteX4" fmla="*/ 7807194 w 8089900"/>
+              <a:gd name="connsiteY4" fmla="*/ 295407 h 5803900"/>
+              <a:gd name="connsiteX5" fmla="*/ 8089899 w 8089900"/>
+              <a:gd name="connsiteY5" fmla="*/ 977921 h 5803900"/>
+              <a:gd name="connsiteX6" fmla="*/ 8089900 w 8089900"/>
+              <a:gd name="connsiteY6" fmla="*/ 4838681 h 5803900"/>
+              <a:gd name="connsiteX7" fmla="*/ 7807194 w 8089900"/>
+              <a:gd name="connsiteY7" fmla="*/ 5521194 h 5803900"/>
+              <a:gd name="connsiteX8" fmla="*/ 7124681 w 8089900"/>
+              <a:gd name="connsiteY8" fmla="*/ 5803900 h 5803900"/>
+              <a:gd name="connsiteX9" fmla="*/ 977919 w 8089900"/>
+              <a:gd name="connsiteY9" fmla="*/ 5803900 h 5803900"/>
+              <a:gd name="connsiteX10" fmla="*/ 295406 w 8089900"/>
+              <a:gd name="connsiteY10" fmla="*/ 5521193 h 5803900"/>
+              <a:gd name="connsiteX11" fmla="*/ 12700 w 8089900"/>
+              <a:gd name="connsiteY11" fmla="*/ 5346700 h 5803900"/>
+              <a:gd name="connsiteX12" fmla="*/ 12700 w 8089900"/>
+              <a:gd name="connsiteY12" fmla="*/ 546100 h 5803900"/>
+              <a:gd name="connsiteX0" fmla="*/ 12700 w 8089900"/>
+              <a:gd name="connsiteY0" fmla="*/ 546100 h 5803900"/>
+              <a:gd name="connsiteX1" fmla="*/ 88900 w 8089900"/>
+              <a:gd name="connsiteY1" fmla="*/ 88900 h 5803900"/>
+              <a:gd name="connsiteX2" fmla="*/ 546100 w 8089900"/>
+              <a:gd name="connsiteY2" fmla="*/ 12701 h 5803900"/>
+              <a:gd name="connsiteX3" fmla="*/ 7124681 w 8089900"/>
+              <a:gd name="connsiteY3" fmla="*/ 12700 h 5803900"/>
+              <a:gd name="connsiteX4" fmla="*/ 7807194 w 8089900"/>
+              <a:gd name="connsiteY4" fmla="*/ 295407 h 5803900"/>
+              <a:gd name="connsiteX5" fmla="*/ 8089899 w 8089900"/>
+              <a:gd name="connsiteY5" fmla="*/ 977921 h 5803900"/>
+              <a:gd name="connsiteX6" fmla="*/ 8089900 w 8089900"/>
+              <a:gd name="connsiteY6" fmla="*/ 4838681 h 5803900"/>
+              <a:gd name="connsiteX7" fmla="*/ 7807194 w 8089900"/>
+              <a:gd name="connsiteY7" fmla="*/ 5521194 h 5803900"/>
+              <a:gd name="connsiteX8" fmla="*/ 7124681 w 8089900"/>
+              <a:gd name="connsiteY8" fmla="*/ 5803900 h 5803900"/>
+              <a:gd name="connsiteX9" fmla="*/ 546100 w 8089900"/>
+              <a:gd name="connsiteY9" fmla="*/ 5803900 h 5803900"/>
+              <a:gd name="connsiteX10" fmla="*/ 295406 w 8089900"/>
+              <a:gd name="connsiteY10" fmla="*/ 5521193 h 5803900"/>
+              <a:gd name="connsiteX11" fmla="*/ 12700 w 8089900"/>
+              <a:gd name="connsiteY11" fmla="*/ 5346700 h 5803900"/>
+              <a:gd name="connsiteX12" fmla="*/ 12700 w 8089900"/>
+              <a:gd name="connsiteY12" fmla="*/ 546100 h 5803900"/>
+              <a:gd name="connsiteX0" fmla="*/ 12700 w 8089900"/>
+              <a:gd name="connsiteY0" fmla="*/ 546100 h 5803900"/>
+              <a:gd name="connsiteX1" fmla="*/ 88900 w 8089900"/>
+              <a:gd name="connsiteY1" fmla="*/ 88900 h 5803900"/>
+              <a:gd name="connsiteX2" fmla="*/ 546100 w 8089900"/>
+              <a:gd name="connsiteY2" fmla="*/ 12701 h 5803900"/>
+              <a:gd name="connsiteX3" fmla="*/ 7124681 w 8089900"/>
+              <a:gd name="connsiteY3" fmla="*/ 12700 h 5803900"/>
+              <a:gd name="connsiteX4" fmla="*/ 7807194 w 8089900"/>
+              <a:gd name="connsiteY4" fmla="*/ 295407 h 5803900"/>
+              <a:gd name="connsiteX5" fmla="*/ 8089899 w 8089900"/>
+              <a:gd name="connsiteY5" fmla="*/ 977921 h 5803900"/>
+              <a:gd name="connsiteX6" fmla="*/ 8089900 w 8089900"/>
+              <a:gd name="connsiteY6" fmla="*/ 4838681 h 5803900"/>
+              <a:gd name="connsiteX7" fmla="*/ 7807194 w 8089900"/>
+              <a:gd name="connsiteY7" fmla="*/ 5521194 h 5803900"/>
+              <a:gd name="connsiteX8" fmla="*/ 7124681 w 8089900"/>
+              <a:gd name="connsiteY8" fmla="*/ 5803900 h 5803900"/>
+              <a:gd name="connsiteX9" fmla="*/ 546100 w 8089900"/>
+              <a:gd name="connsiteY9" fmla="*/ 5803900 h 5803900"/>
+              <a:gd name="connsiteX10" fmla="*/ 88900 w 8089900"/>
+              <a:gd name="connsiteY10" fmla="*/ 5727700 h 5803900"/>
+              <a:gd name="connsiteX11" fmla="*/ 12700 w 8089900"/>
+              <a:gd name="connsiteY11" fmla="*/ 5346700 h 5803900"/>
+              <a:gd name="connsiteX12" fmla="*/ 12700 w 8089900"/>
+              <a:gd name="connsiteY12" fmla="*/ 546100 h 5803900"/>
+              <a:gd name="connsiteX0" fmla="*/ 12700 w 8089900"/>
+              <a:gd name="connsiteY0" fmla="*/ 546100 h 5803900"/>
+              <a:gd name="connsiteX1" fmla="*/ 88900 w 8089900"/>
+              <a:gd name="connsiteY1" fmla="*/ 88900 h 5803900"/>
+              <a:gd name="connsiteX2" fmla="*/ 546100 w 8089900"/>
+              <a:gd name="connsiteY2" fmla="*/ 12701 h 5803900"/>
+              <a:gd name="connsiteX3" fmla="*/ 7556500 w 8089900"/>
+              <a:gd name="connsiteY3" fmla="*/ 12700 h 5803900"/>
+              <a:gd name="connsiteX4" fmla="*/ 7807194 w 8089900"/>
+              <a:gd name="connsiteY4" fmla="*/ 295407 h 5803900"/>
+              <a:gd name="connsiteX5" fmla="*/ 8089899 w 8089900"/>
+              <a:gd name="connsiteY5" fmla="*/ 977921 h 5803900"/>
+              <a:gd name="connsiteX6" fmla="*/ 8089900 w 8089900"/>
+              <a:gd name="connsiteY6" fmla="*/ 4838681 h 5803900"/>
+              <a:gd name="connsiteX7" fmla="*/ 7807194 w 8089900"/>
+              <a:gd name="connsiteY7" fmla="*/ 5521194 h 5803900"/>
+              <a:gd name="connsiteX8" fmla="*/ 7124681 w 8089900"/>
+              <a:gd name="connsiteY8" fmla="*/ 5803900 h 5803900"/>
+              <a:gd name="connsiteX9" fmla="*/ 546100 w 8089900"/>
+              <a:gd name="connsiteY9" fmla="*/ 5803900 h 5803900"/>
+              <a:gd name="connsiteX10" fmla="*/ 88900 w 8089900"/>
+              <a:gd name="connsiteY10" fmla="*/ 5727700 h 5803900"/>
+              <a:gd name="connsiteX11" fmla="*/ 12700 w 8089900"/>
+              <a:gd name="connsiteY11" fmla="*/ 5346700 h 5803900"/>
+              <a:gd name="connsiteX12" fmla="*/ 12700 w 8089900"/>
+              <a:gd name="connsiteY12" fmla="*/ 546100 h 5803900"/>
+              <a:gd name="connsiteX0" fmla="*/ 12700 w 8089901"/>
+              <a:gd name="connsiteY0" fmla="*/ 546100 h 5803900"/>
+              <a:gd name="connsiteX1" fmla="*/ 88900 w 8089901"/>
+              <a:gd name="connsiteY1" fmla="*/ 88900 h 5803900"/>
+              <a:gd name="connsiteX2" fmla="*/ 546100 w 8089901"/>
+              <a:gd name="connsiteY2" fmla="*/ 12701 h 5803900"/>
+              <a:gd name="connsiteX3" fmla="*/ 7556500 w 8089901"/>
+              <a:gd name="connsiteY3" fmla="*/ 12700 h 5803900"/>
+              <a:gd name="connsiteX4" fmla="*/ 7807194 w 8089901"/>
+              <a:gd name="connsiteY4" fmla="*/ 295407 h 5803900"/>
+              <a:gd name="connsiteX5" fmla="*/ 8089900 w 8089901"/>
+              <a:gd name="connsiteY5" fmla="*/ 469900 h 5803900"/>
+              <a:gd name="connsiteX6" fmla="*/ 8089900 w 8089901"/>
+              <a:gd name="connsiteY6" fmla="*/ 4838681 h 5803900"/>
+              <a:gd name="connsiteX7" fmla="*/ 7807194 w 8089901"/>
+              <a:gd name="connsiteY7" fmla="*/ 5521194 h 5803900"/>
+              <a:gd name="connsiteX8" fmla="*/ 7124681 w 8089901"/>
+              <a:gd name="connsiteY8" fmla="*/ 5803900 h 5803900"/>
+              <a:gd name="connsiteX9" fmla="*/ 546100 w 8089901"/>
+              <a:gd name="connsiteY9" fmla="*/ 5803900 h 5803900"/>
+              <a:gd name="connsiteX10" fmla="*/ 88900 w 8089901"/>
+              <a:gd name="connsiteY10" fmla="*/ 5727700 h 5803900"/>
+              <a:gd name="connsiteX11" fmla="*/ 12700 w 8089901"/>
+              <a:gd name="connsiteY11" fmla="*/ 5346700 h 5803900"/>
+              <a:gd name="connsiteX12" fmla="*/ 12700 w 8089901"/>
+              <a:gd name="connsiteY12" fmla="*/ 546100 h 5803900"/>
+              <a:gd name="connsiteX0" fmla="*/ 12700 w 8102600"/>
+              <a:gd name="connsiteY0" fmla="*/ 546100 h 5803900"/>
+              <a:gd name="connsiteX1" fmla="*/ 88900 w 8102600"/>
+              <a:gd name="connsiteY1" fmla="*/ 88900 h 5803900"/>
+              <a:gd name="connsiteX2" fmla="*/ 546100 w 8102600"/>
+              <a:gd name="connsiteY2" fmla="*/ 12701 h 5803900"/>
+              <a:gd name="connsiteX3" fmla="*/ 7556500 w 8102600"/>
+              <a:gd name="connsiteY3" fmla="*/ 12700 h 5803900"/>
+              <a:gd name="connsiteX4" fmla="*/ 8013700 w 8102600"/>
+              <a:gd name="connsiteY4" fmla="*/ 88900 h 5803900"/>
+              <a:gd name="connsiteX5" fmla="*/ 8089900 w 8102600"/>
+              <a:gd name="connsiteY5" fmla="*/ 469900 h 5803900"/>
+              <a:gd name="connsiteX6" fmla="*/ 8089900 w 8102600"/>
+              <a:gd name="connsiteY6" fmla="*/ 4838681 h 5803900"/>
+              <a:gd name="connsiteX7" fmla="*/ 7807194 w 8102600"/>
+              <a:gd name="connsiteY7" fmla="*/ 5521194 h 5803900"/>
+              <a:gd name="connsiteX8" fmla="*/ 7124681 w 8102600"/>
+              <a:gd name="connsiteY8" fmla="*/ 5803900 h 5803900"/>
+              <a:gd name="connsiteX9" fmla="*/ 546100 w 8102600"/>
+              <a:gd name="connsiteY9" fmla="*/ 5803900 h 5803900"/>
+              <a:gd name="connsiteX10" fmla="*/ 88900 w 8102600"/>
+              <a:gd name="connsiteY10" fmla="*/ 5727700 h 5803900"/>
+              <a:gd name="connsiteX11" fmla="*/ 12700 w 8102600"/>
+              <a:gd name="connsiteY11" fmla="*/ 5346700 h 5803900"/>
+              <a:gd name="connsiteX12" fmla="*/ 12700 w 8102600"/>
+              <a:gd name="connsiteY12" fmla="*/ 546100 h 5803900"/>
+              <a:gd name="connsiteX0" fmla="*/ 12700 w 8102600"/>
+              <a:gd name="connsiteY0" fmla="*/ 546100 h 5803900"/>
+              <a:gd name="connsiteX1" fmla="*/ 88900 w 8102600"/>
+              <a:gd name="connsiteY1" fmla="*/ 88900 h 5803900"/>
+              <a:gd name="connsiteX2" fmla="*/ 546100 w 8102600"/>
+              <a:gd name="connsiteY2" fmla="*/ 12701 h 5803900"/>
+              <a:gd name="connsiteX3" fmla="*/ 7556500 w 8102600"/>
+              <a:gd name="connsiteY3" fmla="*/ 12700 h 5803900"/>
+              <a:gd name="connsiteX4" fmla="*/ 8013700 w 8102600"/>
+              <a:gd name="connsiteY4" fmla="*/ 88900 h 5803900"/>
+              <a:gd name="connsiteX5" fmla="*/ 8089899 w 8102600"/>
+              <a:gd name="connsiteY5" fmla="*/ 469900 h 5803900"/>
+              <a:gd name="connsiteX6" fmla="*/ 8089900 w 8102600"/>
+              <a:gd name="connsiteY6" fmla="*/ 4838681 h 5803900"/>
+              <a:gd name="connsiteX7" fmla="*/ 7807194 w 8102600"/>
+              <a:gd name="connsiteY7" fmla="*/ 5521194 h 5803900"/>
+              <a:gd name="connsiteX8" fmla="*/ 7124681 w 8102600"/>
+              <a:gd name="connsiteY8" fmla="*/ 5803900 h 5803900"/>
+              <a:gd name="connsiteX9" fmla="*/ 546100 w 8102600"/>
+              <a:gd name="connsiteY9" fmla="*/ 5803900 h 5803900"/>
+              <a:gd name="connsiteX10" fmla="*/ 88900 w 8102600"/>
+              <a:gd name="connsiteY10" fmla="*/ 5727700 h 5803900"/>
+              <a:gd name="connsiteX11" fmla="*/ 12700 w 8102600"/>
+              <a:gd name="connsiteY11" fmla="*/ 5346700 h 5803900"/>
+              <a:gd name="connsiteX12" fmla="*/ 12700 w 8102600"/>
+              <a:gd name="connsiteY12" fmla="*/ 546100 h 5803900"/>
+              <a:gd name="connsiteX0" fmla="*/ 12700 w 8102599"/>
+              <a:gd name="connsiteY0" fmla="*/ 546100 h 5803900"/>
+              <a:gd name="connsiteX1" fmla="*/ 88900 w 8102599"/>
+              <a:gd name="connsiteY1" fmla="*/ 88900 h 5803900"/>
+              <a:gd name="connsiteX2" fmla="*/ 546100 w 8102599"/>
+              <a:gd name="connsiteY2" fmla="*/ 12701 h 5803900"/>
+              <a:gd name="connsiteX3" fmla="*/ 7556500 w 8102599"/>
+              <a:gd name="connsiteY3" fmla="*/ 12700 h 5803900"/>
+              <a:gd name="connsiteX4" fmla="*/ 8013699 w 8102599"/>
+              <a:gd name="connsiteY4" fmla="*/ 88900 h 5803900"/>
+              <a:gd name="connsiteX5" fmla="*/ 8089899 w 8102599"/>
+              <a:gd name="connsiteY5" fmla="*/ 469900 h 5803900"/>
+              <a:gd name="connsiteX6" fmla="*/ 8089900 w 8102599"/>
+              <a:gd name="connsiteY6" fmla="*/ 4838681 h 5803900"/>
+              <a:gd name="connsiteX7" fmla="*/ 7807194 w 8102599"/>
+              <a:gd name="connsiteY7" fmla="*/ 5521194 h 5803900"/>
+              <a:gd name="connsiteX8" fmla="*/ 7124681 w 8102599"/>
+              <a:gd name="connsiteY8" fmla="*/ 5803900 h 5803900"/>
+              <a:gd name="connsiteX9" fmla="*/ 546100 w 8102599"/>
+              <a:gd name="connsiteY9" fmla="*/ 5803900 h 5803900"/>
+              <a:gd name="connsiteX10" fmla="*/ 88900 w 8102599"/>
+              <a:gd name="connsiteY10" fmla="*/ 5727700 h 5803900"/>
+              <a:gd name="connsiteX11" fmla="*/ 12700 w 8102599"/>
+              <a:gd name="connsiteY11" fmla="*/ 5346700 h 5803900"/>
+              <a:gd name="connsiteX12" fmla="*/ 12700 w 8102599"/>
+              <a:gd name="connsiteY12" fmla="*/ 546100 h 5803900"/>
+              <a:gd name="connsiteX0" fmla="*/ 12700 w 8102599"/>
+              <a:gd name="connsiteY0" fmla="*/ 546100 h 5803900"/>
+              <a:gd name="connsiteX1" fmla="*/ 88900 w 8102599"/>
+              <a:gd name="connsiteY1" fmla="*/ 88900 h 5803900"/>
+              <a:gd name="connsiteX2" fmla="*/ 546100 w 8102599"/>
+              <a:gd name="connsiteY2" fmla="*/ 12701 h 5803900"/>
+              <a:gd name="connsiteX3" fmla="*/ 7556500 w 8102599"/>
+              <a:gd name="connsiteY3" fmla="*/ 12700 h 5803900"/>
+              <a:gd name="connsiteX4" fmla="*/ 8013699 w 8102599"/>
+              <a:gd name="connsiteY4" fmla="*/ 88900 h 5803900"/>
+              <a:gd name="connsiteX5" fmla="*/ 8089899 w 8102599"/>
+              <a:gd name="connsiteY5" fmla="*/ 469900 h 5803900"/>
+              <a:gd name="connsiteX6" fmla="*/ 8089900 w 8102599"/>
+              <a:gd name="connsiteY6" fmla="*/ 5346700 h 5803900"/>
+              <a:gd name="connsiteX7" fmla="*/ 7807194 w 8102599"/>
+              <a:gd name="connsiteY7" fmla="*/ 5521194 h 5803900"/>
+              <a:gd name="connsiteX8" fmla="*/ 7124681 w 8102599"/>
+              <a:gd name="connsiteY8" fmla="*/ 5803900 h 5803900"/>
+              <a:gd name="connsiteX9" fmla="*/ 546100 w 8102599"/>
+              <a:gd name="connsiteY9" fmla="*/ 5803900 h 5803900"/>
+              <a:gd name="connsiteX10" fmla="*/ 88900 w 8102599"/>
+              <a:gd name="connsiteY10" fmla="*/ 5727700 h 5803900"/>
+              <a:gd name="connsiteX11" fmla="*/ 12700 w 8102599"/>
+              <a:gd name="connsiteY11" fmla="*/ 5346700 h 5803900"/>
+              <a:gd name="connsiteX12" fmla="*/ 12700 w 8102599"/>
+              <a:gd name="connsiteY12" fmla="*/ 546100 h 5803900"/>
+              <a:gd name="connsiteX0" fmla="*/ 12700 w 8102599"/>
+              <a:gd name="connsiteY0" fmla="*/ 546100 h 5803900"/>
+              <a:gd name="connsiteX1" fmla="*/ 88900 w 8102599"/>
+              <a:gd name="connsiteY1" fmla="*/ 88900 h 5803900"/>
+              <a:gd name="connsiteX2" fmla="*/ 546100 w 8102599"/>
+              <a:gd name="connsiteY2" fmla="*/ 12701 h 5803900"/>
+              <a:gd name="connsiteX3" fmla="*/ 7556500 w 8102599"/>
+              <a:gd name="connsiteY3" fmla="*/ 12700 h 5803900"/>
+              <a:gd name="connsiteX4" fmla="*/ 8013699 w 8102599"/>
+              <a:gd name="connsiteY4" fmla="*/ 88900 h 5803900"/>
+              <a:gd name="connsiteX5" fmla="*/ 8089899 w 8102599"/>
+              <a:gd name="connsiteY5" fmla="*/ 469900 h 5803900"/>
+              <a:gd name="connsiteX6" fmla="*/ 8089900 w 8102599"/>
+              <a:gd name="connsiteY6" fmla="*/ 5346700 h 5803900"/>
+              <a:gd name="connsiteX7" fmla="*/ 7807194 w 8102599"/>
+              <a:gd name="connsiteY7" fmla="*/ 5521194 h 5803900"/>
+              <a:gd name="connsiteX8" fmla="*/ 7632700 w 8102599"/>
+              <a:gd name="connsiteY8" fmla="*/ 5803900 h 5803900"/>
+              <a:gd name="connsiteX9" fmla="*/ 546100 w 8102599"/>
+              <a:gd name="connsiteY9" fmla="*/ 5803900 h 5803900"/>
+              <a:gd name="connsiteX10" fmla="*/ 88900 w 8102599"/>
+              <a:gd name="connsiteY10" fmla="*/ 5727700 h 5803900"/>
+              <a:gd name="connsiteX11" fmla="*/ 12700 w 8102599"/>
+              <a:gd name="connsiteY11" fmla="*/ 5346700 h 5803900"/>
+              <a:gd name="connsiteX12" fmla="*/ 12700 w 8102599"/>
+              <a:gd name="connsiteY12" fmla="*/ 546100 h 5803900"/>
+              <a:gd name="connsiteX0" fmla="*/ 12700 w 8102599"/>
+              <a:gd name="connsiteY0" fmla="*/ 546100 h 5803900"/>
+              <a:gd name="connsiteX1" fmla="*/ 88900 w 8102599"/>
+              <a:gd name="connsiteY1" fmla="*/ 88900 h 5803900"/>
+              <a:gd name="connsiteX2" fmla="*/ 546100 w 8102599"/>
+              <a:gd name="connsiteY2" fmla="*/ 12701 h 5803900"/>
+              <a:gd name="connsiteX3" fmla="*/ 7556500 w 8102599"/>
+              <a:gd name="connsiteY3" fmla="*/ 12700 h 5803900"/>
+              <a:gd name="connsiteX4" fmla="*/ 8013699 w 8102599"/>
+              <a:gd name="connsiteY4" fmla="*/ 88900 h 5803900"/>
+              <a:gd name="connsiteX5" fmla="*/ 8089899 w 8102599"/>
+              <a:gd name="connsiteY5" fmla="*/ 469900 h 5803900"/>
+              <a:gd name="connsiteX6" fmla="*/ 8089900 w 8102599"/>
+              <a:gd name="connsiteY6" fmla="*/ 5346700 h 5803900"/>
+              <a:gd name="connsiteX7" fmla="*/ 8013700 w 8102599"/>
+              <a:gd name="connsiteY7" fmla="*/ 5727700 h 5803900"/>
+              <a:gd name="connsiteX8" fmla="*/ 7632700 w 8102599"/>
+              <a:gd name="connsiteY8" fmla="*/ 5803900 h 5803900"/>
+              <a:gd name="connsiteX9" fmla="*/ 546100 w 8102599"/>
+              <a:gd name="connsiteY9" fmla="*/ 5803900 h 5803900"/>
+              <a:gd name="connsiteX10" fmla="*/ 88900 w 8102599"/>
+              <a:gd name="connsiteY10" fmla="*/ 5727700 h 5803900"/>
+              <a:gd name="connsiteX11" fmla="*/ 12700 w 8102599"/>
+              <a:gd name="connsiteY11" fmla="*/ 5346700 h 5803900"/>
+              <a:gd name="connsiteX12" fmla="*/ 12700 w 8102599"/>
+              <a:gd name="connsiteY12" fmla="*/ 546100 h 5803900"/>
+            </a:gdLst>
+            <a:ahLst/>
+            <a:cxnLst>
+              <a:cxn ang="0">
+                <a:pos x="connsiteX0" y="connsiteY0"/>
+              </a:cxn>
+              <a:cxn ang="0">
+                <a:pos x="connsiteX1" y="connsiteY1"/>
+              </a:cxn>
+              <a:cxn ang="0">
+                <a:pos x="connsiteX2" y="connsiteY2"/>
+              </a:cxn>
+              <a:cxn ang="0">
+                <a:pos x="connsiteX3" y="connsiteY3"/>
+              </a:cxn>
+              <a:cxn ang="0">
+                <a:pos x="connsiteX4" y="connsiteY4"/>
+              </a:cxn>
+              <a:cxn ang="0">
+                <a:pos x="connsiteX5" y="connsiteY5"/>
+              </a:cxn>
+              <a:cxn ang="0">
+                <a:pos x="connsiteX6" y="connsiteY6"/>
+              </a:cxn>
+              <a:cxn ang="0">
+                <a:pos x="connsiteX7" y="connsiteY7"/>
+              </a:cxn>
+              <a:cxn ang="0">
+                <a:pos x="connsiteX8" y="connsiteY8"/>
+              </a:cxn>
+              <a:cxn ang="0">
+                <a:pos x="connsiteX9" y="connsiteY9"/>
+              </a:cxn>
+              <a:cxn ang="0">
+                <a:pos x="connsiteX10" y="connsiteY10"/>
+              </a:cxn>
+              <a:cxn ang="0">
+                <a:pos x="connsiteX11" y="connsiteY11"/>
+              </a:cxn>
+              <a:cxn ang="0">
+                <a:pos x="connsiteX12" y="connsiteY12"/>
+              </a:cxn>
+            </a:cxnLst>
+            <a:rect l="l" t="t" r="r" b="b"/>
+            <a:pathLst>
+              <a:path w="8102599" h="5803900">
+                <a:moveTo>
+                  <a:pt x="12700" y="546100"/>
+                </a:moveTo>
+                <a:cubicBezTo>
+                  <a:pt x="12700" y="290108"/>
+                  <a:pt x="0" y="177800"/>
+                  <a:pt x="88900" y="88900"/>
+                </a:cubicBezTo>
+                <a:cubicBezTo>
+                  <a:pt x="177800" y="0"/>
+                  <a:pt x="290107" y="12700"/>
+                  <a:pt x="546100" y="12701"/>
+                </a:cubicBezTo>
+                <a:lnTo>
+                  <a:pt x="7556500" y="12700"/>
+                </a:lnTo>
+                <a:cubicBezTo>
+                  <a:pt x="7812492" y="12700"/>
+                  <a:pt x="7924799" y="12700"/>
+                  <a:pt x="8013699" y="88900"/>
+                </a:cubicBezTo>
+                <a:cubicBezTo>
+                  <a:pt x="8102599" y="165100"/>
+                  <a:pt x="8089900" y="213907"/>
+                  <a:pt x="8089899" y="469900"/>
+                </a:cubicBezTo>
+                <a:cubicBezTo>
+                  <a:pt x="8089899" y="1926160"/>
+                  <a:pt x="8089900" y="3890440"/>
+                  <a:pt x="8089900" y="5346700"/>
+                </a:cubicBezTo>
+                <a:cubicBezTo>
+                  <a:pt x="8089900" y="5602692"/>
+                  <a:pt x="8089900" y="5651500"/>
+                  <a:pt x="8013700" y="5727700"/>
+                </a:cubicBezTo>
+                <a:cubicBezTo>
+                  <a:pt x="7937500" y="5803900"/>
+                  <a:pt x="7888692" y="5803900"/>
+                  <a:pt x="7632700" y="5803900"/>
+                </a:cubicBezTo>
+                <a:lnTo>
+                  <a:pt x="546100" y="5803900"/>
+                </a:lnTo>
+                <a:cubicBezTo>
+                  <a:pt x="290108" y="5803900"/>
+                  <a:pt x="177800" y="5803900"/>
+                  <a:pt x="88900" y="5727700"/>
+                </a:cubicBezTo>
+                <a:cubicBezTo>
+                  <a:pt x="0" y="5651500"/>
+                  <a:pt x="12700" y="5602692"/>
+                  <a:pt x="12700" y="5346700"/>
+                </a:cubicBezTo>
+                <a:lnTo>
+                  <a:pt x="12700" y="546100"/>
+                </a:lnTo>
+                <a:close/>
+              </a:path>
+            </a:pathLst>
+          </a:custGeom>
+          <a:gradFill>
+            <a:gsLst>
+              <a:gs pos="0">
+                <a:schemeClr val="bg1">
+                  <a:lumMod val="50000"/>
+                </a:schemeClr>
+              </a:gs>
+              <a:gs pos="39999">
+                <a:schemeClr val="bg1">
+                  <a:lumMod val="65000"/>
+                </a:schemeClr>
+              </a:gs>
+              <a:gs pos="70000">
+                <a:schemeClr val="bg1">
+                  <a:lumMod val="50000"/>
+                  <a:alpha val="73000"/>
+                </a:schemeClr>
+              </a:gs>
+            </a:gsLst>
+            <a:lin ang="5400000" scaled="0"/>
+          </a:gradFill>
+          <a:ln>
+            <a:solidFill>
+              <a:schemeClr val="bg1">
+                <a:lumMod val="75000"/>
+              </a:schemeClr>
+            </a:solidFill>
+          </a:ln>
+        </p:spPr>
+        <p:style>
+          <a:lnRef idx="2">
+            <a:schemeClr val="accent1">
+              <a:shade val="50000"/>
+            </a:schemeClr>
+          </a:lnRef>
+          <a:fillRef idx="1">
+            <a:schemeClr val="accent1"/>
+          </a:fillRef>
+          <a:effectRef idx="0">
+            <a:schemeClr val="accent1"/>
+          </a:effectRef>
+          <a:fontRef idx="minor">
+            <a:schemeClr val="lt1"/>
+          </a:fontRef>
+        </p:style>
+        <p:txBody>
+          <a:bodyPr rtlCol="0" anchor="ctr"/>
+          <a:lstStyle/>
+          <a:p>
+            <a:pPr fontAlgn="t"/>
+            <a:endParaRPr lang="es-AR" b="1" dirty="0" smtClean="0"/>
+          </a:p>
+          <a:p>
+            <a:pPr algn="ctr"/>
+            <a:endParaRPr lang="es-AR" dirty="0"/>
+          </a:p>
+        </p:txBody>
+      </p:sp>
+      <p:sp>
+        <p:nvSpPr>
+          <p:cNvPr id="14" name="Rectangle 13"/>
+          <p:cNvSpPr/>
+          <p:nvPr/>
+        </p:nvSpPr>
+        <p:spPr>
+          <a:xfrm>
+            <a:off x="381000" y="1295400"/>
+            <a:ext cx="8458200" cy="1066800"/>
+          </a:xfrm>
+          <a:prstGeom prst="rect">
+            <a:avLst/>
+          </a:prstGeom>
+          <a:noFill/>
+          <a:ln>
+            <a:noFill/>
+          </a:ln>
+        </p:spPr>
+        <p:style>
+          <a:lnRef idx="2">
+            <a:schemeClr val="accent1">
+              <a:shade val="50000"/>
+            </a:schemeClr>
+          </a:lnRef>
+          <a:fillRef idx="1">
+            <a:schemeClr val="accent1"/>
+          </a:fillRef>
+          <a:effectRef idx="0">
+            <a:schemeClr val="accent1"/>
+          </a:effectRef>
+          <a:fontRef idx="minor">
+            <a:schemeClr val="lt1"/>
+          </a:fontRef>
+        </p:style>
+        <p:txBody>
+          <a:bodyPr rtlCol="0" anchor="ctr"/>
+          <a:lstStyle/>
+          <a:p>
+            <a:pPr algn="ctr"/>
+            <a:r>
+              <a:rPr lang="es-AR" sz="4800" b="1" dirty="0" smtClean="0"/>
+              <a:t>Seguridad</a:t>
+            </a:r>
+          </a:p>
+          <a:p>
+            <a:pPr algn="ctr"/>
+            <a:endParaRPr lang="es-AR" sz="1200" dirty="0"/>
+          </a:p>
+        </p:txBody>
+      </p:sp>
+      <p:grpSp>
+        <p:nvGrpSpPr>
+          <p:cNvPr id="3" name="Group 14"/>
+          <p:cNvGrpSpPr/>
+          <p:nvPr/>
+        </p:nvGrpSpPr>
+        <p:grpSpPr>
+          <a:xfrm>
+            <a:off x="1295400" y="544415"/>
+            <a:ext cx="6553200" cy="903384"/>
+            <a:chOff x="1295400" y="544415"/>
+            <a:chExt cx="6553200" cy="903384"/>
+          </a:xfrm>
+        </p:grpSpPr>
+        <p:sp>
+          <p:nvSpPr>
+            <p:cNvPr id="16" name="Round Same Side Corner Rectangle 15"/>
+            <p:cNvSpPr/>
+            <p:nvPr/>
+          </p:nvSpPr>
+          <p:spPr>
+            <a:xfrm rot="10800000">
+              <a:off x="1295400" y="544415"/>
+              <a:ext cx="6553200" cy="903384"/>
+            </a:xfrm>
+            <a:prstGeom prst="round2SameRect">
+              <a:avLst/>
+            </a:prstGeom>
+          </p:spPr>
+          <p:style>
+            <a:lnRef idx="2">
+              <a:schemeClr val="dk1">
+                <a:shade val="50000"/>
+              </a:schemeClr>
+            </a:lnRef>
+            <a:fillRef idx="1">
+              <a:schemeClr val="dk1"/>
+            </a:fillRef>
+            <a:effectRef idx="0">
+              <a:schemeClr val="dk1"/>
+            </a:effectRef>
+            <a:fontRef idx="minor">
+              <a:schemeClr val="lt1"/>
+            </a:fontRef>
+          </p:style>
+          <p:txBody>
+            <a:bodyPr rtlCol="0" anchor="ctr"/>
+            <a:lstStyle/>
+            <a:p>
+              <a:pPr algn="ctr"/>
+              <a:endParaRPr lang="es-AR" dirty="0"/>
+            </a:p>
+          </p:txBody>
+        </p:sp>
+        <p:pic>
+          <p:nvPicPr>
+            <p:cNvPr id="20" name="Picture 2" descr="E:\U.B.A.Files\Materias\75.45 Taller de Desarrollo de Proyectos I\TP\Trunk\Proyecto\web\site\images\logo.png"/>
+            <p:cNvPicPr>
+              <a:picLocks noChangeAspect="1" noChangeArrowheads="1"/>
+            </p:cNvPicPr>
+            <p:nvPr/>
+          </p:nvPicPr>
+          <p:blipFill>
+            <a:blip r:embed="rId2" cstate="print"/>
+            <a:srcRect/>
+            <a:stretch>
+              <a:fillRect/>
+            </a:stretch>
+          </p:blipFill>
+          <p:spPr bwMode="auto">
+            <a:xfrm>
+              <a:off x="1600200" y="609600"/>
+              <a:ext cx="2640904" cy="762000"/>
+            </a:xfrm>
+            <a:prstGeom prst="rect">
+              <a:avLst/>
+            </a:prstGeom>
+            <a:noFill/>
+          </p:spPr>
+        </p:pic>
+        <p:sp>
+          <p:nvSpPr>
+            <p:cNvPr id="23" name="TextBox 22"/>
+            <p:cNvSpPr txBox="1"/>
+            <p:nvPr/>
+          </p:nvSpPr>
+          <p:spPr>
+            <a:xfrm>
+              <a:off x="4515457" y="685800"/>
+              <a:ext cx="3180743" cy="307777"/>
+            </a:xfrm>
+            <a:prstGeom prst="rect">
+              <a:avLst/>
+            </a:prstGeom>
+            <a:noFill/>
+          </p:spPr>
+          <p:txBody>
+            <a:bodyPr wrap="none" rtlCol="0">
+              <a:spAutoFit/>
+            </a:bodyPr>
+            <a:lstStyle/>
+            <a:p>
+              <a:r>
+                <a:rPr lang="es-AR" sz="1400" dirty="0" smtClean="0">
+                  <a:solidFill>
+                    <a:schemeClr val="bg1">
+                      <a:lumMod val="50000"/>
+                    </a:schemeClr>
+                  </a:solidFill>
+                </a:rPr>
+                <a:t>Centralización y análisis de datos</a:t>
+              </a:r>
+              <a:endParaRPr lang="es-AR" sz="1400" dirty="0">
+                <a:solidFill>
+                  <a:schemeClr val="bg1">
+                    <a:lumMod val="50000"/>
+                  </a:schemeClr>
+                </a:solidFill>
+              </a:endParaRPr>
+            </a:p>
+          </p:txBody>
+        </p:sp>
+      </p:grpSp>
+    </p:spTree>
+  </p:cSld>
+  <p:clrMapOvr>
+    <a:masterClrMapping/>
+  </p:clrMapOvr>
+</p:sld>
+</file>
+
+<file path=ppt/slides/slide8.xml><?xml version="1.0" encoding="utf-8"?>
+<p:sld xmlns:a="http://schemas.openxmlformats.org/drawingml/2006/main" xmlns:r="http://schemas.openxmlformats.org/officeDocument/2006/relationships" xmlns:p="http://schemas.openxmlformats.org/presentationml/2006/main">
+  <p:cSld>
+    <p:spTree>
+      <p:nvGrpSpPr>
+        <p:cNvPr id="1" name=""/>
+        <p:cNvGrpSpPr/>
+        <p:nvPr/>
+      </p:nvGrpSpPr>
+      <p:grpSpPr>
+        <a:xfrm>
+          <a:off x="0" y="0"/>
+          <a:ext cx="0" cy="0"/>
+          <a:chOff x="0" y="0"/>
+          <a:chExt cx="0" cy="0"/>
+        </a:xfrm>
+      </p:grpSpPr>
+      <p:grpSp>
+        <p:nvGrpSpPr>
+          <p:cNvPr id="2" name="Group 22"/>
+          <p:cNvGrpSpPr/>
+          <p:nvPr/>
+        </p:nvGrpSpPr>
+        <p:grpSpPr>
+          <a:xfrm>
+            <a:off x="304800" y="304800"/>
+            <a:ext cx="8534400" cy="6248400"/>
+            <a:chOff x="304800" y="304800"/>
+            <a:chExt cx="8534400" cy="6248400"/>
+          </a:xfrm>
+          <a:solidFill>
+            <a:schemeClr val="bg1">
+              <a:lumMod val="85000"/>
+            </a:schemeClr>
+          </a:solidFill>
+        </p:grpSpPr>
+        <p:sp>
+          <p:nvSpPr>
+            <p:cNvPr id="18" name="Rounded Rectangle 17"/>
+            <p:cNvSpPr/>
+            <p:nvPr/>
+          </p:nvSpPr>
+          <p:spPr>
+            <a:xfrm>
+              <a:off x="304800" y="304800"/>
+              <a:ext cx="8534400" cy="6248400"/>
+            </a:xfrm>
+            <a:prstGeom prst="roundRect">
+              <a:avLst/>
+            </a:prstGeom>
+            <a:grpFill/>
+            <a:ln>
+              <a:noFill/>
+            </a:ln>
+          </p:spPr>
+          <p:style>
+            <a:lnRef idx="2">
+              <a:schemeClr val="accent1">
+                <a:shade val="50000"/>
+              </a:schemeClr>
+            </a:lnRef>
+            <a:fillRef idx="1">
+              <a:schemeClr val="accent1"/>
+            </a:fillRef>
+            <a:effectRef idx="0">
+              <a:schemeClr val="accent1"/>
+            </a:effectRef>
+            <a:fontRef idx="minor">
+              <a:schemeClr val="lt1"/>
+            </a:fontRef>
+          </p:style>
+          <p:txBody>
+            <a:bodyPr rtlCol="0" anchor="ctr"/>
+            <a:lstStyle/>
+            <a:p>
+              <a:pPr algn="ctr"/>
+              <a:endParaRPr lang="es-AR"/>
+            </a:p>
+          </p:txBody>
+        </p:sp>
+        <p:sp>
+          <p:nvSpPr>
+            <p:cNvPr id="22" name="Rounded Rectangle 21"/>
+            <p:cNvSpPr/>
+            <p:nvPr/>
+          </p:nvSpPr>
+          <p:spPr>
+            <a:xfrm>
+              <a:off x="7086600" y="304800"/>
+              <a:ext cx="1752600" cy="1752600"/>
+            </a:xfrm>
+            <a:prstGeom prst="roundRect">
+              <a:avLst/>
+            </a:prstGeom>
+            <a:grpFill/>
+            <a:ln>
+              <a:noFill/>
+            </a:ln>
+          </p:spPr>
+          <p:style>
+            <a:lnRef idx="2">
+              <a:schemeClr val="accent1">
+                <a:shade val="50000"/>
+              </a:schemeClr>
+            </a:lnRef>
+            <a:fillRef idx="1">
+              <a:schemeClr val="accent1"/>
+            </a:fillRef>
+            <a:effectRef idx="0">
+              <a:schemeClr val="accent1"/>
+            </a:effectRef>
+            <a:fontRef idx="minor">
+              <a:schemeClr val="lt1"/>
+            </a:fontRef>
+          </p:style>
+          <p:txBody>
+            <a:bodyPr rtlCol="0" anchor="ctr"/>
+            <a:lstStyle/>
+            <a:p>
+              <a:pPr algn="ctr"/>
+              <a:endParaRPr lang="es-AR"/>
+            </a:p>
+          </p:txBody>
+        </p:sp>
+        <p:sp>
+          <p:nvSpPr>
+            <p:cNvPr id="21" name="Rounded Rectangle 20"/>
+            <p:cNvSpPr/>
+            <p:nvPr/>
+          </p:nvSpPr>
+          <p:spPr>
+            <a:xfrm>
+              <a:off x="304800" y="304800"/>
+              <a:ext cx="1752600" cy="1752600"/>
+            </a:xfrm>
+            <a:prstGeom prst="roundRect">
+              <a:avLst/>
+            </a:prstGeom>
+            <a:grpFill/>
+            <a:ln>
+              <a:noFill/>
+            </a:ln>
+          </p:spPr>
+          <p:style>
+            <a:lnRef idx="2">
+              <a:schemeClr val="accent1">
+                <a:shade val="50000"/>
+              </a:schemeClr>
+            </a:lnRef>
+            <a:fillRef idx="1">
+              <a:schemeClr val="accent1"/>
+            </a:fillRef>
+            <a:effectRef idx="0">
+              <a:schemeClr val="accent1"/>
+            </a:effectRef>
+            <a:fontRef idx="minor">
+              <a:schemeClr val="lt1"/>
+            </a:fontRef>
+          </p:style>
+          <p:txBody>
+            <a:bodyPr rtlCol="0" anchor="ctr"/>
+            <a:lstStyle/>
+            <a:p>
+              <a:pPr algn="ctr"/>
+              <a:endParaRPr lang="es-AR"/>
+            </a:p>
+          </p:txBody>
+        </p:sp>
+        <p:sp>
+          <p:nvSpPr>
+            <p:cNvPr id="17" name="Rounded Rectangle 16"/>
+            <p:cNvSpPr/>
+            <p:nvPr/>
+          </p:nvSpPr>
+          <p:spPr>
+            <a:xfrm>
+              <a:off x="304800" y="4800600"/>
+              <a:ext cx="1752600" cy="1752600"/>
+            </a:xfrm>
+            <a:prstGeom prst="roundRect">
+              <a:avLst/>
+            </a:prstGeom>
+            <a:grpFill/>
+            <a:ln>
+              <a:noFill/>
+            </a:ln>
+          </p:spPr>
+          <p:style>
+            <a:lnRef idx="2">
+              <a:schemeClr val="accent1">
+                <a:shade val="50000"/>
+              </a:schemeClr>
+            </a:lnRef>
+            <a:fillRef idx="1">
+              <a:schemeClr val="accent1"/>
+            </a:fillRef>
+            <a:effectRef idx="0">
+              <a:schemeClr val="accent1"/>
+            </a:effectRef>
+            <a:fontRef idx="minor">
+              <a:schemeClr val="lt1"/>
+            </a:fontRef>
+          </p:style>
+          <p:txBody>
+            <a:bodyPr rtlCol="0" anchor="ctr"/>
+            <a:lstStyle/>
+            <a:p>
+              <a:pPr algn="ctr"/>
+              <a:endParaRPr lang="es-AR"/>
+            </a:p>
+          </p:txBody>
+        </p:sp>
+        <p:sp>
+          <p:nvSpPr>
+            <p:cNvPr id="19" name="Rounded Rectangle 18"/>
+            <p:cNvSpPr/>
+            <p:nvPr/>
+          </p:nvSpPr>
+          <p:spPr>
+            <a:xfrm>
+              <a:off x="7086600" y="4800600"/>
+              <a:ext cx="1752600" cy="1752600"/>
+            </a:xfrm>
+            <a:prstGeom prst="roundRect">
+              <a:avLst/>
+            </a:prstGeom>
+            <a:grpFill/>
+            <a:ln>
+              <a:noFill/>
+            </a:ln>
+          </p:spPr>
+          <p:style>
+            <a:lnRef idx="2">
+              <a:schemeClr val="accent1">
+                <a:shade val="50000"/>
+              </a:schemeClr>
+            </a:lnRef>
+            <a:fillRef idx="1">
+              <a:schemeClr val="accent1"/>
+            </a:fillRef>
+            <a:effectRef idx="0">
+              <a:schemeClr val="accent1"/>
+            </a:effectRef>
+            <a:fontRef idx="minor">
+              <a:schemeClr val="lt1"/>
+            </a:fontRef>
+          </p:style>
+          <p:txBody>
+            <a:bodyPr rtlCol="0" anchor="ctr"/>
+            <a:lstStyle/>
+            <a:p>
+              <a:pPr algn="ctr"/>
+              <a:endParaRPr lang="es-AR"/>
+            </a:p>
+          </p:txBody>
+        </p:sp>
+      </p:grpSp>
+      <p:sp>
+        <p:nvSpPr>
+          <p:cNvPr id="40" name="Freeform 39"/>
+          <p:cNvSpPr/>
+          <p:nvPr/>
+        </p:nvSpPr>
+        <p:spPr>
+          <a:xfrm>
+            <a:off x="457200" y="457200"/>
+            <a:ext cx="8229600" cy="5803900"/>
+          </a:xfrm>
+          <a:custGeom>
+            <a:avLst/>
+            <a:gdLst>
+              <a:gd name="connsiteX0" fmla="*/ 0 w 8077200"/>
+              <a:gd name="connsiteY0" fmla="*/ 965219 h 5791200"/>
+              <a:gd name="connsiteX1" fmla="*/ 282707 w 8077200"/>
+              <a:gd name="connsiteY1" fmla="*/ 282706 h 5791200"/>
+              <a:gd name="connsiteX2" fmla="*/ 965221 w 8077200"/>
+              <a:gd name="connsiteY2" fmla="*/ 1 h 5791200"/>
+              <a:gd name="connsiteX3" fmla="*/ 7111981 w 8077200"/>
+              <a:gd name="connsiteY3" fmla="*/ 0 h 5791200"/>
+              <a:gd name="connsiteX4" fmla="*/ 7794494 w 8077200"/>
+              <a:gd name="connsiteY4" fmla="*/ 282707 h 5791200"/>
+              <a:gd name="connsiteX5" fmla="*/ 8077199 w 8077200"/>
+              <a:gd name="connsiteY5" fmla="*/ 965221 h 5791200"/>
+              <a:gd name="connsiteX6" fmla="*/ 8077200 w 8077200"/>
+              <a:gd name="connsiteY6" fmla="*/ 4825981 h 5791200"/>
+              <a:gd name="connsiteX7" fmla="*/ 7794494 w 8077200"/>
+              <a:gd name="connsiteY7" fmla="*/ 5508494 h 5791200"/>
+              <a:gd name="connsiteX8" fmla="*/ 7111981 w 8077200"/>
+              <a:gd name="connsiteY8" fmla="*/ 5791200 h 5791200"/>
+              <a:gd name="connsiteX9" fmla="*/ 965219 w 8077200"/>
+              <a:gd name="connsiteY9" fmla="*/ 5791200 h 5791200"/>
+              <a:gd name="connsiteX10" fmla="*/ 282706 w 8077200"/>
+              <a:gd name="connsiteY10" fmla="*/ 5508493 h 5791200"/>
+              <a:gd name="connsiteX11" fmla="*/ 0 w 8077200"/>
+              <a:gd name="connsiteY11" fmla="*/ 4825980 h 5791200"/>
+              <a:gd name="connsiteX12" fmla="*/ 0 w 8077200"/>
+              <a:gd name="connsiteY12" fmla="*/ 965219 h 5791200"/>
+              <a:gd name="connsiteX0" fmla="*/ 0 w 8077200"/>
+              <a:gd name="connsiteY0" fmla="*/ 609600 h 5791200"/>
+              <a:gd name="connsiteX1" fmla="*/ 282707 w 8077200"/>
+              <a:gd name="connsiteY1" fmla="*/ 282706 h 5791200"/>
+              <a:gd name="connsiteX2" fmla="*/ 965221 w 8077200"/>
+              <a:gd name="connsiteY2" fmla="*/ 1 h 5791200"/>
+              <a:gd name="connsiteX3" fmla="*/ 7111981 w 8077200"/>
+              <a:gd name="connsiteY3" fmla="*/ 0 h 5791200"/>
+              <a:gd name="connsiteX4" fmla="*/ 7794494 w 8077200"/>
+              <a:gd name="connsiteY4" fmla="*/ 282707 h 5791200"/>
+              <a:gd name="connsiteX5" fmla="*/ 8077199 w 8077200"/>
+              <a:gd name="connsiteY5" fmla="*/ 965221 h 5791200"/>
+              <a:gd name="connsiteX6" fmla="*/ 8077200 w 8077200"/>
+              <a:gd name="connsiteY6" fmla="*/ 4825981 h 5791200"/>
+              <a:gd name="connsiteX7" fmla="*/ 7794494 w 8077200"/>
+              <a:gd name="connsiteY7" fmla="*/ 5508494 h 5791200"/>
+              <a:gd name="connsiteX8" fmla="*/ 7111981 w 8077200"/>
+              <a:gd name="connsiteY8" fmla="*/ 5791200 h 5791200"/>
+              <a:gd name="connsiteX9" fmla="*/ 965219 w 8077200"/>
+              <a:gd name="connsiteY9" fmla="*/ 5791200 h 5791200"/>
+              <a:gd name="connsiteX10" fmla="*/ 282706 w 8077200"/>
+              <a:gd name="connsiteY10" fmla="*/ 5508493 h 5791200"/>
+              <a:gd name="connsiteX11" fmla="*/ 0 w 8077200"/>
+              <a:gd name="connsiteY11" fmla="*/ 4825980 h 5791200"/>
+              <a:gd name="connsiteX12" fmla="*/ 0 w 8077200"/>
+              <a:gd name="connsiteY12" fmla="*/ 609600 h 5791200"/>
+              <a:gd name="connsiteX0" fmla="*/ 0 w 8077200"/>
+              <a:gd name="connsiteY0" fmla="*/ 609601 h 5791201"/>
+              <a:gd name="connsiteX1" fmla="*/ 282707 w 8077200"/>
+              <a:gd name="connsiteY1" fmla="*/ 282707 h 5791201"/>
+              <a:gd name="connsiteX2" fmla="*/ 609600 w 8077200"/>
+              <a:gd name="connsiteY2" fmla="*/ 1 h 5791201"/>
+              <a:gd name="connsiteX3" fmla="*/ 7111981 w 8077200"/>
+              <a:gd name="connsiteY3" fmla="*/ 1 h 5791201"/>
+              <a:gd name="connsiteX4" fmla="*/ 7794494 w 8077200"/>
+              <a:gd name="connsiteY4" fmla="*/ 282708 h 5791201"/>
+              <a:gd name="connsiteX5" fmla="*/ 8077199 w 8077200"/>
+              <a:gd name="connsiteY5" fmla="*/ 965222 h 5791201"/>
+              <a:gd name="connsiteX6" fmla="*/ 8077200 w 8077200"/>
+              <a:gd name="connsiteY6" fmla="*/ 4825982 h 5791201"/>
+              <a:gd name="connsiteX7" fmla="*/ 7794494 w 8077200"/>
+              <a:gd name="connsiteY7" fmla="*/ 5508495 h 5791201"/>
+              <a:gd name="connsiteX8" fmla="*/ 7111981 w 8077200"/>
+              <a:gd name="connsiteY8" fmla="*/ 5791201 h 5791201"/>
+              <a:gd name="connsiteX9" fmla="*/ 965219 w 8077200"/>
+              <a:gd name="connsiteY9" fmla="*/ 5791201 h 5791201"/>
+              <a:gd name="connsiteX10" fmla="*/ 282706 w 8077200"/>
+              <a:gd name="connsiteY10" fmla="*/ 5508494 h 5791201"/>
+              <a:gd name="connsiteX11" fmla="*/ 0 w 8077200"/>
+              <a:gd name="connsiteY11" fmla="*/ 4825981 h 5791201"/>
+              <a:gd name="connsiteX12" fmla="*/ 0 w 8077200"/>
+              <a:gd name="connsiteY12" fmla="*/ 609601 h 5791201"/>
+              <a:gd name="connsiteX0" fmla="*/ 0 w 8077200"/>
+              <a:gd name="connsiteY0" fmla="*/ 609601 h 5791201"/>
+              <a:gd name="connsiteX1" fmla="*/ 152400 w 8077200"/>
+              <a:gd name="connsiteY1" fmla="*/ 152402 h 5791201"/>
+              <a:gd name="connsiteX2" fmla="*/ 609600 w 8077200"/>
+              <a:gd name="connsiteY2" fmla="*/ 1 h 5791201"/>
+              <a:gd name="connsiteX3" fmla="*/ 7111981 w 8077200"/>
+              <a:gd name="connsiteY3" fmla="*/ 1 h 5791201"/>
+              <a:gd name="connsiteX4" fmla="*/ 7794494 w 8077200"/>
+              <a:gd name="connsiteY4" fmla="*/ 282708 h 5791201"/>
+              <a:gd name="connsiteX5" fmla="*/ 8077199 w 8077200"/>
+              <a:gd name="connsiteY5" fmla="*/ 965222 h 5791201"/>
+              <a:gd name="connsiteX6" fmla="*/ 8077200 w 8077200"/>
+              <a:gd name="connsiteY6" fmla="*/ 4825982 h 5791201"/>
+              <a:gd name="connsiteX7" fmla="*/ 7794494 w 8077200"/>
+              <a:gd name="connsiteY7" fmla="*/ 5508495 h 5791201"/>
+              <a:gd name="connsiteX8" fmla="*/ 7111981 w 8077200"/>
+              <a:gd name="connsiteY8" fmla="*/ 5791201 h 5791201"/>
+              <a:gd name="connsiteX9" fmla="*/ 965219 w 8077200"/>
+              <a:gd name="connsiteY9" fmla="*/ 5791201 h 5791201"/>
+              <a:gd name="connsiteX10" fmla="*/ 282706 w 8077200"/>
+              <a:gd name="connsiteY10" fmla="*/ 5508494 h 5791201"/>
+              <a:gd name="connsiteX11" fmla="*/ 0 w 8077200"/>
+              <a:gd name="connsiteY11" fmla="*/ 4825981 h 5791201"/>
+              <a:gd name="connsiteX12" fmla="*/ 0 w 8077200"/>
+              <a:gd name="connsiteY12" fmla="*/ 609601 h 5791201"/>
+              <a:gd name="connsiteX0" fmla="*/ 0 w 8077200"/>
+              <a:gd name="connsiteY0" fmla="*/ 609600 h 5791200"/>
+              <a:gd name="connsiteX1" fmla="*/ 152400 w 8077200"/>
+              <a:gd name="connsiteY1" fmla="*/ 152401 h 5791200"/>
+              <a:gd name="connsiteX2" fmla="*/ 533400 w 8077200"/>
+              <a:gd name="connsiteY2" fmla="*/ 1 h 5791200"/>
+              <a:gd name="connsiteX3" fmla="*/ 7111981 w 8077200"/>
+              <a:gd name="connsiteY3" fmla="*/ 0 h 5791200"/>
+              <a:gd name="connsiteX4" fmla="*/ 7794494 w 8077200"/>
+              <a:gd name="connsiteY4" fmla="*/ 282707 h 5791200"/>
+              <a:gd name="connsiteX5" fmla="*/ 8077199 w 8077200"/>
+              <a:gd name="connsiteY5" fmla="*/ 965221 h 5791200"/>
+              <a:gd name="connsiteX6" fmla="*/ 8077200 w 8077200"/>
+              <a:gd name="connsiteY6" fmla="*/ 4825981 h 5791200"/>
+              <a:gd name="connsiteX7" fmla="*/ 7794494 w 8077200"/>
+              <a:gd name="connsiteY7" fmla="*/ 5508494 h 5791200"/>
+              <a:gd name="connsiteX8" fmla="*/ 7111981 w 8077200"/>
+              <a:gd name="connsiteY8" fmla="*/ 5791200 h 5791200"/>
+              <a:gd name="connsiteX9" fmla="*/ 965219 w 8077200"/>
+              <a:gd name="connsiteY9" fmla="*/ 5791200 h 5791200"/>
+              <a:gd name="connsiteX10" fmla="*/ 282706 w 8077200"/>
+              <a:gd name="connsiteY10" fmla="*/ 5508493 h 5791200"/>
+              <a:gd name="connsiteX11" fmla="*/ 0 w 8077200"/>
+              <a:gd name="connsiteY11" fmla="*/ 4825980 h 5791200"/>
+              <a:gd name="connsiteX12" fmla="*/ 0 w 8077200"/>
+              <a:gd name="connsiteY12" fmla="*/ 609600 h 5791200"/>
+              <a:gd name="connsiteX0" fmla="*/ 0 w 8077200"/>
+              <a:gd name="connsiteY0" fmla="*/ 533400 h 5791200"/>
+              <a:gd name="connsiteX1" fmla="*/ 152400 w 8077200"/>
+              <a:gd name="connsiteY1" fmla="*/ 152401 h 5791200"/>
+              <a:gd name="connsiteX2" fmla="*/ 533400 w 8077200"/>
+              <a:gd name="connsiteY2" fmla="*/ 1 h 5791200"/>
+              <a:gd name="connsiteX3" fmla="*/ 7111981 w 8077200"/>
+              <a:gd name="connsiteY3" fmla="*/ 0 h 5791200"/>
+              <a:gd name="connsiteX4" fmla="*/ 7794494 w 8077200"/>
+              <a:gd name="connsiteY4" fmla="*/ 282707 h 5791200"/>
+              <a:gd name="connsiteX5" fmla="*/ 8077199 w 8077200"/>
+              <a:gd name="connsiteY5" fmla="*/ 965221 h 5791200"/>
+              <a:gd name="connsiteX6" fmla="*/ 8077200 w 8077200"/>
+              <a:gd name="connsiteY6" fmla="*/ 4825981 h 5791200"/>
+              <a:gd name="connsiteX7" fmla="*/ 7794494 w 8077200"/>
+              <a:gd name="connsiteY7" fmla="*/ 5508494 h 5791200"/>
+              <a:gd name="connsiteX8" fmla="*/ 7111981 w 8077200"/>
+              <a:gd name="connsiteY8" fmla="*/ 5791200 h 5791200"/>
+              <a:gd name="connsiteX9" fmla="*/ 965219 w 8077200"/>
+              <a:gd name="connsiteY9" fmla="*/ 5791200 h 5791200"/>
+              <a:gd name="connsiteX10" fmla="*/ 282706 w 8077200"/>
+              <a:gd name="connsiteY10" fmla="*/ 5508493 h 5791200"/>
+              <a:gd name="connsiteX11" fmla="*/ 0 w 8077200"/>
+              <a:gd name="connsiteY11" fmla="*/ 4825980 h 5791200"/>
+              <a:gd name="connsiteX12" fmla="*/ 0 w 8077200"/>
+              <a:gd name="connsiteY12" fmla="*/ 533400 h 5791200"/>
+              <a:gd name="connsiteX0" fmla="*/ 12700 w 8089900"/>
+              <a:gd name="connsiteY0" fmla="*/ 546100 h 5803900"/>
+              <a:gd name="connsiteX1" fmla="*/ 88900 w 8089900"/>
+              <a:gd name="connsiteY1" fmla="*/ 88900 h 5803900"/>
+              <a:gd name="connsiteX2" fmla="*/ 546100 w 8089900"/>
+              <a:gd name="connsiteY2" fmla="*/ 12701 h 5803900"/>
+              <a:gd name="connsiteX3" fmla="*/ 7124681 w 8089900"/>
+              <a:gd name="connsiteY3" fmla="*/ 12700 h 5803900"/>
+              <a:gd name="connsiteX4" fmla="*/ 7807194 w 8089900"/>
+              <a:gd name="connsiteY4" fmla="*/ 295407 h 5803900"/>
+              <a:gd name="connsiteX5" fmla="*/ 8089899 w 8089900"/>
+              <a:gd name="connsiteY5" fmla="*/ 977921 h 5803900"/>
+              <a:gd name="connsiteX6" fmla="*/ 8089900 w 8089900"/>
+              <a:gd name="connsiteY6" fmla="*/ 4838681 h 5803900"/>
+              <a:gd name="connsiteX7" fmla="*/ 7807194 w 8089900"/>
+              <a:gd name="connsiteY7" fmla="*/ 5521194 h 5803900"/>
+              <a:gd name="connsiteX8" fmla="*/ 7124681 w 8089900"/>
+              <a:gd name="connsiteY8" fmla="*/ 5803900 h 5803900"/>
+              <a:gd name="connsiteX9" fmla="*/ 977919 w 8089900"/>
+              <a:gd name="connsiteY9" fmla="*/ 5803900 h 5803900"/>
+              <a:gd name="connsiteX10" fmla="*/ 295406 w 8089900"/>
+              <a:gd name="connsiteY10" fmla="*/ 5521193 h 5803900"/>
+              <a:gd name="connsiteX11" fmla="*/ 12700 w 8089900"/>
+              <a:gd name="connsiteY11" fmla="*/ 4838680 h 5803900"/>
+              <a:gd name="connsiteX12" fmla="*/ 12700 w 8089900"/>
+              <a:gd name="connsiteY12" fmla="*/ 546100 h 5803900"/>
+              <a:gd name="connsiteX0" fmla="*/ 12700 w 8089900"/>
+              <a:gd name="connsiteY0" fmla="*/ 546100 h 5803900"/>
+              <a:gd name="connsiteX1" fmla="*/ 88900 w 8089900"/>
+              <a:gd name="connsiteY1" fmla="*/ 88900 h 5803900"/>
+              <a:gd name="connsiteX2" fmla="*/ 546100 w 8089900"/>
+              <a:gd name="connsiteY2" fmla="*/ 12701 h 5803900"/>
+              <a:gd name="connsiteX3" fmla="*/ 7124681 w 8089900"/>
+              <a:gd name="connsiteY3" fmla="*/ 12700 h 5803900"/>
+              <a:gd name="connsiteX4" fmla="*/ 7807194 w 8089900"/>
+              <a:gd name="connsiteY4" fmla="*/ 295407 h 5803900"/>
+              <a:gd name="connsiteX5" fmla="*/ 8089899 w 8089900"/>
+              <a:gd name="connsiteY5" fmla="*/ 977921 h 5803900"/>
+              <a:gd name="connsiteX6" fmla="*/ 8089900 w 8089900"/>
+              <a:gd name="connsiteY6" fmla="*/ 4838681 h 5803900"/>
+              <a:gd name="connsiteX7" fmla="*/ 7807194 w 8089900"/>
+              <a:gd name="connsiteY7" fmla="*/ 5521194 h 5803900"/>
+              <a:gd name="connsiteX8" fmla="*/ 7124681 w 8089900"/>
+              <a:gd name="connsiteY8" fmla="*/ 5803900 h 5803900"/>
+              <a:gd name="connsiteX9" fmla="*/ 977919 w 8089900"/>
+              <a:gd name="connsiteY9" fmla="*/ 5803900 h 5803900"/>
+              <a:gd name="connsiteX10" fmla="*/ 295406 w 8089900"/>
+              <a:gd name="connsiteY10" fmla="*/ 5521193 h 5803900"/>
+              <a:gd name="connsiteX11" fmla="*/ 12700 w 8089900"/>
+              <a:gd name="connsiteY11" fmla="*/ 5346700 h 5803900"/>
+              <a:gd name="connsiteX12" fmla="*/ 12700 w 8089900"/>
+              <a:gd name="connsiteY12" fmla="*/ 546100 h 5803900"/>
+              <a:gd name="connsiteX0" fmla="*/ 12700 w 8089900"/>
+              <a:gd name="connsiteY0" fmla="*/ 546100 h 5803900"/>
+              <a:gd name="connsiteX1" fmla="*/ 88900 w 8089900"/>
+              <a:gd name="connsiteY1" fmla="*/ 88900 h 5803900"/>
+              <a:gd name="connsiteX2" fmla="*/ 546100 w 8089900"/>
+              <a:gd name="connsiteY2" fmla="*/ 12701 h 5803900"/>
+              <a:gd name="connsiteX3" fmla="*/ 7124681 w 8089900"/>
+              <a:gd name="connsiteY3" fmla="*/ 12700 h 5803900"/>
+              <a:gd name="connsiteX4" fmla="*/ 7807194 w 8089900"/>
+              <a:gd name="connsiteY4" fmla="*/ 295407 h 5803900"/>
+              <a:gd name="connsiteX5" fmla="*/ 8089899 w 8089900"/>
+              <a:gd name="connsiteY5" fmla="*/ 977921 h 5803900"/>
+              <a:gd name="connsiteX6" fmla="*/ 8089900 w 8089900"/>
+              <a:gd name="connsiteY6" fmla="*/ 4838681 h 5803900"/>
+              <a:gd name="connsiteX7" fmla="*/ 7807194 w 8089900"/>
+              <a:gd name="connsiteY7" fmla="*/ 5521194 h 5803900"/>
+              <a:gd name="connsiteX8" fmla="*/ 7124681 w 8089900"/>
+              <a:gd name="connsiteY8" fmla="*/ 5803900 h 5803900"/>
+              <a:gd name="connsiteX9" fmla="*/ 546100 w 8089900"/>
+              <a:gd name="connsiteY9" fmla="*/ 5803900 h 5803900"/>
+              <a:gd name="connsiteX10" fmla="*/ 295406 w 8089900"/>
+              <a:gd name="connsiteY10" fmla="*/ 5521193 h 5803900"/>
+              <a:gd name="connsiteX11" fmla="*/ 12700 w 8089900"/>
+              <a:gd name="connsiteY11" fmla="*/ 5346700 h 5803900"/>
+              <a:gd name="connsiteX12" fmla="*/ 12700 w 8089900"/>
+              <a:gd name="connsiteY12" fmla="*/ 546100 h 5803900"/>
+              <a:gd name="connsiteX0" fmla="*/ 12700 w 8089900"/>
+              <a:gd name="connsiteY0" fmla="*/ 546100 h 5803900"/>
+              <a:gd name="connsiteX1" fmla="*/ 88900 w 8089900"/>
+              <a:gd name="connsiteY1" fmla="*/ 88900 h 5803900"/>
+              <a:gd name="connsiteX2" fmla="*/ 546100 w 8089900"/>
+              <a:gd name="connsiteY2" fmla="*/ 12701 h 5803900"/>
+              <a:gd name="connsiteX3" fmla="*/ 7124681 w 8089900"/>
+              <a:gd name="connsiteY3" fmla="*/ 12700 h 5803900"/>
+              <a:gd name="connsiteX4" fmla="*/ 7807194 w 8089900"/>
+              <a:gd name="connsiteY4" fmla="*/ 295407 h 5803900"/>
+              <a:gd name="connsiteX5" fmla="*/ 8089899 w 8089900"/>
+              <a:gd name="connsiteY5" fmla="*/ 977921 h 5803900"/>
+              <a:gd name="connsiteX6" fmla="*/ 8089900 w 8089900"/>
+              <a:gd name="connsiteY6" fmla="*/ 4838681 h 5803900"/>
+              <a:gd name="connsiteX7" fmla="*/ 7807194 w 8089900"/>
+              <a:gd name="connsiteY7" fmla="*/ 5521194 h 5803900"/>
+              <a:gd name="connsiteX8" fmla="*/ 7124681 w 8089900"/>
+              <a:gd name="connsiteY8" fmla="*/ 5803900 h 5803900"/>
+              <a:gd name="connsiteX9" fmla="*/ 546100 w 8089900"/>
+              <a:gd name="connsiteY9" fmla="*/ 5803900 h 5803900"/>
+              <a:gd name="connsiteX10" fmla="*/ 88900 w 8089900"/>
+              <a:gd name="connsiteY10" fmla="*/ 5727700 h 5803900"/>
+              <a:gd name="connsiteX11" fmla="*/ 12700 w 8089900"/>
+              <a:gd name="connsiteY11" fmla="*/ 5346700 h 5803900"/>
+              <a:gd name="connsiteX12" fmla="*/ 12700 w 8089900"/>
+              <a:gd name="connsiteY12" fmla="*/ 546100 h 5803900"/>
+              <a:gd name="connsiteX0" fmla="*/ 12700 w 8089900"/>
+              <a:gd name="connsiteY0" fmla="*/ 546100 h 5803900"/>
+              <a:gd name="connsiteX1" fmla="*/ 88900 w 8089900"/>
+              <a:gd name="connsiteY1" fmla="*/ 88900 h 5803900"/>
+              <a:gd name="connsiteX2" fmla="*/ 546100 w 8089900"/>
+              <a:gd name="connsiteY2" fmla="*/ 12701 h 5803900"/>
+              <a:gd name="connsiteX3" fmla="*/ 7556500 w 8089900"/>
+              <a:gd name="connsiteY3" fmla="*/ 12700 h 5803900"/>
+              <a:gd name="connsiteX4" fmla="*/ 7807194 w 8089900"/>
+              <a:gd name="connsiteY4" fmla="*/ 295407 h 5803900"/>
+              <a:gd name="connsiteX5" fmla="*/ 8089899 w 8089900"/>
+              <a:gd name="connsiteY5" fmla="*/ 977921 h 5803900"/>
+              <a:gd name="connsiteX6" fmla="*/ 8089900 w 8089900"/>
+              <a:gd name="connsiteY6" fmla="*/ 4838681 h 5803900"/>
+              <a:gd name="connsiteX7" fmla="*/ 7807194 w 8089900"/>
+              <a:gd name="connsiteY7" fmla="*/ 5521194 h 5803900"/>
+              <a:gd name="connsiteX8" fmla="*/ 7124681 w 8089900"/>
+              <a:gd name="connsiteY8" fmla="*/ 5803900 h 5803900"/>
+              <a:gd name="connsiteX9" fmla="*/ 546100 w 8089900"/>
+              <a:gd name="connsiteY9" fmla="*/ 5803900 h 5803900"/>
+              <a:gd name="connsiteX10" fmla="*/ 88900 w 8089900"/>
+              <a:gd name="connsiteY10" fmla="*/ 5727700 h 5803900"/>
+              <a:gd name="connsiteX11" fmla="*/ 12700 w 8089900"/>
+              <a:gd name="connsiteY11" fmla="*/ 5346700 h 5803900"/>
+              <a:gd name="connsiteX12" fmla="*/ 12700 w 8089900"/>
+              <a:gd name="connsiteY12" fmla="*/ 546100 h 5803900"/>
+              <a:gd name="connsiteX0" fmla="*/ 12700 w 8089901"/>
+              <a:gd name="connsiteY0" fmla="*/ 546100 h 5803900"/>
+              <a:gd name="connsiteX1" fmla="*/ 88900 w 8089901"/>
+              <a:gd name="connsiteY1" fmla="*/ 88900 h 5803900"/>
+              <a:gd name="connsiteX2" fmla="*/ 546100 w 8089901"/>
+              <a:gd name="connsiteY2" fmla="*/ 12701 h 5803900"/>
+              <a:gd name="connsiteX3" fmla="*/ 7556500 w 8089901"/>
+              <a:gd name="connsiteY3" fmla="*/ 12700 h 5803900"/>
+              <a:gd name="connsiteX4" fmla="*/ 7807194 w 8089901"/>
+              <a:gd name="connsiteY4" fmla="*/ 295407 h 5803900"/>
+              <a:gd name="connsiteX5" fmla="*/ 8089900 w 8089901"/>
+              <a:gd name="connsiteY5" fmla="*/ 469900 h 5803900"/>
+              <a:gd name="connsiteX6" fmla="*/ 8089900 w 8089901"/>
+              <a:gd name="connsiteY6" fmla="*/ 4838681 h 5803900"/>
+              <a:gd name="connsiteX7" fmla="*/ 7807194 w 8089901"/>
+              <a:gd name="connsiteY7" fmla="*/ 5521194 h 5803900"/>
+              <a:gd name="connsiteX8" fmla="*/ 7124681 w 8089901"/>
+              <a:gd name="connsiteY8" fmla="*/ 5803900 h 5803900"/>
+              <a:gd name="connsiteX9" fmla="*/ 546100 w 8089901"/>
+              <a:gd name="connsiteY9" fmla="*/ 5803900 h 5803900"/>
+              <a:gd name="connsiteX10" fmla="*/ 88900 w 8089901"/>
+              <a:gd name="connsiteY10" fmla="*/ 5727700 h 5803900"/>
+              <a:gd name="connsiteX11" fmla="*/ 12700 w 8089901"/>
+              <a:gd name="connsiteY11" fmla="*/ 5346700 h 5803900"/>
+              <a:gd name="connsiteX12" fmla="*/ 12700 w 8089901"/>
+              <a:gd name="connsiteY12" fmla="*/ 546100 h 5803900"/>
+              <a:gd name="connsiteX0" fmla="*/ 12700 w 8102600"/>
+              <a:gd name="connsiteY0" fmla="*/ 546100 h 5803900"/>
+              <a:gd name="connsiteX1" fmla="*/ 88900 w 8102600"/>
+              <a:gd name="connsiteY1" fmla="*/ 88900 h 5803900"/>
+              <a:gd name="connsiteX2" fmla="*/ 546100 w 8102600"/>
+              <a:gd name="connsiteY2" fmla="*/ 12701 h 5803900"/>
+              <a:gd name="connsiteX3" fmla="*/ 7556500 w 8102600"/>
+              <a:gd name="connsiteY3" fmla="*/ 12700 h 5803900"/>
+              <a:gd name="connsiteX4" fmla="*/ 8013700 w 8102600"/>
+              <a:gd name="connsiteY4" fmla="*/ 88900 h 5803900"/>
+              <a:gd name="connsiteX5" fmla="*/ 8089900 w 8102600"/>
+              <a:gd name="connsiteY5" fmla="*/ 469900 h 5803900"/>
+              <a:gd name="connsiteX6" fmla="*/ 8089900 w 8102600"/>
+              <a:gd name="connsiteY6" fmla="*/ 4838681 h 5803900"/>
+              <a:gd name="connsiteX7" fmla="*/ 7807194 w 8102600"/>
+              <a:gd name="connsiteY7" fmla="*/ 5521194 h 5803900"/>
+              <a:gd name="connsiteX8" fmla="*/ 7124681 w 8102600"/>
+              <a:gd name="connsiteY8" fmla="*/ 5803900 h 5803900"/>
+              <a:gd name="connsiteX9" fmla="*/ 546100 w 8102600"/>
+              <a:gd name="connsiteY9" fmla="*/ 5803900 h 5803900"/>
+              <a:gd name="connsiteX10" fmla="*/ 88900 w 8102600"/>
+              <a:gd name="connsiteY10" fmla="*/ 5727700 h 5803900"/>
+              <a:gd name="connsiteX11" fmla="*/ 12700 w 8102600"/>
+              <a:gd name="connsiteY11" fmla="*/ 5346700 h 5803900"/>
+              <a:gd name="connsiteX12" fmla="*/ 12700 w 8102600"/>
+              <a:gd name="connsiteY12" fmla="*/ 546100 h 5803900"/>
+              <a:gd name="connsiteX0" fmla="*/ 12700 w 8102600"/>
+              <a:gd name="connsiteY0" fmla="*/ 546100 h 5803900"/>
+              <a:gd name="connsiteX1" fmla="*/ 88900 w 8102600"/>
+              <a:gd name="connsiteY1" fmla="*/ 88900 h 5803900"/>
+              <a:gd name="connsiteX2" fmla="*/ 546100 w 8102600"/>
+              <a:gd name="connsiteY2" fmla="*/ 12701 h 5803900"/>
+              <a:gd name="connsiteX3" fmla="*/ 7556500 w 8102600"/>
+              <a:gd name="connsiteY3" fmla="*/ 12700 h 5803900"/>
+              <a:gd name="connsiteX4" fmla="*/ 8013700 w 8102600"/>
+              <a:gd name="connsiteY4" fmla="*/ 88900 h 5803900"/>
+              <a:gd name="connsiteX5" fmla="*/ 8089899 w 8102600"/>
+              <a:gd name="connsiteY5" fmla="*/ 469900 h 5803900"/>
+              <a:gd name="connsiteX6" fmla="*/ 8089900 w 8102600"/>
+              <a:gd name="connsiteY6" fmla="*/ 4838681 h 5803900"/>
+              <a:gd name="connsiteX7" fmla="*/ 7807194 w 8102600"/>
+              <a:gd name="connsiteY7" fmla="*/ 5521194 h 5803900"/>
+              <a:gd name="connsiteX8" fmla="*/ 7124681 w 8102600"/>
+              <a:gd name="connsiteY8" fmla="*/ 5803900 h 5803900"/>
+              <a:gd name="connsiteX9" fmla="*/ 546100 w 8102600"/>
+              <a:gd name="connsiteY9" fmla="*/ 5803900 h 5803900"/>
+              <a:gd name="connsiteX10" fmla="*/ 88900 w 8102600"/>
+              <a:gd name="connsiteY10" fmla="*/ 5727700 h 5803900"/>
+              <a:gd name="connsiteX11" fmla="*/ 12700 w 8102600"/>
+              <a:gd name="connsiteY11" fmla="*/ 5346700 h 5803900"/>
+              <a:gd name="connsiteX12" fmla="*/ 12700 w 8102600"/>
+              <a:gd name="connsiteY12" fmla="*/ 546100 h 5803900"/>
+              <a:gd name="connsiteX0" fmla="*/ 12700 w 8102599"/>
+              <a:gd name="connsiteY0" fmla="*/ 546100 h 5803900"/>
+              <a:gd name="connsiteX1" fmla="*/ 88900 w 8102599"/>
+              <a:gd name="connsiteY1" fmla="*/ 88900 h 5803900"/>
+              <a:gd name="connsiteX2" fmla="*/ 546100 w 8102599"/>
+              <a:gd name="connsiteY2" fmla="*/ 12701 h 5803900"/>
+              <a:gd name="connsiteX3" fmla="*/ 7556500 w 8102599"/>
+              <a:gd name="connsiteY3" fmla="*/ 12700 h 5803900"/>
+              <a:gd name="connsiteX4" fmla="*/ 8013699 w 8102599"/>
+              <a:gd name="connsiteY4" fmla="*/ 88900 h 5803900"/>
+              <a:gd name="connsiteX5" fmla="*/ 8089899 w 8102599"/>
+              <a:gd name="connsiteY5" fmla="*/ 469900 h 5803900"/>
+              <a:gd name="connsiteX6" fmla="*/ 8089900 w 8102599"/>
+              <a:gd name="connsiteY6" fmla="*/ 4838681 h 5803900"/>
+              <a:gd name="connsiteX7" fmla="*/ 7807194 w 8102599"/>
+              <a:gd name="connsiteY7" fmla="*/ 5521194 h 5803900"/>
+              <a:gd name="connsiteX8" fmla="*/ 7124681 w 8102599"/>
+              <a:gd name="connsiteY8" fmla="*/ 5803900 h 5803900"/>
+              <a:gd name="connsiteX9" fmla="*/ 546100 w 8102599"/>
+              <a:gd name="connsiteY9" fmla="*/ 5803900 h 5803900"/>
+              <a:gd name="connsiteX10" fmla="*/ 88900 w 8102599"/>
+              <a:gd name="connsiteY10" fmla="*/ 5727700 h 5803900"/>
+              <a:gd name="connsiteX11" fmla="*/ 12700 w 8102599"/>
+              <a:gd name="connsiteY11" fmla="*/ 5346700 h 5803900"/>
+              <a:gd name="connsiteX12" fmla="*/ 12700 w 8102599"/>
+              <a:gd name="connsiteY12" fmla="*/ 546100 h 5803900"/>
+              <a:gd name="connsiteX0" fmla="*/ 12700 w 8102599"/>
+              <a:gd name="connsiteY0" fmla="*/ 546100 h 5803900"/>
+              <a:gd name="connsiteX1" fmla="*/ 88900 w 8102599"/>
+              <a:gd name="connsiteY1" fmla="*/ 88900 h 5803900"/>
+              <a:gd name="connsiteX2" fmla="*/ 546100 w 8102599"/>
+              <a:gd name="connsiteY2" fmla="*/ 12701 h 5803900"/>
+              <a:gd name="connsiteX3" fmla="*/ 7556500 w 8102599"/>
+              <a:gd name="connsiteY3" fmla="*/ 12700 h 5803900"/>
+              <a:gd name="connsiteX4" fmla="*/ 8013699 w 8102599"/>
+              <a:gd name="connsiteY4" fmla="*/ 88900 h 5803900"/>
+              <a:gd name="connsiteX5" fmla="*/ 8089899 w 8102599"/>
+              <a:gd name="connsiteY5" fmla="*/ 469900 h 5803900"/>
+              <a:gd name="connsiteX6" fmla="*/ 8089900 w 8102599"/>
+              <a:gd name="connsiteY6" fmla="*/ 5346700 h 5803900"/>
+              <a:gd name="connsiteX7" fmla="*/ 7807194 w 8102599"/>
+              <a:gd name="connsiteY7" fmla="*/ 5521194 h 5803900"/>
+              <a:gd name="connsiteX8" fmla="*/ 7124681 w 8102599"/>
+              <a:gd name="connsiteY8" fmla="*/ 5803900 h 5803900"/>
+              <a:gd name="connsiteX9" fmla="*/ 546100 w 8102599"/>
+              <a:gd name="connsiteY9" fmla="*/ 5803900 h 5803900"/>
+              <a:gd name="connsiteX10" fmla="*/ 88900 w 8102599"/>
+              <a:gd name="connsiteY10" fmla="*/ 5727700 h 5803900"/>
+              <a:gd name="connsiteX11" fmla="*/ 12700 w 8102599"/>
+              <a:gd name="connsiteY11" fmla="*/ 5346700 h 5803900"/>
+              <a:gd name="connsiteX12" fmla="*/ 12700 w 8102599"/>
+              <a:gd name="connsiteY12" fmla="*/ 546100 h 5803900"/>
+              <a:gd name="connsiteX0" fmla="*/ 12700 w 8102599"/>
+              <a:gd name="connsiteY0" fmla="*/ 546100 h 5803900"/>
+              <a:gd name="connsiteX1" fmla="*/ 88900 w 8102599"/>
+              <a:gd name="connsiteY1" fmla="*/ 88900 h 5803900"/>
+              <a:gd name="connsiteX2" fmla="*/ 546100 w 8102599"/>
+              <a:gd name="connsiteY2" fmla="*/ 12701 h 5803900"/>
+              <a:gd name="connsiteX3" fmla="*/ 7556500 w 8102599"/>
+              <a:gd name="connsiteY3" fmla="*/ 12700 h 5803900"/>
+              <a:gd name="connsiteX4" fmla="*/ 8013699 w 8102599"/>
+              <a:gd name="connsiteY4" fmla="*/ 88900 h 5803900"/>
+              <a:gd name="connsiteX5" fmla="*/ 8089899 w 8102599"/>
+              <a:gd name="connsiteY5" fmla="*/ 469900 h 5803900"/>
+              <a:gd name="connsiteX6" fmla="*/ 8089900 w 8102599"/>
+              <a:gd name="connsiteY6" fmla="*/ 5346700 h 5803900"/>
+              <a:gd name="connsiteX7" fmla="*/ 7807194 w 8102599"/>
+              <a:gd name="connsiteY7" fmla="*/ 5521194 h 5803900"/>
+              <a:gd name="connsiteX8" fmla="*/ 7632700 w 8102599"/>
+              <a:gd name="connsiteY8" fmla="*/ 5803900 h 5803900"/>
+              <a:gd name="connsiteX9" fmla="*/ 546100 w 8102599"/>
+              <a:gd name="connsiteY9" fmla="*/ 5803900 h 5803900"/>
+              <a:gd name="connsiteX10" fmla="*/ 88900 w 8102599"/>
+              <a:gd name="connsiteY10" fmla="*/ 5727700 h 5803900"/>
+              <a:gd name="connsiteX11" fmla="*/ 12700 w 8102599"/>
+              <a:gd name="connsiteY11" fmla="*/ 5346700 h 5803900"/>
+              <a:gd name="connsiteX12" fmla="*/ 12700 w 8102599"/>
+              <a:gd name="connsiteY12" fmla="*/ 546100 h 5803900"/>
+              <a:gd name="connsiteX0" fmla="*/ 12700 w 8102599"/>
+              <a:gd name="connsiteY0" fmla="*/ 546100 h 5803900"/>
+              <a:gd name="connsiteX1" fmla="*/ 88900 w 8102599"/>
+              <a:gd name="connsiteY1" fmla="*/ 88900 h 5803900"/>
+              <a:gd name="connsiteX2" fmla="*/ 546100 w 8102599"/>
+              <a:gd name="connsiteY2" fmla="*/ 12701 h 5803900"/>
+              <a:gd name="connsiteX3" fmla="*/ 7556500 w 8102599"/>
+              <a:gd name="connsiteY3" fmla="*/ 12700 h 5803900"/>
+              <a:gd name="connsiteX4" fmla="*/ 8013699 w 8102599"/>
+              <a:gd name="connsiteY4" fmla="*/ 88900 h 5803900"/>
+              <a:gd name="connsiteX5" fmla="*/ 8089899 w 8102599"/>
+              <a:gd name="connsiteY5" fmla="*/ 469900 h 5803900"/>
+              <a:gd name="connsiteX6" fmla="*/ 8089900 w 8102599"/>
+              <a:gd name="connsiteY6" fmla="*/ 5346700 h 5803900"/>
+              <a:gd name="connsiteX7" fmla="*/ 8013700 w 8102599"/>
+              <a:gd name="connsiteY7" fmla="*/ 5727700 h 5803900"/>
+              <a:gd name="connsiteX8" fmla="*/ 7632700 w 8102599"/>
+              <a:gd name="connsiteY8" fmla="*/ 5803900 h 5803900"/>
+              <a:gd name="connsiteX9" fmla="*/ 546100 w 8102599"/>
+              <a:gd name="connsiteY9" fmla="*/ 5803900 h 5803900"/>
+              <a:gd name="connsiteX10" fmla="*/ 88900 w 8102599"/>
+              <a:gd name="connsiteY10" fmla="*/ 5727700 h 5803900"/>
+              <a:gd name="connsiteX11" fmla="*/ 12700 w 8102599"/>
+              <a:gd name="connsiteY11" fmla="*/ 5346700 h 5803900"/>
+              <a:gd name="connsiteX12" fmla="*/ 12700 w 8102599"/>
+              <a:gd name="connsiteY12" fmla="*/ 546100 h 5803900"/>
+            </a:gdLst>
+            <a:ahLst/>
+            <a:cxnLst>
+              <a:cxn ang="0">
+                <a:pos x="connsiteX0" y="connsiteY0"/>
+              </a:cxn>
+              <a:cxn ang="0">
+                <a:pos x="connsiteX1" y="connsiteY1"/>
+              </a:cxn>
+              <a:cxn ang="0">
+                <a:pos x="connsiteX2" y="connsiteY2"/>
+              </a:cxn>
+              <a:cxn ang="0">
+                <a:pos x="connsiteX3" y="connsiteY3"/>
+              </a:cxn>
+              <a:cxn ang="0">
+                <a:pos x="connsiteX4" y="connsiteY4"/>
+              </a:cxn>
+              <a:cxn ang="0">
+                <a:pos x="connsiteX5" y="connsiteY5"/>
+              </a:cxn>
+              <a:cxn ang="0">
+                <a:pos x="connsiteX6" y="connsiteY6"/>
+              </a:cxn>
+              <a:cxn ang="0">
+                <a:pos x="connsiteX7" y="connsiteY7"/>
+              </a:cxn>
+              <a:cxn ang="0">
+                <a:pos x="connsiteX8" y="connsiteY8"/>
+              </a:cxn>
+              <a:cxn ang="0">
+                <a:pos x="connsiteX9" y="connsiteY9"/>
+              </a:cxn>
+              <a:cxn ang="0">
+                <a:pos x="connsiteX10" y="connsiteY10"/>
+              </a:cxn>
+              <a:cxn ang="0">
+                <a:pos x="connsiteX11" y="connsiteY11"/>
+              </a:cxn>
+              <a:cxn ang="0">
+                <a:pos x="connsiteX12" y="connsiteY12"/>
+              </a:cxn>
+            </a:cxnLst>
+            <a:rect l="l" t="t" r="r" b="b"/>
+            <a:pathLst>
+              <a:path w="8102599" h="5803900">
+                <a:moveTo>
+                  <a:pt x="12700" y="546100"/>
+                </a:moveTo>
+                <a:cubicBezTo>
+                  <a:pt x="12700" y="290108"/>
+                  <a:pt x="0" y="177800"/>
+                  <a:pt x="88900" y="88900"/>
+                </a:cubicBezTo>
+                <a:cubicBezTo>
+                  <a:pt x="177800" y="0"/>
+                  <a:pt x="290107" y="12700"/>
+                  <a:pt x="546100" y="12701"/>
+                </a:cubicBezTo>
+                <a:lnTo>
+                  <a:pt x="7556500" y="12700"/>
+                </a:lnTo>
+                <a:cubicBezTo>
+                  <a:pt x="7812492" y="12700"/>
+                  <a:pt x="7924799" y="12700"/>
+                  <a:pt x="8013699" y="88900"/>
+                </a:cubicBezTo>
+                <a:cubicBezTo>
+                  <a:pt x="8102599" y="165100"/>
+                  <a:pt x="8089900" y="213907"/>
+                  <a:pt x="8089899" y="469900"/>
+                </a:cubicBezTo>
+                <a:cubicBezTo>
+                  <a:pt x="8089899" y="1926160"/>
+                  <a:pt x="8089900" y="3890440"/>
+                  <a:pt x="8089900" y="5346700"/>
+                </a:cubicBezTo>
+                <a:cubicBezTo>
+                  <a:pt x="8089900" y="5602692"/>
+                  <a:pt x="8089900" y="5651500"/>
+                  <a:pt x="8013700" y="5727700"/>
+                </a:cubicBezTo>
+                <a:cubicBezTo>
+                  <a:pt x="7937500" y="5803900"/>
+                  <a:pt x="7888692" y="5803900"/>
+                  <a:pt x="7632700" y="5803900"/>
+                </a:cubicBezTo>
+                <a:lnTo>
+                  <a:pt x="546100" y="5803900"/>
+                </a:lnTo>
+                <a:cubicBezTo>
+                  <a:pt x="290108" y="5803900"/>
+                  <a:pt x="177800" y="5803900"/>
+                  <a:pt x="88900" y="5727700"/>
+                </a:cubicBezTo>
+                <a:cubicBezTo>
+                  <a:pt x="0" y="5651500"/>
+                  <a:pt x="12700" y="5602692"/>
+                  <a:pt x="12700" y="5346700"/>
+                </a:cubicBezTo>
+                <a:lnTo>
+                  <a:pt x="12700" y="546100"/>
+                </a:lnTo>
+                <a:close/>
+              </a:path>
+            </a:pathLst>
+          </a:custGeom>
+          <a:gradFill>
+            <a:gsLst>
+              <a:gs pos="0">
+                <a:schemeClr val="bg1">
+                  <a:lumMod val="50000"/>
+                </a:schemeClr>
+              </a:gs>
+              <a:gs pos="39999">
+                <a:schemeClr val="bg1">
+                  <a:lumMod val="65000"/>
+                </a:schemeClr>
+              </a:gs>
+              <a:gs pos="70000">
+                <a:schemeClr val="bg1">
+                  <a:lumMod val="50000"/>
+                  <a:alpha val="73000"/>
+                </a:schemeClr>
+              </a:gs>
+            </a:gsLst>
+            <a:lin ang="5400000" scaled="0"/>
+          </a:gradFill>
+          <a:ln>
+            <a:solidFill>
+              <a:schemeClr val="bg1">
+                <a:lumMod val="75000"/>
+              </a:schemeClr>
+            </a:solidFill>
+          </a:ln>
+        </p:spPr>
+        <p:style>
+          <a:lnRef idx="2">
+            <a:schemeClr val="accent1">
+              <a:shade val="50000"/>
+            </a:schemeClr>
+          </a:lnRef>
+          <a:fillRef idx="1">
+            <a:schemeClr val="accent1"/>
+          </a:fillRef>
+          <a:effectRef idx="0">
+            <a:schemeClr val="accent1"/>
+          </a:effectRef>
+          <a:fontRef idx="minor">
+            <a:schemeClr val="lt1"/>
+          </a:fontRef>
+        </p:style>
+        <p:txBody>
+          <a:bodyPr rtlCol="0" anchor="ctr"/>
+          <a:lstStyle/>
+          <a:p>
+            <a:pPr fontAlgn="t"/>
+            <a:endParaRPr lang="es-AR" b="1" dirty="0" smtClean="0"/>
+          </a:p>
+          <a:p>
+            <a:pPr algn="ctr"/>
+            <a:endParaRPr lang="es-AR" dirty="0"/>
+          </a:p>
+        </p:txBody>
+      </p:sp>
+      <p:sp>
+        <p:nvSpPr>
+          <p:cNvPr id="14" name="Rectangle 13"/>
+          <p:cNvSpPr/>
+          <p:nvPr/>
+        </p:nvSpPr>
+        <p:spPr>
+          <a:xfrm>
+            <a:off x="381000" y="1295400"/>
+            <a:ext cx="8458200" cy="1066800"/>
+          </a:xfrm>
+          <a:prstGeom prst="rect">
+            <a:avLst/>
+          </a:prstGeom>
+          <a:noFill/>
+          <a:ln>
+            <a:noFill/>
+          </a:ln>
+        </p:spPr>
+        <p:style>
+          <a:lnRef idx="2">
+            <a:schemeClr val="accent1">
+              <a:shade val="50000"/>
+            </a:schemeClr>
+          </a:lnRef>
+          <a:fillRef idx="1">
+            <a:schemeClr val="accent1"/>
+          </a:fillRef>
+          <a:effectRef idx="0">
+            <a:schemeClr val="accent1"/>
+          </a:effectRef>
+          <a:fontRef idx="minor">
+            <a:schemeClr val="lt1"/>
+          </a:fontRef>
+        </p:style>
+        <p:txBody>
+          <a:bodyPr rtlCol="0" anchor="ctr"/>
+          <a:lstStyle/>
+          <a:p>
+            <a:pPr algn="ctr"/>
+            <a:r>
+              <a:rPr lang="es-AR" sz="4800" b="1" dirty="0" smtClean="0"/>
+              <a:t>Interfaces</a:t>
+            </a:r>
+          </a:p>
+          <a:p>
+            <a:pPr algn="ctr"/>
+            <a:endParaRPr lang="es-AR" sz="1200" dirty="0"/>
+          </a:p>
+        </p:txBody>
+      </p:sp>
+      <p:grpSp>
+        <p:nvGrpSpPr>
+          <p:cNvPr id="3" name="Group 14"/>
+          <p:cNvGrpSpPr/>
+          <p:nvPr/>
+        </p:nvGrpSpPr>
+        <p:grpSpPr>
+          <a:xfrm>
+            <a:off x="1295400" y="544415"/>
+            <a:ext cx="6553200" cy="903384"/>
+            <a:chOff x="1295400" y="544415"/>
+            <a:chExt cx="6553200" cy="903384"/>
+          </a:xfrm>
+        </p:grpSpPr>
+        <p:sp>
+          <p:nvSpPr>
+            <p:cNvPr id="16" name="Round Same Side Corner Rectangle 15"/>
+            <p:cNvSpPr/>
+            <p:nvPr/>
+          </p:nvSpPr>
+          <p:spPr>
+            <a:xfrm rot="10800000">
+              <a:off x="1295400" y="544415"/>
+              <a:ext cx="6553200" cy="903384"/>
+            </a:xfrm>
+            <a:prstGeom prst="round2SameRect">
+              <a:avLst/>
+            </a:prstGeom>
+          </p:spPr>
+          <p:style>
+            <a:lnRef idx="2">
+              <a:schemeClr val="dk1">
+                <a:shade val="50000"/>
+              </a:schemeClr>
+            </a:lnRef>
+            <a:fillRef idx="1">
+              <a:schemeClr val="dk1"/>
+            </a:fillRef>
+            <a:effectRef idx="0">
+              <a:schemeClr val="dk1"/>
+            </a:effectRef>
+            <a:fontRef idx="minor">
+              <a:schemeClr val="lt1"/>
+            </a:fontRef>
+          </p:style>
+          <p:txBody>
+            <a:bodyPr rtlCol="0" anchor="ctr"/>
+            <a:lstStyle/>
+            <a:p>
+              <a:pPr algn="ctr"/>
+              <a:endParaRPr lang="es-AR" dirty="0"/>
+            </a:p>
+          </p:txBody>
+        </p:sp>
+        <p:pic>
+          <p:nvPicPr>
+            <p:cNvPr id="20" name="Picture 2" descr="E:\U.B.A.Files\Materias\75.45 Taller de Desarrollo de Proyectos I\TP\Trunk\Proyecto\web\site\images\logo.png"/>
+            <p:cNvPicPr>
+              <a:picLocks noChangeAspect="1" noChangeArrowheads="1"/>
+            </p:cNvPicPr>
+            <p:nvPr/>
+          </p:nvPicPr>
+          <p:blipFill>
+            <a:blip r:embed="rId2" cstate="print"/>
+            <a:srcRect/>
+            <a:stretch>
+              <a:fillRect/>
+            </a:stretch>
+          </p:blipFill>
+          <p:spPr bwMode="auto">
+            <a:xfrm>
+              <a:off x="1600200" y="609600"/>
+              <a:ext cx="2640904" cy="762000"/>
+            </a:xfrm>
+            <a:prstGeom prst="rect">
+              <a:avLst/>
+            </a:prstGeom>
+            <a:noFill/>
+          </p:spPr>
+        </p:pic>
+        <p:sp>
+          <p:nvSpPr>
+            <p:cNvPr id="23" name="TextBox 22"/>
+            <p:cNvSpPr txBox="1"/>
+            <p:nvPr/>
+          </p:nvSpPr>
+          <p:spPr>
+            <a:xfrm>
+              <a:off x="4515457" y="685800"/>
+              <a:ext cx="3180743" cy="307777"/>
+            </a:xfrm>
+            <a:prstGeom prst="rect">
+              <a:avLst/>
+            </a:prstGeom>
+            <a:noFill/>
+          </p:spPr>
+          <p:txBody>
+            <a:bodyPr wrap="none" rtlCol="0">
+              <a:spAutoFit/>
+            </a:bodyPr>
+            <a:lstStyle/>
+            <a:p>
+              <a:r>
+                <a:rPr lang="es-AR" sz="1400" dirty="0" smtClean="0">
+                  <a:solidFill>
+                    <a:schemeClr val="bg1">
+                      <a:lumMod val="50000"/>
+                    </a:schemeClr>
+                  </a:solidFill>
+                </a:rPr>
+                <a:t>Centralización y análisis de datos</a:t>
+              </a:r>
+              <a:endParaRPr lang="es-AR" sz="1400" dirty="0">
+                <a:solidFill>
+                  <a:schemeClr val="bg1">
+                    <a:lumMod val="50000"/>
+                  </a:schemeClr>
+                </a:solidFill>
+              </a:endParaRPr>
+            </a:p>
+          </p:txBody>
+        </p:sp>
+      </p:grpSp>
+    </p:spTree>
+  </p:cSld>
+  <p:clrMapOvr>
+    <a:masterClrMapping/>
+  </p:clrMapOvr>
+</p:sld>
+</file>
+
 <file path=ppt/theme/theme1.xml><?xml version="1.0" encoding="utf-8"?>
 <a:theme xmlns:a="http://schemas.openxmlformats.org/drawingml/2006/main" name="Office Theme">
   <a:themeElements>

--- a/trunk/Presentacion/Tecnica/Presentacion Tecnica.pptx
+++ b/trunk/Presentacion/Tecnica/Presentacion Tecnica.pptx
@@ -11680,6 +11680,847 @@
           </p:txBody>
         </p:sp>
       </p:grpSp>
+      <p:grpSp>
+        <p:nvGrpSpPr>
+          <p:cNvPr id="1026" name="Group 2"/>
+          <p:cNvGrpSpPr>
+            <a:grpSpLocks/>
+          </p:cNvGrpSpPr>
+          <p:nvPr/>
+        </p:nvGrpSpPr>
+        <p:grpSpPr bwMode="auto">
+          <a:xfrm>
+            <a:off x="1905000" y="2505075"/>
+            <a:ext cx="5743575" cy="2809875"/>
+            <a:chOff x="1875" y="3255"/>
+            <a:chExt cx="9045" cy="4425"/>
+          </a:xfrm>
+        </p:grpSpPr>
+        <p:sp>
+          <p:nvSpPr>
+            <p:cNvPr id="1027" name="AutoShape 3"/>
+            <p:cNvSpPr>
+              <a:spLocks noChangeArrowheads="1"/>
+            </p:cNvSpPr>
+            <p:nvPr/>
+          </p:nvSpPr>
+          <p:spPr bwMode="auto">
+            <a:xfrm>
+              <a:off x="7935" y="3255"/>
+              <a:ext cx="1890" cy="1995"/>
+            </a:xfrm>
+            <a:prstGeom prst="foldedCorner">
+              <a:avLst>
+                <a:gd name="adj" fmla="val 12500"/>
+              </a:avLst>
+            </a:prstGeom>
+            <a:solidFill>
+              <a:srgbClr val="FFFFFF"/>
+            </a:solidFill>
+            <a:ln w="9525">
+              <a:solidFill>
+                <a:srgbClr val="000000"/>
+              </a:solidFill>
+              <a:round/>
+              <a:headEnd/>
+              <a:tailEnd/>
+            </a:ln>
+          </p:spPr>
+          <p:txBody>
+            <a:bodyPr vert="horz" wrap="square" lIns="91440" tIns="45720" rIns="91440" bIns="45720" numCol="1" anchor="t" anchorCtr="0" compatLnSpc="1">
+              <a:prstTxWarp prst="textNoShape">
+                <a:avLst/>
+              </a:prstTxWarp>
+            </a:bodyPr>
+            <a:lstStyle/>
+            <a:p>
+              <a:pPr marL="0" marR="0" lvl="0" indent="0" algn="l" defTabSz="914400" rtl="0" eaLnBrk="1" fontAlgn="base" latinLnBrk="0" hangingPunct="1">
+                <a:lnSpc>
+                  <a:spcPct val="100000"/>
+                </a:lnSpc>
+                <a:spcBef>
+                  <a:spcPct val="0"/>
+                </a:spcBef>
+                <a:spcAft>
+                  <a:spcPts val="1000"/>
+                </a:spcAft>
+                <a:buClrTx/>
+                <a:buSzTx/>
+                <a:buFontTx/>
+                <a:buNone/>
+                <a:tabLst/>
+              </a:pPr>
+              <a:r>
+                <a:rPr kumimoji="0" lang="es-AR" sz="1100" b="0" i="0" u="none" strike="noStrike" cap="none" normalizeH="0" baseline="0" smtClean="0">
+                  <a:ln>
+                    <a:noFill/>
+                  </a:ln>
+                  <a:solidFill>
+                    <a:schemeClr val="tx1"/>
+                  </a:solidFill>
+                  <a:effectLst/>
+                  <a:latin typeface="Calibri" pitchFamily="34" charset="0"/>
+                  <a:cs typeface="Arial" pitchFamily="34" charset="0"/>
+                </a:rPr>
+                <a:t>VTV</a:t>
+              </a:r>
+              <a:endParaRPr kumimoji="0" lang="es-AR" sz="1800" b="0" i="0" u="none" strike="noStrike" cap="none" normalizeH="0" baseline="0" smtClean="0">
+                <a:ln>
+                  <a:noFill/>
+                </a:ln>
+                <a:solidFill>
+                  <a:schemeClr val="tx1"/>
+                </a:solidFill>
+                <a:effectLst/>
+                <a:latin typeface="Arial" pitchFamily="34" charset="0"/>
+                <a:cs typeface="Arial" pitchFamily="34" charset="0"/>
+              </a:endParaRPr>
+            </a:p>
+          </p:txBody>
+        </p:sp>
+        <p:sp>
+          <p:nvSpPr>
+            <p:cNvPr id="1028" name="AutoShape 4"/>
+            <p:cNvSpPr>
+              <a:spLocks noChangeArrowheads="1"/>
+            </p:cNvSpPr>
+            <p:nvPr/>
+          </p:nvSpPr>
+          <p:spPr bwMode="auto">
+            <a:xfrm>
+              <a:off x="8250" y="3720"/>
+              <a:ext cx="1890" cy="1995"/>
+            </a:xfrm>
+            <a:prstGeom prst="foldedCorner">
+              <a:avLst>
+                <a:gd name="adj" fmla="val 12500"/>
+              </a:avLst>
+            </a:prstGeom>
+            <a:solidFill>
+              <a:srgbClr val="FFFFFF"/>
+            </a:solidFill>
+            <a:ln w="9525">
+              <a:solidFill>
+                <a:srgbClr val="000000"/>
+              </a:solidFill>
+              <a:round/>
+              <a:headEnd/>
+              <a:tailEnd/>
+            </a:ln>
+          </p:spPr>
+          <p:txBody>
+            <a:bodyPr vert="horz" wrap="square" lIns="91440" tIns="45720" rIns="91440" bIns="45720" numCol="1" anchor="t" anchorCtr="0" compatLnSpc="1">
+              <a:prstTxWarp prst="textNoShape">
+                <a:avLst/>
+              </a:prstTxWarp>
+            </a:bodyPr>
+            <a:lstStyle/>
+            <a:p>
+              <a:pPr marL="0" marR="0" lvl="0" indent="0" algn="l" defTabSz="914400" rtl="0" eaLnBrk="1" fontAlgn="base" latinLnBrk="0" hangingPunct="1">
+                <a:lnSpc>
+                  <a:spcPct val="100000"/>
+                </a:lnSpc>
+                <a:spcBef>
+                  <a:spcPct val="0"/>
+                </a:spcBef>
+                <a:spcAft>
+                  <a:spcPts val="1000"/>
+                </a:spcAft>
+                <a:buClrTx/>
+                <a:buSzTx/>
+                <a:buFontTx/>
+                <a:buNone/>
+                <a:tabLst/>
+              </a:pPr>
+              <a:r>
+                <a:rPr kumimoji="0" lang="es-AR" sz="1100" b="0" i="0" u="none" strike="noStrike" cap="none" normalizeH="0" baseline="0" smtClean="0">
+                  <a:ln>
+                    <a:noFill/>
+                  </a:ln>
+                  <a:solidFill>
+                    <a:schemeClr val="tx1"/>
+                  </a:solidFill>
+                  <a:effectLst/>
+                  <a:latin typeface="Calibri" pitchFamily="34" charset="0"/>
+                  <a:cs typeface="Arial" pitchFamily="34" charset="0"/>
+                </a:rPr>
+                <a:t>INFRACCIONES</a:t>
+              </a:r>
+              <a:endParaRPr kumimoji="0" lang="es-AR" sz="1800" b="0" i="0" u="none" strike="noStrike" cap="none" normalizeH="0" baseline="0" smtClean="0">
+                <a:ln>
+                  <a:noFill/>
+                </a:ln>
+                <a:solidFill>
+                  <a:schemeClr val="tx1"/>
+                </a:solidFill>
+                <a:effectLst/>
+                <a:latin typeface="Arial" pitchFamily="34" charset="0"/>
+                <a:cs typeface="Arial" pitchFamily="34" charset="0"/>
+              </a:endParaRPr>
+            </a:p>
+          </p:txBody>
+        </p:sp>
+        <p:sp>
+          <p:nvSpPr>
+            <p:cNvPr id="1029" name="AutoShape 5"/>
+            <p:cNvSpPr>
+              <a:spLocks noChangeArrowheads="1"/>
+            </p:cNvSpPr>
+            <p:nvPr/>
+          </p:nvSpPr>
+          <p:spPr bwMode="auto">
+            <a:xfrm>
+              <a:off x="8685" y="4350"/>
+              <a:ext cx="1890" cy="1995"/>
+            </a:xfrm>
+            <a:prstGeom prst="foldedCorner">
+              <a:avLst>
+                <a:gd name="adj" fmla="val 12500"/>
+              </a:avLst>
+            </a:prstGeom>
+            <a:solidFill>
+              <a:srgbClr val="FFFFFF"/>
+            </a:solidFill>
+            <a:ln w="9525">
+              <a:solidFill>
+                <a:srgbClr val="000000"/>
+              </a:solidFill>
+              <a:round/>
+              <a:headEnd/>
+              <a:tailEnd/>
+            </a:ln>
+          </p:spPr>
+          <p:txBody>
+            <a:bodyPr vert="horz" wrap="square" lIns="91440" tIns="45720" rIns="91440" bIns="45720" numCol="1" anchor="t" anchorCtr="0" compatLnSpc="1">
+              <a:prstTxWarp prst="textNoShape">
+                <a:avLst/>
+              </a:prstTxWarp>
+            </a:bodyPr>
+            <a:lstStyle/>
+            <a:p>
+              <a:pPr marL="0" marR="0" lvl="0" indent="0" algn="l" defTabSz="914400" rtl="0" eaLnBrk="1" fontAlgn="base" latinLnBrk="0" hangingPunct="1">
+                <a:lnSpc>
+                  <a:spcPct val="100000"/>
+                </a:lnSpc>
+                <a:spcBef>
+                  <a:spcPct val="0"/>
+                </a:spcBef>
+                <a:spcAft>
+                  <a:spcPts val="1000"/>
+                </a:spcAft>
+                <a:buClrTx/>
+                <a:buSzTx/>
+                <a:buFontTx/>
+                <a:buNone/>
+                <a:tabLst/>
+              </a:pPr>
+              <a:r>
+                <a:rPr kumimoji="0" lang="es-AR" sz="1100" b="0" i="0" u="none" strike="noStrike" cap="none" normalizeH="0" baseline="0" smtClean="0">
+                  <a:ln>
+                    <a:noFill/>
+                  </a:ln>
+                  <a:solidFill>
+                    <a:schemeClr val="tx1"/>
+                  </a:solidFill>
+                  <a:effectLst/>
+                  <a:latin typeface="Calibri" pitchFamily="34" charset="0"/>
+                  <a:cs typeface="Arial" pitchFamily="34" charset="0"/>
+                </a:rPr>
+                <a:t>SCORING VEHICULAR</a:t>
+              </a:r>
+              <a:endParaRPr kumimoji="0" lang="es-AR" sz="1800" b="0" i="0" u="none" strike="noStrike" cap="none" normalizeH="0" baseline="0" smtClean="0">
+                <a:ln>
+                  <a:noFill/>
+                </a:ln>
+                <a:solidFill>
+                  <a:schemeClr val="tx1"/>
+                </a:solidFill>
+                <a:effectLst/>
+                <a:latin typeface="Arial" pitchFamily="34" charset="0"/>
+                <a:cs typeface="Arial" pitchFamily="34" charset="0"/>
+              </a:endParaRPr>
+            </a:p>
+          </p:txBody>
+        </p:sp>
+        <p:sp>
+          <p:nvSpPr>
+            <p:cNvPr id="1030" name="Text Box 6"/>
+            <p:cNvSpPr txBox="1">
+              <a:spLocks noChangeArrowheads="1"/>
+            </p:cNvSpPr>
+            <p:nvPr/>
+          </p:nvSpPr>
+          <p:spPr bwMode="auto">
+            <a:xfrm>
+              <a:off x="7605" y="5715"/>
+              <a:ext cx="1080" cy="510"/>
+            </a:xfrm>
+            <a:prstGeom prst="rect">
+              <a:avLst/>
+            </a:prstGeom>
+            <a:solidFill>
+              <a:srgbClr val="FFFFFF"/>
+            </a:solidFill>
+            <a:ln w="9525">
+              <a:noFill/>
+              <a:miter lim="800000"/>
+              <a:headEnd/>
+              <a:tailEnd/>
+            </a:ln>
+          </p:spPr>
+          <p:txBody>
+            <a:bodyPr vert="horz" wrap="square" lIns="91440" tIns="45720" rIns="91440" bIns="45720" numCol="1" anchor="t" anchorCtr="0" compatLnSpc="1">
+              <a:prstTxWarp prst="textNoShape">
+                <a:avLst/>
+              </a:prstTxWarp>
+            </a:bodyPr>
+            <a:lstStyle/>
+            <a:p>
+              <a:pPr marL="0" marR="0" lvl="0" indent="0" algn="l" defTabSz="914400" rtl="0" eaLnBrk="1" fontAlgn="base" latinLnBrk="0" hangingPunct="1">
+                <a:lnSpc>
+                  <a:spcPct val="100000"/>
+                </a:lnSpc>
+                <a:spcBef>
+                  <a:spcPct val="0"/>
+                </a:spcBef>
+                <a:spcAft>
+                  <a:spcPts val="1000"/>
+                </a:spcAft>
+                <a:buClrTx/>
+                <a:buSzTx/>
+                <a:buFontTx/>
+                <a:buNone/>
+                <a:tabLst/>
+              </a:pPr>
+              <a:r>
+                <a:rPr kumimoji="0" lang="es-AR" sz="1100" b="1" i="0" u="none" strike="noStrike" cap="none" normalizeH="0" baseline="0" smtClean="0">
+                  <a:ln>
+                    <a:noFill/>
+                  </a:ln>
+                  <a:solidFill>
+                    <a:schemeClr val="tx1"/>
+                  </a:solidFill>
+                  <a:effectLst/>
+                  <a:latin typeface="Calibri" pitchFamily="34" charset="0"/>
+                  <a:cs typeface="Arial" pitchFamily="34" charset="0"/>
+                </a:rPr>
+                <a:t>HTML</a:t>
+              </a:r>
+              <a:endParaRPr kumimoji="0" lang="es-AR" sz="1800" b="0" i="0" u="none" strike="noStrike" cap="none" normalizeH="0" baseline="0" smtClean="0">
+                <a:ln>
+                  <a:noFill/>
+                </a:ln>
+                <a:solidFill>
+                  <a:schemeClr val="tx1"/>
+                </a:solidFill>
+                <a:effectLst/>
+                <a:latin typeface="Arial" pitchFamily="34" charset="0"/>
+                <a:cs typeface="Arial" pitchFamily="34" charset="0"/>
+              </a:endParaRPr>
+            </a:p>
+          </p:txBody>
+        </p:sp>
+        <p:sp>
+          <p:nvSpPr>
+            <p:cNvPr id="1031" name="Text Box 7"/>
+            <p:cNvSpPr txBox="1">
+              <a:spLocks noChangeArrowheads="1"/>
+            </p:cNvSpPr>
+            <p:nvPr/>
+          </p:nvSpPr>
+          <p:spPr bwMode="auto">
+            <a:xfrm>
+              <a:off x="1995" y="3750"/>
+              <a:ext cx="1080" cy="510"/>
+            </a:xfrm>
+            <a:prstGeom prst="rect">
+              <a:avLst/>
+            </a:prstGeom>
+            <a:solidFill>
+              <a:srgbClr val="FFFFFF"/>
+            </a:solidFill>
+            <a:ln w="9525">
+              <a:noFill/>
+              <a:miter lim="800000"/>
+              <a:headEnd/>
+              <a:tailEnd/>
+            </a:ln>
+          </p:spPr>
+          <p:txBody>
+            <a:bodyPr vert="horz" wrap="square" lIns="91440" tIns="45720" rIns="91440" bIns="45720" numCol="1" anchor="t" anchorCtr="0" compatLnSpc="1">
+              <a:prstTxWarp prst="textNoShape">
+                <a:avLst/>
+              </a:prstTxWarp>
+            </a:bodyPr>
+            <a:lstStyle/>
+            <a:p>
+              <a:pPr marL="0" marR="0" lvl="0" indent="0" algn="l" defTabSz="914400" rtl="0" eaLnBrk="1" fontAlgn="base" latinLnBrk="0" hangingPunct="1">
+                <a:lnSpc>
+                  <a:spcPct val="100000"/>
+                </a:lnSpc>
+                <a:spcBef>
+                  <a:spcPct val="0"/>
+                </a:spcBef>
+                <a:spcAft>
+                  <a:spcPts val="1000"/>
+                </a:spcAft>
+                <a:buClrTx/>
+                <a:buSzTx/>
+                <a:buFontTx/>
+                <a:buNone/>
+                <a:tabLst/>
+              </a:pPr>
+              <a:r>
+                <a:rPr kumimoji="0" lang="es-AR" sz="1100" b="1" i="0" u="none" strike="noStrike" cap="none" normalizeH="0" baseline="0" dirty="0" smtClean="0">
+                  <a:ln>
+                    <a:noFill/>
+                  </a:ln>
+                  <a:solidFill>
+                    <a:schemeClr val="tx1"/>
+                  </a:solidFill>
+                  <a:effectLst/>
+                  <a:latin typeface="Calibri" pitchFamily="34" charset="0"/>
+                  <a:cs typeface="Arial" pitchFamily="34" charset="0"/>
+                </a:rPr>
+                <a:t>BCRA</a:t>
+              </a:r>
+              <a:endParaRPr kumimoji="0" lang="es-AR" sz="1800" b="0" i="0" u="none" strike="noStrike" cap="none" normalizeH="0" baseline="0" dirty="0" smtClean="0">
+                <a:ln>
+                  <a:noFill/>
+                </a:ln>
+                <a:solidFill>
+                  <a:schemeClr val="tx1"/>
+                </a:solidFill>
+                <a:effectLst/>
+                <a:latin typeface="Arial" pitchFamily="34" charset="0"/>
+                <a:cs typeface="Arial" pitchFamily="34" charset="0"/>
+              </a:endParaRPr>
+            </a:p>
+          </p:txBody>
+        </p:sp>
+        <p:sp>
+          <p:nvSpPr>
+            <p:cNvPr id="1032" name="AutoShape 8"/>
+            <p:cNvSpPr>
+              <a:spLocks noChangeArrowheads="1"/>
+            </p:cNvSpPr>
+            <p:nvPr/>
+          </p:nvSpPr>
+          <p:spPr bwMode="auto">
+            <a:xfrm>
+              <a:off x="4260" y="4815"/>
+              <a:ext cx="2445" cy="1605"/>
+            </a:xfrm>
+            <a:prstGeom prst="flowChartMagneticDisk">
+              <a:avLst/>
+            </a:prstGeom>
+            <a:solidFill>
+              <a:srgbClr val="FFFFFF"/>
+            </a:solidFill>
+            <a:ln w="9525">
+              <a:solidFill>
+                <a:srgbClr val="000000"/>
+              </a:solidFill>
+              <a:round/>
+              <a:headEnd/>
+              <a:tailEnd/>
+            </a:ln>
+          </p:spPr>
+          <p:txBody>
+            <a:bodyPr vert="horz" wrap="square" lIns="91440" tIns="45720" rIns="91440" bIns="45720" numCol="1" anchor="t" anchorCtr="0" compatLnSpc="1">
+              <a:prstTxWarp prst="textNoShape">
+                <a:avLst/>
+              </a:prstTxWarp>
+            </a:bodyPr>
+            <a:lstStyle/>
+            <a:p>
+              <a:endParaRPr lang="es-AR"/>
+            </a:p>
+          </p:txBody>
+        </p:sp>
+        <p:cxnSp>
+          <p:nvCxnSpPr>
+            <p:cNvPr id="1033" name="AutoShape 9"/>
+            <p:cNvCxnSpPr>
+              <a:cxnSpLocks noChangeShapeType="1"/>
+            </p:cNvCxnSpPr>
+            <p:nvPr/>
+          </p:nvCxnSpPr>
+          <p:spPr bwMode="auto">
+            <a:xfrm>
+              <a:off x="2955" y="4350"/>
+              <a:ext cx="1440" cy="570"/>
+            </a:xfrm>
+            <a:prstGeom prst="straightConnector1">
+              <a:avLst/>
+            </a:prstGeom>
+            <a:noFill/>
+            <a:ln w="9525">
+              <a:solidFill>
+                <a:srgbClr val="000000"/>
+              </a:solidFill>
+              <a:prstDash val="dash"/>
+              <a:round/>
+              <a:headEnd/>
+              <a:tailEnd/>
+            </a:ln>
+          </p:spPr>
+        </p:cxnSp>
+        <p:cxnSp>
+          <p:nvCxnSpPr>
+            <p:cNvPr id="1034" name="AutoShape 10"/>
+            <p:cNvCxnSpPr>
+              <a:cxnSpLocks noChangeShapeType="1"/>
+            </p:cNvCxnSpPr>
+            <p:nvPr/>
+          </p:nvCxnSpPr>
+          <p:spPr bwMode="auto">
+            <a:xfrm flipH="1">
+              <a:off x="6075" y="4680"/>
+              <a:ext cx="1860" cy="150"/>
+            </a:xfrm>
+            <a:prstGeom prst="straightConnector1">
+              <a:avLst/>
+            </a:prstGeom>
+            <a:noFill/>
+            <a:ln w="9525">
+              <a:solidFill>
+                <a:srgbClr val="000000"/>
+              </a:solidFill>
+              <a:prstDash val="dash"/>
+              <a:round/>
+              <a:headEnd/>
+              <a:tailEnd/>
+            </a:ln>
+          </p:spPr>
+        </p:cxnSp>
+        <p:sp>
+          <p:nvSpPr>
+            <p:cNvPr id="1035" name="AutoShape 11"/>
+            <p:cNvSpPr>
+              <a:spLocks noChangeArrowheads="1"/>
+            </p:cNvSpPr>
+            <p:nvPr/>
+          </p:nvSpPr>
+          <p:spPr bwMode="auto">
+            <a:xfrm>
+              <a:off x="9030" y="5115"/>
+              <a:ext cx="1890" cy="1995"/>
+            </a:xfrm>
+            <a:prstGeom prst="foldedCorner">
+              <a:avLst>
+                <a:gd name="adj" fmla="val 12500"/>
+              </a:avLst>
+            </a:prstGeom>
+            <a:solidFill>
+              <a:srgbClr val="FFFFFF"/>
+            </a:solidFill>
+            <a:ln w="9525">
+              <a:solidFill>
+                <a:srgbClr val="000000"/>
+              </a:solidFill>
+              <a:round/>
+              <a:headEnd/>
+              <a:tailEnd/>
+            </a:ln>
+          </p:spPr>
+          <p:txBody>
+            <a:bodyPr vert="horz" wrap="square" lIns="91440" tIns="45720" rIns="91440" bIns="45720" numCol="1" anchor="t" anchorCtr="0" compatLnSpc="1">
+              <a:prstTxWarp prst="textNoShape">
+                <a:avLst/>
+              </a:prstTxWarp>
+            </a:bodyPr>
+            <a:lstStyle/>
+            <a:p>
+              <a:pPr marL="0" marR="0" lvl="0" indent="0" algn="l" defTabSz="914400" rtl="0" eaLnBrk="1" fontAlgn="base" latinLnBrk="0" hangingPunct="1">
+                <a:lnSpc>
+                  <a:spcPct val="100000"/>
+                </a:lnSpc>
+                <a:spcBef>
+                  <a:spcPct val="0"/>
+                </a:spcBef>
+                <a:spcAft>
+                  <a:spcPts val="1000"/>
+                </a:spcAft>
+                <a:buClrTx/>
+                <a:buSzTx/>
+                <a:buFontTx/>
+                <a:buNone/>
+                <a:tabLst/>
+              </a:pPr>
+              <a:r>
+                <a:rPr kumimoji="0" lang="es-AR" sz="1100" b="0" i="0" u="none" strike="noStrike" cap="none" normalizeH="0" baseline="0" smtClean="0">
+                  <a:ln>
+                    <a:noFill/>
+                  </a:ln>
+                  <a:solidFill>
+                    <a:schemeClr val="tx1"/>
+                  </a:solidFill>
+                  <a:effectLst/>
+                  <a:latin typeface="Calibri" pitchFamily="34" charset="0"/>
+                  <a:cs typeface="Arial" pitchFamily="34" charset="0"/>
+                </a:rPr>
+                <a:t>PODER JUDICIAL</a:t>
+              </a:r>
+              <a:endParaRPr kumimoji="0" lang="es-AR" sz="1800" b="0" i="0" u="none" strike="noStrike" cap="none" normalizeH="0" baseline="0" smtClean="0">
+                <a:ln>
+                  <a:noFill/>
+                </a:ln>
+                <a:solidFill>
+                  <a:schemeClr val="tx1"/>
+                </a:solidFill>
+                <a:effectLst/>
+                <a:latin typeface="Arial" pitchFamily="34" charset="0"/>
+                <a:cs typeface="Arial" pitchFamily="34" charset="0"/>
+              </a:endParaRPr>
+            </a:p>
+          </p:txBody>
+        </p:sp>
+        <p:cxnSp>
+          <p:nvCxnSpPr>
+            <p:cNvPr id="1036" name="AutoShape 12"/>
+            <p:cNvCxnSpPr>
+              <a:cxnSpLocks noChangeShapeType="1"/>
+            </p:cNvCxnSpPr>
+            <p:nvPr/>
+          </p:nvCxnSpPr>
+          <p:spPr bwMode="auto">
+            <a:xfrm flipV="1">
+              <a:off x="3285" y="6345"/>
+              <a:ext cx="1110" cy="1335"/>
+            </a:xfrm>
+            <a:prstGeom prst="straightConnector1">
+              <a:avLst/>
+            </a:prstGeom>
+            <a:noFill/>
+            <a:ln w="9525">
+              <a:solidFill>
+                <a:srgbClr val="000000"/>
+              </a:solidFill>
+              <a:prstDash val="dash"/>
+              <a:round/>
+              <a:headEnd/>
+              <a:tailEnd/>
+            </a:ln>
+          </p:spPr>
+        </p:cxnSp>
+        <p:sp>
+          <p:nvSpPr>
+            <p:cNvPr id="1037" name="Text Box 13"/>
+            <p:cNvSpPr txBox="1">
+              <a:spLocks noChangeArrowheads="1"/>
+            </p:cNvSpPr>
+            <p:nvPr/>
+          </p:nvSpPr>
+          <p:spPr bwMode="auto">
+            <a:xfrm>
+              <a:off x="1875" y="6840"/>
+              <a:ext cx="1620" cy="510"/>
+            </a:xfrm>
+            <a:prstGeom prst="rect">
+              <a:avLst/>
+            </a:prstGeom>
+            <a:solidFill>
+              <a:srgbClr val="FFFFFF"/>
+            </a:solidFill>
+            <a:ln w="9525">
+              <a:noFill/>
+              <a:miter lim="800000"/>
+              <a:headEnd/>
+              <a:tailEnd/>
+            </a:ln>
+          </p:spPr>
+          <p:txBody>
+            <a:bodyPr vert="horz" wrap="square" lIns="91440" tIns="45720" rIns="91440" bIns="45720" numCol="1" anchor="t" anchorCtr="0" compatLnSpc="1">
+              <a:prstTxWarp prst="textNoShape">
+                <a:avLst/>
+              </a:prstTxWarp>
+            </a:bodyPr>
+            <a:lstStyle/>
+            <a:p>
+              <a:pPr marL="0" marR="0" lvl="0" indent="0" algn="l" defTabSz="914400" rtl="0" eaLnBrk="1" fontAlgn="base" latinLnBrk="0" hangingPunct="1">
+                <a:lnSpc>
+                  <a:spcPct val="100000"/>
+                </a:lnSpc>
+                <a:spcBef>
+                  <a:spcPct val="0"/>
+                </a:spcBef>
+                <a:spcAft>
+                  <a:spcPts val="1000"/>
+                </a:spcAft>
+                <a:buClrTx/>
+                <a:buSzTx/>
+                <a:buFontTx/>
+                <a:buNone/>
+                <a:tabLst/>
+              </a:pPr>
+              <a:r>
+                <a:rPr kumimoji="0" lang="es-AR" sz="1100" b="1" i="0" u="none" strike="noStrike" cap="none" normalizeH="0" baseline="0" smtClean="0">
+                  <a:ln>
+                    <a:noFill/>
+                  </a:ln>
+                  <a:solidFill>
+                    <a:schemeClr val="tx1"/>
+                  </a:solidFill>
+                  <a:effectLst/>
+                  <a:latin typeface="Calibri" pitchFamily="34" charset="0"/>
+                  <a:cs typeface="Arial" pitchFamily="34" charset="0"/>
+                </a:rPr>
+                <a:t>Aseguradoras</a:t>
+              </a:r>
+              <a:endParaRPr kumimoji="0" lang="es-AR" sz="1800" b="0" i="0" u="none" strike="noStrike" cap="none" normalizeH="0" baseline="0" smtClean="0">
+                <a:ln>
+                  <a:noFill/>
+                </a:ln>
+                <a:solidFill>
+                  <a:schemeClr val="tx1"/>
+                </a:solidFill>
+                <a:effectLst/>
+                <a:latin typeface="Arial" pitchFamily="34" charset="0"/>
+                <a:cs typeface="Arial" pitchFamily="34" charset="0"/>
+              </a:endParaRPr>
+            </a:p>
+          </p:txBody>
+        </p:sp>
+        <p:sp>
+          <p:nvSpPr>
+            <p:cNvPr id="1038" name="Text Box 14"/>
+            <p:cNvSpPr txBox="1">
+              <a:spLocks noChangeArrowheads="1"/>
+            </p:cNvSpPr>
+            <p:nvPr/>
+          </p:nvSpPr>
+          <p:spPr bwMode="auto">
+            <a:xfrm>
+              <a:off x="5099" y="5670"/>
+              <a:ext cx="736" cy="510"/>
+            </a:xfrm>
+            <a:prstGeom prst="rect">
+              <a:avLst/>
+            </a:prstGeom>
+            <a:solidFill>
+              <a:srgbClr val="FFFFFF"/>
+            </a:solidFill>
+            <a:ln w="9525">
+              <a:noFill/>
+              <a:miter lim="800000"/>
+              <a:headEnd/>
+              <a:tailEnd/>
+            </a:ln>
+          </p:spPr>
+          <p:txBody>
+            <a:bodyPr vert="horz" wrap="square" lIns="91440" tIns="45720" rIns="91440" bIns="45720" numCol="1" anchor="t" anchorCtr="0" compatLnSpc="1">
+              <a:prstTxWarp prst="textNoShape">
+                <a:avLst/>
+              </a:prstTxWarp>
+            </a:bodyPr>
+            <a:lstStyle/>
+            <a:p>
+              <a:pPr marL="0" marR="0" lvl="0" indent="0" algn="l" defTabSz="914400" rtl="0" eaLnBrk="1" fontAlgn="base" latinLnBrk="0" hangingPunct="1">
+                <a:lnSpc>
+                  <a:spcPct val="100000"/>
+                </a:lnSpc>
+                <a:spcBef>
+                  <a:spcPct val="0"/>
+                </a:spcBef>
+                <a:spcAft>
+                  <a:spcPts val="1000"/>
+                </a:spcAft>
+                <a:buClrTx/>
+                <a:buSzTx/>
+                <a:buFontTx/>
+                <a:buNone/>
+                <a:tabLst/>
+              </a:pPr>
+              <a:r>
+                <a:rPr kumimoji="0" lang="es-AR" sz="1100" b="1" i="0" u="none" strike="noStrike" cap="none" normalizeH="0" baseline="0" smtClean="0">
+                  <a:ln>
+                    <a:noFill/>
+                  </a:ln>
+                  <a:solidFill>
+                    <a:schemeClr val="tx1"/>
+                  </a:solidFill>
+                  <a:effectLst/>
+                  <a:latin typeface="Calibri" pitchFamily="34" charset="0"/>
+                  <a:cs typeface="Arial" pitchFamily="34" charset="0"/>
+                </a:rPr>
+                <a:t>BD</a:t>
+              </a:r>
+              <a:endParaRPr kumimoji="0" lang="es-AR" sz="1800" b="0" i="0" u="none" strike="noStrike" cap="none" normalizeH="0" baseline="0" smtClean="0">
+                <a:ln>
+                  <a:noFill/>
+                </a:ln>
+                <a:solidFill>
+                  <a:schemeClr val="tx1"/>
+                </a:solidFill>
+                <a:effectLst/>
+                <a:latin typeface="Arial" pitchFamily="34" charset="0"/>
+                <a:cs typeface="Arial" pitchFamily="34" charset="0"/>
+              </a:endParaRPr>
+            </a:p>
+          </p:txBody>
+        </p:sp>
+      </p:grpSp>
+      <p:pic>
+        <p:nvPicPr>
+          <p:cNvPr id="27" name="26 Imagen" descr="http://imagenes.autos-carros-coches.com.ar/wp-content/uploads/2010/10/caja_01.jpg"/>
+          <p:cNvPicPr/>
+          <p:nvPr/>
+        </p:nvPicPr>
+        <p:blipFill>
+          <a:blip r:embed="rId3" cstate="print"/>
+          <a:srcRect/>
+          <a:stretch>
+            <a:fillRect/>
+          </a:stretch>
+        </p:blipFill>
+        <p:spPr bwMode="auto">
+          <a:xfrm>
+            <a:off x="1752600" y="5334000"/>
+            <a:ext cx="790575" cy="771525"/>
+          </a:xfrm>
+          <a:prstGeom prst="rect">
+            <a:avLst/>
+          </a:prstGeom>
+          <a:noFill/>
+          <a:ln w="9525">
+            <a:noFill/>
+            <a:miter lim="800000"/>
+            <a:headEnd/>
+            <a:tailEnd/>
+          </a:ln>
+        </p:spPr>
+      </p:pic>
+      <p:pic>
+        <p:nvPicPr>
+          <p:cNvPr id="28" name="27 Imagen" descr="http://transporteinformativo.com/wordpress/wp-content/uploads/Image/zurich-portal.jpg"/>
+          <p:cNvPicPr/>
+          <p:nvPr/>
+        </p:nvPicPr>
+        <p:blipFill>
+          <a:blip r:embed="rId4" cstate="print"/>
+          <a:srcRect/>
+          <a:stretch>
+            <a:fillRect/>
+          </a:stretch>
+        </p:blipFill>
+        <p:spPr bwMode="auto">
+          <a:xfrm>
+            <a:off x="2590800" y="5334000"/>
+            <a:ext cx="1200150" cy="723900"/>
+          </a:xfrm>
+          <a:prstGeom prst="rect">
+            <a:avLst/>
+          </a:prstGeom>
+          <a:noFill/>
+          <a:ln w="9525">
+            <a:noFill/>
+            <a:miter lim="800000"/>
+            <a:headEnd/>
+            <a:tailEnd/>
+          </a:ln>
+        </p:spPr>
+      </p:pic>
     </p:spTree>
   </p:cSld>
   <p:clrMapOvr>

--- a/trunk/Presentacion/Tecnica/Presentacion Tecnica.pptx
+++ b/trunk/Presentacion/Tecnica/Presentacion Tecnica.pptx
@@ -5,7 +5,7 @@
     <p:sldMasterId id="2147484416" r:id="rId1"/>
   </p:sldMasterIdLst>
   <p:notesMasterIdLst>
-    <p:notesMasterId r:id="rId10"/>
+    <p:notesMasterId r:id="rId11"/>
   </p:notesMasterIdLst>
   <p:sldIdLst>
     <p:sldId id="256" r:id="rId2"/>
@@ -16,6 +16,7 @@
     <p:sldId id="267" r:id="rId7"/>
     <p:sldId id="266" r:id="rId8"/>
     <p:sldId id="268" r:id="rId9"/>
+    <p:sldId id="269" r:id="rId10"/>
   </p:sldIdLst>
   <p:sldSz cx="9144000" cy="6858000" type="screen4x3"/>
   <p:notesSz cx="6858000" cy="9144000"/>
@@ -12529,6 +12530,1097 @@
 </p:sld>
 </file>
 
+<file path=ppt/slides/slide9.xml><?xml version="1.0" encoding="utf-8"?>
+<p:sld xmlns:a="http://schemas.openxmlformats.org/drawingml/2006/main" xmlns:r="http://schemas.openxmlformats.org/officeDocument/2006/relationships" xmlns:p="http://schemas.openxmlformats.org/presentationml/2006/main">
+  <p:cSld>
+    <p:spTree>
+      <p:nvGrpSpPr>
+        <p:cNvPr id="1" name=""/>
+        <p:cNvGrpSpPr/>
+        <p:nvPr/>
+      </p:nvGrpSpPr>
+      <p:grpSpPr>
+        <a:xfrm>
+          <a:off x="0" y="0"/>
+          <a:ext cx="0" cy="0"/>
+          <a:chOff x="0" y="0"/>
+          <a:chExt cx="0" cy="0"/>
+        </a:xfrm>
+      </p:grpSpPr>
+      <p:grpSp>
+        <p:nvGrpSpPr>
+          <p:cNvPr id="2" name="Group 22"/>
+          <p:cNvGrpSpPr/>
+          <p:nvPr/>
+        </p:nvGrpSpPr>
+        <p:grpSpPr>
+          <a:xfrm>
+            <a:off x="304800" y="304800"/>
+            <a:ext cx="8534400" cy="6248400"/>
+            <a:chOff x="304800" y="304800"/>
+            <a:chExt cx="8534400" cy="6248400"/>
+          </a:xfrm>
+          <a:solidFill>
+            <a:schemeClr val="bg1">
+              <a:lumMod val="85000"/>
+            </a:schemeClr>
+          </a:solidFill>
+        </p:grpSpPr>
+        <p:sp>
+          <p:nvSpPr>
+            <p:cNvPr id="18" name="Rounded Rectangle 17"/>
+            <p:cNvSpPr/>
+            <p:nvPr/>
+          </p:nvSpPr>
+          <p:spPr>
+            <a:xfrm>
+              <a:off x="304800" y="304800"/>
+              <a:ext cx="8534400" cy="6248400"/>
+            </a:xfrm>
+            <a:prstGeom prst="roundRect">
+              <a:avLst/>
+            </a:prstGeom>
+            <a:grpFill/>
+            <a:ln>
+              <a:noFill/>
+            </a:ln>
+          </p:spPr>
+          <p:style>
+            <a:lnRef idx="2">
+              <a:schemeClr val="accent1">
+                <a:shade val="50000"/>
+              </a:schemeClr>
+            </a:lnRef>
+            <a:fillRef idx="1">
+              <a:schemeClr val="accent1"/>
+            </a:fillRef>
+            <a:effectRef idx="0">
+              <a:schemeClr val="accent1"/>
+            </a:effectRef>
+            <a:fontRef idx="minor">
+              <a:schemeClr val="lt1"/>
+            </a:fontRef>
+          </p:style>
+          <p:txBody>
+            <a:bodyPr rtlCol="0" anchor="ctr"/>
+            <a:lstStyle/>
+            <a:p>
+              <a:pPr algn="ctr"/>
+              <a:endParaRPr lang="es-AR"/>
+            </a:p>
+          </p:txBody>
+        </p:sp>
+        <p:sp>
+          <p:nvSpPr>
+            <p:cNvPr id="22" name="Rounded Rectangle 21"/>
+            <p:cNvSpPr/>
+            <p:nvPr/>
+          </p:nvSpPr>
+          <p:spPr>
+            <a:xfrm>
+              <a:off x="7086600" y="304800"/>
+              <a:ext cx="1752600" cy="1752600"/>
+            </a:xfrm>
+            <a:prstGeom prst="roundRect">
+              <a:avLst/>
+            </a:prstGeom>
+            <a:grpFill/>
+            <a:ln>
+              <a:noFill/>
+            </a:ln>
+          </p:spPr>
+          <p:style>
+            <a:lnRef idx="2">
+              <a:schemeClr val="accent1">
+                <a:shade val="50000"/>
+              </a:schemeClr>
+            </a:lnRef>
+            <a:fillRef idx="1">
+              <a:schemeClr val="accent1"/>
+            </a:fillRef>
+            <a:effectRef idx="0">
+              <a:schemeClr val="accent1"/>
+            </a:effectRef>
+            <a:fontRef idx="minor">
+              <a:schemeClr val="lt1"/>
+            </a:fontRef>
+          </p:style>
+          <p:txBody>
+            <a:bodyPr rtlCol="0" anchor="ctr"/>
+            <a:lstStyle/>
+            <a:p>
+              <a:pPr algn="ctr"/>
+              <a:endParaRPr lang="es-AR"/>
+            </a:p>
+          </p:txBody>
+        </p:sp>
+        <p:sp>
+          <p:nvSpPr>
+            <p:cNvPr id="21" name="Rounded Rectangle 20"/>
+            <p:cNvSpPr/>
+            <p:nvPr/>
+          </p:nvSpPr>
+          <p:spPr>
+            <a:xfrm>
+              <a:off x="304800" y="304800"/>
+              <a:ext cx="1752600" cy="1752600"/>
+            </a:xfrm>
+            <a:prstGeom prst="roundRect">
+              <a:avLst/>
+            </a:prstGeom>
+            <a:grpFill/>
+            <a:ln>
+              <a:noFill/>
+            </a:ln>
+          </p:spPr>
+          <p:style>
+            <a:lnRef idx="2">
+              <a:schemeClr val="accent1">
+                <a:shade val="50000"/>
+              </a:schemeClr>
+            </a:lnRef>
+            <a:fillRef idx="1">
+              <a:schemeClr val="accent1"/>
+            </a:fillRef>
+            <a:effectRef idx="0">
+              <a:schemeClr val="accent1"/>
+            </a:effectRef>
+            <a:fontRef idx="minor">
+              <a:schemeClr val="lt1"/>
+            </a:fontRef>
+          </p:style>
+          <p:txBody>
+            <a:bodyPr rtlCol="0" anchor="ctr"/>
+            <a:lstStyle/>
+            <a:p>
+              <a:pPr algn="ctr"/>
+              <a:endParaRPr lang="es-AR"/>
+            </a:p>
+          </p:txBody>
+        </p:sp>
+        <p:sp>
+          <p:nvSpPr>
+            <p:cNvPr id="17" name="Rounded Rectangle 16"/>
+            <p:cNvSpPr/>
+            <p:nvPr/>
+          </p:nvSpPr>
+          <p:spPr>
+            <a:xfrm>
+              <a:off x="304800" y="4800600"/>
+              <a:ext cx="1752600" cy="1752600"/>
+            </a:xfrm>
+            <a:prstGeom prst="roundRect">
+              <a:avLst/>
+            </a:prstGeom>
+            <a:grpFill/>
+            <a:ln>
+              <a:noFill/>
+            </a:ln>
+          </p:spPr>
+          <p:style>
+            <a:lnRef idx="2">
+              <a:schemeClr val="accent1">
+                <a:shade val="50000"/>
+              </a:schemeClr>
+            </a:lnRef>
+            <a:fillRef idx="1">
+              <a:schemeClr val="accent1"/>
+            </a:fillRef>
+            <a:effectRef idx="0">
+              <a:schemeClr val="accent1"/>
+            </a:effectRef>
+            <a:fontRef idx="minor">
+              <a:schemeClr val="lt1"/>
+            </a:fontRef>
+          </p:style>
+          <p:txBody>
+            <a:bodyPr rtlCol="0" anchor="ctr"/>
+            <a:lstStyle/>
+            <a:p>
+              <a:pPr algn="ctr"/>
+              <a:endParaRPr lang="es-AR"/>
+            </a:p>
+          </p:txBody>
+        </p:sp>
+        <p:sp>
+          <p:nvSpPr>
+            <p:cNvPr id="19" name="Rounded Rectangle 18"/>
+            <p:cNvSpPr/>
+            <p:nvPr/>
+          </p:nvSpPr>
+          <p:spPr>
+            <a:xfrm>
+              <a:off x="7086600" y="4800600"/>
+              <a:ext cx="1752600" cy="1752600"/>
+            </a:xfrm>
+            <a:prstGeom prst="roundRect">
+              <a:avLst/>
+            </a:prstGeom>
+            <a:grpFill/>
+            <a:ln>
+              <a:noFill/>
+            </a:ln>
+          </p:spPr>
+          <p:style>
+            <a:lnRef idx="2">
+              <a:schemeClr val="accent1">
+                <a:shade val="50000"/>
+              </a:schemeClr>
+            </a:lnRef>
+            <a:fillRef idx="1">
+              <a:schemeClr val="accent1"/>
+            </a:fillRef>
+            <a:effectRef idx="0">
+              <a:schemeClr val="accent1"/>
+            </a:effectRef>
+            <a:fontRef idx="minor">
+              <a:schemeClr val="lt1"/>
+            </a:fontRef>
+          </p:style>
+          <p:txBody>
+            <a:bodyPr rtlCol="0" anchor="ctr"/>
+            <a:lstStyle/>
+            <a:p>
+              <a:pPr algn="ctr"/>
+              <a:endParaRPr lang="es-AR"/>
+            </a:p>
+          </p:txBody>
+        </p:sp>
+      </p:grpSp>
+      <p:sp>
+        <p:nvSpPr>
+          <p:cNvPr id="40" name="Freeform 39"/>
+          <p:cNvSpPr/>
+          <p:nvPr/>
+        </p:nvSpPr>
+        <p:spPr>
+          <a:xfrm>
+            <a:off x="457200" y="457200"/>
+            <a:ext cx="8229600" cy="5803900"/>
+          </a:xfrm>
+          <a:custGeom>
+            <a:avLst/>
+            <a:gdLst>
+              <a:gd name="connsiteX0" fmla="*/ 0 w 8077200"/>
+              <a:gd name="connsiteY0" fmla="*/ 965219 h 5791200"/>
+              <a:gd name="connsiteX1" fmla="*/ 282707 w 8077200"/>
+              <a:gd name="connsiteY1" fmla="*/ 282706 h 5791200"/>
+              <a:gd name="connsiteX2" fmla="*/ 965221 w 8077200"/>
+              <a:gd name="connsiteY2" fmla="*/ 1 h 5791200"/>
+              <a:gd name="connsiteX3" fmla="*/ 7111981 w 8077200"/>
+              <a:gd name="connsiteY3" fmla="*/ 0 h 5791200"/>
+              <a:gd name="connsiteX4" fmla="*/ 7794494 w 8077200"/>
+              <a:gd name="connsiteY4" fmla="*/ 282707 h 5791200"/>
+              <a:gd name="connsiteX5" fmla="*/ 8077199 w 8077200"/>
+              <a:gd name="connsiteY5" fmla="*/ 965221 h 5791200"/>
+              <a:gd name="connsiteX6" fmla="*/ 8077200 w 8077200"/>
+              <a:gd name="connsiteY6" fmla="*/ 4825981 h 5791200"/>
+              <a:gd name="connsiteX7" fmla="*/ 7794494 w 8077200"/>
+              <a:gd name="connsiteY7" fmla="*/ 5508494 h 5791200"/>
+              <a:gd name="connsiteX8" fmla="*/ 7111981 w 8077200"/>
+              <a:gd name="connsiteY8" fmla="*/ 5791200 h 5791200"/>
+              <a:gd name="connsiteX9" fmla="*/ 965219 w 8077200"/>
+              <a:gd name="connsiteY9" fmla="*/ 5791200 h 5791200"/>
+              <a:gd name="connsiteX10" fmla="*/ 282706 w 8077200"/>
+              <a:gd name="connsiteY10" fmla="*/ 5508493 h 5791200"/>
+              <a:gd name="connsiteX11" fmla="*/ 0 w 8077200"/>
+              <a:gd name="connsiteY11" fmla="*/ 4825980 h 5791200"/>
+              <a:gd name="connsiteX12" fmla="*/ 0 w 8077200"/>
+              <a:gd name="connsiteY12" fmla="*/ 965219 h 5791200"/>
+              <a:gd name="connsiteX0" fmla="*/ 0 w 8077200"/>
+              <a:gd name="connsiteY0" fmla="*/ 609600 h 5791200"/>
+              <a:gd name="connsiteX1" fmla="*/ 282707 w 8077200"/>
+              <a:gd name="connsiteY1" fmla="*/ 282706 h 5791200"/>
+              <a:gd name="connsiteX2" fmla="*/ 965221 w 8077200"/>
+              <a:gd name="connsiteY2" fmla="*/ 1 h 5791200"/>
+              <a:gd name="connsiteX3" fmla="*/ 7111981 w 8077200"/>
+              <a:gd name="connsiteY3" fmla="*/ 0 h 5791200"/>
+              <a:gd name="connsiteX4" fmla="*/ 7794494 w 8077200"/>
+              <a:gd name="connsiteY4" fmla="*/ 282707 h 5791200"/>
+              <a:gd name="connsiteX5" fmla="*/ 8077199 w 8077200"/>
+              <a:gd name="connsiteY5" fmla="*/ 965221 h 5791200"/>
+              <a:gd name="connsiteX6" fmla="*/ 8077200 w 8077200"/>
+              <a:gd name="connsiteY6" fmla="*/ 4825981 h 5791200"/>
+              <a:gd name="connsiteX7" fmla="*/ 7794494 w 8077200"/>
+              <a:gd name="connsiteY7" fmla="*/ 5508494 h 5791200"/>
+              <a:gd name="connsiteX8" fmla="*/ 7111981 w 8077200"/>
+              <a:gd name="connsiteY8" fmla="*/ 5791200 h 5791200"/>
+              <a:gd name="connsiteX9" fmla="*/ 965219 w 8077200"/>
+              <a:gd name="connsiteY9" fmla="*/ 5791200 h 5791200"/>
+              <a:gd name="connsiteX10" fmla="*/ 282706 w 8077200"/>
+              <a:gd name="connsiteY10" fmla="*/ 5508493 h 5791200"/>
+              <a:gd name="connsiteX11" fmla="*/ 0 w 8077200"/>
+              <a:gd name="connsiteY11" fmla="*/ 4825980 h 5791200"/>
+              <a:gd name="connsiteX12" fmla="*/ 0 w 8077200"/>
+              <a:gd name="connsiteY12" fmla="*/ 609600 h 5791200"/>
+              <a:gd name="connsiteX0" fmla="*/ 0 w 8077200"/>
+              <a:gd name="connsiteY0" fmla="*/ 609601 h 5791201"/>
+              <a:gd name="connsiteX1" fmla="*/ 282707 w 8077200"/>
+              <a:gd name="connsiteY1" fmla="*/ 282707 h 5791201"/>
+              <a:gd name="connsiteX2" fmla="*/ 609600 w 8077200"/>
+              <a:gd name="connsiteY2" fmla="*/ 1 h 5791201"/>
+              <a:gd name="connsiteX3" fmla="*/ 7111981 w 8077200"/>
+              <a:gd name="connsiteY3" fmla="*/ 1 h 5791201"/>
+              <a:gd name="connsiteX4" fmla="*/ 7794494 w 8077200"/>
+              <a:gd name="connsiteY4" fmla="*/ 282708 h 5791201"/>
+              <a:gd name="connsiteX5" fmla="*/ 8077199 w 8077200"/>
+              <a:gd name="connsiteY5" fmla="*/ 965222 h 5791201"/>
+              <a:gd name="connsiteX6" fmla="*/ 8077200 w 8077200"/>
+              <a:gd name="connsiteY6" fmla="*/ 4825982 h 5791201"/>
+              <a:gd name="connsiteX7" fmla="*/ 7794494 w 8077200"/>
+              <a:gd name="connsiteY7" fmla="*/ 5508495 h 5791201"/>
+              <a:gd name="connsiteX8" fmla="*/ 7111981 w 8077200"/>
+              <a:gd name="connsiteY8" fmla="*/ 5791201 h 5791201"/>
+              <a:gd name="connsiteX9" fmla="*/ 965219 w 8077200"/>
+              <a:gd name="connsiteY9" fmla="*/ 5791201 h 5791201"/>
+              <a:gd name="connsiteX10" fmla="*/ 282706 w 8077200"/>
+              <a:gd name="connsiteY10" fmla="*/ 5508494 h 5791201"/>
+              <a:gd name="connsiteX11" fmla="*/ 0 w 8077200"/>
+              <a:gd name="connsiteY11" fmla="*/ 4825981 h 5791201"/>
+              <a:gd name="connsiteX12" fmla="*/ 0 w 8077200"/>
+              <a:gd name="connsiteY12" fmla="*/ 609601 h 5791201"/>
+              <a:gd name="connsiteX0" fmla="*/ 0 w 8077200"/>
+              <a:gd name="connsiteY0" fmla="*/ 609601 h 5791201"/>
+              <a:gd name="connsiteX1" fmla="*/ 152400 w 8077200"/>
+              <a:gd name="connsiteY1" fmla="*/ 152402 h 5791201"/>
+              <a:gd name="connsiteX2" fmla="*/ 609600 w 8077200"/>
+              <a:gd name="connsiteY2" fmla="*/ 1 h 5791201"/>
+              <a:gd name="connsiteX3" fmla="*/ 7111981 w 8077200"/>
+              <a:gd name="connsiteY3" fmla="*/ 1 h 5791201"/>
+              <a:gd name="connsiteX4" fmla="*/ 7794494 w 8077200"/>
+              <a:gd name="connsiteY4" fmla="*/ 282708 h 5791201"/>
+              <a:gd name="connsiteX5" fmla="*/ 8077199 w 8077200"/>
+              <a:gd name="connsiteY5" fmla="*/ 965222 h 5791201"/>
+              <a:gd name="connsiteX6" fmla="*/ 8077200 w 8077200"/>
+              <a:gd name="connsiteY6" fmla="*/ 4825982 h 5791201"/>
+              <a:gd name="connsiteX7" fmla="*/ 7794494 w 8077200"/>
+              <a:gd name="connsiteY7" fmla="*/ 5508495 h 5791201"/>
+              <a:gd name="connsiteX8" fmla="*/ 7111981 w 8077200"/>
+              <a:gd name="connsiteY8" fmla="*/ 5791201 h 5791201"/>
+              <a:gd name="connsiteX9" fmla="*/ 965219 w 8077200"/>
+              <a:gd name="connsiteY9" fmla="*/ 5791201 h 5791201"/>
+              <a:gd name="connsiteX10" fmla="*/ 282706 w 8077200"/>
+              <a:gd name="connsiteY10" fmla="*/ 5508494 h 5791201"/>
+              <a:gd name="connsiteX11" fmla="*/ 0 w 8077200"/>
+              <a:gd name="connsiteY11" fmla="*/ 4825981 h 5791201"/>
+              <a:gd name="connsiteX12" fmla="*/ 0 w 8077200"/>
+              <a:gd name="connsiteY12" fmla="*/ 609601 h 5791201"/>
+              <a:gd name="connsiteX0" fmla="*/ 0 w 8077200"/>
+              <a:gd name="connsiteY0" fmla="*/ 609600 h 5791200"/>
+              <a:gd name="connsiteX1" fmla="*/ 152400 w 8077200"/>
+              <a:gd name="connsiteY1" fmla="*/ 152401 h 5791200"/>
+              <a:gd name="connsiteX2" fmla="*/ 533400 w 8077200"/>
+              <a:gd name="connsiteY2" fmla="*/ 1 h 5791200"/>
+              <a:gd name="connsiteX3" fmla="*/ 7111981 w 8077200"/>
+              <a:gd name="connsiteY3" fmla="*/ 0 h 5791200"/>
+              <a:gd name="connsiteX4" fmla="*/ 7794494 w 8077200"/>
+              <a:gd name="connsiteY4" fmla="*/ 282707 h 5791200"/>
+              <a:gd name="connsiteX5" fmla="*/ 8077199 w 8077200"/>
+              <a:gd name="connsiteY5" fmla="*/ 965221 h 5791200"/>
+              <a:gd name="connsiteX6" fmla="*/ 8077200 w 8077200"/>
+              <a:gd name="connsiteY6" fmla="*/ 4825981 h 5791200"/>
+              <a:gd name="connsiteX7" fmla="*/ 7794494 w 8077200"/>
+              <a:gd name="connsiteY7" fmla="*/ 5508494 h 5791200"/>
+              <a:gd name="connsiteX8" fmla="*/ 7111981 w 8077200"/>
+              <a:gd name="connsiteY8" fmla="*/ 5791200 h 5791200"/>
+              <a:gd name="connsiteX9" fmla="*/ 965219 w 8077200"/>
+              <a:gd name="connsiteY9" fmla="*/ 5791200 h 5791200"/>
+              <a:gd name="connsiteX10" fmla="*/ 282706 w 8077200"/>
+              <a:gd name="connsiteY10" fmla="*/ 5508493 h 5791200"/>
+              <a:gd name="connsiteX11" fmla="*/ 0 w 8077200"/>
+              <a:gd name="connsiteY11" fmla="*/ 4825980 h 5791200"/>
+              <a:gd name="connsiteX12" fmla="*/ 0 w 8077200"/>
+              <a:gd name="connsiteY12" fmla="*/ 609600 h 5791200"/>
+              <a:gd name="connsiteX0" fmla="*/ 0 w 8077200"/>
+              <a:gd name="connsiteY0" fmla="*/ 533400 h 5791200"/>
+              <a:gd name="connsiteX1" fmla="*/ 152400 w 8077200"/>
+              <a:gd name="connsiteY1" fmla="*/ 152401 h 5791200"/>
+              <a:gd name="connsiteX2" fmla="*/ 533400 w 8077200"/>
+              <a:gd name="connsiteY2" fmla="*/ 1 h 5791200"/>
+              <a:gd name="connsiteX3" fmla="*/ 7111981 w 8077200"/>
+              <a:gd name="connsiteY3" fmla="*/ 0 h 5791200"/>
+              <a:gd name="connsiteX4" fmla="*/ 7794494 w 8077200"/>
+              <a:gd name="connsiteY4" fmla="*/ 282707 h 5791200"/>
+              <a:gd name="connsiteX5" fmla="*/ 8077199 w 8077200"/>
+              <a:gd name="connsiteY5" fmla="*/ 965221 h 5791200"/>
+              <a:gd name="connsiteX6" fmla="*/ 8077200 w 8077200"/>
+              <a:gd name="connsiteY6" fmla="*/ 4825981 h 5791200"/>
+              <a:gd name="connsiteX7" fmla="*/ 7794494 w 8077200"/>
+              <a:gd name="connsiteY7" fmla="*/ 5508494 h 5791200"/>
+              <a:gd name="connsiteX8" fmla="*/ 7111981 w 8077200"/>
+              <a:gd name="connsiteY8" fmla="*/ 5791200 h 5791200"/>
+              <a:gd name="connsiteX9" fmla="*/ 965219 w 8077200"/>
+              <a:gd name="connsiteY9" fmla="*/ 5791200 h 5791200"/>
+              <a:gd name="connsiteX10" fmla="*/ 282706 w 8077200"/>
+              <a:gd name="connsiteY10" fmla="*/ 5508493 h 5791200"/>
+              <a:gd name="connsiteX11" fmla="*/ 0 w 8077200"/>
+              <a:gd name="connsiteY11" fmla="*/ 4825980 h 5791200"/>
+              <a:gd name="connsiteX12" fmla="*/ 0 w 8077200"/>
+              <a:gd name="connsiteY12" fmla="*/ 533400 h 5791200"/>
+              <a:gd name="connsiteX0" fmla="*/ 12700 w 8089900"/>
+              <a:gd name="connsiteY0" fmla="*/ 546100 h 5803900"/>
+              <a:gd name="connsiteX1" fmla="*/ 88900 w 8089900"/>
+              <a:gd name="connsiteY1" fmla="*/ 88900 h 5803900"/>
+              <a:gd name="connsiteX2" fmla="*/ 546100 w 8089900"/>
+              <a:gd name="connsiteY2" fmla="*/ 12701 h 5803900"/>
+              <a:gd name="connsiteX3" fmla="*/ 7124681 w 8089900"/>
+              <a:gd name="connsiteY3" fmla="*/ 12700 h 5803900"/>
+              <a:gd name="connsiteX4" fmla="*/ 7807194 w 8089900"/>
+              <a:gd name="connsiteY4" fmla="*/ 295407 h 5803900"/>
+              <a:gd name="connsiteX5" fmla="*/ 8089899 w 8089900"/>
+              <a:gd name="connsiteY5" fmla="*/ 977921 h 5803900"/>
+              <a:gd name="connsiteX6" fmla="*/ 8089900 w 8089900"/>
+              <a:gd name="connsiteY6" fmla="*/ 4838681 h 5803900"/>
+              <a:gd name="connsiteX7" fmla="*/ 7807194 w 8089900"/>
+              <a:gd name="connsiteY7" fmla="*/ 5521194 h 5803900"/>
+              <a:gd name="connsiteX8" fmla="*/ 7124681 w 8089900"/>
+              <a:gd name="connsiteY8" fmla="*/ 5803900 h 5803900"/>
+              <a:gd name="connsiteX9" fmla="*/ 977919 w 8089900"/>
+              <a:gd name="connsiteY9" fmla="*/ 5803900 h 5803900"/>
+              <a:gd name="connsiteX10" fmla="*/ 295406 w 8089900"/>
+              <a:gd name="connsiteY10" fmla="*/ 5521193 h 5803900"/>
+              <a:gd name="connsiteX11" fmla="*/ 12700 w 8089900"/>
+              <a:gd name="connsiteY11" fmla="*/ 4838680 h 5803900"/>
+              <a:gd name="connsiteX12" fmla="*/ 12700 w 8089900"/>
+              <a:gd name="connsiteY12" fmla="*/ 546100 h 5803900"/>
+              <a:gd name="connsiteX0" fmla="*/ 12700 w 8089900"/>
+              <a:gd name="connsiteY0" fmla="*/ 546100 h 5803900"/>
+              <a:gd name="connsiteX1" fmla="*/ 88900 w 8089900"/>
+              <a:gd name="connsiteY1" fmla="*/ 88900 h 5803900"/>
+              <a:gd name="connsiteX2" fmla="*/ 546100 w 8089900"/>
+              <a:gd name="connsiteY2" fmla="*/ 12701 h 5803900"/>
+              <a:gd name="connsiteX3" fmla="*/ 7124681 w 8089900"/>
+              <a:gd name="connsiteY3" fmla="*/ 12700 h 5803900"/>
+              <a:gd name="connsiteX4" fmla="*/ 7807194 w 8089900"/>
+              <a:gd name="connsiteY4" fmla="*/ 295407 h 5803900"/>
+              <a:gd name="connsiteX5" fmla="*/ 8089899 w 8089900"/>
+              <a:gd name="connsiteY5" fmla="*/ 977921 h 5803900"/>
+              <a:gd name="connsiteX6" fmla="*/ 8089900 w 8089900"/>
+              <a:gd name="connsiteY6" fmla="*/ 4838681 h 5803900"/>
+              <a:gd name="connsiteX7" fmla="*/ 7807194 w 8089900"/>
+              <a:gd name="connsiteY7" fmla="*/ 5521194 h 5803900"/>
+              <a:gd name="connsiteX8" fmla="*/ 7124681 w 8089900"/>
+              <a:gd name="connsiteY8" fmla="*/ 5803900 h 5803900"/>
+              <a:gd name="connsiteX9" fmla="*/ 977919 w 8089900"/>
+              <a:gd name="connsiteY9" fmla="*/ 5803900 h 5803900"/>
+              <a:gd name="connsiteX10" fmla="*/ 295406 w 8089900"/>
+              <a:gd name="connsiteY10" fmla="*/ 5521193 h 5803900"/>
+              <a:gd name="connsiteX11" fmla="*/ 12700 w 8089900"/>
+              <a:gd name="connsiteY11" fmla="*/ 5346700 h 5803900"/>
+              <a:gd name="connsiteX12" fmla="*/ 12700 w 8089900"/>
+              <a:gd name="connsiteY12" fmla="*/ 546100 h 5803900"/>
+              <a:gd name="connsiteX0" fmla="*/ 12700 w 8089900"/>
+              <a:gd name="connsiteY0" fmla="*/ 546100 h 5803900"/>
+              <a:gd name="connsiteX1" fmla="*/ 88900 w 8089900"/>
+              <a:gd name="connsiteY1" fmla="*/ 88900 h 5803900"/>
+              <a:gd name="connsiteX2" fmla="*/ 546100 w 8089900"/>
+              <a:gd name="connsiteY2" fmla="*/ 12701 h 5803900"/>
+              <a:gd name="connsiteX3" fmla="*/ 7124681 w 8089900"/>
+              <a:gd name="connsiteY3" fmla="*/ 12700 h 5803900"/>
+              <a:gd name="connsiteX4" fmla="*/ 7807194 w 8089900"/>
+              <a:gd name="connsiteY4" fmla="*/ 295407 h 5803900"/>
+              <a:gd name="connsiteX5" fmla="*/ 8089899 w 8089900"/>
+              <a:gd name="connsiteY5" fmla="*/ 977921 h 5803900"/>
+              <a:gd name="connsiteX6" fmla="*/ 8089900 w 8089900"/>
+              <a:gd name="connsiteY6" fmla="*/ 4838681 h 5803900"/>
+              <a:gd name="connsiteX7" fmla="*/ 7807194 w 8089900"/>
+              <a:gd name="connsiteY7" fmla="*/ 5521194 h 5803900"/>
+              <a:gd name="connsiteX8" fmla="*/ 7124681 w 8089900"/>
+              <a:gd name="connsiteY8" fmla="*/ 5803900 h 5803900"/>
+              <a:gd name="connsiteX9" fmla="*/ 546100 w 8089900"/>
+              <a:gd name="connsiteY9" fmla="*/ 5803900 h 5803900"/>
+              <a:gd name="connsiteX10" fmla="*/ 295406 w 8089900"/>
+              <a:gd name="connsiteY10" fmla="*/ 5521193 h 5803900"/>
+              <a:gd name="connsiteX11" fmla="*/ 12700 w 8089900"/>
+              <a:gd name="connsiteY11" fmla="*/ 5346700 h 5803900"/>
+              <a:gd name="connsiteX12" fmla="*/ 12700 w 8089900"/>
+              <a:gd name="connsiteY12" fmla="*/ 546100 h 5803900"/>
+              <a:gd name="connsiteX0" fmla="*/ 12700 w 8089900"/>
+              <a:gd name="connsiteY0" fmla="*/ 546100 h 5803900"/>
+              <a:gd name="connsiteX1" fmla="*/ 88900 w 8089900"/>
+              <a:gd name="connsiteY1" fmla="*/ 88900 h 5803900"/>
+              <a:gd name="connsiteX2" fmla="*/ 546100 w 8089900"/>
+              <a:gd name="connsiteY2" fmla="*/ 12701 h 5803900"/>
+              <a:gd name="connsiteX3" fmla="*/ 7124681 w 8089900"/>
+              <a:gd name="connsiteY3" fmla="*/ 12700 h 5803900"/>
+              <a:gd name="connsiteX4" fmla="*/ 7807194 w 8089900"/>
+              <a:gd name="connsiteY4" fmla="*/ 295407 h 5803900"/>
+              <a:gd name="connsiteX5" fmla="*/ 8089899 w 8089900"/>
+              <a:gd name="connsiteY5" fmla="*/ 977921 h 5803900"/>
+              <a:gd name="connsiteX6" fmla="*/ 8089900 w 8089900"/>
+              <a:gd name="connsiteY6" fmla="*/ 4838681 h 5803900"/>
+              <a:gd name="connsiteX7" fmla="*/ 7807194 w 8089900"/>
+              <a:gd name="connsiteY7" fmla="*/ 5521194 h 5803900"/>
+              <a:gd name="connsiteX8" fmla="*/ 7124681 w 8089900"/>
+              <a:gd name="connsiteY8" fmla="*/ 5803900 h 5803900"/>
+              <a:gd name="connsiteX9" fmla="*/ 546100 w 8089900"/>
+              <a:gd name="connsiteY9" fmla="*/ 5803900 h 5803900"/>
+              <a:gd name="connsiteX10" fmla="*/ 88900 w 8089900"/>
+              <a:gd name="connsiteY10" fmla="*/ 5727700 h 5803900"/>
+              <a:gd name="connsiteX11" fmla="*/ 12700 w 8089900"/>
+              <a:gd name="connsiteY11" fmla="*/ 5346700 h 5803900"/>
+              <a:gd name="connsiteX12" fmla="*/ 12700 w 8089900"/>
+              <a:gd name="connsiteY12" fmla="*/ 546100 h 5803900"/>
+              <a:gd name="connsiteX0" fmla="*/ 12700 w 8089900"/>
+              <a:gd name="connsiteY0" fmla="*/ 546100 h 5803900"/>
+              <a:gd name="connsiteX1" fmla="*/ 88900 w 8089900"/>
+              <a:gd name="connsiteY1" fmla="*/ 88900 h 5803900"/>
+              <a:gd name="connsiteX2" fmla="*/ 546100 w 8089900"/>
+              <a:gd name="connsiteY2" fmla="*/ 12701 h 5803900"/>
+              <a:gd name="connsiteX3" fmla="*/ 7556500 w 8089900"/>
+              <a:gd name="connsiteY3" fmla="*/ 12700 h 5803900"/>
+              <a:gd name="connsiteX4" fmla="*/ 7807194 w 8089900"/>
+              <a:gd name="connsiteY4" fmla="*/ 295407 h 5803900"/>
+              <a:gd name="connsiteX5" fmla="*/ 8089899 w 8089900"/>
+              <a:gd name="connsiteY5" fmla="*/ 977921 h 5803900"/>
+              <a:gd name="connsiteX6" fmla="*/ 8089900 w 8089900"/>
+              <a:gd name="connsiteY6" fmla="*/ 4838681 h 5803900"/>
+              <a:gd name="connsiteX7" fmla="*/ 7807194 w 8089900"/>
+              <a:gd name="connsiteY7" fmla="*/ 5521194 h 5803900"/>
+              <a:gd name="connsiteX8" fmla="*/ 7124681 w 8089900"/>
+              <a:gd name="connsiteY8" fmla="*/ 5803900 h 5803900"/>
+              <a:gd name="connsiteX9" fmla="*/ 546100 w 8089900"/>
+              <a:gd name="connsiteY9" fmla="*/ 5803900 h 5803900"/>
+              <a:gd name="connsiteX10" fmla="*/ 88900 w 8089900"/>
+              <a:gd name="connsiteY10" fmla="*/ 5727700 h 5803900"/>
+              <a:gd name="connsiteX11" fmla="*/ 12700 w 8089900"/>
+              <a:gd name="connsiteY11" fmla="*/ 5346700 h 5803900"/>
+              <a:gd name="connsiteX12" fmla="*/ 12700 w 8089900"/>
+              <a:gd name="connsiteY12" fmla="*/ 546100 h 5803900"/>
+              <a:gd name="connsiteX0" fmla="*/ 12700 w 8089901"/>
+              <a:gd name="connsiteY0" fmla="*/ 546100 h 5803900"/>
+              <a:gd name="connsiteX1" fmla="*/ 88900 w 8089901"/>
+              <a:gd name="connsiteY1" fmla="*/ 88900 h 5803900"/>
+              <a:gd name="connsiteX2" fmla="*/ 546100 w 8089901"/>
+              <a:gd name="connsiteY2" fmla="*/ 12701 h 5803900"/>
+              <a:gd name="connsiteX3" fmla="*/ 7556500 w 8089901"/>
+              <a:gd name="connsiteY3" fmla="*/ 12700 h 5803900"/>
+              <a:gd name="connsiteX4" fmla="*/ 7807194 w 8089901"/>
+              <a:gd name="connsiteY4" fmla="*/ 295407 h 5803900"/>
+              <a:gd name="connsiteX5" fmla="*/ 8089900 w 8089901"/>
+              <a:gd name="connsiteY5" fmla="*/ 469900 h 5803900"/>
+              <a:gd name="connsiteX6" fmla="*/ 8089900 w 8089901"/>
+              <a:gd name="connsiteY6" fmla="*/ 4838681 h 5803900"/>
+              <a:gd name="connsiteX7" fmla="*/ 7807194 w 8089901"/>
+              <a:gd name="connsiteY7" fmla="*/ 5521194 h 5803900"/>
+              <a:gd name="connsiteX8" fmla="*/ 7124681 w 8089901"/>
+              <a:gd name="connsiteY8" fmla="*/ 5803900 h 5803900"/>
+              <a:gd name="connsiteX9" fmla="*/ 546100 w 8089901"/>
+              <a:gd name="connsiteY9" fmla="*/ 5803900 h 5803900"/>
+              <a:gd name="connsiteX10" fmla="*/ 88900 w 8089901"/>
+              <a:gd name="connsiteY10" fmla="*/ 5727700 h 5803900"/>
+              <a:gd name="connsiteX11" fmla="*/ 12700 w 8089901"/>
+              <a:gd name="connsiteY11" fmla="*/ 5346700 h 5803900"/>
+              <a:gd name="connsiteX12" fmla="*/ 12700 w 8089901"/>
+              <a:gd name="connsiteY12" fmla="*/ 546100 h 5803900"/>
+              <a:gd name="connsiteX0" fmla="*/ 12700 w 8102600"/>
+              <a:gd name="connsiteY0" fmla="*/ 546100 h 5803900"/>
+              <a:gd name="connsiteX1" fmla="*/ 88900 w 8102600"/>
+              <a:gd name="connsiteY1" fmla="*/ 88900 h 5803900"/>
+              <a:gd name="connsiteX2" fmla="*/ 546100 w 8102600"/>
+              <a:gd name="connsiteY2" fmla="*/ 12701 h 5803900"/>
+              <a:gd name="connsiteX3" fmla="*/ 7556500 w 8102600"/>
+              <a:gd name="connsiteY3" fmla="*/ 12700 h 5803900"/>
+              <a:gd name="connsiteX4" fmla="*/ 8013700 w 8102600"/>
+              <a:gd name="connsiteY4" fmla="*/ 88900 h 5803900"/>
+              <a:gd name="connsiteX5" fmla="*/ 8089900 w 8102600"/>
+              <a:gd name="connsiteY5" fmla="*/ 469900 h 5803900"/>
+              <a:gd name="connsiteX6" fmla="*/ 8089900 w 8102600"/>
+              <a:gd name="connsiteY6" fmla="*/ 4838681 h 5803900"/>
+              <a:gd name="connsiteX7" fmla="*/ 7807194 w 8102600"/>
+              <a:gd name="connsiteY7" fmla="*/ 5521194 h 5803900"/>
+              <a:gd name="connsiteX8" fmla="*/ 7124681 w 8102600"/>
+              <a:gd name="connsiteY8" fmla="*/ 5803900 h 5803900"/>
+              <a:gd name="connsiteX9" fmla="*/ 546100 w 8102600"/>
+              <a:gd name="connsiteY9" fmla="*/ 5803900 h 5803900"/>
+              <a:gd name="connsiteX10" fmla="*/ 88900 w 8102600"/>
+              <a:gd name="connsiteY10" fmla="*/ 5727700 h 5803900"/>
+              <a:gd name="connsiteX11" fmla="*/ 12700 w 8102600"/>
+              <a:gd name="connsiteY11" fmla="*/ 5346700 h 5803900"/>
+              <a:gd name="connsiteX12" fmla="*/ 12700 w 8102600"/>
+              <a:gd name="connsiteY12" fmla="*/ 546100 h 5803900"/>
+              <a:gd name="connsiteX0" fmla="*/ 12700 w 8102600"/>
+              <a:gd name="connsiteY0" fmla="*/ 546100 h 5803900"/>
+              <a:gd name="connsiteX1" fmla="*/ 88900 w 8102600"/>
+              <a:gd name="connsiteY1" fmla="*/ 88900 h 5803900"/>
+              <a:gd name="connsiteX2" fmla="*/ 546100 w 8102600"/>
+              <a:gd name="connsiteY2" fmla="*/ 12701 h 5803900"/>
+              <a:gd name="connsiteX3" fmla="*/ 7556500 w 8102600"/>
+              <a:gd name="connsiteY3" fmla="*/ 12700 h 5803900"/>
+              <a:gd name="connsiteX4" fmla="*/ 8013700 w 8102600"/>
+              <a:gd name="connsiteY4" fmla="*/ 88900 h 5803900"/>
+              <a:gd name="connsiteX5" fmla="*/ 8089899 w 8102600"/>
+              <a:gd name="connsiteY5" fmla="*/ 469900 h 5803900"/>
+              <a:gd name="connsiteX6" fmla="*/ 8089900 w 8102600"/>
+              <a:gd name="connsiteY6" fmla="*/ 4838681 h 5803900"/>
+              <a:gd name="connsiteX7" fmla="*/ 7807194 w 8102600"/>
+              <a:gd name="connsiteY7" fmla="*/ 5521194 h 5803900"/>
+              <a:gd name="connsiteX8" fmla="*/ 7124681 w 8102600"/>
+              <a:gd name="connsiteY8" fmla="*/ 5803900 h 5803900"/>
+              <a:gd name="connsiteX9" fmla="*/ 546100 w 8102600"/>
+              <a:gd name="connsiteY9" fmla="*/ 5803900 h 5803900"/>
+              <a:gd name="connsiteX10" fmla="*/ 88900 w 8102600"/>
+              <a:gd name="connsiteY10" fmla="*/ 5727700 h 5803900"/>
+              <a:gd name="connsiteX11" fmla="*/ 12700 w 8102600"/>
+              <a:gd name="connsiteY11" fmla="*/ 5346700 h 5803900"/>
+              <a:gd name="connsiteX12" fmla="*/ 12700 w 8102600"/>
+              <a:gd name="connsiteY12" fmla="*/ 546100 h 5803900"/>
+              <a:gd name="connsiteX0" fmla="*/ 12700 w 8102599"/>
+              <a:gd name="connsiteY0" fmla="*/ 546100 h 5803900"/>
+              <a:gd name="connsiteX1" fmla="*/ 88900 w 8102599"/>
+              <a:gd name="connsiteY1" fmla="*/ 88900 h 5803900"/>
+              <a:gd name="connsiteX2" fmla="*/ 546100 w 8102599"/>
+              <a:gd name="connsiteY2" fmla="*/ 12701 h 5803900"/>
+              <a:gd name="connsiteX3" fmla="*/ 7556500 w 8102599"/>
+              <a:gd name="connsiteY3" fmla="*/ 12700 h 5803900"/>
+              <a:gd name="connsiteX4" fmla="*/ 8013699 w 8102599"/>
+              <a:gd name="connsiteY4" fmla="*/ 88900 h 5803900"/>
+              <a:gd name="connsiteX5" fmla="*/ 8089899 w 8102599"/>
+              <a:gd name="connsiteY5" fmla="*/ 469900 h 5803900"/>
+              <a:gd name="connsiteX6" fmla="*/ 8089900 w 8102599"/>
+              <a:gd name="connsiteY6" fmla="*/ 4838681 h 5803900"/>
+              <a:gd name="connsiteX7" fmla="*/ 7807194 w 8102599"/>
+              <a:gd name="connsiteY7" fmla="*/ 5521194 h 5803900"/>
+              <a:gd name="connsiteX8" fmla="*/ 7124681 w 8102599"/>
+              <a:gd name="connsiteY8" fmla="*/ 5803900 h 5803900"/>
+              <a:gd name="connsiteX9" fmla="*/ 546100 w 8102599"/>
+              <a:gd name="connsiteY9" fmla="*/ 5803900 h 5803900"/>
+              <a:gd name="connsiteX10" fmla="*/ 88900 w 8102599"/>
+              <a:gd name="connsiteY10" fmla="*/ 5727700 h 5803900"/>
+              <a:gd name="connsiteX11" fmla="*/ 12700 w 8102599"/>
+              <a:gd name="connsiteY11" fmla="*/ 5346700 h 5803900"/>
+              <a:gd name="connsiteX12" fmla="*/ 12700 w 8102599"/>
+              <a:gd name="connsiteY12" fmla="*/ 546100 h 5803900"/>
+              <a:gd name="connsiteX0" fmla="*/ 12700 w 8102599"/>
+              <a:gd name="connsiteY0" fmla="*/ 546100 h 5803900"/>
+              <a:gd name="connsiteX1" fmla="*/ 88900 w 8102599"/>
+              <a:gd name="connsiteY1" fmla="*/ 88900 h 5803900"/>
+              <a:gd name="connsiteX2" fmla="*/ 546100 w 8102599"/>
+              <a:gd name="connsiteY2" fmla="*/ 12701 h 5803900"/>
+              <a:gd name="connsiteX3" fmla="*/ 7556500 w 8102599"/>
+              <a:gd name="connsiteY3" fmla="*/ 12700 h 5803900"/>
+              <a:gd name="connsiteX4" fmla="*/ 8013699 w 8102599"/>
+              <a:gd name="connsiteY4" fmla="*/ 88900 h 5803900"/>
+              <a:gd name="connsiteX5" fmla="*/ 8089899 w 8102599"/>
+              <a:gd name="connsiteY5" fmla="*/ 469900 h 5803900"/>
+              <a:gd name="connsiteX6" fmla="*/ 8089900 w 8102599"/>
+              <a:gd name="connsiteY6" fmla="*/ 5346700 h 5803900"/>
+              <a:gd name="connsiteX7" fmla="*/ 7807194 w 8102599"/>
+              <a:gd name="connsiteY7" fmla="*/ 5521194 h 5803900"/>
+              <a:gd name="connsiteX8" fmla="*/ 7124681 w 8102599"/>
+              <a:gd name="connsiteY8" fmla="*/ 5803900 h 5803900"/>
+              <a:gd name="connsiteX9" fmla="*/ 546100 w 8102599"/>
+              <a:gd name="connsiteY9" fmla="*/ 5803900 h 5803900"/>
+              <a:gd name="connsiteX10" fmla="*/ 88900 w 8102599"/>
+              <a:gd name="connsiteY10" fmla="*/ 5727700 h 5803900"/>
+              <a:gd name="connsiteX11" fmla="*/ 12700 w 8102599"/>
+              <a:gd name="connsiteY11" fmla="*/ 5346700 h 5803900"/>
+              <a:gd name="connsiteX12" fmla="*/ 12700 w 8102599"/>
+              <a:gd name="connsiteY12" fmla="*/ 546100 h 5803900"/>
+              <a:gd name="connsiteX0" fmla="*/ 12700 w 8102599"/>
+              <a:gd name="connsiteY0" fmla="*/ 546100 h 5803900"/>
+              <a:gd name="connsiteX1" fmla="*/ 88900 w 8102599"/>
+              <a:gd name="connsiteY1" fmla="*/ 88900 h 5803900"/>
+              <a:gd name="connsiteX2" fmla="*/ 546100 w 8102599"/>
+              <a:gd name="connsiteY2" fmla="*/ 12701 h 5803900"/>
+              <a:gd name="connsiteX3" fmla="*/ 7556500 w 8102599"/>
+              <a:gd name="connsiteY3" fmla="*/ 12700 h 5803900"/>
+              <a:gd name="connsiteX4" fmla="*/ 8013699 w 8102599"/>
+              <a:gd name="connsiteY4" fmla="*/ 88900 h 5803900"/>
+              <a:gd name="connsiteX5" fmla="*/ 8089899 w 8102599"/>
+              <a:gd name="connsiteY5" fmla="*/ 469900 h 5803900"/>
+              <a:gd name="connsiteX6" fmla="*/ 8089900 w 8102599"/>
+              <a:gd name="connsiteY6" fmla="*/ 5346700 h 5803900"/>
+              <a:gd name="connsiteX7" fmla="*/ 7807194 w 8102599"/>
+              <a:gd name="connsiteY7" fmla="*/ 5521194 h 5803900"/>
+              <a:gd name="connsiteX8" fmla="*/ 7632700 w 8102599"/>
+              <a:gd name="connsiteY8" fmla="*/ 5803900 h 5803900"/>
+              <a:gd name="connsiteX9" fmla="*/ 546100 w 8102599"/>
+              <a:gd name="connsiteY9" fmla="*/ 5803900 h 5803900"/>
+              <a:gd name="connsiteX10" fmla="*/ 88900 w 8102599"/>
+              <a:gd name="connsiteY10" fmla="*/ 5727700 h 5803900"/>
+              <a:gd name="connsiteX11" fmla="*/ 12700 w 8102599"/>
+              <a:gd name="connsiteY11" fmla="*/ 5346700 h 5803900"/>
+              <a:gd name="connsiteX12" fmla="*/ 12700 w 8102599"/>
+              <a:gd name="connsiteY12" fmla="*/ 546100 h 5803900"/>
+              <a:gd name="connsiteX0" fmla="*/ 12700 w 8102599"/>
+              <a:gd name="connsiteY0" fmla="*/ 546100 h 5803900"/>
+              <a:gd name="connsiteX1" fmla="*/ 88900 w 8102599"/>
+              <a:gd name="connsiteY1" fmla="*/ 88900 h 5803900"/>
+              <a:gd name="connsiteX2" fmla="*/ 546100 w 8102599"/>
+              <a:gd name="connsiteY2" fmla="*/ 12701 h 5803900"/>
+              <a:gd name="connsiteX3" fmla="*/ 7556500 w 8102599"/>
+              <a:gd name="connsiteY3" fmla="*/ 12700 h 5803900"/>
+              <a:gd name="connsiteX4" fmla="*/ 8013699 w 8102599"/>
+              <a:gd name="connsiteY4" fmla="*/ 88900 h 5803900"/>
+              <a:gd name="connsiteX5" fmla="*/ 8089899 w 8102599"/>
+              <a:gd name="connsiteY5" fmla="*/ 469900 h 5803900"/>
+              <a:gd name="connsiteX6" fmla="*/ 8089900 w 8102599"/>
+              <a:gd name="connsiteY6" fmla="*/ 5346700 h 5803900"/>
+              <a:gd name="connsiteX7" fmla="*/ 8013700 w 8102599"/>
+              <a:gd name="connsiteY7" fmla="*/ 5727700 h 5803900"/>
+              <a:gd name="connsiteX8" fmla="*/ 7632700 w 8102599"/>
+              <a:gd name="connsiteY8" fmla="*/ 5803900 h 5803900"/>
+              <a:gd name="connsiteX9" fmla="*/ 546100 w 8102599"/>
+              <a:gd name="connsiteY9" fmla="*/ 5803900 h 5803900"/>
+              <a:gd name="connsiteX10" fmla="*/ 88900 w 8102599"/>
+              <a:gd name="connsiteY10" fmla="*/ 5727700 h 5803900"/>
+              <a:gd name="connsiteX11" fmla="*/ 12700 w 8102599"/>
+              <a:gd name="connsiteY11" fmla="*/ 5346700 h 5803900"/>
+              <a:gd name="connsiteX12" fmla="*/ 12700 w 8102599"/>
+              <a:gd name="connsiteY12" fmla="*/ 546100 h 5803900"/>
+            </a:gdLst>
+            <a:ahLst/>
+            <a:cxnLst>
+              <a:cxn ang="0">
+                <a:pos x="connsiteX0" y="connsiteY0"/>
+              </a:cxn>
+              <a:cxn ang="0">
+                <a:pos x="connsiteX1" y="connsiteY1"/>
+              </a:cxn>
+              <a:cxn ang="0">
+                <a:pos x="connsiteX2" y="connsiteY2"/>
+              </a:cxn>
+              <a:cxn ang="0">
+                <a:pos x="connsiteX3" y="connsiteY3"/>
+              </a:cxn>
+              <a:cxn ang="0">
+                <a:pos x="connsiteX4" y="connsiteY4"/>
+              </a:cxn>
+              <a:cxn ang="0">
+                <a:pos x="connsiteX5" y="connsiteY5"/>
+              </a:cxn>
+              <a:cxn ang="0">
+                <a:pos x="connsiteX6" y="connsiteY6"/>
+              </a:cxn>
+              <a:cxn ang="0">
+                <a:pos x="connsiteX7" y="connsiteY7"/>
+              </a:cxn>
+              <a:cxn ang="0">
+                <a:pos x="connsiteX8" y="connsiteY8"/>
+              </a:cxn>
+              <a:cxn ang="0">
+                <a:pos x="connsiteX9" y="connsiteY9"/>
+              </a:cxn>
+              <a:cxn ang="0">
+                <a:pos x="connsiteX10" y="connsiteY10"/>
+              </a:cxn>
+              <a:cxn ang="0">
+                <a:pos x="connsiteX11" y="connsiteY11"/>
+              </a:cxn>
+              <a:cxn ang="0">
+                <a:pos x="connsiteX12" y="connsiteY12"/>
+              </a:cxn>
+            </a:cxnLst>
+            <a:rect l="l" t="t" r="r" b="b"/>
+            <a:pathLst>
+              <a:path w="8102599" h="5803900">
+                <a:moveTo>
+                  <a:pt x="12700" y="546100"/>
+                </a:moveTo>
+                <a:cubicBezTo>
+                  <a:pt x="12700" y="290108"/>
+                  <a:pt x="0" y="177800"/>
+                  <a:pt x="88900" y="88900"/>
+                </a:cubicBezTo>
+                <a:cubicBezTo>
+                  <a:pt x="177800" y="0"/>
+                  <a:pt x="290107" y="12700"/>
+                  <a:pt x="546100" y="12701"/>
+                </a:cubicBezTo>
+                <a:lnTo>
+                  <a:pt x="7556500" y="12700"/>
+                </a:lnTo>
+                <a:cubicBezTo>
+                  <a:pt x="7812492" y="12700"/>
+                  <a:pt x="7924799" y="12700"/>
+                  <a:pt x="8013699" y="88900"/>
+                </a:cubicBezTo>
+                <a:cubicBezTo>
+                  <a:pt x="8102599" y="165100"/>
+                  <a:pt x="8089900" y="213907"/>
+                  <a:pt x="8089899" y="469900"/>
+                </a:cubicBezTo>
+                <a:cubicBezTo>
+                  <a:pt x="8089899" y="1926160"/>
+                  <a:pt x="8089900" y="3890440"/>
+                  <a:pt x="8089900" y="5346700"/>
+                </a:cubicBezTo>
+                <a:cubicBezTo>
+                  <a:pt x="8089900" y="5602692"/>
+                  <a:pt x="8089900" y="5651500"/>
+                  <a:pt x="8013700" y="5727700"/>
+                </a:cubicBezTo>
+                <a:cubicBezTo>
+                  <a:pt x="7937500" y="5803900"/>
+                  <a:pt x="7888692" y="5803900"/>
+                  <a:pt x="7632700" y="5803900"/>
+                </a:cubicBezTo>
+                <a:lnTo>
+                  <a:pt x="546100" y="5803900"/>
+                </a:lnTo>
+                <a:cubicBezTo>
+                  <a:pt x="290108" y="5803900"/>
+                  <a:pt x="177800" y="5803900"/>
+                  <a:pt x="88900" y="5727700"/>
+                </a:cubicBezTo>
+                <a:cubicBezTo>
+                  <a:pt x="0" y="5651500"/>
+                  <a:pt x="12700" y="5602692"/>
+                  <a:pt x="12700" y="5346700"/>
+                </a:cubicBezTo>
+                <a:lnTo>
+                  <a:pt x="12700" y="546100"/>
+                </a:lnTo>
+                <a:close/>
+              </a:path>
+            </a:pathLst>
+          </a:custGeom>
+          <a:gradFill>
+            <a:gsLst>
+              <a:gs pos="0">
+                <a:schemeClr val="bg1">
+                  <a:lumMod val="50000"/>
+                </a:schemeClr>
+              </a:gs>
+              <a:gs pos="39999">
+                <a:schemeClr val="bg1">
+                  <a:lumMod val="65000"/>
+                </a:schemeClr>
+              </a:gs>
+              <a:gs pos="70000">
+                <a:schemeClr val="bg1">
+                  <a:lumMod val="50000"/>
+                  <a:alpha val="73000"/>
+                </a:schemeClr>
+              </a:gs>
+            </a:gsLst>
+            <a:lin ang="5400000" scaled="0"/>
+          </a:gradFill>
+          <a:ln>
+            <a:solidFill>
+              <a:schemeClr val="bg1">
+                <a:lumMod val="75000"/>
+              </a:schemeClr>
+            </a:solidFill>
+          </a:ln>
+        </p:spPr>
+        <p:style>
+          <a:lnRef idx="2">
+            <a:schemeClr val="accent1">
+              <a:shade val="50000"/>
+            </a:schemeClr>
+          </a:lnRef>
+          <a:fillRef idx="1">
+            <a:schemeClr val="accent1"/>
+          </a:fillRef>
+          <a:effectRef idx="0">
+            <a:schemeClr val="accent1"/>
+          </a:effectRef>
+          <a:fontRef idx="minor">
+            <a:schemeClr val="lt1"/>
+          </a:fontRef>
+        </p:style>
+        <p:txBody>
+          <a:bodyPr rtlCol="0" anchor="ctr"/>
+          <a:lstStyle/>
+          <a:p>
+            <a:pPr fontAlgn="t"/>
+            <a:endParaRPr lang="es-AR" b="1" dirty="0" smtClean="0"/>
+          </a:p>
+          <a:p>
+            <a:pPr algn="ctr"/>
+            <a:endParaRPr lang="es-AR" dirty="0"/>
+          </a:p>
+        </p:txBody>
+      </p:sp>
+      <p:sp>
+        <p:nvSpPr>
+          <p:cNvPr id="14" name="Rectangle 13"/>
+          <p:cNvSpPr/>
+          <p:nvPr/>
+        </p:nvSpPr>
+        <p:spPr>
+          <a:xfrm>
+            <a:off x="381000" y="1295400"/>
+            <a:ext cx="8458200" cy="1066800"/>
+          </a:xfrm>
+          <a:prstGeom prst="rect">
+            <a:avLst/>
+          </a:prstGeom>
+          <a:noFill/>
+          <a:ln>
+            <a:noFill/>
+          </a:ln>
+        </p:spPr>
+        <p:style>
+          <a:lnRef idx="2">
+            <a:schemeClr val="accent1">
+              <a:shade val="50000"/>
+            </a:schemeClr>
+          </a:lnRef>
+          <a:fillRef idx="1">
+            <a:schemeClr val="accent1"/>
+          </a:fillRef>
+          <a:effectRef idx="0">
+            <a:schemeClr val="accent1"/>
+          </a:effectRef>
+          <a:fontRef idx="minor">
+            <a:schemeClr val="lt1"/>
+          </a:fontRef>
+        </p:style>
+        <p:txBody>
+          <a:bodyPr rtlCol="0" anchor="ctr"/>
+          <a:lstStyle/>
+          <a:p>
+            <a:pPr algn="ctr"/>
+            <a:r>
+              <a:rPr lang="es-AR" sz="4800" b="1" dirty="0" smtClean="0"/>
+              <a:t>Data </a:t>
+            </a:r>
+            <a:r>
+              <a:rPr lang="es-AR" sz="4800" b="1" dirty="0" err="1" smtClean="0"/>
+              <a:t>Mining</a:t>
+            </a:r>
+            <a:endParaRPr lang="es-AR" sz="4800" b="1" dirty="0" smtClean="0"/>
+          </a:p>
+          <a:p>
+            <a:pPr algn="ctr"/>
+            <a:endParaRPr lang="es-AR" sz="1200" dirty="0"/>
+          </a:p>
+        </p:txBody>
+      </p:sp>
+      <p:grpSp>
+        <p:nvGrpSpPr>
+          <p:cNvPr id="3" name="Group 14"/>
+          <p:cNvGrpSpPr/>
+          <p:nvPr/>
+        </p:nvGrpSpPr>
+        <p:grpSpPr>
+          <a:xfrm>
+            <a:off x="1295400" y="544415"/>
+            <a:ext cx="6553200" cy="903384"/>
+            <a:chOff x="1295400" y="544415"/>
+            <a:chExt cx="6553200" cy="903384"/>
+          </a:xfrm>
+        </p:grpSpPr>
+        <p:sp>
+          <p:nvSpPr>
+            <p:cNvPr id="16" name="Round Same Side Corner Rectangle 15"/>
+            <p:cNvSpPr/>
+            <p:nvPr/>
+          </p:nvSpPr>
+          <p:spPr>
+            <a:xfrm rot="10800000">
+              <a:off x="1295400" y="544415"/>
+              <a:ext cx="6553200" cy="903384"/>
+            </a:xfrm>
+            <a:prstGeom prst="round2SameRect">
+              <a:avLst/>
+            </a:prstGeom>
+          </p:spPr>
+          <p:style>
+            <a:lnRef idx="2">
+              <a:schemeClr val="dk1">
+                <a:shade val="50000"/>
+              </a:schemeClr>
+            </a:lnRef>
+            <a:fillRef idx="1">
+              <a:schemeClr val="dk1"/>
+            </a:fillRef>
+            <a:effectRef idx="0">
+              <a:schemeClr val="dk1"/>
+            </a:effectRef>
+            <a:fontRef idx="minor">
+              <a:schemeClr val="lt1"/>
+            </a:fontRef>
+          </p:style>
+          <p:txBody>
+            <a:bodyPr rtlCol="0" anchor="ctr"/>
+            <a:lstStyle/>
+            <a:p>
+              <a:pPr algn="ctr"/>
+              <a:endParaRPr lang="es-AR" dirty="0"/>
+            </a:p>
+          </p:txBody>
+        </p:sp>
+        <p:pic>
+          <p:nvPicPr>
+            <p:cNvPr id="20" name="Picture 2" descr="E:\U.B.A.Files\Materias\75.45 Taller de Desarrollo de Proyectos I\TP\Trunk\Proyecto\web\site\images\logo.png"/>
+            <p:cNvPicPr>
+              <a:picLocks noChangeAspect="1" noChangeArrowheads="1"/>
+            </p:cNvPicPr>
+            <p:nvPr/>
+          </p:nvPicPr>
+          <p:blipFill>
+            <a:blip r:embed="rId2" cstate="print"/>
+            <a:srcRect/>
+            <a:stretch>
+              <a:fillRect/>
+            </a:stretch>
+          </p:blipFill>
+          <p:spPr bwMode="auto">
+            <a:xfrm>
+              <a:off x="1600200" y="609600"/>
+              <a:ext cx="2640904" cy="762000"/>
+            </a:xfrm>
+            <a:prstGeom prst="rect">
+              <a:avLst/>
+            </a:prstGeom>
+            <a:noFill/>
+          </p:spPr>
+        </p:pic>
+        <p:sp>
+          <p:nvSpPr>
+            <p:cNvPr id="23" name="TextBox 22"/>
+            <p:cNvSpPr txBox="1"/>
+            <p:nvPr/>
+          </p:nvSpPr>
+          <p:spPr>
+            <a:xfrm>
+              <a:off x="4515457" y="685800"/>
+              <a:ext cx="3180743" cy="307777"/>
+            </a:xfrm>
+            <a:prstGeom prst="rect">
+              <a:avLst/>
+            </a:prstGeom>
+            <a:noFill/>
+          </p:spPr>
+          <p:txBody>
+            <a:bodyPr wrap="none" rtlCol="0">
+              <a:spAutoFit/>
+            </a:bodyPr>
+            <a:lstStyle/>
+            <a:p>
+              <a:r>
+                <a:rPr lang="es-AR" sz="1400" dirty="0" smtClean="0">
+                  <a:solidFill>
+                    <a:schemeClr val="bg1">
+                      <a:lumMod val="50000"/>
+                    </a:schemeClr>
+                  </a:solidFill>
+                </a:rPr>
+                <a:t>Centralización y análisis de datos</a:t>
+              </a:r>
+              <a:endParaRPr lang="es-AR" sz="1400" dirty="0">
+                <a:solidFill>
+                  <a:schemeClr val="bg1">
+                    <a:lumMod val="50000"/>
+                  </a:schemeClr>
+                </a:solidFill>
+              </a:endParaRPr>
+            </a:p>
+          </p:txBody>
+        </p:sp>
+      </p:grpSp>
+    </p:spTree>
+  </p:cSld>
+  <p:clrMapOvr>
+    <a:masterClrMapping/>
+  </p:clrMapOvr>
+</p:sld>
+</file>
+
 <file path=ppt/theme/theme1.xml><?xml version="1.0" encoding="utf-8"?>
 <a:theme xmlns:a="http://schemas.openxmlformats.org/drawingml/2006/main" name="Office Theme">
   <a:themeElements>

--- a/trunk/Presentacion/Tecnica/Presentacion Tecnica.pptx
+++ b/trunk/Presentacion/Tecnica/Presentacion Tecnica.pptx
@@ -8422,6 +8422,32 @@
           </p:txBody>
         </p:sp>
       </p:grpSp>
+      <p:pic>
+        <p:nvPicPr>
+          <p:cNvPr id="1026" name="Picture 2" descr="C:\Users\Dario\Desktop\Taller Desarrollo I\Investigacion\BBDD\Diagrama-MR.png"/>
+          <p:cNvPicPr>
+            <a:picLocks noChangeAspect="1" noChangeArrowheads="1"/>
+          </p:cNvPicPr>
+          <p:nvPr/>
+        </p:nvPicPr>
+        <p:blipFill>
+          <a:blip r:embed="rId3" cstate="print"/>
+          <a:srcRect/>
+          <a:stretch>
+            <a:fillRect/>
+          </a:stretch>
+        </p:blipFill>
+        <p:spPr bwMode="auto">
+          <a:xfrm>
+            <a:off x="2362200" y="2133600"/>
+            <a:ext cx="4572000" cy="4082902"/>
+          </a:xfrm>
+          <a:prstGeom prst="rect">
+            <a:avLst/>
+          </a:prstGeom>
+          <a:noFill/>
+        </p:spPr>
+      </p:pic>
     </p:spTree>
   </p:cSld>
   <p:clrMapOvr>
@@ -9509,6 +9535,87 @@
           </p:txBody>
         </p:sp>
       </p:grpSp>
+      <p:sp>
+        <p:nvSpPr>
+          <p:cNvPr id="15" name="Rectangle 13"/>
+          <p:cNvSpPr/>
+          <p:nvPr/>
+        </p:nvSpPr>
+        <p:spPr>
+          <a:xfrm>
+            <a:off x="1752600" y="3124200"/>
+            <a:ext cx="8458200" cy="1066800"/>
+          </a:xfrm>
+          <a:prstGeom prst="rect">
+            <a:avLst/>
+          </a:prstGeom>
+          <a:noFill/>
+          <a:ln>
+            <a:noFill/>
+          </a:ln>
+        </p:spPr>
+        <p:style>
+          <a:lnRef idx="2">
+            <a:schemeClr val="accent1">
+              <a:shade val="50000"/>
+            </a:schemeClr>
+          </a:lnRef>
+          <a:fillRef idx="1">
+            <a:schemeClr val="accent1"/>
+          </a:fillRef>
+          <a:effectRef idx="0">
+            <a:schemeClr val="accent1"/>
+          </a:effectRef>
+          <a:fontRef idx="minor">
+            <a:schemeClr val="lt1"/>
+          </a:fontRef>
+        </p:style>
+        <p:txBody>
+          <a:bodyPr rtlCol="0" anchor="ctr"/>
+          <a:lstStyle/>
+          <a:p>
+            <a:pPr>
+              <a:buFont typeface="Arial" pitchFamily="34" charset="0"/>
+              <a:buChar char="•"/>
+            </a:pPr>
+            <a:r>
+              <a:rPr lang="es-AR" sz="4400" b="1" dirty="0" smtClean="0"/>
+              <a:t> </a:t>
+            </a:r>
+            <a:r>
+              <a:rPr lang="es-AR" sz="4400" b="1" dirty="0" err="1" smtClean="0"/>
+              <a:t>Wickets</a:t>
+            </a:r>
+            <a:endParaRPr lang="es-AR" sz="4400" b="1" dirty="0" smtClean="0"/>
+          </a:p>
+          <a:p>
+            <a:pPr>
+              <a:buFont typeface="Arial" pitchFamily="34" charset="0"/>
+              <a:buChar char="•"/>
+            </a:pPr>
+            <a:r>
+              <a:rPr lang="es-AR" sz="4400" b="1" dirty="0" smtClean="0"/>
+              <a:t> </a:t>
+            </a:r>
+            <a:r>
+              <a:rPr lang="es-AR" sz="4400" b="1" dirty="0" err="1" smtClean="0"/>
+              <a:t>MySQL</a:t>
+            </a:r>
+            <a:r>
+              <a:rPr lang="es-AR" sz="4400" b="1" dirty="0" smtClean="0"/>
+              <a:t> (completar)</a:t>
+            </a:r>
+          </a:p>
+          <a:p>
+            <a:pPr algn="ctr"/>
+            <a:endParaRPr lang="es-AR" sz="4800" b="1" dirty="0" smtClean="0"/>
+          </a:p>
+          <a:p>
+            <a:pPr algn="ctr"/>
+            <a:endParaRPr lang="es-AR" sz="1200" dirty="0"/>
+          </a:p>
+        </p:txBody>
+      </p:sp>
     </p:spTree>
   </p:cSld>
   <p:clrMapOvr>

--- a/trunk/Presentacion/Tecnica/Presentacion Tecnica.pptx
+++ b/trunk/Presentacion/Tecnica/Presentacion Tecnica.pptx
@@ -9,8 +9,8 @@
   </p:notesMasterIdLst>
   <p:sldIdLst>
     <p:sldId id="256" r:id="rId2"/>
-    <p:sldId id="257" r:id="rId3"/>
-    <p:sldId id="259" r:id="rId4"/>
+    <p:sldId id="259" r:id="rId3"/>
+    <p:sldId id="270" r:id="rId4"/>
     <p:sldId id="264" r:id="rId5"/>
     <p:sldId id="265" r:id="rId6"/>
     <p:sldId id="267" r:id="rId7"/>
@@ -201,7 +201,7 @@
             <a:fld id="{9763C9BB-72E2-4283-8DE8-50E875797B7C}" type="datetimeFigureOut">
               <a:rPr lang="es-AR" smtClean="0"/>
               <a:pPr/>
-              <a:t>27/06/2011</a:t>
+              <a:t>06/07/2011</a:t>
             </a:fld>
             <a:endParaRPr lang="es-AR"/>
           </a:p>
@@ -649,7 +649,7 @@
             <a:fld id="{1D8BD707-D9CF-40AE-B4C6-C98DA3205C09}" type="datetimeFigureOut">
               <a:rPr lang="en-US" smtClean="0"/>
               <a:pPr/>
-              <a:t>6/27/2011</a:t>
+              <a:t>7/6/2011</a:t>
             </a:fld>
             <a:endParaRPr lang="en-US"/>
           </a:p>
@@ -816,7 +816,7 @@
             <a:fld id="{1D8BD707-D9CF-40AE-B4C6-C98DA3205C09}" type="datetimeFigureOut">
               <a:rPr lang="en-US" smtClean="0"/>
               <a:pPr/>
-              <a:t>6/27/2011</a:t>
+              <a:t>7/6/2011</a:t>
             </a:fld>
             <a:endParaRPr lang="en-US"/>
           </a:p>
@@ -993,7 +993,7 @@
             <a:fld id="{1D8BD707-D9CF-40AE-B4C6-C98DA3205C09}" type="datetimeFigureOut">
               <a:rPr lang="en-US" smtClean="0"/>
               <a:pPr/>
-              <a:t>6/27/2011</a:t>
+              <a:t>7/6/2011</a:t>
             </a:fld>
             <a:endParaRPr lang="en-US"/>
           </a:p>
@@ -1160,7 +1160,7 @@
             <a:fld id="{1D8BD707-D9CF-40AE-B4C6-C98DA3205C09}" type="datetimeFigureOut">
               <a:rPr lang="en-US" smtClean="0"/>
               <a:pPr/>
-              <a:t>6/27/2011</a:t>
+              <a:t>7/6/2011</a:t>
             </a:fld>
             <a:endParaRPr lang="en-US"/>
           </a:p>
@@ -1403,7 +1403,7 @@
             <a:fld id="{1D8BD707-D9CF-40AE-B4C6-C98DA3205C09}" type="datetimeFigureOut">
               <a:rPr lang="en-US" smtClean="0"/>
               <a:pPr/>
-              <a:t>6/27/2011</a:t>
+              <a:t>7/6/2011</a:t>
             </a:fld>
             <a:endParaRPr lang="en-US"/>
           </a:p>
@@ -1688,7 +1688,7 @@
             <a:fld id="{1D8BD707-D9CF-40AE-B4C6-C98DA3205C09}" type="datetimeFigureOut">
               <a:rPr lang="en-US" smtClean="0"/>
               <a:pPr/>
-              <a:t>6/27/2011</a:t>
+              <a:t>7/6/2011</a:t>
             </a:fld>
             <a:endParaRPr lang="en-US"/>
           </a:p>
@@ -2107,7 +2107,7 @@
             <a:fld id="{1D8BD707-D9CF-40AE-B4C6-C98DA3205C09}" type="datetimeFigureOut">
               <a:rPr lang="en-US" smtClean="0"/>
               <a:pPr/>
-              <a:t>6/27/2011</a:t>
+              <a:t>7/6/2011</a:t>
             </a:fld>
             <a:endParaRPr lang="en-US"/>
           </a:p>
@@ -2222,7 +2222,7 @@
             <a:fld id="{1D8BD707-D9CF-40AE-B4C6-C98DA3205C09}" type="datetimeFigureOut">
               <a:rPr lang="en-US" smtClean="0"/>
               <a:pPr/>
-              <a:t>6/27/2011</a:t>
+              <a:t>7/6/2011</a:t>
             </a:fld>
             <a:endParaRPr lang="en-US"/>
           </a:p>
@@ -2314,7 +2314,7 @@
             <a:fld id="{1D8BD707-D9CF-40AE-B4C6-C98DA3205C09}" type="datetimeFigureOut">
               <a:rPr lang="en-US" smtClean="0"/>
               <a:pPr/>
-              <a:t>6/27/2011</a:t>
+              <a:t>7/6/2011</a:t>
             </a:fld>
             <a:endParaRPr lang="en-US"/>
           </a:p>
@@ -2588,7 +2588,7 @@
             <a:fld id="{1D8BD707-D9CF-40AE-B4C6-C98DA3205C09}" type="datetimeFigureOut">
               <a:rPr lang="en-US" smtClean="0"/>
               <a:pPr/>
-              <a:t>6/27/2011</a:t>
+              <a:t>7/6/2011</a:t>
             </a:fld>
             <a:endParaRPr lang="en-US"/>
           </a:p>
@@ -2838,7 +2838,7 @@
             <a:fld id="{1D8BD707-D9CF-40AE-B4C6-C98DA3205C09}" type="datetimeFigureOut">
               <a:rPr lang="en-US" smtClean="0"/>
               <a:pPr/>
-              <a:t>6/27/2011</a:t>
+              <a:t>7/6/2011</a:t>
             </a:fld>
             <a:endParaRPr lang="en-US"/>
           </a:p>
@@ -3053,7 +3053,7 @@
             <a:fld id="{1D8BD707-D9CF-40AE-B4C6-C98DA3205C09}" type="datetimeFigureOut">
               <a:rPr lang="en-US" smtClean="0"/>
               <a:pPr/>
-              <a:t>6/27/2011</a:t>
+              <a:t>7/6/2011</a:t>
             </a:fld>
             <a:endParaRPr lang="en-US"/>
           </a:p>
@@ -4247,7 +4247,7 @@
         </p:nvSpPr>
         <p:spPr>
           <a:xfrm>
-            <a:off x="533400" y="457200"/>
+            <a:off x="533400" y="444500"/>
             <a:ext cx="8102599" cy="5803900"/>
           </a:xfrm>
           <a:custGeom>
@@ -4886,78 +4886,9 @@
           </a:p>
         </p:txBody>
       </p:sp>
-      <p:sp>
-        <p:nvSpPr>
-          <p:cNvPr id="20" name="Rectangle 19"/>
-          <p:cNvSpPr/>
-          <p:nvPr/>
-        </p:nvSpPr>
-        <p:spPr>
-          <a:xfrm>
-            <a:off x="2971800" y="2057400"/>
-            <a:ext cx="5791200" cy="1066800"/>
-          </a:xfrm>
-          <a:prstGeom prst="rect">
-            <a:avLst/>
-          </a:prstGeom>
-          <a:noFill/>
-          <a:ln>
-            <a:noFill/>
-          </a:ln>
-        </p:spPr>
-        <p:style>
-          <a:lnRef idx="2">
-            <a:schemeClr val="accent1">
-              <a:shade val="50000"/>
-            </a:schemeClr>
-          </a:lnRef>
-          <a:fillRef idx="1">
-            <a:schemeClr val="accent1"/>
-          </a:fillRef>
-          <a:effectRef idx="0">
-            <a:schemeClr val="accent1"/>
-          </a:effectRef>
-          <a:fontRef idx="minor">
-            <a:schemeClr val="lt1"/>
-          </a:fontRef>
-        </p:style>
-        <p:txBody>
-          <a:bodyPr rtlCol="0" anchor="ctr"/>
-          <a:lstStyle/>
-          <a:p>
-            <a:pPr algn="ctr"/>
-            <a:endParaRPr lang="es-AR" sz="5400" b="1" u="sng" dirty="0" smtClean="0"/>
-          </a:p>
-          <a:p>
-            <a:pPr algn="ctr"/>
-            <a:r>
-              <a:rPr lang="es-AR" sz="5400" b="1" u="sng" dirty="0" smtClean="0"/>
-              <a:t>Casos </a:t>
-            </a:r>
-          </a:p>
-          <a:p>
-            <a:pPr algn="ctr"/>
-            <a:r>
-              <a:rPr lang="es-AR" sz="5400" b="1" u="sng" dirty="0" smtClean="0"/>
-              <a:t>De</a:t>
-            </a:r>
-          </a:p>
-          <a:p>
-            <a:pPr algn="ctr"/>
-            <a:r>
-              <a:rPr lang="es-AR" sz="5400" b="1" u="sng" dirty="0" smtClean="0"/>
-              <a:t> Usos</a:t>
-            </a:r>
-          </a:p>
-          <a:p>
-            <a:pPr algn="ctr"/>
-            <a:endParaRPr lang="es-AR" sz="2000" dirty="0"/>
-          </a:p>
-        </p:txBody>
-      </p:sp>
       <p:grpSp>
         <p:nvGrpSpPr>
-          <p:cNvPr id="29" name="Group 28"/>
+          <p:cNvPr id="28" name="Group 27"/>
           <p:cNvGrpSpPr/>
           <p:nvPr/>
         </p:nvGrpSpPr>
@@ -4971,7 +4902,7 @@
         </p:grpSpPr>
         <p:sp>
           <p:nvSpPr>
-            <p:cNvPr id="30" name="Round Same Side Corner Rectangle 29"/>
+            <p:cNvPr id="29" name="Round Same Side Corner Rectangle 28"/>
             <p:cNvSpPr/>
             <p:nvPr/>
           </p:nvSpPr>
@@ -5011,7 +4942,7 @@
         </p:sp>
         <p:pic>
           <p:nvPicPr>
-            <p:cNvPr id="31" name="Picture 2" descr="E:\U.B.A.Files\Materias\75.45 Taller de Desarrollo de Proyectos I\TP\Trunk\Proyecto\web\site\images\logo.png"/>
+            <p:cNvPr id="30" name="Picture 2" descr="E:\U.B.A.Files\Materias\75.45 Taller de Desarrollo de Proyectos I\TP\Trunk\Proyecto\web\site\images\logo.png"/>
             <p:cNvPicPr>
               <a:picLocks noChangeAspect="1" noChangeArrowheads="1"/>
             </p:cNvPicPr>
@@ -5037,7 +4968,7 @@
         </p:pic>
         <p:sp>
           <p:nvSpPr>
-            <p:cNvPr id="32" name="TextBox 31"/>
+            <p:cNvPr id="31" name="TextBox 30"/>
             <p:cNvSpPr txBox="1"/>
             <p:nvPr/>
           </p:nvSpPr>
@@ -5078,32 +5009,1208 @@
           </p:txBody>
         </p:sp>
       </p:grpSp>
-      <p:pic>
-        <p:nvPicPr>
-          <p:cNvPr id="1026" name="Picture 2" descr="C:\Users\Dario\Desktop\Taller Desarrollo I\Documentacion\Diagramas\diagrama_de_casos_de_us_v2.jpg"/>
-          <p:cNvPicPr>
-            <a:picLocks noChangeAspect="1" noChangeArrowheads="1"/>
-          </p:cNvPicPr>
+      <p:sp>
+        <p:nvSpPr>
+          <p:cNvPr id="14" name="Rectangle 13"/>
+          <p:cNvSpPr/>
           <p:nvPr/>
-        </p:nvPicPr>
-        <p:blipFill>
-          <a:blip r:embed="rId3" cstate="print"/>
-          <a:srcRect/>
-          <a:stretch>
-            <a:fillRect/>
-          </a:stretch>
-        </p:blipFill>
-        <p:spPr bwMode="auto">
+        </p:nvSpPr>
+        <p:spPr>
           <a:xfrm>
-            <a:off x="1371600" y="1676400"/>
-            <a:ext cx="3200400" cy="4584007"/>
+            <a:off x="2133600" y="1143000"/>
+            <a:ext cx="4953000" cy="1066800"/>
+          </a:xfrm>
+          <a:prstGeom prst="rect">
+            <a:avLst/>
+          </a:prstGeom>
+          <a:noFill/>
+          <a:ln>
+            <a:noFill/>
+          </a:ln>
+        </p:spPr>
+        <p:style>
+          <a:lnRef idx="2">
+            <a:schemeClr val="accent1">
+              <a:shade val="50000"/>
+            </a:schemeClr>
+          </a:lnRef>
+          <a:fillRef idx="1">
+            <a:schemeClr val="accent1"/>
+          </a:fillRef>
+          <a:effectRef idx="0">
+            <a:schemeClr val="accent1"/>
+          </a:effectRef>
+          <a:fontRef idx="minor">
+            <a:schemeClr val="lt1"/>
+          </a:fontRef>
+        </p:style>
+        <p:txBody>
+          <a:bodyPr rtlCol="0" anchor="ctr"/>
+          <a:lstStyle/>
+          <a:p>
+            <a:pPr algn="ctr"/>
+            <a:r>
+              <a:rPr lang="es-AR" sz="4400" b="1" u="sng" dirty="0" smtClean="0"/>
+              <a:t>Casos de Usos</a:t>
+            </a:r>
+            <a:endParaRPr lang="es-AR" sz="1600" u="sng" dirty="0"/>
+          </a:p>
+        </p:txBody>
+      </p:sp>
+      <p:grpSp>
+        <p:nvGrpSpPr>
+          <p:cNvPr id="91" name="90 Grupo"/>
+          <p:cNvGrpSpPr/>
+          <p:nvPr/>
+        </p:nvGrpSpPr>
+        <p:grpSpPr>
+          <a:xfrm>
+            <a:off x="762000" y="2133600"/>
+            <a:ext cx="6248400" cy="3657600"/>
+            <a:chOff x="1143000" y="2438400"/>
+            <a:chExt cx="6248400" cy="3657600"/>
+          </a:xfrm>
+        </p:grpSpPr>
+        <p:grpSp>
+          <p:nvGrpSpPr>
+            <p:cNvPr id="79" name="78 Grupo"/>
+            <p:cNvGrpSpPr/>
+            <p:nvPr/>
+          </p:nvGrpSpPr>
+          <p:grpSpPr>
+            <a:xfrm>
+              <a:off x="1524000" y="2514600"/>
+              <a:ext cx="990600" cy="1600200"/>
+              <a:chOff x="1524000" y="2514600"/>
+              <a:chExt cx="990600" cy="1600200"/>
+            </a:xfrm>
+          </p:grpSpPr>
+          <p:sp>
+            <p:nvSpPr>
+              <p:cNvPr id="53" name="52 Elipse"/>
+              <p:cNvSpPr/>
+              <p:nvPr/>
+            </p:nvSpPr>
+            <p:spPr>
+              <a:xfrm>
+                <a:off x="1828800" y="2514600"/>
+                <a:ext cx="457200" cy="457200"/>
+              </a:xfrm>
+              <a:prstGeom prst="ellipse">
+                <a:avLst/>
+              </a:prstGeom>
+              <a:solidFill>
+                <a:schemeClr val="bg1"/>
+              </a:solidFill>
+            </p:spPr>
+            <p:style>
+              <a:lnRef idx="2">
+                <a:schemeClr val="accent1">
+                  <a:shade val="50000"/>
+                </a:schemeClr>
+              </a:lnRef>
+              <a:fillRef idx="1">
+                <a:schemeClr val="accent1"/>
+              </a:fillRef>
+              <a:effectRef idx="0">
+                <a:schemeClr val="accent1"/>
+              </a:effectRef>
+              <a:fontRef idx="minor">
+                <a:schemeClr val="lt1"/>
+              </a:fontRef>
+            </p:style>
+            <p:txBody>
+              <a:bodyPr rtlCol="0" anchor="ctr"/>
+              <a:lstStyle/>
+              <a:p>
+                <a:pPr algn="ctr"/>
+                <a:endParaRPr lang="es-AR"/>
+              </a:p>
+            </p:txBody>
+          </p:sp>
+          <p:cxnSp>
+            <p:nvCxnSpPr>
+              <p:cNvPr id="55" name="54 Conector recto"/>
+              <p:cNvCxnSpPr>
+                <a:stCxn id="53" idx="4"/>
+              </p:cNvCxnSpPr>
+              <p:nvPr/>
+            </p:nvCxnSpPr>
+            <p:spPr>
+              <a:xfrm rot="5400000">
+                <a:off x="1714500" y="3314700"/>
+                <a:ext cx="685800" cy="0"/>
+              </a:xfrm>
+              <a:prstGeom prst="line">
+                <a:avLst/>
+              </a:prstGeom>
+              <a:ln w="28575"/>
+            </p:spPr>
+            <p:style>
+              <a:lnRef idx="1">
+                <a:schemeClr val="accent1"/>
+              </a:lnRef>
+              <a:fillRef idx="0">
+                <a:schemeClr val="accent1"/>
+              </a:fillRef>
+              <a:effectRef idx="0">
+                <a:schemeClr val="accent1"/>
+              </a:effectRef>
+              <a:fontRef idx="minor">
+                <a:schemeClr val="tx1"/>
+              </a:fontRef>
+            </p:style>
+          </p:cxnSp>
+          <p:cxnSp>
+            <p:nvCxnSpPr>
+              <p:cNvPr id="57" name="56 Conector recto"/>
+              <p:cNvCxnSpPr/>
+              <p:nvPr/>
+            </p:nvCxnSpPr>
+            <p:spPr>
+              <a:xfrm rot="5400000">
+                <a:off x="1638300" y="3695700"/>
+                <a:ext cx="457200" cy="381000"/>
+              </a:xfrm>
+              <a:prstGeom prst="line">
+                <a:avLst/>
+              </a:prstGeom>
+              <a:ln w="28575"/>
+            </p:spPr>
+            <p:style>
+              <a:lnRef idx="1">
+                <a:schemeClr val="accent1"/>
+              </a:lnRef>
+              <a:fillRef idx="0">
+                <a:schemeClr val="accent1"/>
+              </a:fillRef>
+              <a:effectRef idx="0">
+                <a:schemeClr val="accent1"/>
+              </a:effectRef>
+              <a:fontRef idx="minor">
+                <a:schemeClr val="tx1"/>
+              </a:fontRef>
+            </p:style>
+          </p:cxnSp>
+          <p:cxnSp>
+            <p:nvCxnSpPr>
+              <p:cNvPr id="59" name="58 Conector recto"/>
+              <p:cNvCxnSpPr/>
+              <p:nvPr/>
+            </p:nvCxnSpPr>
+            <p:spPr>
+              <a:xfrm rot="16200000" flipH="1">
+                <a:off x="1981200" y="3733800"/>
+                <a:ext cx="457200" cy="304800"/>
+              </a:xfrm>
+              <a:prstGeom prst="line">
+                <a:avLst/>
+              </a:prstGeom>
+              <a:ln w="28575"/>
+            </p:spPr>
+            <p:style>
+              <a:lnRef idx="1">
+                <a:schemeClr val="accent1"/>
+              </a:lnRef>
+              <a:fillRef idx="0">
+                <a:schemeClr val="accent1"/>
+              </a:fillRef>
+              <a:effectRef idx="0">
+                <a:schemeClr val="accent1"/>
+              </a:effectRef>
+              <a:fontRef idx="minor">
+                <a:schemeClr val="tx1"/>
+              </a:fontRef>
+            </p:style>
+          </p:cxnSp>
+          <p:cxnSp>
+            <p:nvCxnSpPr>
+              <p:cNvPr id="61" name="60 Conector recto"/>
+              <p:cNvCxnSpPr/>
+              <p:nvPr/>
+            </p:nvCxnSpPr>
+            <p:spPr>
+              <a:xfrm flipV="1">
+                <a:off x="2057400" y="3048000"/>
+                <a:ext cx="457200" cy="304800"/>
+              </a:xfrm>
+              <a:prstGeom prst="line">
+                <a:avLst/>
+              </a:prstGeom>
+              <a:ln w="28575"/>
+            </p:spPr>
+            <p:style>
+              <a:lnRef idx="1">
+                <a:schemeClr val="accent1"/>
+              </a:lnRef>
+              <a:fillRef idx="0">
+                <a:schemeClr val="accent1"/>
+              </a:fillRef>
+              <a:effectRef idx="0">
+                <a:schemeClr val="accent1"/>
+              </a:effectRef>
+              <a:fontRef idx="minor">
+                <a:schemeClr val="tx1"/>
+              </a:fontRef>
+            </p:style>
+          </p:cxnSp>
+          <p:cxnSp>
+            <p:nvCxnSpPr>
+              <p:cNvPr id="63" name="62 Conector recto"/>
+              <p:cNvCxnSpPr/>
+              <p:nvPr/>
+            </p:nvCxnSpPr>
+            <p:spPr>
+              <a:xfrm rot="10800000">
+                <a:off x="1524000" y="3048000"/>
+                <a:ext cx="533400" cy="304800"/>
+              </a:xfrm>
+              <a:prstGeom prst="line">
+                <a:avLst/>
+              </a:prstGeom>
+              <a:ln w="28575"/>
+            </p:spPr>
+            <p:style>
+              <a:lnRef idx="1">
+                <a:schemeClr val="accent1"/>
+              </a:lnRef>
+              <a:fillRef idx="0">
+                <a:schemeClr val="accent1"/>
+              </a:fillRef>
+              <a:effectRef idx="0">
+                <a:schemeClr val="accent1"/>
+              </a:effectRef>
+              <a:fontRef idx="minor">
+                <a:schemeClr val="tx1"/>
+              </a:fontRef>
+            </p:style>
+          </p:cxnSp>
+        </p:grpSp>
+        <p:sp>
+          <p:nvSpPr>
+            <p:cNvPr id="67" name="66 Elipse"/>
+            <p:cNvSpPr/>
+            <p:nvPr/>
+          </p:nvSpPr>
+          <p:spPr>
+            <a:xfrm>
+              <a:off x="3352800" y="3581400"/>
+              <a:ext cx="2895600" cy="914400"/>
+            </a:xfrm>
+            <a:prstGeom prst="ellipse">
+              <a:avLst/>
+            </a:prstGeom>
+          </p:spPr>
+          <p:style>
+            <a:lnRef idx="2">
+              <a:schemeClr val="accent1">
+                <a:shade val="50000"/>
+              </a:schemeClr>
+            </a:lnRef>
+            <a:fillRef idx="1">
+              <a:schemeClr val="accent1"/>
+            </a:fillRef>
+            <a:effectRef idx="0">
+              <a:schemeClr val="accent1"/>
+            </a:effectRef>
+            <a:fontRef idx="minor">
+              <a:schemeClr val="lt1"/>
+            </a:fontRef>
+          </p:style>
+          <p:txBody>
+            <a:bodyPr rtlCol="0" anchor="ctr"/>
+            <a:lstStyle/>
+            <a:p>
+              <a:pPr algn="ctr"/>
+              <a:r>
+                <a:rPr lang="es-AR" sz="2000" b="1" dirty="0" smtClean="0"/>
+                <a:t>Consulta datos de personas</a:t>
+              </a:r>
+              <a:endParaRPr lang="es-AR" sz="2000" b="1" dirty="0"/>
+            </a:p>
+          </p:txBody>
+        </p:sp>
+        <p:grpSp>
+          <p:nvGrpSpPr>
+            <p:cNvPr id="90" name="89 Grupo"/>
+            <p:cNvGrpSpPr/>
+            <p:nvPr/>
+          </p:nvGrpSpPr>
+          <p:grpSpPr>
+            <a:xfrm>
+              <a:off x="1143000" y="2438400"/>
+              <a:ext cx="6248400" cy="3657600"/>
+              <a:chOff x="1143000" y="2438400"/>
+              <a:chExt cx="6248400" cy="3657600"/>
+            </a:xfrm>
+          </p:grpSpPr>
+          <p:grpSp>
+            <p:nvGrpSpPr>
+              <p:cNvPr id="80" name="79 Grupo"/>
+              <p:cNvGrpSpPr/>
+              <p:nvPr/>
+            </p:nvGrpSpPr>
+            <p:grpSpPr>
+              <a:xfrm>
+                <a:off x="2133600" y="2438400"/>
+                <a:ext cx="5257800" cy="3657600"/>
+                <a:chOff x="2133600" y="2438400"/>
+                <a:chExt cx="5257800" cy="3657600"/>
+              </a:xfrm>
+            </p:grpSpPr>
+            <p:sp>
+              <p:nvSpPr>
+                <p:cNvPr id="65" name="64 Elipse"/>
+                <p:cNvSpPr/>
+                <p:nvPr/>
+              </p:nvSpPr>
+              <p:spPr>
+                <a:xfrm>
+                  <a:off x="3429000" y="2438400"/>
+                  <a:ext cx="2819400" cy="990600"/>
+                </a:xfrm>
+                <a:prstGeom prst="ellipse">
+                  <a:avLst/>
+                </a:prstGeom>
+              </p:spPr>
+              <p:style>
+                <a:lnRef idx="2">
+                  <a:schemeClr val="accent1">
+                    <a:shade val="50000"/>
+                  </a:schemeClr>
+                </a:lnRef>
+                <a:fillRef idx="1">
+                  <a:schemeClr val="accent1"/>
+                </a:fillRef>
+                <a:effectRef idx="0">
+                  <a:schemeClr val="accent1"/>
+                </a:effectRef>
+                <a:fontRef idx="minor">
+                  <a:schemeClr val="lt1"/>
+                </a:fontRef>
+              </p:style>
+              <p:txBody>
+                <a:bodyPr rtlCol="0" anchor="ctr"/>
+                <a:lstStyle/>
+                <a:p>
+                  <a:pPr algn="ctr"/>
+                  <a:r>
+                    <a:rPr lang="es-AR" sz="2000" b="1" dirty="0" smtClean="0"/>
+                    <a:t>Acceder a cuenta de usuario</a:t>
+                  </a:r>
+                  <a:endParaRPr lang="es-AR" sz="2000" b="1" dirty="0"/>
+                </a:p>
+              </p:txBody>
+            </p:sp>
+            <p:sp>
+              <p:nvSpPr>
+                <p:cNvPr id="66" name="65 Elipse"/>
+                <p:cNvSpPr/>
+                <p:nvPr/>
+              </p:nvSpPr>
+              <p:spPr>
+                <a:xfrm>
+                  <a:off x="4495800" y="5105400"/>
+                  <a:ext cx="2895600" cy="990600"/>
+                </a:xfrm>
+                <a:prstGeom prst="ellipse">
+                  <a:avLst/>
+                </a:prstGeom>
+              </p:spPr>
+              <p:style>
+                <a:lnRef idx="2">
+                  <a:schemeClr val="accent1">
+                    <a:shade val="50000"/>
+                  </a:schemeClr>
+                </a:lnRef>
+                <a:fillRef idx="1">
+                  <a:schemeClr val="accent1"/>
+                </a:fillRef>
+                <a:effectRef idx="0">
+                  <a:schemeClr val="accent1"/>
+                </a:effectRef>
+                <a:fontRef idx="minor">
+                  <a:schemeClr val="lt1"/>
+                </a:fontRef>
+              </p:style>
+              <p:txBody>
+                <a:bodyPr rtlCol="0" anchor="ctr"/>
+                <a:lstStyle/>
+                <a:p>
+                  <a:pPr algn="ctr"/>
+                  <a:r>
+                    <a:rPr lang="es-AR" sz="2000" b="1" dirty="0" smtClean="0"/>
+                    <a:t>Mantener cuentas de usuario</a:t>
+                  </a:r>
+                  <a:endParaRPr lang="es-AR" sz="2000" b="1" dirty="0"/>
+                </a:p>
+              </p:txBody>
+            </p:sp>
+            <p:sp>
+              <p:nvSpPr>
+                <p:cNvPr id="68" name="67 Elipse"/>
+                <p:cNvSpPr/>
+                <p:nvPr/>
+              </p:nvSpPr>
+              <p:spPr>
+                <a:xfrm>
+                  <a:off x="2209800" y="4724400"/>
+                  <a:ext cx="2895600" cy="914400"/>
+                </a:xfrm>
+                <a:prstGeom prst="ellipse">
+                  <a:avLst/>
+                </a:prstGeom>
+              </p:spPr>
+              <p:style>
+                <a:lnRef idx="2">
+                  <a:schemeClr val="accent1">
+                    <a:shade val="50000"/>
+                  </a:schemeClr>
+                </a:lnRef>
+                <a:fillRef idx="1">
+                  <a:schemeClr val="accent1"/>
+                </a:fillRef>
+                <a:effectRef idx="0">
+                  <a:schemeClr val="accent1"/>
+                </a:effectRef>
+                <a:fontRef idx="minor">
+                  <a:schemeClr val="lt1"/>
+                </a:fontRef>
+              </p:style>
+              <p:txBody>
+                <a:bodyPr rtlCol="0" anchor="ctr"/>
+                <a:lstStyle/>
+                <a:p>
+                  <a:pPr algn="ctr"/>
+                  <a:r>
+                    <a:rPr lang="es-AR" sz="2000" b="1" dirty="0" smtClean="0"/>
+                    <a:t>Solicitar Informes y Análisis</a:t>
+                  </a:r>
+                  <a:endParaRPr lang="es-AR" sz="2000" b="1" dirty="0"/>
+                </a:p>
+              </p:txBody>
+            </p:sp>
+            <p:cxnSp>
+              <p:nvCxnSpPr>
+                <p:cNvPr id="70" name="69 Conector recto"/>
+                <p:cNvCxnSpPr>
+                  <a:endCxn id="65" idx="2"/>
+                </p:cNvCxnSpPr>
+                <p:nvPr/>
+              </p:nvCxnSpPr>
+              <p:spPr>
+                <a:xfrm flipV="1">
+                  <a:off x="2133600" y="2933700"/>
+                  <a:ext cx="1295400" cy="419100"/>
+                </a:xfrm>
+                <a:prstGeom prst="line">
+                  <a:avLst/>
+                </a:prstGeom>
+              </p:spPr>
+              <p:style>
+                <a:lnRef idx="1">
+                  <a:schemeClr val="accent1"/>
+                </a:lnRef>
+                <a:fillRef idx="0">
+                  <a:schemeClr val="accent1"/>
+                </a:fillRef>
+                <a:effectRef idx="0">
+                  <a:schemeClr val="accent1"/>
+                </a:effectRef>
+                <a:fontRef idx="minor">
+                  <a:schemeClr val="tx1"/>
+                </a:fontRef>
+              </p:style>
+            </p:cxnSp>
+          </p:grpSp>
+          <p:sp>
+            <p:nvSpPr>
+              <p:cNvPr id="78" name="77 CuadroTexto"/>
+              <p:cNvSpPr txBox="1"/>
+              <p:nvPr/>
+            </p:nvSpPr>
+            <p:spPr>
+              <a:xfrm>
+                <a:off x="1143000" y="4419600"/>
+                <a:ext cx="1199111" cy="461665"/>
+              </a:xfrm>
+              <a:prstGeom prst="rect">
+                <a:avLst/>
+              </a:prstGeom>
+              <a:noFill/>
+            </p:spPr>
+            <p:txBody>
+              <a:bodyPr wrap="none" rtlCol="0">
+                <a:spAutoFit/>
+              </a:bodyPr>
+              <a:lstStyle/>
+              <a:p>
+                <a:r>
+                  <a:rPr lang="es-AR" sz="2400" b="1" dirty="0" smtClean="0">
+                    <a:solidFill>
+                      <a:srgbClr val="FFFF00"/>
+                    </a:solidFill>
+                  </a:rPr>
+                  <a:t>Clientes</a:t>
+                </a:r>
+                <a:endParaRPr lang="es-AR" sz="2400" b="1" dirty="0">
+                  <a:solidFill>
+                    <a:srgbClr val="FFFF00"/>
+                  </a:solidFill>
+                </a:endParaRPr>
+              </a:p>
+            </p:txBody>
+          </p:sp>
+        </p:grpSp>
+      </p:grpSp>
+      <p:sp>
+        <p:nvSpPr>
+          <p:cNvPr id="94" name="93 Elipse"/>
+          <p:cNvSpPr/>
+          <p:nvPr/>
+        </p:nvSpPr>
+        <p:spPr>
+          <a:xfrm>
+            <a:off x="7924800" y="1371600"/>
+            <a:ext cx="457200" cy="457200"/>
+          </a:xfrm>
+          <a:prstGeom prst="ellipse">
+            <a:avLst/>
+          </a:prstGeom>
+          <a:solidFill>
+            <a:schemeClr val="bg1"/>
+          </a:solidFill>
+        </p:spPr>
+        <p:style>
+          <a:lnRef idx="2">
+            <a:schemeClr val="accent1">
+              <a:shade val="50000"/>
+            </a:schemeClr>
+          </a:lnRef>
+          <a:fillRef idx="1">
+            <a:schemeClr val="accent1"/>
+          </a:fillRef>
+          <a:effectRef idx="0">
+            <a:schemeClr val="accent1"/>
+          </a:effectRef>
+          <a:fontRef idx="minor">
+            <a:schemeClr val="lt1"/>
+          </a:fontRef>
+        </p:style>
+        <p:txBody>
+          <a:bodyPr rtlCol="0" anchor="ctr"/>
+          <a:lstStyle/>
+          <a:p>
+            <a:pPr algn="ctr"/>
+            <a:endParaRPr lang="es-AR"/>
+          </a:p>
+        </p:txBody>
+      </p:sp>
+      <p:cxnSp>
+        <p:nvCxnSpPr>
+          <p:cNvPr id="95" name="94 Conector recto"/>
+          <p:cNvCxnSpPr>
+            <a:stCxn id="94" idx="4"/>
+          </p:cNvCxnSpPr>
+          <p:nvPr/>
+        </p:nvCxnSpPr>
+        <p:spPr>
+          <a:xfrm rot="5400000">
+            <a:off x="7810500" y="2171700"/>
+            <a:ext cx="685800" cy="0"/>
+          </a:xfrm>
+          <a:prstGeom prst="line">
+            <a:avLst/>
+          </a:prstGeom>
+          <a:ln w="28575"/>
+        </p:spPr>
+        <p:style>
+          <a:lnRef idx="1">
+            <a:schemeClr val="accent1"/>
+          </a:lnRef>
+          <a:fillRef idx="0">
+            <a:schemeClr val="accent1"/>
+          </a:fillRef>
+          <a:effectRef idx="0">
+            <a:schemeClr val="accent1"/>
+          </a:effectRef>
+          <a:fontRef idx="minor">
+            <a:schemeClr val="tx1"/>
+          </a:fontRef>
+        </p:style>
+      </p:cxnSp>
+      <p:cxnSp>
+        <p:nvCxnSpPr>
+          <p:cNvPr id="96" name="95 Conector recto"/>
+          <p:cNvCxnSpPr/>
+          <p:nvPr/>
+        </p:nvCxnSpPr>
+        <p:spPr>
+          <a:xfrm rot="5400000">
+            <a:off x="7734300" y="2552700"/>
+            <a:ext cx="457200" cy="381000"/>
+          </a:xfrm>
+          <a:prstGeom prst="line">
+            <a:avLst/>
+          </a:prstGeom>
+          <a:ln w="28575"/>
+        </p:spPr>
+        <p:style>
+          <a:lnRef idx="1">
+            <a:schemeClr val="accent1"/>
+          </a:lnRef>
+          <a:fillRef idx="0">
+            <a:schemeClr val="accent1"/>
+          </a:fillRef>
+          <a:effectRef idx="0">
+            <a:schemeClr val="accent1"/>
+          </a:effectRef>
+          <a:fontRef idx="minor">
+            <a:schemeClr val="tx1"/>
+          </a:fontRef>
+        </p:style>
+      </p:cxnSp>
+      <p:cxnSp>
+        <p:nvCxnSpPr>
+          <p:cNvPr id="97" name="96 Conector recto"/>
+          <p:cNvCxnSpPr/>
+          <p:nvPr/>
+        </p:nvCxnSpPr>
+        <p:spPr>
+          <a:xfrm rot="16200000" flipH="1">
+            <a:off x="8077200" y="2590800"/>
+            <a:ext cx="457200" cy="304800"/>
+          </a:xfrm>
+          <a:prstGeom prst="line">
+            <a:avLst/>
+          </a:prstGeom>
+          <a:ln w="28575"/>
+        </p:spPr>
+        <p:style>
+          <a:lnRef idx="1">
+            <a:schemeClr val="accent1"/>
+          </a:lnRef>
+          <a:fillRef idx="0">
+            <a:schemeClr val="accent1"/>
+          </a:fillRef>
+          <a:effectRef idx="0">
+            <a:schemeClr val="accent1"/>
+          </a:effectRef>
+          <a:fontRef idx="minor">
+            <a:schemeClr val="tx1"/>
+          </a:fontRef>
+        </p:style>
+      </p:cxnSp>
+      <p:cxnSp>
+        <p:nvCxnSpPr>
+          <p:cNvPr id="98" name="97 Conector recto"/>
+          <p:cNvCxnSpPr/>
+          <p:nvPr/>
+        </p:nvCxnSpPr>
+        <p:spPr>
+          <a:xfrm flipV="1">
+            <a:off x="8153400" y="1905000"/>
+            <a:ext cx="457200" cy="304800"/>
+          </a:xfrm>
+          <a:prstGeom prst="line">
+            <a:avLst/>
+          </a:prstGeom>
+          <a:ln w="28575"/>
+        </p:spPr>
+        <p:style>
+          <a:lnRef idx="1">
+            <a:schemeClr val="accent1"/>
+          </a:lnRef>
+          <a:fillRef idx="0">
+            <a:schemeClr val="accent1"/>
+          </a:fillRef>
+          <a:effectRef idx="0">
+            <a:schemeClr val="accent1"/>
+          </a:effectRef>
+          <a:fontRef idx="minor">
+            <a:schemeClr val="tx1"/>
+          </a:fontRef>
+        </p:style>
+      </p:cxnSp>
+      <p:cxnSp>
+        <p:nvCxnSpPr>
+          <p:cNvPr id="99" name="98 Conector recto"/>
+          <p:cNvCxnSpPr/>
+          <p:nvPr/>
+        </p:nvCxnSpPr>
+        <p:spPr>
+          <a:xfrm rot="10800000">
+            <a:off x="7620000" y="1905000"/>
+            <a:ext cx="533400" cy="304800"/>
+          </a:xfrm>
+          <a:prstGeom prst="line">
+            <a:avLst/>
+          </a:prstGeom>
+          <a:ln w="28575"/>
+        </p:spPr>
+        <p:style>
+          <a:lnRef idx="1">
+            <a:schemeClr val="accent1"/>
+          </a:lnRef>
+          <a:fillRef idx="0">
+            <a:schemeClr val="accent1"/>
+          </a:fillRef>
+          <a:effectRef idx="0">
+            <a:schemeClr val="accent1"/>
+          </a:effectRef>
+          <a:fontRef idx="minor">
+            <a:schemeClr val="tx1"/>
+          </a:fontRef>
+        </p:style>
+      </p:cxnSp>
+      <p:sp>
+        <p:nvSpPr>
+          <p:cNvPr id="100" name="99 Elipse"/>
+          <p:cNvSpPr/>
+          <p:nvPr/>
+        </p:nvSpPr>
+        <p:spPr>
+          <a:xfrm>
+            <a:off x="5791200" y="3657600"/>
+            <a:ext cx="2895600" cy="914400"/>
+          </a:xfrm>
+          <a:prstGeom prst="ellipse">
+            <a:avLst/>
+          </a:prstGeom>
+        </p:spPr>
+        <p:style>
+          <a:lnRef idx="2">
+            <a:schemeClr val="accent1">
+              <a:shade val="50000"/>
+            </a:schemeClr>
+          </a:lnRef>
+          <a:fillRef idx="1">
+            <a:schemeClr val="accent1"/>
+          </a:fillRef>
+          <a:effectRef idx="0">
+            <a:schemeClr val="accent1"/>
+          </a:effectRef>
+          <a:fontRef idx="minor">
+            <a:schemeClr val="lt1"/>
+          </a:fontRef>
+        </p:style>
+        <p:txBody>
+          <a:bodyPr rtlCol="0" anchor="ctr"/>
+          <a:lstStyle/>
+          <a:p>
+            <a:pPr algn="ctr"/>
+            <a:r>
+              <a:rPr lang="es-AR" sz="2000" b="1" dirty="0" smtClean="0"/>
+              <a:t>Actualizador de  la BD</a:t>
+            </a:r>
+            <a:endParaRPr lang="es-AR" sz="2000" b="1" dirty="0"/>
+          </a:p>
+        </p:txBody>
+      </p:sp>
+      <p:cxnSp>
+        <p:nvCxnSpPr>
+          <p:cNvPr id="102" name="101 Conector recto"/>
+          <p:cNvCxnSpPr>
+            <a:stCxn id="100" idx="0"/>
+          </p:cNvCxnSpPr>
+          <p:nvPr/>
+        </p:nvCxnSpPr>
+        <p:spPr>
+          <a:xfrm rot="5400000" flipH="1" flipV="1">
+            <a:off x="6858000" y="2667000"/>
+            <a:ext cx="1371600" cy="609600"/>
+          </a:xfrm>
+          <a:prstGeom prst="line">
+            <a:avLst/>
+          </a:prstGeom>
+        </p:spPr>
+        <p:style>
+          <a:lnRef idx="1">
+            <a:schemeClr val="accent1"/>
+          </a:lnRef>
+          <a:fillRef idx="0">
+            <a:schemeClr val="accent1"/>
+          </a:fillRef>
+          <a:effectRef idx="0">
+            <a:schemeClr val="accent1"/>
+          </a:effectRef>
+          <a:fontRef idx="minor">
+            <a:schemeClr val="tx1"/>
+          </a:fontRef>
+        </p:style>
+      </p:cxnSp>
+      <p:sp>
+        <p:nvSpPr>
+          <p:cNvPr id="105" name="104 CuadroTexto"/>
+          <p:cNvSpPr txBox="1"/>
+          <p:nvPr/>
+        </p:nvSpPr>
+        <p:spPr>
+          <a:xfrm>
+            <a:off x="7736563" y="2971800"/>
+            <a:ext cx="1407437" cy="461665"/>
           </a:xfrm>
           <a:prstGeom prst="rect">
             <a:avLst/>
           </a:prstGeom>
           <a:noFill/>
         </p:spPr>
-      </p:pic>
+        <p:txBody>
+          <a:bodyPr wrap="none" rtlCol="0">
+            <a:spAutoFit/>
+          </a:bodyPr>
+          <a:lstStyle/>
+          <a:p>
+            <a:r>
+              <a:rPr lang="es-AR" sz="2400" b="1" dirty="0" smtClean="0">
+                <a:solidFill>
+                  <a:srgbClr val="FFFF00"/>
+                </a:solidFill>
+              </a:rPr>
+              <a:t>Operador</a:t>
+            </a:r>
+            <a:endParaRPr lang="es-AR" sz="2400" b="1" dirty="0">
+              <a:solidFill>
+                <a:srgbClr val="FFFF00"/>
+              </a:solidFill>
+            </a:endParaRPr>
+          </a:p>
+        </p:txBody>
+      </p:sp>
+      <p:sp>
+        <p:nvSpPr>
+          <p:cNvPr id="106" name="105 Elipse"/>
+          <p:cNvSpPr/>
+          <p:nvPr/>
+        </p:nvSpPr>
+        <p:spPr>
+          <a:xfrm>
+            <a:off x="7543800" y="4800600"/>
+            <a:ext cx="457200" cy="457200"/>
+          </a:xfrm>
+          <a:prstGeom prst="ellipse">
+            <a:avLst/>
+          </a:prstGeom>
+          <a:solidFill>
+            <a:schemeClr val="bg1"/>
+          </a:solidFill>
+        </p:spPr>
+        <p:style>
+          <a:lnRef idx="2">
+            <a:schemeClr val="accent1">
+              <a:shade val="50000"/>
+            </a:schemeClr>
+          </a:lnRef>
+          <a:fillRef idx="1">
+            <a:schemeClr val="accent1"/>
+          </a:fillRef>
+          <a:effectRef idx="0">
+            <a:schemeClr val="accent1"/>
+          </a:effectRef>
+          <a:fontRef idx="minor">
+            <a:schemeClr val="lt1"/>
+          </a:fontRef>
+        </p:style>
+        <p:txBody>
+          <a:bodyPr rtlCol="0" anchor="ctr"/>
+          <a:lstStyle/>
+          <a:p>
+            <a:pPr algn="ctr"/>
+            <a:endParaRPr lang="es-AR"/>
+          </a:p>
+        </p:txBody>
+      </p:sp>
+      <p:cxnSp>
+        <p:nvCxnSpPr>
+          <p:cNvPr id="107" name="106 Conector recto"/>
+          <p:cNvCxnSpPr>
+            <a:stCxn id="106" idx="4"/>
+          </p:cNvCxnSpPr>
+          <p:nvPr/>
+        </p:nvCxnSpPr>
+        <p:spPr>
+          <a:xfrm rot="5400000">
+            <a:off x="7429500" y="5600700"/>
+            <a:ext cx="685800" cy="0"/>
+          </a:xfrm>
+          <a:prstGeom prst="line">
+            <a:avLst/>
+          </a:prstGeom>
+          <a:ln w="28575"/>
+        </p:spPr>
+        <p:style>
+          <a:lnRef idx="1">
+            <a:schemeClr val="accent1"/>
+          </a:lnRef>
+          <a:fillRef idx="0">
+            <a:schemeClr val="accent1"/>
+          </a:fillRef>
+          <a:effectRef idx="0">
+            <a:schemeClr val="accent1"/>
+          </a:effectRef>
+          <a:fontRef idx="minor">
+            <a:schemeClr val="tx1"/>
+          </a:fontRef>
+        </p:style>
+      </p:cxnSp>
+      <p:cxnSp>
+        <p:nvCxnSpPr>
+          <p:cNvPr id="108" name="107 Conector recto"/>
+          <p:cNvCxnSpPr/>
+          <p:nvPr/>
+        </p:nvCxnSpPr>
+        <p:spPr>
+          <a:xfrm rot="5400000">
+            <a:off x="7353300" y="5981700"/>
+            <a:ext cx="457200" cy="381000"/>
+          </a:xfrm>
+          <a:prstGeom prst="line">
+            <a:avLst/>
+          </a:prstGeom>
+          <a:ln w="28575"/>
+        </p:spPr>
+        <p:style>
+          <a:lnRef idx="1">
+            <a:schemeClr val="accent1"/>
+          </a:lnRef>
+          <a:fillRef idx="0">
+            <a:schemeClr val="accent1"/>
+          </a:fillRef>
+          <a:effectRef idx="0">
+            <a:schemeClr val="accent1"/>
+          </a:effectRef>
+          <a:fontRef idx="minor">
+            <a:schemeClr val="tx1"/>
+          </a:fontRef>
+        </p:style>
+      </p:cxnSp>
+      <p:cxnSp>
+        <p:nvCxnSpPr>
+          <p:cNvPr id="109" name="108 Conector recto"/>
+          <p:cNvCxnSpPr/>
+          <p:nvPr/>
+        </p:nvCxnSpPr>
+        <p:spPr>
+          <a:xfrm rot="16200000" flipH="1">
+            <a:off x="7696200" y="6019800"/>
+            <a:ext cx="457200" cy="304800"/>
+          </a:xfrm>
+          <a:prstGeom prst="line">
+            <a:avLst/>
+          </a:prstGeom>
+          <a:ln w="28575"/>
+        </p:spPr>
+        <p:style>
+          <a:lnRef idx="1">
+            <a:schemeClr val="accent1"/>
+          </a:lnRef>
+          <a:fillRef idx="0">
+            <a:schemeClr val="accent1"/>
+          </a:fillRef>
+          <a:effectRef idx="0">
+            <a:schemeClr val="accent1"/>
+          </a:effectRef>
+          <a:fontRef idx="minor">
+            <a:schemeClr val="tx1"/>
+          </a:fontRef>
+        </p:style>
+      </p:cxnSp>
+      <p:cxnSp>
+        <p:nvCxnSpPr>
+          <p:cNvPr id="110" name="109 Conector recto"/>
+          <p:cNvCxnSpPr/>
+          <p:nvPr/>
+        </p:nvCxnSpPr>
+        <p:spPr>
+          <a:xfrm flipV="1">
+            <a:off x="7772400" y="5334000"/>
+            <a:ext cx="457200" cy="304800"/>
+          </a:xfrm>
+          <a:prstGeom prst="line">
+            <a:avLst/>
+          </a:prstGeom>
+          <a:ln w="28575"/>
+        </p:spPr>
+        <p:style>
+          <a:lnRef idx="1">
+            <a:schemeClr val="accent1"/>
+          </a:lnRef>
+          <a:fillRef idx="0">
+            <a:schemeClr val="accent1"/>
+          </a:fillRef>
+          <a:effectRef idx="0">
+            <a:schemeClr val="accent1"/>
+          </a:effectRef>
+          <a:fontRef idx="minor">
+            <a:schemeClr val="tx1"/>
+          </a:fontRef>
+        </p:style>
+      </p:cxnSp>
+      <p:cxnSp>
+        <p:nvCxnSpPr>
+          <p:cNvPr id="111" name="110 Conector recto"/>
+          <p:cNvCxnSpPr/>
+          <p:nvPr/>
+        </p:nvCxnSpPr>
+        <p:spPr>
+          <a:xfrm rot="10800000">
+            <a:off x="7239000" y="5334000"/>
+            <a:ext cx="533400" cy="304800"/>
+          </a:xfrm>
+          <a:prstGeom prst="line">
+            <a:avLst/>
+          </a:prstGeom>
+          <a:ln w="28575"/>
+        </p:spPr>
+        <p:style>
+          <a:lnRef idx="1">
+            <a:schemeClr val="accent1"/>
+          </a:lnRef>
+          <a:fillRef idx="0">
+            <a:schemeClr val="accent1"/>
+          </a:fillRef>
+          <a:effectRef idx="0">
+            <a:schemeClr val="accent1"/>
+          </a:effectRef>
+          <a:fontRef idx="minor">
+            <a:schemeClr val="tx1"/>
+          </a:fontRef>
+        </p:style>
+      </p:cxnSp>
+      <p:sp>
+        <p:nvSpPr>
+          <p:cNvPr id="118" name="117 CuadroTexto"/>
+          <p:cNvSpPr txBox="1"/>
+          <p:nvPr/>
+        </p:nvSpPr>
+        <p:spPr>
+          <a:xfrm>
+            <a:off x="5486400" y="5786735"/>
+            <a:ext cx="2022733" cy="461665"/>
+          </a:xfrm>
+          <a:prstGeom prst="rect">
+            <a:avLst/>
+          </a:prstGeom>
+          <a:noFill/>
+        </p:spPr>
+        <p:txBody>
+          <a:bodyPr wrap="none" rtlCol="0">
+            <a:spAutoFit/>
+          </a:bodyPr>
+          <a:lstStyle/>
+          <a:p>
+            <a:r>
+              <a:rPr lang="es-AR" sz="2400" b="1" dirty="0" smtClean="0">
+                <a:solidFill>
+                  <a:srgbClr val="FFFF00"/>
+                </a:solidFill>
+              </a:rPr>
+              <a:t>Administrador</a:t>
+            </a:r>
+            <a:endParaRPr lang="es-AR" sz="2400" b="1" dirty="0">
+              <a:solidFill>
+                <a:srgbClr val="FFFF00"/>
+              </a:solidFill>
+            </a:endParaRPr>
+          </a:p>
+        </p:txBody>
+      </p:sp>
+      <p:cxnSp>
+        <p:nvCxnSpPr>
+          <p:cNvPr id="122" name="121 Conector recto"/>
+          <p:cNvCxnSpPr>
+            <a:endCxn id="67" idx="2"/>
+          </p:cNvCxnSpPr>
+          <p:nvPr/>
+        </p:nvCxnSpPr>
+        <p:spPr>
+          <a:xfrm>
+            <a:off x="1752600" y="3048000"/>
+            <a:ext cx="1219200" cy="685800"/>
+          </a:xfrm>
+          <a:prstGeom prst="line">
+            <a:avLst/>
+          </a:prstGeom>
+        </p:spPr>
+        <p:style>
+          <a:lnRef idx="1">
+            <a:schemeClr val="accent1"/>
+          </a:lnRef>
+          <a:fillRef idx="0">
+            <a:schemeClr val="accent1"/>
+          </a:fillRef>
+          <a:effectRef idx="0">
+            <a:schemeClr val="accent1"/>
+          </a:effectRef>
+          <a:fontRef idx="minor">
+            <a:schemeClr val="tx1"/>
+          </a:fontRef>
+        </p:style>
+      </p:cxnSp>
+      <p:cxnSp>
+        <p:nvCxnSpPr>
+          <p:cNvPr id="124" name="123 Conector recto"/>
+          <p:cNvCxnSpPr>
+            <a:endCxn id="68" idx="0"/>
+          </p:cNvCxnSpPr>
+          <p:nvPr/>
+        </p:nvCxnSpPr>
+        <p:spPr>
+          <a:xfrm>
+            <a:off x="1752600" y="3048000"/>
+            <a:ext cx="1524000" cy="1371600"/>
+          </a:xfrm>
+          <a:prstGeom prst="line">
+            <a:avLst/>
+          </a:prstGeom>
+        </p:spPr>
+        <p:style>
+          <a:lnRef idx="1">
+            <a:schemeClr val="accent1"/>
+          </a:lnRef>
+          <a:fillRef idx="0">
+            <a:schemeClr val="accent1"/>
+          </a:fillRef>
+          <a:effectRef idx="0">
+            <a:schemeClr val="accent1"/>
+          </a:effectRef>
+          <a:fontRef idx="minor">
+            <a:schemeClr val="tx1"/>
+          </a:fontRef>
+        </p:style>
+      </p:cxnSp>
+      <p:cxnSp>
+        <p:nvCxnSpPr>
+          <p:cNvPr id="127" name="126 Conector recto"/>
+          <p:cNvCxnSpPr>
+            <a:stCxn id="66" idx="5"/>
+          </p:cNvCxnSpPr>
+          <p:nvPr/>
+        </p:nvCxnSpPr>
+        <p:spPr>
+          <a:xfrm rot="16200000" flipH="1">
+            <a:off x="7030639" y="5201839"/>
+            <a:ext cx="145070" cy="1033651"/>
+          </a:xfrm>
+          <a:prstGeom prst="line">
+            <a:avLst/>
+          </a:prstGeom>
+        </p:spPr>
+        <p:style>
+          <a:lnRef idx="1">
+            <a:schemeClr val="accent1"/>
+          </a:lnRef>
+          <a:fillRef idx="0">
+            <a:schemeClr val="accent1"/>
+          </a:fillRef>
+          <a:effectRef idx="0">
+            <a:schemeClr val="accent1"/>
+          </a:effectRef>
+          <a:fontRef idx="minor">
+            <a:schemeClr val="tx1"/>
+          </a:fontRef>
+        </p:style>
+      </p:cxnSp>
     </p:spTree>
   </p:cSld>
   <p:clrMapOvr>
@@ -5384,7 +6491,7 @@
         </p:nvSpPr>
         <p:spPr>
           <a:xfrm>
-            <a:off x="533400" y="457200"/>
+            <a:off x="533400" y="444500"/>
             <a:ext cx="8102599" cy="5803900"/>
           </a:xfrm>
           <a:custGeom>
@@ -6025,7 +7132,7 @@
       </p:sp>
       <p:grpSp>
         <p:nvGrpSpPr>
-          <p:cNvPr id="28" name="Group 27"/>
+          <p:cNvPr id="3" name="Group 27"/>
           <p:cNvGrpSpPr/>
           <p:nvPr/>
         </p:nvGrpSpPr>
@@ -6154,7 +7261,7 @@
         </p:nvSpPr>
         <p:spPr>
           <a:xfrm>
-            <a:off x="2095500" y="1524000"/>
+            <a:off x="2133600" y="1143000"/>
             <a:ext cx="4953000" cy="1066800"/>
           </a:xfrm>
           <a:prstGeom prst="rect">
@@ -6187,39 +7294,783 @@
           <a:p>
             <a:pPr algn="ctr"/>
             <a:r>
-              <a:rPr lang="es-AR" sz="5400" b="1" u="sng" dirty="0" smtClean="0"/>
+              <a:rPr lang="es-AR" sz="4400" b="1" u="sng" dirty="0" smtClean="0"/>
               <a:t>Arquitectura</a:t>
             </a:r>
-            <a:endParaRPr lang="es-AR" sz="2000" u="sng" dirty="0"/>
+            <a:endParaRPr lang="es-AR" sz="1600" u="sng" dirty="0"/>
           </a:p>
         </p:txBody>
       </p:sp>
-      <p:pic>
-        <p:nvPicPr>
-          <p:cNvPr id="2050" name="Picture 2" descr="C:\Users\Dario\Desktop\Taller Desarrollo I\Documentacion\Diagramas\arquitectura.jpg"/>
-          <p:cNvPicPr>
-            <a:picLocks noChangeAspect="1" noChangeArrowheads="1"/>
-          </p:cNvPicPr>
+      <p:sp>
+        <p:nvSpPr>
+          <p:cNvPr id="15" name="14 Rectángulo"/>
+          <p:cNvSpPr/>
           <p:nvPr/>
-        </p:nvPicPr>
-        <p:blipFill>
-          <a:blip r:embed="rId3" cstate="print"/>
-          <a:srcRect/>
-          <a:stretch>
-            <a:fillRect/>
-          </a:stretch>
-        </p:blipFill>
-        <p:spPr bwMode="auto">
+        </p:nvSpPr>
+        <p:spPr>
           <a:xfrm>
-            <a:off x="2743200" y="2514600"/>
-            <a:ext cx="3733800" cy="3430312"/>
+            <a:off x="1143000" y="2057400"/>
+            <a:ext cx="5562600" cy="1066800"/>
+          </a:xfrm>
+          <a:prstGeom prst="rect">
+            <a:avLst/>
+          </a:prstGeom>
+        </p:spPr>
+        <p:style>
+          <a:lnRef idx="2">
+            <a:schemeClr val="accent1">
+              <a:shade val="50000"/>
+            </a:schemeClr>
+          </a:lnRef>
+          <a:fillRef idx="1">
+            <a:schemeClr val="accent1"/>
+          </a:fillRef>
+          <a:effectRef idx="0">
+            <a:schemeClr val="accent1"/>
+          </a:effectRef>
+          <a:fontRef idx="minor">
+            <a:schemeClr val="lt1"/>
+          </a:fontRef>
+        </p:style>
+        <p:txBody>
+          <a:bodyPr rtlCol="0" anchor="ctr"/>
+          <a:lstStyle/>
+          <a:p>
+            <a:pPr algn="ctr"/>
+            <a:endParaRPr lang="es-AR" dirty="0" smtClean="0"/>
+          </a:p>
+          <a:p>
+            <a:pPr algn="ctr"/>
+            <a:endParaRPr lang="es-AR" dirty="0" smtClean="0"/>
+          </a:p>
+          <a:p>
+            <a:pPr algn="ctr"/>
+            <a:endParaRPr lang="es-AR" dirty="0" smtClean="0"/>
+          </a:p>
+          <a:p>
+            <a:pPr algn="ctr"/>
+            <a:r>
+              <a:rPr lang="es-AR" dirty="0" smtClean="0"/>
+              <a:t>	</a:t>
+            </a:r>
+            <a:r>
+              <a:rPr lang="es-AR" dirty="0" smtClean="0"/>
+              <a:t>			       	</a:t>
+            </a:r>
+            <a:endParaRPr lang="es-AR" dirty="0"/>
+          </a:p>
+        </p:txBody>
+      </p:sp>
+      <p:sp>
+        <p:nvSpPr>
+          <p:cNvPr id="16" name="15 Rectángulo"/>
+          <p:cNvSpPr/>
+          <p:nvPr/>
+        </p:nvSpPr>
+        <p:spPr>
+          <a:xfrm>
+            <a:off x="1143000" y="3200400"/>
+            <a:ext cx="5562600" cy="990600"/>
+          </a:xfrm>
+          <a:prstGeom prst="rect">
+            <a:avLst/>
+          </a:prstGeom>
+        </p:spPr>
+        <p:style>
+          <a:lnRef idx="2">
+            <a:schemeClr val="accent1">
+              <a:shade val="50000"/>
+            </a:schemeClr>
+          </a:lnRef>
+          <a:fillRef idx="1">
+            <a:schemeClr val="accent1"/>
+          </a:fillRef>
+          <a:effectRef idx="0">
+            <a:schemeClr val="accent1"/>
+          </a:effectRef>
+          <a:fontRef idx="minor">
+            <a:schemeClr val="lt1"/>
+          </a:fontRef>
+        </p:style>
+        <p:txBody>
+          <a:bodyPr rtlCol="0" anchor="ctr"/>
+          <a:lstStyle/>
+          <a:p>
+            <a:pPr algn="ctr"/>
+            <a:endParaRPr lang="es-AR" dirty="0" smtClean="0"/>
+          </a:p>
+          <a:p>
+            <a:pPr algn="ctr"/>
+            <a:endParaRPr lang="es-AR" dirty="0" smtClean="0"/>
+          </a:p>
+          <a:p>
+            <a:pPr algn="ctr"/>
+            <a:endParaRPr lang="es-AR" dirty="0" smtClean="0"/>
+          </a:p>
+        </p:txBody>
+      </p:sp>
+      <p:sp>
+        <p:nvSpPr>
+          <p:cNvPr id="20" name="19 Rectángulo"/>
+          <p:cNvSpPr/>
+          <p:nvPr/>
+        </p:nvSpPr>
+        <p:spPr>
+          <a:xfrm>
+            <a:off x="1143000" y="4267200"/>
+            <a:ext cx="5562600" cy="1905000"/>
+          </a:xfrm>
+          <a:prstGeom prst="rect">
+            <a:avLst/>
+          </a:prstGeom>
+        </p:spPr>
+        <p:style>
+          <a:lnRef idx="2">
+            <a:schemeClr val="accent1">
+              <a:shade val="50000"/>
+            </a:schemeClr>
+          </a:lnRef>
+          <a:fillRef idx="1">
+            <a:schemeClr val="accent1"/>
+          </a:fillRef>
+          <a:effectRef idx="0">
+            <a:schemeClr val="accent1"/>
+          </a:effectRef>
+          <a:fontRef idx="minor">
+            <a:schemeClr val="lt1"/>
+          </a:fontRef>
+        </p:style>
+        <p:txBody>
+          <a:bodyPr rtlCol="0" anchor="ctr"/>
+          <a:lstStyle/>
+          <a:p>
+            <a:pPr algn="ctr"/>
+            <a:endParaRPr lang="es-AR"/>
+          </a:p>
+        </p:txBody>
+      </p:sp>
+      <p:sp>
+        <p:nvSpPr>
+          <p:cNvPr id="23" name="22 Rectángulo"/>
+          <p:cNvSpPr/>
+          <p:nvPr/>
+        </p:nvSpPr>
+        <p:spPr>
+          <a:xfrm>
+            <a:off x="2743200" y="2133600"/>
+            <a:ext cx="2286000" cy="381000"/>
+          </a:xfrm>
+          <a:prstGeom prst="rect">
+            <a:avLst/>
+          </a:prstGeom>
+          <a:solidFill>
+            <a:schemeClr val="bg1">
+              <a:lumMod val="95000"/>
+            </a:schemeClr>
+          </a:solidFill>
+        </p:spPr>
+        <p:style>
+          <a:lnRef idx="2">
+            <a:schemeClr val="accent1">
+              <a:shade val="50000"/>
+            </a:schemeClr>
+          </a:lnRef>
+          <a:fillRef idx="1">
+            <a:schemeClr val="accent1"/>
+          </a:fillRef>
+          <a:effectRef idx="0">
+            <a:schemeClr val="accent1"/>
+          </a:effectRef>
+          <a:fontRef idx="minor">
+            <a:schemeClr val="lt1"/>
+          </a:fontRef>
+        </p:style>
+        <p:txBody>
+          <a:bodyPr rtlCol="0" anchor="ctr"/>
+          <a:lstStyle/>
+          <a:p>
+            <a:pPr algn="ctr"/>
+            <a:r>
+              <a:rPr lang="es-AR" dirty="0" smtClean="0">
+                <a:solidFill>
+                  <a:schemeClr val="tx1"/>
+                </a:solidFill>
+              </a:rPr>
+              <a:t>Componentes, HTML</a:t>
+            </a:r>
+            <a:endParaRPr lang="es-AR" dirty="0">
+              <a:solidFill>
+                <a:schemeClr val="tx1"/>
+              </a:solidFill>
+            </a:endParaRPr>
+          </a:p>
+        </p:txBody>
+      </p:sp>
+      <p:sp>
+        <p:nvSpPr>
+          <p:cNvPr id="24" name="23 Rectángulo"/>
+          <p:cNvSpPr/>
+          <p:nvPr/>
+        </p:nvSpPr>
+        <p:spPr>
+          <a:xfrm>
+            <a:off x="2743200" y="2590800"/>
+            <a:ext cx="2286000" cy="381000"/>
+          </a:xfrm>
+          <a:prstGeom prst="rect">
+            <a:avLst/>
+          </a:prstGeom>
+          <a:solidFill>
+            <a:schemeClr val="bg1">
+              <a:lumMod val="95000"/>
+            </a:schemeClr>
+          </a:solidFill>
+        </p:spPr>
+        <p:style>
+          <a:lnRef idx="2">
+            <a:schemeClr val="accent1">
+              <a:shade val="50000"/>
+            </a:schemeClr>
+          </a:lnRef>
+          <a:fillRef idx="1">
+            <a:schemeClr val="accent1"/>
+          </a:fillRef>
+          <a:effectRef idx="0">
+            <a:schemeClr val="accent1"/>
+          </a:effectRef>
+          <a:fontRef idx="minor">
+            <a:schemeClr val="lt1"/>
+          </a:fontRef>
+        </p:style>
+        <p:txBody>
+          <a:bodyPr rtlCol="0" anchor="ctr"/>
+          <a:lstStyle/>
+          <a:p>
+            <a:pPr algn="ctr"/>
+            <a:r>
+              <a:rPr lang="es-AR" dirty="0" err="1" smtClean="0">
+                <a:solidFill>
+                  <a:schemeClr val="tx1"/>
+                </a:solidFill>
+              </a:rPr>
+              <a:t>Wicket</a:t>
+            </a:r>
+            <a:endParaRPr lang="es-AR" dirty="0">
+              <a:solidFill>
+                <a:schemeClr val="tx1"/>
+              </a:solidFill>
+            </a:endParaRPr>
+          </a:p>
+        </p:txBody>
+      </p:sp>
+      <p:sp>
+        <p:nvSpPr>
+          <p:cNvPr id="25" name="24 Rectángulo"/>
+          <p:cNvSpPr/>
+          <p:nvPr/>
+        </p:nvSpPr>
+        <p:spPr>
+          <a:xfrm>
+            <a:off x="1447800" y="3276600"/>
+            <a:ext cx="1447800" cy="762000"/>
+          </a:xfrm>
+          <a:prstGeom prst="rect">
+            <a:avLst/>
+          </a:prstGeom>
+          <a:solidFill>
+            <a:schemeClr val="bg1">
+              <a:lumMod val="95000"/>
+            </a:schemeClr>
+          </a:solidFill>
+        </p:spPr>
+        <p:style>
+          <a:lnRef idx="2">
+            <a:schemeClr val="accent1">
+              <a:shade val="50000"/>
+            </a:schemeClr>
+          </a:lnRef>
+          <a:fillRef idx="1">
+            <a:schemeClr val="accent1"/>
+          </a:fillRef>
+          <a:effectRef idx="0">
+            <a:schemeClr val="accent1"/>
+          </a:effectRef>
+          <a:fontRef idx="minor">
+            <a:schemeClr val="lt1"/>
+          </a:fontRef>
+        </p:style>
+        <p:txBody>
+          <a:bodyPr rtlCol="0" anchor="ctr"/>
+          <a:lstStyle/>
+          <a:p>
+            <a:pPr algn="ctr"/>
+            <a:r>
+              <a:rPr lang="es-AR" sz="1600" dirty="0" smtClean="0">
+                <a:solidFill>
+                  <a:schemeClr val="tx1"/>
+                </a:solidFill>
+              </a:rPr>
+              <a:t>Clases de Dominio en Java</a:t>
+            </a:r>
+            <a:endParaRPr lang="es-AR" sz="1600" dirty="0">
+              <a:solidFill>
+                <a:schemeClr val="tx1"/>
+              </a:solidFill>
+            </a:endParaRPr>
+          </a:p>
+        </p:txBody>
+      </p:sp>
+      <p:sp>
+        <p:nvSpPr>
+          <p:cNvPr id="26" name="25 Rectángulo"/>
+          <p:cNvSpPr/>
+          <p:nvPr/>
+        </p:nvSpPr>
+        <p:spPr>
+          <a:xfrm>
+            <a:off x="3276600" y="3276600"/>
+            <a:ext cx="1371600" cy="762000"/>
+          </a:xfrm>
+          <a:prstGeom prst="rect">
+            <a:avLst/>
+          </a:prstGeom>
+          <a:solidFill>
+            <a:schemeClr val="bg1">
+              <a:lumMod val="95000"/>
+            </a:schemeClr>
+          </a:solidFill>
+        </p:spPr>
+        <p:style>
+          <a:lnRef idx="2">
+            <a:schemeClr val="accent1">
+              <a:shade val="50000"/>
+            </a:schemeClr>
+          </a:lnRef>
+          <a:fillRef idx="1">
+            <a:schemeClr val="accent1"/>
+          </a:fillRef>
+          <a:effectRef idx="0">
+            <a:schemeClr val="accent1"/>
+          </a:effectRef>
+          <a:fontRef idx="minor">
+            <a:schemeClr val="lt1"/>
+          </a:fontRef>
+        </p:style>
+        <p:txBody>
+          <a:bodyPr rtlCol="0" anchor="ctr"/>
+          <a:lstStyle/>
+          <a:p>
+            <a:pPr algn="ctr"/>
+            <a:r>
+              <a:rPr lang="es-AR" sz="1600" dirty="0" smtClean="0">
+                <a:solidFill>
+                  <a:schemeClr val="tx1"/>
+                </a:solidFill>
+              </a:rPr>
+              <a:t>Transacciones y Servicios</a:t>
+            </a:r>
+            <a:endParaRPr lang="es-AR" sz="1600" dirty="0">
+              <a:solidFill>
+                <a:schemeClr val="tx1"/>
+              </a:solidFill>
+            </a:endParaRPr>
+          </a:p>
+        </p:txBody>
+      </p:sp>
+      <p:sp>
+        <p:nvSpPr>
+          <p:cNvPr id="27" name="26 Rectángulo"/>
+          <p:cNvSpPr/>
+          <p:nvPr/>
+        </p:nvSpPr>
+        <p:spPr>
+          <a:xfrm>
+            <a:off x="4953000" y="3276600"/>
+            <a:ext cx="1524000" cy="762000"/>
+          </a:xfrm>
+          <a:prstGeom prst="rect">
+            <a:avLst/>
+          </a:prstGeom>
+          <a:solidFill>
+            <a:schemeClr val="bg1">
+              <a:lumMod val="95000"/>
+            </a:schemeClr>
+          </a:solidFill>
+        </p:spPr>
+        <p:style>
+          <a:lnRef idx="2">
+            <a:schemeClr val="accent1">
+              <a:shade val="50000"/>
+            </a:schemeClr>
+          </a:lnRef>
+          <a:fillRef idx="1">
+            <a:schemeClr val="accent1"/>
+          </a:fillRef>
+          <a:effectRef idx="0">
+            <a:schemeClr val="accent1"/>
+          </a:effectRef>
+          <a:fontRef idx="minor">
+            <a:schemeClr val="lt1"/>
+          </a:fontRef>
+        </p:style>
+        <p:txBody>
+          <a:bodyPr rtlCol="0" anchor="ctr"/>
+          <a:lstStyle/>
+          <a:p>
+            <a:pPr algn="ctr"/>
+            <a:r>
+              <a:rPr lang="es-AR" sz="1600" dirty="0" smtClean="0">
+                <a:solidFill>
+                  <a:schemeClr val="tx1"/>
+                </a:solidFill>
+              </a:rPr>
+              <a:t>Actualización en la BD</a:t>
+            </a:r>
+            <a:endParaRPr lang="es-AR" sz="1600" dirty="0">
+              <a:solidFill>
+                <a:schemeClr val="tx1"/>
+              </a:solidFill>
+            </a:endParaRPr>
+          </a:p>
+        </p:txBody>
+      </p:sp>
+      <p:sp>
+        <p:nvSpPr>
+          <p:cNvPr id="32" name="31 Rectángulo"/>
+          <p:cNvSpPr/>
+          <p:nvPr/>
+        </p:nvSpPr>
+        <p:spPr>
+          <a:xfrm>
+            <a:off x="1676400" y="4495800"/>
+            <a:ext cx="4724400" cy="457200"/>
+          </a:xfrm>
+          <a:prstGeom prst="rect">
+            <a:avLst/>
+          </a:prstGeom>
+          <a:solidFill>
+            <a:schemeClr val="bg1">
+              <a:lumMod val="95000"/>
+            </a:schemeClr>
+          </a:solidFill>
+        </p:spPr>
+        <p:style>
+          <a:lnRef idx="2">
+            <a:schemeClr val="accent1">
+              <a:shade val="50000"/>
+            </a:schemeClr>
+          </a:lnRef>
+          <a:fillRef idx="1">
+            <a:schemeClr val="accent1"/>
+          </a:fillRef>
+          <a:effectRef idx="0">
+            <a:schemeClr val="accent1"/>
+          </a:effectRef>
+          <a:fontRef idx="minor">
+            <a:schemeClr val="lt1"/>
+          </a:fontRef>
+        </p:style>
+        <p:txBody>
+          <a:bodyPr rtlCol="0" anchor="ctr"/>
+          <a:lstStyle/>
+          <a:p>
+            <a:pPr algn="ctr"/>
+            <a:r>
+              <a:rPr lang="es-AR" sz="1600" dirty="0" err="1" smtClean="0">
+                <a:solidFill>
+                  <a:schemeClr val="tx1"/>
+                </a:solidFill>
+              </a:rPr>
+              <a:t>Hibernate</a:t>
+            </a:r>
+            <a:endParaRPr lang="es-AR" sz="1600" dirty="0">
+              <a:solidFill>
+                <a:schemeClr val="tx1"/>
+              </a:solidFill>
+            </a:endParaRPr>
+          </a:p>
+        </p:txBody>
+      </p:sp>
+      <p:sp>
+        <p:nvSpPr>
+          <p:cNvPr id="33" name="32 Rectángulo"/>
+          <p:cNvSpPr/>
+          <p:nvPr/>
+        </p:nvSpPr>
+        <p:spPr>
+          <a:xfrm>
+            <a:off x="1676400" y="5029200"/>
+            <a:ext cx="1676400" cy="457200"/>
+          </a:xfrm>
+          <a:prstGeom prst="rect">
+            <a:avLst/>
+          </a:prstGeom>
+          <a:solidFill>
+            <a:schemeClr val="bg1">
+              <a:lumMod val="95000"/>
+            </a:schemeClr>
+          </a:solidFill>
+        </p:spPr>
+        <p:style>
+          <a:lnRef idx="2">
+            <a:schemeClr val="accent1">
+              <a:shade val="50000"/>
+            </a:schemeClr>
+          </a:lnRef>
+          <a:fillRef idx="1">
+            <a:schemeClr val="accent1"/>
+          </a:fillRef>
+          <a:effectRef idx="0">
+            <a:schemeClr val="accent1"/>
+          </a:effectRef>
+          <a:fontRef idx="minor">
+            <a:schemeClr val="lt1"/>
+          </a:fontRef>
+        </p:style>
+        <p:txBody>
+          <a:bodyPr rtlCol="0" anchor="ctr"/>
+          <a:lstStyle/>
+          <a:p>
+            <a:pPr algn="ctr"/>
+            <a:r>
+              <a:rPr lang="es-AR" sz="1600" dirty="0" smtClean="0">
+                <a:solidFill>
+                  <a:schemeClr val="tx1"/>
+                </a:solidFill>
+              </a:rPr>
+              <a:t>JDBC</a:t>
+            </a:r>
+            <a:endParaRPr lang="es-AR" sz="1600" dirty="0">
+              <a:solidFill>
+                <a:schemeClr val="tx1"/>
+              </a:solidFill>
+            </a:endParaRPr>
+          </a:p>
+        </p:txBody>
+      </p:sp>
+      <p:sp>
+        <p:nvSpPr>
+          <p:cNvPr id="34" name="33 Rectángulo"/>
+          <p:cNvSpPr/>
+          <p:nvPr/>
+        </p:nvSpPr>
+        <p:spPr>
+          <a:xfrm>
+            <a:off x="3429000" y="5029200"/>
+            <a:ext cx="2971800" cy="457200"/>
+          </a:xfrm>
+          <a:prstGeom prst="rect">
+            <a:avLst/>
+          </a:prstGeom>
+          <a:solidFill>
+            <a:schemeClr val="bg1">
+              <a:lumMod val="95000"/>
+            </a:schemeClr>
+          </a:solidFill>
+        </p:spPr>
+        <p:style>
+          <a:lnRef idx="2">
+            <a:schemeClr val="accent1">
+              <a:shade val="50000"/>
+            </a:schemeClr>
+          </a:lnRef>
+          <a:fillRef idx="1">
+            <a:schemeClr val="accent1"/>
+          </a:fillRef>
+          <a:effectRef idx="0">
+            <a:schemeClr val="accent1"/>
+          </a:effectRef>
+          <a:fontRef idx="minor">
+            <a:schemeClr val="lt1"/>
+          </a:fontRef>
+        </p:style>
+        <p:txBody>
+          <a:bodyPr rtlCol="0" anchor="ctr"/>
+          <a:lstStyle/>
+          <a:p>
+            <a:pPr algn="ctr"/>
+            <a:r>
+              <a:rPr lang="es-AR" sz="1600" dirty="0" smtClean="0">
+                <a:solidFill>
+                  <a:schemeClr val="tx1"/>
+                </a:solidFill>
+              </a:rPr>
+              <a:t>Soporte de lenguajes de consulta</a:t>
+            </a:r>
+            <a:endParaRPr lang="es-AR" sz="1600" dirty="0">
+              <a:solidFill>
+                <a:schemeClr val="tx1"/>
+              </a:solidFill>
+            </a:endParaRPr>
+          </a:p>
+        </p:txBody>
+      </p:sp>
+      <p:sp>
+        <p:nvSpPr>
+          <p:cNvPr id="35" name="34 Rectángulo"/>
+          <p:cNvSpPr/>
+          <p:nvPr/>
+        </p:nvSpPr>
+        <p:spPr>
+          <a:xfrm>
+            <a:off x="1676400" y="5562600"/>
+            <a:ext cx="4724400" cy="457200"/>
+          </a:xfrm>
+          <a:prstGeom prst="rect">
+            <a:avLst/>
+          </a:prstGeom>
+          <a:solidFill>
+            <a:schemeClr val="bg1">
+              <a:lumMod val="95000"/>
+            </a:schemeClr>
+          </a:solidFill>
+        </p:spPr>
+        <p:style>
+          <a:lnRef idx="2">
+            <a:schemeClr val="accent1">
+              <a:shade val="50000"/>
+            </a:schemeClr>
+          </a:lnRef>
+          <a:fillRef idx="1">
+            <a:schemeClr val="accent1"/>
+          </a:fillRef>
+          <a:effectRef idx="0">
+            <a:schemeClr val="accent1"/>
+          </a:effectRef>
+          <a:fontRef idx="minor">
+            <a:schemeClr val="lt1"/>
+          </a:fontRef>
+        </p:style>
+        <p:txBody>
+          <a:bodyPr rtlCol="0" anchor="ctr"/>
+          <a:lstStyle/>
+          <a:p>
+            <a:pPr algn="ctr"/>
+            <a:r>
+              <a:rPr lang="es-AR" sz="1600" dirty="0" smtClean="0">
+                <a:solidFill>
+                  <a:schemeClr val="tx1"/>
+                </a:solidFill>
+              </a:rPr>
+              <a:t>Base de Datos</a:t>
+            </a:r>
+          </a:p>
+        </p:txBody>
+      </p:sp>
+      <p:sp>
+        <p:nvSpPr>
+          <p:cNvPr id="36" name="35 CuadroTexto"/>
+          <p:cNvSpPr txBox="1"/>
+          <p:nvPr/>
+        </p:nvSpPr>
+        <p:spPr>
+          <a:xfrm>
+            <a:off x="6858000" y="2362200"/>
+            <a:ext cx="1565108" cy="400110"/>
           </a:xfrm>
           <a:prstGeom prst="rect">
             <a:avLst/>
           </a:prstGeom>
           <a:noFill/>
         </p:spPr>
-      </p:pic>
+        <p:txBody>
+          <a:bodyPr wrap="none" rtlCol="0">
+            <a:spAutoFit/>
+          </a:bodyPr>
+          <a:lstStyle/>
+          <a:p>
+            <a:r>
+              <a:rPr lang="es-AR" sz="2000" b="1" dirty="0" smtClean="0">
+                <a:solidFill>
+                  <a:srgbClr val="FFFF00"/>
+                </a:solidFill>
+              </a:rPr>
+              <a:t>Presentación</a:t>
+            </a:r>
+            <a:endParaRPr lang="es-AR" b="1" dirty="0">
+              <a:solidFill>
+                <a:srgbClr val="FFFF00"/>
+              </a:solidFill>
+            </a:endParaRPr>
+          </a:p>
+        </p:txBody>
+      </p:sp>
+      <p:sp>
+        <p:nvSpPr>
+          <p:cNvPr id="37" name="36 CuadroTexto"/>
+          <p:cNvSpPr txBox="1"/>
+          <p:nvPr/>
+        </p:nvSpPr>
+        <p:spPr>
+          <a:xfrm>
+            <a:off x="6705600" y="3429000"/>
+            <a:ext cx="2108398" cy="400110"/>
+          </a:xfrm>
+          <a:prstGeom prst="rect">
+            <a:avLst/>
+          </a:prstGeom>
+          <a:noFill/>
+        </p:spPr>
+        <p:txBody>
+          <a:bodyPr wrap="none" rtlCol="0">
+            <a:spAutoFit/>
+          </a:bodyPr>
+          <a:lstStyle/>
+          <a:p>
+            <a:r>
+              <a:rPr lang="es-AR" sz="2000" b="1" dirty="0" smtClean="0">
+                <a:solidFill>
+                  <a:srgbClr val="FFFF00"/>
+                </a:solidFill>
+              </a:rPr>
+              <a:t>Lógica del modelo</a:t>
+            </a:r>
+            <a:endParaRPr lang="es-AR" sz="2000" b="1" dirty="0">
+              <a:solidFill>
+                <a:srgbClr val="FFFF00"/>
+              </a:solidFill>
+            </a:endParaRPr>
+          </a:p>
+        </p:txBody>
+      </p:sp>
+      <p:sp>
+        <p:nvSpPr>
+          <p:cNvPr id="38" name="37 CuadroTexto"/>
+          <p:cNvSpPr txBox="1"/>
+          <p:nvPr/>
+        </p:nvSpPr>
+        <p:spPr>
+          <a:xfrm>
+            <a:off x="6781800" y="4800600"/>
+            <a:ext cx="1448986" cy="400110"/>
+          </a:xfrm>
+          <a:prstGeom prst="rect">
+            <a:avLst/>
+          </a:prstGeom>
+          <a:noFill/>
+        </p:spPr>
+        <p:txBody>
+          <a:bodyPr wrap="none" rtlCol="0">
+            <a:spAutoFit/>
+          </a:bodyPr>
+          <a:lstStyle/>
+          <a:p>
+            <a:r>
+              <a:rPr lang="es-AR" sz="2000" b="1" dirty="0" smtClean="0">
+                <a:solidFill>
+                  <a:srgbClr val="FFFF00"/>
+                </a:solidFill>
+              </a:rPr>
+              <a:t>Persistencia</a:t>
+            </a:r>
+            <a:endParaRPr lang="es-AR" sz="2000" b="1" dirty="0">
+              <a:solidFill>
+                <a:srgbClr val="FFFF00"/>
+              </a:solidFill>
+            </a:endParaRPr>
+          </a:p>
+        </p:txBody>
+      </p:sp>
     </p:spTree>
   </p:cSld>
   <p:clrMapOvr>

--- a/trunk/Presentacion/Tecnica/Presentacion Tecnica.pptx
+++ b/trunk/Presentacion/Tecnica/Presentacion Tecnica.pptx
@@ -4247,7 +4247,7 @@
         </p:nvSpPr>
         <p:spPr>
           <a:xfrm>
-            <a:off x="533400" y="444500"/>
+            <a:off x="508001" y="520700"/>
             <a:ext cx="8102599" cy="5803900"/>
           </a:xfrm>
           <a:custGeom>
@@ -5065,10 +5065,10 @@
         </p:nvGrpSpPr>
         <p:grpSpPr>
           <a:xfrm>
-            <a:off x="762000" y="2133600"/>
-            <a:ext cx="6248400" cy="3657600"/>
-            <a:chOff x="1143000" y="2438400"/>
-            <a:chExt cx="6248400" cy="3657600"/>
+            <a:off x="736601" y="1828800"/>
+            <a:ext cx="5410200" cy="4267200"/>
+            <a:chOff x="1143000" y="2362200"/>
+            <a:chExt cx="5410200" cy="4267200"/>
           </a:xfrm>
         </p:grpSpPr>
         <p:grpSp>
@@ -5294,7 +5294,7 @@
           </p:nvSpPr>
           <p:spPr>
             <a:xfrm>
-              <a:off x="3352800" y="3581400"/>
+              <a:off x="3657600" y="3505200"/>
               <a:ext cx="2895600" cy="914400"/>
             </a:xfrm>
             <a:prstGeom prst="ellipse">
@@ -5338,10 +5338,10 @@
           </p:nvGrpSpPr>
           <p:grpSpPr>
             <a:xfrm>
-              <a:off x="1143000" y="2438400"/>
-              <a:ext cx="6248400" cy="3657600"/>
-              <a:chOff x="1143000" y="2438400"/>
-              <a:chExt cx="6248400" cy="3657600"/>
+              <a:off x="1143000" y="2362200"/>
+              <a:ext cx="5410200" cy="4267200"/>
+              <a:chOff x="1143000" y="2362200"/>
+              <a:chExt cx="5410200" cy="4267200"/>
             </a:xfrm>
           </p:grpSpPr>
           <p:grpSp>
@@ -5352,10 +5352,10 @@
             </p:nvGrpSpPr>
             <p:grpSpPr>
               <a:xfrm>
-                <a:off x="2133600" y="2438400"/>
-                <a:ext cx="5257800" cy="3657600"/>
-                <a:chOff x="2133600" y="2438400"/>
-                <a:chExt cx="5257800" cy="3657600"/>
+                <a:off x="2286000" y="2362200"/>
+                <a:ext cx="4267200" cy="4267200"/>
+                <a:chOff x="2286000" y="2362200"/>
+                <a:chExt cx="4267200" cy="4267200"/>
               </a:xfrm>
             </p:grpSpPr>
             <p:sp>
@@ -5366,7 +5366,7 @@
               </p:nvSpPr>
               <p:spPr>
                 <a:xfrm>
-                  <a:off x="3429000" y="2438400"/>
+                  <a:off x="3657600" y="2362200"/>
                   <a:ext cx="2819400" cy="990600"/>
                 </a:xfrm>
                 <a:prstGeom prst="ellipse">
@@ -5410,7 +5410,7 @@
               </p:nvSpPr>
               <p:spPr>
                 <a:xfrm>
-                  <a:off x="4495800" y="5105400"/>
+                  <a:off x="2997199" y="5638800"/>
                   <a:ext cx="2895600" cy="990600"/>
                 </a:xfrm>
                 <a:prstGeom prst="ellipse">
@@ -5454,7 +5454,7 @@
               </p:nvSpPr>
               <p:spPr>
                 <a:xfrm>
-                  <a:off x="2209800" y="4724400"/>
+                  <a:off x="3657600" y="4724400"/>
                   <a:ext cx="2895600" cy="914400"/>
                 </a:xfrm>
                 <a:prstGeom prst="ellipse">
@@ -5500,8 +5500,8 @@
               </p:nvCxnSpPr>
               <p:spPr>
                 <a:xfrm flipV="1">
-                  <a:off x="2133600" y="2933700"/>
-                  <a:ext cx="1295400" cy="419100"/>
+                  <a:off x="2286000" y="2857500"/>
+                  <a:ext cx="1371600" cy="495300"/>
                 </a:xfrm>
                 <a:prstGeom prst="line">
                   <a:avLst/>
@@ -5571,7 +5571,7 @@
         </p:nvSpPr>
         <p:spPr>
           <a:xfrm>
-            <a:off x="7924800" y="1371600"/>
+            <a:off x="7620000" y="1676400"/>
             <a:ext cx="457200" cy="457200"/>
           </a:xfrm>
           <a:prstGeom prst="ellipse">
@@ -5616,7 +5616,7 @@
         </p:nvCxnSpPr>
         <p:spPr>
           <a:xfrm rot="5400000">
-            <a:off x="7810500" y="2171700"/>
+            <a:off x="7505700" y="2476500"/>
             <a:ext cx="685800" cy="0"/>
           </a:xfrm>
           <a:prstGeom prst="line">
@@ -5647,7 +5647,7 @@
         </p:nvCxnSpPr>
         <p:spPr>
           <a:xfrm rot="5400000">
-            <a:off x="7734300" y="2552700"/>
+            <a:off x="7429500" y="2857500"/>
             <a:ext cx="457200" cy="381000"/>
           </a:xfrm>
           <a:prstGeom prst="line">
@@ -5678,7 +5678,7 @@
         </p:nvCxnSpPr>
         <p:spPr>
           <a:xfrm rot="16200000" flipH="1">
-            <a:off x="8077200" y="2590800"/>
+            <a:off x="7772400" y="2895600"/>
             <a:ext cx="457200" cy="304800"/>
           </a:xfrm>
           <a:prstGeom prst="line">
@@ -5709,7 +5709,7 @@
         </p:nvCxnSpPr>
         <p:spPr>
           <a:xfrm flipV="1">
-            <a:off x="8153400" y="1905000"/>
+            <a:off x="7848600" y="2209800"/>
             <a:ext cx="457200" cy="304800"/>
           </a:xfrm>
           <a:prstGeom prst="line">
@@ -5740,7 +5740,7 @@
         </p:nvCxnSpPr>
         <p:spPr>
           <a:xfrm rot="10800000">
-            <a:off x="7620000" y="1905000"/>
+            <a:off x="7315200" y="2209800"/>
             <a:ext cx="533400" cy="304800"/>
           </a:xfrm>
           <a:prstGeom prst="line">
@@ -5771,7 +5771,7 @@
         </p:nvSpPr>
         <p:spPr>
           <a:xfrm>
-            <a:off x="5791200" y="3657600"/>
+            <a:off x="4495800" y="3200400"/>
             <a:ext cx="2895600" cy="914400"/>
           </a:xfrm>
           <a:prstGeom prst="ellipse">
@@ -5811,14 +5811,14 @@
         <p:nvCxnSpPr>
           <p:cNvPr id="102" name="101 Conector recto"/>
           <p:cNvCxnSpPr>
-            <a:stCxn id="100" idx="0"/>
+            <a:stCxn id="100" idx="7"/>
           </p:cNvCxnSpPr>
           <p:nvPr/>
         </p:nvCxnSpPr>
         <p:spPr>
           <a:xfrm rot="5400000" flipH="1" flipV="1">
-            <a:off x="6858000" y="2667000"/>
-            <a:ext cx="1371600" cy="609600"/>
+            <a:off x="7036219" y="2521931"/>
+            <a:ext cx="743511" cy="881251"/>
           </a:xfrm>
           <a:prstGeom prst="line">
             <a:avLst/>
@@ -5847,7 +5847,7 @@
         </p:nvSpPr>
         <p:spPr>
           <a:xfrm>
-            <a:off x="7736563" y="2971800"/>
+            <a:off x="6934200" y="3886200"/>
             <a:ext cx="1407437" cy="461665"/>
           </a:xfrm>
           <a:prstGeom prst="rect">
@@ -5885,7 +5885,7 @@
         </p:nvSpPr>
         <p:spPr>
           <a:xfrm>
-            <a:off x="7543800" y="4800600"/>
+            <a:off x="7391400" y="4495800"/>
             <a:ext cx="457200" cy="457200"/>
           </a:xfrm>
           <a:prstGeom prst="ellipse">
@@ -5930,7 +5930,7 @@
         </p:nvCxnSpPr>
         <p:spPr>
           <a:xfrm rot="5400000">
-            <a:off x="7429500" y="5600700"/>
+            <a:off x="7277100" y="5295900"/>
             <a:ext cx="685800" cy="0"/>
           </a:xfrm>
           <a:prstGeom prst="line">
@@ -5961,7 +5961,7 @@
         </p:nvCxnSpPr>
         <p:spPr>
           <a:xfrm rot="5400000">
-            <a:off x="7353300" y="5981700"/>
+            <a:off x="7200900" y="5676900"/>
             <a:ext cx="457200" cy="381000"/>
           </a:xfrm>
           <a:prstGeom prst="line">
@@ -5992,7 +5992,7 @@
         </p:nvCxnSpPr>
         <p:spPr>
           <a:xfrm rot="16200000" flipH="1">
-            <a:off x="7696200" y="6019800"/>
+            <a:off x="7543800" y="5715000"/>
             <a:ext cx="457200" cy="304800"/>
           </a:xfrm>
           <a:prstGeom prst="line">
@@ -6023,7 +6023,7 @@
         </p:nvCxnSpPr>
         <p:spPr>
           <a:xfrm flipV="1">
-            <a:off x="7772400" y="5334000"/>
+            <a:off x="7620000" y="5029200"/>
             <a:ext cx="457200" cy="304800"/>
           </a:xfrm>
           <a:prstGeom prst="line">
@@ -6054,7 +6054,7 @@
         </p:nvCxnSpPr>
         <p:spPr>
           <a:xfrm rot="10800000">
-            <a:off x="7239000" y="5334000"/>
+            <a:off x="7086600" y="5029200"/>
             <a:ext cx="533400" cy="304800"/>
           </a:xfrm>
           <a:prstGeom prst="line">
@@ -6085,7 +6085,7 @@
         </p:nvSpPr>
         <p:spPr>
           <a:xfrm>
-            <a:off x="5486400" y="5786735"/>
+            <a:off x="5334000" y="5481935"/>
             <a:ext cx="2022733" cy="461665"/>
           </a:xfrm>
           <a:prstGeom prst="rect">
@@ -6125,8 +6125,8 @@
         </p:nvCxnSpPr>
         <p:spPr>
           <a:xfrm>
-            <a:off x="1752600" y="3048000"/>
-            <a:ext cx="1219200" cy="685800"/>
+            <a:off x="1879601" y="2819400"/>
+            <a:ext cx="1371600" cy="609600"/>
           </a:xfrm>
           <a:prstGeom prst="line">
             <a:avLst/>
@@ -6151,14 +6151,14 @@
         <p:nvCxnSpPr>
           <p:cNvPr id="124" name="123 Conector recto"/>
           <p:cNvCxnSpPr>
-            <a:endCxn id="68" idx="0"/>
+            <a:endCxn id="68" idx="1"/>
           </p:cNvCxnSpPr>
           <p:nvPr/>
         </p:nvCxnSpPr>
         <p:spPr>
           <a:xfrm>
-            <a:off x="1752600" y="3048000"/>
-            <a:ext cx="1524000" cy="1371600"/>
+            <a:off x="1879601" y="2819400"/>
+            <a:ext cx="1795651" cy="1505511"/>
           </a:xfrm>
           <a:prstGeom prst="line">
             <a:avLst/>
@@ -6182,15 +6182,13 @@
       <p:cxnSp>
         <p:nvCxnSpPr>
           <p:cNvPr id="127" name="126 Conector recto"/>
-          <p:cNvCxnSpPr>
-            <a:stCxn id="66" idx="5"/>
-          </p:cNvCxnSpPr>
+          <p:cNvCxnSpPr/>
           <p:nvPr/>
         </p:nvCxnSpPr>
         <p:spPr>
-          <a:xfrm rot="16200000" flipH="1">
-            <a:off x="7030639" y="5201839"/>
-            <a:ext cx="145070" cy="1033651"/>
+          <a:xfrm>
+            <a:off x="5334000" y="5410200"/>
+            <a:ext cx="2286000" cy="76200"/>
           </a:xfrm>
           <a:prstGeom prst="line">
             <a:avLst/>
@@ -11472,6 +11470,13 @@
   <p:clrMapOvr>
     <a:masterClrMapping/>
   </p:clrMapOvr>
+  <p:timing>
+    <p:tnLst>
+      <p:par>
+        <p:cTn id="1" dur="indefinite" restart="never" nodeType="tmRoot"/>
+      </p:par>
+    </p:tnLst>
+  </p:timing>
 </p:sld>
 </file>
 

--- a/trunk/Presentacion/Tecnica/Presentacion Tecnica.pptx
+++ b/trunk/Presentacion/Tecnica/Presentacion Tecnica.pptx
@@ -5,7 +5,7 @@
     <p:sldMasterId id="2147484416" r:id="rId1"/>
   </p:sldMasterIdLst>
   <p:notesMasterIdLst>
-    <p:notesMasterId r:id="rId13"/>
+    <p:notesMasterId r:id="rId14"/>
   </p:notesMasterIdLst>
   <p:sldIdLst>
     <p:sldId id="256" r:id="rId2"/>
@@ -15,10 +15,11 @@
     <p:sldId id="271" r:id="rId6"/>
     <p:sldId id="264" r:id="rId7"/>
     <p:sldId id="265" r:id="rId8"/>
-    <p:sldId id="267" r:id="rId9"/>
-    <p:sldId id="266" r:id="rId10"/>
-    <p:sldId id="268" r:id="rId11"/>
-    <p:sldId id="269" r:id="rId12"/>
+    <p:sldId id="272" r:id="rId9"/>
+    <p:sldId id="267" r:id="rId10"/>
+    <p:sldId id="266" r:id="rId11"/>
+    <p:sldId id="268" r:id="rId12"/>
+    <p:sldId id="269" r:id="rId13"/>
   </p:sldIdLst>
   <p:sldSz cx="9144000" cy="6858000" type="screen4x3"/>
   <p:notesSz cx="6858000" cy="9144000"/>
@@ -4930,6 +4931,1099 @@
             <a:pPr algn="ctr"/>
             <a:r>
               <a:rPr lang="es-AR" sz="4800" b="1" dirty="0" smtClean="0"/>
+              <a:t>Seguridad</a:t>
+            </a:r>
+          </a:p>
+          <a:p>
+            <a:pPr algn="ctr"/>
+            <a:endParaRPr lang="es-AR" sz="1200" dirty="0"/>
+          </a:p>
+        </p:txBody>
+      </p:sp>
+      <p:grpSp>
+        <p:nvGrpSpPr>
+          <p:cNvPr id="3" name="Group 14"/>
+          <p:cNvGrpSpPr/>
+          <p:nvPr/>
+        </p:nvGrpSpPr>
+        <p:grpSpPr>
+          <a:xfrm>
+            <a:off x="1295400" y="544415"/>
+            <a:ext cx="6553200" cy="903384"/>
+            <a:chOff x="1295400" y="544415"/>
+            <a:chExt cx="6553200" cy="903384"/>
+          </a:xfrm>
+        </p:grpSpPr>
+        <p:sp>
+          <p:nvSpPr>
+            <p:cNvPr id="16" name="Round Same Side Corner Rectangle 15"/>
+            <p:cNvSpPr/>
+            <p:nvPr/>
+          </p:nvSpPr>
+          <p:spPr>
+            <a:xfrm rot="10800000">
+              <a:off x="1295400" y="544415"/>
+              <a:ext cx="6553200" cy="903384"/>
+            </a:xfrm>
+            <a:prstGeom prst="round2SameRect">
+              <a:avLst/>
+            </a:prstGeom>
+          </p:spPr>
+          <p:style>
+            <a:lnRef idx="2">
+              <a:schemeClr val="dk1">
+                <a:shade val="50000"/>
+              </a:schemeClr>
+            </a:lnRef>
+            <a:fillRef idx="1">
+              <a:schemeClr val="dk1"/>
+            </a:fillRef>
+            <a:effectRef idx="0">
+              <a:schemeClr val="dk1"/>
+            </a:effectRef>
+            <a:fontRef idx="minor">
+              <a:schemeClr val="lt1"/>
+            </a:fontRef>
+          </p:style>
+          <p:txBody>
+            <a:bodyPr rtlCol="0" anchor="ctr"/>
+            <a:lstStyle/>
+            <a:p>
+              <a:pPr algn="ctr"/>
+              <a:endParaRPr lang="es-AR" dirty="0"/>
+            </a:p>
+          </p:txBody>
+        </p:sp>
+        <p:pic>
+          <p:nvPicPr>
+            <p:cNvPr id="20" name="Picture 2" descr="E:\U.B.A.Files\Materias\75.45 Taller de Desarrollo de Proyectos I\TP\Trunk\Proyecto\web\site\images\logo.png"/>
+            <p:cNvPicPr>
+              <a:picLocks noChangeAspect="1" noChangeArrowheads="1"/>
+            </p:cNvPicPr>
+            <p:nvPr/>
+          </p:nvPicPr>
+          <p:blipFill>
+            <a:blip r:embed="rId2" cstate="print"/>
+            <a:srcRect/>
+            <a:stretch>
+              <a:fillRect/>
+            </a:stretch>
+          </p:blipFill>
+          <p:spPr bwMode="auto">
+            <a:xfrm>
+              <a:off x="1600200" y="609600"/>
+              <a:ext cx="2640904" cy="762000"/>
+            </a:xfrm>
+            <a:prstGeom prst="rect">
+              <a:avLst/>
+            </a:prstGeom>
+            <a:noFill/>
+          </p:spPr>
+        </p:pic>
+        <p:sp>
+          <p:nvSpPr>
+            <p:cNvPr id="23" name="TextBox 22"/>
+            <p:cNvSpPr txBox="1"/>
+            <p:nvPr/>
+          </p:nvSpPr>
+          <p:spPr>
+            <a:xfrm>
+              <a:off x="4515457" y="685800"/>
+              <a:ext cx="3180743" cy="307777"/>
+            </a:xfrm>
+            <a:prstGeom prst="rect">
+              <a:avLst/>
+            </a:prstGeom>
+            <a:noFill/>
+          </p:spPr>
+          <p:txBody>
+            <a:bodyPr wrap="none" rtlCol="0">
+              <a:spAutoFit/>
+            </a:bodyPr>
+            <a:lstStyle/>
+            <a:p>
+              <a:r>
+                <a:rPr lang="es-AR" sz="1400" dirty="0" smtClean="0">
+                  <a:solidFill>
+                    <a:schemeClr val="bg1">
+                      <a:lumMod val="50000"/>
+                    </a:schemeClr>
+                  </a:solidFill>
+                </a:rPr>
+                <a:t>Centralización y análisis de datos</a:t>
+              </a:r>
+              <a:endParaRPr lang="es-AR" sz="1400" dirty="0">
+                <a:solidFill>
+                  <a:schemeClr val="bg1">
+                    <a:lumMod val="50000"/>
+                  </a:schemeClr>
+                </a:solidFill>
+              </a:endParaRPr>
+            </a:p>
+          </p:txBody>
+        </p:sp>
+      </p:grpSp>
+    </p:spTree>
+  </p:cSld>
+  <p:clrMapOvr>
+    <a:masterClrMapping/>
+  </p:clrMapOvr>
+  <p:timing>
+    <p:tnLst>
+      <p:par>
+        <p:cTn id="1" dur="indefinite" restart="never" nodeType="tmRoot"/>
+      </p:par>
+    </p:tnLst>
+  </p:timing>
+</p:sld>
+</file>
+
+<file path=ppt/slides/slide11.xml><?xml version="1.0" encoding="utf-8"?>
+<p:sld xmlns:a="http://schemas.openxmlformats.org/drawingml/2006/main" xmlns:r="http://schemas.openxmlformats.org/officeDocument/2006/relationships" xmlns:p="http://schemas.openxmlformats.org/presentationml/2006/main">
+  <p:cSld>
+    <p:spTree>
+      <p:nvGrpSpPr>
+        <p:cNvPr id="1" name=""/>
+        <p:cNvGrpSpPr/>
+        <p:nvPr/>
+      </p:nvGrpSpPr>
+      <p:grpSpPr>
+        <a:xfrm>
+          <a:off x="0" y="0"/>
+          <a:ext cx="0" cy="0"/>
+          <a:chOff x="0" y="0"/>
+          <a:chExt cx="0" cy="0"/>
+        </a:xfrm>
+      </p:grpSpPr>
+      <p:grpSp>
+        <p:nvGrpSpPr>
+          <p:cNvPr id="2" name="Group 22"/>
+          <p:cNvGrpSpPr/>
+          <p:nvPr/>
+        </p:nvGrpSpPr>
+        <p:grpSpPr>
+          <a:xfrm>
+            <a:off x="304800" y="304800"/>
+            <a:ext cx="8534400" cy="6248400"/>
+            <a:chOff x="304800" y="304800"/>
+            <a:chExt cx="8534400" cy="6248400"/>
+          </a:xfrm>
+          <a:solidFill>
+            <a:schemeClr val="bg1">
+              <a:lumMod val="85000"/>
+            </a:schemeClr>
+          </a:solidFill>
+        </p:grpSpPr>
+        <p:sp>
+          <p:nvSpPr>
+            <p:cNvPr id="18" name="Rounded Rectangle 17"/>
+            <p:cNvSpPr/>
+            <p:nvPr/>
+          </p:nvSpPr>
+          <p:spPr>
+            <a:xfrm>
+              <a:off x="304800" y="304800"/>
+              <a:ext cx="8534400" cy="6248400"/>
+            </a:xfrm>
+            <a:prstGeom prst="roundRect">
+              <a:avLst/>
+            </a:prstGeom>
+            <a:grpFill/>
+            <a:ln>
+              <a:noFill/>
+            </a:ln>
+          </p:spPr>
+          <p:style>
+            <a:lnRef idx="2">
+              <a:schemeClr val="accent1">
+                <a:shade val="50000"/>
+              </a:schemeClr>
+            </a:lnRef>
+            <a:fillRef idx="1">
+              <a:schemeClr val="accent1"/>
+            </a:fillRef>
+            <a:effectRef idx="0">
+              <a:schemeClr val="accent1"/>
+            </a:effectRef>
+            <a:fontRef idx="minor">
+              <a:schemeClr val="lt1"/>
+            </a:fontRef>
+          </p:style>
+          <p:txBody>
+            <a:bodyPr rtlCol="0" anchor="ctr"/>
+            <a:lstStyle/>
+            <a:p>
+              <a:pPr algn="ctr"/>
+              <a:endParaRPr lang="es-AR"/>
+            </a:p>
+          </p:txBody>
+        </p:sp>
+        <p:sp>
+          <p:nvSpPr>
+            <p:cNvPr id="22" name="Rounded Rectangle 21"/>
+            <p:cNvSpPr/>
+            <p:nvPr/>
+          </p:nvSpPr>
+          <p:spPr>
+            <a:xfrm>
+              <a:off x="7086600" y="304800"/>
+              <a:ext cx="1752600" cy="1752600"/>
+            </a:xfrm>
+            <a:prstGeom prst="roundRect">
+              <a:avLst/>
+            </a:prstGeom>
+            <a:grpFill/>
+            <a:ln>
+              <a:noFill/>
+            </a:ln>
+          </p:spPr>
+          <p:style>
+            <a:lnRef idx="2">
+              <a:schemeClr val="accent1">
+                <a:shade val="50000"/>
+              </a:schemeClr>
+            </a:lnRef>
+            <a:fillRef idx="1">
+              <a:schemeClr val="accent1"/>
+            </a:fillRef>
+            <a:effectRef idx="0">
+              <a:schemeClr val="accent1"/>
+            </a:effectRef>
+            <a:fontRef idx="minor">
+              <a:schemeClr val="lt1"/>
+            </a:fontRef>
+          </p:style>
+          <p:txBody>
+            <a:bodyPr rtlCol="0" anchor="ctr"/>
+            <a:lstStyle/>
+            <a:p>
+              <a:pPr algn="ctr"/>
+              <a:endParaRPr lang="es-AR"/>
+            </a:p>
+          </p:txBody>
+        </p:sp>
+        <p:sp>
+          <p:nvSpPr>
+            <p:cNvPr id="21" name="Rounded Rectangle 20"/>
+            <p:cNvSpPr/>
+            <p:nvPr/>
+          </p:nvSpPr>
+          <p:spPr>
+            <a:xfrm>
+              <a:off x="304800" y="304800"/>
+              <a:ext cx="1752600" cy="1752600"/>
+            </a:xfrm>
+            <a:prstGeom prst="roundRect">
+              <a:avLst/>
+            </a:prstGeom>
+            <a:grpFill/>
+            <a:ln>
+              <a:noFill/>
+            </a:ln>
+          </p:spPr>
+          <p:style>
+            <a:lnRef idx="2">
+              <a:schemeClr val="accent1">
+                <a:shade val="50000"/>
+              </a:schemeClr>
+            </a:lnRef>
+            <a:fillRef idx="1">
+              <a:schemeClr val="accent1"/>
+            </a:fillRef>
+            <a:effectRef idx="0">
+              <a:schemeClr val="accent1"/>
+            </a:effectRef>
+            <a:fontRef idx="minor">
+              <a:schemeClr val="lt1"/>
+            </a:fontRef>
+          </p:style>
+          <p:txBody>
+            <a:bodyPr rtlCol="0" anchor="ctr"/>
+            <a:lstStyle/>
+            <a:p>
+              <a:pPr algn="ctr"/>
+              <a:endParaRPr lang="es-AR"/>
+            </a:p>
+          </p:txBody>
+        </p:sp>
+        <p:sp>
+          <p:nvSpPr>
+            <p:cNvPr id="17" name="Rounded Rectangle 16"/>
+            <p:cNvSpPr/>
+            <p:nvPr/>
+          </p:nvSpPr>
+          <p:spPr>
+            <a:xfrm>
+              <a:off x="304800" y="4800600"/>
+              <a:ext cx="1752600" cy="1752600"/>
+            </a:xfrm>
+            <a:prstGeom prst="roundRect">
+              <a:avLst/>
+            </a:prstGeom>
+            <a:grpFill/>
+            <a:ln>
+              <a:noFill/>
+            </a:ln>
+          </p:spPr>
+          <p:style>
+            <a:lnRef idx="2">
+              <a:schemeClr val="accent1">
+                <a:shade val="50000"/>
+              </a:schemeClr>
+            </a:lnRef>
+            <a:fillRef idx="1">
+              <a:schemeClr val="accent1"/>
+            </a:fillRef>
+            <a:effectRef idx="0">
+              <a:schemeClr val="accent1"/>
+            </a:effectRef>
+            <a:fontRef idx="minor">
+              <a:schemeClr val="lt1"/>
+            </a:fontRef>
+          </p:style>
+          <p:txBody>
+            <a:bodyPr rtlCol="0" anchor="ctr"/>
+            <a:lstStyle/>
+            <a:p>
+              <a:pPr algn="ctr"/>
+              <a:endParaRPr lang="es-AR"/>
+            </a:p>
+          </p:txBody>
+        </p:sp>
+        <p:sp>
+          <p:nvSpPr>
+            <p:cNvPr id="19" name="Rounded Rectangle 18"/>
+            <p:cNvSpPr/>
+            <p:nvPr/>
+          </p:nvSpPr>
+          <p:spPr>
+            <a:xfrm>
+              <a:off x="7086600" y="4800600"/>
+              <a:ext cx="1752600" cy="1752600"/>
+            </a:xfrm>
+            <a:prstGeom prst="roundRect">
+              <a:avLst/>
+            </a:prstGeom>
+            <a:grpFill/>
+            <a:ln>
+              <a:noFill/>
+            </a:ln>
+          </p:spPr>
+          <p:style>
+            <a:lnRef idx="2">
+              <a:schemeClr val="accent1">
+                <a:shade val="50000"/>
+              </a:schemeClr>
+            </a:lnRef>
+            <a:fillRef idx="1">
+              <a:schemeClr val="accent1"/>
+            </a:fillRef>
+            <a:effectRef idx="0">
+              <a:schemeClr val="accent1"/>
+            </a:effectRef>
+            <a:fontRef idx="minor">
+              <a:schemeClr val="lt1"/>
+            </a:fontRef>
+          </p:style>
+          <p:txBody>
+            <a:bodyPr rtlCol="0" anchor="ctr"/>
+            <a:lstStyle/>
+            <a:p>
+              <a:pPr algn="ctr"/>
+              <a:endParaRPr lang="es-AR"/>
+            </a:p>
+          </p:txBody>
+        </p:sp>
+      </p:grpSp>
+      <p:sp>
+        <p:nvSpPr>
+          <p:cNvPr id="40" name="Freeform 39"/>
+          <p:cNvSpPr/>
+          <p:nvPr/>
+        </p:nvSpPr>
+        <p:spPr>
+          <a:xfrm>
+            <a:off x="457200" y="457200"/>
+            <a:ext cx="8229600" cy="5803900"/>
+          </a:xfrm>
+          <a:custGeom>
+            <a:avLst/>
+            <a:gdLst>
+              <a:gd name="connsiteX0" fmla="*/ 0 w 8077200"/>
+              <a:gd name="connsiteY0" fmla="*/ 965219 h 5791200"/>
+              <a:gd name="connsiteX1" fmla="*/ 282707 w 8077200"/>
+              <a:gd name="connsiteY1" fmla="*/ 282706 h 5791200"/>
+              <a:gd name="connsiteX2" fmla="*/ 965221 w 8077200"/>
+              <a:gd name="connsiteY2" fmla="*/ 1 h 5791200"/>
+              <a:gd name="connsiteX3" fmla="*/ 7111981 w 8077200"/>
+              <a:gd name="connsiteY3" fmla="*/ 0 h 5791200"/>
+              <a:gd name="connsiteX4" fmla="*/ 7794494 w 8077200"/>
+              <a:gd name="connsiteY4" fmla="*/ 282707 h 5791200"/>
+              <a:gd name="connsiteX5" fmla="*/ 8077199 w 8077200"/>
+              <a:gd name="connsiteY5" fmla="*/ 965221 h 5791200"/>
+              <a:gd name="connsiteX6" fmla="*/ 8077200 w 8077200"/>
+              <a:gd name="connsiteY6" fmla="*/ 4825981 h 5791200"/>
+              <a:gd name="connsiteX7" fmla="*/ 7794494 w 8077200"/>
+              <a:gd name="connsiteY7" fmla="*/ 5508494 h 5791200"/>
+              <a:gd name="connsiteX8" fmla="*/ 7111981 w 8077200"/>
+              <a:gd name="connsiteY8" fmla="*/ 5791200 h 5791200"/>
+              <a:gd name="connsiteX9" fmla="*/ 965219 w 8077200"/>
+              <a:gd name="connsiteY9" fmla="*/ 5791200 h 5791200"/>
+              <a:gd name="connsiteX10" fmla="*/ 282706 w 8077200"/>
+              <a:gd name="connsiteY10" fmla="*/ 5508493 h 5791200"/>
+              <a:gd name="connsiteX11" fmla="*/ 0 w 8077200"/>
+              <a:gd name="connsiteY11" fmla="*/ 4825980 h 5791200"/>
+              <a:gd name="connsiteX12" fmla="*/ 0 w 8077200"/>
+              <a:gd name="connsiteY12" fmla="*/ 965219 h 5791200"/>
+              <a:gd name="connsiteX0" fmla="*/ 0 w 8077200"/>
+              <a:gd name="connsiteY0" fmla="*/ 609600 h 5791200"/>
+              <a:gd name="connsiteX1" fmla="*/ 282707 w 8077200"/>
+              <a:gd name="connsiteY1" fmla="*/ 282706 h 5791200"/>
+              <a:gd name="connsiteX2" fmla="*/ 965221 w 8077200"/>
+              <a:gd name="connsiteY2" fmla="*/ 1 h 5791200"/>
+              <a:gd name="connsiteX3" fmla="*/ 7111981 w 8077200"/>
+              <a:gd name="connsiteY3" fmla="*/ 0 h 5791200"/>
+              <a:gd name="connsiteX4" fmla="*/ 7794494 w 8077200"/>
+              <a:gd name="connsiteY4" fmla="*/ 282707 h 5791200"/>
+              <a:gd name="connsiteX5" fmla="*/ 8077199 w 8077200"/>
+              <a:gd name="connsiteY5" fmla="*/ 965221 h 5791200"/>
+              <a:gd name="connsiteX6" fmla="*/ 8077200 w 8077200"/>
+              <a:gd name="connsiteY6" fmla="*/ 4825981 h 5791200"/>
+              <a:gd name="connsiteX7" fmla="*/ 7794494 w 8077200"/>
+              <a:gd name="connsiteY7" fmla="*/ 5508494 h 5791200"/>
+              <a:gd name="connsiteX8" fmla="*/ 7111981 w 8077200"/>
+              <a:gd name="connsiteY8" fmla="*/ 5791200 h 5791200"/>
+              <a:gd name="connsiteX9" fmla="*/ 965219 w 8077200"/>
+              <a:gd name="connsiteY9" fmla="*/ 5791200 h 5791200"/>
+              <a:gd name="connsiteX10" fmla="*/ 282706 w 8077200"/>
+              <a:gd name="connsiteY10" fmla="*/ 5508493 h 5791200"/>
+              <a:gd name="connsiteX11" fmla="*/ 0 w 8077200"/>
+              <a:gd name="connsiteY11" fmla="*/ 4825980 h 5791200"/>
+              <a:gd name="connsiteX12" fmla="*/ 0 w 8077200"/>
+              <a:gd name="connsiteY12" fmla="*/ 609600 h 5791200"/>
+              <a:gd name="connsiteX0" fmla="*/ 0 w 8077200"/>
+              <a:gd name="connsiteY0" fmla="*/ 609601 h 5791201"/>
+              <a:gd name="connsiteX1" fmla="*/ 282707 w 8077200"/>
+              <a:gd name="connsiteY1" fmla="*/ 282707 h 5791201"/>
+              <a:gd name="connsiteX2" fmla="*/ 609600 w 8077200"/>
+              <a:gd name="connsiteY2" fmla="*/ 1 h 5791201"/>
+              <a:gd name="connsiteX3" fmla="*/ 7111981 w 8077200"/>
+              <a:gd name="connsiteY3" fmla="*/ 1 h 5791201"/>
+              <a:gd name="connsiteX4" fmla="*/ 7794494 w 8077200"/>
+              <a:gd name="connsiteY4" fmla="*/ 282708 h 5791201"/>
+              <a:gd name="connsiteX5" fmla="*/ 8077199 w 8077200"/>
+              <a:gd name="connsiteY5" fmla="*/ 965222 h 5791201"/>
+              <a:gd name="connsiteX6" fmla="*/ 8077200 w 8077200"/>
+              <a:gd name="connsiteY6" fmla="*/ 4825982 h 5791201"/>
+              <a:gd name="connsiteX7" fmla="*/ 7794494 w 8077200"/>
+              <a:gd name="connsiteY7" fmla="*/ 5508495 h 5791201"/>
+              <a:gd name="connsiteX8" fmla="*/ 7111981 w 8077200"/>
+              <a:gd name="connsiteY8" fmla="*/ 5791201 h 5791201"/>
+              <a:gd name="connsiteX9" fmla="*/ 965219 w 8077200"/>
+              <a:gd name="connsiteY9" fmla="*/ 5791201 h 5791201"/>
+              <a:gd name="connsiteX10" fmla="*/ 282706 w 8077200"/>
+              <a:gd name="connsiteY10" fmla="*/ 5508494 h 5791201"/>
+              <a:gd name="connsiteX11" fmla="*/ 0 w 8077200"/>
+              <a:gd name="connsiteY11" fmla="*/ 4825981 h 5791201"/>
+              <a:gd name="connsiteX12" fmla="*/ 0 w 8077200"/>
+              <a:gd name="connsiteY12" fmla="*/ 609601 h 5791201"/>
+              <a:gd name="connsiteX0" fmla="*/ 0 w 8077200"/>
+              <a:gd name="connsiteY0" fmla="*/ 609601 h 5791201"/>
+              <a:gd name="connsiteX1" fmla="*/ 152400 w 8077200"/>
+              <a:gd name="connsiteY1" fmla="*/ 152402 h 5791201"/>
+              <a:gd name="connsiteX2" fmla="*/ 609600 w 8077200"/>
+              <a:gd name="connsiteY2" fmla="*/ 1 h 5791201"/>
+              <a:gd name="connsiteX3" fmla="*/ 7111981 w 8077200"/>
+              <a:gd name="connsiteY3" fmla="*/ 1 h 5791201"/>
+              <a:gd name="connsiteX4" fmla="*/ 7794494 w 8077200"/>
+              <a:gd name="connsiteY4" fmla="*/ 282708 h 5791201"/>
+              <a:gd name="connsiteX5" fmla="*/ 8077199 w 8077200"/>
+              <a:gd name="connsiteY5" fmla="*/ 965222 h 5791201"/>
+              <a:gd name="connsiteX6" fmla="*/ 8077200 w 8077200"/>
+              <a:gd name="connsiteY6" fmla="*/ 4825982 h 5791201"/>
+              <a:gd name="connsiteX7" fmla="*/ 7794494 w 8077200"/>
+              <a:gd name="connsiteY7" fmla="*/ 5508495 h 5791201"/>
+              <a:gd name="connsiteX8" fmla="*/ 7111981 w 8077200"/>
+              <a:gd name="connsiteY8" fmla="*/ 5791201 h 5791201"/>
+              <a:gd name="connsiteX9" fmla="*/ 965219 w 8077200"/>
+              <a:gd name="connsiteY9" fmla="*/ 5791201 h 5791201"/>
+              <a:gd name="connsiteX10" fmla="*/ 282706 w 8077200"/>
+              <a:gd name="connsiteY10" fmla="*/ 5508494 h 5791201"/>
+              <a:gd name="connsiteX11" fmla="*/ 0 w 8077200"/>
+              <a:gd name="connsiteY11" fmla="*/ 4825981 h 5791201"/>
+              <a:gd name="connsiteX12" fmla="*/ 0 w 8077200"/>
+              <a:gd name="connsiteY12" fmla="*/ 609601 h 5791201"/>
+              <a:gd name="connsiteX0" fmla="*/ 0 w 8077200"/>
+              <a:gd name="connsiteY0" fmla="*/ 609600 h 5791200"/>
+              <a:gd name="connsiteX1" fmla="*/ 152400 w 8077200"/>
+              <a:gd name="connsiteY1" fmla="*/ 152401 h 5791200"/>
+              <a:gd name="connsiteX2" fmla="*/ 533400 w 8077200"/>
+              <a:gd name="connsiteY2" fmla="*/ 1 h 5791200"/>
+              <a:gd name="connsiteX3" fmla="*/ 7111981 w 8077200"/>
+              <a:gd name="connsiteY3" fmla="*/ 0 h 5791200"/>
+              <a:gd name="connsiteX4" fmla="*/ 7794494 w 8077200"/>
+              <a:gd name="connsiteY4" fmla="*/ 282707 h 5791200"/>
+              <a:gd name="connsiteX5" fmla="*/ 8077199 w 8077200"/>
+              <a:gd name="connsiteY5" fmla="*/ 965221 h 5791200"/>
+              <a:gd name="connsiteX6" fmla="*/ 8077200 w 8077200"/>
+              <a:gd name="connsiteY6" fmla="*/ 4825981 h 5791200"/>
+              <a:gd name="connsiteX7" fmla="*/ 7794494 w 8077200"/>
+              <a:gd name="connsiteY7" fmla="*/ 5508494 h 5791200"/>
+              <a:gd name="connsiteX8" fmla="*/ 7111981 w 8077200"/>
+              <a:gd name="connsiteY8" fmla="*/ 5791200 h 5791200"/>
+              <a:gd name="connsiteX9" fmla="*/ 965219 w 8077200"/>
+              <a:gd name="connsiteY9" fmla="*/ 5791200 h 5791200"/>
+              <a:gd name="connsiteX10" fmla="*/ 282706 w 8077200"/>
+              <a:gd name="connsiteY10" fmla="*/ 5508493 h 5791200"/>
+              <a:gd name="connsiteX11" fmla="*/ 0 w 8077200"/>
+              <a:gd name="connsiteY11" fmla="*/ 4825980 h 5791200"/>
+              <a:gd name="connsiteX12" fmla="*/ 0 w 8077200"/>
+              <a:gd name="connsiteY12" fmla="*/ 609600 h 5791200"/>
+              <a:gd name="connsiteX0" fmla="*/ 0 w 8077200"/>
+              <a:gd name="connsiteY0" fmla="*/ 533400 h 5791200"/>
+              <a:gd name="connsiteX1" fmla="*/ 152400 w 8077200"/>
+              <a:gd name="connsiteY1" fmla="*/ 152401 h 5791200"/>
+              <a:gd name="connsiteX2" fmla="*/ 533400 w 8077200"/>
+              <a:gd name="connsiteY2" fmla="*/ 1 h 5791200"/>
+              <a:gd name="connsiteX3" fmla="*/ 7111981 w 8077200"/>
+              <a:gd name="connsiteY3" fmla="*/ 0 h 5791200"/>
+              <a:gd name="connsiteX4" fmla="*/ 7794494 w 8077200"/>
+              <a:gd name="connsiteY4" fmla="*/ 282707 h 5791200"/>
+              <a:gd name="connsiteX5" fmla="*/ 8077199 w 8077200"/>
+              <a:gd name="connsiteY5" fmla="*/ 965221 h 5791200"/>
+              <a:gd name="connsiteX6" fmla="*/ 8077200 w 8077200"/>
+              <a:gd name="connsiteY6" fmla="*/ 4825981 h 5791200"/>
+              <a:gd name="connsiteX7" fmla="*/ 7794494 w 8077200"/>
+              <a:gd name="connsiteY7" fmla="*/ 5508494 h 5791200"/>
+              <a:gd name="connsiteX8" fmla="*/ 7111981 w 8077200"/>
+              <a:gd name="connsiteY8" fmla="*/ 5791200 h 5791200"/>
+              <a:gd name="connsiteX9" fmla="*/ 965219 w 8077200"/>
+              <a:gd name="connsiteY9" fmla="*/ 5791200 h 5791200"/>
+              <a:gd name="connsiteX10" fmla="*/ 282706 w 8077200"/>
+              <a:gd name="connsiteY10" fmla="*/ 5508493 h 5791200"/>
+              <a:gd name="connsiteX11" fmla="*/ 0 w 8077200"/>
+              <a:gd name="connsiteY11" fmla="*/ 4825980 h 5791200"/>
+              <a:gd name="connsiteX12" fmla="*/ 0 w 8077200"/>
+              <a:gd name="connsiteY12" fmla="*/ 533400 h 5791200"/>
+              <a:gd name="connsiteX0" fmla="*/ 12700 w 8089900"/>
+              <a:gd name="connsiteY0" fmla="*/ 546100 h 5803900"/>
+              <a:gd name="connsiteX1" fmla="*/ 88900 w 8089900"/>
+              <a:gd name="connsiteY1" fmla="*/ 88900 h 5803900"/>
+              <a:gd name="connsiteX2" fmla="*/ 546100 w 8089900"/>
+              <a:gd name="connsiteY2" fmla="*/ 12701 h 5803900"/>
+              <a:gd name="connsiteX3" fmla="*/ 7124681 w 8089900"/>
+              <a:gd name="connsiteY3" fmla="*/ 12700 h 5803900"/>
+              <a:gd name="connsiteX4" fmla="*/ 7807194 w 8089900"/>
+              <a:gd name="connsiteY4" fmla="*/ 295407 h 5803900"/>
+              <a:gd name="connsiteX5" fmla="*/ 8089899 w 8089900"/>
+              <a:gd name="connsiteY5" fmla="*/ 977921 h 5803900"/>
+              <a:gd name="connsiteX6" fmla="*/ 8089900 w 8089900"/>
+              <a:gd name="connsiteY6" fmla="*/ 4838681 h 5803900"/>
+              <a:gd name="connsiteX7" fmla="*/ 7807194 w 8089900"/>
+              <a:gd name="connsiteY7" fmla="*/ 5521194 h 5803900"/>
+              <a:gd name="connsiteX8" fmla="*/ 7124681 w 8089900"/>
+              <a:gd name="connsiteY8" fmla="*/ 5803900 h 5803900"/>
+              <a:gd name="connsiteX9" fmla="*/ 977919 w 8089900"/>
+              <a:gd name="connsiteY9" fmla="*/ 5803900 h 5803900"/>
+              <a:gd name="connsiteX10" fmla="*/ 295406 w 8089900"/>
+              <a:gd name="connsiteY10" fmla="*/ 5521193 h 5803900"/>
+              <a:gd name="connsiteX11" fmla="*/ 12700 w 8089900"/>
+              <a:gd name="connsiteY11" fmla="*/ 4838680 h 5803900"/>
+              <a:gd name="connsiteX12" fmla="*/ 12700 w 8089900"/>
+              <a:gd name="connsiteY12" fmla="*/ 546100 h 5803900"/>
+              <a:gd name="connsiteX0" fmla="*/ 12700 w 8089900"/>
+              <a:gd name="connsiteY0" fmla="*/ 546100 h 5803900"/>
+              <a:gd name="connsiteX1" fmla="*/ 88900 w 8089900"/>
+              <a:gd name="connsiteY1" fmla="*/ 88900 h 5803900"/>
+              <a:gd name="connsiteX2" fmla="*/ 546100 w 8089900"/>
+              <a:gd name="connsiteY2" fmla="*/ 12701 h 5803900"/>
+              <a:gd name="connsiteX3" fmla="*/ 7124681 w 8089900"/>
+              <a:gd name="connsiteY3" fmla="*/ 12700 h 5803900"/>
+              <a:gd name="connsiteX4" fmla="*/ 7807194 w 8089900"/>
+              <a:gd name="connsiteY4" fmla="*/ 295407 h 5803900"/>
+              <a:gd name="connsiteX5" fmla="*/ 8089899 w 8089900"/>
+              <a:gd name="connsiteY5" fmla="*/ 977921 h 5803900"/>
+              <a:gd name="connsiteX6" fmla="*/ 8089900 w 8089900"/>
+              <a:gd name="connsiteY6" fmla="*/ 4838681 h 5803900"/>
+              <a:gd name="connsiteX7" fmla="*/ 7807194 w 8089900"/>
+              <a:gd name="connsiteY7" fmla="*/ 5521194 h 5803900"/>
+              <a:gd name="connsiteX8" fmla="*/ 7124681 w 8089900"/>
+              <a:gd name="connsiteY8" fmla="*/ 5803900 h 5803900"/>
+              <a:gd name="connsiteX9" fmla="*/ 977919 w 8089900"/>
+              <a:gd name="connsiteY9" fmla="*/ 5803900 h 5803900"/>
+              <a:gd name="connsiteX10" fmla="*/ 295406 w 8089900"/>
+              <a:gd name="connsiteY10" fmla="*/ 5521193 h 5803900"/>
+              <a:gd name="connsiteX11" fmla="*/ 12700 w 8089900"/>
+              <a:gd name="connsiteY11" fmla="*/ 5346700 h 5803900"/>
+              <a:gd name="connsiteX12" fmla="*/ 12700 w 8089900"/>
+              <a:gd name="connsiteY12" fmla="*/ 546100 h 5803900"/>
+              <a:gd name="connsiteX0" fmla="*/ 12700 w 8089900"/>
+              <a:gd name="connsiteY0" fmla="*/ 546100 h 5803900"/>
+              <a:gd name="connsiteX1" fmla="*/ 88900 w 8089900"/>
+              <a:gd name="connsiteY1" fmla="*/ 88900 h 5803900"/>
+              <a:gd name="connsiteX2" fmla="*/ 546100 w 8089900"/>
+              <a:gd name="connsiteY2" fmla="*/ 12701 h 5803900"/>
+              <a:gd name="connsiteX3" fmla="*/ 7124681 w 8089900"/>
+              <a:gd name="connsiteY3" fmla="*/ 12700 h 5803900"/>
+              <a:gd name="connsiteX4" fmla="*/ 7807194 w 8089900"/>
+              <a:gd name="connsiteY4" fmla="*/ 295407 h 5803900"/>
+              <a:gd name="connsiteX5" fmla="*/ 8089899 w 8089900"/>
+              <a:gd name="connsiteY5" fmla="*/ 977921 h 5803900"/>
+              <a:gd name="connsiteX6" fmla="*/ 8089900 w 8089900"/>
+              <a:gd name="connsiteY6" fmla="*/ 4838681 h 5803900"/>
+              <a:gd name="connsiteX7" fmla="*/ 7807194 w 8089900"/>
+              <a:gd name="connsiteY7" fmla="*/ 5521194 h 5803900"/>
+              <a:gd name="connsiteX8" fmla="*/ 7124681 w 8089900"/>
+              <a:gd name="connsiteY8" fmla="*/ 5803900 h 5803900"/>
+              <a:gd name="connsiteX9" fmla="*/ 546100 w 8089900"/>
+              <a:gd name="connsiteY9" fmla="*/ 5803900 h 5803900"/>
+              <a:gd name="connsiteX10" fmla="*/ 295406 w 8089900"/>
+              <a:gd name="connsiteY10" fmla="*/ 5521193 h 5803900"/>
+              <a:gd name="connsiteX11" fmla="*/ 12700 w 8089900"/>
+              <a:gd name="connsiteY11" fmla="*/ 5346700 h 5803900"/>
+              <a:gd name="connsiteX12" fmla="*/ 12700 w 8089900"/>
+              <a:gd name="connsiteY12" fmla="*/ 546100 h 5803900"/>
+              <a:gd name="connsiteX0" fmla="*/ 12700 w 8089900"/>
+              <a:gd name="connsiteY0" fmla="*/ 546100 h 5803900"/>
+              <a:gd name="connsiteX1" fmla="*/ 88900 w 8089900"/>
+              <a:gd name="connsiteY1" fmla="*/ 88900 h 5803900"/>
+              <a:gd name="connsiteX2" fmla="*/ 546100 w 8089900"/>
+              <a:gd name="connsiteY2" fmla="*/ 12701 h 5803900"/>
+              <a:gd name="connsiteX3" fmla="*/ 7124681 w 8089900"/>
+              <a:gd name="connsiteY3" fmla="*/ 12700 h 5803900"/>
+              <a:gd name="connsiteX4" fmla="*/ 7807194 w 8089900"/>
+              <a:gd name="connsiteY4" fmla="*/ 295407 h 5803900"/>
+              <a:gd name="connsiteX5" fmla="*/ 8089899 w 8089900"/>
+              <a:gd name="connsiteY5" fmla="*/ 977921 h 5803900"/>
+              <a:gd name="connsiteX6" fmla="*/ 8089900 w 8089900"/>
+              <a:gd name="connsiteY6" fmla="*/ 4838681 h 5803900"/>
+              <a:gd name="connsiteX7" fmla="*/ 7807194 w 8089900"/>
+              <a:gd name="connsiteY7" fmla="*/ 5521194 h 5803900"/>
+              <a:gd name="connsiteX8" fmla="*/ 7124681 w 8089900"/>
+              <a:gd name="connsiteY8" fmla="*/ 5803900 h 5803900"/>
+              <a:gd name="connsiteX9" fmla="*/ 546100 w 8089900"/>
+              <a:gd name="connsiteY9" fmla="*/ 5803900 h 5803900"/>
+              <a:gd name="connsiteX10" fmla="*/ 88900 w 8089900"/>
+              <a:gd name="connsiteY10" fmla="*/ 5727700 h 5803900"/>
+              <a:gd name="connsiteX11" fmla="*/ 12700 w 8089900"/>
+              <a:gd name="connsiteY11" fmla="*/ 5346700 h 5803900"/>
+              <a:gd name="connsiteX12" fmla="*/ 12700 w 8089900"/>
+              <a:gd name="connsiteY12" fmla="*/ 546100 h 5803900"/>
+              <a:gd name="connsiteX0" fmla="*/ 12700 w 8089900"/>
+              <a:gd name="connsiteY0" fmla="*/ 546100 h 5803900"/>
+              <a:gd name="connsiteX1" fmla="*/ 88900 w 8089900"/>
+              <a:gd name="connsiteY1" fmla="*/ 88900 h 5803900"/>
+              <a:gd name="connsiteX2" fmla="*/ 546100 w 8089900"/>
+              <a:gd name="connsiteY2" fmla="*/ 12701 h 5803900"/>
+              <a:gd name="connsiteX3" fmla="*/ 7556500 w 8089900"/>
+              <a:gd name="connsiteY3" fmla="*/ 12700 h 5803900"/>
+              <a:gd name="connsiteX4" fmla="*/ 7807194 w 8089900"/>
+              <a:gd name="connsiteY4" fmla="*/ 295407 h 5803900"/>
+              <a:gd name="connsiteX5" fmla="*/ 8089899 w 8089900"/>
+              <a:gd name="connsiteY5" fmla="*/ 977921 h 5803900"/>
+              <a:gd name="connsiteX6" fmla="*/ 8089900 w 8089900"/>
+              <a:gd name="connsiteY6" fmla="*/ 4838681 h 5803900"/>
+              <a:gd name="connsiteX7" fmla="*/ 7807194 w 8089900"/>
+              <a:gd name="connsiteY7" fmla="*/ 5521194 h 5803900"/>
+              <a:gd name="connsiteX8" fmla="*/ 7124681 w 8089900"/>
+              <a:gd name="connsiteY8" fmla="*/ 5803900 h 5803900"/>
+              <a:gd name="connsiteX9" fmla="*/ 546100 w 8089900"/>
+              <a:gd name="connsiteY9" fmla="*/ 5803900 h 5803900"/>
+              <a:gd name="connsiteX10" fmla="*/ 88900 w 8089900"/>
+              <a:gd name="connsiteY10" fmla="*/ 5727700 h 5803900"/>
+              <a:gd name="connsiteX11" fmla="*/ 12700 w 8089900"/>
+              <a:gd name="connsiteY11" fmla="*/ 5346700 h 5803900"/>
+              <a:gd name="connsiteX12" fmla="*/ 12700 w 8089900"/>
+              <a:gd name="connsiteY12" fmla="*/ 546100 h 5803900"/>
+              <a:gd name="connsiteX0" fmla="*/ 12700 w 8089901"/>
+              <a:gd name="connsiteY0" fmla="*/ 546100 h 5803900"/>
+              <a:gd name="connsiteX1" fmla="*/ 88900 w 8089901"/>
+              <a:gd name="connsiteY1" fmla="*/ 88900 h 5803900"/>
+              <a:gd name="connsiteX2" fmla="*/ 546100 w 8089901"/>
+              <a:gd name="connsiteY2" fmla="*/ 12701 h 5803900"/>
+              <a:gd name="connsiteX3" fmla="*/ 7556500 w 8089901"/>
+              <a:gd name="connsiteY3" fmla="*/ 12700 h 5803900"/>
+              <a:gd name="connsiteX4" fmla="*/ 7807194 w 8089901"/>
+              <a:gd name="connsiteY4" fmla="*/ 295407 h 5803900"/>
+              <a:gd name="connsiteX5" fmla="*/ 8089900 w 8089901"/>
+              <a:gd name="connsiteY5" fmla="*/ 469900 h 5803900"/>
+              <a:gd name="connsiteX6" fmla="*/ 8089900 w 8089901"/>
+              <a:gd name="connsiteY6" fmla="*/ 4838681 h 5803900"/>
+              <a:gd name="connsiteX7" fmla="*/ 7807194 w 8089901"/>
+              <a:gd name="connsiteY7" fmla="*/ 5521194 h 5803900"/>
+              <a:gd name="connsiteX8" fmla="*/ 7124681 w 8089901"/>
+              <a:gd name="connsiteY8" fmla="*/ 5803900 h 5803900"/>
+              <a:gd name="connsiteX9" fmla="*/ 546100 w 8089901"/>
+              <a:gd name="connsiteY9" fmla="*/ 5803900 h 5803900"/>
+              <a:gd name="connsiteX10" fmla="*/ 88900 w 8089901"/>
+              <a:gd name="connsiteY10" fmla="*/ 5727700 h 5803900"/>
+              <a:gd name="connsiteX11" fmla="*/ 12700 w 8089901"/>
+              <a:gd name="connsiteY11" fmla="*/ 5346700 h 5803900"/>
+              <a:gd name="connsiteX12" fmla="*/ 12700 w 8089901"/>
+              <a:gd name="connsiteY12" fmla="*/ 546100 h 5803900"/>
+              <a:gd name="connsiteX0" fmla="*/ 12700 w 8102600"/>
+              <a:gd name="connsiteY0" fmla="*/ 546100 h 5803900"/>
+              <a:gd name="connsiteX1" fmla="*/ 88900 w 8102600"/>
+              <a:gd name="connsiteY1" fmla="*/ 88900 h 5803900"/>
+              <a:gd name="connsiteX2" fmla="*/ 546100 w 8102600"/>
+              <a:gd name="connsiteY2" fmla="*/ 12701 h 5803900"/>
+              <a:gd name="connsiteX3" fmla="*/ 7556500 w 8102600"/>
+              <a:gd name="connsiteY3" fmla="*/ 12700 h 5803900"/>
+              <a:gd name="connsiteX4" fmla="*/ 8013700 w 8102600"/>
+              <a:gd name="connsiteY4" fmla="*/ 88900 h 5803900"/>
+              <a:gd name="connsiteX5" fmla="*/ 8089900 w 8102600"/>
+              <a:gd name="connsiteY5" fmla="*/ 469900 h 5803900"/>
+              <a:gd name="connsiteX6" fmla="*/ 8089900 w 8102600"/>
+              <a:gd name="connsiteY6" fmla="*/ 4838681 h 5803900"/>
+              <a:gd name="connsiteX7" fmla="*/ 7807194 w 8102600"/>
+              <a:gd name="connsiteY7" fmla="*/ 5521194 h 5803900"/>
+              <a:gd name="connsiteX8" fmla="*/ 7124681 w 8102600"/>
+              <a:gd name="connsiteY8" fmla="*/ 5803900 h 5803900"/>
+              <a:gd name="connsiteX9" fmla="*/ 546100 w 8102600"/>
+              <a:gd name="connsiteY9" fmla="*/ 5803900 h 5803900"/>
+              <a:gd name="connsiteX10" fmla="*/ 88900 w 8102600"/>
+              <a:gd name="connsiteY10" fmla="*/ 5727700 h 5803900"/>
+              <a:gd name="connsiteX11" fmla="*/ 12700 w 8102600"/>
+              <a:gd name="connsiteY11" fmla="*/ 5346700 h 5803900"/>
+              <a:gd name="connsiteX12" fmla="*/ 12700 w 8102600"/>
+              <a:gd name="connsiteY12" fmla="*/ 546100 h 5803900"/>
+              <a:gd name="connsiteX0" fmla="*/ 12700 w 8102600"/>
+              <a:gd name="connsiteY0" fmla="*/ 546100 h 5803900"/>
+              <a:gd name="connsiteX1" fmla="*/ 88900 w 8102600"/>
+              <a:gd name="connsiteY1" fmla="*/ 88900 h 5803900"/>
+              <a:gd name="connsiteX2" fmla="*/ 546100 w 8102600"/>
+              <a:gd name="connsiteY2" fmla="*/ 12701 h 5803900"/>
+              <a:gd name="connsiteX3" fmla="*/ 7556500 w 8102600"/>
+              <a:gd name="connsiteY3" fmla="*/ 12700 h 5803900"/>
+              <a:gd name="connsiteX4" fmla="*/ 8013700 w 8102600"/>
+              <a:gd name="connsiteY4" fmla="*/ 88900 h 5803900"/>
+              <a:gd name="connsiteX5" fmla="*/ 8089899 w 8102600"/>
+              <a:gd name="connsiteY5" fmla="*/ 469900 h 5803900"/>
+              <a:gd name="connsiteX6" fmla="*/ 8089900 w 8102600"/>
+              <a:gd name="connsiteY6" fmla="*/ 4838681 h 5803900"/>
+              <a:gd name="connsiteX7" fmla="*/ 7807194 w 8102600"/>
+              <a:gd name="connsiteY7" fmla="*/ 5521194 h 5803900"/>
+              <a:gd name="connsiteX8" fmla="*/ 7124681 w 8102600"/>
+              <a:gd name="connsiteY8" fmla="*/ 5803900 h 5803900"/>
+              <a:gd name="connsiteX9" fmla="*/ 546100 w 8102600"/>
+              <a:gd name="connsiteY9" fmla="*/ 5803900 h 5803900"/>
+              <a:gd name="connsiteX10" fmla="*/ 88900 w 8102600"/>
+              <a:gd name="connsiteY10" fmla="*/ 5727700 h 5803900"/>
+              <a:gd name="connsiteX11" fmla="*/ 12700 w 8102600"/>
+              <a:gd name="connsiteY11" fmla="*/ 5346700 h 5803900"/>
+              <a:gd name="connsiteX12" fmla="*/ 12700 w 8102600"/>
+              <a:gd name="connsiteY12" fmla="*/ 546100 h 5803900"/>
+              <a:gd name="connsiteX0" fmla="*/ 12700 w 8102599"/>
+              <a:gd name="connsiteY0" fmla="*/ 546100 h 5803900"/>
+              <a:gd name="connsiteX1" fmla="*/ 88900 w 8102599"/>
+              <a:gd name="connsiteY1" fmla="*/ 88900 h 5803900"/>
+              <a:gd name="connsiteX2" fmla="*/ 546100 w 8102599"/>
+              <a:gd name="connsiteY2" fmla="*/ 12701 h 5803900"/>
+              <a:gd name="connsiteX3" fmla="*/ 7556500 w 8102599"/>
+              <a:gd name="connsiteY3" fmla="*/ 12700 h 5803900"/>
+              <a:gd name="connsiteX4" fmla="*/ 8013699 w 8102599"/>
+              <a:gd name="connsiteY4" fmla="*/ 88900 h 5803900"/>
+              <a:gd name="connsiteX5" fmla="*/ 8089899 w 8102599"/>
+              <a:gd name="connsiteY5" fmla="*/ 469900 h 5803900"/>
+              <a:gd name="connsiteX6" fmla="*/ 8089900 w 8102599"/>
+              <a:gd name="connsiteY6" fmla="*/ 4838681 h 5803900"/>
+              <a:gd name="connsiteX7" fmla="*/ 7807194 w 8102599"/>
+              <a:gd name="connsiteY7" fmla="*/ 5521194 h 5803900"/>
+              <a:gd name="connsiteX8" fmla="*/ 7124681 w 8102599"/>
+              <a:gd name="connsiteY8" fmla="*/ 5803900 h 5803900"/>
+              <a:gd name="connsiteX9" fmla="*/ 546100 w 8102599"/>
+              <a:gd name="connsiteY9" fmla="*/ 5803900 h 5803900"/>
+              <a:gd name="connsiteX10" fmla="*/ 88900 w 8102599"/>
+              <a:gd name="connsiteY10" fmla="*/ 5727700 h 5803900"/>
+              <a:gd name="connsiteX11" fmla="*/ 12700 w 8102599"/>
+              <a:gd name="connsiteY11" fmla="*/ 5346700 h 5803900"/>
+              <a:gd name="connsiteX12" fmla="*/ 12700 w 8102599"/>
+              <a:gd name="connsiteY12" fmla="*/ 546100 h 5803900"/>
+              <a:gd name="connsiteX0" fmla="*/ 12700 w 8102599"/>
+              <a:gd name="connsiteY0" fmla="*/ 546100 h 5803900"/>
+              <a:gd name="connsiteX1" fmla="*/ 88900 w 8102599"/>
+              <a:gd name="connsiteY1" fmla="*/ 88900 h 5803900"/>
+              <a:gd name="connsiteX2" fmla="*/ 546100 w 8102599"/>
+              <a:gd name="connsiteY2" fmla="*/ 12701 h 5803900"/>
+              <a:gd name="connsiteX3" fmla="*/ 7556500 w 8102599"/>
+              <a:gd name="connsiteY3" fmla="*/ 12700 h 5803900"/>
+              <a:gd name="connsiteX4" fmla="*/ 8013699 w 8102599"/>
+              <a:gd name="connsiteY4" fmla="*/ 88900 h 5803900"/>
+              <a:gd name="connsiteX5" fmla="*/ 8089899 w 8102599"/>
+              <a:gd name="connsiteY5" fmla="*/ 469900 h 5803900"/>
+              <a:gd name="connsiteX6" fmla="*/ 8089900 w 8102599"/>
+              <a:gd name="connsiteY6" fmla="*/ 5346700 h 5803900"/>
+              <a:gd name="connsiteX7" fmla="*/ 7807194 w 8102599"/>
+              <a:gd name="connsiteY7" fmla="*/ 5521194 h 5803900"/>
+              <a:gd name="connsiteX8" fmla="*/ 7124681 w 8102599"/>
+              <a:gd name="connsiteY8" fmla="*/ 5803900 h 5803900"/>
+              <a:gd name="connsiteX9" fmla="*/ 546100 w 8102599"/>
+              <a:gd name="connsiteY9" fmla="*/ 5803900 h 5803900"/>
+              <a:gd name="connsiteX10" fmla="*/ 88900 w 8102599"/>
+              <a:gd name="connsiteY10" fmla="*/ 5727700 h 5803900"/>
+              <a:gd name="connsiteX11" fmla="*/ 12700 w 8102599"/>
+              <a:gd name="connsiteY11" fmla="*/ 5346700 h 5803900"/>
+              <a:gd name="connsiteX12" fmla="*/ 12700 w 8102599"/>
+              <a:gd name="connsiteY12" fmla="*/ 546100 h 5803900"/>
+              <a:gd name="connsiteX0" fmla="*/ 12700 w 8102599"/>
+              <a:gd name="connsiteY0" fmla="*/ 546100 h 5803900"/>
+              <a:gd name="connsiteX1" fmla="*/ 88900 w 8102599"/>
+              <a:gd name="connsiteY1" fmla="*/ 88900 h 5803900"/>
+              <a:gd name="connsiteX2" fmla="*/ 546100 w 8102599"/>
+              <a:gd name="connsiteY2" fmla="*/ 12701 h 5803900"/>
+              <a:gd name="connsiteX3" fmla="*/ 7556500 w 8102599"/>
+              <a:gd name="connsiteY3" fmla="*/ 12700 h 5803900"/>
+              <a:gd name="connsiteX4" fmla="*/ 8013699 w 8102599"/>
+              <a:gd name="connsiteY4" fmla="*/ 88900 h 5803900"/>
+              <a:gd name="connsiteX5" fmla="*/ 8089899 w 8102599"/>
+              <a:gd name="connsiteY5" fmla="*/ 469900 h 5803900"/>
+              <a:gd name="connsiteX6" fmla="*/ 8089900 w 8102599"/>
+              <a:gd name="connsiteY6" fmla="*/ 5346700 h 5803900"/>
+              <a:gd name="connsiteX7" fmla="*/ 7807194 w 8102599"/>
+              <a:gd name="connsiteY7" fmla="*/ 5521194 h 5803900"/>
+              <a:gd name="connsiteX8" fmla="*/ 7632700 w 8102599"/>
+              <a:gd name="connsiteY8" fmla="*/ 5803900 h 5803900"/>
+              <a:gd name="connsiteX9" fmla="*/ 546100 w 8102599"/>
+              <a:gd name="connsiteY9" fmla="*/ 5803900 h 5803900"/>
+              <a:gd name="connsiteX10" fmla="*/ 88900 w 8102599"/>
+              <a:gd name="connsiteY10" fmla="*/ 5727700 h 5803900"/>
+              <a:gd name="connsiteX11" fmla="*/ 12700 w 8102599"/>
+              <a:gd name="connsiteY11" fmla="*/ 5346700 h 5803900"/>
+              <a:gd name="connsiteX12" fmla="*/ 12700 w 8102599"/>
+              <a:gd name="connsiteY12" fmla="*/ 546100 h 5803900"/>
+              <a:gd name="connsiteX0" fmla="*/ 12700 w 8102599"/>
+              <a:gd name="connsiteY0" fmla="*/ 546100 h 5803900"/>
+              <a:gd name="connsiteX1" fmla="*/ 88900 w 8102599"/>
+              <a:gd name="connsiteY1" fmla="*/ 88900 h 5803900"/>
+              <a:gd name="connsiteX2" fmla="*/ 546100 w 8102599"/>
+              <a:gd name="connsiteY2" fmla="*/ 12701 h 5803900"/>
+              <a:gd name="connsiteX3" fmla="*/ 7556500 w 8102599"/>
+              <a:gd name="connsiteY3" fmla="*/ 12700 h 5803900"/>
+              <a:gd name="connsiteX4" fmla="*/ 8013699 w 8102599"/>
+              <a:gd name="connsiteY4" fmla="*/ 88900 h 5803900"/>
+              <a:gd name="connsiteX5" fmla="*/ 8089899 w 8102599"/>
+              <a:gd name="connsiteY5" fmla="*/ 469900 h 5803900"/>
+              <a:gd name="connsiteX6" fmla="*/ 8089900 w 8102599"/>
+              <a:gd name="connsiteY6" fmla="*/ 5346700 h 5803900"/>
+              <a:gd name="connsiteX7" fmla="*/ 8013700 w 8102599"/>
+              <a:gd name="connsiteY7" fmla="*/ 5727700 h 5803900"/>
+              <a:gd name="connsiteX8" fmla="*/ 7632700 w 8102599"/>
+              <a:gd name="connsiteY8" fmla="*/ 5803900 h 5803900"/>
+              <a:gd name="connsiteX9" fmla="*/ 546100 w 8102599"/>
+              <a:gd name="connsiteY9" fmla="*/ 5803900 h 5803900"/>
+              <a:gd name="connsiteX10" fmla="*/ 88900 w 8102599"/>
+              <a:gd name="connsiteY10" fmla="*/ 5727700 h 5803900"/>
+              <a:gd name="connsiteX11" fmla="*/ 12700 w 8102599"/>
+              <a:gd name="connsiteY11" fmla="*/ 5346700 h 5803900"/>
+              <a:gd name="connsiteX12" fmla="*/ 12700 w 8102599"/>
+              <a:gd name="connsiteY12" fmla="*/ 546100 h 5803900"/>
+            </a:gdLst>
+            <a:ahLst/>
+            <a:cxnLst>
+              <a:cxn ang="0">
+                <a:pos x="connsiteX0" y="connsiteY0"/>
+              </a:cxn>
+              <a:cxn ang="0">
+                <a:pos x="connsiteX1" y="connsiteY1"/>
+              </a:cxn>
+              <a:cxn ang="0">
+                <a:pos x="connsiteX2" y="connsiteY2"/>
+              </a:cxn>
+              <a:cxn ang="0">
+                <a:pos x="connsiteX3" y="connsiteY3"/>
+              </a:cxn>
+              <a:cxn ang="0">
+                <a:pos x="connsiteX4" y="connsiteY4"/>
+              </a:cxn>
+              <a:cxn ang="0">
+                <a:pos x="connsiteX5" y="connsiteY5"/>
+              </a:cxn>
+              <a:cxn ang="0">
+                <a:pos x="connsiteX6" y="connsiteY6"/>
+              </a:cxn>
+              <a:cxn ang="0">
+                <a:pos x="connsiteX7" y="connsiteY7"/>
+              </a:cxn>
+              <a:cxn ang="0">
+                <a:pos x="connsiteX8" y="connsiteY8"/>
+              </a:cxn>
+              <a:cxn ang="0">
+                <a:pos x="connsiteX9" y="connsiteY9"/>
+              </a:cxn>
+              <a:cxn ang="0">
+                <a:pos x="connsiteX10" y="connsiteY10"/>
+              </a:cxn>
+              <a:cxn ang="0">
+                <a:pos x="connsiteX11" y="connsiteY11"/>
+              </a:cxn>
+              <a:cxn ang="0">
+                <a:pos x="connsiteX12" y="connsiteY12"/>
+              </a:cxn>
+            </a:cxnLst>
+            <a:rect l="l" t="t" r="r" b="b"/>
+            <a:pathLst>
+              <a:path w="8102599" h="5803900">
+                <a:moveTo>
+                  <a:pt x="12700" y="546100"/>
+                </a:moveTo>
+                <a:cubicBezTo>
+                  <a:pt x="12700" y="290108"/>
+                  <a:pt x="0" y="177800"/>
+                  <a:pt x="88900" y="88900"/>
+                </a:cubicBezTo>
+                <a:cubicBezTo>
+                  <a:pt x="177800" y="0"/>
+                  <a:pt x="290107" y="12700"/>
+                  <a:pt x="546100" y="12701"/>
+                </a:cubicBezTo>
+                <a:lnTo>
+                  <a:pt x="7556500" y="12700"/>
+                </a:lnTo>
+                <a:cubicBezTo>
+                  <a:pt x="7812492" y="12700"/>
+                  <a:pt x="7924799" y="12700"/>
+                  <a:pt x="8013699" y="88900"/>
+                </a:cubicBezTo>
+                <a:cubicBezTo>
+                  <a:pt x="8102599" y="165100"/>
+                  <a:pt x="8089900" y="213907"/>
+                  <a:pt x="8089899" y="469900"/>
+                </a:cubicBezTo>
+                <a:cubicBezTo>
+                  <a:pt x="8089899" y="1926160"/>
+                  <a:pt x="8089900" y="3890440"/>
+                  <a:pt x="8089900" y="5346700"/>
+                </a:cubicBezTo>
+                <a:cubicBezTo>
+                  <a:pt x="8089900" y="5602692"/>
+                  <a:pt x="8089900" y="5651500"/>
+                  <a:pt x="8013700" y="5727700"/>
+                </a:cubicBezTo>
+                <a:cubicBezTo>
+                  <a:pt x="7937500" y="5803900"/>
+                  <a:pt x="7888692" y="5803900"/>
+                  <a:pt x="7632700" y="5803900"/>
+                </a:cubicBezTo>
+                <a:lnTo>
+                  <a:pt x="546100" y="5803900"/>
+                </a:lnTo>
+                <a:cubicBezTo>
+                  <a:pt x="290108" y="5803900"/>
+                  <a:pt x="177800" y="5803900"/>
+                  <a:pt x="88900" y="5727700"/>
+                </a:cubicBezTo>
+                <a:cubicBezTo>
+                  <a:pt x="0" y="5651500"/>
+                  <a:pt x="12700" y="5602692"/>
+                  <a:pt x="12700" y="5346700"/>
+                </a:cubicBezTo>
+                <a:lnTo>
+                  <a:pt x="12700" y="546100"/>
+                </a:lnTo>
+                <a:close/>
+              </a:path>
+            </a:pathLst>
+          </a:custGeom>
+          <a:gradFill>
+            <a:gsLst>
+              <a:gs pos="0">
+                <a:schemeClr val="bg1">
+                  <a:lumMod val="50000"/>
+                </a:schemeClr>
+              </a:gs>
+              <a:gs pos="39999">
+                <a:schemeClr val="bg1">
+                  <a:lumMod val="65000"/>
+                </a:schemeClr>
+              </a:gs>
+              <a:gs pos="70000">
+                <a:schemeClr val="bg1">
+                  <a:lumMod val="50000"/>
+                  <a:alpha val="73000"/>
+                </a:schemeClr>
+              </a:gs>
+            </a:gsLst>
+            <a:lin ang="5400000" scaled="0"/>
+          </a:gradFill>
+          <a:ln>
+            <a:solidFill>
+              <a:schemeClr val="bg1">
+                <a:lumMod val="75000"/>
+              </a:schemeClr>
+            </a:solidFill>
+          </a:ln>
+        </p:spPr>
+        <p:style>
+          <a:lnRef idx="2">
+            <a:schemeClr val="accent1">
+              <a:shade val="50000"/>
+            </a:schemeClr>
+          </a:lnRef>
+          <a:fillRef idx="1">
+            <a:schemeClr val="accent1"/>
+          </a:fillRef>
+          <a:effectRef idx="0">
+            <a:schemeClr val="accent1"/>
+          </a:effectRef>
+          <a:fontRef idx="minor">
+            <a:schemeClr val="lt1"/>
+          </a:fontRef>
+        </p:style>
+        <p:txBody>
+          <a:bodyPr rtlCol="0" anchor="ctr"/>
+          <a:lstStyle/>
+          <a:p>
+            <a:pPr fontAlgn="t"/>
+            <a:endParaRPr lang="es-AR" b="1" dirty="0" smtClean="0"/>
+          </a:p>
+          <a:p>
+            <a:pPr algn="ctr"/>
+            <a:endParaRPr lang="es-AR" dirty="0"/>
+          </a:p>
+        </p:txBody>
+      </p:sp>
+      <p:sp>
+        <p:nvSpPr>
+          <p:cNvPr id="14" name="Rectangle 13"/>
+          <p:cNvSpPr/>
+          <p:nvPr/>
+        </p:nvSpPr>
+        <p:spPr>
+          <a:xfrm>
+            <a:off x="381000" y="1295400"/>
+            <a:ext cx="8458200" cy="1066800"/>
+          </a:xfrm>
+          <a:prstGeom prst="rect">
+            <a:avLst/>
+          </a:prstGeom>
+          <a:noFill/>
+          <a:ln>
+            <a:noFill/>
+          </a:ln>
+        </p:spPr>
+        <p:style>
+          <a:lnRef idx="2">
+            <a:schemeClr val="accent1">
+              <a:shade val="50000"/>
+            </a:schemeClr>
+          </a:lnRef>
+          <a:fillRef idx="1">
+            <a:schemeClr val="accent1"/>
+          </a:fillRef>
+          <a:effectRef idx="0">
+            <a:schemeClr val="accent1"/>
+          </a:effectRef>
+          <a:fontRef idx="minor">
+            <a:schemeClr val="lt1"/>
+          </a:fontRef>
+        </p:style>
+        <p:txBody>
+          <a:bodyPr rtlCol="0" anchor="ctr"/>
+          <a:lstStyle/>
+          <a:p>
+            <a:pPr algn="ctr"/>
+            <a:r>
+              <a:rPr lang="es-AR" sz="4800" b="1" dirty="0" smtClean="0"/>
               <a:t>Interfaces</a:t>
             </a:r>
           </a:p>
@@ -5918,7 +7012,7 @@
 </p:sld>
 </file>
 
-<file path=ppt/slides/slide11.xml><?xml version="1.0" encoding="utf-8"?>
+<file path=ppt/slides/slide12.xml><?xml version="1.0" encoding="utf-8"?>
 <p:sld xmlns:a="http://schemas.openxmlformats.org/drawingml/2006/main" xmlns:r="http://schemas.openxmlformats.org/officeDocument/2006/relationships" xmlns:p="http://schemas.openxmlformats.org/presentationml/2006/main">
   <p:cSld>
     <p:spTree>
@@ -12539,7 +13633,7 @@
         </p:nvGrpSpPr>
         <p:grpSpPr>
           <a:xfrm>
-            <a:off x="304800" y="304800"/>
+            <a:off x="304800" y="228600"/>
             <a:ext cx="8534400" cy="6248400"/>
             <a:chOff x="304800" y="304800"/>
             <a:chExt cx="8534400" cy="6248400"/>
@@ -13597,7 +14691,7 @@
         </p:nvGrpSpPr>
         <p:grpSpPr>
           <a:xfrm>
-            <a:off x="762000" y="3428997"/>
+            <a:off x="609600" y="3733800"/>
             <a:ext cx="1295400" cy="566738"/>
             <a:chOff x="1291771" y="3439884"/>
             <a:chExt cx="1219200" cy="533400"/>
@@ -13804,7 +14898,7 @@
         </p:nvSpPr>
         <p:spPr>
           <a:xfrm>
-            <a:off x="2286000" y="2590800"/>
+            <a:off x="2514600" y="2590800"/>
             <a:ext cx="1295400" cy="566738"/>
           </a:xfrm>
           <a:prstGeom prst="rect">
@@ -13861,7 +14955,7 @@
         </p:nvSpPr>
         <p:spPr>
           <a:xfrm>
-            <a:off x="3388223" y="2677990"/>
+            <a:off x="3616823" y="2677990"/>
             <a:ext cx="121376" cy="174381"/>
           </a:xfrm>
           <a:prstGeom prst="rect">
@@ -13901,7 +14995,7 @@
         </p:nvSpPr>
         <p:spPr>
           <a:xfrm>
-            <a:off x="3338514" y="2791444"/>
+            <a:off x="3567114" y="2791444"/>
             <a:ext cx="113987" cy="42245"/>
           </a:xfrm>
           <a:prstGeom prst="rect">
@@ -13945,7 +15039,7 @@
         </p:nvSpPr>
         <p:spPr>
           <a:xfrm>
-            <a:off x="3338514" y="2710481"/>
+            <a:off x="3567114" y="2710481"/>
             <a:ext cx="113987" cy="42245"/>
           </a:xfrm>
           <a:prstGeom prst="rect">
@@ -13989,7 +15083,7 @@
         </p:nvSpPr>
         <p:spPr>
           <a:xfrm>
-            <a:off x="2286000" y="4419600"/>
+            <a:off x="2514600" y="4919662"/>
             <a:ext cx="1295400" cy="566738"/>
           </a:xfrm>
           <a:prstGeom prst="rect">
@@ -14046,7 +15140,7 @@
         </p:nvSpPr>
         <p:spPr>
           <a:xfrm>
-            <a:off x="3886200" y="2667000"/>
+            <a:off x="4419600" y="2590800"/>
             <a:ext cx="1295400" cy="566738"/>
           </a:xfrm>
           <a:prstGeom prst="rect">
@@ -14103,7 +15197,7 @@
         </p:nvSpPr>
         <p:spPr>
           <a:xfrm>
-            <a:off x="3886200" y="3657600"/>
+            <a:off x="4419600" y="3657600"/>
             <a:ext cx="1295400" cy="566738"/>
           </a:xfrm>
           <a:prstGeom prst="rect">
@@ -14160,7 +15254,7 @@
         </p:nvSpPr>
         <p:spPr>
           <a:xfrm>
-            <a:off x="4988423" y="3744790"/>
+            <a:off x="5521823" y="3744790"/>
             <a:ext cx="121376" cy="174381"/>
           </a:xfrm>
           <a:prstGeom prst="rect">
@@ -14200,7 +15294,7 @@
         </p:nvSpPr>
         <p:spPr>
           <a:xfrm>
-            <a:off x="4938714" y="3858244"/>
+            <a:off x="5472114" y="3858244"/>
             <a:ext cx="113987" cy="42245"/>
           </a:xfrm>
           <a:prstGeom prst="rect">
@@ -14244,7 +15338,7 @@
         </p:nvSpPr>
         <p:spPr>
           <a:xfrm>
-            <a:off x="4938714" y="3777281"/>
+            <a:off x="5472114" y="3777281"/>
             <a:ext cx="113987" cy="42245"/>
           </a:xfrm>
           <a:prstGeom prst="rect">
@@ -14288,7 +15382,7 @@
         </p:nvSpPr>
         <p:spPr>
           <a:xfrm>
-            <a:off x="3886200" y="4953000"/>
+            <a:off x="4419600" y="4919662"/>
             <a:ext cx="1295400" cy="566738"/>
           </a:xfrm>
           <a:prstGeom prst="rect">
@@ -14345,7 +15439,7 @@
         </p:nvSpPr>
         <p:spPr>
           <a:xfrm>
-            <a:off x="4988423" y="5040190"/>
+            <a:off x="5521823" y="5040190"/>
             <a:ext cx="121376" cy="174381"/>
           </a:xfrm>
           <a:prstGeom prst="rect">
@@ -14385,7 +15479,7 @@
         </p:nvSpPr>
         <p:spPr>
           <a:xfrm>
-            <a:off x="4938714" y="5153644"/>
+            <a:off x="5472114" y="5153644"/>
             <a:ext cx="113987" cy="42245"/>
           </a:xfrm>
           <a:prstGeom prst="rect">
@@ -14429,7 +15523,7 @@
         </p:nvSpPr>
         <p:spPr>
           <a:xfrm>
-            <a:off x="4938714" y="5072681"/>
+            <a:off x="5472114" y="5072681"/>
             <a:ext cx="113987" cy="42245"/>
           </a:xfrm>
           <a:prstGeom prst="rect">
@@ -14473,7 +15567,7 @@
         </p:nvSpPr>
         <p:spPr>
           <a:xfrm>
-            <a:off x="5638800" y="3733800"/>
+            <a:off x="6477000" y="3657600"/>
             <a:ext cx="1295400" cy="566738"/>
           </a:xfrm>
           <a:prstGeom prst="rect">
@@ -14530,7 +15624,7 @@
         </p:nvSpPr>
         <p:spPr>
           <a:xfrm>
-            <a:off x="7162800" y="3581400"/>
+            <a:off x="6477000" y="2743200"/>
             <a:ext cx="1295400" cy="566738"/>
           </a:xfrm>
           <a:prstGeom prst="rect">
@@ -14587,7 +15681,7 @@
         </p:nvSpPr>
         <p:spPr>
           <a:xfrm>
-            <a:off x="8265023" y="3668590"/>
+            <a:off x="7593509" y="2819400"/>
             <a:ext cx="121376" cy="174381"/>
           </a:xfrm>
           <a:prstGeom prst="rect">
@@ -14627,7 +15721,7 @@
         </p:nvSpPr>
         <p:spPr>
           <a:xfrm>
-            <a:off x="8215314" y="3782044"/>
+            <a:off x="7543800" y="2932854"/>
             <a:ext cx="113987" cy="42245"/>
           </a:xfrm>
           <a:prstGeom prst="rect">
@@ -14671,7 +15765,7 @@
         </p:nvSpPr>
         <p:spPr>
           <a:xfrm>
-            <a:off x="8215314" y="3701081"/>
+            <a:off x="7543800" y="2851891"/>
             <a:ext cx="113987" cy="42245"/>
           </a:xfrm>
           <a:prstGeom prst="rect">
@@ -14715,7 +15809,7 @@
         </p:nvSpPr>
         <p:spPr>
           <a:xfrm>
-            <a:off x="5715000" y="4724400"/>
+            <a:off x="6477000" y="4876800"/>
             <a:ext cx="1295400" cy="566738"/>
           </a:xfrm>
           <a:prstGeom prst="rect">
@@ -14772,7 +15866,7 @@
         </p:nvSpPr>
         <p:spPr>
           <a:xfrm>
-            <a:off x="5002709" y="2710709"/>
+            <a:off x="5536109" y="2645019"/>
             <a:ext cx="121376" cy="174381"/>
           </a:xfrm>
           <a:prstGeom prst="rect">
@@ -14812,7 +15906,7 @@
         </p:nvSpPr>
         <p:spPr>
           <a:xfrm>
-            <a:off x="4953000" y="2824163"/>
+            <a:off x="5486400" y="2758473"/>
             <a:ext cx="113987" cy="42245"/>
           </a:xfrm>
           <a:prstGeom prst="rect">
@@ -14856,7 +15950,7 @@
         </p:nvSpPr>
         <p:spPr>
           <a:xfrm>
-            <a:off x="4953000" y="2743200"/>
+            <a:off x="5486400" y="2677510"/>
             <a:ext cx="113987" cy="42245"/>
           </a:xfrm>
           <a:prstGeom prst="rect">
@@ -14900,7 +15994,7 @@
         </p:nvSpPr>
         <p:spPr>
           <a:xfrm>
-            <a:off x="3402509" y="4463309"/>
+            <a:off x="3631109" y="4963371"/>
             <a:ext cx="121376" cy="174381"/>
           </a:xfrm>
           <a:prstGeom prst="rect">
@@ -14940,7 +16034,7 @@
         </p:nvSpPr>
         <p:spPr>
           <a:xfrm>
-            <a:off x="3352800" y="4576763"/>
+            <a:off x="3581400" y="5076825"/>
             <a:ext cx="113987" cy="42245"/>
           </a:xfrm>
           <a:prstGeom prst="rect">
@@ -14984,7 +16078,7 @@
         </p:nvSpPr>
         <p:spPr>
           <a:xfrm>
-            <a:off x="3352800" y="4495800"/>
+            <a:off x="3581400" y="4995862"/>
             <a:ext cx="113987" cy="42245"/>
           </a:xfrm>
           <a:prstGeom prst="rect">
@@ -15028,7 +16122,7 @@
         </p:nvSpPr>
         <p:spPr>
           <a:xfrm>
-            <a:off x="6705600" y="3810000"/>
+            <a:off x="7574824" y="3733800"/>
             <a:ext cx="121376" cy="174381"/>
           </a:xfrm>
           <a:prstGeom prst="rect">
@@ -15068,7 +16162,7 @@
         </p:nvSpPr>
         <p:spPr>
           <a:xfrm>
-            <a:off x="6655891" y="3923454"/>
+            <a:off x="7525115" y="3847254"/>
             <a:ext cx="113987" cy="42245"/>
           </a:xfrm>
           <a:prstGeom prst="rect">
@@ -15112,7 +16206,7 @@
         </p:nvSpPr>
         <p:spPr>
           <a:xfrm>
-            <a:off x="6655891" y="3842491"/>
+            <a:off x="7525115" y="3766291"/>
             <a:ext cx="113987" cy="42245"/>
           </a:xfrm>
           <a:prstGeom prst="rect">
@@ -15156,7 +16250,7 @@
         </p:nvSpPr>
         <p:spPr>
           <a:xfrm>
-            <a:off x="6831509" y="4763346"/>
+            <a:off x="7593509" y="4915746"/>
             <a:ext cx="121376" cy="174381"/>
           </a:xfrm>
           <a:prstGeom prst="rect">
@@ -15196,7 +16290,7 @@
         </p:nvSpPr>
         <p:spPr>
           <a:xfrm>
-            <a:off x="6781800" y="4876800"/>
+            <a:off x="7543800" y="5029200"/>
             <a:ext cx="113987" cy="42245"/>
           </a:xfrm>
           <a:prstGeom prst="rect">
@@ -15240,7 +16334,7 @@
         </p:nvSpPr>
         <p:spPr>
           <a:xfrm>
-            <a:off x="6781800" y="4795837"/>
+            <a:off x="7543800" y="4948237"/>
             <a:ext cx="113987" cy="42245"/>
           </a:xfrm>
           <a:prstGeom prst="rect">
@@ -15273,6 +16367,368 @@
           <a:p>
             <a:pPr algn="ctr"/>
             <a:endParaRPr lang="es-AR" sz="1600"/>
+          </a:p>
+        </p:txBody>
+      </p:sp>
+      <p:cxnSp>
+        <p:nvCxnSpPr>
+          <p:cNvPr id="53" name="52 Conector recto de flecha"/>
+          <p:cNvCxnSpPr>
+            <a:endCxn id="72" idx="1"/>
+          </p:cNvCxnSpPr>
+          <p:nvPr/>
+        </p:nvCxnSpPr>
+        <p:spPr>
+          <a:xfrm rot="5400000" flipH="1" flipV="1">
+            <a:off x="1703786" y="3075386"/>
+            <a:ext cx="1012031" cy="609598"/>
+          </a:xfrm>
+          <a:prstGeom prst="straightConnector1">
+            <a:avLst/>
+          </a:prstGeom>
+          <a:ln>
+            <a:prstDash val="dash"/>
+            <a:tailEnd type="arrow"/>
+          </a:ln>
+        </p:spPr>
+        <p:style>
+          <a:lnRef idx="1">
+            <a:schemeClr val="dk1"/>
+          </a:lnRef>
+          <a:fillRef idx="0">
+            <a:schemeClr val="dk1"/>
+          </a:fillRef>
+          <a:effectRef idx="0">
+            <a:schemeClr val="dk1"/>
+          </a:effectRef>
+          <a:fontRef idx="minor">
+            <a:schemeClr val="tx1"/>
+          </a:fontRef>
+        </p:style>
+      </p:cxnSp>
+      <p:cxnSp>
+        <p:nvCxnSpPr>
+          <p:cNvPr id="55" name="54 Conector recto de flecha"/>
+          <p:cNvCxnSpPr/>
+          <p:nvPr/>
+        </p:nvCxnSpPr>
+        <p:spPr>
+          <a:xfrm>
+            <a:off x="1905000" y="4017169"/>
+            <a:ext cx="609601" cy="1185861"/>
+          </a:xfrm>
+          <a:prstGeom prst="straightConnector1">
+            <a:avLst/>
+          </a:prstGeom>
+          <a:ln>
+            <a:prstDash val="dash"/>
+            <a:tailEnd type="arrow"/>
+          </a:ln>
+        </p:spPr>
+        <p:style>
+          <a:lnRef idx="1">
+            <a:schemeClr val="dk1"/>
+          </a:lnRef>
+          <a:fillRef idx="0">
+            <a:schemeClr val="dk1"/>
+          </a:fillRef>
+          <a:effectRef idx="0">
+            <a:schemeClr val="dk1"/>
+          </a:effectRef>
+          <a:fontRef idx="minor">
+            <a:schemeClr val="tx1"/>
+          </a:fontRef>
+        </p:style>
+      </p:cxnSp>
+      <p:cxnSp>
+        <p:nvCxnSpPr>
+          <p:cNvPr id="59" name="58 Conector recto de flecha"/>
+          <p:cNvCxnSpPr>
+            <a:stCxn id="72" idx="3"/>
+            <a:endCxn id="80" idx="1"/>
+          </p:cNvCxnSpPr>
+          <p:nvPr/>
+        </p:nvCxnSpPr>
+        <p:spPr>
+          <a:xfrm>
+            <a:off x="3810000" y="2874169"/>
+            <a:ext cx="609600" cy="1588"/>
+          </a:xfrm>
+          <a:prstGeom prst="straightConnector1">
+            <a:avLst/>
+          </a:prstGeom>
+          <a:ln>
+            <a:prstDash val="dash"/>
+            <a:tailEnd type="arrow"/>
+          </a:ln>
+        </p:spPr>
+        <p:style>
+          <a:lnRef idx="1">
+            <a:schemeClr val="dk1"/>
+          </a:lnRef>
+          <a:fillRef idx="0">
+            <a:schemeClr val="dk1"/>
+          </a:fillRef>
+          <a:effectRef idx="0">
+            <a:schemeClr val="dk1"/>
+          </a:effectRef>
+          <a:fontRef idx="minor">
+            <a:schemeClr val="tx1"/>
+          </a:fontRef>
+        </p:style>
+      </p:cxnSp>
+      <p:cxnSp>
+        <p:nvCxnSpPr>
+          <p:cNvPr id="61" name="60 Conector recto de flecha"/>
+          <p:cNvCxnSpPr>
+            <a:endCxn id="84" idx="1"/>
+          </p:cNvCxnSpPr>
+          <p:nvPr/>
+        </p:nvCxnSpPr>
+        <p:spPr>
+          <a:xfrm rot="16200000" flipH="1">
+            <a:off x="3668316" y="3189684"/>
+            <a:ext cx="892969" cy="609600"/>
+          </a:xfrm>
+          <a:prstGeom prst="straightConnector1">
+            <a:avLst/>
+          </a:prstGeom>
+          <a:ln>
+            <a:prstDash val="dash"/>
+            <a:tailEnd type="arrow"/>
+          </a:ln>
+        </p:spPr>
+        <p:style>
+          <a:lnRef idx="1">
+            <a:schemeClr val="dk1"/>
+          </a:lnRef>
+          <a:fillRef idx="0">
+            <a:schemeClr val="dk1"/>
+          </a:fillRef>
+          <a:effectRef idx="0">
+            <a:schemeClr val="dk1"/>
+          </a:effectRef>
+          <a:fontRef idx="minor">
+            <a:schemeClr val="tx1"/>
+          </a:fontRef>
+        </p:style>
+      </p:cxnSp>
+      <p:cxnSp>
+        <p:nvCxnSpPr>
+          <p:cNvPr id="64" name="63 Conector recto de flecha"/>
+          <p:cNvCxnSpPr>
+            <a:stCxn id="76" idx="3"/>
+            <a:endCxn id="88" idx="1"/>
+          </p:cNvCxnSpPr>
+          <p:nvPr/>
+        </p:nvCxnSpPr>
+        <p:spPr>
+          <a:xfrm>
+            <a:off x="3810000" y="5203031"/>
+            <a:ext cx="609600" cy="1588"/>
+          </a:xfrm>
+          <a:prstGeom prst="straightConnector1">
+            <a:avLst/>
+          </a:prstGeom>
+          <a:ln>
+            <a:prstDash val="dash"/>
+            <a:tailEnd type="arrow"/>
+          </a:ln>
+        </p:spPr>
+        <p:style>
+          <a:lnRef idx="1">
+            <a:schemeClr val="dk1"/>
+          </a:lnRef>
+          <a:fillRef idx="0">
+            <a:schemeClr val="dk1"/>
+          </a:fillRef>
+          <a:effectRef idx="0">
+            <a:schemeClr val="dk1"/>
+          </a:effectRef>
+          <a:fontRef idx="minor">
+            <a:schemeClr val="tx1"/>
+          </a:fontRef>
+        </p:style>
+      </p:cxnSp>
+      <p:cxnSp>
+        <p:nvCxnSpPr>
+          <p:cNvPr id="66" name="65 Conector recto de flecha"/>
+          <p:cNvCxnSpPr>
+            <a:stCxn id="84" idx="3"/>
+            <a:endCxn id="92" idx="1"/>
+          </p:cNvCxnSpPr>
+          <p:nvPr/>
+        </p:nvCxnSpPr>
+        <p:spPr>
+          <a:xfrm>
+            <a:off x="5715000" y="3940969"/>
+            <a:ext cx="762000" cy="1588"/>
+          </a:xfrm>
+          <a:prstGeom prst="straightConnector1">
+            <a:avLst/>
+          </a:prstGeom>
+          <a:ln>
+            <a:prstDash val="dash"/>
+            <a:tailEnd type="arrow"/>
+          </a:ln>
+        </p:spPr>
+        <p:style>
+          <a:lnRef idx="1">
+            <a:schemeClr val="dk1"/>
+          </a:lnRef>
+          <a:fillRef idx="0">
+            <a:schemeClr val="dk1"/>
+          </a:fillRef>
+          <a:effectRef idx="0">
+            <a:schemeClr val="dk1"/>
+          </a:effectRef>
+          <a:fontRef idx="minor">
+            <a:schemeClr val="tx1"/>
+          </a:fontRef>
+        </p:style>
+      </p:cxnSp>
+      <p:cxnSp>
+        <p:nvCxnSpPr>
+          <p:cNvPr id="68" name="67 Conector recto de flecha"/>
+          <p:cNvCxnSpPr>
+            <a:stCxn id="100" idx="0"/>
+            <a:endCxn id="92" idx="2"/>
+          </p:cNvCxnSpPr>
+          <p:nvPr/>
+        </p:nvCxnSpPr>
+        <p:spPr>
+          <a:xfrm rot="5400000" flipH="1" flipV="1">
+            <a:off x="6798469" y="4550569"/>
+            <a:ext cx="652462" cy="1588"/>
+          </a:xfrm>
+          <a:prstGeom prst="straightConnector1">
+            <a:avLst/>
+          </a:prstGeom>
+          <a:ln>
+            <a:prstDash val="dash"/>
+            <a:tailEnd type="arrow"/>
+          </a:ln>
+        </p:spPr>
+        <p:style>
+          <a:lnRef idx="1">
+            <a:schemeClr val="dk1"/>
+          </a:lnRef>
+          <a:fillRef idx="0">
+            <a:schemeClr val="dk1"/>
+          </a:fillRef>
+          <a:effectRef idx="0">
+            <a:schemeClr val="dk1"/>
+          </a:effectRef>
+          <a:fontRef idx="minor">
+            <a:schemeClr val="tx1"/>
+          </a:fontRef>
+        </p:style>
+      </p:cxnSp>
+      <p:cxnSp>
+        <p:nvCxnSpPr>
+          <p:cNvPr id="70" name="69 Conector recto de flecha"/>
+          <p:cNvCxnSpPr>
+            <a:stCxn id="80" idx="3"/>
+          </p:cNvCxnSpPr>
+          <p:nvPr/>
+        </p:nvCxnSpPr>
+        <p:spPr>
+          <a:xfrm>
+            <a:off x="5715000" y="2874169"/>
+            <a:ext cx="914400" cy="783431"/>
+          </a:xfrm>
+          <a:prstGeom prst="straightConnector1">
+            <a:avLst/>
+          </a:prstGeom>
+          <a:ln>
+            <a:prstDash val="dash"/>
+            <a:tailEnd type="arrow"/>
+          </a:ln>
+        </p:spPr>
+        <p:style>
+          <a:lnRef idx="1">
+            <a:schemeClr val="dk1"/>
+          </a:lnRef>
+          <a:fillRef idx="0">
+            <a:schemeClr val="dk1"/>
+          </a:fillRef>
+          <a:effectRef idx="0">
+            <a:schemeClr val="dk1"/>
+          </a:effectRef>
+          <a:fontRef idx="minor">
+            <a:schemeClr val="tx1"/>
+          </a:fontRef>
+        </p:style>
+      </p:cxnSp>
+      <p:cxnSp>
+        <p:nvCxnSpPr>
+          <p:cNvPr id="77" name="76 Conector recto de flecha"/>
+          <p:cNvCxnSpPr/>
+          <p:nvPr/>
+        </p:nvCxnSpPr>
+        <p:spPr>
+          <a:xfrm rot="5400000" flipH="1" flipV="1">
+            <a:off x="6935653" y="3503747"/>
+            <a:ext cx="304006" cy="2112"/>
+          </a:xfrm>
+          <a:prstGeom prst="straightConnector1">
+            <a:avLst/>
+          </a:prstGeom>
+          <a:ln>
+            <a:prstDash val="dash"/>
+            <a:tailEnd type="arrow"/>
+          </a:ln>
+        </p:spPr>
+        <p:style>
+          <a:lnRef idx="1">
+            <a:schemeClr val="dk1"/>
+          </a:lnRef>
+          <a:fillRef idx="0">
+            <a:schemeClr val="dk1"/>
+          </a:fillRef>
+          <a:effectRef idx="0">
+            <a:schemeClr val="dk1"/>
+          </a:effectRef>
+          <a:fontRef idx="minor">
+            <a:schemeClr val="tx1"/>
+          </a:fontRef>
+        </p:style>
+      </p:cxnSp>
+      <p:sp>
+        <p:nvSpPr>
+          <p:cNvPr id="95" name="94 CuadroTexto"/>
+          <p:cNvSpPr txBox="1"/>
+          <p:nvPr/>
+        </p:nvSpPr>
+        <p:spPr>
+          <a:xfrm>
+            <a:off x="7162800" y="3352800"/>
+            <a:ext cx="896399" cy="253916"/>
+          </a:xfrm>
+          <a:prstGeom prst="rect">
+            <a:avLst/>
+          </a:prstGeom>
+          <a:noFill/>
+        </p:spPr>
+        <p:txBody>
+          <a:bodyPr wrap="none" rtlCol="0">
+            <a:spAutoFit/>
+          </a:bodyPr>
+          <a:lstStyle/>
+          <a:p>
+            <a:r>
+              <a:rPr lang="es-AR" sz="1050" i="1" dirty="0" smtClean="0"/>
+              <a:t>&lt;&lt;</a:t>
+            </a:r>
+            <a:r>
+              <a:rPr lang="es-AR" sz="1050" i="1" dirty="0" err="1" smtClean="0"/>
+              <a:t>requires</a:t>
+            </a:r>
+            <a:r>
+              <a:rPr lang="es-AR" sz="1050" i="1" dirty="0" smtClean="0"/>
+              <a:t>&gt;&gt;</a:t>
+            </a:r>
+            <a:endParaRPr lang="es-AR" sz="1050" i="1" dirty="0"/>
           </a:p>
         </p:txBody>
       </p:sp>
@@ -17420,11 +18876,7 @@
                 <a:pPr algn="ctr"/>
                 <a:r>
                   <a:rPr lang="es-AR" sz="1200" dirty="0" smtClean="0"/>
-                  <a:t>Clases de </a:t>
-                </a:r>
-                <a:r>
-                  <a:rPr lang="es-AR" sz="1200" dirty="0" smtClean="0"/>
-                  <a:t>dominio y JXL</a:t>
+                  <a:t>Clases de dominio y JXL</a:t>
                 </a:r>
                 <a:endParaRPr lang="es-AR" sz="1200" dirty="0"/>
               </a:p>
@@ -19357,9 +20809,14 @@
           <a:p>
             <a:pPr algn="ctr"/>
             <a:r>
-              <a:rPr lang="es-AR" sz="4800" b="1" dirty="0" smtClean="0"/>
-              <a:t>Modelo de Datos</a:t>
+              <a:rPr lang="es-AR" sz="4800" b="1" u="sng" dirty="0" smtClean="0"/>
+              <a:t>Modelo de </a:t>
             </a:r>
+            <a:r>
+              <a:rPr lang="es-AR" sz="4800" b="1" u="sng" dirty="0" smtClean="0"/>
+              <a:t>Datos (I)</a:t>
+            </a:r>
+            <a:endParaRPr lang="es-AR" sz="4800" b="1" u="sng" dirty="0" smtClean="0"/>
           </a:p>
           <a:p>
             <a:pPr algn="ctr"/>
@@ -19492,28 +20949,26 @@
       </p:grpSp>
       <p:pic>
         <p:nvPicPr>
-          <p:cNvPr id="1026" name="Picture 2" descr="C:\Users\Dario\Desktop\Taller Desarrollo I\Investigacion\BBDD\Diagrama-MR.png"/>
+          <p:cNvPr id="25" name="24 Imagen" descr="parte1.gif"/>
           <p:cNvPicPr>
-            <a:picLocks noChangeAspect="1" noChangeArrowheads="1"/>
+            <a:picLocks noChangeAspect="1"/>
           </p:cNvPicPr>
           <p:nvPr/>
         </p:nvPicPr>
         <p:blipFill>
-          <a:blip r:embed="rId3" cstate="print"/>
-          <a:srcRect/>
+          <a:blip r:embed="rId3"/>
           <a:stretch>
             <a:fillRect/>
           </a:stretch>
         </p:blipFill>
-        <p:spPr bwMode="auto">
+        <p:spPr>
           <a:xfrm>
-            <a:off x="2362200" y="2133600"/>
-            <a:ext cx="4572000" cy="4082902"/>
+            <a:off x="1371600" y="2133600"/>
+            <a:ext cx="6511672" cy="4329310"/>
           </a:xfrm>
           <a:prstGeom prst="rect">
             <a:avLst/>
           </a:prstGeom>
-          <a:noFill/>
         </p:spPr>
       </p:pic>
     </p:spTree>
@@ -19532,6 +20987,1128 @@
 </file>
 
 <file path=ppt/slides/slide8.xml><?xml version="1.0" encoding="utf-8"?>
+<p:sld xmlns:a="http://schemas.openxmlformats.org/drawingml/2006/main" xmlns:r="http://schemas.openxmlformats.org/officeDocument/2006/relationships" xmlns:p="http://schemas.openxmlformats.org/presentationml/2006/main">
+  <p:cSld>
+    <p:spTree>
+      <p:nvGrpSpPr>
+        <p:cNvPr id="1" name=""/>
+        <p:cNvGrpSpPr/>
+        <p:nvPr/>
+      </p:nvGrpSpPr>
+      <p:grpSpPr>
+        <a:xfrm>
+          <a:off x="0" y="0"/>
+          <a:ext cx="0" cy="0"/>
+          <a:chOff x="0" y="0"/>
+          <a:chExt cx="0" cy="0"/>
+        </a:xfrm>
+      </p:grpSpPr>
+      <p:grpSp>
+        <p:nvGrpSpPr>
+          <p:cNvPr id="4" name="Group 22"/>
+          <p:cNvGrpSpPr/>
+          <p:nvPr/>
+        </p:nvGrpSpPr>
+        <p:grpSpPr>
+          <a:xfrm>
+            <a:off x="304800" y="304800"/>
+            <a:ext cx="8534400" cy="6248400"/>
+            <a:chOff x="304800" y="304800"/>
+            <a:chExt cx="8534400" cy="6248400"/>
+          </a:xfrm>
+          <a:solidFill>
+            <a:schemeClr val="bg1">
+              <a:lumMod val="85000"/>
+            </a:schemeClr>
+          </a:solidFill>
+        </p:grpSpPr>
+        <p:sp>
+          <p:nvSpPr>
+            <p:cNvPr id="5" name="Rounded Rectangle 17"/>
+            <p:cNvSpPr/>
+            <p:nvPr/>
+          </p:nvSpPr>
+          <p:spPr>
+            <a:xfrm>
+              <a:off x="304800" y="304800"/>
+              <a:ext cx="8534400" cy="6248400"/>
+            </a:xfrm>
+            <a:prstGeom prst="roundRect">
+              <a:avLst/>
+            </a:prstGeom>
+            <a:grpFill/>
+            <a:ln>
+              <a:noFill/>
+            </a:ln>
+          </p:spPr>
+          <p:style>
+            <a:lnRef idx="2">
+              <a:schemeClr val="accent1">
+                <a:shade val="50000"/>
+              </a:schemeClr>
+            </a:lnRef>
+            <a:fillRef idx="1">
+              <a:schemeClr val="accent1"/>
+            </a:fillRef>
+            <a:effectRef idx="0">
+              <a:schemeClr val="accent1"/>
+            </a:effectRef>
+            <a:fontRef idx="minor">
+              <a:schemeClr val="lt1"/>
+            </a:fontRef>
+          </p:style>
+          <p:txBody>
+            <a:bodyPr rtlCol="0" anchor="ctr"/>
+            <a:lstStyle/>
+            <a:p>
+              <a:pPr algn="ctr"/>
+              <a:endParaRPr lang="es-AR"/>
+            </a:p>
+          </p:txBody>
+        </p:sp>
+        <p:sp>
+          <p:nvSpPr>
+            <p:cNvPr id="6" name="Rounded Rectangle 21"/>
+            <p:cNvSpPr/>
+            <p:nvPr/>
+          </p:nvSpPr>
+          <p:spPr>
+            <a:xfrm>
+              <a:off x="7086600" y="304800"/>
+              <a:ext cx="1752600" cy="1752600"/>
+            </a:xfrm>
+            <a:prstGeom prst="roundRect">
+              <a:avLst/>
+            </a:prstGeom>
+            <a:grpFill/>
+            <a:ln>
+              <a:noFill/>
+            </a:ln>
+          </p:spPr>
+          <p:style>
+            <a:lnRef idx="2">
+              <a:schemeClr val="accent1">
+                <a:shade val="50000"/>
+              </a:schemeClr>
+            </a:lnRef>
+            <a:fillRef idx="1">
+              <a:schemeClr val="accent1"/>
+            </a:fillRef>
+            <a:effectRef idx="0">
+              <a:schemeClr val="accent1"/>
+            </a:effectRef>
+            <a:fontRef idx="minor">
+              <a:schemeClr val="lt1"/>
+            </a:fontRef>
+          </p:style>
+          <p:txBody>
+            <a:bodyPr rtlCol="0" anchor="ctr"/>
+            <a:lstStyle/>
+            <a:p>
+              <a:pPr algn="ctr"/>
+              <a:endParaRPr lang="es-AR"/>
+            </a:p>
+          </p:txBody>
+        </p:sp>
+        <p:sp>
+          <p:nvSpPr>
+            <p:cNvPr id="7" name="Rounded Rectangle 20"/>
+            <p:cNvSpPr/>
+            <p:nvPr/>
+          </p:nvSpPr>
+          <p:spPr>
+            <a:xfrm>
+              <a:off x="304800" y="304800"/>
+              <a:ext cx="1752600" cy="1752600"/>
+            </a:xfrm>
+            <a:prstGeom prst="roundRect">
+              <a:avLst/>
+            </a:prstGeom>
+            <a:grpFill/>
+            <a:ln>
+              <a:noFill/>
+            </a:ln>
+          </p:spPr>
+          <p:style>
+            <a:lnRef idx="2">
+              <a:schemeClr val="accent1">
+                <a:shade val="50000"/>
+              </a:schemeClr>
+            </a:lnRef>
+            <a:fillRef idx="1">
+              <a:schemeClr val="accent1"/>
+            </a:fillRef>
+            <a:effectRef idx="0">
+              <a:schemeClr val="accent1"/>
+            </a:effectRef>
+            <a:fontRef idx="minor">
+              <a:schemeClr val="lt1"/>
+            </a:fontRef>
+          </p:style>
+          <p:txBody>
+            <a:bodyPr rtlCol="0" anchor="ctr"/>
+            <a:lstStyle/>
+            <a:p>
+              <a:pPr algn="ctr"/>
+              <a:endParaRPr lang="es-AR"/>
+            </a:p>
+          </p:txBody>
+        </p:sp>
+        <p:sp>
+          <p:nvSpPr>
+            <p:cNvPr id="8" name="Rounded Rectangle 16"/>
+            <p:cNvSpPr/>
+            <p:nvPr/>
+          </p:nvSpPr>
+          <p:spPr>
+            <a:xfrm>
+              <a:off x="304800" y="4800600"/>
+              <a:ext cx="1752600" cy="1752600"/>
+            </a:xfrm>
+            <a:prstGeom prst="roundRect">
+              <a:avLst/>
+            </a:prstGeom>
+            <a:grpFill/>
+            <a:ln>
+              <a:noFill/>
+            </a:ln>
+          </p:spPr>
+          <p:style>
+            <a:lnRef idx="2">
+              <a:schemeClr val="accent1">
+                <a:shade val="50000"/>
+              </a:schemeClr>
+            </a:lnRef>
+            <a:fillRef idx="1">
+              <a:schemeClr val="accent1"/>
+            </a:fillRef>
+            <a:effectRef idx="0">
+              <a:schemeClr val="accent1"/>
+            </a:effectRef>
+            <a:fontRef idx="minor">
+              <a:schemeClr val="lt1"/>
+            </a:fontRef>
+          </p:style>
+          <p:txBody>
+            <a:bodyPr rtlCol="0" anchor="ctr"/>
+            <a:lstStyle/>
+            <a:p>
+              <a:pPr algn="ctr"/>
+              <a:endParaRPr lang="es-AR"/>
+            </a:p>
+          </p:txBody>
+        </p:sp>
+        <p:sp>
+          <p:nvSpPr>
+            <p:cNvPr id="9" name="Rounded Rectangle 18"/>
+            <p:cNvSpPr/>
+            <p:nvPr/>
+          </p:nvSpPr>
+          <p:spPr>
+            <a:xfrm>
+              <a:off x="7086600" y="4800600"/>
+              <a:ext cx="1752600" cy="1752600"/>
+            </a:xfrm>
+            <a:prstGeom prst="roundRect">
+              <a:avLst/>
+            </a:prstGeom>
+            <a:grpFill/>
+            <a:ln>
+              <a:noFill/>
+            </a:ln>
+          </p:spPr>
+          <p:style>
+            <a:lnRef idx="2">
+              <a:schemeClr val="accent1">
+                <a:shade val="50000"/>
+              </a:schemeClr>
+            </a:lnRef>
+            <a:fillRef idx="1">
+              <a:schemeClr val="accent1"/>
+            </a:fillRef>
+            <a:effectRef idx="0">
+              <a:schemeClr val="accent1"/>
+            </a:effectRef>
+            <a:fontRef idx="minor">
+              <a:schemeClr val="lt1"/>
+            </a:fontRef>
+          </p:style>
+          <p:txBody>
+            <a:bodyPr rtlCol="0" anchor="ctr"/>
+            <a:lstStyle/>
+            <a:p>
+              <a:pPr algn="ctr"/>
+              <a:endParaRPr lang="es-AR"/>
+            </a:p>
+          </p:txBody>
+        </p:sp>
+      </p:grpSp>
+      <p:sp>
+        <p:nvSpPr>
+          <p:cNvPr id="10" name="Freeform 39"/>
+          <p:cNvSpPr/>
+          <p:nvPr/>
+        </p:nvSpPr>
+        <p:spPr>
+          <a:xfrm>
+            <a:off x="457200" y="457200"/>
+            <a:ext cx="8229600" cy="5803900"/>
+          </a:xfrm>
+          <a:custGeom>
+            <a:avLst/>
+            <a:gdLst>
+              <a:gd name="connsiteX0" fmla="*/ 0 w 8077200"/>
+              <a:gd name="connsiteY0" fmla="*/ 965219 h 5791200"/>
+              <a:gd name="connsiteX1" fmla="*/ 282707 w 8077200"/>
+              <a:gd name="connsiteY1" fmla="*/ 282706 h 5791200"/>
+              <a:gd name="connsiteX2" fmla="*/ 965221 w 8077200"/>
+              <a:gd name="connsiteY2" fmla="*/ 1 h 5791200"/>
+              <a:gd name="connsiteX3" fmla="*/ 7111981 w 8077200"/>
+              <a:gd name="connsiteY3" fmla="*/ 0 h 5791200"/>
+              <a:gd name="connsiteX4" fmla="*/ 7794494 w 8077200"/>
+              <a:gd name="connsiteY4" fmla="*/ 282707 h 5791200"/>
+              <a:gd name="connsiteX5" fmla="*/ 8077199 w 8077200"/>
+              <a:gd name="connsiteY5" fmla="*/ 965221 h 5791200"/>
+              <a:gd name="connsiteX6" fmla="*/ 8077200 w 8077200"/>
+              <a:gd name="connsiteY6" fmla="*/ 4825981 h 5791200"/>
+              <a:gd name="connsiteX7" fmla="*/ 7794494 w 8077200"/>
+              <a:gd name="connsiteY7" fmla="*/ 5508494 h 5791200"/>
+              <a:gd name="connsiteX8" fmla="*/ 7111981 w 8077200"/>
+              <a:gd name="connsiteY8" fmla="*/ 5791200 h 5791200"/>
+              <a:gd name="connsiteX9" fmla="*/ 965219 w 8077200"/>
+              <a:gd name="connsiteY9" fmla="*/ 5791200 h 5791200"/>
+              <a:gd name="connsiteX10" fmla="*/ 282706 w 8077200"/>
+              <a:gd name="connsiteY10" fmla="*/ 5508493 h 5791200"/>
+              <a:gd name="connsiteX11" fmla="*/ 0 w 8077200"/>
+              <a:gd name="connsiteY11" fmla="*/ 4825980 h 5791200"/>
+              <a:gd name="connsiteX12" fmla="*/ 0 w 8077200"/>
+              <a:gd name="connsiteY12" fmla="*/ 965219 h 5791200"/>
+              <a:gd name="connsiteX0" fmla="*/ 0 w 8077200"/>
+              <a:gd name="connsiteY0" fmla="*/ 609600 h 5791200"/>
+              <a:gd name="connsiteX1" fmla="*/ 282707 w 8077200"/>
+              <a:gd name="connsiteY1" fmla="*/ 282706 h 5791200"/>
+              <a:gd name="connsiteX2" fmla="*/ 965221 w 8077200"/>
+              <a:gd name="connsiteY2" fmla="*/ 1 h 5791200"/>
+              <a:gd name="connsiteX3" fmla="*/ 7111981 w 8077200"/>
+              <a:gd name="connsiteY3" fmla="*/ 0 h 5791200"/>
+              <a:gd name="connsiteX4" fmla="*/ 7794494 w 8077200"/>
+              <a:gd name="connsiteY4" fmla="*/ 282707 h 5791200"/>
+              <a:gd name="connsiteX5" fmla="*/ 8077199 w 8077200"/>
+              <a:gd name="connsiteY5" fmla="*/ 965221 h 5791200"/>
+              <a:gd name="connsiteX6" fmla="*/ 8077200 w 8077200"/>
+              <a:gd name="connsiteY6" fmla="*/ 4825981 h 5791200"/>
+              <a:gd name="connsiteX7" fmla="*/ 7794494 w 8077200"/>
+              <a:gd name="connsiteY7" fmla="*/ 5508494 h 5791200"/>
+              <a:gd name="connsiteX8" fmla="*/ 7111981 w 8077200"/>
+              <a:gd name="connsiteY8" fmla="*/ 5791200 h 5791200"/>
+              <a:gd name="connsiteX9" fmla="*/ 965219 w 8077200"/>
+              <a:gd name="connsiteY9" fmla="*/ 5791200 h 5791200"/>
+              <a:gd name="connsiteX10" fmla="*/ 282706 w 8077200"/>
+              <a:gd name="connsiteY10" fmla="*/ 5508493 h 5791200"/>
+              <a:gd name="connsiteX11" fmla="*/ 0 w 8077200"/>
+              <a:gd name="connsiteY11" fmla="*/ 4825980 h 5791200"/>
+              <a:gd name="connsiteX12" fmla="*/ 0 w 8077200"/>
+              <a:gd name="connsiteY12" fmla="*/ 609600 h 5791200"/>
+              <a:gd name="connsiteX0" fmla="*/ 0 w 8077200"/>
+              <a:gd name="connsiteY0" fmla="*/ 609601 h 5791201"/>
+              <a:gd name="connsiteX1" fmla="*/ 282707 w 8077200"/>
+              <a:gd name="connsiteY1" fmla="*/ 282707 h 5791201"/>
+              <a:gd name="connsiteX2" fmla="*/ 609600 w 8077200"/>
+              <a:gd name="connsiteY2" fmla="*/ 1 h 5791201"/>
+              <a:gd name="connsiteX3" fmla="*/ 7111981 w 8077200"/>
+              <a:gd name="connsiteY3" fmla="*/ 1 h 5791201"/>
+              <a:gd name="connsiteX4" fmla="*/ 7794494 w 8077200"/>
+              <a:gd name="connsiteY4" fmla="*/ 282708 h 5791201"/>
+              <a:gd name="connsiteX5" fmla="*/ 8077199 w 8077200"/>
+              <a:gd name="connsiteY5" fmla="*/ 965222 h 5791201"/>
+              <a:gd name="connsiteX6" fmla="*/ 8077200 w 8077200"/>
+              <a:gd name="connsiteY6" fmla="*/ 4825982 h 5791201"/>
+              <a:gd name="connsiteX7" fmla="*/ 7794494 w 8077200"/>
+              <a:gd name="connsiteY7" fmla="*/ 5508495 h 5791201"/>
+              <a:gd name="connsiteX8" fmla="*/ 7111981 w 8077200"/>
+              <a:gd name="connsiteY8" fmla="*/ 5791201 h 5791201"/>
+              <a:gd name="connsiteX9" fmla="*/ 965219 w 8077200"/>
+              <a:gd name="connsiteY9" fmla="*/ 5791201 h 5791201"/>
+              <a:gd name="connsiteX10" fmla="*/ 282706 w 8077200"/>
+              <a:gd name="connsiteY10" fmla="*/ 5508494 h 5791201"/>
+              <a:gd name="connsiteX11" fmla="*/ 0 w 8077200"/>
+              <a:gd name="connsiteY11" fmla="*/ 4825981 h 5791201"/>
+              <a:gd name="connsiteX12" fmla="*/ 0 w 8077200"/>
+              <a:gd name="connsiteY12" fmla="*/ 609601 h 5791201"/>
+              <a:gd name="connsiteX0" fmla="*/ 0 w 8077200"/>
+              <a:gd name="connsiteY0" fmla="*/ 609601 h 5791201"/>
+              <a:gd name="connsiteX1" fmla="*/ 152400 w 8077200"/>
+              <a:gd name="connsiteY1" fmla="*/ 152402 h 5791201"/>
+              <a:gd name="connsiteX2" fmla="*/ 609600 w 8077200"/>
+              <a:gd name="connsiteY2" fmla="*/ 1 h 5791201"/>
+              <a:gd name="connsiteX3" fmla="*/ 7111981 w 8077200"/>
+              <a:gd name="connsiteY3" fmla="*/ 1 h 5791201"/>
+              <a:gd name="connsiteX4" fmla="*/ 7794494 w 8077200"/>
+              <a:gd name="connsiteY4" fmla="*/ 282708 h 5791201"/>
+              <a:gd name="connsiteX5" fmla="*/ 8077199 w 8077200"/>
+              <a:gd name="connsiteY5" fmla="*/ 965222 h 5791201"/>
+              <a:gd name="connsiteX6" fmla="*/ 8077200 w 8077200"/>
+              <a:gd name="connsiteY6" fmla="*/ 4825982 h 5791201"/>
+              <a:gd name="connsiteX7" fmla="*/ 7794494 w 8077200"/>
+              <a:gd name="connsiteY7" fmla="*/ 5508495 h 5791201"/>
+              <a:gd name="connsiteX8" fmla="*/ 7111981 w 8077200"/>
+              <a:gd name="connsiteY8" fmla="*/ 5791201 h 5791201"/>
+              <a:gd name="connsiteX9" fmla="*/ 965219 w 8077200"/>
+              <a:gd name="connsiteY9" fmla="*/ 5791201 h 5791201"/>
+              <a:gd name="connsiteX10" fmla="*/ 282706 w 8077200"/>
+              <a:gd name="connsiteY10" fmla="*/ 5508494 h 5791201"/>
+              <a:gd name="connsiteX11" fmla="*/ 0 w 8077200"/>
+              <a:gd name="connsiteY11" fmla="*/ 4825981 h 5791201"/>
+              <a:gd name="connsiteX12" fmla="*/ 0 w 8077200"/>
+              <a:gd name="connsiteY12" fmla="*/ 609601 h 5791201"/>
+              <a:gd name="connsiteX0" fmla="*/ 0 w 8077200"/>
+              <a:gd name="connsiteY0" fmla="*/ 609600 h 5791200"/>
+              <a:gd name="connsiteX1" fmla="*/ 152400 w 8077200"/>
+              <a:gd name="connsiteY1" fmla="*/ 152401 h 5791200"/>
+              <a:gd name="connsiteX2" fmla="*/ 533400 w 8077200"/>
+              <a:gd name="connsiteY2" fmla="*/ 1 h 5791200"/>
+              <a:gd name="connsiteX3" fmla="*/ 7111981 w 8077200"/>
+              <a:gd name="connsiteY3" fmla="*/ 0 h 5791200"/>
+              <a:gd name="connsiteX4" fmla="*/ 7794494 w 8077200"/>
+              <a:gd name="connsiteY4" fmla="*/ 282707 h 5791200"/>
+              <a:gd name="connsiteX5" fmla="*/ 8077199 w 8077200"/>
+              <a:gd name="connsiteY5" fmla="*/ 965221 h 5791200"/>
+              <a:gd name="connsiteX6" fmla="*/ 8077200 w 8077200"/>
+              <a:gd name="connsiteY6" fmla="*/ 4825981 h 5791200"/>
+              <a:gd name="connsiteX7" fmla="*/ 7794494 w 8077200"/>
+              <a:gd name="connsiteY7" fmla="*/ 5508494 h 5791200"/>
+              <a:gd name="connsiteX8" fmla="*/ 7111981 w 8077200"/>
+              <a:gd name="connsiteY8" fmla="*/ 5791200 h 5791200"/>
+              <a:gd name="connsiteX9" fmla="*/ 965219 w 8077200"/>
+              <a:gd name="connsiteY9" fmla="*/ 5791200 h 5791200"/>
+              <a:gd name="connsiteX10" fmla="*/ 282706 w 8077200"/>
+              <a:gd name="connsiteY10" fmla="*/ 5508493 h 5791200"/>
+              <a:gd name="connsiteX11" fmla="*/ 0 w 8077200"/>
+              <a:gd name="connsiteY11" fmla="*/ 4825980 h 5791200"/>
+              <a:gd name="connsiteX12" fmla="*/ 0 w 8077200"/>
+              <a:gd name="connsiteY12" fmla="*/ 609600 h 5791200"/>
+              <a:gd name="connsiteX0" fmla="*/ 0 w 8077200"/>
+              <a:gd name="connsiteY0" fmla="*/ 533400 h 5791200"/>
+              <a:gd name="connsiteX1" fmla="*/ 152400 w 8077200"/>
+              <a:gd name="connsiteY1" fmla="*/ 152401 h 5791200"/>
+              <a:gd name="connsiteX2" fmla="*/ 533400 w 8077200"/>
+              <a:gd name="connsiteY2" fmla="*/ 1 h 5791200"/>
+              <a:gd name="connsiteX3" fmla="*/ 7111981 w 8077200"/>
+              <a:gd name="connsiteY3" fmla="*/ 0 h 5791200"/>
+              <a:gd name="connsiteX4" fmla="*/ 7794494 w 8077200"/>
+              <a:gd name="connsiteY4" fmla="*/ 282707 h 5791200"/>
+              <a:gd name="connsiteX5" fmla="*/ 8077199 w 8077200"/>
+              <a:gd name="connsiteY5" fmla="*/ 965221 h 5791200"/>
+              <a:gd name="connsiteX6" fmla="*/ 8077200 w 8077200"/>
+              <a:gd name="connsiteY6" fmla="*/ 4825981 h 5791200"/>
+              <a:gd name="connsiteX7" fmla="*/ 7794494 w 8077200"/>
+              <a:gd name="connsiteY7" fmla="*/ 5508494 h 5791200"/>
+              <a:gd name="connsiteX8" fmla="*/ 7111981 w 8077200"/>
+              <a:gd name="connsiteY8" fmla="*/ 5791200 h 5791200"/>
+              <a:gd name="connsiteX9" fmla="*/ 965219 w 8077200"/>
+              <a:gd name="connsiteY9" fmla="*/ 5791200 h 5791200"/>
+              <a:gd name="connsiteX10" fmla="*/ 282706 w 8077200"/>
+              <a:gd name="connsiteY10" fmla="*/ 5508493 h 5791200"/>
+              <a:gd name="connsiteX11" fmla="*/ 0 w 8077200"/>
+              <a:gd name="connsiteY11" fmla="*/ 4825980 h 5791200"/>
+              <a:gd name="connsiteX12" fmla="*/ 0 w 8077200"/>
+              <a:gd name="connsiteY12" fmla="*/ 533400 h 5791200"/>
+              <a:gd name="connsiteX0" fmla="*/ 12700 w 8089900"/>
+              <a:gd name="connsiteY0" fmla="*/ 546100 h 5803900"/>
+              <a:gd name="connsiteX1" fmla="*/ 88900 w 8089900"/>
+              <a:gd name="connsiteY1" fmla="*/ 88900 h 5803900"/>
+              <a:gd name="connsiteX2" fmla="*/ 546100 w 8089900"/>
+              <a:gd name="connsiteY2" fmla="*/ 12701 h 5803900"/>
+              <a:gd name="connsiteX3" fmla="*/ 7124681 w 8089900"/>
+              <a:gd name="connsiteY3" fmla="*/ 12700 h 5803900"/>
+              <a:gd name="connsiteX4" fmla="*/ 7807194 w 8089900"/>
+              <a:gd name="connsiteY4" fmla="*/ 295407 h 5803900"/>
+              <a:gd name="connsiteX5" fmla="*/ 8089899 w 8089900"/>
+              <a:gd name="connsiteY5" fmla="*/ 977921 h 5803900"/>
+              <a:gd name="connsiteX6" fmla="*/ 8089900 w 8089900"/>
+              <a:gd name="connsiteY6" fmla="*/ 4838681 h 5803900"/>
+              <a:gd name="connsiteX7" fmla="*/ 7807194 w 8089900"/>
+              <a:gd name="connsiteY7" fmla="*/ 5521194 h 5803900"/>
+              <a:gd name="connsiteX8" fmla="*/ 7124681 w 8089900"/>
+              <a:gd name="connsiteY8" fmla="*/ 5803900 h 5803900"/>
+              <a:gd name="connsiteX9" fmla="*/ 977919 w 8089900"/>
+              <a:gd name="connsiteY9" fmla="*/ 5803900 h 5803900"/>
+              <a:gd name="connsiteX10" fmla="*/ 295406 w 8089900"/>
+              <a:gd name="connsiteY10" fmla="*/ 5521193 h 5803900"/>
+              <a:gd name="connsiteX11" fmla="*/ 12700 w 8089900"/>
+              <a:gd name="connsiteY11" fmla="*/ 4838680 h 5803900"/>
+              <a:gd name="connsiteX12" fmla="*/ 12700 w 8089900"/>
+              <a:gd name="connsiteY12" fmla="*/ 546100 h 5803900"/>
+              <a:gd name="connsiteX0" fmla="*/ 12700 w 8089900"/>
+              <a:gd name="connsiteY0" fmla="*/ 546100 h 5803900"/>
+              <a:gd name="connsiteX1" fmla="*/ 88900 w 8089900"/>
+              <a:gd name="connsiteY1" fmla="*/ 88900 h 5803900"/>
+              <a:gd name="connsiteX2" fmla="*/ 546100 w 8089900"/>
+              <a:gd name="connsiteY2" fmla="*/ 12701 h 5803900"/>
+              <a:gd name="connsiteX3" fmla="*/ 7124681 w 8089900"/>
+              <a:gd name="connsiteY3" fmla="*/ 12700 h 5803900"/>
+              <a:gd name="connsiteX4" fmla="*/ 7807194 w 8089900"/>
+              <a:gd name="connsiteY4" fmla="*/ 295407 h 5803900"/>
+              <a:gd name="connsiteX5" fmla="*/ 8089899 w 8089900"/>
+              <a:gd name="connsiteY5" fmla="*/ 977921 h 5803900"/>
+              <a:gd name="connsiteX6" fmla="*/ 8089900 w 8089900"/>
+              <a:gd name="connsiteY6" fmla="*/ 4838681 h 5803900"/>
+              <a:gd name="connsiteX7" fmla="*/ 7807194 w 8089900"/>
+              <a:gd name="connsiteY7" fmla="*/ 5521194 h 5803900"/>
+              <a:gd name="connsiteX8" fmla="*/ 7124681 w 8089900"/>
+              <a:gd name="connsiteY8" fmla="*/ 5803900 h 5803900"/>
+              <a:gd name="connsiteX9" fmla="*/ 977919 w 8089900"/>
+              <a:gd name="connsiteY9" fmla="*/ 5803900 h 5803900"/>
+              <a:gd name="connsiteX10" fmla="*/ 295406 w 8089900"/>
+              <a:gd name="connsiteY10" fmla="*/ 5521193 h 5803900"/>
+              <a:gd name="connsiteX11" fmla="*/ 12700 w 8089900"/>
+              <a:gd name="connsiteY11" fmla="*/ 5346700 h 5803900"/>
+              <a:gd name="connsiteX12" fmla="*/ 12700 w 8089900"/>
+              <a:gd name="connsiteY12" fmla="*/ 546100 h 5803900"/>
+              <a:gd name="connsiteX0" fmla="*/ 12700 w 8089900"/>
+              <a:gd name="connsiteY0" fmla="*/ 546100 h 5803900"/>
+              <a:gd name="connsiteX1" fmla="*/ 88900 w 8089900"/>
+              <a:gd name="connsiteY1" fmla="*/ 88900 h 5803900"/>
+              <a:gd name="connsiteX2" fmla="*/ 546100 w 8089900"/>
+              <a:gd name="connsiteY2" fmla="*/ 12701 h 5803900"/>
+              <a:gd name="connsiteX3" fmla="*/ 7124681 w 8089900"/>
+              <a:gd name="connsiteY3" fmla="*/ 12700 h 5803900"/>
+              <a:gd name="connsiteX4" fmla="*/ 7807194 w 8089900"/>
+              <a:gd name="connsiteY4" fmla="*/ 295407 h 5803900"/>
+              <a:gd name="connsiteX5" fmla="*/ 8089899 w 8089900"/>
+              <a:gd name="connsiteY5" fmla="*/ 977921 h 5803900"/>
+              <a:gd name="connsiteX6" fmla="*/ 8089900 w 8089900"/>
+              <a:gd name="connsiteY6" fmla="*/ 4838681 h 5803900"/>
+              <a:gd name="connsiteX7" fmla="*/ 7807194 w 8089900"/>
+              <a:gd name="connsiteY7" fmla="*/ 5521194 h 5803900"/>
+              <a:gd name="connsiteX8" fmla="*/ 7124681 w 8089900"/>
+              <a:gd name="connsiteY8" fmla="*/ 5803900 h 5803900"/>
+              <a:gd name="connsiteX9" fmla="*/ 546100 w 8089900"/>
+              <a:gd name="connsiteY9" fmla="*/ 5803900 h 5803900"/>
+              <a:gd name="connsiteX10" fmla="*/ 295406 w 8089900"/>
+              <a:gd name="connsiteY10" fmla="*/ 5521193 h 5803900"/>
+              <a:gd name="connsiteX11" fmla="*/ 12700 w 8089900"/>
+              <a:gd name="connsiteY11" fmla="*/ 5346700 h 5803900"/>
+              <a:gd name="connsiteX12" fmla="*/ 12700 w 8089900"/>
+              <a:gd name="connsiteY12" fmla="*/ 546100 h 5803900"/>
+              <a:gd name="connsiteX0" fmla="*/ 12700 w 8089900"/>
+              <a:gd name="connsiteY0" fmla="*/ 546100 h 5803900"/>
+              <a:gd name="connsiteX1" fmla="*/ 88900 w 8089900"/>
+              <a:gd name="connsiteY1" fmla="*/ 88900 h 5803900"/>
+              <a:gd name="connsiteX2" fmla="*/ 546100 w 8089900"/>
+              <a:gd name="connsiteY2" fmla="*/ 12701 h 5803900"/>
+              <a:gd name="connsiteX3" fmla="*/ 7124681 w 8089900"/>
+              <a:gd name="connsiteY3" fmla="*/ 12700 h 5803900"/>
+              <a:gd name="connsiteX4" fmla="*/ 7807194 w 8089900"/>
+              <a:gd name="connsiteY4" fmla="*/ 295407 h 5803900"/>
+              <a:gd name="connsiteX5" fmla="*/ 8089899 w 8089900"/>
+              <a:gd name="connsiteY5" fmla="*/ 977921 h 5803900"/>
+              <a:gd name="connsiteX6" fmla="*/ 8089900 w 8089900"/>
+              <a:gd name="connsiteY6" fmla="*/ 4838681 h 5803900"/>
+              <a:gd name="connsiteX7" fmla="*/ 7807194 w 8089900"/>
+              <a:gd name="connsiteY7" fmla="*/ 5521194 h 5803900"/>
+              <a:gd name="connsiteX8" fmla="*/ 7124681 w 8089900"/>
+              <a:gd name="connsiteY8" fmla="*/ 5803900 h 5803900"/>
+              <a:gd name="connsiteX9" fmla="*/ 546100 w 8089900"/>
+              <a:gd name="connsiteY9" fmla="*/ 5803900 h 5803900"/>
+              <a:gd name="connsiteX10" fmla="*/ 88900 w 8089900"/>
+              <a:gd name="connsiteY10" fmla="*/ 5727700 h 5803900"/>
+              <a:gd name="connsiteX11" fmla="*/ 12700 w 8089900"/>
+              <a:gd name="connsiteY11" fmla="*/ 5346700 h 5803900"/>
+              <a:gd name="connsiteX12" fmla="*/ 12700 w 8089900"/>
+              <a:gd name="connsiteY12" fmla="*/ 546100 h 5803900"/>
+              <a:gd name="connsiteX0" fmla="*/ 12700 w 8089900"/>
+              <a:gd name="connsiteY0" fmla="*/ 546100 h 5803900"/>
+              <a:gd name="connsiteX1" fmla="*/ 88900 w 8089900"/>
+              <a:gd name="connsiteY1" fmla="*/ 88900 h 5803900"/>
+              <a:gd name="connsiteX2" fmla="*/ 546100 w 8089900"/>
+              <a:gd name="connsiteY2" fmla="*/ 12701 h 5803900"/>
+              <a:gd name="connsiteX3" fmla="*/ 7556500 w 8089900"/>
+              <a:gd name="connsiteY3" fmla="*/ 12700 h 5803900"/>
+              <a:gd name="connsiteX4" fmla="*/ 7807194 w 8089900"/>
+              <a:gd name="connsiteY4" fmla="*/ 295407 h 5803900"/>
+              <a:gd name="connsiteX5" fmla="*/ 8089899 w 8089900"/>
+              <a:gd name="connsiteY5" fmla="*/ 977921 h 5803900"/>
+              <a:gd name="connsiteX6" fmla="*/ 8089900 w 8089900"/>
+              <a:gd name="connsiteY6" fmla="*/ 4838681 h 5803900"/>
+              <a:gd name="connsiteX7" fmla="*/ 7807194 w 8089900"/>
+              <a:gd name="connsiteY7" fmla="*/ 5521194 h 5803900"/>
+              <a:gd name="connsiteX8" fmla="*/ 7124681 w 8089900"/>
+              <a:gd name="connsiteY8" fmla="*/ 5803900 h 5803900"/>
+              <a:gd name="connsiteX9" fmla="*/ 546100 w 8089900"/>
+              <a:gd name="connsiteY9" fmla="*/ 5803900 h 5803900"/>
+              <a:gd name="connsiteX10" fmla="*/ 88900 w 8089900"/>
+              <a:gd name="connsiteY10" fmla="*/ 5727700 h 5803900"/>
+              <a:gd name="connsiteX11" fmla="*/ 12700 w 8089900"/>
+              <a:gd name="connsiteY11" fmla="*/ 5346700 h 5803900"/>
+              <a:gd name="connsiteX12" fmla="*/ 12700 w 8089900"/>
+              <a:gd name="connsiteY12" fmla="*/ 546100 h 5803900"/>
+              <a:gd name="connsiteX0" fmla="*/ 12700 w 8089901"/>
+              <a:gd name="connsiteY0" fmla="*/ 546100 h 5803900"/>
+              <a:gd name="connsiteX1" fmla="*/ 88900 w 8089901"/>
+              <a:gd name="connsiteY1" fmla="*/ 88900 h 5803900"/>
+              <a:gd name="connsiteX2" fmla="*/ 546100 w 8089901"/>
+              <a:gd name="connsiteY2" fmla="*/ 12701 h 5803900"/>
+              <a:gd name="connsiteX3" fmla="*/ 7556500 w 8089901"/>
+              <a:gd name="connsiteY3" fmla="*/ 12700 h 5803900"/>
+              <a:gd name="connsiteX4" fmla="*/ 7807194 w 8089901"/>
+              <a:gd name="connsiteY4" fmla="*/ 295407 h 5803900"/>
+              <a:gd name="connsiteX5" fmla="*/ 8089900 w 8089901"/>
+              <a:gd name="connsiteY5" fmla="*/ 469900 h 5803900"/>
+              <a:gd name="connsiteX6" fmla="*/ 8089900 w 8089901"/>
+              <a:gd name="connsiteY6" fmla="*/ 4838681 h 5803900"/>
+              <a:gd name="connsiteX7" fmla="*/ 7807194 w 8089901"/>
+              <a:gd name="connsiteY7" fmla="*/ 5521194 h 5803900"/>
+              <a:gd name="connsiteX8" fmla="*/ 7124681 w 8089901"/>
+              <a:gd name="connsiteY8" fmla="*/ 5803900 h 5803900"/>
+              <a:gd name="connsiteX9" fmla="*/ 546100 w 8089901"/>
+              <a:gd name="connsiteY9" fmla="*/ 5803900 h 5803900"/>
+              <a:gd name="connsiteX10" fmla="*/ 88900 w 8089901"/>
+              <a:gd name="connsiteY10" fmla="*/ 5727700 h 5803900"/>
+              <a:gd name="connsiteX11" fmla="*/ 12700 w 8089901"/>
+              <a:gd name="connsiteY11" fmla="*/ 5346700 h 5803900"/>
+              <a:gd name="connsiteX12" fmla="*/ 12700 w 8089901"/>
+              <a:gd name="connsiteY12" fmla="*/ 546100 h 5803900"/>
+              <a:gd name="connsiteX0" fmla="*/ 12700 w 8102600"/>
+              <a:gd name="connsiteY0" fmla="*/ 546100 h 5803900"/>
+              <a:gd name="connsiteX1" fmla="*/ 88900 w 8102600"/>
+              <a:gd name="connsiteY1" fmla="*/ 88900 h 5803900"/>
+              <a:gd name="connsiteX2" fmla="*/ 546100 w 8102600"/>
+              <a:gd name="connsiteY2" fmla="*/ 12701 h 5803900"/>
+              <a:gd name="connsiteX3" fmla="*/ 7556500 w 8102600"/>
+              <a:gd name="connsiteY3" fmla="*/ 12700 h 5803900"/>
+              <a:gd name="connsiteX4" fmla="*/ 8013700 w 8102600"/>
+              <a:gd name="connsiteY4" fmla="*/ 88900 h 5803900"/>
+              <a:gd name="connsiteX5" fmla="*/ 8089900 w 8102600"/>
+              <a:gd name="connsiteY5" fmla="*/ 469900 h 5803900"/>
+              <a:gd name="connsiteX6" fmla="*/ 8089900 w 8102600"/>
+              <a:gd name="connsiteY6" fmla="*/ 4838681 h 5803900"/>
+              <a:gd name="connsiteX7" fmla="*/ 7807194 w 8102600"/>
+              <a:gd name="connsiteY7" fmla="*/ 5521194 h 5803900"/>
+              <a:gd name="connsiteX8" fmla="*/ 7124681 w 8102600"/>
+              <a:gd name="connsiteY8" fmla="*/ 5803900 h 5803900"/>
+              <a:gd name="connsiteX9" fmla="*/ 546100 w 8102600"/>
+              <a:gd name="connsiteY9" fmla="*/ 5803900 h 5803900"/>
+              <a:gd name="connsiteX10" fmla="*/ 88900 w 8102600"/>
+              <a:gd name="connsiteY10" fmla="*/ 5727700 h 5803900"/>
+              <a:gd name="connsiteX11" fmla="*/ 12700 w 8102600"/>
+              <a:gd name="connsiteY11" fmla="*/ 5346700 h 5803900"/>
+              <a:gd name="connsiteX12" fmla="*/ 12700 w 8102600"/>
+              <a:gd name="connsiteY12" fmla="*/ 546100 h 5803900"/>
+              <a:gd name="connsiteX0" fmla="*/ 12700 w 8102600"/>
+              <a:gd name="connsiteY0" fmla="*/ 546100 h 5803900"/>
+              <a:gd name="connsiteX1" fmla="*/ 88900 w 8102600"/>
+              <a:gd name="connsiteY1" fmla="*/ 88900 h 5803900"/>
+              <a:gd name="connsiteX2" fmla="*/ 546100 w 8102600"/>
+              <a:gd name="connsiteY2" fmla="*/ 12701 h 5803900"/>
+              <a:gd name="connsiteX3" fmla="*/ 7556500 w 8102600"/>
+              <a:gd name="connsiteY3" fmla="*/ 12700 h 5803900"/>
+              <a:gd name="connsiteX4" fmla="*/ 8013700 w 8102600"/>
+              <a:gd name="connsiteY4" fmla="*/ 88900 h 5803900"/>
+              <a:gd name="connsiteX5" fmla="*/ 8089899 w 8102600"/>
+              <a:gd name="connsiteY5" fmla="*/ 469900 h 5803900"/>
+              <a:gd name="connsiteX6" fmla="*/ 8089900 w 8102600"/>
+              <a:gd name="connsiteY6" fmla="*/ 4838681 h 5803900"/>
+              <a:gd name="connsiteX7" fmla="*/ 7807194 w 8102600"/>
+              <a:gd name="connsiteY7" fmla="*/ 5521194 h 5803900"/>
+              <a:gd name="connsiteX8" fmla="*/ 7124681 w 8102600"/>
+              <a:gd name="connsiteY8" fmla="*/ 5803900 h 5803900"/>
+              <a:gd name="connsiteX9" fmla="*/ 546100 w 8102600"/>
+              <a:gd name="connsiteY9" fmla="*/ 5803900 h 5803900"/>
+              <a:gd name="connsiteX10" fmla="*/ 88900 w 8102600"/>
+              <a:gd name="connsiteY10" fmla="*/ 5727700 h 5803900"/>
+              <a:gd name="connsiteX11" fmla="*/ 12700 w 8102600"/>
+              <a:gd name="connsiteY11" fmla="*/ 5346700 h 5803900"/>
+              <a:gd name="connsiteX12" fmla="*/ 12700 w 8102600"/>
+              <a:gd name="connsiteY12" fmla="*/ 546100 h 5803900"/>
+              <a:gd name="connsiteX0" fmla="*/ 12700 w 8102599"/>
+              <a:gd name="connsiteY0" fmla="*/ 546100 h 5803900"/>
+              <a:gd name="connsiteX1" fmla="*/ 88900 w 8102599"/>
+              <a:gd name="connsiteY1" fmla="*/ 88900 h 5803900"/>
+              <a:gd name="connsiteX2" fmla="*/ 546100 w 8102599"/>
+              <a:gd name="connsiteY2" fmla="*/ 12701 h 5803900"/>
+              <a:gd name="connsiteX3" fmla="*/ 7556500 w 8102599"/>
+              <a:gd name="connsiteY3" fmla="*/ 12700 h 5803900"/>
+              <a:gd name="connsiteX4" fmla="*/ 8013699 w 8102599"/>
+              <a:gd name="connsiteY4" fmla="*/ 88900 h 5803900"/>
+              <a:gd name="connsiteX5" fmla="*/ 8089899 w 8102599"/>
+              <a:gd name="connsiteY5" fmla="*/ 469900 h 5803900"/>
+              <a:gd name="connsiteX6" fmla="*/ 8089900 w 8102599"/>
+              <a:gd name="connsiteY6" fmla="*/ 4838681 h 5803900"/>
+              <a:gd name="connsiteX7" fmla="*/ 7807194 w 8102599"/>
+              <a:gd name="connsiteY7" fmla="*/ 5521194 h 5803900"/>
+              <a:gd name="connsiteX8" fmla="*/ 7124681 w 8102599"/>
+              <a:gd name="connsiteY8" fmla="*/ 5803900 h 5803900"/>
+              <a:gd name="connsiteX9" fmla="*/ 546100 w 8102599"/>
+              <a:gd name="connsiteY9" fmla="*/ 5803900 h 5803900"/>
+              <a:gd name="connsiteX10" fmla="*/ 88900 w 8102599"/>
+              <a:gd name="connsiteY10" fmla="*/ 5727700 h 5803900"/>
+              <a:gd name="connsiteX11" fmla="*/ 12700 w 8102599"/>
+              <a:gd name="connsiteY11" fmla="*/ 5346700 h 5803900"/>
+              <a:gd name="connsiteX12" fmla="*/ 12700 w 8102599"/>
+              <a:gd name="connsiteY12" fmla="*/ 546100 h 5803900"/>
+              <a:gd name="connsiteX0" fmla="*/ 12700 w 8102599"/>
+              <a:gd name="connsiteY0" fmla="*/ 546100 h 5803900"/>
+              <a:gd name="connsiteX1" fmla="*/ 88900 w 8102599"/>
+              <a:gd name="connsiteY1" fmla="*/ 88900 h 5803900"/>
+              <a:gd name="connsiteX2" fmla="*/ 546100 w 8102599"/>
+              <a:gd name="connsiteY2" fmla="*/ 12701 h 5803900"/>
+              <a:gd name="connsiteX3" fmla="*/ 7556500 w 8102599"/>
+              <a:gd name="connsiteY3" fmla="*/ 12700 h 5803900"/>
+              <a:gd name="connsiteX4" fmla="*/ 8013699 w 8102599"/>
+              <a:gd name="connsiteY4" fmla="*/ 88900 h 5803900"/>
+              <a:gd name="connsiteX5" fmla="*/ 8089899 w 8102599"/>
+              <a:gd name="connsiteY5" fmla="*/ 469900 h 5803900"/>
+              <a:gd name="connsiteX6" fmla="*/ 8089900 w 8102599"/>
+              <a:gd name="connsiteY6" fmla="*/ 5346700 h 5803900"/>
+              <a:gd name="connsiteX7" fmla="*/ 7807194 w 8102599"/>
+              <a:gd name="connsiteY7" fmla="*/ 5521194 h 5803900"/>
+              <a:gd name="connsiteX8" fmla="*/ 7124681 w 8102599"/>
+              <a:gd name="connsiteY8" fmla="*/ 5803900 h 5803900"/>
+              <a:gd name="connsiteX9" fmla="*/ 546100 w 8102599"/>
+              <a:gd name="connsiteY9" fmla="*/ 5803900 h 5803900"/>
+              <a:gd name="connsiteX10" fmla="*/ 88900 w 8102599"/>
+              <a:gd name="connsiteY10" fmla="*/ 5727700 h 5803900"/>
+              <a:gd name="connsiteX11" fmla="*/ 12700 w 8102599"/>
+              <a:gd name="connsiteY11" fmla="*/ 5346700 h 5803900"/>
+              <a:gd name="connsiteX12" fmla="*/ 12700 w 8102599"/>
+              <a:gd name="connsiteY12" fmla="*/ 546100 h 5803900"/>
+              <a:gd name="connsiteX0" fmla="*/ 12700 w 8102599"/>
+              <a:gd name="connsiteY0" fmla="*/ 546100 h 5803900"/>
+              <a:gd name="connsiteX1" fmla="*/ 88900 w 8102599"/>
+              <a:gd name="connsiteY1" fmla="*/ 88900 h 5803900"/>
+              <a:gd name="connsiteX2" fmla="*/ 546100 w 8102599"/>
+              <a:gd name="connsiteY2" fmla="*/ 12701 h 5803900"/>
+              <a:gd name="connsiteX3" fmla="*/ 7556500 w 8102599"/>
+              <a:gd name="connsiteY3" fmla="*/ 12700 h 5803900"/>
+              <a:gd name="connsiteX4" fmla="*/ 8013699 w 8102599"/>
+              <a:gd name="connsiteY4" fmla="*/ 88900 h 5803900"/>
+              <a:gd name="connsiteX5" fmla="*/ 8089899 w 8102599"/>
+              <a:gd name="connsiteY5" fmla="*/ 469900 h 5803900"/>
+              <a:gd name="connsiteX6" fmla="*/ 8089900 w 8102599"/>
+              <a:gd name="connsiteY6" fmla="*/ 5346700 h 5803900"/>
+              <a:gd name="connsiteX7" fmla="*/ 7807194 w 8102599"/>
+              <a:gd name="connsiteY7" fmla="*/ 5521194 h 5803900"/>
+              <a:gd name="connsiteX8" fmla="*/ 7632700 w 8102599"/>
+              <a:gd name="connsiteY8" fmla="*/ 5803900 h 5803900"/>
+              <a:gd name="connsiteX9" fmla="*/ 546100 w 8102599"/>
+              <a:gd name="connsiteY9" fmla="*/ 5803900 h 5803900"/>
+              <a:gd name="connsiteX10" fmla="*/ 88900 w 8102599"/>
+              <a:gd name="connsiteY10" fmla="*/ 5727700 h 5803900"/>
+              <a:gd name="connsiteX11" fmla="*/ 12700 w 8102599"/>
+              <a:gd name="connsiteY11" fmla="*/ 5346700 h 5803900"/>
+              <a:gd name="connsiteX12" fmla="*/ 12700 w 8102599"/>
+              <a:gd name="connsiteY12" fmla="*/ 546100 h 5803900"/>
+              <a:gd name="connsiteX0" fmla="*/ 12700 w 8102599"/>
+              <a:gd name="connsiteY0" fmla="*/ 546100 h 5803900"/>
+              <a:gd name="connsiteX1" fmla="*/ 88900 w 8102599"/>
+              <a:gd name="connsiteY1" fmla="*/ 88900 h 5803900"/>
+              <a:gd name="connsiteX2" fmla="*/ 546100 w 8102599"/>
+              <a:gd name="connsiteY2" fmla="*/ 12701 h 5803900"/>
+              <a:gd name="connsiteX3" fmla="*/ 7556500 w 8102599"/>
+              <a:gd name="connsiteY3" fmla="*/ 12700 h 5803900"/>
+              <a:gd name="connsiteX4" fmla="*/ 8013699 w 8102599"/>
+              <a:gd name="connsiteY4" fmla="*/ 88900 h 5803900"/>
+              <a:gd name="connsiteX5" fmla="*/ 8089899 w 8102599"/>
+              <a:gd name="connsiteY5" fmla="*/ 469900 h 5803900"/>
+              <a:gd name="connsiteX6" fmla="*/ 8089900 w 8102599"/>
+              <a:gd name="connsiteY6" fmla="*/ 5346700 h 5803900"/>
+              <a:gd name="connsiteX7" fmla="*/ 8013700 w 8102599"/>
+              <a:gd name="connsiteY7" fmla="*/ 5727700 h 5803900"/>
+              <a:gd name="connsiteX8" fmla="*/ 7632700 w 8102599"/>
+              <a:gd name="connsiteY8" fmla="*/ 5803900 h 5803900"/>
+              <a:gd name="connsiteX9" fmla="*/ 546100 w 8102599"/>
+              <a:gd name="connsiteY9" fmla="*/ 5803900 h 5803900"/>
+              <a:gd name="connsiteX10" fmla="*/ 88900 w 8102599"/>
+              <a:gd name="connsiteY10" fmla="*/ 5727700 h 5803900"/>
+              <a:gd name="connsiteX11" fmla="*/ 12700 w 8102599"/>
+              <a:gd name="connsiteY11" fmla="*/ 5346700 h 5803900"/>
+              <a:gd name="connsiteX12" fmla="*/ 12700 w 8102599"/>
+              <a:gd name="connsiteY12" fmla="*/ 546100 h 5803900"/>
+            </a:gdLst>
+            <a:ahLst/>
+            <a:cxnLst>
+              <a:cxn ang="0">
+                <a:pos x="connsiteX0" y="connsiteY0"/>
+              </a:cxn>
+              <a:cxn ang="0">
+                <a:pos x="connsiteX1" y="connsiteY1"/>
+              </a:cxn>
+              <a:cxn ang="0">
+                <a:pos x="connsiteX2" y="connsiteY2"/>
+              </a:cxn>
+              <a:cxn ang="0">
+                <a:pos x="connsiteX3" y="connsiteY3"/>
+              </a:cxn>
+              <a:cxn ang="0">
+                <a:pos x="connsiteX4" y="connsiteY4"/>
+              </a:cxn>
+              <a:cxn ang="0">
+                <a:pos x="connsiteX5" y="connsiteY5"/>
+              </a:cxn>
+              <a:cxn ang="0">
+                <a:pos x="connsiteX6" y="connsiteY6"/>
+              </a:cxn>
+              <a:cxn ang="0">
+                <a:pos x="connsiteX7" y="connsiteY7"/>
+              </a:cxn>
+              <a:cxn ang="0">
+                <a:pos x="connsiteX8" y="connsiteY8"/>
+              </a:cxn>
+              <a:cxn ang="0">
+                <a:pos x="connsiteX9" y="connsiteY9"/>
+              </a:cxn>
+              <a:cxn ang="0">
+                <a:pos x="connsiteX10" y="connsiteY10"/>
+              </a:cxn>
+              <a:cxn ang="0">
+                <a:pos x="connsiteX11" y="connsiteY11"/>
+              </a:cxn>
+              <a:cxn ang="0">
+                <a:pos x="connsiteX12" y="connsiteY12"/>
+              </a:cxn>
+            </a:cxnLst>
+            <a:rect l="l" t="t" r="r" b="b"/>
+            <a:pathLst>
+              <a:path w="8102599" h="5803900">
+                <a:moveTo>
+                  <a:pt x="12700" y="546100"/>
+                </a:moveTo>
+                <a:cubicBezTo>
+                  <a:pt x="12700" y="290108"/>
+                  <a:pt x="0" y="177800"/>
+                  <a:pt x="88900" y="88900"/>
+                </a:cubicBezTo>
+                <a:cubicBezTo>
+                  <a:pt x="177800" y="0"/>
+                  <a:pt x="290107" y="12700"/>
+                  <a:pt x="546100" y="12701"/>
+                </a:cubicBezTo>
+                <a:lnTo>
+                  <a:pt x="7556500" y="12700"/>
+                </a:lnTo>
+                <a:cubicBezTo>
+                  <a:pt x="7812492" y="12700"/>
+                  <a:pt x="7924799" y="12700"/>
+                  <a:pt x="8013699" y="88900"/>
+                </a:cubicBezTo>
+                <a:cubicBezTo>
+                  <a:pt x="8102599" y="165100"/>
+                  <a:pt x="8089900" y="213907"/>
+                  <a:pt x="8089899" y="469900"/>
+                </a:cubicBezTo>
+                <a:cubicBezTo>
+                  <a:pt x="8089899" y="1926160"/>
+                  <a:pt x="8089900" y="3890440"/>
+                  <a:pt x="8089900" y="5346700"/>
+                </a:cubicBezTo>
+                <a:cubicBezTo>
+                  <a:pt x="8089900" y="5602692"/>
+                  <a:pt x="8089900" y="5651500"/>
+                  <a:pt x="8013700" y="5727700"/>
+                </a:cubicBezTo>
+                <a:cubicBezTo>
+                  <a:pt x="7937500" y="5803900"/>
+                  <a:pt x="7888692" y="5803900"/>
+                  <a:pt x="7632700" y="5803900"/>
+                </a:cubicBezTo>
+                <a:lnTo>
+                  <a:pt x="546100" y="5803900"/>
+                </a:lnTo>
+                <a:cubicBezTo>
+                  <a:pt x="290108" y="5803900"/>
+                  <a:pt x="177800" y="5803900"/>
+                  <a:pt x="88900" y="5727700"/>
+                </a:cubicBezTo>
+                <a:cubicBezTo>
+                  <a:pt x="0" y="5651500"/>
+                  <a:pt x="12700" y="5602692"/>
+                  <a:pt x="12700" y="5346700"/>
+                </a:cubicBezTo>
+                <a:lnTo>
+                  <a:pt x="12700" y="546100"/>
+                </a:lnTo>
+                <a:close/>
+              </a:path>
+            </a:pathLst>
+          </a:custGeom>
+          <a:gradFill>
+            <a:gsLst>
+              <a:gs pos="0">
+                <a:schemeClr val="bg1">
+                  <a:lumMod val="50000"/>
+                </a:schemeClr>
+              </a:gs>
+              <a:gs pos="39999">
+                <a:schemeClr val="bg1">
+                  <a:lumMod val="65000"/>
+                </a:schemeClr>
+              </a:gs>
+              <a:gs pos="70000">
+                <a:schemeClr val="bg1">
+                  <a:lumMod val="50000"/>
+                  <a:alpha val="73000"/>
+                </a:schemeClr>
+              </a:gs>
+            </a:gsLst>
+            <a:lin ang="5400000" scaled="0"/>
+          </a:gradFill>
+          <a:ln>
+            <a:solidFill>
+              <a:schemeClr val="bg1">
+                <a:lumMod val="75000"/>
+              </a:schemeClr>
+            </a:solidFill>
+          </a:ln>
+        </p:spPr>
+        <p:style>
+          <a:lnRef idx="2">
+            <a:schemeClr val="accent1">
+              <a:shade val="50000"/>
+            </a:schemeClr>
+          </a:lnRef>
+          <a:fillRef idx="1">
+            <a:schemeClr val="accent1"/>
+          </a:fillRef>
+          <a:effectRef idx="0">
+            <a:schemeClr val="accent1"/>
+          </a:effectRef>
+          <a:fontRef idx="minor">
+            <a:schemeClr val="lt1"/>
+          </a:fontRef>
+        </p:style>
+        <p:txBody>
+          <a:bodyPr rtlCol="0" anchor="ctr"/>
+          <a:lstStyle/>
+          <a:p>
+            <a:pPr fontAlgn="t"/>
+            <a:endParaRPr lang="es-AR" b="1" dirty="0" smtClean="0"/>
+          </a:p>
+          <a:p>
+            <a:pPr algn="ctr"/>
+            <a:endParaRPr lang="es-AR" dirty="0"/>
+          </a:p>
+        </p:txBody>
+      </p:sp>
+      <p:sp>
+        <p:nvSpPr>
+          <p:cNvPr id="11" name="Rectangle 13"/>
+          <p:cNvSpPr/>
+          <p:nvPr/>
+        </p:nvSpPr>
+        <p:spPr>
+          <a:xfrm>
+            <a:off x="381000" y="1295400"/>
+            <a:ext cx="8458200" cy="1066800"/>
+          </a:xfrm>
+          <a:prstGeom prst="rect">
+            <a:avLst/>
+          </a:prstGeom>
+          <a:noFill/>
+          <a:ln>
+            <a:noFill/>
+          </a:ln>
+        </p:spPr>
+        <p:style>
+          <a:lnRef idx="2">
+            <a:schemeClr val="accent1">
+              <a:shade val="50000"/>
+            </a:schemeClr>
+          </a:lnRef>
+          <a:fillRef idx="1">
+            <a:schemeClr val="accent1"/>
+          </a:fillRef>
+          <a:effectRef idx="0">
+            <a:schemeClr val="accent1"/>
+          </a:effectRef>
+          <a:fontRef idx="minor">
+            <a:schemeClr val="lt1"/>
+          </a:fontRef>
+        </p:style>
+        <p:txBody>
+          <a:bodyPr rtlCol="0" anchor="ctr"/>
+          <a:lstStyle/>
+          <a:p>
+            <a:pPr algn="ctr"/>
+            <a:r>
+              <a:rPr lang="es-AR" sz="4800" b="1" u="sng" dirty="0" smtClean="0"/>
+              <a:t>Modelo de </a:t>
+            </a:r>
+            <a:r>
+              <a:rPr lang="es-AR" sz="4800" b="1" u="sng" dirty="0" smtClean="0"/>
+              <a:t>Datos (II)</a:t>
+            </a:r>
+            <a:endParaRPr lang="es-AR" sz="4800" b="1" u="sng" dirty="0" smtClean="0"/>
+          </a:p>
+          <a:p>
+            <a:pPr algn="ctr"/>
+            <a:endParaRPr lang="es-AR" sz="1200" dirty="0"/>
+          </a:p>
+        </p:txBody>
+      </p:sp>
+      <p:grpSp>
+        <p:nvGrpSpPr>
+          <p:cNvPr id="12" name="Group 14"/>
+          <p:cNvGrpSpPr/>
+          <p:nvPr/>
+        </p:nvGrpSpPr>
+        <p:grpSpPr>
+          <a:xfrm>
+            <a:off x="1295400" y="544415"/>
+            <a:ext cx="6553200" cy="903384"/>
+            <a:chOff x="1295400" y="544415"/>
+            <a:chExt cx="6553200" cy="903384"/>
+          </a:xfrm>
+        </p:grpSpPr>
+        <p:sp>
+          <p:nvSpPr>
+            <p:cNvPr id="13" name="Round Same Side Corner Rectangle 15"/>
+            <p:cNvSpPr/>
+            <p:nvPr/>
+          </p:nvSpPr>
+          <p:spPr>
+            <a:xfrm rot="10800000">
+              <a:off x="1295400" y="544415"/>
+              <a:ext cx="6553200" cy="903384"/>
+            </a:xfrm>
+            <a:prstGeom prst="round2SameRect">
+              <a:avLst/>
+            </a:prstGeom>
+          </p:spPr>
+          <p:style>
+            <a:lnRef idx="2">
+              <a:schemeClr val="dk1">
+                <a:shade val="50000"/>
+              </a:schemeClr>
+            </a:lnRef>
+            <a:fillRef idx="1">
+              <a:schemeClr val="dk1"/>
+            </a:fillRef>
+            <a:effectRef idx="0">
+              <a:schemeClr val="dk1"/>
+            </a:effectRef>
+            <a:fontRef idx="minor">
+              <a:schemeClr val="lt1"/>
+            </a:fontRef>
+          </p:style>
+          <p:txBody>
+            <a:bodyPr rtlCol="0" anchor="ctr"/>
+            <a:lstStyle/>
+            <a:p>
+              <a:pPr algn="ctr"/>
+              <a:endParaRPr lang="es-AR" dirty="0"/>
+            </a:p>
+          </p:txBody>
+        </p:sp>
+        <p:pic>
+          <p:nvPicPr>
+            <p:cNvPr id="14" name="Picture 2" descr="E:\U.B.A.Files\Materias\75.45 Taller de Desarrollo de Proyectos I\TP\Trunk\Proyecto\web\site\images\logo.png"/>
+            <p:cNvPicPr>
+              <a:picLocks noChangeAspect="1" noChangeArrowheads="1"/>
+            </p:cNvPicPr>
+            <p:nvPr/>
+          </p:nvPicPr>
+          <p:blipFill>
+            <a:blip r:embed="rId2" cstate="print"/>
+            <a:srcRect/>
+            <a:stretch>
+              <a:fillRect/>
+            </a:stretch>
+          </p:blipFill>
+          <p:spPr bwMode="auto">
+            <a:xfrm>
+              <a:off x="1600200" y="609600"/>
+              <a:ext cx="2640904" cy="762000"/>
+            </a:xfrm>
+            <a:prstGeom prst="rect">
+              <a:avLst/>
+            </a:prstGeom>
+            <a:noFill/>
+          </p:spPr>
+        </p:pic>
+        <p:sp>
+          <p:nvSpPr>
+            <p:cNvPr id="15" name="TextBox 22"/>
+            <p:cNvSpPr txBox="1"/>
+            <p:nvPr/>
+          </p:nvSpPr>
+          <p:spPr>
+            <a:xfrm>
+              <a:off x="4515457" y="685800"/>
+              <a:ext cx="3180743" cy="307777"/>
+            </a:xfrm>
+            <a:prstGeom prst="rect">
+              <a:avLst/>
+            </a:prstGeom>
+            <a:noFill/>
+          </p:spPr>
+          <p:txBody>
+            <a:bodyPr wrap="none" rtlCol="0">
+              <a:spAutoFit/>
+            </a:bodyPr>
+            <a:lstStyle/>
+            <a:p>
+              <a:r>
+                <a:rPr lang="es-AR" sz="1400" dirty="0" smtClean="0">
+                  <a:solidFill>
+                    <a:schemeClr val="bg1">
+                      <a:lumMod val="50000"/>
+                    </a:schemeClr>
+                  </a:solidFill>
+                </a:rPr>
+                <a:t>Centralización y análisis de datos</a:t>
+              </a:r>
+              <a:endParaRPr lang="es-AR" sz="1400" dirty="0">
+                <a:solidFill>
+                  <a:schemeClr val="bg1">
+                    <a:lumMod val="50000"/>
+                  </a:schemeClr>
+                </a:solidFill>
+              </a:endParaRPr>
+            </a:p>
+          </p:txBody>
+        </p:sp>
+      </p:grpSp>
+      <p:pic>
+        <p:nvPicPr>
+          <p:cNvPr id="19" name="18 Imagen" descr="parte2.gif"/>
+          <p:cNvPicPr>
+            <a:picLocks noChangeAspect="1"/>
+          </p:cNvPicPr>
+          <p:nvPr/>
+        </p:nvPicPr>
+        <p:blipFill>
+          <a:blip r:embed="rId3"/>
+          <a:stretch>
+            <a:fillRect/>
+          </a:stretch>
+        </p:blipFill>
+        <p:spPr>
+          <a:xfrm>
+            <a:off x="2362200" y="2133600"/>
+            <a:ext cx="4409831" cy="4062600"/>
+          </a:xfrm>
+          <a:prstGeom prst="rect">
+            <a:avLst/>
+          </a:prstGeom>
+        </p:spPr>
+      </p:pic>
+    </p:spTree>
+  </p:cSld>
+  <p:clrMapOvr>
+    <a:masterClrMapping/>
+  </p:clrMapOvr>
+  <p:timing>
+    <p:tnLst>
+      <p:par>
+        <p:cTn id="1" dur="indefinite" restart="never" nodeType="tmRoot"/>
+      </p:par>
+    </p:tnLst>
+  </p:timing>
+</p:sld>
+</file>
+
+<file path=ppt/slides/slide9.xml><?xml version="1.0" encoding="utf-8"?>
 <p:sld xmlns:a="http://schemas.openxmlformats.org/drawingml/2006/main" xmlns:r="http://schemas.openxmlformats.org/officeDocument/2006/relationships" xmlns:p="http://schemas.openxmlformats.org/presentationml/2006/main">
   <p:cSld>
     <p:spTree>
@@ -21057,1099 +23634,6 @@
 </p:sld>
 </file>
 
-<file path=ppt/slides/slide9.xml><?xml version="1.0" encoding="utf-8"?>
-<p:sld xmlns:a="http://schemas.openxmlformats.org/drawingml/2006/main" xmlns:r="http://schemas.openxmlformats.org/officeDocument/2006/relationships" xmlns:p="http://schemas.openxmlformats.org/presentationml/2006/main">
-  <p:cSld>
-    <p:spTree>
-      <p:nvGrpSpPr>
-        <p:cNvPr id="1" name=""/>
-        <p:cNvGrpSpPr/>
-        <p:nvPr/>
-      </p:nvGrpSpPr>
-      <p:grpSpPr>
-        <a:xfrm>
-          <a:off x="0" y="0"/>
-          <a:ext cx="0" cy="0"/>
-          <a:chOff x="0" y="0"/>
-          <a:chExt cx="0" cy="0"/>
-        </a:xfrm>
-      </p:grpSpPr>
-      <p:grpSp>
-        <p:nvGrpSpPr>
-          <p:cNvPr id="2" name="Group 22"/>
-          <p:cNvGrpSpPr/>
-          <p:nvPr/>
-        </p:nvGrpSpPr>
-        <p:grpSpPr>
-          <a:xfrm>
-            <a:off x="304800" y="304800"/>
-            <a:ext cx="8534400" cy="6248400"/>
-            <a:chOff x="304800" y="304800"/>
-            <a:chExt cx="8534400" cy="6248400"/>
-          </a:xfrm>
-          <a:solidFill>
-            <a:schemeClr val="bg1">
-              <a:lumMod val="85000"/>
-            </a:schemeClr>
-          </a:solidFill>
-        </p:grpSpPr>
-        <p:sp>
-          <p:nvSpPr>
-            <p:cNvPr id="18" name="Rounded Rectangle 17"/>
-            <p:cNvSpPr/>
-            <p:nvPr/>
-          </p:nvSpPr>
-          <p:spPr>
-            <a:xfrm>
-              <a:off x="304800" y="304800"/>
-              <a:ext cx="8534400" cy="6248400"/>
-            </a:xfrm>
-            <a:prstGeom prst="roundRect">
-              <a:avLst/>
-            </a:prstGeom>
-            <a:grpFill/>
-            <a:ln>
-              <a:noFill/>
-            </a:ln>
-          </p:spPr>
-          <p:style>
-            <a:lnRef idx="2">
-              <a:schemeClr val="accent1">
-                <a:shade val="50000"/>
-              </a:schemeClr>
-            </a:lnRef>
-            <a:fillRef idx="1">
-              <a:schemeClr val="accent1"/>
-            </a:fillRef>
-            <a:effectRef idx="0">
-              <a:schemeClr val="accent1"/>
-            </a:effectRef>
-            <a:fontRef idx="minor">
-              <a:schemeClr val="lt1"/>
-            </a:fontRef>
-          </p:style>
-          <p:txBody>
-            <a:bodyPr rtlCol="0" anchor="ctr"/>
-            <a:lstStyle/>
-            <a:p>
-              <a:pPr algn="ctr"/>
-              <a:endParaRPr lang="es-AR"/>
-            </a:p>
-          </p:txBody>
-        </p:sp>
-        <p:sp>
-          <p:nvSpPr>
-            <p:cNvPr id="22" name="Rounded Rectangle 21"/>
-            <p:cNvSpPr/>
-            <p:nvPr/>
-          </p:nvSpPr>
-          <p:spPr>
-            <a:xfrm>
-              <a:off x="7086600" y="304800"/>
-              <a:ext cx="1752600" cy="1752600"/>
-            </a:xfrm>
-            <a:prstGeom prst="roundRect">
-              <a:avLst/>
-            </a:prstGeom>
-            <a:grpFill/>
-            <a:ln>
-              <a:noFill/>
-            </a:ln>
-          </p:spPr>
-          <p:style>
-            <a:lnRef idx="2">
-              <a:schemeClr val="accent1">
-                <a:shade val="50000"/>
-              </a:schemeClr>
-            </a:lnRef>
-            <a:fillRef idx="1">
-              <a:schemeClr val="accent1"/>
-            </a:fillRef>
-            <a:effectRef idx="0">
-              <a:schemeClr val="accent1"/>
-            </a:effectRef>
-            <a:fontRef idx="minor">
-              <a:schemeClr val="lt1"/>
-            </a:fontRef>
-          </p:style>
-          <p:txBody>
-            <a:bodyPr rtlCol="0" anchor="ctr"/>
-            <a:lstStyle/>
-            <a:p>
-              <a:pPr algn="ctr"/>
-              <a:endParaRPr lang="es-AR"/>
-            </a:p>
-          </p:txBody>
-        </p:sp>
-        <p:sp>
-          <p:nvSpPr>
-            <p:cNvPr id="21" name="Rounded Rectangle 20"/>
-            <p:cNvSpPr/>
-            <p:nvPr/>
-          </p:nvSpPr>
-          <p:spPr>
-            <a:xfrm>
-              <a:off x="304800" y="304800"/>
-              <a:ext cx="1752600" cy="1752600"/>
-            </a:xfrm>
-            <a:prstGeom prst="roundRect">
-              <a:avLst/>
-            </a:prstGeom>
-            <a:grpFill/>
-            <a:ln>
-              <a:noFill/>
-            </a:ln>
-          </p:spPr>
-          <p:style>
-            <a:lnRef idx="2">
-              <a:schemeClr val="accent1">
-                <a:shade val="50000"/>
-              </a:schemeClr>
-            </a:lnRef>
-            <a:fillRef idx="1">
-              <a:schemeClr val="accent1"/>
-            </a:fillRef>
-            <a:effectRef idx="0">
-              <a:schemeClr val="accent1"/>
-            </a:effectRef>
-            <a:fontRef idx="minor">
-              <a:schemeClr val="lt1"/>
-            </a:fontRef>
-          </p:style>
-          <p:txBody>
-            <a:bodyPr rtlCol="0" anchor="ctr"/>
-            <a:lstStyle/>
-            <a:p>
-              <a:pPr algn="ctr"/>
-              <a:endParaRPr lang="es-AR"/>
-            </a:p>
-          </p:txBody>
-        </p:sp>
-        <p:sp>
-          <p:nvSpPr>
-            <p:cNvPr id="17" name="Rounded Rectangle 16"/>
-            <p:cNvSpPr/>
-            <p:nvPr/>
-          </p:nvSpPr>
-          <p:spPr>
-            <a:xfrm>
-              <a:off x="304800" y="4800600"/>
-              <a:ext cx="1752600" cy="1752600"/>
-            </a:xfrm>
-            <a:prstGeom prst="roundRect">
-              <a:avLst/>
-            </a:prstGeom>
-            <a:grpFill/>
-            <a:ln>
-              <a:noFill/>
-            </a:ln>
-          </p:spPr>
-          <p:style>
-            <a:lnRef idx="2">
-              <a:schemeClr val="accent1">
-                <a:shade val="50000"/>
-              </a:schemeClr>
-            </a:lnRef>
-            <a:fillRef idx="1">
-              <a:schemeClr val="accent1"/>
-            </a:fillRef>
-            <a:effectRef idx="0">
-              <a:schemeClr val="accent1"/>
-            </a:effectRef>
-            <a:fontRef idx="minor">
-              <a:schemeClr val="lt1"/>
-            </a:fontRef>
-          </p:style>
-          <p:txBody>
-            <a:bodyPr rtlCol="0" anchor="ctr"/>
-            <a:lstStyle/>
-            <a:p>
-              <a:pPr algn="ctr"/>
-              <a:endParaRPr lang="es-AR"/>
-            </a:p>
-          </p:txBody>
-        </p:sp>
-        <p:sp>
-          <p:nvSpPr>
-            <p:cNvPr id="19" name="Rounded Rectangle 18"/>
-            <p:cNvSpPr/>
-            <p:nvPr/>
-          </p:nvSpPr>
-          <p:spPr>
-            <a:xfrm>
-              <a:off x="7086600" y="4800600"/>
-              <a:ext cx="1752600" cy="1752600"/>
-            </a:xfrm>
-            <a:prstGeom prst="roundRect">
-              <a:avLst/>
-            </a:prstGeom>
-            <a:grpFill/>
-            <a:ln>
-              <a:noFill/>
-            </a:ln>
-          </p:spPr>
-          <p:style>
-            <a:lnRef idx="2">
-              <a:schemeClr val="accent1">
-                <a:shade val="50000"/>
-              </a:schemeClr>
-            </a:lnRef>
-            <a:fillRef idx="1">
-              <a:schemeClr val="accent1"/>
-            </a:fillRef>
-            <a:effectRef idx="0">
-              <a:schemeClr val="accent1"/>
-            </a:effectRef>
-            <a:fontRef idx="minor">
-              <a:schemeClr val="lt1"/>
-            </a:fontRef>
-          </p:style>
-          <p:txBody>
-            <a:bodyPr rtlCol="0" anchor="ctr"/>
-            <a:lstStyle/>
-            <a:p>
-              <a:pPr algn="ctr"/>
-              <a:endParaRPr lang="es-AR"/>
-            </a:p>
-          </p:txBody>
-        </p:sp>
-      </p:grpSp>
-      <p:sp>
-        <p:nvSpPr>
-          <p:cNvPr id="40" name="Freeform 39"/>
-          <p:cNvSpPr/>
-          <p:nvPr/>
-        </p:nvSpPr>
-        <p:spPr>
-          <a:xfrm>
-            <a:off x="457200" y="457200"/>
-            <a:ext cx="8229600" cy="5803900"/>
-          </a:xfrm>
-          <a:custGeom>
-            <a:avLst/>
-            <a:gdLst>
-              <a:gd name="connsiteX0" fmla="*/ 0 w 8077200"/>
-              <a:gd name="connsiteY0" fmla="*/ 965219 h 5791200"/>
-              <a:gd name="connsiteX1" fmla="*/ 282707 w 8077200"/>
-              <a:gd name="connsiteY1" fmla="*/ 282706 h 5791200"/>
-              <a:gd name="connsiteX2" fmla="*/ 965221 w 8077200"/>
-              <a:gd name="connsiteY2" fmla="*/ 1 h 5791200"/>
-              <a:gd name="connsiteX3" fmla="*/ 7111981 w 8077200"/>
-              <a:gd name="connsiteY3" fmla="*/ 0 h 5791200"/>
-              <a:gd name="connsiteX4" fmla="*/ 7794494 w 8077200"/>
-              <a:gd name="connsiteY4" fmla="*/ 282707 h 5791200"/>
-              <a:gd name="connsiteX5" fmla="*/ 8077199 w 8077200"/>
-              <a:gd name="connsiteY5" fmla="*/ 965221 h 5791200"/>
-              <a:gd name="connsiteX6" fmla="*/ 8077200 w 8077200"/>
-              <a:gd name="connsiteY6" fmla="*/ 4825981 h 5791200"/>
-              <a:gd name="connsiteX7" fmla="*/ 7794494 w 8077200"/>
-              <a:gd name="connsiteY7" fmla="*/ 5508494 h 5791200"/>
-              <a:gd name="connsiteX8" fmla="*/ 7111981 w 8077200"/>
-              <a:gd name="connsiteY8" fmla="*/ 5791200 h 5791200"/>
-              <a:gd name="connsiteX9" fmla="*/ 965219 w 8077200"/>
-              <a:gd name="connsiteY9" fmla="*/ 5791200 h 5791200"/>
-              <a:gd name="connsiteX10" fmla="*/ 282706 w 8077200"/>
-              <a:gd name="connsiteY10" fmla="*/ 5508493 h 5791200"/>
-              <a:gd name="connsiteX11" fmla="*/ 0 w 8077200"/>
-              <a:gd name="connsiteY11" fmla="*/ 4825980 h 5791200"/>
-              <a:gd name="connsiteX12" fmla="*/ 0 w 8077200"/>
-              <a:gd name="connsiteY12" fmla="*/ 965219 h 5791200"/>
-              <a:gd name="connsiteX0" fmla="*/ 0 w 8077200"/>
-              <a:gd name="connsiteY0" fmla="*/ 609600 h 5791200"/>
-              <a:gd name="connsiteX1" fmla="*/ 282707 w 8077200"/>
-              <a:gd name="connsiteY1" fmla="*/ 282706 h 5791200"/>
-              <a:gd name="connsiteX2" fmla="*/ 965221 w 8077200"/>
-              <a:gd name="connsiteY2" fmla="*/ 1 h 5791200"/>
-              <a:gd name="connsiteX3" fmla="*/ 7111981 w 8077200"/>
-              <a:gd name="connsiteY3" fmla="*/ 0 h 5791200"/>
-              <a:gd name="connsiteX4" fmla="*/ 7794494 w 8077200"/>
-              <a:gd name="connsiteY4" fmla="*/ 282707 h 5791200"/>
-              <a:gd name="connsiteX5" fmla="*/ 8077199 w 8077200"/>
-              <a:gd name="connsiteY5" fmla="*/ 965221 h 5791200"/>
-              <a:gd name="connsiteX6" fmla="*/ 8077200 w 8077200"/>
-              <a:gd name="connsiteY6" fmla="*/ 4825981 h 5791200"/>
-              <a:gd name="connsiteX7" fmla="*/ 7794494 w 8077200"/>
-              <a:gd name="connsiteY7" fmla="*/ 5508494 h 5791200"/>
-              <a:gd name="connsiteX8" fmla="*/ 7111981 w 8077200"/>
-              <a:gd name="connsiteY8" fmla="*/ 5791200 h 5791200"/>
-              <a:gd name="connsiteX9" fmla="*/ 965219 w 8077200"/>
-              <a:gd name="connsiteY9" fmla="*/ 5791200 h 5791200"/>
-              <a:gd name="connsiteX10" fmla="*/ 282706 w 8077200"/>
-              <a:gd name="connsiteY10" fmla="*/ 5508493 h 5791200"/>
-              <a:gd name="connsiteX11" fmla="*/ 0 w 8077200"/>
-              <a:gd name="connsiteY11" fmla="*/ 4825980 h 5791200"/>
-              <a:gd name="connsiteX12" fmla="*/ 0 w 8077200"/>
-              <a:gd name="connsiteY12" fmla="*/ 609600 h 5791200"/>
-              <a:gd name="connsiteX0" fmla="*/ 0 w 8077200"/>
-              <a:gd name="connsiteY0" fmla="*/ 609601 h 5791201"/>
-              <a:gd name="connsiteX1" fmla="*/ 282707 w 8077200"/>
-              <a:gd name="connsiteY1" fmla="*/ 282707 h 5791201"/>
-              <a:gd name="connsiteX2" fmla="*/ 609600 w 8077200"/>
-              <a:gd name="connsiteY2" fmla="*/ 1 h 5791201"/>
-              <a:gd name="connsiteX3" fmla="*/ 7111981 w 8077200"/>
-              <a:gd name="connsiteY3" fmla="*/ 1 h 5791201"/>
-              <a:gd name="connsiteX4" fmla="*/ 7794494 w 8077200"/>
-              <a:gd name="connsiteY4" fmla="*/ 282708 h 5791201"/>
-              <a:gd name="connsiteX5" fmla="*/ 8077199 w 8077200"/>
-              <a:gd name="connsiteY5" fmla="*/ 965222 h 5791201"/>
-              <a:gd name="connsiteX6" fmla="*/ 8077200 w 8077200"/>
-              <a:gd name="connsiteY6" fmla="*/ 4825982 h 5791201"/>
-              <a:gd name="connsiteX7" fmla="*/ 7794494 w 8077200"/>
-              <a:gd name="connsiteY7" fmla="*/ 5508495 h 5791201"/>
-              <a:gd name="connsiteX8" fmla="*/ 7111981 w 8077200"/>
-              <a:gd name="connsiteY8" fmla="*/ 5791201 h 5791201"/>
-              <a:gd name="connsiteX9" fmla="*/ 965219 w 8077200"/>
-              <a:gd name="connsiteY9" fmla="*/ 5791201 h 5791201"/>
-              <a:gd name="connsiteX10" fmla="*/ 282706 w 8077200"/>
-              <a:gd name="connsiteY10" fmla="*/ 5508494 h 5791201"/>
-              <a:gd name="connsiteX11" fmla="*/ 0 w 8077200"/>
-              <a:gd name="connsiteY11" fmla="*/ 4825981 h 5791201"/>
-              <a:gd name="connsiteX12" fmla="*/ 0 w 8077200"/>
-              <a:gd name="connsiteY12" fmla="*/ 609601 h 5791201"/>
-              <a:gd name="connsiteX0" fmla="*/ 0 w 8077200"/>
-              <a:gd name="connsiteY0" fmla="*/ 609601 h 5791201"/>
-              <a:gd name="connsiteX1" fmla="*/ 152400 w 8077200"/>
-              <a:gd name="connsiteY1" fmla="*/ 152402 h 5791201"/>
-              <a:gd name="connsiteX2" fmla="*/ 609600 w 8077200"/>
-              <a:gd name="connsiteY2" fmla="*/ 1 h 5791201"/>
-              <a:gd name="connsiteX3" fmla="*/ 7111981 w 8077200"/>
-              <a:gd name="connsiteY3" fmla="*/ 1 h 5791201"/>
-              <a:gd name="connsiteX4" fmla="*/ 7794494 w 8077200"/>
-              <a:gd name="connsiteY4" fmla="*/ 282708 h 5791201"/>
-              <a:gd name="connsiteX5" fmla="*/ 8077199 w 8077200"/>
-              <a:gd name="connsiteY5" fmla="*/ 965222 h 5791201"/>
-              <a:gd name="connsiteX6" fmla="*/ 8077200 w 8077200"/>
-              <a:gd name="connsiteY6" fmla="*/ 4825982 h 5791201"/>
-              <a:gd name="connsiteX7" fmla="*/ 7794494 w 8077200"/>
-              <a:gd name="connsiteY7" fmla="*/ 5508495 h 5791201"/>
-              <a:gd name="connsiteX8" fmla="*/ 7111981 w 8077200"/>
-              <a:gd name="connsiteY8" fmla="*/ 5791201 h 5791201"/>
-              <a:gd name="connsiteX9" fmla="*/ 965219 w 8077200"/>
-              <a:gd name="connsiteY9" fmla="*/ 5791201 h 5791201"/>
-              <a:gd name="connsiteX10" fmla="*/ 282706 w 8077200"/>
-              <a:gd name="connsiteY10" fmla="*/ 5508494 h 5791201"/>
-              <a:gd name="connsiteX11" fmla="*/ 0 w 8077200"/>
-              <a:gd name="connsiteY11" fmla="*/ 4825981 h 5791201"/>
-              <a:gd name="connsiteX12" fmla="*/ 0 w 8077200"/>
-              <a:gd name="connsiteY12" fmla="*/ 609601 h 5791201"/>
-              <a:gd name="connsiteX0" fmla="*/ 0 w 8077200"/>
-              <a:gd name="connsiteY0" fmla="*/ 609600 h 5791200"/>
-              <a:gd name="connsiteX1" fmla="*/ 152400 w 8077200"/>
-              <a:gd name="connsiteY1" fmla="*/ 152401 h 5791200"/>
-              <a:gd name="connsiteX2" fmla="*/ 533400 w 8077200"/>
-              <a:gd name="connsiteY2" fmla="*/ 1 h 5791200"/>
-              <a:gd name="connsiteX3" fmla="*/ 7111981 w 8077200"/>
-              <a:gd name="connsiteY3" fmla="*/ 0 h 5791200"/>
-              <a:gd name="connsiteX4" fmla="*/ 7794494 w 8077200"/>
-              <a:gd name="connsiteY4" fmla="*/ 282707 h 5791200"/>
-              <a:gd name="connsiteX5" fmla="*/ 8077199 w 8077200"/>
-              <a:gd name="connsiteY5" fmla="*/ 965221 h 5791200"/>
-              <a:gd name="connsiteX6" fmla="*/ 8077200 w 8077200"/>
-              <a:gd name="connsiteY6" fmla="*/ 4825981 h 5791200"/>
-              <a:gd name="connsiteX7" fmla="*/ 7794494 w 8077200"/>
-              <a:gd name="connsiteY7" fmla="*/ 5508494 h 5791200"/>
-              <a:gd name="connsiteX8" fmla="*/ 7111981 w 8077200"/>
-              <a:gd name="connsiteY8" fmla="*/ 5791200 h 5791200"/>
-              <a:gd name="connsiteX9" fmla="*/ 965219 w 8077200"/>
-              <a:gd name="connsiteY9" fmla="*/ 5791200 h 5791200"/>
-              <a:gd name="connsiteX10" fmla="*/ 282706 w 8077200"/>
-              <a:gd name="connsiteY10" fmla="*/ 5508493 h 5791200"/>
-              <a:gd name="connsiteX11" fmla="*/ 0 w 8077200"/>
-              <a:gd name="connsiteY11" fmla="*/ 4825980 h 5791200"/>
-              <a:gd name="connsiteX12" fmla="*/ 0 w 8077200"/>
-              <a:gd name="connsiteY12" fmla="*/ 609600 h 5791200"/>
-              <a:gd name="connsiteX0" fmla="*/ 0 w 8077200"/>
-              <a:gd name="connsiteY0" fmla="*/ 533400 h 5791200"/>
-              <a:gd name="connsiteX1" fmla="*/ 152400 w 8077200"/>
-              <a:gd name="connsiteY1" fmla="*/ 152401 h 5791200"/>
-              <a:gd name="connsiteX2" fmla="*/ 533400 w 8077200"/>
-              <a:gd name="connsiteY2" fmla="*/ 1 h 5791200"/>
-              <a:gd name="connsiteX3" fmla="*/ 7111981 w 8077200"/>
-              <a:gd name="connsiteY3" fmla="*/ 0 h 5791200"/>
-              <a:gd name="connsiteX4" fmla="*/ 7794494 w 8077200"/>
-              <a:gd name="connsiteY4" fmla="*/ 282707 h 5791200"/>
-              <a:gd name="connsiteX5" fmla="*/ 8077199 w 8077200"/>
-              <a:gd name="connsiteY5" fmla="*/ 965221 h 5791200"/>
-              <a:gd name="connsiteX6" fmla="*/ 8077200 w 8077200"/>
-              <a:gd name="connsiteY6" fmla="*/ 4825981 h 5791200"/>
-              <a:gd name="connsiteX7" fmla="*/ 7794494 w 8077200"/>
-              <a:gd name="connsiteY7" fmla="*/ 5508494 h 5791200"/>
-              <a:gd name="connsiteX8" fmla="*/ 7111981 w 8077200"/>
-              <a:gd name="connsiteY8" fmla="*/ 5791200 h 5791200"/>
-              <a:gd name="connsiteX9" fmla="*/ 965219 w 8077200"/>
-              <a:gd name="connsiteY9" fmla="*/ 5791200 h 5791200"/>
-              <a:gd name="connsiteX10" fmla="*/ 282706 w 8077200"/>
-              <a:gd name="connsiteY10" fmla="*/ 5508493 h 5791200"/>
-              <a:gd name="connsiteX11" fmla="*/ 0 w 8077200"/>
-              <a:gd name="connsiteY11" fmla="*/ 4825980 h 5791200"/>
-              <a:gd name="connsiteX12" fmla="*/ 0 w 8077200"/>
-              <a:gd name="connsiteY12" fmla="*/ 533400 h 5791200"/>
-              <a:gd name="connsiteX0" fmla="*/ 12700 w 8089900"/>
-              <a:gd name="connsiteY0" fmla="*/ 546100 h 5803900"/>
-              <a:gd name="connsiteX1" fmla="*/ 88900 w 8089900"/>
-              <a:gd name="connsiteY1" fmla="*/ 88900 h 5803900"/>
-              <a:gd name="connsiteX2" fmla="*/ 546100 w 8089900"/>
-              <a:gd name="connsiteY2" fmla="*/ 12701 h 5803900"/>
-              <a:gd name="connsiteX3" fmla="*/ 7124681 w 8089900"/>
-              <a:gd name="connsiteY3" fmla="*/ 12700 h 5803900"/>
-              <a:gd name="connsiteX4" fmla="*/ 7807194 w 8089900"/>
-              <a:gd name="connsiteY4" fmla="*/ 295407 h 5803900"/>
-              <a:gd name="connsiteX5" fmla="*/ 8089899 w 8089900"/>
-              <a:gd name="connsiteY5" fmla="*/ 977921 h 5803900"/>
-              <a:gd name="connsiteX6" fmla="*/ 8089900 w 8089900"/>
-              <a:gd name="connsiteY6" fmla="*/ 4838681 h 5803900"/>
-              <a:gd name="connsiteX7" fmla="*/ 7807194 w 8089900"/>
-              <a:gd name="connsiteY7" fmla="*/ 5521194 h 5803900"/>
-              <a:gd name="connsiteX8" fmla="*/ 7124681 w 8089900"/>
-              <a:gd name="connsiteY8" fmla="*/ 5803900 h 5803900"/>
-              <a:gd name="connsiteX9" fmla="*/ 977919 w 8089900"/>
-              <a:gd name="connsiteY9" fmla="*/ 5803900 h 5803900"/>
-              <a:gd name="connsiteX10" fmla="*/ 295406 w 8089900"/>
-              <a:gd name="connsiteY10" fmla="*/ 5521193 h 5803900"/>
-              <a:gd name="connsiteX11" fmla="*/ 12700 w 8089900"/>
-              <a:gd name="connsiteY11" fmla="*/ 4838680 h 5803900"/>
-              <a:gd name="connsiteX12" fmla="*/ 12700 w 8089900"/>
-              <a:gd name="connsiteY12" fmla="*/ 546100 h 5803900"/>
-              <a:gd name="connsiteX0" fmla="*/ 12700 w 8089900"/>
-              <a:gd name="connsiteY0" fmla="*/ 546100 h 5803900"/>
-              <a:gd name="connsiteX1" fmla="*/ 88900 w 8089900"/>
-              <a:gd name="connsiteY1" fmla="*/ 88900 h 5803900"/>
-              <a:gd name="connsiteX2" fmla="*/ 546100 w 8089900"/>
-              <a:gd name="connsiteY2" fmla="*/ 12701 h 5803900"/>
-              <a:gd name="connsiteX3" fmla="*/ 7124681 w 8089900"/>
-              <a:gd name="connsiteY3" fmla="*/ 12700 h 5803900"/>
-              <a:gd name="connsiteX4" fmla="*/ 7807194 w 8089900"/>
-              <a:gd name="connsiteY4" fmla="*/ 295407 h 5803900"/>
-              <a:gd name="connsiteX5" fmla="*/ 8089899 w 8089900"/>
-              <a:gd name="connsiteY5" fmla="*/ 977921 h 5803900"/>
-              <a:gd name="connsiteX6" fmla="*/ 8089900 w 8089900"/>
-              <a:gd name="connsiteY6" fmla="*/ 4838681 h 5803900"/>
-              <a:gd name="connsiteX7" fmla="*/ 7807194 w 8089900"/>
-              <a:gd name="connsiteY7" fmla="*/ 5521194 h 5803900"/>
-              <a:gd name="connsiteX8" fmla="*/ 7124681 w 8089900"/>
-              <a:gd name="connsiteY8" fmla="*/ 5803900 h 5803900"/>
-              <a:gd name="connsiteX9" fmla="*/ 977919 w 8089900"/>
-              <a:gd name="connsiteY9" fmla="*/ 5803900 h 5803900"/>
-              <a:gd name="connsiteX10" fmla="*/ 295406 w 8089900"/>
-              <a:gd name="connsiteY10" fmla="*/ 5521193 h 5803900"/>
-              <a:gd name="connsiteX11" fmla="*/ 12700 w 8089900"/>
-              <a:gd name="connsiteY11" fmla="*/ 5346700 h 5803900"/>
-              <a:gd name="connsiteX12" fmla="*/ 12700 w 8089900"/>
-              <a:gd name="connsiteY12" fmla="*/ 546100 h 5803900"/>
-              <a:gd name="connsiteX0" fmla="*/ 12700 w 8089900"/>
-              <a:gd name="connsiteY0" fmla="*/ 546100 h 5803900"/>
-              <a:gd name="connsiteX1" fmla="*/ 88900 w 8089900"/>
-              <a:gd name="connsiteY1" fmla="*/ 88900 h 5803900"/>
-              <a:gd name="connsiteX2" fmla="*/ 546100 w 8089900"/>
-              <a:gd name="connsiteY2" fmla="*/ 12701 h 5803900"/>
-              <a:gd name="connsiteX3" fmla="*/ 7124681 w 8089900"/>
-              <a:gd name="connsiteY3" fmla="*/ 12700 h 5803900"/>
-              <a:gd name="connsiteX4" fmla="*/ 7807194 w 8089900"/>
-              <a:gd name="connsiteY4" fmla="*/ 295407 h 5803900"/>
-              <a:gd name="connsiteX5" fmla="*/ 8089899 w 8089900"/>
-              <a:gd name="connsiteY5" fmla="*/ 977921 h 5803900"/>
-              <a:gd name="connsiteX6" fmla="*/ 8089900 w 8089900"/>
-              <a:gd name="connsiteY6" fmla="*/ 4838681 h 5803900"/>
-              <a:gd name="connsiteX7" fmla="*/ 7807194 w 8089900"/>
-              <a:gd name="connsiteY7" fmla="*/ 5521194 h 5803900"/>
-              <a:gd name="connsiteX8" fmla="*/ 7124681 w 8089900"/>
-              <a:gd name="connsiteY8" fmla="*/ 5803900 h 5803900"/>
-              <a:gd name="connsiteX9" fmla="*/ 546100 w 8089900"/>
-              <a:gd name="connsiteY9" fmla="*/ 5803900 h 5803900"/>
-              <a:gd name="connsiteX10" fmla="*/ 295406 w 8089900"/>
-              <a:gd name="connsiteY10" fmla="*/ 5521193 h 5803900"/>
-              <a:gd name="connsiteX11" fmla="*/ 12700 w 8089900"/>
-              <a:gd name="connsiteY11" fmla="*/ 5346700 h 5803900"/>
-              <a:gd name="connsiteX12" fmla="*/ 12700 w 8089900"/>
-              <a:gd name="connsiteY12" fmla="*/ 546100 h 5803900"/>
-              <a:gd name="connsiteX0" fmla="*/ 12700 w 8089900"/>
-              <a:gd name="connsiteY0" fmla="*/ 546100 h 5803900"/>
-              <a:gd name="connsiteX1" fmla="*/ 88900 w 8089900"/>
-              <a:gd name="connsiteY1" fmla="*/ 88900 h 5803900"/>
-              <a:gd name="connsiteX2" fmla="*/ 546100 w 8089900"/>
-              <a:gd name="connsiteY2" fmla="*/ 12701 h 5803900"/>
-              <a:gd name="connsiteX3" fmla="*/ 7124681 w 8089900"/>
-              <a:gd name="connsiteY3" fmla="*/ 12700 h 5803900"/>
-              <a:gd name="connsiteX4" fmla="*/ 7807194 w 8089900"/>
-              <a:gd name="connsiteY4" fmla="*/ 295407 h 5803900"/>
-              <a:gd name="connsiteX5" fmla="*/ 8089899 w 8089900"/>
-              <a:gd name="connsiteY5" fmla="*/ 977921 h 5803900"/>
-              <a:gd name="connsiteX6" fmla="*/ 8089900 w 8089900"/>
-              <a:gd name="connsiteY6" fmla="*/ 4838681 h 5803900"/>
-              <a:gd name="connsiteX7" fmla="*/ 7807194 w 8089900"/>
-              <a:gd name="connsiteY7" fmla="*/ 5521194 h 5803900"/>
-              <a:gd name="connsiteX8" fmla="*/ 7124681 w 8089900"/>
-              <a:gd name="connsiteY8" fmla="*/ 5803900 h 5803900"/>
-              <a:gd name="connsiteX9" fmla="*/ 546100 w 8089900"/>
-              <a:gd name="connsiteY9" fmla="*/ 5803900 h 5803900"/>
-              <a:gd name="connsiteX10" fmla="*/ 88900 w 8089900"/>
-              <a:gd name="connsiteY10" fmla="*/ 5727700 h 5803900"/>
-              <a:gd name="connsiteX11" fmla="*/ 12700 w 8089900"/>
-              <a:gd name="connsiteY11" fmla="*/ 5346700 h 5803900"/>
-              <a:gd name="connsiteX12" fmla="*/ 12700 w 8089900"/>
-              <a:gd name="connsiteY12" fmla="*/ 546100 h 5803900"/>
-              <a:gd name="connsiteX0" fmla="*/ 12700 w 8089900"/>
-              <a:gd name="connsiteY0" fmla="*/ 546100 h 5803900"/>
-              <a:gd name="connsiteX1" fmla="*/ 88900 w 8089900"/>
-              <a:gd name="connsiteY1" fmla="*/ 88900 h 5803900"/>
-              <a:gd name="connsiteX2" fmla="*/ 546100 w 8089900"/>
-              <a:gd name="connsiteY2" fmla="*/ 12701 h 5803900"/>
-              <a:gd name="connsiteX3" fmla="*/ 7556500 w 8089900"/>
-              <a:gd name="connsiteY3" fmla="*/ 12700 h 5803900"/>
-              <a:gd name="connsiteX4" fmla="*/ 7807194 w 8089900"/>
-              <a:gd name="connsiteY4" fmla="*/ 295407 h 5803900"/>
-              <a:gd name="connsiteX5" fmla="*/ 8089899 w 8089900"/>
-              <a:gd name="connsiteY5" fmla="*/ 977921 h 5803900"/>
-              <a:gd name="connsiteX6" fmla="*/ 8089900 w 8089900"/>
-              <a:gd name="connsiteY6" fmla="*/ 4838681 h 5803900"/>
-              <a:gd name="connsiteX7" fmla="*/ 7807194 w 8089900"/>
-              <a:gd name="connsiteY7" fmla="*/ 5521194 h 5803900"/>
-              <a:gd name="connsiteX8" fmla="*/ 7124681 w 8089900"/>
-              <a:gd name="connsiteY8" fmla="*/ 5803900 h 5803900"/>
-              <a:gd name="connsiteX9" fmla="*/ 546100 w 8089900"/>
-              <a:gd name="connsiteY9" fmla="*/ 5803900 h 5803900"/>
-              <a:gd name="connsiteX10" fmla="*/ 88900 w 8089900"/>
-              <a:gd name="connsiteY10" fmla="*/ 5727700 h 5803900"/>
-              <a:gd name="connsiteX11" fmla="*/ 12700 w 8089900"/>
-              <a:gd name="connsiteY11" fmla="*/ 5346700 h 5803900"/>
-              <a:gd name="connsiteX12" fmla="*/ 12700 w 8089900"/>
-              <a:gd name="connsiteY12" fmla="*/ 546100 h 5803900"/>
-              <a:gd name="connsiteX0" fmla="*/ 12700 w 8089901"/>
-              <a:gd name="connsiteY0" fmla="*/ 546100 h 5803900"/>
-              <a:gd name="connsiteX1" fmla="*/ 88900 w 8089901"/>
-              <a:gd name="connsiteY1" fmla="*/ 88900 h 5803900"/>
-              <a:gd name="connsiteX2" fmla="*/ 546100 w 8089901"/>
-              <a:gd name="connsiteY2" fmla="*/ 12701 h 5803900"/>
-              <a:gd name="connsiteX3" fmla="*/ 7556500 w 8089901"/>
-              <a:gd name="connsiteY3" fmla="*/ 12700 h 5803900"/>
-              <a:gd name="connsiteX4" fmla="*/ 7807194 w 8089901"/>
-              <a:gd name="connsiteY4" fmla="*/ 295407 h 5803900"/>
-              <a:gd name="connsiteX5" fmla="*/ 8089900 w 8089901"/>
-              <a:gd name="connsiteY5" fmla="*/ 469900 h 5803900"/>
-              <a:gd name="connsiteX6" fmla="*/ 8089900 w 8089901"/>
-              <a:gd name="connsiteY6" fmla="*/ 4838681 h 5803900"/>
-              <a:gd name="connsiteX7" fmla="*/ 7807194 w 8089901"/>
-              <a:gd name="connsiteY7" fmla="*/ 5521194 h 5803900"/>
-              <a:gd name="connsiteX8" fmla="*/ 7124681 w 8089901"/>
-              <a:gd name="connsiteY8" fmla="*/ 5803900 h 5803900"/>
-              <a:gd name="connsiteX9" fmla="*/ 546100 w 8089901"/>
-              <a:gd name="connsiteY9" fmla="*/ 5803900 h 5803900"/>
-              <a:gd name="connsiteX10" fmla="*/ 88900 w 8089901"/>
-              <a:gd name="connsiteY10" fmla="*/ 5727700 h 5803900"/>
-              <a:gd name="connsiteX11" fmla="*/ 12700 w 8089901"/>
-              <a:gd name="connsiteY11" fmla="*/ 5346700 h 5803900"/>
-              <a:gd name="connsiteX12" fmla="*/ 12700 w 8089901"/>
-              <a:gd name="connsiteY12" fmla="*/ 546100 h 5803900"/>
-              <a:gd name="connsiteX0" fmla="*/ 12700 w 8102600"/>
-              <a:gd name="connsiteY0" fmla="*/ 546100 h 5803900"/>
-              <a:gd name="connsiteX1" fmla="*/ 88900 w 8102600"/>
-              <a:gd name="connsiteY1" fmla="*/ 88900 h 5803900"/>
-              <a:gd name="connsiteX2" fmla="*/ 546100 w 8102600"/>
-              <a:gd name="connsiteY2" fmla="*/ 12701 h 5803900"/>
-              <a:gd name="connsiteX3" fmla="*/ 7556500 w 8102600"/>
-              <a:gd name="connsiteY3" fmla="*/ 12700 h 5803900"/>
-              <a:gd name="connsiteX4" fmla="*/ 8013700 w 8102600"/>
-              <a:gd name="connsiteY4" fmla="*/ 88900 h 5803900"/>
-              <a:gd name="connsiteX5" fmla="*/ 8089900 w 8102600"/>
-              <a:gd name="connsiteY5" fmla="*/ 469900 h 5803900"/>
-              <a:gd name="connsiteX6" fmla="*/ 8089900 w 8102600"/>
-              <a:gd name="connsiteY6" fmla="*/ 4838681 h 5803900"/>
-              <a:gd name="connsiteX7" fmla="*/ 7807194 w 8102600"/>
-              <a:gd name="connsiteY7" fmla="*/ 5521194 h 5803900"/>
-              <a:gd name="connsiteX8" fmla="*/ 7124681 w 8102600"/>
-              <a:gd name="connsiteY8" fmla="*/ 5803900 h 5803900"/>
-              <a:gd name="connsiteX9" fmla="*/ 546100 w 8102600"/>
-              <a:gd name="connsiteY9" fmla="*/ 5803900 h 5803900"/>
-              <a:gd name="connsiteX10" fmla="*/ 88900 w 8102600"/>
-              <a:gd name="connsiteY10" fmla="*/ 5727700 h 5803900"/>
-              <a:gd name="connsiteX11" fmla="*/ 12700 w 8102600"/>
-              <a:gd name="connsiteY11" fmla="*/ 5346700 h 5803900"/>
-              <a:gd name="connsiteX12" fmla="*/ 12700 w 8102600"/>
-              <a:gd name="connsiteY12" fmla="*/ 546100 h 5803900"/>
-              <a:gd name="connsiteX0" fmla="*/ 12700 w 8102600"/>
-              <a:gd name="connsiteY0" fmla="*/ 546100 h 5803900"/>
-              <a:gd name="connsiteX1" fmla="*/ 88900 w 8102600"/>
-              <a:gd name="connsiteY1" fmla="*/ 88900 h 5803900"/>
-              <a:gd name="connsiteX2" fmla="*/ 546100 w 8102600"/>
-              <a:gd name="connsiteY2" fmla="*/ 12701 h 5803900"/>
-              <a:gd name="connsiteX3" fmla="*/ 7556500 w 8102600"/>
-              <a:gd name="connsiteY3" fmla="*/ 12700 h 5803900"/>
-              <a:gd name="connsiteX4" fmla="*/ 8013700 w 8102600"/>
-              <a:gd name="connsiteY4" fmla="*/ 88900 h 5803900"/>
-              <a:gd name="connsiteX5" fmla="*/ 8089899 w 8102600"/>
-              <a:gd name="connsiteY5" fmla="*/ 469900 h 5803900"/>
-              <a:gd name="connsiteX6" fmla="*/ 8089900 w 8102600"/>
-              <a:gd name="connsiteY6" fmla="*/ 4838681 h 5803900"/>
-              <a:gd name="connsiteX7" fmla="*/ 7807194 w 8102600"/>
-              <a:gd name="connsiteY7" fmla="*/ 5521194 h 5803900"/>
-              <a:gd name="connsiteX8" fmla="*/ 7124681 w 8102600"/>
-              <a:gd name="connsiteY8" fmla="*/ 5803900 h 5803900"/>
-              <a:gd name="connsiteX9" fmla="*/ 546100 w 8102600"/>
-              <a:gd name="connsiteY9" fmla="*/ 5803900 h 5803900"/>
-              <a:gd name="connsiteX10" fmla="*/ 88900 w 8102600"/>
-              <a:gd name="connsiteY10" fmla="*/ 5727700 h 5803900"/>
-              <a:gd name="connsiteX11" fmla="*/ 12700 w 8102600"/>
-              <a:gd name="connsiteY11" fmla="*/ 5346700 h 5803900"/>
-              <a:gd name="connsiteX12" fmla="*/ 12700 w 8102600"/>
-              <a:gd name="connsiteY12" fmla="*/ 546100 h 5803900"/>
-              <a:gd name="connsiteX0" fmla="*/ 12700 w 8102599"/>
-              <a:gd name="connsiteY0" fmla="*/ 546100 h 5803900"/>
-              <a:gd name="connsiteX1" fmla="*/ 88900 w 8102599"/>
-              <a:gd name="connsiteY1" fmla="*/ 88900 h 5803900"/>
-              <a:gd name="connsiteX2" fmla="*/ 546100 w 8102599"/>
-              <a:gd name="connsiteY2" fmla="*/ 12701 h 5803900"/>
-              <a:gd name="connsiteX3" fmla="*/ 7556500 w 8102599"/>
-              <a:gd name="connsiteY3" fmla="*/ 12700 h 5803900"/>
-              <a:gd name="connsiteX4" fmla="*/ 8013699 w 8102599"/>
-              <a:gd name="connsiteY4" fmla="*/ 88900 h 5803900"/>
-              <a:gd name="connsiteX5" fmla="*/ 8089899 w 8102599"/>
-              <a:gd name="connsiteY5" fmla="*/ 469900 h 5803900"/>
-              <a:gd name="connsiteX6" fmla="*/ 8089900 w 8102599"/>
-              <a:gd name="connsiteY6" fmla="*/ 4838681 h 5803900"/>
-              <a:gd name="connsiteX7" fmla="*/ 7807194 w 8102599"/>
-              <a:gd name="connsiteY7" fmla="*/ 5521194 h 5803900"/>
-              <a:gd name="connsiteX8" fmla="*/ 7124681 w 8102599"/>
-              <a:gd name="connsiteY8" fmla="*/ 5803900 h 5803900"/>
-              <a:gd name="connsiteX9" fmla="*/ 546100 w 8102599"/>
-              <a:gd name="connsiteY9" fmla="*/ 5803900 h 5803900"/>
-              <a:gd name="connsiteX10" fmla="*/ 88900 w 8102599"/>
-              <a:gd name="connsiteY10" fmla="*/ 5727700 h 5803900"/>
-              <a:gd name="connsiteX11" fmla="*/ 12700 w 8102599"/>
-              <a:gd name="connsiteY11" fmla="*/ 5346700 h 5803900"/>
-              <a:gd name="connsiteX12" fmla="*/ 12700 w 8102599"/>
-              <a:gd name="connsiteY12" fmla="*/ 546100 h 5803900"/>
-              <a:gd name="connsiteX0" fmla="*/ 12700 w 8102599"/>
-              <a:gd name="connsiteY0" fmla="*/ 546100 h 5803900"/>
-              <a:gd name="connsiteX1" fmla="*/ 88900 w 8102599"/>
-              <a:gd name="connsiteY1" fmla="*/ 88900 h 5803900"/>
-              <a:gd name="connsiteX2" fmla="*/ 546100 w 8102599"/>
-              <a:gd name="connsiteY2" fmla="*/ 12701 h 5803900"/>
-              <a:gd name="connsiteX3" fmla="*/ 7556500 w 8102599"/>
-              <a:gd name="connsiteY3" fmla="*/ 12700 h 5803900"/>
-              <a:gd name="connsiteX4" fmla="*/ 8013699 w 8102599"/>
-              <a:gd name="connsiteY4" fmla="*/ 88900 h 5803900"/>
-              <a:gd name="connsiteX5" fmla="*/ 8089899 w 8102599"/>
-              <a:gd name="connsiteY5" fmla="*/ 469900 h 5803900"/>
-              <a:gd name="connsiteX6" fmla="*/ 8089900 w 8102599"/>
-              <a:gd name="connsiteY6" fmla="*/ 5346700 h 5803900"/>
-              <a:gd name="connsiteX7" fmla="*/ 7807194 w 8102599"/>
-              <a:gd name="connsiteY7" fmla="*/ 5521194 h 5803900"/>
-              <a:gd name="connsiteX8" fmla="*/ 7124681 w 8102599"/>
-              <a:gd name="connsiteY8" fmla="*/ 5803900 h 5803900"/>
-              <a:gd name="connsiteX9" fmla="*/ 546100 w 8102599"/>
-              <a:gd name="connsiteY9" fmla="*/ 5803900 h 5803900"/>
-              <a:gd name="connsiteX10" fmla="*/ 88900 w 8102599"/>
-              <a:gd name="connsiteY10" fmla="*/ 5727700 h 5803900"/>
-              <a:gd name="connsiteX11" fmla="*/ 12700 w 8102599"/>
-              <a:gd name="connsiteY11" fmla="*/ 5346700 h 5803900"/>
-              <a:gd name="connsiteX12" fmla="*/ 12700 w 8102599"/>
-              <a:gd name="connsiteY12" fmla="*/ 546100 h 5803900"/>
-              <a:gd name="connsiteX0" fmla="*/ 12700 w 8102599"/>
-              <a:gd name="connsiteY0" fmla="*/ 546100 h 5803900"/>
-              <a:gd name="connsiteX1" fmla="*/ 88900 w 8102599"/>
-              <a:gd name="connsiteY1" fmla="*/ 88900 h 5803900"/>
-              <a:gd name="connsiteX2" fmla="*/ 546100 w 8102599"/>
-              <a:gd name="connsiteY2" fmla="*/ 12701 h 5803900"/>
-              <a:gd name="connsiteX3" fmla="*/ 7556500 w 8102599"/>
-              <a:gd name="connsiteY3" fmla="*/ 12700 h 5803900"/>
-              <a:gd name="connsiteX4" fmla="*/ 8013699 w 8102599"/>
-              <a:gd name="connsiteY4" fmla="*/ 88900 h 5803900"/>
-              <a:gd name="connsiteX5" fmla="*/ 8089899 w 8102599"/>
-              <a:gd name="connsiteY5" fmla="*/ 469900 h 5803900"/>
-              <a:gd name="connsiteX6" fmla="*/ 8089900 w 8102599"/>
-              <a:gd name="connsiteY6" fmla="*/ 5346700 h 5803900"/>
-              <a:gd name="connsiteX7" fmla="*/ 7807194 w 8102599"/>
-              <a:gd name="connsiteY7" fmla="*/ 5521194 h 5803900"/>
-              <a:gd name="connsiteX8" fmla="*/ 7632700 w 8102599"/>
-              <a:gd name="connsiteY8" fmla="*/ 5803900 h 5803900"/>
-              <a:gd name="connsiteX9" fmla="*/ 546100 w 8102599"/>
-              <a:gd name="connsiteY9" fmla="*/ 5803900 h 5803900"/>
-              <a:gd name="connsiteX10" fmla="*/ 88900 w 8102599"/>
-              <a:gd name="connsiteY10" fmla="*/ 5727700 h 5803900"/>
-              <a:gd name="connsiteX11" fmla="*/ 12700 w 8102599"/>
-              <a:gd name="connsiteY11" fmla="*/ 5346700 h 5803900"/>
-              <a:gd name="connsiteX12" fmla="*/ 12700 w 8102599"/>
-              <a:gd name="connsiteY12" fmla="*/ 546100 h 5803900"/>
-              <a:gd name="connsiteX0" fmla="*/ 12700 w 8102599"/>
-              <a:gd name="connsiteY0" fmla="*/ 546100 h 5803900"/>
-              <a:gd name="connsiteX1" fmla="*/ 88900 w 8102599"/>
-              <a:gd name="connsiteY1" fmla="*/ 88900 h 5803900"/>
-              <a:gd name="connsiteX2" fmla="*/ 546100 w 8102599"/>
-              <a:gd name="connsiteY2" fmla="*/ 12701 h 5803900"/>
-              <a:gd name="connsiteX3" fmla="*/ 7556500 w 8102599"/>
-              <a:gd name="connsiteY3" fmla="*/ 12700 h 5803900"/>
-              <a:gd name="connsiteX4" fmla="*/ 8013699 w 8102599"/>
-              <a:gd name="connsiteY4" fmla="*/ 88900 h 5803900"/>
-              <a:gd name="connsiteX5" fmla="*/ 8089899 w 8102599"/>
-              <a:gd name="connsiteY5" fmla="*/ 469900 h 5803900"/>
-              <a:gd name="connsiteX6" fmla="*/ 8089900 w 8102599"/>
-              <a:gd name="connsiteY6" fmla="*/ 5346700 h 5803900"/>
-              <a:gd name="connsiteX7" fmla="*/ 8013700 w 8102599"/>
-              <a:gd name="connsiteY7" fmla="*/ 5727700 h 5803900"/>
-              <a:gd name="connsiteX8" fmla="*/ 7632700 w 8102599"/>
-              <a:gd name="connsiteY8" fmla="*/ 5803900 h 5803900"/>
-              <a:gd name="connsiteX9" fmla="*/ 546100 w 8102599"/>
-              <a:gd name="connsiteY9" fmla="*/ 5803900 h 5803900"/>
-              <a:gd name="connsiteX10" fmla="*/ 88900 w 8102599"/>
-              <a:gd name="connsiteY10" fmla="*/ 5727700 h 5803900"/>
-              <a:gd name="connsiteX11" fmla="*/ 12700 w 8102599"/>
-              <a:gd name="connsiteY11" fmla="*/ 5346700 h 5803900"/>
-              <a:gd name="connsiteX12" fmla="*/ 12700 w 8102599"/>
-              <a:gd name="connsiteY12" fmla="*/ 546100 h 5803900"/>
-            </a:gdLst>
-            <a:ahLst/>
-            <a:cxnLst>
-              <a:cxn ang="0">
-                <a:pos x="connsiteX0" y="connsiteY0"/>
-              </a:cxn>
-              <a:cxn ang="0">
-                <a:pos x="connsiteX1" y="connsiteY1"/>
-              </a:cxn>
-              <a:cxn ang="0">
-                <a:pos x="connsiteX2" y="connsiteY2"/>
-              </a:cxn>
-              <a:cxn ang="0">
-                <a:pos x="connsiteX3" y="connsiteY3"/>
-              </a:cxn>
-              <a:cxn ang="0">
-                <a:pos x="connsiteX4" y="connsiteY4"/>
-              </a:cxn>
-              <a:cxn ang="0">
-                <a:pos x="connsiteX5" y="connsiteY5"/>
-              </a:cxn>
-              <a:cxn ang="0">
-                <a:pos x="connsiteX6" y="connsiteY6"/>
-              </a:cxn>
-              <a:cxn ang="0">
-                <a:pos x="connsiteX7" y="connsiteY7"/>
-              </a:cxn>
-              <a:cxn ang="0">
-                <a:pos x="connsiteX8" y="connsiteY8"/>
-              </a:cxn>
-              <a:cxn ang="0">
-                <a:pos x="connsiteX9" y="connsiteY9"/>
-              </a:cxn>
-              <a:cxn ang="0">
-                <a:pos x="connsiteX10" y="connsiteY10"/>
-              </a:cxn>
-              <a:cxn ang="0">
-                <a:pos x="connsiteX11" y="connsiteY11"/>
-              </a:cxn>
-              <a:cxn ang="0">
-                <a:pos x="connsiteX12" y="connsiteY12"/>
-              </a:cxn>
-            </a:cxnLst>
-            <a:rect l="l" t="t" r="r" b="b"/>
-            <a:pathLst>
-              <a:path w="8102599" h="5803900">
-                <a:moveTo>
-                  <a:pt x="12700" y="546100"/>
-                </a:moveTo>
-                <a:cubicBezTo>
-                  <a:pt x="12700" y="290108"/>
-                  <a:pt x="0" y="177800"/>
-                  <a:pt x="88900" y="88900"/>
-                </a:cubicBezTo>
-                <a:cubicBezTo>
-                  <a:pt x="177800" y="0"/>
-                  <a:pt x="290107" y="12700"/>
-                  <a:pt x="546100" y="12701"/>
-                </a:cubicBezTo>
-                <a:lnTo>
-                  <a:pt x="7556500" y="12700"/>
-                </a:lnTo>
-                <a:cubicBezTo>
-                  <a:pt x="7812492" y="12700"/>
-                  <a:pt x="7924799" y="12700"/>
-                  <a:pt x="8013699" y="88900"/>
-                </a:cubicBezTo>
-                <a:cubicBezTo>
-                  <a:pt x="8102599" y="165100"/>
-                  <a:pt x="8089900" y="213907"/>
-                  <a:pt x="8089899" y="469900"/>
-                </a:cubicBezTo>
-                <a:cubicBezTo>
-                  <a:pt x="8089899" y="1926160"/>
-                  <a:pt x="8089900" y="3890440"/>
-                  <a:pt x="8089900" y="5346700"/>
-                </a:cubicBezTo>
-                <a:cubicBezTo>
-                  <a:pt x="8089900" y="5602692"/>
-                  <a:pt x="8089900" y="5651500"/>
-                  <a:pt x="8013700" y="5727700"/>
-                </a:cubicBezTo>
-                <a:cubicBezTo>
-                  <a:pt x="7937500" y="5803900"/>
-                  <a:pt x="7888692" y="5803900"/>
-                  <a:pt x="7632700" y="5803900"/>
-                </a:cubicBezTo>
-                <a:lnTo>
-                  <a:pt x="546100" y="5803900"/>
-                </a:lnTo>
-                <a:cubicBezTo>
-                  <a:pt x="290108" y="5803900"/>
-                  <a:pt x="177800" y="5803900"/>
-                  <a:pt x="88900" y="5727700"/>
-                </a:cubicBezTo>
-                <a:cubicBezTo>
-                  <a:pt x="0" y="5651500"/>
-                  <a:pt x="12700" y="5602692"/>
-                  <a:pt x="12700" y="5346700"/>
-                </a:cubicBezTo>
-                <a:lnTo>
-                  <a:pt x="12700" y="546100"/>
-                </a:lnTo>
-                <a:close/>
-              </a:path>
-            </a:pathLst>
-          </a:custGeom>
-          <a:gradFill>
-            <a:gsLst>
-              <a:gs pos="0">
-                <a:schemeClr val="bg1">
-                  <a:lumMod val="50000"/>
-                </a:schemeClr>
-              </a:gs>
-              <a:gs pos="39999">
-                <a:schemeClr val="bg1">
-                  <a:lumMod val="65000"/>
-                </a:schemeClr>
-              </a:gs>
-              <a:gs pos="70000">
-                <a:schemeClr val="bg1">
-                  <a:lumMod val="50000"/>
-                  <a:alpha val="73000"/>
-                </a:schemeClr>
-              </a:gs>
-            </a:gsLst>
-            <a:lin ang="5400000" scaled="0"/>
-          </a:gradFill>
-          <a:ln>
-            <a:solidFill>
-              <a:schemeClr val="bg1">
-                <a:lumMod val="75000"/>
-              </a:schemeClr>
-            </a:solidFill>
-          </a:ln>
-        </p:spPr>
-        <p:style>
-          <a:lnRef idx="2">
-            <a:schemeClr val="accent1">
-              <a:shade val="50000"/>
-            </a:schemeClr>
-          </a:lnRef>
-          <a:fillRef idx="1">
-            <a:schemeClr val="accent1"/>
-          </a:fillRef>
-          <a:effectRef idx="0">
-            <a:schemeClr val="accent1"/>
-          </a:effectRef>
-          <a:fontRef idx="minor">
-            <a:schemeClr val="lt1"/>
-          </a:fontRef>
-        </p:style>
-        <p:txBody>
-          <a:bodyPr rtlCol="0" anchor="ctr"/>
-          <a:lstStyle/>
-          <a:p>
-            <a:pPr fontAlgn="t"/>
-            <a:endParaRPr lang="es-AR" b="1" dirty="0" smtClean="0"/>
-          </a:p>
-          <a:p>
-            <a:pPr algn="ctr"/>
-            <a:endParaRPr lang="es-AR" dirty="0"/>
-          </a:p>
-        </p:txBody>
-      </p:sp>
-      <p:sp>
-        <p:nvSpPr>
-          <p:cNvPr id="14" name="Rectangle 13"/>
-          <p:cNvSpPr/>
-          <p:nvPr/>
-        </p:nvSpPr>
-        <p:spPr>
-          <a:xfrm>
-            <a:off x="381000" y="1295400"/>
-            <a:ext cx="8458200" cy="1066800"/>
-          </a:xfrm>
-          <a:prstGeom prst="rect">
-            <a:avLst/>
-          </a:prstGeom>
-          <a:noFill/>
-          <a:ln>
-            <a:noFill/>
-          </a:ln>
-        </p:spPr>
-        <p:style>
-          <a:lnRef idx="2">
-            <a:schemeClr val="accent1">
-              <a:shade val="50000"/>
-            </a:schemeClr>
-          </a:lnRef>
-          <a:fillRef idx="1">
-            <a:schemeClr val="accent1"/>
-          </a:fillRef>
-          <a:effectRef idx="0">
-            <a:schemeClr val="accent1"/>
-          </a:effectRef>
-          <a:fontRef idx="minor">
-            <a:schemeClr val="lt1"/>
-          </a:fontRef>
-        </p:style>
-        <p:txBody>
-          <a:bodyPr rtlCol="0" anchor="ctr"/>
-          <a:lstStyle/>
-          <a:p>
-            <a:pPr algn="ctr"/>
-            <a:r>
-              <a:rPr lang="es-AR" sz="4800" b="1" dirty="0" smtClean="0"/>
-              <a:t>Seguridad</a:t>
-            </a:r>
-          </a:p>
-          <a:p>
-            <a:pPr algn="ctr"/>
-            <a:endParaRPr lang="es-AR" sz="1200" dirty="0"/>
-          </a:p>
-        </p:txBody>
-      </p:sp>
-      <p:grpSp>
-        <p:nvGrpSpPr>
-          <p:cNvPr id="3" name="Group 14"/>
-          <p:cNvGrpSpPr/>
-          <p:nvPr/>
-        </p:nvGrpSpPr>
-        <p:grpSpPr>
-          <a:xfrm>
-            <a:off x="1295400" y="544415"/>
-            <a:ext cx="6553200" cy="903384"/>
-            <a:chOff x="1295400" y="544415"/>
-            <a:chExt cx="6553200" cy="903384"/>
-          </a:xfrm>
-        </p:grpSpPr>
-        <p:sp>
-          <p:nvSpPr>
-            <p:cNvPr id="16" name="Round Same Side Corner Rectangle 15"/>
-            <p:cNvSpPr/>
-            <p:nvPr/>
-          </p:nvSpPr>
-          <p:spPr>
-            <a:xfrm rot="10800000">
-              <a:off x="1295400" y="544415"/>
-              <a:ext cx="6553200" cy="903384"/>
-            </a:xfrm>
-            <a:prstGeom prst="round2SameRect">
-              <a:avLst/>
-            </a:prstGeom>
-          </p:spPr>
-          <p:style>
-            <a:lnRef idx="2">
-              <a:schemeClr val="dk1">
-                <a:shade val="50000"/>
-              </a:schemeClr>
-            </a:lnRef>
-            <a:fillRef idx="1">
-              <a:schemeClr val="dk1"/>
-            </a:fillRef>
-            <a:effectRef idx="0">
-              <a:schemeClr val="dk1"/>
-            </a:effectRef>
-            <a:fontRef idx="minor">
-              <a:schemeClr val="lt1"/>
-            </a:fontRef>
-          </p:style>
-          <p:txBody>
-            <a:bodyPr rtlCol="0" anchor="ctr"/>
-            <a:lstStyle/>
-            <a:p>
-              <a:pPr algn="ctr"/>
-              <a:endParaRPr lang="es-AR" dirty="0"/>
-            </a:p>
-          </p:txBody>
-        </p:sp>
-        <p:pic>
-          <p:nvPicPr>
-            <p:cNvPr id="20" name="Picture 2" descr="E:\U.B.A.Files\Materias\75.45 Taller de Desarrollo de Proyectos I\TP\Trunk\Proyecto\web\site\images\logo.png"/>
-            <p:cNvPicPr>
-              <a:picLocks noChangeAspect="1" noChangeArrowheads="1"/>
-            </p:cNvPicPr>
-            <p:nvPr/>
-          </p:nvPicPr>
-          <p:blipFill>
-            <a:blip r:embed="rId2" cstate="print"/>
-            <a:srcRect/>
-            <a:stretch>
-              <a:fillRect/>
-            </a:stretch>
-          </p:blipFill>
-          <p:spPr bwMode="auto">
-            <a:xfrm>
-              <a:off x="1600200" y="609600"/>
-              <a:ext cx="2640904" cy="762000"/>
-            </a:xfrm>
-            <a:prstGeom prst="rect">
-              <a:avLst/>
-            </a:prstGeom>
-            <a:noFill/>
-          </p:spPr>
-        </p:pic>
-        <p:sp>
-          <p:nvSpPr>
-            <p:cNvPr id="23" name="TextBox 22"/>
-            <p:cNvSpPr txBox="1"/>
-            <p:nvPr/>
-          </p:nvSpPr>
-          <p:spPr>
-            <a:xfrm>
-              <a:off x="4515457" y="685800"/>
-              <a:ext cx="3180743" cy="307777"/>
-            </a:xfrm>
-            <a:prstGeom prst="rect">
-              <a:avLst/>
-            </a:prstGeom>
-            <a:noFill/>
-          </p:spPr>
-          <p:txBody>
-            <a:bodyPr wrap="none" rtlCol="0">
-              <a:spAutoFit/>
-            </a:bodyPr>
-            <a:lstStyle/>
-            <a:p>
-              <a:r>
-                <a:rPr lang="es-AR" sz="1400" dirty="0" smtClean="0">
-                  <a:solidFill>
-                    <a:schemeClr val="bg1">
-                      <a:lumMod val="50000"/>
-                    </a:schemeClr>
-                  </a:solidFill>
-                </a:rPr>
-                <a:t>Centralización y análisis de datos</a:t>
-              </a:r>
-              <a:endParaRPr lang="es-AR" sz="1400" dirty="0">
-                <a:solidFill>
-                  <a:schemeClr val="bg1">
-                    <a:lumMod val="50000"/>
-                  </a:schemeClr>
-                </a:solidFill>
-              </a:endParaRPr>
-            </a:p>
-          </p:txBody>
-        </p:sp>
-      </p:grpSp>
-    </p:spTree>
-  </p:cSld>
-  <p:clrMapOvr>
-    <a:masterClrMapping/>
-  </p:clrMapOvr>
-  <p:timing>
-    <p:tnLst>
-      <p:par>
-        <p:cTn id="1" dur="indefinite" restart="never" nodeType="tmRoot"/>
-      </p:par>
-    </p:tnLst>
-  </p:timing>
-</p:sld>
-</file>
-
 <file path=ppt/theme/theme1.xml><?xml version="1.0" encoding="utf-8"?>
 <a:theme xmlns:a="http://schemas.openxmlformats.org/drawingml/2006/main" name="Office Theme">
   <a:themeElements>

--- a/trunk/Presentacion/Tecnica/Presentacion Tecnica.pptx
+++ b/trunk/Presentacion/Tecnica/Presentacion Tecnica.pptx
@@ -14,9 +14,9 @@
     <p:sldId id="259" r:id="rId5"/>
     <p:sldId id="271" r:id="rId6"/>
     <p:sldId id="264" r:id="rId7"/>
-    <p:sldId id="265" r:id="rId8"/>
-    <p:sldId id="272" r:id="rId9"/>
-    <p:sldId id="267" r:id="rId10"/>
+    <p:sldId id="267" r:id="rId8"/>
+    <p:sldId id="265" r:id="rId9"/>
+    <p:sldId id="272" r:id="rId10"/>
     <p:sldId id="266" r:id="rId11"/>
     <p:sldId id="268" r:id="rId12"/>
     <p:sldId id="269" r:id="rId13"/>
@@ -204,7 +204,7 @@
             <a:fld id="{9763C9BB-72E2-4283-8DE8-50E875797B7C}" type="datetimeFigureOut">
               <a:rPr lang="es-AR" smtClean="0"/>
               <a:pPr/>
-              <a:t>06/07/2011</a:t>
+              <a:t>07/07/2011</a:t>
             </a:fld>
             <a:endParaRPr lang="es-AR"/>
           </a:p>
@@ -652,7 +652,7 @@
             <a:fld id="{1D8BD707-D9CF-40AE-B4C6-C98DA3205C09}" type="datetimeFigureOut">
               <a:rPr lang="en-US" smtClean="0"/>
               <a:pPr/>
-              <a:t>7/6/2011</a:t>
+              <a:t>7/7/2011</a:t>
             </a:fld>
             <a:endParaRPr lang="en-US"/>
           </a:p>
@@ -819,7 +819,7 @@
             <a:fld id="{1D8BD707-D9CF-40AE-B4C6-C98DA3205C09}" type="datetimeFigureOut">
               <a:rPr lang="en-US" smtClean="0"/>
               <a:pPr/>
-              <a:t>7/6/2011</a:t>
+              <a:t>7/7/2011</a:t>
             </a:fld>
             <a:endParaRPr lang="en-US"/>
           </a:p>
@@ -996,7 +996,7 @@
             <a:fld id="{1D8BD707-D9CF-40AE-B4C6-C98DA3205C09}" type="datetimeFigureOut">
               <a:rPr lang="en-US" smtClean="0"/>
               <a:pPr/>
-              <a:t>7/6/2011</a:t>
+              <a:t>7/7/2011</a:t>
             </a:fld>
             <a:endParaRPr lang="en-US"/>
           </a:p>
@@ -1163,7 +1163,7 @@
             <a:fld id="{1D8BD707-D9CF-40AE-B4C6-C98DA3205C09}" type="datetimeFigureOut">
               <a:rPr lang="en-US" smtClean="0"/>
               <a:pPr/>
-              <a:t>7/6/2011</a:t>
+              <a:t>7/7/2011</a:t>
             </a:fld>
             <a:endParaRPr lang="en-US"/>
           </a:p>
@@ -1406,7 +1406,7 @@
             <a:fld id="{1D8BD707-D9CF-40AE-B4C6-C98DA3205C09}" type="datetimeFigureOut">
               <a:rPr lang="en-US" smtClean="0"/>
               <a:pPr/>
-              <a:t>7/6/2011</a:t>
+              <a:t>7/7/2011</a:t>
             </a:fld>
             <a:endParaRPr lang="en-US"/>
           </a:p>
@@ -1691,7 +1691,7 @@
             <a:fld id="{1D8BD707-D9CF-40AE-B4C6-C98DA3205C09}" type="datetimeFigureOut">
               <a:rPr lang="en-US" smtClean="0"/>
               <a:pPr/>
-              <a:t>7/6/2011</a:t>
+              <a:t>7/7/2011</a:t>
             </a:fld>
             <a:endParaRPr lang="en-US"/>
           </a:p>
@@ -2110,7 +2110,7 @@
             <a:fld id="{1D8BD707-D9CF-40AE-B4C6-C98DA3205C09}" type="datetimeFigureOut">
               <a:rPr lang="en-US" smtClean="0"/>
               <a:pPr/>
-              <a:t>7/6/2011</a:t>
+              <a:t>7/7/2011</a:t>
             </a:fld>
             <a:endParaRPr lang="en-US"/>
           </a:p>
@@ -2225,7 +2225,7 @@
             <a:fld id="{1D8BD707-D9CF-40AE-B4C6-C98DA3205C09}" type="datetimeFigureOut">
               <a:rPr lang="en-US" smtClean="0"/>
               <a:pPr/>
-              <a:t>7/6/2011</a:t>
+              <a:t>7/7/2011</a:t>
             </a:fld>
             <a:endParaRPr lang="en-US"/>
           </a:p>
@@ -2317,7 +2317,7 @@
             <a:fld id="{1D8BD707-D9CF-40AE-B4C6-C98DA3205C09}" type="datetimeFigureOut">
               <a:rPr lang="en-US" smtClean="0"/>
               <a:pPr/>
-              <a:t>7/6/2011</a:t>
+              <a:t>7/7/2011</a:t>
             </a:fld>
             <a:endParaRPr lang="en-US"/>
           </a:p>
@@ -2591,7 +2591,7 @@
             <a:fld id="{1D8BD707-D9CF-40AE-B4C6-C98DA3205C09}" type="datetimeFigureOut">
               <a:rPr lang="en-US" smtClean="0"/>
               <a:pPr/>
-              <a:t>7/6/2011</a:t>
+              <a:t>7/7/2011</a:t>
             </a:fld>
             <a:endParaRPr lang="en-US"/>
           </a:p>
@@ -2841,7 +2841,7 @@
             <a:fld id="{1D8BD707-D9CF-40AE-B4C6-C98DA3205C09}" type="datetimeFigureOut">
               <a:rPr lang="en-US" smtClean="0"/>
               <a:pPr/>
-              <a:t>7/6/2011</a:t>
+              <a:t>7/7/2011</a:t>
             </a:fld>
             <a:endParaRPr lang="en-US"/>
           </a:p>
@@ -3056,7 +3056,7 @@
             <a:fld id="{1D8BD707-D9CF-40AE-B4C6-C98DA3205C09}" type="datetimeFigureOut">
               <a:rPr lang="en-US" smtClean="0"/>
               <a:pPr/>
-              <a:t>7/6/2011</a:t>
+              <a:t>7/7/2011</a:t>
             </a:fld>
             <a:endParaRPr lang="en-US"/>
           </a:p>
@@ -9059,7 +9059,7 @@
           <a:p>
             <a:pPr algn="ctr"/>
             <a:r>
-              <a:rPr lang="es-AR" sz="5400" b="1" u="sng" dirty="0" smtClean="0"/>
+              <a:rPr lang="es-AR" sz="5400" b="1" dirty="0" smtClean="0"/>
               <a:t>Casos de uso (I)</a:t>
             </a:r>
           </a:p>
@@ -11028,7 +11028,7 @@
           <a:p>
             <a:pPr algn="ctr"/>
             <a:r>
-              <a:rPr lang="es-AR" sz="5400" b="1" u="sng" dirty="0" smtClean="0"/>
+              <a:rPr lang="es-AR" sz="5400" b="1" dirty="0" smtClean="0"/>
               <a:t>Casos de uso (II)</a:t>
             </a:r>
           </a:p>
@@ -12902,10 +12902,10 @@
           <a:p>
             <a:pPr algn="ctr"/>
             <a:r>
-              <a:rPr lang="es-AR" sz="5400" b="1" u="sng" dirty="0" smtClean="0"/>
+              <a:rPr lang="es-AR" sz="5400" b="1" dirty="0" smtClean="0"/>
               <a:t>Arquitectura</a:t>
             </a:r>
-            <a:endParaRPr lang="es-AR" sz="2000" u="sng" dirty="0"/>
+            <a:endParaRPr lang="es-AR" sz="2000" dirty="0"/>
           </a:p>
         </p:txBody>
       </p:sp>
@@ -14676,10 +14676,10 @@
           <a:p>
             <a:pPr algn="ctr"/>
             <a:r>
-              <a:rPr lang="es-AR" sz="5400" b="1" u="sng" dirty="0" smtClean="0"/>
+              <a:rPr lang="es-AR" sz="5400" b="1" dirty="0" smtClean="0"/>
               <a:t>Diagrama de componentes</a:t>
             </a:r>
-            <a:endParaRPr lang="es-AR" sz="2000" u="sng" dirty="0"/>
+            <a:endParaRPr lang="es-AR" sz="2000" dirty="0"/>
           </a:p>
         </p:txBody>
       </p:sp>
@@ -20809,14 +20809,1535 @@
           <a:p>
             <a:pPr algn="ctr"/>
             <a:r>
-              <a:rPr lang="es-AR" sz="4800" b="1" u="sng" dirty="0" smtClean="0"/>
-              <a:t>Modelo de </a:t>
+              <a:rPr lang="es-AR" sz="4800" b="1" dirty="0" smtClean="0"/>
+              <a:t>Tecnologías y </a:t>
             </a:r>
             <a:r>
-              <a:rPr lang="es-AR" sz="4800" b="1" u="sng" dirty="0" smtClean="0"/>
-              <a:t>Datos (I)</a:t>
+              <a:rPr lang="es-AR" sz="4800" b="1" dirty="0" err="1" smtClean="0"/>
+              <a:t>Frameworks</a:t>
             </a:r>
-            <a:endParaRPr lang="es-AR" sz="4800" b="1" u="sng" dirty="0" smtClean="0"/>
+            <a:endParaRPr lang="es-AR" sz="4800" b="1" dirty="0" smtClean="0"/>
+          </a:p>
+          <a:p>
+            <a:pPr algn="ctr"/>
+            <a:endParaRPr lang="es-AR" sz="1200" dirty="0"/>
+          </a:p>
+        </p:txBody>
+      </p:sp>
+      <p:grpSp>
+        <p:nvGrpSpPr>
+          <p:cNvPr id="3" name="Group 14"/>
+          <p:cNvGrpSpPr/>
+          <p:nvPr/>
+        </p:nvGrpSpPr>
+        <p:grpSpPr>
+          <a:xfrm>
+            <a:off x="1295400" y="544415"/>
+            <a:ext cx="6553200" cy="903384"/>
+            <a:chOff x="1295400" y="544415"/>
+            <a:chExt cx="6553200" cy="903384"/>
+          </a:xfrm>
+        </p:grpSpPr>
+        <p:sp>
+          <p:nvSpPr>
+            <p:cNvPr id="16" name="Round Same Side Corner Rectangle 15"/>
+            <p:cNvSpPr/>
+            <p:nvPr/>
+          </p:nvSpPr>
+          <p:spPr>
+            <a:xfrm rot="10800000">
+              <a:off x="1295400" y="544415"/>
+              <a:ext cx="6553200" cy="903384"/>
+            </a:xfrm>
+            <a:prstGeom prst="round2SameRect">
+              <a:avLst/>
+            </a:prstGeom>
+          </p:spPr>
+          <p:style>
+            <a:lnRef idx="2">
+              <a:schemeClr val="dk1">
+                <a:shade val="50000"/>
+              </a:schemeClr>
+            </a:lnRef>
+            <a:fillRef idx="1">
+              <a:schemeClr val="dk1"/>
+            </a:fillRef>
+            <a:effectRef idx="0">
+              <a:schemeClr val="dk1"/>
+            </a:effectRef>
+            <a:fontRef idx="minor">
+              <a:schemeClr val="lt1"/>
+            </a:fontRef>
+          </p:style>
+          <p:txBody>
+            <a:bodyPr rtlCol="0" anchor="ctr"/>
+            <a:lstStyle/>
+            <a:p>
+              <a:pPr algn="ctr"/>
+              <a:endParaRPr lang="es-AR" dirty="0"/>
+            </a:p>
+          </p:txBody>
+        </p:sp>
+        <p:pic>
+          <p:nvPicPr>
+            <p:cNvPr id="20" name="Picture 2" descr="E:\U.B.A.Files\Materias\75.45 Taller de Desarrollo de Proyectos I\TP\Trunk\Proyecto\web\site\images\logo.png"/>
+            <p:cNvPicPr>
+              <a:picLocks noChangeAspect="1" noChangeArrowheads="1"/>
+            </p:cNvPicPr>
+            <p:nvPr/>
+          </p:nvPicPr>
+          <p:blipFill>
+            <a:blip r:embed="rId2" cstate="print"/>
+            <a:srcRect/>
+            <a:stretch>
+              <a:fillRect/>
+            </a:stretch>
+          </p:blipFill>
+          <p:spPr bwMode="auto">
+            <a:xfrm>
+              <a:off x="1600200" y="609600"/>
+              <a:ext cx="2640904" cy="762000"/>
+            </a:xfrm>
+            <a:prstGeom prst="rect">
+              <a:avLst/>
+            </a:prstGeom>
+            <a:noFill/>
+          </p:spPr>
+        </p:pic>
+        <p:sp>
+          <p:nvSpPr>
+            <p:cNvPr id="23" name="TextBox 22"/>
+            <p:cNvSpPr txBox="1"/>
+            <p:nvPr/>
+          </p:nvSpPr>
+          <p:spPr>
+            <a:xfrm>
+              <a:off x="4515457" y="685800"/>
+              <a:ext cx="3180743" cy="307777"/>
+            </a:xfrm>
+            <a:prstGeom prst="rect">
+              <a:avLst/>
+            </a:prstGeom>
+            <a:noFill/>
+          </p:spPr>
+          <p:txBody>
+            <a:bodyPr wrap="none" rtlCol="0">
+              <a:spAutoFit/>
+            </a:bodyPr>
+            <a:lstStyle/>
+            <a:p>
+              <a:r>
+                <a:rPr lang="es-AR" sz="1400" dirty="0" smtClean="0">
+                  <a:solidFill>
+                    <a:schemeClr val="bg1">
+                      <a:lumMod val="50000"/>
+                    </a:schemeClr>
+                  </a:solidFill>
+                </a:rPr>
+                <a:t>Centralización y análisis de datos</a:t>
+              </a:r>
+              <a:endParaRPr lang="es-AR" sz="1400" dirty="0">
+                <a:solidFill>
+                  <a:schemeClr val="bg1">
+                    <a:lumMod val="50000"/>
+                  </a:schemeClr>
+                </a:solidFill>
+              </a:endParaRPr>
+            </a:p>
+          </p:txBody>
+        </p:sp>
+      </p:grpSp>
+      <p:pic>
+        <p:nvPicPr>
+          <p:cNvPr id="38" name="37 Imagen" descr="wicket.gif"/>
+          <p:cNvPicPr>
+            <a:picLocks noChangeAspect="1"/>
+          </p:cNvPicPr>
+          <p:nvPr/>
+        </p:nvPicPr>
+        <p:blipFill>
+          <a:blip r:embed="rId3"/>
+          <a:stretch>
+            <a:fillRect/>
+          </a:stretch>
+        </p:blipFill>
+        <p:spPr>
+          <a:xfrm>
+            <a:off x="1143000" y="2362200"/>
+            <a:ext cx="867676" cy="860281"/>
+          </a:xfrm>
+          <a:prstGeom prst="rect">
+            <a:avLst/>
+          </a:prstGeom>
+        </p:spPr>
+      </p:pic>
+      <p:sp>
+        <p:nvSpPr>
+          <p:cNvPr id="39" name="38 CuadroTexto"/>
+          <p:cNvSpPr txBox="1"/>
+          <p:nvPr/>
+        </p:nvSpPr>
+        <p:spPr>
+          <a:xfrm>
+            <a:off x="838200" y="3048000"/>
+            <a:ext cx="1581843" cy="369332"/>
+          </a:xfrm>
+          <a:prstGeom prst="rect">
+            <a:avLst/>
+          </a:prstGeom>
+          <a:noFill/>
+        </p:spPr>
+        <p:txBody>
+          <a:bodyPr wrap="none" rtlCol="0">
+            <a:spAutoFit/>
+          </a:bodyPr>
+          <a:lstStyle/>
+          <a:p>
+            <a:r>
+              <a:rPr lang="es-AR" dirty="0" smtClean="0"/>
+              <a:t>Apache </a:t>
+            </a:r>
+            <a:r>
+              <a:rPr lang="es-AR" dirty="0" err="1" smtClean="0"/>
+              <a:t>Wicket</a:t>
+            </a:r>
+            <a:endParaRPr lang="es-AR" dirty="0"/>
+          </a:p>
+        </p:txBody>
+      </p:sp>
+      <p:pic>
+        <p:nvPicPr>
+          <p:cNvPr id="41" name="40 Imagen" descr="eclipse.png"/>
+          <p:cNvPicPr>
+            <a:picLocks noChangeAspect="1"/>
+          </p:cNvPicPr>
+          <p:nvPr/>
+        </p:nvPicPr>
+        <p:blipFill>
+          <a:blip r:embed="rId4"/>
+          <a:stretch>
+            <a:fillRect/>
+          </a:stretch>
+        </p:blipFill>
+        <p:spPr>
+          <a:xfrm>
+            <a:off x="6172200" y="5029200"/>
+            <a:ext cx="1628775" cy="866775"/>
+          </a:xfrm>
+          <a:prstGeom prst="rect">
+            <a:avLst/>
+          </a:prstGeom>
+        </p:spPr>
+      </p:pic>
+      <p:pic>
+        <p:nvPicPr>
+          <p:cNvPr id="42" name="41 Imagen" descr="hibernate.gif"/>
+          <p:cNvPicPr>
+            <a:picLocks noChangeAspect="1"/>
+          </p:cNvPicPr>
+          <p:nvPr/>
+        </p:nvPicPr>
+        <p:blipFill>
+          <a:blip r:embed="rId5"/>
+          <a:stretch>
+            <a:fillRect/>
+          </a:stretch>
+        </p:blipFill>
+        <p:spPr>
+          <a:xfrm>
+            <a:off x="2743200" y="2590800"/>
+            <a:ext cx="2819400" cy="469453"/>
+          </a:xfrm>
+          <a:prstGeom prst="rect">
+            <a:avLst/>
+          </a:prstGeom>
+          <a:ln w="0">
+            <a:noFill/>
+          </a:ln>
+          <a:effectLst>
+            <a:outerShdw blurRad="12700" dist="25400" dir="600000" algn="ctr" rotWithShape="0">
+              <a:schemeClr val="tx1"/>
+            </a:outerShdw>
+          </a:effectLst>
+        </p:spPr>
+      </p:pic>
+      <p:pic>
+        <p:nvPicPr>
+          <p:cNvPr id="44" name="43 Imagen" descr="JXL.jpg"/>
+          <p:cNvPicPr>
+            <a:picLocks noChangeAspect="1"/>
+          </p:cNvPicPr>
+          <p:nvPr/>
+        </p:nvPicPr>
+        <p:blipFill>
+          <a:blip r:embed="rId6"/>
+          <a:stretch>
+            <a:fillRect/>
+          </a:stretch>
+        </p:blipFill>
+        <p:spPr>
+          <a:xfrm>
+            <a:off x="6629400" y="2514600"/>
+            <a:ext cx="685800" cy="685800"/>
+          </a:xfrm>
+          <a:prstGeom prst="rect">
+            <a:avLst/>
+          </a:prstGeom>
+          <a:ln w="3175">
+            <a:solidFill>
+              <a:schemeClr val="tx1"/>
+            </a:solidFill>
+          </a:ln>
+          <a:effectLst>
+            <a:outerShdw blurRad="50800" dist="50800" dir="5400000" algn="ctr" rotWithShape="0">
+              <a:schemeClr val="tx1"/>
+            </a:outerShdw>
+          </a:effectLst>
+        </p:spPr>
+      </p:pic>
+      <p:sp>
+        <p:nvSpPr>
+          <p:cNvPr id="45" name="44 CuadroTexto"/>
+          <p:cNvSpPr txBox="1"/>
+          <p:nvPr/>
+        </p:nvSpPr>
+        <p:spPr>
+          <a:xfrm>
+            <a:off x="6781800" y="3276600"/>
+            <a:ext cx="474169" cy="369332"/>
+          </a:xfrm>
+          <a:prstGeom prst="rect">
+            <a:avLst/>
+          </a:prstGeom>
+          <a:noFill/>
+        </p:spPr>
+        <p:txBody>
+          <a:bodyPr wrap="none" rtlCol="0">
+            <a:spAutoFit/>
+          </a:bodyPr>
+          <a:lstStyle/>
+          <a:p>
+            <a:r>
+              <a:rPr lang="es-AR" dirty="0" smtClean="0"/>
+              <a:t>JXL</a:t>
+            </a:r>
+            <a:endParaRPr lang="es-AR" dirty="0"/>
+          </a:p>
+        </p:txBody>
+      </p:sp>
+      <p:pic>
+        <p:nvPicPr>
+          <p:cNvPr id="46" name="45 Imagen" descr="maven.gif"/>
+          <p:cNvPicPr>
+            <a:picLocks noChangeAspect="1"/>
+          </p:cNvPicPr>
+          <p:nvPr/>
+        </p:nvPicPr>
+        <p:blipFill>
+          <a:blip r:embed="rId7"/>
+          <a:stretch>
+            <a:fillRect/>
+          </a:stretch>
+        </p:blipFill>
+        <p:spPr>
+          <a:xfrm>
+            <a:off x="5867400" y="3962400"/>
+            <a:ext cx="2438400" cy="466405"/>
+          </a:xfrm>
+          <a:prstGeom prst="rect">
+            <a:avLst/>
+          </a:prstGeom>
+          <a:effectLst>
+            <a:outerShdw blurRad="12700" dist="12700" dir="1200000" algn="ctr" rotWithShape="0">
+              <a:schemeClr val="tx1"/>
+            </a:outerShdw>
+          </a:effectLst>
+        </p:spPr>
+      </p:pic>
+      <p:pic>
+        <p:nvPicPr>
+          <p:cNvPr id="47" name="46 Imagen" descr="mysql.gif"/>
+          <p:cNvPicPr>
+            <a:picLocks noChangeAspect="1"/>
+          </p:cNvPicPr>
+          <p:nvPr/>
+        </p:nvPicPr>
+        <p:blipFill>
+          <a:blip r:embed="rId8"/>
+          <a:stretch>
+            <a:fillRect/>
+          </a:stretch>
+        </p:blipFill>
+        <p:spPr>
+          <a:xfrm>
+            <a:off x="3352800" y="3276600"/>
+            <a:ext cx="1760562" cy="914400"/>
+          </a:xfrm>
+          <a:prstGeom prst="rect">
+            <a:avLst/>
+          </a:prstGeom>
+          <a:effectLst>
+            <a:outerShdw blurRad="12700" dist="12700" dir="600000" algn="l" rotWithShape="0">
+              <a:prstClr val="black">
+                <a:alpha val="40000"/>
+              </a:prstClr>
+            </a:outerShdw>
+          </a:effectLst>
+        </p:spPr>
+      </p:pic>
+      <p:pic>
+        <p:nvPicPr>
+          <p:cNvPr id="48" name="47 Imagen" descr="tomcat.gif"/>
+          <p:cNvPicPr>
+            <a:picLocks noChangeAspect="1"/>
+          </p:cNvPicPr>
+          <p:nvPr/>
+        </p:nvPicPr>
+        <p:blipFill>
+          <a:blip r:embed="rId9"/>
+          <a:stretch>
+            <a:fillRect/>
+          </a:stretch>
+        </p:blipFill>
+        <p:spPr>
+          <a:xfrm>
+            <a:off x="1447800" y="3581400"/>
+            <a:ext cx="1076739" cy="762000"/>
+          </a:xfrm>
+          <a:prstGeom prst="rect">
+            <a:avLst/>
+          </a:prstGeom>
+        </p:spPr>
+      </p:pic>
+      <p:sp>
+        <p:nvSpPr>
+          <p:cNvPr id="49" name="48 CuadroTexto"/>
+          <p:cNvSpPr txBox="1"/>
+          <p:nvPr/>
+        </p:nvSpPr>
+        <p:spPr>
+          <a:xfrm>
+            <a:off x="1219200" y="4495800"/>
+            <a:ext cx="1617238" cy="369332"/>
+          </a:xfrm>
+          <a:prstGeom prst="rect">
+            <a:avLst/>
+          </a:prstGeom>
+          <a:noFill/>
+        </p:spPr>
+        <p:txBody>
+          <a:bodyPr wrap="none" rtlCol="0">
+            <a:spAutoFit/>
+          </a:bodyPr>
+          <a:lstStyle/>
+          <a:p>
+            <a:r>
+              <a:rPr lang="es-AR" dirty="0" smtClean="0"/>
+              <a:t>Apache </a:t>
+            </a:r>
+            <a:r>
+              <a:rPr lang="es-AR" dirty="0" err="1" smtClean="0"/>
+              <a:t>Tomcat</a:t>
+            </a:r>
+            <a:endParaRPr lang="es-AR" dirty="0"/>
+          </a:p>
+        </p:txBody>
+      </p:sp>
+      <p:pic>
+        <p:nvPicPr>
+          <p:cNvPr id="50" name="49 Imagen" descr="svn.jpg"/>
+          <p:cNvPicPr>
+            <a:picLocks noChangeAspect="1"/>
+          </p:cNvPicPr>
+          <p:nvPr/>
+        </p:nvPicPr>
+        <p:blipFill>
+          <a:blip r:embed="rId10"/>
+          <a:stretch>
+            <a:fillRect/>
+          </a:stretch>
+        </p:blipFill>
+        <p:spPr>
+          <a:xfrm>
+            <a:off x="4953000" y="4876800"/>
+            <a:ext cx="609600" cy="609600"/>
+          </a:xfrm>
+          <a:prstGeom prst="rect">
+            <a:avLst/>
+          </a:prstGeom>
+        </p:spPr>
+      </p:pic>
+      <p:sp>
+        <p:nvSpPr>
+          <p:cNvPr id="51" name="50 CuadroTexto"/>
+          <p:cNvSpPr txBox="1"/>
+          <p:nvPr/>
+        </p:nvSpPr>
+        <p:spPr>
+          <a:xfrm>
+            <a:off x="4953000" y="5486400"/>
+            <a:ext cx="569387" cy="369332"/>
+          </a:xfrm>
+          <a:prstGeom prst="rect">
+            <a:avLst/>
+          </a:prstGeom>
+          <a:noFill/>
+        </p:spPr>
+        <p:txBody>
+          <a:bodyPr wrap="none" rtlCol="0">
+            <a:spAutoFit/>
+          </a:bodyPr>
+          <a:lstStyle/>
+          <a:p>
+            <a:r>
+              <a:rPr lang="es-AR" dirty="0" smtClean="0"/>
+              <a:t>SVN</a:t>
+            </a:r>
+            <a:endParaRPr lang="es-AR" dirty="0"/>
+          </a:p>
+        </p:txBody>
+      </p:sp>
+      <p:pic>
+        <p:nvPicPr>
+          <p:cNvPr id="26" name="25 Imagen" descr="Toad 50x50.gif"/>
+          <p:cNvPicPr>
+            <a:picLocks noChangeAspect="1"/>
+          </p:cNvPicPr>
+          <p:nvPr/>
+        </p:nvPicPr>
+        <p:blipFill>
+          <a:blip r:embed="rId11"/>
+          <a:stretch>
+            <a:fillRect/>
+          </a:stretch>
+        </p:blipFill>
+        <p:spPr>
+          <a:xfrm>
+            <a:off x="3505200" y="4876800"/>
+            <a:ext cx="609600" cy="609600"/>
+          </a:xfrm>
+          <a:prstGeom prst="rect">
+            <a:avLst/>
+          </a:prstGeom>
+        </p:spPr>
+      </p:pic>
+      <p:sp>
+        <p:nvSpPr>
+          <p:cNvPr id="27" name="26 CuadroTexto"/>
+          <p:cNvSpPr txBox="1"/>
+          <p:nvPr/>
+        </p:nvSpPr>
+        <p:spPr>
+          <a:xfrm>
+            <a:off x="3505200" y="5486400"/>
+            <a:ext cx="630622" cy="369332"/>
+          </a:xfrm>
+          <a:prstGeom prst="rect">
+            <a:avLst/>
+          </a:prstGeom>
+          <a:noFill/>
+        </p:spPr>
+        <p:txBody>
+          <a:bodyPr wrap="none" rtlCol="0">
+            <a:spAutoFit/>
+          </a:bodyPr>
+          <a:lstStyle/>
+          <a:p>
+            <a:r>
+              <a:rPr lang="es-AR" dirty="0" err="1" smtClean="0"/>
+              <a:t>Toad</a:t>
+            </a:r>
+            <a:endParaRPr lang="es-AR" dirty="0"/>
+          </a:p>
+        </p:txBody>
+      </p:sp>
+      <p:pic>
+        <p:nvPicPr>
+          <p:cNvPr id="30" name="29 Imagen" descr="java.gif"/>
+          <p:cNvPicPr>
+            <a:picLocks noChangeAspect="1"/>
+          </p:cNvPicPr>
+          <p:nvPr/>
+        </p:nvPicPr>
+        <p:blipFill>
+          <a:blip r:embed="rId12"/>
+          <a:stretch>
+            <a:fillRect/>
+          </a:stretch>
+        </p:blipFill>
+        <p:spPr>
+          <a:xfrm>
+            <a:off x="1752600" y="5029200"/>
+            <a:ext cx="524011" cy="914400"/>
+          </a:xfrm>
+          <a:prstGeom prst="rect">
+            <a:avLst/>
+          </a:prstGeom>
+        </p:spPr>
+      </p:pic>
+    </p:spTree>
+  </p:cSld>
+  <p:clrMapOvr>
+    <a:masterClrMapping/>
+  </p:clrMapOvr>
+  <p:timing>
+    <p:tnLst>
+      <p:par>
+        <p:cTn id="1" dur="indefinite" restart="never" nodeType="tmRoot"/>
+      </p:par>
+    </p:tnLst>
+  </p:timing>
+</p:sld>
+</file>
+
+<file path=ppt/slides/slide8.xml><?xml version="1.0" encoding="utf-8"?>
+<p:sld xmlns:a="http://schemas.openxmlformats.org/drawingml/2006/main" xmlns:r="http://schemas.openxmlformats.org/officeDocument/2006/relationships" xmlns:p="http://schemas.openxmlformats.org/presentationml/2006/main">
+  <p:cSld>
+    <p:spTree>
+      <p:nvGrpSpPr>
+        <p:cNvPr id="1" name=""/>
+        <p:cNvGrpSpPr/>
+        <p:nvPr/>
+      </p:nvGrpSpPr>
+      <p:grpSpPr>
+        <a:xfrm>
+          <a:off x="0" y="0"/>
+          <a:ext cx="0" cy="0"/>
+          <a:chOff x="0" y="0"/>
+          <a:chExt cx="0" cy="0"/>
+        </a:xfrm>
+      </p:grpSpPr>
+      <p:grpSp>
+        <p:nvGrpSpPr>
+          <p:cNvPr id="2" name="Group 22"/>
+          <p:cNvGrpSpPr/>
+          <p:nvPr/>
+        </p:nvGrpSpPr>
+        <p:grpSpPr>
+          <a:xfrm>
+            <a:off x="304800" y="304800"/>
+            <a:ext cx="8534400" cy="6248400"/>
+            <a:chOff x="304800" y="304800"/>
+            <a:chExt cx="8534400" cy="6248400"/>
+          </a:xfrm>
+          <a:solidFill>
+            <a:schemeClr val="bg1">
+              <a:lumMod val="85000"/>
+            </a:schemeClr>
+          </a:solidFill>
+        </p:grpSpPr>
+        <p:sp>
+          <p:nvSpPr>
+            <p:cNvPr id="18" name="Rounded Rectangle 17"/>
+            <p:cNvSpPr/>
+            <p:nvPr/>
+          </p:nvSpPr>
+          <p:spPr>
+            <a:xfrm>
+              <a:off x="304800" y="304800"/>
+              <a:ext cx="8534400" cy="6248400"/>
+            </a:xfrm>
+            <a:prstGeom prst="roundRect">
+              <a:avLst/>
+            </a:prstGeom>
+            <a:grpFill/>
+            <a:ln>
+              <a:noFill/>
+            </a:ln>
+          </p:spPr>
+          <p:style>
+            <a:lnRef idx="2">
+              <a:schemeClr val="accent1">
+                <a:shade val="50000"/>
+              </a:schemeClr>
+            </a:lnRef>
+            <a:fillRef idx="1">
+              <a:schemeClr val="accent1"/>
+            </a:fillRef>
+            <a:effectRef idx="0">
+              <a:schemeClr val="accent1"/>
+            </a:effectRef>
+            <a:fontRef idx="minor">
+              <a:schemeClr val="lt1"/>
+            </a:fontRef>
+          </p:style>
+          <p:txBody>
+            <a:bodyPr rtlCol="0" anchor="ctr"/>
+            <a:lstStyle/>
+            <a:p>
+              <a:pPr algn="ctr"/>
+              <a:endParaRPr lang="es-AR"/>
+            </a:p>
+          </p:txBody>
+        </p:sp>
+        <p:sp>
+          <p:nvSpPr>
+            <p:cNvPr id="22" name="Rounded Rectangle 21"/>
+            <p:cNvSpPr/>
+            <p:nvPr/>
+          </p:nvSpPr>
+          <p:spPr>
+            <a:xfrm>
+              <a:off x="7086600" y="304800"/>
+              <a:ext cx="1752600" cy="1752600"/>
+            </a:xfrm>
+            <a:prstGeom prst="roundRect">
+              <a:avLst/>
+            </a:prstGeom>
+            <a:grpFill/>
+            <a:ln>
+              <a:noFill/>
+            </a:ln>
+          </p:spPr>
+          <p:style>
+            <a:lnRef idx="2">
+              <a:schemeClr val="accent1">
+                <a:shade val="50000"/>
+              </a:schemeClr>
+            </a:lnRef>
+            <a:fillRef idx="1">
+              <a:schemeClr val="accent1"/>
+            </a:fillRef>
+            <a:effectRef idx="0">
+              <a:schemeClr val="accent1"/>
+            </a:effectRef>
+            <a:fontRef idx="minor">
+              <a:schemeClr val="lt1"/>
+            </a:fontRef>
+          </p:style>
+          <p:txBody>
+            <a:bodyPr rtlCol="0" anchor="ctr"/>
+            <a:lstStyle/>
+            <a:p>
+              <a:pPr algn="ctr"/>
+              <a:endParaRPr lang="es-AR"/>
+            </a:p>
+          </p:txBody>
+        </p:sp>
+        <p:sp>
+          <p:nvSpPr>
+            <p:cNvPr id="21" name="Rounded Rectangle 20"/>
+            <p:cNvSpPr/>
+            <p:nvPr/>
+          </p:nvSpPr>
+          <p:spPr>
+            <a:xfrm>
+              <a:off x="304800" y="304800"/>
+              <a:ext cx="1752600" cy="1752600"/>
+            </a:xfrm>
+            <a:prstGeom prst="roundRect">
+              <a:avLst/>
+            </a:prstGeom>
+            <a:grpFill/>
+            <a:ln>
+              <a:noFill/>
+            </a:ln>
+          </p:spPr>
+          <p:style>
+            <a:lnRef idx="2">
+              <a:schemeClr val="accent1">
+                <a:shade val="50000"/>
+              </a:schemeClr>
+            </a:lnRef>
+            <a:fillRef idx="1">
+              <a:schemeClr val="accent1"/>
+            </a:fillRef>
+            <a:effectRef idx="0">
+              <a:schemeClr val="accent1"/>
+            </a:effectRef>
+            <a:fontRef idx="minor">
+              <a:schemeClr val="lt1"/>
+            </a:fontRef>
+          </p:style>
+          <p:txBody>
+            <a:bodyPr rtlCol="0" anchor="ctr"/>
+            <a:lstStyle/>
+            <a:p>
+              <a:pPr algn="ctr"/>
+              <a:endParaRPr lang="es-AR"/>
+            </a:p>
+          </p:txBody>
+        </p:sp>
+        <p:sp>
+          <p:nvSpPr>
+            <p:cNvPr id="17" name="Rounded Rectangle 16"/>
+            <p:cNvSpPr/>
+            <p:nvPr/>
+          </p:nvSpPr>
+          <p:spPr>
+            <a:xfrm>
+              <a:off x="304800" y="4800600"/>
+              <a:ext cx="1752600" cy="1752600"/>
+            </a:xfrm>
+            <a:prstGeom prst="roundRect">
+              <a:avLst/>
+            </a:prstGeom>
+            <a:grpFill/>
+            <a:ln>
+              <a:noFill/>
+            </a:ln>
+          </p:spPr>
+          <p:style>
+            <a:lnRef idx="2">
+              <a:schemeClr val="accent1">
+                <a:shade val="50000"/>
+              </a:schemeClr>
+            </a:lnRef>
+            <a:fillRef idx="1">
+              <a:schemeClr val="accent1"/>
+            </a:fillRef>
+            <a:effectRef idx="0">
+              <a:schemeClr val="accent1"/>
+            </a:effectRef>
+            <a:fontRef idx="minor">
+              <a:schemeClr val="lt1"/>
+            </a:fontRef>
+          </p:style>
+          <p:txBody>
+            <a:bodyPr rtlCol="0" anchor="ctr"/>
+            <a:lstStyle/>
+            <a:p>
+              <a:pPr algn="ctr"/>
+              <a:endParaRPr lang="es-AR"/>
+            </a:p>
+          </p:txBody>
+        </p:sp>
+        <p:sp>
+          <p:nvSpPr>
+            <p:cNvPr id="19" name="Rounded Rectangle 18"/>
+            <p:cNvSpPr/>
+            <p:nvPr/>
+          </p:nvSpPr>
+          <p:spPr>
+            <a:xfrm>
+              <a:off x="7086600" y="4800600"/>
+              <a:ext cx="1752600" cy="1752600"/>
+            </a:xfrm>
+            <a:prstGeom prst="roundRect">
+              <a:avLst/>
+            </a:prstGeom>
+            <a:grpFill/>
+            <a:ln>
+              <a:noFill/>
+            </a:ln>
+          </p:spPr>
+          <p:style>
+            <a:lnRef idx="2">
+              <a:schemeClr val="accent1">
+                <a:shade val="50000"/>
+              </a:schemeClr>
+            </a:lnRef>
+            <a:fillRef idx="1">
+              <a:schemeClr val="accent1"/>
+            </a:fillRef>
+            <a:effectRef idx="0">
+              <a:schemeClr val="accent1"/>
+            </a:effectRef>
+            <a:fontRef idx="minor">
+              <a:schemeClr val="lt1"/>
+            </a:fontRef>
+          </p:style>
+          <p:txBody>
+            <a:bodyPr rtlCol="0" anchor="ctr"/>
+            <a:lstStyle/>
+            <a:p>
+              <a:pPr algn="ctr"/>
+              <a:endParaRPr lang="es-AR"/>
+            </a:p>
+          </p:txBody>
+        </p:sp>
+      </p:grpSp>
+      <p:sp>
+        <p:nvSpPr>
+          <p:cNvPr id="40" name="Freeform 39"/>
+          <p:cNvSpPr/>
+          <p:nvPr/>
+        </p:nvSpPr>
+        <p:spPr>
+          <a:xfrm>
+            <a:off x="457200" y="457200"/>
+            <a:ext cx="8229600" cy="5803900"/>
+          </a:xfrm>
+          <a:custGeom>
+            <a:avLst/>
+            <a:gdLst>
+              <a:gd name="connsiteX0" fmla="*/ 0 w 8077200"/>
+              <a:gd name="connsiteY0" fmla="*/ 965219 h 5791200"/>
+              <a:gd name="connsiteX1" fmla="*/ 282707 w 8077200"/>
+              <a:gd name="connsiteY1" fmla="*/ 282706 h 5791200"/>
+              <a:gd name="connsiteX2" fmla="*/ 965221 w 8077200"/>
+              <a:gd name="connsiteY2" fmla="*/ 1 h 5791200"/>
+              <a:gd name="connsiteX3" fmla="*/ 7111981 w 8077200"/>
+              <a:gd name="connsiteY3" fmla="*/ 0 h 5791200"/>
+              <a:gd name="connsiteX4" fmla="*/ 7794494 w 8077200"/>
+              <a:gd name="connsiteY4" fmla="*/ 282707 h 5791200"/>
+              <a:gd name="connsiteX5" fmla="*/ 8077199 w 8077200"/>
+              <a:gd name="connsiteY5" fmla="*/ 965221 h 5791200"/>
+              <a:gd name="connsiteX6" fmla="*/ 8077200 w 8077200"/>
+              <a:gd name="connsiteY6" fmla="*/ 4825981 h 5791200"/>
+              <a:gd name="connsiteX7" fmla="*/ 7794494 w 8077200"/>
+              <a:gd name="connsiteY7" fmla="*/ 5508494 h 5791200"/>
+              <a:gd name="connsiteX8" fmla="*/ 7111981 w 8077200"/>
+              <a:gd name="connsiteY8" fmla="*/ 5791200 h 5791200"/>
+              <a:gd name="connsiteX9" fmla="*/ 965219 w 8077200"/>
+              <a:gd name="connsiteY9" fmla="*/ 5791200 h 5791200"/>
+              <a:gd name="connsiteX10" fmla="*/ 282706 w 8077200"/>
+              <a:gd name="connsiteY10" fmla="*/ 5508493 h 5791200"/>
+              <a:gd name="connsiteX11" fmla="*/ 0 w 8077200"/>
+              <a:gd name="connsiteY11" fmla="*/ 4825980 h 5791200"/>
+              <a:gd name="connsiteX12" fmla="*/ 0 w 8077200"/>
+              <a:gd name="connsiteY12" fmla="*/ 965219 h 5791200"/>
+              <a:gd name="connsiteX0" fmla="*/ 0 w 8077200"/>
+              <a:gd name="connsiteY0" fmla="*/ 609600 h 5791200"/>
+              <a:gd name="connsiteX1" fmla="*/ 282707 w 8077200"/>
+              <a:gd name="connsiteY1" fmla="*/ 282706 h 5791200"/>
+              <a:gd name="connsiteX2" fmla="*/ 965221 w 8077200"/>
+              <a:gd name="connsiteY2" fmla="*/ 1 h 5791200"/>
+              <a:gd name="connsiteX3" fmla="*/ 7111981 w 8077200"/>
+              <a:gd name="connsiteY3" fmla="*/ 0 h 5791200"/>
+              <a:gd name="connsiteX4" fmla="*/ 7794494 w 8077200"/>
+              <a:gd name="connsiteY4" fmla="*/ 282707 h 5791200"/>
+              <a:gd name="connsiteX5" fmla="*/ 8077199 w 8077200"/>
+              <a:gd name="connsiteY5" fmla="*/ 965221 h 5791200"/>
+              <a:gd name="connsiteX6" fmla="*/ 8077200 w 8077200"/>
+              <a:gd name="connsiteY6" fmla="*/ 4825981 h 5791200"/>
+              <a:gd name="connsiteX7" fmla="*/ 7794494 w 8077200"/>
+              <a:gd name="connsiteY7" fmla="*/ 5508494 h 5791200"/>
+              <a:gd name="connsiteX8" fmla="*/ 7111981 w 8077200"/>
+              <a:gd name="connsiteY8" fmla="*/ 5791200 h 5791200"/>
+              <a:gd name="connsiteX9" fmla="*/ 965219 w 8077200"/>
+              <a:gd name="connsiteY9" fmla="*/ 5791200 h 5791200"/>
+              <a:gd name="connsiteX10" fmla="*/ 282706 w 8077200"/>
+              <a:gd name="connsiteY10" fmla="*/ 5508493 h 5791200"/>
+              <a:gd name="connsiteX11" fmla="*/ 0 w 8077200"/>
+              <a:gd name="connsiteY11" fmla="*/ 4825980 h 5791200"/>
+              <a:gd name="connsiteX12" fmla="*/ 0 w 8077200"/>
+              <a:gd name="connsiteY12" fmla="*/ 609600 h 5791200"/>
+              <a:gd name="connsiteX0" fmla="*/ 0 w 8077200"/>
+              <a:gd name="connsiteY0" fmla="*/ 609601 h 5791201"/>
+              <a:gd name="connsiteX1" fmla="*/ 282707 w 8077200"/>
+              <a:gd name="connsiteY1" fmla="*/ 282707 h 5791201"/>
+              <a:gd name="connsiteX2" fmla="*/ 609600 w 8077200"/>
+              <a:gd name="connsiteY2" fmla="*/ 1 h 5791201"/>
+              <a:gd name="connsiteX3" fmla="*/ 7111981 w 8077200"/>
+              <a:gd name="connsiteY3" fmla="*/ 1 h 5791201"/>
+              <a:gd name="connsiteX4" fmla="*/ 7794494 w 8077200"/>
+              <a:gd name="connsiteY4" fmla="*/ 282708 h 5791201"/>
+              <a:gd name="connsiteX5" fmla="*/ 8077199 w 8077200"/>
+              <a:gd name="connsiteY5" fmla="*/ 965222 h 5791201"/>
+              <a:gd name="connsiteX6" fmla="*/ 8077200 w 8077200"/>
+              <a:gd name="connsiteY6" fmla="*/ 4825982 h 5791201"/>
+              <a:gd name="connsiteX7" fmla="*/ 7794494 w 8077200"/>
+              <a:gd name="connsiteY7" fmla="*/ 5508495 h 5791201"/>
+              <a:gd name="connsiteX8" fmla="*/ 7111981 w 8077200"/>
+              <a:gd name="connsiteY8" fmla="*/ 5791201 h 5791201"/>
+              <a:gd name="connsiteX9" fmla="*/ 965219 w 8077200"/>
+              <a:gd name="connsiteY9" fmla="*/ 5791201 h 5791201"/>
+              <a:gd name="connsiteX10" fmla="*/ 282706 w 8077200"/>
+              <a:gd name="connsiteY10" fmla="*/ 5508494 h 5791201"/>
+              <a:gd name="connsiteX11" fmla="*/ 0 w 8077200"/>
+              <a:gd name="connsiteY11" fmla="*/ 4825981 h 5791201"/>
+              <a:gd name="connsiteX12" fmla="*/ 0 w 8077200"/>
+              <a:gd name="connsiteY12" fmla="*/ 609601 h 5791201"/>
+              <a:gd name="connsiteX0" fmla="*/ 0 w 8077200"/>
+              <a:gd name="connsiteY0" fmla="*/ 609601 h 5791201"/>
+              <a:gd name="connsiteX1" fmla="*/ 152400 w 8077200"/>
+              <a:gd name="connsiteY1" fmla="*/ 152402 h 5791201"/>
+              <a:gd name="connsiteX2" fmla="*/ 609600 w 8077200"/>
+              <a:gd name="connsiteY2" fmla="*/ 1 h 5791201"/>
+              <a:gd name="connsiteX3" fmla="*/ 7111981 w 8077200"/>
+              <a:gd name="connsiteY3" fmla="*/ 1 h 5791201"/>
+              <a:gd name="connsiteX4" fmla="*/ 7794494 w 8077200"/>
+              <a:gd name="connsiteY4" fmla="*/ 282708 h 5791201"/>
+              <a:gd name="connsiteX5" fmla="*/ 8077199 w 8077200"/>
+              <a:gd name="connsiteY5" fmla="*/ 965222 h 5791201"/>
+              <a:gd name="connsiteX6" fmla="*/ 8077200 w 8077200"/>
+              <a:gd name="connsiteY6" fmla="*/ 4825982 h 5791201"/>
+              <a:gd name="connsiteX7" fmla="*/ 7794494 w 8077200"/>
+              <a:gd name="connsiteY7" fmla="*/ 5508495 h 5791201"/>
+              <a:gd name="connsiteX8" fmla="*/ 7111981 w 8077200"/>
+              <a:gd name="connsiteY8" fmla="*/ 5791201 h 5791201"/>
+              <a:gd name="connsiteX9" fmla="*/ 965219 w 8077200"/>
+              <a:gd name="connsiteY9" fmla="*/ 5791201 h 5791201"/>
+              <a:gd name="connsiteX10" fmla="*/ 282706 w 8077200"/>
+              <a:gd name="connsiteY10" fmla="*/ 5508494 h 5791201"/>
+              <a:gd name="connsiteX11" fmla="*/ 0 w 8077200"/>
+              <a:gd name="connsiteY11" fmla="*/ 4825981 h 5791201"/>
+              <a:gd name="connsiteX12" fmla="*/ 0 w 8077200"/>
+              <a:gd name="connsiteY12" fmla="*/ 609601 h 5791201"/>
+              <a:gd name="connsiteX0" fmla="*/ 0 w 8077200"/>
+              <a:gd name="connsiteY0" fmla="*/ 609600 h 5791200"/>
+              <a:gd name="connsiteX1" fmla="*/ 152400 w 8077200"/>
+              <a:gd name="connsiteY1" fmla="*/ 152401 h 5791200"/>
+              <a:gd name="connsiteX2" fmla="*/ 533400 w 8077200"/>
+              <a:gd name="connsiteY2" fmla="*/ 1 h 5791200"/>
+              <a:gd name="connsiteX3" fmla="*/ 7111981 w 8077200"/>
+              <a:gd name="connsiteY3" fmla="*/ 0 h 5791200"/>
+              <a:gd name="connsiteX4" fmla="*/ 7794494 w 8077200"/>
+              <a:gd name="connsiteY4" fmla="*/ 282707 h 5791200"/>
+              <a:gd name="connsiteX5" fmla="*/ 8077199 w 8077200"/>
+              <a:gd name="connsiteY5" fmla="*/ 965221 h 5791200"/>
+              <a:gd name="connsiteX6" fmla="*/ 8077200 w 8077200"/>
+              <a:gd name="connsiteY6" fmla="*/ 4825981 h 5791200"/>
+              <a:gd name="connsiteX7" fmla="*/ 7794494 w 8077200"/>
+              <a:gd name="connsiteY7" fmla="*/ 5508494 h 5791200"/>
+              <a:gd name="connsiteX8" fmla="*/ 7111981 w 8077200"/>
+              <a:gd name="connsiteY8" fmla="*/ 5791200 h 5791200"/>
+              <a:gd name="connsiteX9" fmla="*/ 965219 w 8077200"/>
+              <a:gd name="connsiteY9" fmla="*/ 5791200 h 5791200"/>
+              <a:gd name="connsiteX10" fmla="*/ 282706 w 8077200"/>
+              <a:gd name="connsiteY10" fmla="*/ 5508493 h 5791200"/>
+              <a:gd name="connsiteX11" fmla="*/ 0 w 8077200"/>
+              <a:gd name="connsiteY11" fmla="*/ 4825980 h 5791200"/>
+              <a:gd name="connsiteX12" fmla="*/ 0 w 8077200"/>
+              <a:gd name="connsiteY12" fmla="*/ 609600 h 5791200"/>
+              <a:gd name="connsiteX0" fmla="*/ 0 w 8077200"/>
+              <a:gd name="connsiteY0" fmla="*/ 533400 h 5791200"/>
+              <a:gd name="connsiteX1" fmla="*/ 152400 w 8077200"/>
+              <a:gd name="connsiteY1" fmla="*/ 152401 h 5791200"/>
+              <a:gd name="connsiteX2" fmla="*/ 533400 w 8077200"/>
+              <a:gd name="connsiteY2" fmla="*/ 1 h 5791200"/>
+              <a:gd name="connsiteX3" fmla="*/ 7111981 w 8077200"/>
+              <a:gd name="connsiteY3" fmla="*/ 0 h 5791200"/>
+              <a:gd name="connsiteX4" fmla="*/ 7794494 w 8077200"/>
+              <a:gd name="connsiteY4" fmla="*/ 282707 h 5791200"/>
+              <a:gd name="connsiteX5" fmla="*/ 8077199 w 8077200"/>
+              <a:gd name="connsiteY5" fmla="*/ 965221 h 5791200"/>
+              <a:gd name="connsiteX6" fmla="*/ 8077200 w 8077200"/>
+              <a:gd name="connsiteY6" fmla="*/ 4825981 h 5791200"/>
+              <a:gd name="connsiteX7" fmla="*/ 7794494 w 8077200"/>
+              <a:gd name="connsiteY7" fmla="*/ 5508494 h 5791200"/>
+              <a:gd name="connsiteX8" fmla="*/ 7111981 w 8077200"/>
+              <a:gd name="connsiteY8" fmla="*/ 5791200 h 5791200"/>
+              <a:gd name="connsiteX9" fmla="*/ 965219 w 8077200"/>
+              <a:gd name="connsiteY9" fmla="*/ 5791200 h 5791200"/>
+              <a:gd name="connsiteX10" fmla="*/ 282706 w 8077200"/>
+              <a:gd name="connsiteY10" fmla="*/ 5508493 h 5791200"/>
+              <a:gd name="connsiteX11" fmla="*/ 0 w 8077200"/>
+              <a:gd name="connsiteY11" fmla="*/ 4825980 h 5791200"/>
+              <a:gd name="connsiteX12" fmla="*/ 0 w 8077200"/>
+              <a:gd name="connsiteY12" fmla="*/ 533400 h 5791200"/>
+              <a:gd name="connsiteX0" fmla="*/ 12700 w 8089900"/>
+              <a:gd name="connsiteY0" fmla="*/ 546100 h 5803900"/>
+              <a:gd name="connsiteX1" fmla="*/ 88900 w 8089900"/>
+              <a:gd name="connsiteY1" fmla="*/ 88900 h 5803900"/>
+              <a:gd name="connsiteX2" fmla="*/ 546100 w 8089900"/>
+              <a:gd name="connsiteY2" fmla="*/ 12701 h 5803900"/>
+              <a:gd name="connsiteX3" fmla="*/ 7124681 w 8089900"/>
+              <a:gd name="connsiteY3" fmla="*/ 12700 h 5803900"/>
+              <a:gd name="connsiteX4" fmla="*/ 7807194 w 8089900"/>
+              <a:gd name="connsiteY4" fmla="*/ 295407 h 5803900"/>
+              <a:gd name="connsiteX5" fmla="*/ 8089899 w 8089900"/>
+              <a:gd name="connsiteY5" fmla="*/ 977921 h 5803900"/>
+              <a:gd name="connsiteX6" fmla="*/ 8089900 w 8089900"/>
+              <a:gd name="connsiteY6" fmla="*/ 4838681 h 5803900"/>
+              <a:gd name="connsiteX7" fmla="*/ 7807194 w 8089900"/>
+              <a:gd name="connsiteY7" fmla="*/ 5521194 h 5803900"/>
+              <a:gd name="connsiteX8" fmla="*/ 7124681 w 8089900"/>
+              <a:gd name="connsiteY8" fmla="*/ 5803900 h 5803900"/>
+              <a:gd name="connsiteX9" fmla="*/ 977919 w 8089900"/>
+              <a:gd name="connsiteY9" fmla="*/ 5803900 h 5803900"/>
+              <a:gd name="connsiteX10" fmla="*/ 295406 w 8089900"/>
+              <a:gd name="connsiteY10" fmla="*/ 5521193 h 5803900"/>
+              <a:gd name="connsiteX11" fmla="*/ 12700 w 8089900"/>
+              <a:gd name="connsiteY11" fmla="*/ 4838680 h 5803900"/>
+              <a:gd name="connsiteX12" fmla="*/ 12700 w 8089900"/>
+              <a:gd name="connsiteY12" fmla="*/ 546100 h 5803900"/>
+              <a:gd name="connsiteX0" fmla="*/ 12700 w 8089900"/>
+              <a:gd name="connsiteY0" fmla="*/ 546100 h 5803900"/>
+              <a:gd name="connsiteX1" fmla="*/ 88900 w 8089900"/>
+              <a:gd name="connsiteY1" fmla="*/ 88900 h 5803900"/>
+              <a:gd name="connsiteX2" fmla="*/ 546100 w 8089900"/>
+              <a:gd name="connsiteY2" fmla="*/ 12701 h 5803900"/>
+              <a:gd name="connsiteX3" fmla="*/ 7124681 w 8089900"/>
+              <a:gd name="connsiteY3" fmla="*/ 12700 h 5803900"/>
+              <a:gd name="connsiteX4" fmla="*/ 7807194 w 8089900"/>
+              <a:gd name="connsiteY4" fmla="*/ 295407 h 5803900"/>
+              <a:gd name="connsiteX5" fmla="*/ 8089899 w 8089900"/>
+              <a:gd name="connsiteY5" fmla="*/ 977921 h 5803900"/>
+              <a:gd name="connsiteX6" fmla="*/ 8089900 w 8089900"/>
+              <a:gd name="connsiteY6" fmla="*/ 4838681 h 5803900"/>
+              <a:gd name="connsiteX7" fmla="*/ 7807194 w 8089900"/>
+              <a:gd name="connsiteY7" fmla="*/ 5521194 h 5803900"/>
+              <a:gd name="connsiteX8" fmla="*/ 7124681 w 8089900"/>
+              <a:gd name="connsiteY8" fmla="*/ 5803900 h 5803900"/>
+              <a:gd name="connsiteX9" fmla="*/ 977919 w 8089900"/>
+              <a:gd name="connsiteY9" fmla="*/ 5803900 h 5803900"/>
+              <a:gd name="connsiteX10" fmla="*/ 295406 w 8089900"/>
+              <a:gd name="connsiteY10" fmla="*/ 5521193 h 5803900"/>
+              <a:gd name="connsiteX11" fmla="*/ 12700 w 8089900"/>
+              <a:gd name="connsiteY11" fmla="*/ 5346700 h 5803900"/>
+              <a:gd name="connsiteX12" fmla="*/ 12700 w 8089900"/>
+              <a:gd name="connsiteY12" fmla="*/ 546100 h 5803900"/>
+              <a:gd name="connsiteX0" fmla="*/ 12700 w 8089900"/>
+              <a:gd name="connsiteY0" fmla="*/ 546100 h 5803900"/>
+              <a:gd name="connsiteX1" fmla="*/ 88900 w 8089900"/>
+              <a:gd name="connsiteY1" fmla="*/ 88900 h 5803900"/>
+              <a:gd name="connsiteX2" fmla="*/ 546100 w 8089900"/>
+              <a:gd name="connsiteY2" fmla="*/ 12701 h 5803900"/>
+              <a:gd name="connsiteX3" fmla="*/ 7124681 w 8089900"/>
+              <a:gd name="connsiteY3" fmla="*/ 12700 h 5803900"/>
+              <a:gd name="connsiteX4" fmla="*/ 7807194 w 8089900"/>
+              <a:gd name="connsiteY4" fmla="*/ 295407 h 5803900"/>
+              <a:gd name="connsiteX5" fmla="*/ 8089899 w 8089900"/>
+              <a:gd name="connsiteY5" fmla="*/ 977921 h 5803900"/>
+              <a:gd name="connsiteX6" fmla="*/ 8089900 w 8089900"/>
+              <a:gd name="connsiteY6" fmla="*/ 4838681 h 5803900"/>
+              <a:gd name="connsiteX7" fmla="*/ 7807194 w 8089900"/>
+              <a:gd name="connsiteY7" fmla="*/ 5521194 h 5803900"/>
+              <a:gd name="connsiteX8" fmla="*/ 7124681 w 8089900"/>
+              <a:gd name="connsiteY8" fmla="*/ 5803900 h 5803900"/>
+              <a:gd name="connsiteX9" fmla="*/ 546100 w 8089900"/>
+              <a:gd name="connsiteY9" fmla="*/ 5803900 h 5803900"/>
+              <a:gd name="connsiteX10" fmla="*/ 295406 w 8089900"/>
+              <a:gd name="connsiteY10" fmla="*/ 5521193 h 5803900"/>
+              <a:gd name="connsiteX11" fmla="*/ 12700 w 8089900"/>
+              <a:gd name="connsiteY11" fmla="*/ 5346700 h 5803900"/>
+              <a:gd name="connsiteX12" fmla="*/ 12700 w 8089900"/>
+              <a:gd name="connsiteY12" fmla="*/ 546100 h 5803900"/>
+              <a:gd name="connsiteX0" fmla="*/ 12700 w 8089900"/>
+              <a:gd name="connsiteY0" fmla="*/ 546100 h 5803900"/>
+              <a:gd name="connsiteX1" fmla="*/ 88900 w 8089900"/>
+              <a:gd name="connsiteY1" fmla="*/ 88900 h 5803900"/>
+              <a:gd name="connsiteX2" fmla="*/ 546100 w 8089900"/>
+              <a:gd name="connsiteY2" fmla="*/ 12701 h 5803900"/>
+              <a:gd name="connsiteX3" fmla="*/ 7124681 w 8089900"/>
+              <a:gd name="connsiteY3" fmla="*/ 12700 h 5803900"/>
+              <a:gd name="connsiteX4" fmla="*/ 7807194 w 8089900"/>
+              <a:gd name="connsiteY4" fmla="*/ 295407 h 5803900"/>
+              <a:gd name="connsiteX5" fmla="*/ 8089899 w 8089900"/>
+              <a:gd name="connsiteY5" fmla="*/ 977921 h 5803900"/>
+              <a:gd name="connsiteX6" fmla="*/ 8089900 w 8089900"/>
+              <a:gd name="connsiteY6" fmla="*/ 4838681 h 5803900"/>
+              <a:gd name="connsiteX7" fmla="*/ 7807194 w 8089900"/>
+              <a:gd name="connsiteY7" fmla="*/ 5521194 h 5803900"/>
+              <a:gd name="connsiteX8" fmla="*/ 7124681 w 8089900"/>
+              <a:gd name="connsiteY8" fmla="*/ 5803900 h 5803900"/>
+              <a:gd name="connsiteX9" fmla="*/ 546100 w 8089900"/>
+              <a:gd name="connsiteY9" fmla="*/ 5803900 h 5803900"/>
+              <a:gd name="connsiteX10" fmla="*/ 88900 w 8089900"/>
+              <a:gd name="connsiteY10" fmla="*/ 5727700 h 5803900"/>
+              <a:gd name="connsiteX11" fmla="*/ 12700 w 8089900"/>
+              <a:gd name="connsiteY11" fmla="*/ 5346700 h 5803900"/>
+              <a:gd name="connsiteX12" fmla="*/ 12700 w 8089900"/>
+              <a:gd name="connsiteY12" fmla="*/ 546100 h 5803900"/>
+              <a:gd name="connsiteX0" fmla="*/ 12700 w 8089900"/>
+              <a:gd name="connsiteY0" fmla="*/ 546100 h 5803900"/>
+              <a:gd name="connsiteX1" fmla="*/ 88900 w 8089900"/>
+              <a:gd name="connsiteY1" fmla="*/ 88900 h 5803900"/>
+              <a:gd name="connsiteX2" fmla="*/ 546100 w 8089900"/>
+              <a:gd name="connsiteY2" fmla="*/ 12701 h 5803900"/>
+              <a:gd name="connsiteX3" fmla="*/ 7556500 w 8089900"/>
+              <a:gd name="connsiteY3" fmla="*/ 12700 h 5803900"/>
+              <a:gd name="connsiteX4" fmla="*/ 7807194 w 8089900"/>
+              <a:gd name="connsiteY4" fmla="*/ 295407 h 5803900"/>
+              <a:gd name="connsiteX5" fmla="*/ 8089899 w 8089900"/>
+              <a:gd name="connsiteY5" fmla="*/ 977921 h 5803900"/>
+              <a:gd name="connsiteX6" fmla="*/ 8089900 w 8089900"/>
+              <a:gd name="connsiteY6" fmla="*/ 4838681 h 5803900"/>
+              <a:gd name="connsiteX7" fmla="*/ 7807194 w 8089900"/>
+              <a:gd name="connsiteY7" fmla="*/ 5521194 h 5803900"/>
+              <a:gd name="connsiteX8" fmla="*/ 7124681 w 8089900"/>
+              <a:gd name="connsiteY8" fmla="*/ 5803900 h 5803900"/>
+              <a:gd name="connsiteX9" fmla="*/ 546100 w 8089900"/>
+              <a:gd name="connsiteY9" fmla="*/ 5803900 h 5803900"/>
+              <a:gd name="connsiteX10" fmla="*/ 88900 w 8089900"/>
+              <a:gd name="connsiteY10" fmla="*/ 5727700 h 5803900"/>
+              <a:gd name="connsiteX11" fmla="*/ 12700 w 8089900"/>
+              <a:gd name="connsiteY11" fmla="*/ 5346700 h 5803900"/>
+              <a:gd name="connsiteX12" fmla="*/ 12700 w 8089900"/>
+              <a:gd name="connsiteY12" fmla="*/ 546100 h 5803900"/>
+              <a:gd name="connsiteX0" fmla="*/ 12700 w 8089901"/>
+              <a:gd name="connsiteY0" fmla="*/ 546100 h 5803900"/>
+              <a:gd name="connsiteX1" fmla="*/ 88900 w 8089901"/>
+              <a:gd name="connsiteY1" fmla="*/ 88900 h 5803900"/>
+              <a:gd name="connsiteX2" fmla="*/ 546100 w 8089901"/>
+              <a:gd name="connsiteY2" fmla="*/ 12701 h 5803900"/>
+              <a:gd name="connsiteX3" fmla="*/ 7556500 w 8089901"/>
+              <a:gd name="connsiteY3" fmla="*/ 12700 h 5803900"/>
+              <a:gd name="connsiteX4" fmla="*/ 7807194 w 8089901"/>
+              <a:gd name="connsiteY4" fmla="*/ 295407 h 5803900"/>
+              <a:gd name="connsiteX5" fmla="*/ 8089900 w 8089901"/>
+              <a:gd name="connsiteY5" fmla="*/ 469900 h 5803900"/>
+              <a:gd name="connsiteX6" fmla="*/ 8089900 w 8089901"/>
+              <a:gd name="connsiteY6" fmla="*/ 4838681 h 5803900"/>
+              <a:gd name="connsiteX7" fmla="*/ 7807194 w 8089901"/>
+              <a:gd name="connsiteY7" fmla="*/ 5521194 h 5803900"/>
+              <a:gd name="connsiteX8" fmla="*/ 7124681 w 8089901"/>
+              <a:gd name="connsiteY8" fmla="*/ 5803900 h 5803900"/>
+              <a:gd name="connsiteX9" fmla="*/ 546100 w 8089901"/>
+              <a:gd name="connsiteY9" fmla="*/ 5803900 h 5803900"/>
+              <a:gd name="connsiteX10" fmla="*/ 88900 w 8089901"/>
+              <a:gd name="connsiteY10" fmla="*/ 5727700 h 5803900"/>
+              <a:gd name="connsiteX11" fmla="*/ 12700 w 8089901"/>
+              <a:gd name="connsiteY11" fmla="*/ 5346700 h 5803900"/>
+              <a:gd name="connsiteX12" fmla="*/ 12700 w 8089901"/>
+              <a:gd name="connsiteY12" fmla="*/ 546100 h 5803900"/>
+              <a:gd name="connsiteX0" fmla="*/ 12700 w 8102600"/>
+              <a:gd name="connsiteY0" fmla="*/ 546100 h 5803900"/>
+              <a:gd name="connsiteX1" fmla="*/ 88900 w 8102600"/>
+              <a:gd name="connsiteY1" fmla="*/ 88900 h 5803900"/>
+              <a:gd name="connsiteX2" fmla="*/ 546100 w 8102600"/>
+              <a:gd name="connsiteY2" fmla="*/ 12701 h 5803900"/>
+              <a:gd name="connsiteX3" fmla="*/ 7556500 w 8102600"/>
+              <a:gd name="connsiteY3" fmla="*/ 12700 h 5803900"/>
+              <a:gd name="connsiteX4" fmla="*/ 8013700 w 8102600"/>
+              <a:gd name="connsiteY4" fmla="*/ 88900 h 5803900"/>
+              <a:gd name="connsiteX5" fmla="*/ 8089900 w 8102600"/>
+              <a:gd name="connsiteY5" fmla="*/ 469900 h 5803900"/>
+              <a:gd name="connsiteX6" fmla="*/ 8089900 w 8102600"/>
+              <a:gd name="connsiteY6" fmla="*/ 4838681 h 5803900"/>
+              <a:gd name="connsiteX7" fmla="*/ 7807194 w 8102600"/>
+              <a:gd name="connsiteY7" fmla="*/ 5521194 h 5803900"/>
+              <a:gd name="connsiteX8" fmla="*/ 7124681 w 8102600"/>
+              <a:gd name="connsiteY8" fmla="*/ 5803900 h 5803900"/>
+              <a:gd name="connsiteX9" fmla="*/ 546100 w 8102600"/>
+              <a:gd name="connsiteY9" fmla="*/ 5803900 h 5803900"/>
+              <a:gd name="connsiteX10" fmla="*/ 88900 w 8102600"/>
+              <a:gd name="connsiteY10" fmla="*/ 5727700 h 5803900"/>
+              <a:gd name="connsiteX11" fmla="*/ 12700 w 8102600"/>
+              <a:gd name="connsiteY11" fmla="*/ 5346700 h 5803900"/>
+              <a:gd name="connsiteX12" fmla="*/ 12700 w 8102600"/>
+              <a:gd name="connsiteY12" fmla="*/ 546100 h 5803900"/>
+              <a:gd name="connsiteX0" fmla="*/ 12700 w 8102600"/>
+              <a:gd name="connsiteY0" fmla="*/ 546100 h 5803900"/>
+              <a:gd name="connsiteX1" fmla="*/ 88900 w 8102600"/>
+              <a:gd name="connsiteY1" fmla="*/ 88900 h 5803900"/>
+              <a:gd name="connsiteX2" fmla="*/ 546100 w 8102600"/>
+              <a:gd name="connsiteY2" fmla="*/ 12701 h 5803900"/>
+              <a:gd name="connsiteX3" fmla="*/ 7556500 w 8102600"/>
+              <a:gd name="connsiteY3" fmla="*/ 12700 h 5803900"/>
+              <a:gd name="connsiteX4" fmla="*/ 8013700 w 8102600"/>
+              <a:gd name="connsiteY4" fmla="*/ 88900 h 5803900"/>
+              <a:gd name="connsiteX5" fmla="*/ 8089899 w 8102600"/>
+              <a:gd name="connsiteY5" fmla="*/ 469900 h 5803900"/>
+              <a:gd name="connsiteX6" fmla="*/ 8089900 w 8102600"/>
+              <a:gd name="connsiteY6" fmla="*/ 4838681 h 5803900"/>
+              <a:gd name="connsiteX7" fmla="*/ 7807194 w 8102600"/>
+              <a:gd name="connsiteY7" fmla="*/ 5521194 h 5803900"/>
+              <a:gd name="connsiteX8" fmla="*/ 7124681 w 8102600"/>
+              <a:gd name="connsiteY8" fmla="*/ 5803900 h 5803900"/>
+              <a:gd name="connsiteX9" fmla="*/ 546100 w 8102600"/>
+              <a:gd name="connsiteY9" fmla="*/ 5803900 h 5803900"/>
+              <a:gd name="connsiteX10" fmla="*/ 88900 w 8102600"/>
+              <a:gd name="connsiteY10" fmla="*/ 5727700 h 5803900"/>
+              <a:gd name="connsiteX11" fmla="*/ 12700 w 8102600"/>
+              <a:gd name="connsiteY11" fmla="*/ 5346700 h 5803900"/>
+              <a:gd name="connsiteX12" fmla="*/ 12700 w 8102600"/>
+              <a:gd name="connsiteY12" fmla="*/ 546100 h 5803900"/>
+              <a:gd name="connsiteX0" fmla="*/ 12700 w 8102599"/>
+              <a:gd name="connsiteY0" fmla="*/ 546100 h 5803900"/>
+              <a:gd name="connsiteX1" fmla="*/ 88900 w 8102599"/>
+              <a:gd name="connsiteY1" fmla="*/ 88900 h 5803900"/>
+              <a:gd name="connsiteX2" fmla="*/ 546100 w 8102599"/>
+              <a:gd name="connsiteY2" fmla="*/ 12701 h 5803900"/>
+              <a:gd name="connsiteX3" fmla="*/ 7556500 w 8102599"/>
+              <a:gd name="connsiteY3" fmla="*/ 12700 h 5803900"/>
+              <a:gd name="connsiteX4" fmla="*/ 8013699 w 8102599"/>
+              <a:gd name="connsiteY4" fmla="*/ 88900 h 5803900"/>
+              <a:gd name="connsiteX5" fmla="*/ 8089899 w 8102599"/>
+              <a:gd name="connsiteY5" fmla="*/ 469900 h 5803900"/>
+              <a:gd name="connsiteX6" fmla="*/ 8089900 w 8102599"/>
+              <a:gd name="connsiteY6" fmla="*/ 4838681 h 5803900"/>
+              <a:gd name="connsiteX7" fmla="*/ 7807194 w 8102599"/>
+              <a:gd name="connsiteY7" fmla="*/ 5521194 h 5803900"/>
+              <a:gd name="connsiteX8" fmla="*/ 7124681 w 8102599"/>
+              <a:gd name="connsiteY8" fmla="*/ 5803900 h 5803900"/>
+              <a:gd name="connsiteX9" fmla="*/ 546100 w 8102599"/>
+              <a:gd name="connsiteY9" fmla="*/ 5803900 h 5803900"/>
+              <a:gd name="connsiteX10" fmla="*/ 88900 w 8102599"/>
+              <a:gd name="connsiteY10" fmla="*/ 5727700 h 5803900"/>
+              <a:gd name="connsiteX11" fmla="*/ 12700 w 8102599"/>
+              <a:gd name="connsiteY11" fmla="*/ 5346700 h 5803900"/>
+              <a:gd name="connsiteX12" fmla="*/ 12700 w 8102599"/>
+              <a:gd name="connsiteY12" fmla="*/ 546100 h 5803900"/>
+              <a:gd name="connsiteX0" fmla="*/ 12700 w 8102599"/>
+              <a:gd name="connsiteY0" fmla="*/ 546100 h 5803900"/>
+              <a:gd name="connsiteX1" fmla="*/ 88900 w 8102599"/>
+              <a:gd name="connsiteY1" fmla="*/ 88900 h 5803900"/>
+              <a:gd name="connsiteX2" fmla="*/ 546100 w 8102599"/>
+              <a:gd name="connsiteY2" fmla="*/ 12701 h 5803900"/>
+              <a:gd name="connsiteX3" fmla="*/ 7556500 w 8102599"/>
+              <a:gd name="connsiteY3" fmla="*/ 12700 h 5803900"/>
+              <a:gd name="connsiteX4" fmla="*/ 8013699 w 8102599"/>
+              <a:gd name="connsiteY4" fmla="*/ 88900 h 5803900"/>
+              <a:gd name="connsiteX5" fmla="*/ 8089899 w 8102599"/>
+              <a:gd name="connsiteY5" fmla="*/ 469900 h 5803900"/>
+              <a:gd name="connsiteX6" fmla="*/ 8089900 w 8102599"/>
+              <a:gd name="connsiteY6" fmla="*/ 5346700 h 5803900"/>
+              <a:gd name="connsiteX7" fmla="*/ 7807194 w 8102599"/>
+              <a:gd name="connsiteY7" fmla="*/ 5521194 h 5803900"/>
+              <a:gd name="connsiteX8" fmla="*/ 7124681 w 8102599"/>
+              <a:gd name="connsiteY8" fmla="*/ 5803900 h 5803900"/>
+              <a:gd name="connsiteX9" fmla="*/ 546100 w 8102599"/>
+              <a:gd name="connsiteY9" fmla="*/ 5803900 h 5803900"/>
+              <a:gd name="connsiteX10" fmla="*/ 88900 w 8102599"/>
+              <a:gd name="connsiteY10" fmla="*/ 5727700 h 5803900"/>
+              <a:gd name="connsiteX11" fmla="*/ 12700 w 8102599"/>
+              <a:gd name="connsiteY11" fmla="*/ 5346700 h 5803900"/>
+              <a:gd name="connsiteX12" fmla="*/ 12700 w 8102599"/>
+              <a:gd name="connsiteY12" fmla="*/ 546100 h 5803900"/>
+              <a:gd name="connsiteX0" fmla="*/ 12700 w 8102599"/>
+              <a:gd name="connsiteY0" fmla="*/ 546100 h 5803900"/>
+              <a:gd name="connsiteX1" fmla="*/ 88900 w 8102599"/>
+              <a:gd name="connsiteY1" fmla="*/ 88900 h 5803900"/>
+              <a:gd name="connsiteX2" fmla="*/ 546100 w 8102599"/>
+              <a:gd name="connsiteY2" fmla="*/ 12701 h 5803900"/>
+              <a:gd name="connsiteX3" fmla="*/ 7556500 w 8102599"/>
+              <a:gd name="connsiteY3" fmla="*/ 12700 h 5803900"/>
+              <a:gd name="connsiteX4" fmla="*/ 8013699 w 8102599"/>
+              <a:gd name="connsiteY4" fmla="*/ 88900 h 5803900"/>
+              <a:gd name="connsiteX5" fmla="*/ 8089899 w 8102599"/>
+              <a:gd name="connsiteY5" fmla="*/ 469900 h 5803900"/>
+              <a:gd name="connsiteX6" fmla="*/ 8089900 w 8102599"/>
+              <a:gd name="connsiteY6" fmla="*/ 5346700 h 5803900"/>
+              <a:gd name="connsiteX7" fmla="*/ 7807194 w 8102599"/>
+              <a:gd name="connsiteY7" fmla="*/ 5521194 h 5803900"/>
+              <a:gd name="connsiteX8" fmla="*/ 7632700 w 8102599"/>
+              <a:gd name="connsiteY8" fmla="*/ 5803900 h 5803900"/>
+              <a:gd name="connsiteX9" fmla="*/ 546100 w 8102599"/>
+              <a:gd name="connsiteY9" fmla="*/ 5803900 h 5803900"/>
+              <a:gd name="connsiteX10" fmla="*/ 88900 w 8102599"/>
+              <a:gd name="connsiteY10" fmla="*/ 5727700 h 5803900"/>
+              <a:gd name="connsiteX11" fmla="*/ 12700 w 8102599"/>
+              <a:gd name="connsiteY11" fmla="*/ 5346700 h 5803900"/>
+              <a:gd name="connsiteX12" fmla="*/ 12700 w 8102599"/>
+              <a:gd name="connsiteY12" fmla="*/ 546100 h 5803900"/>
+              <a:gd name="connsiteX0" fmla="*/ 12700 w 8102599"/>
+              <a:gd name="connsiteY0" fmla="*/ 546100 h 5803900"/>
+              <a:gd name="connsiteX1" fmla="*/ 88900 w 8102599"/>
+              <a:gd name="connsiteY1" fmla="*/ 88900 h 5803900"/>
+              <a:gd name="connsiteX2" fmla="*/ 546100 w 8102599"/>
+              <a:gd name="connsiteY2" fmla="*/ 12701 h 5803900"/>
+              <a:gd name="connsiteX3" fmla="*/ 7556500 w 8102599"/>
+              <a:gd name="connsiteY3" fmla="*/ 12700 h 5803900"/>
+              <a:gd name="connsiteX4" fmla="*/ 8013699 w 8102599"/>
+              <a:gd name="connsiteY4" fmla="*/ 88900 h 5803900"/>
+              <a:gd name="connsiteX5" fmla="*/ 8089899 w 8102599"/>
+              <a:gd name="connsiteY5" fmla="*/ 469900 h 5803900"/>
+              <a:gd name="connsiteX6" fmla="*/ 8089900 w 8102599"/>
+              <a:gd name="connsiteY6" fmla="*/ 5346700 h 5803900"/>
+              <a:gd name="connsiteX7" fmla="*/ 8013700 w 8102599"/>
+              <a:gd name="connsiteY7" fmla="*/ 5727700 h 5803900"/>
+              <a:gd name="connsiteX8" fmla="*/ 7632700 w 8102599"/>
+              <a:gd name="connsiteY8" fmla="*/ 5803900 h 5803900"/>
+              <a:gd name="connsiteX9" fmla="*/ 546100 w 8102599"/>
+              <a:gd name="connsiteY9" fmla="*/ 5803900 h 5803900"/>
+              <a:gd name="connsiteX10" fmla="*/ 88900 w 8102599"/>
+              <a:gd name="connsiteY10" fmla="*/ 5727700 h 5803900"/>
+              <a:gd name="connsiteX11" fmla="*/ 12700 w 8102599"/>
+              <a:gd name="connsiteY11" fmla="*/ 5346700 h 5803900"/>
+              <a:gd name="connsiteX12" fmla="*/ 12700 w 8102599"/>
+              <a:gd name="connsiteY12" fmla="*/ 546100 h 5803900"/>
+            </a:gdLst>
+            <a:ahLst/>
+            <a:cxnLst>
+              <a:cxn ang="0">
+                <a:pos x="connsiteX0" y="connsiteY0"/>
+              </a:cxn>
+              <a:cxn ang="0">
+                <a:pos x="connsiteX1" y="connsiteY1"/>
+              </a:cxn>
+              <a:cxn ang="0">
+                <a:pos x="connsiteX2" y="connsiteY2"/>
+              </a:cxn>
+              <a:cxn ang="0">
+                <a:pos x="connsiteX3" y="connsiteY3"/>
+              </a:cxn>
+              <a:cxn ang="0">
+                <a:pos x="connsiteX4" y="connsiteY4"/>
+              </a:cxn>
+              <a:cxn ang="0">
+                <a:pos x="connsiteX5" y="connsiteY5"/>
+              </a:cxn>
+              <a:cxn ang="0">
+                <a:pos x="connsiteX6" y="connsiteY6"/>
+              </a:cxn>
+              <a:cxn ang="0">
+                <a:pos x="connsiteX7" y="connsiteY7"/>
+              </a:cxn>
+              <a:cxn ang="0">
+                <a:pos x="connsiteX8" y="connsiteY8"/>
+              </a:cxn>
+              <a:cxn ang="0">
+                <a:pos x="connsiteX9" y="connsiteY9"/>
+              </a:cxn>
+              <a:cxn ang="0">
+                <a:pos x="connsiteX10" y="connsiteY10"/>
+              </a:cxn>
+              <a:cxn ang="0">
+                <a:pos x="connsiteX11" y="connsiteY11"/>
+              </a:cxn>
+              <a:cxn ang="0">
+                <a:pos x="connsiteX12" y="connsiteY12"/>
+              </a:cxn>
+            </a:cxnLst>
+            <a:rect l="l" t="t" r="r" b="b"/>
+            <a:pathLst>
+              <a:path w="8102599" h="5803900">
+                <a:moveTo>
+                  <a:pt x="12700" y="546100"/>
+                </a:moveTo>
+                <a:cubicBezTo>
+                  <a:pt x="12700" y="290108"/>
+                  <a:pt x="0" y="177800"/>
+                  <a:pt x="88900" y="88900"/>
+                </a:cubicBezTo>
+                <a:cubicBezTo>
+                  <a:pt x="177800" y="0"/>
+                  <a:pt x="290107" y="12700"/>
+                  <a:pt x="546100" y="12701"/>
+                </a:cubicBezTo>
+                <a:lnTo>
+                  <a:pt x="7556500" y="12700"/>
+                </a:lnTo>
+                <a:cubicBezTo>
+                  <a:pt x="7812492" y="12700"/>
+                  <a:pt x="7924799" y="12700"/>
+                  <a:pt x="8013699" y="88900"/>
+                </a:cubicBezTo>
+                <a:cubicBezTo>
+                  <a:pt x="8102599" y="165100"/>
+                  <a:pt x="8089900" y="213907"/>
+                  <a:pt x="8089899" y="469900"/>
+                </a:cubicBezTo>
+                <a:cubicBezTo>
+                  <a:pt x="8089899" y="1926160"/>
+                  <a:pt x="8089900" y="3890440"/>
+                  <a:pt x="8089900" y="5346700"/>
+                </a:cubicBezTo>
+                <a:cubicBezTo>
+                  <a:pt x="8089900" y="5602692"/>
+                  <a:pt x="8089900" y="5651500"/>
+                  <a:pt x="8013700" y="5727700"/>
+                </a:cubicBezTo>
+                <a:cubicBezTo>
+                  <a:pt x="7937500" y="5803900"/>
+                  <a:pt x="7888692" y="5803900"/>
+                  <a:pt x="7632700" y="5803900"/>
+                </a:cubicBezTo>
+                <a:lnTo>
+                  <a:pt x="546100" y="5803900"/>
+                </a:lnTo>
+                <a:cubicBezTo>
+                  <a:pt x="290108" y="5803900"/>
+                  <a:pt x="177800" y="5803900"/>
+                  <a:pt x="88900" y="5727700"/>
+                </a:cubicBezTo>
+                <a:cubicBezTo>
+                  <a:pt x="0" y="5651500"/>
+                  <a:pt x="12700" y="5602692"/>
+                  <a:pt x="12700" y="5346700"/>
+                </a:cubicBezTo>
+                <a:lnTo>
+                  <a:pt x="12700" y="546100"/>
+                </a:lnTo>
+                <a:close/>
+              </a:path>
+            </a:pathLst>
+          </a:custGeom>
+          <a:gradFill>
+            <a:gsLst>
+              <a:gs pos="0">
+                <a:schemeClr val="bg1">
+                  <a:lumMod val="50000"/>
+                </a:schemeClr>
+              </a:gs>
+              <a:gs pos="39999">
+                <a:schemeClr val="bg1">
+                  <a:lumMod val="65000"/>
+                </a:schemeClr>
+              </a:gs>
+              <a:gs pos="70000">
+                <a:schemeClr val="bg1">
+                  <a:lumMod val="50000"/>
+                  <a:alpha val="73000"/>
+                </a:schemeClr>
+              </a:gs>
+            </a:gsLst>
+            <a:lin ang="5400000" scaled="0"/>
+          </a:gradFill>
+          <a:ln>
+            <a:solidFill>
+              <a:schemeClr val="bg1">
+                <a:lumMod val="75000"/>
+              </a:schemeClr>
+            </a:solidFill>
+          </a:ln>
+        </p:spPr>
+        <p:style>
+          <a:lnRef idx="2">
+            <a:schemeClr val="accent1">
+              <a:shade val="50000"/>
+            </a:schemeClr>
+          </a:lnRef>
+          <a:fillRef idx="1">
+            <a:schemeClr val="accent1"/>
+          </a:fillRef>
+          <a:effectRef idx="0">
+            <a:schemeClr val="accent1"/>
+          </a:effectRef>
+          <a:fontRef idx="minor">
+            <a:schemeClr val="lt1"/>
+          </a:fontRef>
+        </p:style>
+        <p:txBody>
+          <a:bodyPr rtlCol="0" anchor="ctr"/>
+          <a:lstStyle/>
+          <a:p>
+            <a:pPr fontAlgn="t"/>
+            <a:endParaRPr lang="es-AR" b="1" dirty="0" smtClean="0"/>
+          </a:p>
+          <a:p>
+            <a:pPr algn="ctr"/>
+            <a:endParaRPr lang="es-AR" dirty="0"/>
+          </a:p>
+        </p:txBody>
+      </p:sp>
+      <p:sp>
+        <p:nvSpPr>
+          <p:cNvPr id="14" name="Rectangle 13"/>
+          <p:cNvSpPr/>
+          <p:nvPr/>
+        </p:nvSpPr>
+        <p:spPr>
+          <a:xfrm>
+            <a:off x="381000" y="1295400"/>
+            <a:ext cx="8458200" cy="1066800"/>
+          </a:xfrm>
+          <a:prstGeom prst="rect">
+            <a:avLst/>
+          </a:prstGeom>
+          <a:noFill/>
+          <a:ln>
+            <a:noFill/>
+          </a:ln>
+        </p:spPr>
+        <p:style>
+          <a:lnRef idx="2">
+            <a:schemeClr val="accent1">
+              <a:shade val="50000"/>
+            </a:schemeClr>
+          </a:lnRef>
+          <a:fillRef idx="1">
+            <a:schemeClr val="accent1"/>
+          </a:fillRef>
+          <a:effectRef idx="0">
+            <a:schemeClr val="accent1"/>
+          </a:effectRef>
+          <a:fontRef idx="minor">
+            <a:schemeClr val="lt1"/>
+          </a:fontRef>
+        </p:style>
+        <p:txBody>
+          <a:bodyPr rtlCol="0" anchor="ctr"/>
+          <a:lstStyle/>
+          <a:p>
+            <a:pPr algn="ctr"/>
+            <a:r>
+              <a:rPr lang="es-AR" sz="4800" b="1" dirty="0" smtClean="0"/>
+              <a:t>Modelo de Datos (I)</a:t>
+            </a:r>
           </a:p>
           <a:p>
             <a:pPr algn="ctr"/>
@@ -20986,7 +22507,7 @@
 </p:sld>
 </file>
 
-<file path=ppt/slides/slide8.xml><?xml version="1.0" encoding="utf-8"?>
+<file path=ppt/slides/slide9.xml><?xml version="1.0" encoding="utf-8"?>
 <p:sld xmlns:a="http://schemas.openxmlformats.org/drawingml/2006/main" xmlns:r="http://schemas.openxmlformats.org/officeDocument/2006/relationships" xmlns:p="http://schemas.openxmlformats.org/presentationml/2006/main">
   <p:cSld>
     <p:spTree>
@@ -21931,14 +23452,9 @@
           <a:p>
             <a:pPr algn="ctr"/>
             <a:r>
-              <a:rPr lang="es-AR" sz="4800" b="1" u="sng" dirty="0" smtClean="0"/>
-              <a:t>Modelo de </a:t>
+              <a:rPr lang="es-AR" sz="4800" b="1" dirty="0" smtClean="0"/>
+              <a:t>Modelo de Datos (II)</a:t>
             </a:r>
-            <a:r>
-              <a:rPr lang="es-AR" sz="4800" b="1" u="sng" dirty="0" smtClean="0"/>
-              <a:t>Datos (II)</a:t>
-            </a:r>
-            <a:endParaRPr lang="es-AR" sz="4800" b="1" u="sng" dirty="0" smtClean="0"/>
           </a:p>
           <a:p>
             <a:pPr algn="ctr"/>
@@ -22087,1532 +23603,6 @@
           <a:xfrm>
             <a:off x="2362200" y="2133600"/>
             <a:ext cx="4409831" cy="4062600"/>
-          </a:xfrm>
-          <a:prstGeom prst="rect">
-            <a:avLst/>
-          </a:prstGeom>
-        </p:spPr>
-      </p:pic>
-    </p:spTree>
-  </p:cSld>
-  <p:clrMapOvr>
-    <a:masterClrMapping/>
-  </p:clrMapOvr>
-  <p:timing>
-    <p:tnLst>
-      <p:par>
-        <p:cTn id="1" dur="indefinite" restart="never" nodeType="tmRoot"/>
-      </p:par>
-    </p:tnLst>
-  </p:timing>
-</p:sld>
-</file>
-
-<file path=ppt/slides/slide9.xml><?xml version="1.0" encoding="utf-8"?>
-<p:sld xmlns:a="http://schemas.openxmlformats.org/drawingml/2006/main" xmlns:r="http://schemas.openxmlformats.org/officeDocument/2006/relationships" xmlns:p="http://schemas.openxmlformats.org/presentationml/2006/main">
-  <p:cSld>
-    <p:spTree>
-      <p:nvGrpSpPr>
-        <p:cNvPr id="1" name=""/>
-        <p:cNvGrpSpPr/>
-        <p:nvPr/>
-      </p:nvGrpSpPr>
-      <p:grpSpPr>
-        <a:xfrm>
-          <a:off x="0" y="0"/>
-          <a:ext cx="0" cy="0"/>
-          <a:chOff x="0" y="0"/>
-          <a:chExt cx="0" cy="0"/>
-        </a:xfrm>
-      </p:grpSpPr>
-      <p:grpSp>
-        <p:nvGrpSpPr>
-          <p:cNvPr id="2" name="Group 22"/>
-          <p:cNvGrpSpPr/>
-          <p:nvPr/>
-        </p:nvGrpSpPr>
-        <p:grpSpPr>
-          <a:xfrm>
-            <a:off x="304800" y="304800"/>
-            <a:ext cx="8534400" cy="6248400"/>
-            <a:chOff x="304800" y="304800"/>
-            <a:chExt cx="8534400" cy="6248400"/>
-          </a:xfrm>
-          <a:solidFill>
-            <a:schemeClr val="bg1">
-              <a:lumMod val="85000"/>
-            </a:schemeClr>
-          </a:solidFill>
-        </p:grpSpPr>
-        <p:sp>
-          <p:nvSpPr>
-            <p:cNvPr id="18" name="Rounded Rectangle 17"/>
-            <p:cNvSpPr/>
-            <p:nvPr/>
-          </p:nvSpPr>
-          <p:spPr>
-            <a:xfrm>
-              <a:off x="304800" y="304800"/>
-              <a:ext cx="8534400" cy="6248400"/>
-            </a:xfrm>
-            <a:prstGeom prst="roundRect">
-              <a:avLst/>
-            </a:prstGeom>
-            <a:grpFill/>
-            <a:ln>
-              <a:noFill/>
-            </a:ln>
-          </p:spPr>
-          <p:style>
-            <a:lnRef idx="2">
-              <a:schemeClr val="accent1">
-                <a:shade val="50000"/>
-              </a:schemeClr>
-            </a:lnRef>
-            <a:fillRef idx="1">
-              <a:schemeClr val="accent1"/>
-            </a:fillRef>
-            <a:effectRef idx="0">
-              <a:schemeClr val="accent1"/>
-            </a:effectRef>
-            <a:fontRef idx="minor">
-              <a:schemeClr val="lt1"/>
-            </a:fontRef>
-          </p:style>
-          <p:txBody>
-            <a:bodyPr rtlCol="0" anchor="ctr"/>
-            <a:lstStyle/>
-            <a:p>
-              <a:pPr algn="ctr"/>
-              <a:endParaRPr lang="es-AR"/>
-            </a:p>
-          </p:txBody>
-        </p:sp>
-        <p:sp>
-          <p:nvSpPr>
-            <p:cNvPr id="22" name="Rounded Rectangle 21"/>
-            <p:cNvSpPr/>
-            <p:nvPr/>
-          </p:nvSpPr>
-          <p:spPr>
-            <a:xfrm>
-              <a:off x="7086600" y="304800"/>
-              <a:ext cx="1752600" cy="1752600"/>
-            </a:xfrm>
-            <a:prstGeom prst="roundRect">
-              <a:avLst/>
-            </a:prstGeom>
-            <a:grpFill/>
-            <a:ln>
-              <a:noFill/>
-            </a:ln>
-          </p:spPr>
-          <p:style>
-            <a:lnRef idx="2">
-              <a:schemeClr val="accent1">
-                <a:shade val="50000"/>
-              </a:schemeClr>
-            </a:lnRef>
-            <a:fillRef idx="1">
-              <a:schemeClr val="accent1"/>
-            </a:fillRef>
-            <a:effectRef idx="0">
-              <a:schemeClr val="accent1"/>
-            </a:effectRef>
-            <a:fontRef idx="minor">
-              <a:schemeClr val="lt1"/>
-            </a:fontRef>
-          </p:style>
-          <p:txBody>
-            <a:bodyPr rtlCol="0" anchor="ctr"/>
-            <a:lstStyle/>
-            <a:p>
-              <a:pPr algn="ctr"/>
-              <a:endParaRPr lang="es-AR"/>
-            </a:p>
-          </p:txBody>
-        </p:sp>
-        <p:sp>
-          <p:nvSpPr>
-            <p:cNvPr id="21" name="Rounded Rectangle 20"/>
-            <p:cNvSpPr/>
-            <p:nvPr/>
-          </p:nvSpPr>
-          <p:spPr>
-            <a:xfrm>
-              <a:off x="304800" y="304800"/>
-              <a:ext cx="1752600" cy="1752600"/>
-            </a:xfrm>
-            <a:prstGeom prst="roundRect">
-              <a:avLst/>
-            </a:prstGeom>
-            <a:grpFill/>
-            <a:ln>
-              <a:noFill/>
-            </a:ln>
-          </p:spPr>
-          <p:style>
-            <a:lnRef idx="2">
-              <a:schemeClr val="accent1">
-                <a:shade val="50000"/>
-              </a:schemeClr>
-            </a:lnRef>
-            <a:fillRef idx="1">
-              <a:schemeClr val="accent1"/>
-            </a:fillRef>
-            <a:effectRef idx="0">
-              <a:schemeClr val="accent1"/>
-            </a:effectRef>
-            <a:fontRef idx="minor">
-              <a:schemeClr val="lt1"/>
-            </a:fontRef>
-          </p:style>
-          <p:txBody>
-            <a:bodyPr rtlCol="0" anchor="ctr"/>
-            <a:lstStyle/>
-            <a:p>
-              <a:pPr algn="ctr"/>
-              <a:endParaRPr lang="es-AR"/>
-            </a:p>
-          </p:txBody>
-        </p:sp>
-        <p:sp>
-          <p:nvSpPr>
-            <p:cNvPr id="17" name="Rounded Rectangle 16"/>
-            <p:cNvSpPr/>
-            <p:nvPr/>
-          </p:nvSpPr>
-          <p:spPr>
-            <a:xfrm>
-              <a:off x="304800" y="4800600"/>
-              <a:ext cx="1752600" cy="1752600"/>
-            </a:xfrm>
-            <a:prstGeom prst="roundRect">
-              <a:avLst/>
-            </a:prstGeom>
-            <a:grpFill/>
-            <a:ln>
-              <a:noFill/>
-            </a:ln>
-          </p:spPr>
-          <p:style>
-            <a:lnRef idx="2">
-              <a:schemeClr val="accent1">
-                <a:shade val="50000"/>
-              </a:schemeClr>
-            </a:lnRef>
-            <a:fillRef idx="1">
-              <a:schemeClr val="accent1"/>
-            </a:fillRef>
-            <a:effectRef idx="0">
-              <a:schemeClr val="accent1"/>
-            </a:effectRef>
-            <a:fontRef idx="minor">
-              <a:schemeClr val="lt1"/>
-            </a:fontRef>
-          </p:style>
-          <p:txBody>
-            <a:bodyPr rtlCol="0" anchor="ctr"/>
-            <a:lstStyle/>
-            <a:p>
-              <a:pPr algn="ctr"/>
-              <a:endParaRPr lang="es-AR"/>
-            </a:p>
-          </p:txBody>
-        </p:sp>
-        <p:sp>
-          <p:nvSpPr>
-            <p:cNvPr id="19" name="Rounded Rectangle 18"/>
-            <p:cNvSpPr/>
-            <p:nvPr/>
-          </p:nvSpPr>
-          <p:spPr>
-            <a:xfrm>
-              <a:off x="7086600" y="4800600"/>
-              <a:ext cx="1752600" cy="1752600"/>
-            </a:xfrm>
-            <a:prstGeom prst="roundRect">
-              <a:avLst/>
-            </a:prstGeom>
-            <a:grpFill/>
-            <a:ln>
-              <a:noFill/>
-            </a:ln>
-          </p:spPr>
-          <p:style>
-            <a:lnRef idx="2">
-              <a:schemeClr val="accent1">
-                <a:shade val="50000"/>
-              </a:schemeClr>
-            </a:lnRef>
-            <a:fillRef idx="1">
-              <a:schemeClr val="accent1"/>
-            </a:fillRef>
-            <a:effectRef idx="0">
-              <a:schemeClr val="accent1"/>
-            </a:effectRef>
-            <a:fontRef idx="minor">
-              <a:schemeClr val="lt1"/>
-            </a:fontRef>
-          </p:style>
-          <p:txBody>
-            <a:bodyPr rtlCol="0" anchor="ctr"/>
-            <a:lstStyle/>
-            <a:p>
-              <a:pPr algn="ctr"/>
-              <a:endParaRPr lang="es-AR"/>
-            </a:p>
-          </p:txBody>
-        </p:sp>
-      </p:grpSp>
-      <p:sp>
-        <p:nvSpPr>
-          <p:cNvPr id="40" name="Freeform 39"/>
-          <p:cNvSpPr/>
-          <p:nvPr/>
-        </p:nvSpPr>
-        <p:spPr>
-          <a:xfrm>
-            <a:off x="457200" y="457200"/>
-            <a:ext cx="8229600" cy="5803900"/>
-          </a:xfrm>
-          <a:custGeom>
-            <a:avLst/>
-            <a:gdLst>
-              <a:gd name="connsiteX0" fmla="*/ 0 w 8077200"/>
-              <a:gd name="connsiteY0" fmla="*/ 965219 h 5791200"/>
-              <a:gd name="connsiteX1" fmla="*/ 282707 w 8077200"/>
-              <a:gd name="connsiteY1" fmla="*/ 282706 h 5791200"/>
-              <a:gd name="connsiteX2" fmla="*/ 965221 w 8077200"/>
-              <a:gd name="connsiteY2" fmla="*/ 1 h 5791200"/>
-              <a:gd name="connsiteX3" fmla="*/ 7111981 w 8077200"/>
-              <a:gd name="connsiteY3" fmla="*/ 0 h 5791200"/>
-              <a:gd name="connsiteX4" fmla="*/ 7794494 w 8077200"/>
-              <a:gd name="connsiteY4" fmla="*/ 282707 h 5791200"/>
-              <a:gd name="connsiteX5" fmla="*/ 8077199 w 8077200"/>
-              <a:gd name="connsiteY5" fmla="*/ 965221 h 5791200"/>
-              <a:gd name="connsiteX6" fmla="*/ 8077200 w 8077200"/>
-              <a:gd name="connsiteY6" fmla="*/ 4825981 h 5791200"/>
-              <a:gd name="connsiteX7" fmla="*/ 7794494 w 8077200"/>
-              <a:gd name="connsiteY7" fmla="*/ 5508494 h 5791200"/>
-              <a:gd name="connsiteX8" fmla="*/ 7111981 w 8077200"/>
-              <a:gd name="connsiteY8" fmla="*/ 5791200 h 5791200"/>
-              <a:gd name="connsiteX9" fmla="*/ 965219 w 8077200"/>
-              <a:gd name="connsiteY9" fmla="*/ 5791200 h 5791200"/>
-              <a:gd name="connsiteX10" fmla="*/ 282706 w 8077200"/>
-              <a:gd name="connsiteY10" fmla="*/ 5508493 h 5791200"/>
-              <a:gd name="connsiteX11" fmla="*/ 0 w 8077200"/>
-              <a:gd name="connsiteY11" fmla="*/ 4825980 h 5791200"/>
-              <a:gd name="connsiteX12" fmla="*/ 0 w 8077200"/>
-              <a:gd name="connsiteY12" fmla="*/ 965219 h 5791200"/>
-              <a:gd name="connsiteX0" fmla="*/ 0 w 8077200"/>
-              <a:gd name="connsiteY0" fmla="*/ 609600 h 5791200"/>
-              <a:gd name="connsiteX1" fmla="*/ 282707 w 8077200"/>
-              <a:gd name="connsiteY1" fmla="*/ 282706 h 5791200"/>
-              <a:gd name="connsiteX2" fmla="*/ 965221 w 8077200"/>
-              <a:gd name="connsiteY2" fmla="*/ 1 h 5791200"/>
-              <a:gd name="connsiteX3" fmla="*/ 7111981 w 8077200"/>
-              <a:gd name="connsiteY3" fmla="*/ 0 h 5791200"/>
-              <a:gd name="connsiteX4" fmla="*/ 7794494 w 8077200"/>
-              <a:gd name="connsiteY4" fmla="*/ 282707 h 5791200"/>
-              <a:gd name="connsiteX5" fmla="*/ 8077199 w 8077200"/>
-              <a:gd name="connsiteY5" fmla="*/ 965221 h 5791200"/>
-              <a:gd name="connsiteX6" fmla="*/ 8077200 w 8077200"/>
-              <a:gd name="connsiteY6" fmla="*/ 4825981 h 5791200"/>
-              <a:gd name="connsiteX7" fmla="*/ 7794494 w 8077200"/>
-              <a:gd name="connsiteY7" fmla="*/ 5508494 h 5791200"/>
-              <a:gd name="connsiteX8" fmla="*/ 7111981 w 8077200"/>
-              <a:gd name="connsiteY8" fmla="*/ 5791200 h 5791200"/>
-              <a:gd name="connsiteX9" fmla="*/ 965219 w 8077200"/>
-              <a:gd name="connsiteY9" fmla="*/ 5791200 h 5791200"/>
-              <a:gd name="connsiteX10" fmla="*/ 282706 w 8077200"/>
-              <a:gd name="connsiteY10" fmla="*/ 5508493 h 5791200"/>
-              <a:gd name="connsiteX11" fmla="*/ 0 w 8077200"/>
-              <a:gd name="connsiteY11" fmla="*/ 4825980 h 5791200"/>
-              <a:gd name="connsiteX12" fmla="*/ 0 w 8077200"/>
-              <a:gd name="connsiteY12" fmla="*/ 609600 h 5791200"/>
-              <a:gd name="connsiteX0" fmla="*/ 0 w 8077200"/>
-              <a:gd name="connsiteY0" fmla="*/ 609601 h 5791201"/>
-              <a:gd name="connsiteX1" fmla="*/ 282707 w 8077200"/>
-              <a:gd name="connsiteY1" fmla="*/ 282707 h 5791201"/>
-              <a:gd name="connsiteX2" fmla="*/ 609600 w 8077200"/>
-              <a:gd name="connsiteY2" fmla="*/ 1 h 5791201"/>
-              <a:gd name="connsiteX3" fmla="*/ 7111981 w 8077200"/>
-              <a:gd name="connsiteY3" fmla="*/ 1 h 5791201"/>
-              <a:gd name="connsiteX4" fmla="*/ 7794494 w 8077200"/>
-              <a:gd name="connsiteY4" fmla="*/ 282708 h 5791201"/>
-              <a:gd name="connsiteX5" fmla="*/ 8077199 w 8077200"/>
-              <a:gd name="connsiteY5" fmla="*/ 965222 h 5791201"/>
-              <a:gd name="connsiteX6" fmla="*/ 8077200 w 8077200"/>
-              <a:gd name="connsiteY6" fmla="*/ 4825982 h 5791201"/>
-              <a:gd name="connsiteX7" fmla="*/ 7794494 w 8077200"/>
-              <a:gd name="connsiteY7" fmla="*/ 5508495 h 5791201"/>
-              <a:gd name="connsiteX8" fmla="*/ 7111981 w 8077200"/>
-              <a:gd name="connsiteY8" fmla="*/ 5791201 h 5791201"/>
-              <a:gd name="connsiteX9" fmla="*/ 965219 w 8077200"/>
-              <a:gd name="connsiteY9" fmla="*/ 5791201 h 5791201"/>
-              <a:gd name="connsiteX10" fmla="*/ 282706 w 8077200"/>
-              <a:gd name="connsiteY10" fmla="*/ 5508494 h 5791201"/>
-              <a:gd name="connsiteX11" fmla="*/ 0 w 8077200"/>
-              <a:gd name="connsiteY11" fmla="*/ 4825981 h 5791201"/>
-              <a:gd name="connsiteX12" fmla="*/ 0 w 8077200"/>
-              <a:gd name="connsiteY12" fmla="*/ 609601 h 5791201"/>
-              <a:gd name="connsiteX0" fmla="*/ 0 w 8077200"/>
-              <a:gd name="connsiteY0" fmla="*/ 609601 h 5791201"/>
-              <a:gd name="connsiteX1" fmla="*/ 152400 w 8077200"/>
-              <a:gd name="connsiteY1" fmla="*/ 152402 h 5791201"/>
-              <a:gd name="connsiteX2" fmla="*/ 609600 w 8077200"/>
-              <a:gd name="connsiteY2" fmla="*/ 1 h 5791201"/>
-              <a:gd name="connsiteX3" fmla="*/ 7111981 w 8077200"/>
-              <a:gd name="connsiteY3" fmla="*/ 1 h 5791201"/>
-              <a:gd name="connsiteX4" fmla="*/ 7794494 w 8077200"/>
-              <a:gd name="connsiteY4" fmla="*/ 282708 h 5791201"/>
-              <a:gd name="connsiteX5" fmla="*/ 8077199 w 8077200"/>
-              <a:gd name="connsiteY5" fmla="*/ 965222 h 5791201"/>
-              <a:gd name="connsiteX6" fmla="*/ 8077200 w 8077200"/>
-              <a:gd name="connsiteY6" fmla="*/ 4825982 h 5791201"/>
-              <a:gd name="connsiteX7" fmla="*/ 7794494 w 8077200"/>
-              <a:gd name="connsiteY7" fmla="*/ 5508495 h 5791201"/>
-              <a:gd name="connsiteX8" fmla="*/ 7111981 w 8077200"/>
-              <a:gd name="connsiteY8" fmla="*/ 5791201 h 5791201"/>
-              <a:gd name="connsiteX9" fmla="*/ 965219 w 8077200"/>
-              <a:gd name="connsiteY9" fmla="*/ 5791201 h 5791201"/>
-              <a:gd name="connsiteX10" fmla="*/ 282706 w 8077200"/>
-              <a:gd name="connsiteY10" fmla="*/ 5508494 h 5791201"/>
-              <a:gd name="connsiteX11" fmla="*/ 0 w 8077200"/>
-              <a:gd name="connsiteY11" fmla="*/ 4825981 h 5791201"/>
-              <a:gd name="connsiteX12" fmla="*/ 0 w 8077200"/>
-              <a:gd name="connsiteY12" fmla="*/ 609601 h 5791201"/>
-              <a:gd name="connsiteX0" fmla="*/ 0 w 8077200"/>
-              <a:gd name="connsiteY0" fmla="*/ 609600 h 5791200"/>
-              <a:gd name="connsiteX1" fmla="*/ 152400 w 8077200"/>
-              <a:gd name="connsiteY1" fmla="*/ 152401 h 5791200"/>
-              <a:gd name="connsiteX2" fmla="*/ 533400 w 8077200"/>
-              <a:gd name="connsiteY2" fmla="*/ 1 h 5791200"/>
-              <a:gd name="connsiteX3" fmla="*/ 7111981 w 8077200"/>
-              <a:gd name="connsiteY3" fmla="*/ 0 h 5791200"/>
-              <a:gd name="connsiteX4" fmla="*/ 7794494 w 8077200"/>
-              <a:gd name="connsiteY4" fmla="*/ 282707 h 5791200"/>
-              <a:gd name="connsiteX5" fmla="*/ 8077199 w 8077200"/>
-              <a:gd name="connsiteY5" fmla="*/ 965221 h 5791200"/>
-              <a:gd name="connsiteX6" fmla="*/ 8077200 w 8077200"/>
-              <a:gd name="connsiteY6" fmla="*/ 4825981 h 5791200"/>
-              <a:gd name="connsiteX7" fmla="*/ 7794494 w 8077200"/>
-              <a:gd name="connsiteY7" fmla="*/ 5508494 h 5791200"/>
-              <a:gd name="connsiteX8" fmla="*/ 7111981 w 8077200"/>
-              <a:gd name="connsiteY8" fmla="*/ 5791200 h 5791200"/>
-              <a:gd name="connsiteX9" fmla="*/ 965219 w 8077200"/>
-              <a:gd name="connsiteY9" fmla="*/ 5791200 h 5791200"/>
-              <a:gd name="connsiteX10" fmla="*/ 282706 w 8077200"/>
-              <a:gd name="connsiteY10" fmla="*/ 5508493 h 5791200"/>
-              <a:gd name="connsiteX11" fmla="*/ 0 w 8077200"/>
-              <a:gd name="connsiteY11" fmla="*/ 4825980 h 5791200"/>
-              <a:gd name="connsiteX12" fmla="*/ 0 w 8077200"/>
-              <a:gd name="connsiteY12" fmla="*/ 609600 h 5791200"/>
-              <a:gd name="connsiteX0" fmla="*/ 0 w 8077200"/>
-              <a:gd name="connsiteY0" fmla="*/ 533400 h 5791200"/>
-              <a:gd name="connsiteX1" fmla="*/ 152400 w 8077200"/>
-              <a:gd name="connsiteY1" fmla="*/ 152401 h 5791200"/>
-              <a:gd name="connsiteX2" fmla="*/ 533400 w 8077200"/>
-              <a:gd name="connsiteY2" fmla="*/ 1 h 5791200"/>
-              <a:gd name="connsiteX3" fmla="*/ 7111981 w 8077200"/>
-              <a:gd name="connsiteY3" fmla="*/ 0 h 5791200"/>
-              <a:gd name="connsiteX4" fmla="*/ 7794494 w 8077200"/>
-              <a:gd name="connsiteY4" fmla="*/ 282707 h 5791200"/>
-              <a:gd name="connsiteX5" fmla="*/ 8077199 w 8077200"/>
-              <a:gd name="connsiteY5" fmla="*/ 965221 h 5791200"/>
-              <a:gd name="connsiteX6" fmla="*/ 8077200 w 8077200"/>
-              <a:gd name="connsiteY6" fmla="*/ 4825981 h 5791200"/>
-              <a:gd name="connsiteX7" fmla="*/ 7794494 w 8077200"/>
-              <a:gd name="connsiteY7" fmla="*/ 5508494 h 5791200"/>
-              <a:gd name="connsiteX8" fmla="*/ 7111981 w 8077200"/>
-              <a:gd name="connsiteY8" fmla="*/ 5791200 h 5791200"/>
-              <a:gd name="connsiteX9" fmla="*/ 965219 w 8077200"/>
-              <a:gd name="connsiteY9" fmla="*/ 5791200 h 5791200"/>
-              <a:gd name="connsiteX10" fmla="*/ 282706 w 8077200"/>
-              <a:gd name="connsiteY10" fmla="*/ 5508493 h 5791200"/>
-              <a:gd name="connsiteX11" fmla="*/ 0 w 8077200"/>
-              <a:gd name="connsiteY11" fmla="*/ 4825980 h 5791200"/>
-              <a:gd name="connsiteX12" fmla="*/ 0 w 8077200"/>
-              <a:gd name="connsiteY12" fmla="*/ 533400 h 5791200"/>
-              <a:gd name="connsiteX0" fmla="*/ 12700 w 8089900"/>
-              <a:gd name="connsiteY0" fmla="*/ 546100 h 5803900"/>
-              <a:gd name="connsiteX1" fmla="*/ 88900 w 8089900"/>
-              <a:gd name="connsiteY1" fmla="*/ 88900 h 5803900"/>
-              <a:gd name="connsiteX2" fmla="*/ 546100 w 8089900"/>
-              <a:gd name="connsiteY2" fmla="*/ 12701 h 5803900"/>
-              <a:gd name="connsiteX3" fmla="*/ 7124681 w 8089900"/>
-              <a:gd name="connsiteY3" fmla="*/ 12700 h 5803900"/>
-              <a:gd name="connsiteX4" fmla="*/ 7807194 w 8089900"/>
-              <a:gd name="connsiteY4" fmla="*/ 295407 h 5803900"/>
-              <a:gd name="connsiteX5" fmla="*/ 8089899 w 8089900"/>
-              <a:gd name="connsiteY5" fmla="*/ 977921 h 5803900"/>
-              <a:gd name="connsiteX6" fmla="*/ 8089900 w 8089900"/>
-              <a:gd name="connsiteY6" fmla="*/ 4838681 h 5803900"/>
-              <a:gd name="connsiteX7" fmla="*/ 7807194 w 8089900"/>
-              <a:gd name="connsiteY7" fmla="*/ 5521194 h 5803900"/>
-              <a:gd name="connsiteX8" fmla="*/ 7124681 w 8089900"/>
-              <a:gd name="connsiteY8" fmla="*/ 5803900 h 5803900"/>
-              <a:gd name="connsiteX9" fmla="*/ 977919 w 8089900"/>
-              <a:gd name="connsiteY9" fmla="*/ 5803900 h 5803900"/>
-              <a:gd name="connsiteX10" fmla="*/ 295406 w 8089900"/>
-              <a:gd name="connsiteY10" fmla="*/ 5521193 h 5803900"/>
-              <a:gd name="connsiteX11" fmla="*/ 12700 w 8089900"/>
-              <a:gd name="connsiteY11" fmla="*/ 4838680 h 5803900"/>
-              <a:gd name="connsiteX12" fmla="*/ 12700 w 8089900"/>
-              <a:gd name="connsiteY12" fmla="*/ 546100 h 5803900"/>
-              <a:gd name="connsiteX0" fmla="*/ 12700 w 8089900"/>
-              <a:gd name="connsiteY0" fmla="*/ 546100 h 5803900"/>
-              <a:gd name="connsiteX1" fmla="*/ 88900 w 8089900"/>
-              <a:gd name="connsiteY1" fmla="*/ 88900 h 5803900"/>
-              <a:gd name="connsiteX2" fmla="*/ 546100 w 8089900"/>
-              <a:gd name="connsiteY2" fmla="*/ 12701 h 5803900"/>
-              <a:gd name="connsiteX3" fmla="*/ 7124681 w 8089900"/>
-              <a:gd name="connsiteY3" fmla="*/ 12700 h 5803900"/>
-              <a:gd name="connsiteX4" fmla="*/ 7807194 w 8089900"/>
-              <a:gd name="connsiteY4" fmla="*/ 295407 h 5803900"/>
-              <a:gd name="connsiteX5" fmla="*/ 8089899 w 8089900"/>
-              <a:gd name="connsiteY5" fmla="*/ 977921 h 5803900"/>
-              <a:gd name="connsiteX6" fmla="*/ 8089900 w 8089900"/>
-              <a:gd name="connsiteY6" fmla="*/ 4838681 h 5803900"/>
-              <a:gd name="connsiteX7" fmla="*/ 7807194 w 8089900"/>
-              <a:gd name="connsiteY7" fmla="*/ 5521194 h 5803900"/>
-              <a:gd name="connsiteX8" fmla="*/ 7124681 w 8089900"/>
-              <a:gd name="connsiteY8" fmla="*/ 5803900 h 5803900"/>
-              <a:gd name="connsiteX9" fmla="*/ 977919 w 8089900"/>
-              <a:gd name="connsiteY9" fmla="*/ 5803900 h 5803900"/>
-              <a:gd name="connsiteX10" fmla="*/ 295406 w 8089900"/>
-              <a:gd name="connsiteY10" fmla="*/ 5521193 h 5803900"/>
-              <a:gd name="connsiteX11" fmla="*/ 12700 w 8089900"/>
-              <a:gd name="connsiteY11" fmla="*/ 5346700 h 5803900"/>
-              <a:gd name="connsiteX12" fmla="*/ 12700 w 8089900"/>
-              <a:gd name="connsiteY12" fmla="*/ 546100 h 5803900"/>
-              <a:gd name="connsiteX0" fmla="*/ 12700 w 8089900"/>
-              <a:gd name="connsiteY0" fmla="*/ 546100 h 5803900"/>
-              <a:gd name="connsiteX1" fmla="*/ 88900 w 8089900"/>
-              <a:gd name="connsiteY1" fmla="*/ 88900 h 5803900"/>
-              <a:gd name="connsiteX2" fmla="*/ 546100 w 8089900"/>
-              <a:gd name="connsiteY2" fmla="*/ 12701 h 5803900"/>
-              <a:gd name="connsiteX3" fmla="*/ 7124681 w 8089900"/>
-              <a:gd name="connsiteY3" fmla="*/ 12700 h 5803900"/>
-              <a:gd name="connsiteX4" fmla="*/ 7807194 w 8089900"/>
-              <a:gd name="connsiteY4" fmla="*/ 295407 h 5803900"/>
-              <a:gd name="connsiteX5" fmla="*/ 8089899 w 8089900"/>
-              <a:gd name="connsiteY5" fmla="*/ 977921 h 5803900"/>
-              <a:gd name="connsiteX6" fmla="*/ 8089900 w 8089900"/>
-              <a:gd name="connsiteY6" fmla="*/ 4838681 h 5803900"/>
-              <a:gd name="connsiteX7" fmla="*/ 7807194 w 8089900"/>
-              <a:gd name="connsiteY7" fmla="*/ 5521194 h 5803900"/>
-              <a:gd name="connsiteX8" fmla="*/ 7124681 w 8089900"/>
-              <a:gd name="connsiteY8" fmla="*/ 5803900 h 5803900"/>
-              <a:gd name="connsiteX9" fmla="*/ 546100 w 8089900"/>
-              <a:gd name="connsiteY9" fmla="*/ 5803900 h 5803900"/>
-              <a:gd name="connsiteX10" fmla="*/ 295406 w 8089900"/>
-              <a:gd name="connsiteY10" fmla="*/ 5521193 h 5803900"/>
-              <a:gd name="connsiteX11" fmla="*/ 12700 w 8089900"/>
-              <a:gd name="connsiteY11" fmla="*/ 5346700 h 5803900"/>
-              <a:gd name="connsiteX12" fmla="*/ 12700 w 8089900"/>
-              <a:gd name="connsiteY12" fmla="*/ 546100 h 5803900"/>
-              <a:gd name="connsiteX0" fmla="*/ 12700 w 8089900"/>
-              <a:gd name="connsiteY0" fmla="*/ 546100 h 5803900"/>
-              <a:gd name="connsiteX1" fmla="*/ 88900 w 8089900"/>
-              <a:gd name="connsiteY1" fmla="*/ 88900 h 5803900"/>
-              <a:gd name="connsiteX2" fmla="*/ 546100 w 8089900"/>
-              <a:gd name="connsiteY2" fmla="*/ 12701 h 5803900"/>
-              <a:gd name="connsiteX3" fmla="*/ 7124681 w 8089900"/>
-              <a:gd name="connsiteY3" fmla="*/ 12700 h 5803900"/>
-              <a:gd name="connsiteX4" fmla="*/ 7807194 w 8089900"/>
-              <a:gd name="connsiteY4" fmla="*/ 295407 h 5803900"/>
-              <a:gd name="connsiteX5" fmla="*/ 8089899 w 8089900"/>
-              <a:gd name="connsiteY5" fmla="*/ 977921 h 5803900"/>
-              <a:gd name="connsiteX6" fmla="*/ 8089900 w 8089900"/>
-              <a:gd name="connsiteY6" fmla="*/ 4838681 h 5803900"/>
-              <a:gd name="connsiteX7" fmla="*/ 7807194 w 8089900"/>
-              <a:gd name="connsiteY7" fmla="*/ 5521194 h 5803900"/>
-              <a:gd name="connsiteX8" fmla="*/ 7124681 w 8089900"/>
-              <a:gd name="connsiteY8" fmla="*/ 5803900 h 5803900"/>
-              <a:gd name="connsiteX9" fmla="*/ 546100 w 8089900"/>
-              <a:gd name="connsiteY9" fmla="*/ 5803900 h 5803900"/>
-              <a:gd name="connsiteX10" fmla="*/ 88900 w 8089900"/>
-              <a:gd name="connsiteY10" fmla="*/ 5727700 h 5803900"/>
-              <a:gd name="connsiteX11" fmla="*/ 12700 w 8089900"/>
-              <a:gd name="connsiteY11" fmla="*/ 5346700 h 5803900"/>
-              <a:gd name="connsiteX12" fmla="*/ 12700 w 8089900"/>
-              <a:gd name="connsiteY12" fmla="*/ 546100 h 5803900"/>
-              <a:gd name="connsiteX0" fmla="*/ 12700 w 8089900"/>
-              <a:gd name="connsiteY0" fmla="*/ 546100 h 5803900"/>
-              <a:gd name="connsiteX1" fmla="*/ 88900 w 8089900"/>
-              <a:gd name="connsiteY1" fmla="*/ 88900 h 5803900"/>
-              <a:gd name="connsiteX2" fmla="*/ 546100 w 8089900"/>
-              <a:gd name="connsiteY2" fmla="*/ 12701 h 5803900"/>
-              <a:gd name="connsiteX3" fmla="*/ 7556500 w 8089900"/>
-              <a:gd name="connsiteY3" fmla="*/ 12700 h 5803900"/>
-              <a:gd name="connsiteX4" fmla="*/ 7807194 w 8089900"/>
-              <a:gd name="connsiteY4" fmla="*/ 295407 h 5803900"/>
-              <a:gd name="connsiteX5" fmla="*/ 8089899 w 8089900"/>
-              <a:gd name="connsiteY5" fmla="*/ 977921 h 5803900"/>
-              <a:gd name="connsiteX6" fmla="*/ 8089900 w 8089900"/>
-              <a:gd name="connsiteY6" fmla="*/ 4838681 h 5803900"/>
-              <a:gd name="connsiteX7" fmla="*/ 7807194 w 8089900"/>
-              <a:gd name="connsiteY7" fmla="*/ 5521194 h 5803900"/>
-              <a:gd name="connsiteX8" fmla="*/ 7124681 w 8089900"/>
-              <a:gd name="connsiteY8" fmla="*/ 5803900 h 5803900"/>
-              <a:gd name="connsiteX9" fmla="*/ 546100 w 8089900"/>
-              <a:gd name="connsiteY9" fmla="*/ 5803900 h 5803900"/>
-              <a:gd name="connsiteX10" fmla="*/ 88900 w 8089900"/>
-              <a:gd name="connsiteY10" fmla="*/ 5727700 h 5803900"/>
-              <a:gd name="connsiteX11" fmla="*/ 12700 w 8089900"/>
-              <a:gd name="connsiteY11" fmla="*/ 5346700 h 5803900"/>
-              <a:gd name="connsiteX12" fmla="*/ 12700 w 8089900"/>
-              <a:gd name="connsiteY12" fmla="*/ 546100 h 5803900"/>
-              <a:gd name="connsiteX0" fmla="*/ 12700 w 8089901"/>
-              <a:gd name="connsiteY0" fmla="*/ 546100 h 5803900"/>
-              <a:gd name="connsiteX1" fmla="*/ 88900 w 8089901"/>
-              <a:gd name="connsiteY1" fmla="*/ 88900 h 5803900"/>
-              <a:gd name="connsiteX2" fmla="*/ 546100 w 8089901"/>
-              <a:gd name="connsiteY2" fmla="*/ 12701 h 5803900"/>
-              <a:gd name="connsiteX3" fmla="*/ 7556500 w 8089901"/>
-              <a:gd name="connsiteY3" fmla="*/ 12700 h 5803900"/>
-              <a:gd name="connsiteX4" fmla="*/ 7807194 w 8089901"/>
-              <a:gd name="connsiteY4" fmla="*/ 295407 h 5803900"/>
-              <a:gd name="connsiteX5" fmla="*/ 8089900 w 8089901"/>
-              <a:gd name="connsiteY5" fmla="*/ 469900 h 5803900"/>
-              <a:gd name="connsiteX6" fmla="*/ 8089900 w 8089901"/>
-              <a:gd name="connsiteY6" fmla="*/ 4838681 h 5803900"/>
-              <a:gd name="connsiteX7" fmla="*/ 7807194 w 8089901"/>
-              <a:gd name="connsiteY7" fmla="*/ 5521194 h 5803900"/>
-              <a:gd name="connsiteX8" fmla="*/ 7124681 w 8089901"/>
-              <a:gd name="connsiteY8" fmla="*/ 5803900 h 5803900"/>
-              <a:gd name="connsiteX9" fmla="*/ 546100 w 8089901"/>
-              <a:gd name="connsiteY9" fmla="*/ 5803900 h 5803900"/>
-              <a:gd name="connsiteX10" fmla="*/ 88900 w 8089901"/>
-              <a:gd name="connsiteY10" fmla="*/ 5727700 h 5803900"/>
-              <a:gd name="connsiteX11" fmla="*/ 12700 w 8089901"/>
-              <a:gd name="connsiteY11" fmla="*/ 5346700 h 5803900"/>
-              <a:gd name="connsiteX12" fmla="*/ 12700 w 8089901"/>
-              <a:gd name="connsiteY12" fmla="*/ 546100 h 5803900"/>
-              <a:gd name="connsiteX0" fmla="*/ 12700 w 8102600"/>
-              <a:gd name="connsiteY0" fmla="*/ 546100 h 5803900"/>
-              <a:gd name="connsiteX1" fmla="*/ 88900 w 8102600"/>
-              <a:gd name="connsiteY1" fmla="*/ 88900 h 5803900"/>
-              <a:gd name="connsiteX2" fmla="*/ 546100 w 8102600"/>
-              <a:gd name="connsiteY2" fmla="*/ 12701 h 5803900"/>
-              <a:gd name="connsiteX3" fmla="*/ 7556500 w 8102600"/>
-              <a:gd name="connsiteY3" fmla="*/ 12700 h 5803900"/>
-              <a:gd name="connsiteX4" fmla="*/ 8013700 w 8102600"/>
-              <a:gd name="connsiteY4" fmla="*/ 88900 h 5803900"/>
-              <a:gd name="connsiteX5" fmla="*/ 8089900 w 8102600"/>
-              <a:gd name="connsiteY5" fmla="*/ 469900 h 5803900"/>
-              <a:gd name="connsiteX6" fmla="*/ 8089900 w 8102600"/>
-              <a:gd name="connsiteY6" fmla="*/ 4838681 h 5803900"/>
-              <a:gd name="connsiteX7" fmla="*/ 7807194 w 8102600"/>
-              <a:gd name="connsiteY7" fmla="*/ 5521194 h 5803900"/>
-              <a:gd name="connsiteX8" fmla="*/ 7124681 w 8102600"/>
-              <a:gd name="connsiteY8" fmla="*/ 5803900 h 5803900"/>
-              <a:gd name="connsiteX9" fmla="*/ 546100 w 8102600"/>
-              <a:gd name="connsiteY9" fmla="*/ 5803900 h 5803900"/>
-              <a:gd name="connsiteX10" fmla="*/ 88900 w 8102600"/>
-              <a:gd name="connsiteY10" fmla="*/ 5727700 h 5803900"/>
-              <a:gd name="connsiteX11" fmla="*/ 12700 w 8102600"/>
-              <a:gd name="connsiteY11" fmla="*/ 5346700 h 5803900"/>
-              <a:gd name="connsiteX12" fmla="*/ 12700 w 8102600"/>
-              <a:gd name="connsiteY12" fmla="*/ 546100 h 5803900"/>
-              <a:gd name="connsiteX0" fmla="*/ 12700 w 8102600"/>
-              <a:gd name="connsiteY0" fmla="*/ 546100 h 5803900"/>
-              <a:gd name="connsiteX1" fmla="*/ 88900 w 8102600"/>
-              <a:gd name="connsiteY1" fmla="*/ 88900 h 5803900"/>
-              <a:gd name="connsiteX2" fmla="*/ 546100 w 8102600"/>
-              <a:gd name="connsiteY2" fmla="*/ 12701 h 5803900"/>
-              <a:gd name="connsiteX3" fmla="*/ 7556500 w 8102600"/>
-              <a:gd name="connsiteY3" fmla="*/ 12700 h 5803900"/>
-              <a:gd name="connsiteX4" fmla="*/ 8013700 w 8102600"/>
-              <a:gd name="connsiteY4" fmla="*/ 88900 h 5803900"/>
-              <a:gd name="connsiteX5" fmla="*/ 8089899 w 8102600"/>
-              <a:gd name="connsiteY5" fmla="*/ 469900 h 5803900"/>
-              <a:gd name="connsiteX6" fmla="*/ 8089900 w 8102600"/>
-              <a:gd name="connsiteY6" fmla="*/ 4838681 h 5803900"/>
-              <a:gd name="connsiteX7" fmla="*/ 7807194 w 8102600"/>
-              <a:gd name="connsiteY7" fmla="*/ 5521194 h 5803900"/>
-              <a:gd name="connsiteX8" fmla="*/ 7124681 w 8102600"/>
-              <a:gd name="connsiteY8" fmla="*/ 5803900 h 5803900"/>
-              <a:gd name="connsiteX9" fmla="*/ 546100 w 8102600"/>
-              <a:gd name="connsiteY9" fmla="*/ 5803900 h 5803900"/>
-              <a:gd name="connsiteX10" fmla="*/ 88900 w 8102600"/>
-              <a:gd name="connsiteY10" fmla="*/ 5727700 h 5803900"/>
-              <a:gd name="connsiteX11" fmla="*/ 12700 w 8102600"/>
-              <a:gd name="connsiteY11" fmla="*/ 5346700 h 5803900"/>
-              <a:gd name="connsiteX12" fmla="*/ 12700 w 8102600"/>
-              <a:gd name="connsiteY12" fmla="*/ 546100 h 5803900"/>
-              <a:gd name="connsiteX0" fmla="*/ 12700 w 8102599"/>
-              <a:gd name="connsiteY0" fmla="*/ 546100 h 5803900"/>
-              <a:gd name="connsiteX1" fmla="*/ 88900 w 8102599"/>
-              <a:gd name="connsiteY1" fmla="*/ 88900 h 5803900"/>
-              <a:gd name="connsiteX2" fmla="*/ 546100 w 8102599"/>
-              <a:gd name="connsiteY2" fmla="*/ 12701 h 5803900"/>
-              <a:gd name="connsiteX3" fmla="*/ 7556500 w 8102599"/>
-              <a:gd name="connsiteY3" fmla="*/ 12700 h 5803900"/>
-              <a:gd name="connsiteX4" fmla="*/ 8013699 w 8102599"/>
-              <a:gd name="connsiteY4" fmla="*/ 88900 h 5803900"/>
-              <a:gd name="connsiteX5" fmla="*/ 8089899 w 8102599"/>
-              <a:gd name="connsiteY5" fmla="*/ 469900 h 5803900"/>
-              <a:gd name="connsiteX6" fmla="*/ 8089900 w 8102599"/>
-              <a:gd name="connsiteY6" fmla="*/ 4838681 h 5803900"/>
-              <a:gd name="connsiteX7" fmla="*/ 7807194 w 8102599"/>
-              <a:gd name="connsiteY7" fmla="*/ 5521194 h 5803900"/>
-              <a:gd name="connsiteX8" fmla="*/ 7124681 w 8102599"/>
-              <a:gd name="connsiteY8" fmla="*/ 5803900 h 5803900"/>
-              <a:gd name="connsiteX9" fmla="*/ 546100 w 8102599"/>
-              <a:gd name="connsiteY9" fmla="*/ 5803900 h 5803900"/>
-              <a:gd name="connsiteX10" fmla="*/ 88900 w 8102599"/>
-              <a:gd name="connsiteY10" fmla="*/ 5727700 h 5803900"/>
-              <a:gd name="connsiteX11" fmla="*/ 12700 w 8102599"/>
-              <a:gd name="connsiteY11" fmla="*/ 5346700 h 5803900"/>
-              <a:gd name="connsiteX12" fmla="*/ 12700 w 8102599"/>
-              <a:gd name="connsiteY12" fmla="*/ 546100 h 5803900"/>
-              <a:gd name="connsiteX0" fmla="*/ 12700 w 8102599"/>
-              <a:gd name="connsiteY0" fmla="*/ 546100 h 5803900"/>
-              <a:gd name="connsiteX1" fmla="*/ 88900 w 8102599"/>
-              <a:gd name="connsiteY1" fmla="*/ 88900 h 5803900"/>
-              <a:gd name="connsiteX2" fmla="*/ 546100 w 8102599"/>
-              <a:gd name="connsiteY2" fmla="*/ 12701 h 5803900"/>
-              <a:gd name="connsiteX3" fmla="*/ 7556500 w 8102599"/>
-              <a:gd name="connsiteY3" fmla="*/ 12700 h 5803900"/>
-              <a:gd name="connsiteX4" fmla="*/ 8013699 w 8102599"/>
-              <a:gd name="connsiteY4" fmla="*/ 88900 h 5803900"/>
-              <a:gd name="connsiteX5" fmla="*/ 8089899 w 8102599"/>
-              <a:gd name="connsiteY5" fmla="*/ 469900 h 5803900"/>
-              <a:gd name="connsiteX6" fmla="*/ 8089900 w 8102599"/>
-              <a:gd name="connsiteY6" fmla="*/ 5346700 h 5803900"/>
-              <a:gd name="connsiteX7" fmla="*/ 7807194 w 8102599"/>
-              <a:gd name="connsiteY7" fmla="*/ 5521194 h 5803900"/>
-              <a:gd name="connsiteX8" fmla="*/ 7124681 w 8102599"/>
-              <a:gd name="connsiteY8" fmla="*/ 5803900 h 5803900"/>
-              <a:gd name="connsiteX9" fmla="*/ 546100 w 8102599"/>
-              <a:gd name="connsiteY9" fmla="*/ 5803900 h 5803900"/>
-              <a:gd name="connsiteX10" fmla="*/ 88900 w 8102599"/>
-              <a:gd name="connsiteY10" fmla="*/ 5727700 h 5803900"/>
-              <a:gd name="connsiteX11" fmla="*/ 12700 w 8102599"/>
-              <a:gd name="connsiteY11" fmla="*/ 5346700 h 5803900"/>
-              <a:gd name="connsiteX12" fmla="*/ 12700 w 8102599"/>
-              <a:gd name="connsiteY12" fmla="*/ 546100 h 5803900"/>
-              <a:gd name="connsiteX0" fmla="*/ 12700 w 8102599"/>
-              <a:gd name="connsiteY0" fmla="*/ 546100 h 5803900"/>
-              <a:gd name="connsiteX1" fmla="*/ 88900 w 8102599"/>
-              <a:gd name="connsiteY1" fmla="*/ 88900 h 5803900"/>
-              <a:gd name="connsiteX2" fmla="*/ 546100 w 8102599"/>
-              <a:gd name="connsiteY2" fmla="*/ 12701 h 5803900"/>
-              <a:gd name="connsiteX3" fmla="*/ 7556500 w 8102599"/>
-              <a:gd name="connsiteY3" fmla="*/ 12700 h 5803900"/>
-              <a:gd name="connsiteX4" fmla="*/ 8013699 w 8102599"/>
-              <a:gd name="connsiteY4" fmla="*/ 88900 h 5803900"/>
-              <a:gd name="connsiteX5" fmla="*/ 8089899 w 8102599"/>
-              <a:gd name="connsiteY5" fmla="*/ 469900 h 5803900"/>
-              <a:gd name="connsiteX6" fmla="*/ 8089900 w 8102599"/>
-              <a:gd name="connsiteY6" fmla="*/ 5346700 h 5803900"/>
-              <a:gd name="connsiteX7" fmla="*/ 7807194 w 8102599"/>
-              <a:gd name="connsiteY7" fmla="*/ 5521194 h 5803900"/>
-              <a:gd name="connsiteX8" fmla="*/ 7632700 w 8102599"/>
-              <a:gd name="connsiteY8" fmla="*/ 5803900 h 5803900"/>
-              <a:gd name="connsiteX9" fmla="*/ 546100 w 8102599"/>
-              <a:gd name="connsiteY9" fmla="*/ 5803900 h 5803900"/>
-              <a:gd name="connsiteX10" fmla="*/ 88900 w 8102599"/>
-              <a:gd name="connsiteY10" fmla="*/ 5727700 h 5803900"/>
-              <a:gd name="connsiteX11" fmla="*/ 12700 w 8102599"/>
-              <a:gd name="connsiteY11" fmla="*/ 5346700 h 5803900"/>
-              <a:gd name="connsiteX12" fmla="*/ 12700 w 8102599"/>
-              <a:gd name="connsiteY12" fmla="*/ 546100 h 5803900"/>
-              <a:gd name="connsiteX0" fmla="*/ 12700 w 8102599"/>
-              <a:gd name="connsiteY0" fmla="*/ 546100 h 5803900"/>
-              <a:gd name="connsiteX1" fmla="*/ 88900 w 8102599"/>
-              <a:gd name="connsiteY1" fmla="*/ 88900 h 5803900"/>
-              <a:gd name="connsiteX2" fmla="*/ 546100 w 8102599"/>
-              <a:gd name="connsiteY2" fmla="*/ 12701 h 5803900"/>
-              <a:gd name="connsiteX3" fmla="*/ 7556500 w 8102599"/>
-              <a:gd name="connsiteY3" fmla="*/ 12700 h 5803900"/>
-              <a:gd name="connsiteX4" fmla="*/ 8013699 w 8102599"/>
-              <a:gd name="connsiteY4" fmla="*/ 88900 h 5803900"/>
-              <a:gd name="connsiteX5" fmla="*/ 8089899 w 8102599"/>
-              <a:gd name="connsiteY5" fmla="*/ 469900 h 5803900"/>
-              <a:gd name="connsiteX6" fmla="*/ 8089900 w 8102599"/>
-              <a:gd name="connsiteY6" fmla="*/ 5346700 h 5803900"/>
-              <a:gd name="connsiteX7" fmla="*/ 8013700 w 8102599"/>
-              <a:gd name="connsiteY7" fmla="*/ 5727700 h 5803900"/>
-              <a:gd name="connsiteX8" fmla="*/ 7632700 w 8102599"/>
-              <a:gd name="connsiteY8" fmla="*/ 5803900 h 5803900"/>
-              <a:gd name="connsiteX9" fmla="*/ 546100 w 8102599"/>
-              <a:gd name="connsiteY9" fmla="*/ 5803900 h 5803900"/>
-              <a:gd name="connsiteX10" fmla="*/ 88900 w 8102599"/>
-              <a:gd name="connsiteY10" fmla="*/ 5727700 h 5803900"/>
-              <a:gd name="connsiteX11" fmla="*/ 12700 w 8102599"/>
-              <a:gd name="connsiteY11" fmla="*/ 5346700 h 5803900"/>
-              <a:gd name="connsiteX12" fmla="*/ 12700 w 8102599"/>
-              <a:gd name="connsiteY12" fmla="*/ 546100 h 5803900"/>
-            </a:gdLst>
-            <a:ahLst/>
-            <a:cxnLst>
-              <a:cxn ang="0">
-                <a:pos x="connsiteX0" y="connsiteY0"/>
-              </a:cxn>
-              <a:cxn ang="0">
-                <a:pos x="connsiteX1" y="connsiteY1"/>
-              </a:cxn>
-              <a:cxn ang="0">
-                <a:pos x="connsiteX2" y="connsiteY2"/>
-              </a:cxn>
-              <a:cxn ang="0">
-                <a:pos x="connsiteX3" y="connsiteY3"/>
-              </a:cxn>
-              <a:cxn ang="0">
-                <a:pos x="connsiteX4" y="connsiteY4"/>
-              </a:cxn>
-              <a:cxn ang="0">
-                <a:pos x="connsiteX5" y="connsiteY5"/>
-              </a:cxn>
-              <a:cxn ang="0">
-                <a:pos x="connsiteX6" y="connsiteY6"/>
-              </a:cxn>
-              <a:cxn ang="0">
-                <a:pos x="connsiteX7" y="connsiteY7"/>
-              </a:cxn>
-              <a:cxn ang="0">
-                <a:pos x="connsiteX8" y="connsiteY8"/>
-              </a:cxn>
-              <a:cxn ang="0">
-                <a:pos x="connsiteX9" y="connsiteY9"/>
-              </a:cxn>
-              <a:cxn ang="0">
-                <a:pos x="connsiteX10" y="connsiteY10"/>
-              </a:cxn>
-              <a:cxn ang="0">
-                <a:pos x="connsiteX11" y="connsiteY11"/>
-              </a:cxn>
-              <a:cxn ang="0">
-                <a:pos x="connsiteX12" y="connsiteY12"/>
-              </a:cxn>
-            </a:cxnLst>
-            <a:rect l="l" t="t" r="r" b="b"/>
-            <a:pathLst>
-              <a:path w="8102599" h="5803900">
-                <a:moveTo>
-                  <a:pt x="12700" y="546100"/>
-                </a:moveTo>
-                <a:cubicBezTo>
-                  <a:pt x="12700" y="290108"/>
-                  <a:pt x="0" y="177800"/>
-                  <a:pt x="88900" y="88900"/>
-                </a:cubicBezTo>
-                <a:cubicBezTo>
-                  <a:pt x="177800" y="0"/>
-                  <a:pt x="290107" y="12700"/>
-                  <a:pt x="546100" y="12701"/>
-                </a:cubicBezTo>
-                <a:lnTo>
-                  <a:pt x="7556500" y="12700"/>
-                </a:lnTo>
-                <a:cubicBezTo>
-                  <a:pt x="7812492" y="12700"/>
-                  <a:pt x="7924799" y="12700"/>
-                  <a:pt x="8013699" y="88900"/>
-                </a:cubicBezTo>
-                <a:cubicBezTo>
-                  <a:pt x="8102599" y="165100"/>
-                  <a:pt x="8089900" y="213907"/>
-                  <a:pt x="8089899" y="469900"/>
-                </a:cubicBezTo>
-                <a:cubicBezTo>
-                  <a:pt x="8089899" y="1926160"/>
-                  <a:pt x="8089900" y="3890440"/>
-                  <a:pt x="8089900" y="5346700"/>
-                </a:cubicBezTo>
-                <a:cubicBezTo>
-                  <a:pt x="8089900" y="5602692"/>
-                  <a:pt x="8089900" y="5651500"/>
-                  <a:pt x="8013700" y="5727700"/>
-                </a:cubicBezTo>
-                <a:cubicBezTo>
-                  <a:pt x="7937500" y="5803900"/>
-                  <a:pt x="7888692" y="5803900"/>
-                  <a:pt x="7632700" y="5803900"/>
-                </a:cubicBezTo>
-                <a:lnTo>
-                  <a:pt x="546100" y="5803900"/>
-                </a:lnTo>
-                <a:cubicBezTo>
-                  <a:pt x="290108" y="5803900"/>
-                  <a:pt x="177800" y="5803900"/>
-                  <a:pt x="88900" y="5727700"/>
-                </a:cubicBezTo>
-                <a:cubicBezTo>
-                  <a:pt x="0" y="5651500"/>
-                  <a:pt x="12700" y="5602692"/>
-                  <a:pt x="12700" y="5346700"/>
-                </a:cubicBezTo>
-                <a:lnTo>
-                  <a:pt x="12700" y="546100"/>
-                </a:lnTo>
-                <a:close/>
-              </a:path>
-            </a:pathLst>
-          </a:custGeom>
-          <a:gradFill>
-            <a:gsLst>
-              <a:gs pos="0">
-                <a:schemeClr val="bg1">
-                  <a:lumMod val="50000"/>
-                </a:schemeClr>
-              </a:gs>
-              <a:gs pos="39999">
-                <a:schemeClr val="bg1">
-                  <a:lumMod val="65000"/>
-                </a:schemeClr>
-              </a:gs>
-              <a:gs pos="70000">
-                <a:schemeClr val="bg1">
-                  <a:lumMod val="50000"/>
-                  <a:alpha val="73000"/>
-                </a:schemeClr>
-              </a:gs>
-            </a:gsLst>
-            <a:lin ang="5400000" scaled="0"/>
-          </a:gradFill>
-          <a:ln>
-            <a:solidFill>
-              <a:schemeClr val="bg1">
-                <a:lumMod val="75000"/>
-              </a:schemeClr>
-            </a:solidFill>
-          </a:ln>
-        </p:spPr>
-        <p:style>
-          <a:lnRef idx="2">
-            <a:schemeClr val="accent1">
-              <a:shade val="50000"/>
-            </a:schemeClr>
-          </a:lnRef>
-          <a:fillRef idx="1">
-            <a:schemeClr val="accent1"/>
-          </a:fillRef>
-          <a:effectRef idx="0">
-            <a:schemeClr val="accent1"/>
-          </a:effectRef>
-          <a:fontRef idx="minor">
-            <a:schemeClr val="lt1"/>
-          </a:fontRef>
-        </p:style>
-        <p:txBody>
-          <a:bodyPr rtlCol="0" anchor="ctr"/>
-          <a:lstStyle/>
-          <a:p>
-            <a:pPr fontAlgn="t"/>
-            <a:endParaRPr lang="es-AR" b="1" dirty="0" smtClean="0"/>
-          </a:p>
-          <a:p>
-            <a:pPr algn="ctr"/>
-            <a:endParaRPr lang="es-AR" dirty="0"/>
-          </a:p>
-        </p:txBody>
-      </p:sp>
-      <p:sp>
-        <p:nvSpPr>
-          <p:cNvPr id="14" name="Rectangle 13"/>
-          <p:cNvSpPr/>
-          <p:nvPr/>
-        </p:nvSpPr>
-        <p:spPr>
-          <a:xfrm>
-            <a:off x="381000" y="1295400"/>
-            <a:ext cx="8458200" cy="1066800"/>
-          </a:xfrm>
-          <a:prstGeom prst="rect">
-            <a:avLst/>
-          </a:prstGeom>
-          <a:noFill/>
-          <a:ln>
-            <a:noFill/>
-          </a:ln>
-        </p:spPr>
-        <p:style>
-          <a:lnRef idx="2">
-            <a:schemeClr val="accent1">
-              <a:shade val="50000"/>
-            </a:schemeClr>
-          </a:lnRef>
-          <a:fillRef idx="1">
-            <a:schemeClr val="accent1"/>
-          </a:fillRef>
-          <a:effectRef idx="0">
-            <a:schemeClr val="accent1"/>
-          </a:effectRef>
-          <a:fontRef idx="minor">
-            <a:schemeClr val="lt1"/>
-          </a:fontRef>
-        </p:style>
-        <p:txBody>
-          <a:bodyPr rtlCol="0" anchor="ctr"/>
-          <a:lstStyle/>
-          <a:p>
-            <a:pPr algn="ctr"/>
-            <a:r>
-              <a:rPr lang="es-AR" sz="4800" b="1" u="sng" dirty="0" smtClean="0"/>
-              <a:t>Tecnologías y </a:t>
-            </a:r>
-            <a:r>
-              <a:rPr lang="es-AR" sz="4800" b="1" u="sng" dirty="0" err="1" smtClean="0"/>
-              <a:t>Frameworks</a:t>
-            </a:r>
-            <a:endParaRPr lang="es-AR" sz="4800" b="1" u="sng" dirty="0" smtClean="0"/>
-          </a:p>
-          <a:p>
-            <a:pPr algn="ctr"/>
-            <a:endParaRPr lang="es-AR" sz="1200" dirty="0"/>
-          </a:p>
-        </p:txBody>
-      </p:sp>
-      <p:grpSp>
-        <p:nvGrpSpPr>
-          <p:cNvPr id="3" name="Group 14"/>
-          <p:cNvGrpSpPr/>
-          <p:nvPr/>
-        </p:nvGrpSpPr>
-        <p:grpSpPr>
-          <a:xfrm>
-            <a:off x="1295400" y="544415"/>
-            <a:ext cx="6553200" cy="903384"/>
-            <a:chOff x="1295400" y="544415"/>
-            <a:chExt cx="6553200" cy="903384"/>
-          </a:xfrm>
-        </p:grpSpPr>
-        <p:sp>
-          <p:nvSpPr>
-            <p:cNvPr id="16" name="Round Same Side Corner Rectangle 15"/>
-            <p:cNvSpPr/>
-            <p:nvPr/>
-          </p:nvSpPr>
-          <p:spPr>
-            <a:xfrm rot="10800000">
-              <a:off x="1295400" y="544415"/>
-              <a:ext cx="6553200" cy="903384"/>
-            </a:xfrm>
-            <a:prstGeom prst="round2SameRect">
-              <a:avLst/>
-            </a:prstGeom>
-          </p:spPr>
-          <p:style>
-            <a:lnRef idx="2">
-              <a:schemeClr val="dk1">
-                <a:shade val="50000"/>
-              </a:schemeClr>
-            </a:lnRef>
-            <a:fillRef idx="1">
-              <a:schemeClr val="dk1"/>
-            </a:fillRef>
-            <a:effectRef idx="0">
-              <a:schemeClr val="dk1"/>
-            </a:effectRef>
-            <a:fontRef idx="minor">
-              <a:schemeClr val="lt1"/>
-            </a:fontRef>
-          </p:style>
-          <p:txBody>
-            <a:bodyPr rtlCol="0" anchor="ctr"/>
-            <a:lstStyle/>
-            <a:p>
-              <a:pPr algn="ctr"/>
-              <a:endParaRPr lang="es-AR" dirty="0"/>
-            </a:p>
-          </p:txBody>
-        </p:sp>
-        <p:pic>
-          <p:nvPicPr>
-            <p:cNvPr id="20" name="Picture 2" descr="E:\U.B.A.Files\Materias\75.45 Taller de Desarrollo de Proyectos I\TP\Trunk\Proyecto\web\site\images\logo.png"/>
-            <p:cNvPicPr>
-              <a:picLocks noChangeAspect="1" noChangeArrowheads="1"/>
-            </p:cNvPicPr>
-            <p:nvPr/>
-          </p:nvPicPr>
-          <p:blipFill>
-            <a:blip r:embed="rId2" cstate="print"/>
-            <a:srcRect/>
-            <a:stretch>
-              <a:fillRect/>
-            </a:stretch>
-          </p:blipFill>
-          <p:spPr bwMode="auto">
-            <a:xfrm>
-              <a:off x="1600200" y="609600"/>
-              <a:ext cx="2640904" cy="762000"/>
-            </a:xfrm>
-            <a:prstGeom prst="rect">
-              <a:avLst/>
-            </a:prstGeom>
-            <a:noFill/>
-          </p:spPr>
-        </p:pic>
-        <p:sp>
-          <p:nvSpPr>
-            <p:cNvPr id="23" name="TextBox 22"/>
-            <p:cNvSpPr txBox="1"/>
-            <p:nvPr/>
-          </p:nvSpPr>
-          <p:spPr>
-            <a:xfrm>
-              <a:off x="4515457" y="685800"/>
-              <a:ext cx="3180743" cy="307777"/>
-            </a:xfrm>
-            <a:prstGeom prst="rect">
-              <a:avLst/>
-            </a:prstGeom>
-            <a:noFill/>
-          </p:spPr>
-          <p:txBody>
-            <a:bodyPr wrap="none" rtlCol="0">
-              <a:spAutoFit/>
-            </a:bodyPr>
-            <a:lstStyle/>
-            <a:p>
-              <a:r>
-                <a:rPr lang="es-AR" sz="1400" dirty="0" smtClean="0">
-                  <a:solidFill>
-                    <a:schemeClr val="bg1">
-                      <a:lumMod val="50000"/>
-                    </a:schemeClr>
-                  </a:solidFill>
-                </a:rPr>
-                <a:t>Centralización y análisis de datos</a:t>
-              </a:r>
-              <a:endParaRPr lang="es-AR" sz="1400" dirty="0">
-                <a:solidFill>
-                  <a:schemeClr val="bg1">
-                    <a:lumMod val="50000"/>
-                  </a:schemeClr>
-                </a:solidFill>
-              </a:endParaRPr>
-            </a:p>
-          </p:txBody>
-        </p:sp>
-      </p:grpSp>
-      <p:pic>
-        <p:nvPicPr>
-          <p:cNvPr id="38" name="37 Imagen" descr="wicket.gif"/>
-          <p:cNvPicPr>
-            <a:picLocks noChangeAspect="1"/>
-          </p:cNvPicPr>
-          <p:nvPr/>
-        </p:nvPicPr>
-        <p:blipFill>
-          <a:blip r:embed="rId3"/>
-          <a:stretch>
-            <a:fillRect/>
-          </a:stretch>
-        </p:blipFill>
-        <p:spPr>
-          <a:xfrm>
-            <a:off x="1143000" y="2362200"/>
-            <a:ext cx="867676" cy="860281"/>
-          </a:xfrm>
-          <a:prstGeom prst="rect">
-            <a:avLst/>
-          </a:prstGeom>
-        </p:spPr>
-      </p:pic>
-      <p:sp>
-        <p:nvSpPr>
-          <p:cNvPr id="39" name="38 CuadroTexto"/>
-          <p:cNvSpPr txBox="1"/>
-          <p:nvPr/>
-        </p:nvSpPr>
-        <p:spPr>
-          <a:xfrm>
-            <a:off x="838200" y="3048000"/>
-            <a:ext cx="1581843" cy="369332"/>
-          </a:xfrm>
-          <a:prstGeom prst="rect">
-            <a:avLst/>
-          </a:prstGeom>
-          <a:noFill/>
-        </p:spPr>
-        <p:txBody>
-          <a:bodyPr wrap="none" rtlCol="0">
-            <a:spAutoFit/>
-          </a:bodyPr>
-          <a:lstStyle/>
-          <a:p>
-            <a:r>
-              <a:rPr lang="es-AR" dirty="0" smtClean="0"/>
-              <a:t>Apache </a:t>
-            </a:r>
-            <a:r>
-              <a:rPr lang="es-AR" dirty="0" err="1" smtClean="0"/>
-              <a:t>Wicket</a:t>
-            </a:r>
-            <a:endParaRPr lang="es-AR" dirty="0"/>
-          </a:p>
-        </p:txBody>
-      </p:sp>
-      <p:pic>
-        <p:nvPicPr>
-          <p:cNvPr id="41" name="40 Imagen" descr="eclipse.png"/>
-          <p:cNvPicPr>
-            <a:picLocks noChangeAspect="1"/>
-          </p:cNvPicPr>
-          <p:nvPr/>
-        </p:nvPicPr>
-        <p:blipFill>
-          <a:blip r:embed="rId4"/>
-          <a:stretch>
-            <a:fillRect/>
-          </a:stretch>
-        </p:blipFill>
-        <p:spPr>
-          <a:xfrm>
-            <a:off x="6172200" y="5029200"/>
-            <a:ext cx="1628775" cy="866775"/>
-          </a:xfrm>
-          <a:prstGeom prst="rect">
-            <a:avLst/>
-          </a:prstGeom>
-        </p:spPr>
-      </p:pic>
-      <p:pic>
-        <p:nvPicPr>
-          <p:cNvPr id="42" name="41 Imagen" descr="hibernate.gif"/>
-          <p:cNvPicPr>
-            <a:picLocks noChangeAspect="1"/>
-          </p:cNvPicPr>
-          <p:nvPr/>
-        </p:nvPicPr>
-        <p:blipFill>
-          <a:blip r:embed="rId5"/>
-          <a:stretch>
-            <a:fillRect/>
-          </a:stretch>
-        </p:blipFill>
-        <p:spPr>
-          <a:xfrm>
-            <a:off x="2743200" y="2590800"/>
-            <a:ext cx="2819400" cy="469453"/>
-          </a:xfrm>
-          <a:prstGeom prst="rect">
-            <a:avLst/>
-          </a:prstGeom>
-          <a:ln w="0">
-            <a:noFill/>
-          </a:ln>
-          <a:effectLst>
-            <a:outerShdw blurRad="12700" dist="25400" dir="600000" algn="ctr" rotWithShape="0">
-              <a:schemeClr val="tx1"/>
-            </a:outerShdw>
-          </a:effectLst>
-        </p:spPr>
-      </p:pic>
-      <p:pic>
-        <p:nvPicPr>
-          <p:cNvPr id="44" name="43 Imagen" descr="JXL.jpg"/>
-          <p:cNvPicPr>
-            <a:picLocks noChangeAspect="1"/>
-          </p:cNvPicPr>
-          <p:nvPr/>
-        </p:nvPicPr>
-        <p:blipFill>
-          <a:blip r:embed="rId6"/>
-          <a:stretch>
-            <a:fillRect/>
-          </a:stretch>
-        </p:blipFill>
-        <p:spPr>
-          <a:xfrm>
-            <a:off x="6629400" y="2514600"/>
-            <a:ext cx="685800" cy="685800"/>
-          </a:xfrm>
-          <a:prstGeom prst="rect">
-            <a:avLst/>
-          </a:prstGeom>
-          <a:ln w="3175">
-            <a:solidFill>
-              <a:schemeClr val="tx1"/>
-            </a:solidFill>
-          </a:ln>
-          <a:effectLst>
-            <a:outerShdw blurRad="50800" dist="50800" dir="5400000" algn="ctr" rotWithShape="0">
-              <a:schemeClr val="tx1"/>
-            </a:outerShdw>
-          </a:effectLst>
-        </p:spPr>
-      </p:pic>
-      <p:sp>
-        <p:nvSpPr>
-          <p:cNvPr id="45" name="44 CuadroTexto"/>
-          <p:cNvSpPr txBox="1"/>
-          <p:nvPr/>
-        </p:nvSpPr>
-        <p:spPr>
-          <a:xfrm>
-            <a:off x="6781800" y="3276600"/>
-            <a:ext cx="474169" cy="369332"/>
-          </a:xfrm>
-          <a:prstGeom prst="rect">
-            <a:avLst/>
-          </a:prstGeom>
-          <a:noFill/>
-        </p:spPr>
-        <p:txBody>
-          <a:bodyPr wrap="none" rtlCol="0">
-            <a:spAutoFit/>
-          </a:bodyPr>
-          <a:lstStyle/>
-          <a:p>
-            <a:r>
-              <a:rPr lang="es-AR" dirty="0" smtClean="0"/>
-              <a:t>JXL</a:t>
-            </a:r>
-            <a:endParaRPr lang="es-AR" dirty="0"/>
-          </a:p>
-        </p:txBody>
-      </p:sp>
-      <p:pic>
-        <p:nvPicPr>
-          <p:cNvPr id="46" name="45 Imagen" descr="maven.gif"/>
-          <p:cNvPicPr>
-            <a:picLocks noChangeAspect="1"/>
-          </p:cNvPicPr>
-          <p:nvPr/>
-        </p:nvPicPr>
-        <p:blipFill>
-          <a:blip r:embed="rId7"/>
-          <a:stretch>
-            <a:fillRect/>
-          </a:stretch>
-        </p:blipFill>
-        <p:spPr>
-          <a:xfrm>
-            <a:off x="5867400" y="3962400"/>
-            <a:ext cx="2438400" cy="466405"/>
-          </a:xfrm>
-          <a:prstGeom prst="rect">
-            <a:avLst/>
-          </a:prstGeom>
-          <a:effectLst>
-            <a:outerShdw blurRad="12700" dist="12700" dir="1200000" algn="ctr" rotWithShape="0">
-              <a:schemeClr val="tx1"/>
-            </a:outerShdw>
-          </a:effectLst>
-        </p:spPr>
-      </p:pic>
-      <p:pic>
-        <p:nvPicPr>
-          <p:cNvPr id="47" name="46 Imagen" descr="mysql.gif"/>
-          <p:cNvPicPr>
-            <a:picLocks noChangeAspect="1"/>
-          </p:cNvPicPr>
-          <p:nvPr/>
-        </p:nvPicPr>
-        <p:blipFill>
-          <a:blip r:embed="rId8"/>
-          <a:stretch>
-            <a:fillRect/>
-          </a:stretch>
-        </p:blipFill>
-        <p:spPr>
-          <a:xfrm>
-            <a:off x="3352800" y="3276600"/>
-            <a:ext cx="1760562" cy="914400"/>
-          </a:xfrm>
-          <a:prstGeom prst="rect">
-            <a:avLst/>
-          </a:prstGeom>
-          <a:effectLst>
-            <a:outerShdw blurRad="12700" dist="12700" dir="600000" algn="l" rotWithShape="0">
-              <a:prstClr val="black">
-                <a:alpha val="40000"/>
-              </a:prstClr>
-            </a:outerShdw>
-          </a:effectLst>
-        </p:spPr>
-      </p:pic>
-      <p:pic>
-        <p:nvPicPr>
-          <p:cNvPr id="48" name="47 Imagen" descr="tomcat.gif"/>
-          <p:cNvPicPr>
-            <a:picLocks noChangeAspect="1"/>
-          </p:cNvPicPr>
-          <p:nvPr/>
-        </p:nvPicPr>
-        <p:blipFill>
-          <a:blip r:embed="rId9"/>
-          <a:stretch>
-            <a:fillRect/>
-          </a:stretch>
-        </p:blipFill>
-        <p:spPr>
-          <a:xfrm>
-            <a:off x="1447800" y="3581400"/>
-            <a:ext cx="1076739" cy="762000"/>
-          </a:xfrm>
-          <a:prstGeom prst="rect">
-            <a:avLst/>
-          </a:prstGeom>
-        </p:spPr>
-      </p:pic>
-      <p:sp>
-        <p:nvSpPr>
-          <p:cNvPr id="49" name="48 CuadroTexto"/>
-          <p:cNvSpPr txBox="1"/>
-          <p:nvPr/>
-        </p:nvSpPr>
-        <p:spPr>
-          <a:xfrm>
-            <a:off x="1219200" y="4495800"/>
-            <a:ext cx="1617238" cy="369332"/>
-          </a:xfrm>
-          <a:prstGeom prst="rect">
-            <a:avLst/>
-          </a:prstGeom>
-          <a:noFill/>
-        </p:spPr>
-        <p:txBody>
-          <a:bodyPr wrap="none" rtlCol="0">
-            <a:spAutoFit/>
-          </a:bodyPr>
-          <a:lstStyle/>
-          <a:p>
-            <a:r>
-              <a:rPr lang="es-AR" dirty="0" smtClean="0"/>
-              <a:t>Apache </a:t>
-            </a:r>
-            <a:r>
-              <a:rPr lang="es-AR" dirty="0" err="1" smtClean="0"/>
-              <a:t>Tomcat</a:t>
-            </a:r>
-            <a:endParaRPr lang="es-AR" dirty="0"/>
-          </a:p>
-        </p:txBody>
-      </p:sp>
-      <p:pic>
-        <p:nvPicPr>
-          <p:cNvPr id="50" name="49 Imagen" descr="svn.jpg"/>
-          <p:cNvPicPr>
-            <a:picLocks noChangeAspect="1"/>
-          </p:cNvPicPr>
-          <p:nvPr/>
-        </p:nvPicPr>
-        <p:blipFill>
-          <a:blip r:embed="rId10"/>
-          <a:stretch>
-            <a:fillRect/>
-          </a:stretch>
-        </p:blipFill>
-        <p:spPr>
-          <a:xfrm>
-            <a:off x="4953000" y="4876800"/>
-            <a:ext cx="609600" cy="609600"/>
-          </a:xfrm>
-          <a:prstGeom prst="rect">
-            <a:avLst/>
-          </a:prstGeom>
-        </p:spPr>
-      </p:pic>
-      <p:sp>
-        <p:nvSpPr>
-          <p:cNvPr id="51" name="50 CuadroTexto"/>
-          <p:cNvSpPr txBox="1"/>
-          <p:nvPr/>
-        </p:nvSpPr>
-        <p:spPr>
-          <a:xfrm>
-            <a:off x="4953000" y="5486400"/>
-            <a:ext cx="569387" cy="369332"/>
-          </a:xfrm>
-          <a:prstGeom prst="rect">
-            <a:avLst/>
-          </a:prstGeom>
-          <a:noFill/>
-        </p:spPr>
-        <p:txBody>
-          <a:bodyPr wrap="none" rtlCol="0">
-            <a:spAutoFit/>
-          </a:bodyPr>
-          <a:lstStyle/>
-          <a:p>
-            <a:r>
-              <a:rPr lang="es-AR" dirty="0" smtClean="0"/>
-              <a:t>SVN</a:t>
-            </a:r>
-            <a:endParaRPr lang="es-AR" dirty="0"/>
-          </a:p>
-        </p:txBody>
-      </p:sp>
-      <p:pic>
-        <p:nvPicPr>
-          <p:cNvPr id="26" name="25 Imagen" descr="Toad 50x50.gif"/>
-          <p:cNvPicPr>
-            <a:picLocks noChangeAspect="1"/>
-          </p:cNvPicPr>
-          <p:nvPr/>
-        </p:nvPicPr>
-        <p:blipFill>
-          <a:blip r:embed="rId11"/>
-          <a:stretch>
-            <a:fillRect/>
-          </a:stretch>
-        </p:blipFill>
-        <p:spPr>
-          <a:xfrm>
-            <a:off x="3505200" y="4876800"/>
-            <a:ext cx="609600" cy="609600"/>
-          </a:xfrm>
-          <a:prstGeom prst="rect">
-            <a:avLst/>
-          </a:prstGeom>
-        </p:spPr>
-      </p:pic>
-      <p:sp>
-        <p:nvSpPr>
-          <p:cNvPr id="27" name="26 CuadroTexto"/>
-          <p:cNvSpPr txBox="1"/>
-          <p:nvPr/>
-        </p:nvSpPr>
-        <p:spPr>
-          <a:xfrm>
-            <a:off x="3505200" y="5486400"/>
-            <a:ext cx="630622" cy="369332"/>
-          </a:xfrm>
-          <a:prstGeom prst="rect">
-            <a:avLst/>
-          </a:prstGeom>
-          <a:noFill/>
-        </p:spPr>
-        <p:txBody>
-          <a:bodyPr wrap="none" rtlCol="0">
-            <a:spAutoFit/>
-          </a:bodyPr>
-          <a:lstStyle/>
-          <a:p>
-            <a:r>
-              <a:rPr lang="es-AR" dirty="0" err="1" smtClean="0"/>
-              <a:t>Toad</a:t>
-            </a:r>
-            <a:endParaRPr lang="es-AR" dirty="0"/>
-          </a:p>
-        </p:txBody>
-      </p:sp>
-      <p:pic>
-        <p:nvPicPr>
-          <p:cNvPr id="30" name="29 Imagen" descr="java.gif"/>
-          <p:cNvPicPr>
-            <a:picLocks noChangeAspect="1"/>
-          </p:cNvPicPr>
-          <p:nvPr/>
-        </p:nvPicPr>
-        <p:blipFill>
-          <a:blip r:embed="rId12"/>
-          <a:stretch>
-            <a:fillRect/>
-          </a:stretch>
-        </p:blipFill>
-        <p:spPr>
-          <a:xfrm>
-            <a:off x="1752600" y="5029200"/>
-            <a:ext cx="524011" cy="914400"/>
           </a:xfrm>
           <a:prstGeom prst="rect">
             <a:avLst/>

--- a/trunk/Presentacion/Tecnica/Presentacion Tecnica.pptx
+++ b/trunk/Presentacion/Tecnica/Presentacion Tecnica.pptx
@@ -5,21 +5,23 @@
     <p:sldMasterId id="2147484416" r:id="rId1"/>
   </p:sldMasterIdLst>
   <p:notesMasterIdLst>
-    <p:notesMasterId r:id="rId14"/>
+    <p:notesMasterId r:id="rId16"/>
   </p:notesMasterIdLst>
   <p:sldIdLst>
     <p:sldId id="256" r:id="rId2"/>
-    <p:sldId id="257" r:id="rId3"/>
-    <p:sldId id="270" r:id="rId4"/>
-    <p:sldId id="259" r:id="rId5"/>
-    <p:sldId id="271" r:id="rId6"/>
-    <p:sldId id="264" r:id="rId7"/>
-    <p:sldId id="267" r:id="rId8"/>
-    <p:sldId id="265" r:id="rId9"/>
-    <p:sldId id="272" r:id="rId10"/>
-    <p:sldId id="266" r:id="rId11"/>
-    <p:sldId id="268" r:id="rId12"/>
-    <p:sldId id="269" r:id="rId13"/>
+    <p:sldId id="275" r:id="rId3"/>
+    <p:sldId id="276" r:id="rId4"/>
+    <p:sldId id="257" r:id="rId5"/>
+    <p:sldId id="270" r:id="rId6"/>
+    <p:sldId id="259" r:id="rId7"/>
+    <p:sldId id="271" r:id="rId8"/>
+    <p:sldId id="264" r:id="rId9"/>
+    <p:sldId id="267" r:id="rId10"/>
+    <p:sldId id="265" r:id="rId11"/>
+    <p:sldId id="272" r:id="rId12"/>
+    <p:sldId id="273" r:id="rId13"/>
+    <p:sldId id="274" r:id="rId14"/>
+    <p:sldId id="269" r:id="rId15"/>
   </p:sldIdLst>
   <p:sldSz cx="9144000" cy="6858000" type="screen4x3"/>
   <p:notesSz cx="6858000" cy="9144000"/>
@@ -4931,7 +4933,7 @@
             <a:pPr algn="ctr"/>
             <a:r>
               <a:rPr lang="es-AR" sz="4800" b="1" dirty="0" smtClean="0"/>
-              <a:t>Seguridad</a:t>
+              <a:t>Modelo de Datos (I)</a:t>
             </a:r>
           </a:p>
           <a:p>
@@ -5063,6 +5065,30 @@
           </p:txBody>
         </p:sp>
       </p:grpSp>
+      <p:pic>
+        <p:nvPicPr>
+          <p:cNvPr id="25" name="24 Imagen" descr="parte1.gif"/>
+          <p:cNvPicPr>
+            <a:picLocks noChangeAspect="1"/>
+          </p:cNvPicPr>
+          <p:nvPr/>
+        </p:nvPicPr>
+        <p:blipFill>
+          <a:blip r:embed="rId3" cstate="print"/>
+          <a:stretch>
+            <a:fillRect/>
+          </a:stretch>
+        </p:blipFill>
+        <p:spPr>
+          <a:xfrm>
+            <a:off x="1371600" y="2133600"/>
+            <a:ext cx="6511672" cy="4329310"/>
+          </a:xfrm>
+          <a:prstGeom prst="rect">
+            <a:avLst/>
+          </a:prstGeom>
+        </p:spPr>
+      </p:pic>
     </p:spTree>
   </p:cSld>
   <p:clrMapOvr>
@@ -5079,6 +5105,1123 @@
 </file>
 
 <file path=ppt/slides/slide11.xml><?xml version="1.0" encoding="utf-8"?>
+<p:sld xmlns:a="http://schemas.openxmlformats.org/drawingml/2006/main" xmlns:r="http://schemas.openxmlformats.org/officeDocument/2006/relationships" xmlns:p="http://schemas.openxmlformats.org/presentationml/2006/main">
+  <p:cSld>
+    <p:spTree>
+      <p:nvGrpSpPr>
+        <p:cNvPr id="1" name=""/>
+        <p:cNvGrpSpPr/>
+        <p:nvPr/>
+      </p:nvGrpSpPr>
+      <p:grpSpPr>
+        <a:xfrm>
+          <a:off x="0" y="0"/>
+          <a:ext cx="0" cy="0"/>
+          <a:chOff x="0" y="0"/>
+          <a:chExt cx="0" cy="0"/>
+        </a:xfrm>
+      </p:grpSpPr>
+      <p:grpSp>
+        <p:nvGrpSpPr>
+          <p:cNvPr id="4" name="Group 22"/>
+          <p:cNvGrpSpPr/>
+          <p:nvPr/>
+        </p:nvGrpSpPr>
+        <p:grpSpPr>
+          <a:xfrm>
+            <a:off x="304800" y="304800"/>
+            <a:ext cx="8534400" cy="6248400"/>
+            <a:chOff x="304800" y="304800"/>
+            <a:chExt cx="8534400" cy="6248400"/>
+          </a:xfrm>
+          <a:solidFill>
+            <a:schemeClr val="bg1">
+              <a:lumMod val="85000"/>
+            </a:schemeClr>
+          </a:solidFill>
+        </p:grpSpPr>
+        <p:sp>
+          <p:nvSpPr>
+            <p:cNvPr id="5" name="Rounded Rectangle 17"/>
+            <p:cNvSpPr/>
+            <p:nvPr/>
+          </p:nvSpPr>
+          <p:spPr>
+            <a:xfrm>
+              <a:off x="304800" y="304800"/>
+              <a:ext cx="8534400" cy="6248400"/>
+            </a:xfrm>
+            <a:prstGeom prst="roundRect">
+              <a:avLst/>
+            </a:prstGeom>
+            <a:grpFill/>
+            <a:ln>
+              <a:noFill/>
+            </a:ln>
+          </p:spPr>
+          <p:style>
+            <a:lnRef idx="2">
+              <a:schemeClr val="accent1">
+                <a:shade val="50000"/>
+              </a:schemeClr>
+            </a:lnRef>
+            <a:fillRef idx="1">
+              <a:schemeClr val="accent1"/>
+            </a:fillRef>
+            <a:effectRef idx="0">
+              <a:schemeClr val="accent1"/>
+            </a:effectRef>
+            <a:fontRef idx="minor">
+              <a:schemeClr val="lt1"/>
+            </a:fontRef>
+          </p:style>
+          <p:txBody>
+            <a:bodyPr rtlCol="0" anchor="ctr"/>
+            <a:lstStyle/>
+            <a:p>
+              <a:pPr algn="ctr"/>
+              <a:endParaRPr lang="es-AR"/>
+            </a:p>
+          </p:txBody>
+        </p:sp>
+        <p:sp>
+          <p:nvSpPr>
+            <p:cNvPr id="6" name="Rounded Rectangle 21"/>
+            <p:cNvSpPr/>
+            <p:nvPr/>
+          </p:nvSpPr>
+          <p:spPr>
+            <a:xfrm>
+              <a:off x="7086600" y="304800"/>
+              <a:ext cx="1752600" cy="1752600"/>
+            </a:xfrm>
+            <a:prstGeom prst="roundRect">
+              <a:avLst/>
+            </a:prstGeom>
+            <a:grpFill/>
+            <a:ln>
+              <a:noFill/>
+            </a:ln>
+          </p:spPr>
+          <p:style>
+            <a:lnRef idx="2">
+              <a:schemeClr val="accent1">
+                <a:shade val="50000"/>
+              </a:schemeClr>
+            </a:lnRef>
+            <a:fillRef idx="1">
+              <a:schemeClr val="accent1"/>
+            </a:fillRef>
+            <a:effectRef idx="0">
+              <a:schemeClr val="accent1"/>
+            </a:effectRef>
+            <a:fontRef idx="minor">
+              <a:schemeClr val="lt1"/>
+            </a:fontRef>
+          </p:style>
+          <p:txBody>
+            <a:bodyPr rtlCol="0" anchor="ctr"/>
+            <a:lstStyle/>
+            <a:p>
+              <a:pPr algn="ctr"/>
+              <a:endParaRPr lang="es-AR"/>
+            </a:p>
+          </p:txBody>
+        </p:sp>
+        <p:sp>
+          <p:nvSpPr>
+            <p:cNvPr id="7" name="Rounded Rectangle 20"/>
+            <p:cNvSpPr/>
+            <p:nvPr/>
+          </p:nvSpPr>
+          <p:spPr>
+            <a:xfrm>
+              <a:off x="304800" y="304800"/>
+              <a:ext cx="1752600" cy="1752600"/>
+            </a:xfrm>
+            <a:prstGeom prst="roundRect">
+              <a:avLst/>
+            </a:prstGeom>
+            <a:grpFill/>
+            <a:ln>
+              <a:noFill/>
+            </a:ln>
+          </p:spPr>
+          <p:style>
+            <a:lnRef idx="2">
+              <a:schemeClr val="accent1">
+                <a:shade val="50000"/>
+              </a:schemeClr>
+            </a:lnRef>
+            <a:fillRef idx="1">
+              <a:schemeClr val="accent1"/>
+            </a:fillRef>
+            <a:effectRef idx="0">
+              <a:schemeClr val="accent1"/>
+            </a:effectRef>
+            <a:fontRef idx="minor">
+              <a:schemeClr val="lt1"/>
+            </a:fontRef>
+          </p:style>
+          <p:txBody>
+            <a:bodyPr rtlCol="0" anchor="ctr"/>
+            <a:lstStyle/>
+            <a:p>
+              <a:pPr algn="ctr"/>
+              <a:endParaRPr lang="es-AR"/>
+            </a:p>
+          </p:txBody>
+        </p:sp>
+        <p:sp>
+          <p:nvSpPr>
+            <p:cNvPr id="8" name="Rounded Rectangle 16"/>
+            <p:cNvSpPr/>
+            <p:nvPr/>
+          </p:nvSpPr>
+          <p:spPr>
+            <a:xfrm>
+              <a:off x="304800" y="4800600"/>
+              <a:ext cx="1752600" cy="1752600"/>
+            </a:xfrm>
+            <a:prstGeom prst="roundRect">
+              <a:avLst/>
+            </a:prstGeom>
+            <a:grpFill/>
+            <a:ln>
+              <a:noFill/>
+            </a:ln>
+          </p:spPr>
+          <p:style>
+            <a:lnRef idx="2">
+              <a:schemeClr val="accent1">
+                <a:shade val="50000"/>
+              </a:schemeClr>
+            </a:lnRef>
+            <a:fillRef idx="1">
+              <a:schemeClr val="accent1"/>
+            </a:fillRef>
+            <a:effectRef idx="0">
+              <a:schemeClr val="accent1"/>
+            </a:effectRef>
+            <a:fontRef idx="minor">
+              <a:schemeClr val="lt1"/>
+            </a:fontRef>
+          </p:style>
+          <p:txBody>
+            <a:bodyPr rtlCol="0" anchor="ctr"/>
+            <a:lstStyle/>
+            <a:p>
+              <a:pPr algn="ctr"/>
+              <a:endParaRPr lang="es-AR"/>
+            </a:p>
+          </p:txBody>
+        </p:sp>
+        <p:sp>
+          <p:nvSpPr>
+            <p:cNvPr id="9" name="Rounded Rectangle 18"/>
+            <p:cNvSpPr/>
+            <p:nvPr/>
+          </p:nvSpPr>
+          <p:spPr>
+            <a:xfrm>
+              <a:off x="7086600" y="4800600"/>
+              <a:ext cx="1752600" cy="1752600"/>
+            </a:xfrm>
+            <a:prstGeom prst="roundRect">
+              <a:avLst/>
+            </a:prstGeom>
+            <a:grpFill/>
+            <a:ln>
+              <a:noFill/>
+            </a:ln>
+          </p:spPr>
+          <p:style>
+            <a:lnRef idx="2">
+              <a:schemeClr val="accent1">
+                <a:shade val="50000"/>
+              </a:schemeClr>
+            </a:lnRef>
+            <a:fillRef idx="1">
+              <a:schemeClr val="accent1"/>
+            </a:fillRef>
+            <a:effectRef idx="0">
+              <a:schemeClr val="accent1"/>
+            </a:effectRef>
+            <a:fontRef idx="minor">
+              <a:schemeClr val="lt1"/>
+            </a:fontRef>
+          </p:style>
+          <p:txBody>
+            <a:bodyPr rtlCol="0" anchor="ctr"/>
+            <a:lstStyle/>
+            <a:p>
+              <a:pPr algn="ctr"/>
+              <a:endParaRPr lang="es-AR"/>
+            </a:p>
+          </p:txBody>
+        </p:sp>
+      </p:grpSp>
+      <p:sp>
+        <p:nvSpPr>
+          <p:cNvPr id="10" name="Freeform 39"/>
+          <p:cNvSpPr/>
+          <p:nvPr/>
+        </p:nvSpPr>
+        <p:spPr>
+          <a:xfrm>
+            <a:off x="457200" y="457200"/>
+            <a:ext cx="8229600" cy="5803900"/>
+          </a:xfrm>
+          <a:custGeom>
+            <a:avLst/>
+            <a:gdLst>
+              <a:gd name="connsiteX0" fmla="*/ 0 w 8077200"/>
+              <a:gd name="connsiteY0" fmla="*/ 965219 h 5791200"/>
+              <a:gd name="connsiteX1" fmla="*/ 282707 w 8077200"/>
+              <a:gd name="connsiteY1" fmla="*/ 282706 h 5791200"/>
+              <a:gd name="connsiteX2" fmla="*/ 965221 w 8077200"/>
+              <a:gd name="connsiteY2" fmla="*/ 1 h 5791200"/>
+              <a:gd name="connsiteX3" fmla="*/ 7111981 w 8077200"/>
+              <a:gd name="connsiteY3" fmla="*/ 0 h 5791200"/>
+              <a:gd name="connsiteX4" fmla="*/ 7794494 w 8077200"/>
+              <a:gd name="connsiteY4" fmla="*/ 282707 h 5791200"/>
+              <a:gd name="connsiteX5" fmla="*/ 8077199 w 8077200"/>
+              <a:gd name="connsiteY5" fmla="*/ 965221 h 5791200"/>
+              <a:gd name="connsiteX6" fmla="*/ 8077200 w 8077200"/>
+              <a:gd name="connsiteY6" fmla="*/ 4825981 h 5791200"/>
+              <a:gd name="connsiteX7" fmla="*/ 7794494 w 8077200"/>
+              <a:gd name="connsiteY7" fmla="*/ 5508494 h 5791200"/>
+              <a:gd name="connsiteX8" fmla="*/ 7111981 w 8077200"/>
+              <a:gd name="connsiteY8" fmla="*/ 5791200 h 5791200"/>
+              <a:gd name="connsiteX9" fmla="*/ 965219 w 8077200"/>
+              <a:gd name="connsiteY9" fmla="*/ 5791200 h 5791200"/>
+              <a:gd name="connsiteX10" fmla="*/ 282706 w 8077200"/>
+              <a:gd name="connsiteY10" fmla="*/ 5508493 h 5791200"/>
+              <a:gd name="connsiteX11" fmla="*/ 0 w 8077200"/>
+              <a:gd name="connsiteY11" fmla="*/ 4825980 h 5791200"/>
+              <a:gd name="connsiteX12" fmla="*/ 0 w 8077200"/>
+              <a:gd name="connsiteY12" fmla="*/ 965219 h 5791200"/>
+              <a:gd name="connsiteX0" fmla="*/ 0 w 8077200"/>
+              <a:gd name="connsiteY0" fmla="*/ 609600 h 5791200"/>
+              <a:gd name="connsiteX1" fmla="*/ 282707 w 8077200"/>
+              <a:gd name="connsiteY1" fmla="*/ 282706 h 5791200"/>
+              <a:gd name="connsiteX2" fmla="*/ 965221 w 8077200"/>
+              <a:gd name="connsiteY2" fmla="*/ 1 h 5791200"/>
+              <a:gd name="connsiteX3" fmla="*/ 7111981 w 8077200"/>
+              <a:gd name="connsiteY3" fmla="*/ 0 h 5791200"/>
+              <a:gd name="connsiteX4" fmla="*/ 7794494 w 8077200"/>
+              <a:gd name="connsiteY4" fmla="*/ 282707 h 5791200"/>
+              <a:gd name="connsiteX5" fmla="*/ 8077199 w 8077200"/>
+              <a:gd name="connsiteY5" fmla="*/ 965221 h 5791200"/>
+              <a:gd name="connsiteX6" fmla="*/ 8077200 w 8077200"/>
+              <a:gd name="connsiteY6" fmla="*/ 4825981 h 5791200"/>
+              <a:gd name="connsiteX7" fmla="*/ 7794494 w 8077200"/>
+              <a:gd name="connsiteY7" fmla="*/ 5508494 h 5791200"/>
+              <a:gd name="connsiteX8" fmla="*/ 7111981 w 8077200"/>
+              <a:gd name="connsiteY8" fmla="*/ 5791200 h 5791200"/>
+              <a:gd name="connsiteX9" fmla="*/ 965219 w 8077200"/>
+              <a:gd name="connsiteY9" fmla="*/ 5791200 h 5791200"/>
+              <a:gd name="connsiteX10" fmla="*/ 282706 w 8077200"/>
+              <a:gd name="connsiteY10" fmla="*/ 5508493 h 5791200"/>
+              <a:gd name="connsiteX11" fmla="*/ 0 w 8077200"/>
+              <a:gd name="connsiteY11" fmla="*/ 4825980 h 5791200"/>
+              <a:gd name="connsiteX12" fmla="*/ 0 w 8077200"/>
+              <a:gd name="connsiteY12" fmla="*/ 609600 h 5791200"/>
+              <a:gd name="connsiteX0" fmla="*/ 0 w 8077200"/>
+              <a:gd name="connsiteY0" fmla="*/ 609601 h 5791201"/>
+              <a:gd name="connsiteX1" fmla="*/ 282707 w 8077200"/>
+              <a:gd name="connsiteY1" fmla="*/ 282707 h 5791201"/>
+              <a:gd name="connsiteX2" fmla="*/ 609600 w 8077200"/>
+              <a:gd name="connsiteY2" fmla="*/ 1 h 5791201"/>
+              <a:gd name="connsiteX3" fmla="*/ 7111981 w 8077200"/>
+              <a:gd name="connsiteY3" fmla="*/ 1 h 5791201"/>
+              <a:gd name="connsiteX4" fmla="*/ 7794494 w 8077200"/>
+              <a:gd name="connsiteY4" fmla="*/ 282708 h 5791201"/>
+              <a:gd name="connsiteX5" fmla="*/ 8077199 w 8077200"/>
+              <a:gd name="connsiteY5" fmla="*/ 965222 h 5791201"/>
+              <a:gd name="connsiteX6" fmla="*/ 8077200 w 8077200"/>
+              <a:gd name="connsiteY6" fmla="*/ 4825982 h 5791201"/>
+              <a:gd name="connsiteX7" fmla="*/ 7794494 w 8077200"/>
+              <a:gd name="connsiteY7" fmla="*/ 5508495 h 5791201"/>
+              <a:gd name="connsiteX8" fmla="*/ 7111981 w 8077200"/>
+              <a:gd name="connsiteY8" fmla="*/ 5791201 h 5791201"/>
+              <a:gd name="connsiteX9" fmla="*/ 965219 w 8077200"/>
+              <a:gd name="connsiteY9" fmla="*/ 5791201 h 5791201"/>
+              <a:gd name="connsiteX10" fmla="*/ 282706 w 8077200"/>
+              <a:gd name="connsiteY10" fmla="*/ 5508494 h 5791201"/>
+              <a:gd name="connsiteX11" fmla="*/ 0 w 8077200"/>
+              <a:gd name="connsiteY11" fmla="*/ 4825981 h 5791201"/>
+              <a:gd name="connsiteX12" fmla="*/ 0 w 8077200"/>
+              <a:gd name="connsiteY12" fmla="*/ 609601 h 5791201"/>
+              <a:gd name="connsiteX0" fmla="*/ 0 w 8077200"/>
+              <a:gd name="connsiteY0" fmla="*/ 609601 h 5791201"/>
+              <a:gd name="connsiteX1" fmla="*/ 152400 w 8077200"/>
+              <a:gd name="connsiteY1" fmla="*/ 152402 h 5791201"/>
+              <a:gd name="connsiteX2" fmla="*/ 609600 w 8077200"/>
+              <a:gd name="connsiteY2" fmla="*/ 1 h 5791201"/>
+              <a:gd name="connsiteX3" fmla="*/ 7111981 w 8077200"/>
+              <a:gd name="connsiteY3" fmla="*/ 1 h 5791201"/>
+              <a:gd name="connsiteX4" fmla="*/ 7794494 w 8077200"/>
+              <a:gd name="connsiteY4" fmla="*/ 282708 h 5791201"/>
+              <a:gd name="connsiteX5" fmla="*/ 8077199 w 8077200"/>
+              <a:gd name="connsiteY5" fmla="*/ 965222 h 5791201"/>
+              <a:gd name="connsiteX6" fmla="*/ 8077200 w 8077200"/>
+              <a:gd name="connsiteY6" fmla="*/ 4825982 h 5791201"/>
+              <a:gd name="connsiteX7" fmla="*/ 7794494 w 8077200"/>
+              <a:gd name="connsiteY7" fmla="*/ 5508495 h 5791201"/>
+              <a:gd name="connsiteX8" fmla="*/ 7111981 w 8077200"/>
+              <a:gd name="connsiteY8" fmla="*/ 5791201 h 5791201"/>
+              <a:gd name="connsiteX9" fmla="*/ 965219 w 8077200"/>
+              <a:gd name="connsiteY9" fmla="*/ 5791201 h 5791201"/>
+              <a:gd name="connsiteX10" fmla="*/ 282706 w 8077200"/>
+              <a:gd name="connsiteY10" fmla="*/ 5508494 h 5791201"/>
+              <a:gd name="connsiteX11" fmla="*/ 0 w 8077200"/>
+              <a:gd name="connsiteY11" fmla="*/ 4825981 h 5791201"/>
+              <a:gd name="connsiteX12" fmla="*/ 0 w 8077200"/>
+              <a:gd name="connsiteY12" fmla="*/ 609601 h 5791201"/>
+              <a:gd name="connsiteX0" fmla="*/ 0 w 8077200"/>
+              <a:gd name="connsiteY0" fmla="*/ 609600 h 5791200"/>
+              <a:gd name="connsiteX1" fmla="*/ 152400 w 8077200"/>
+              <a:gd name="connsiteY1" fmla="*/ 152401 h 5791200"/>
+              <a:gd name="connsiteX2" fmla="*/ 533400 w 8077200"/>
+              <a:gd name="connsiteY2" fmla="*/ 1 h 5791200"/>
+              <a:gd name="connsiteX3" fmla="*/ 7111981 w 8077200"/>
+              <a:gd name="connsiteY3" fmla="*/ 0 h 5791200"/>
+              <a:gd name="connsiteX4" fmla="*/ 7794494 w 8077200"/>
+              <a:gd name="connsiteY4" fmla="*/ 282707 h 5791200"/>
+              <a:gd name="connsiteX5" fmla="*/ 8077199 w 8077200"/>
+              <a:gd name="connsiteY5" fmla="*/ 965221 h 5791200"/>
+              <a:gd name="connsiteX6" fmla="*/ 8077200 w 8077200"/>
+              <a:gd name="connsiteY6" fmla="*/ 4825981 h 5791200"/>
+              <a:gd name="connsiteX7" fmla="*/ 7794494 w 8077200"/>
+              <a:gd name="connsiteY7" fmla="*/ 5508494 h 5791200"/>
+              <a:gd name="connsiteX8" fmla="*/ 7111981 w 8077200"/>
+              <a:gd name="connsiteY8" fmla="*/ 5791200 h 5791200"/>
+              <a:gd name="connsiteX9" fmla="*/ 965219 w 8077200"/>
+              <a:gd name="connsiteY9" fmla="*/ 5791200 h 5791200"/>
+              <a:gd name="connsiteX10" fmla="*/ 282706 w 8077200"/>
+              <a:gd name="connsiteY10" fmla="*/ 5508493 h 5791200"/>
+              <a:gd name="connsiteX11" fmla="*/ 0 w 8077200"/>
+              <a:gd name="connsiteY11" fmla="*/ 4825980 h 5791200"/>
+              <a:gd name="connsiteX12" fmla="*/ 0 w 8077200"/>
+              <a:gd name="connsiteY12" fmla="*/ 609600 h 5791200"/>
+              <a:gd name="connsiteX0" fmla="*/ 0 w 8077200"/>
+              <a:gd name="connsiteY0" fmla="*/ 533400 h 5791200"/>
+              <a:gd name="connsiteX1" fmla="*/ 152400 w 8077200"/>
+              <a:gd name="connsiteY1" fmla="*/ 152401 h 5791200"/>
+              <a:gd name="connsiteX2" fmla="*/ 533400 w 8077200"/>
+              <a:gd name="connsiteY2" fmla="*/ 1 h 5791200"/>
+              <a:gd name="connsiteX3" fmla="*/ 7111981 w 8077200"/>
+              <a:gd name="connsiteY3" fmla="*/ 0 h 5791200"/>
+              <a:gd name="connsiteX4" fmla="*/ 7794494 w 8077200"/>
+              <a:gd name="connsiteY4" fmla="*/ 282707 h 5791200"/>
+              <a:gd name="connsiteX5" fmla="*/ 8077199 w 8077200"/>
+              <a:gd name="connsiteY5" fmla="*/ 965221 h 5791200"/>
+              <a:gd name="connsiteX6" fmla="*/ 8077200 w 8077200"/>
+              <a:gd name="connsiteY6" fmla="*/ 4825981 h 5791200"/>
+              <a:gd name="connsiteX7" fmla="*/ 7794494 w 8077200"/>
+              <a:gd name="connsiteY7" fmla="*/ 5508494 h 5791200"/>
+              <a:gd name="connsiteX8" fmla="*/ 7111981 w 8077200"/>
+              <a:gd name="connsiteY8" fmla="*/ 5791200 h 5791200"/>
+              <a:gd name="connsiteX9" fmla="*/ 965219 w 8077200"/>
+              <a:gd name="connsiteY9" fmla="*/ 5791200 h 5791200"/>
+              <a:gd name="connsiteX10" fmla="*/ 282706 w 8077200"/>
+              <a:gd name="connsiteY10" fmla="*/ 5508493 h 5791200"/>
+              <a:gd name="connsiteX11" fmla="*/ 0 w 8077200"/>
+              <a:gd name="connsiteY11" fmla="*/ 4825980 h 5791200"/>
+              <a:gd name="connsiteX12" fmla="*/ 0 w 8077200"/>
+              <a:gd name="connsiteY12" fmla="*/ 533400 h 5791200"/>
+              <a:gd name="connsiteX0" fmla="*/ 12700 w 8089900"/>
+              <a:gd name="connsiteY0" fmla="*/ 546100 h 5803900"/>
+              <a:gd name="connsiteX1" fmla="*/ 88900 w 8089900"/>
+              <a:gd name="connsiteY1" fmla="*/ 88900 h 5803900"/>
+              <a:gd name="connsiteX2" fmla="*/ 546100 w 8089900"/>
+              <a:gd name="connsiteY2" fmla="*/ 12701 h 5803900"/>
+              <a:gd name="connsiteX3" fmla="*/ 7124681 w 8089900"/>
+              <a:gd name="connsiteY3" fmla="*/ 12700 h 5803900"/>
+              <a:gd name="connsiteX4" fmla="*/ 7807194 w 8089900"/>
+              <a:gd name="connsiteY4" fmla="*/ 295407 h 5803900"/>
+              <a:gd name="connsiteX5" fmla="*/ 8089899 w 8089900"/>
+              <a:gd name="connsiteY5" fmla="*/ 977921 h 5803900"/>
+              <a:gd name="connsiteX6" fmla="*/ 8089900 w 8089900"/>
+              <a:gd name="connsiteY6" fmla="*/ 4838681 h 5803900"/>
+              <a:gd name="connsiteX7" fmla="*/ 7807194 w 8089900"/>
+              <a:gd name="connsiteY7" fmla="*/ 5521194 h 5803900"/>
+              <a:gd name="connsiteX8" fmla="*/ 7124681 w 8089900"/>
+              <a:gd name="connsiteY8" fmla="*/ 5803900 h 5803900"/>
+              <a:gd name="connsiteX9" fmla="*/ 977919 w 8089900"/>
+              <a:gd name="connsiteY9" fmla="*/ 5803900 h 5803900"/>
+              <a:gd name="connsiteX10" fmla="*/ 295406 w 8089900"/>
+              <a:gd name="connsiteY10" fmla="*/ 5521193 h 5803900"/>
+              <a:gd name="connsiteX11" fmla="*/ 12700 w 8089900"/>
+              <a:gd name="connsiteY11" fmla="*/ 4838680 h 5803900"/>
+              <a:gd name="connsiteX12" fmla="*/ 12700 w 8089900"/>
+              <a:gd name="connsiteY12" fmla="*/ 546100 h 5803900"/>
+              <a:gd name="connsiteX0" fmla="*/ 12700 w 8089900"/>
+              <a:gd name="connsiteY0" fmla="*/ 546100 h 5803900"/>
+              <a:gd name="connsiteX1" fmla="*/ 88900 w 8089900"/>
+              <a:gd name="connsiteY1" fmla="*/ 88900 h 5803900"/>
+              <a:gd name="connsiteX2" fmla="*/ 546100 w 8089900"/>
+              <a:gd name="connsiteY2" fmla="*/ 12701 h 5803900"/>
+              <a:gd name="connsiteX3" fmla="*/ 7124681 w 8089900"/>
+              <a:gd name="connsiteY3" fmla="*/ 12700 h 5803900"/>
+              <a:gd name="connsiteX4" fmla="*/ 7807194 w 8089900"/>
+              <a:gd name="connsiteY4" fmla="*/ 295407 h 5803900"/>
+              <a:gd name="connsiteX5" fmla="*/ 8089899 w 8089900"/>
+              <a:gd name="connsiteY5" fmla="*/ 977921 h 5803900"/>
+              <a:gd name="connsiteX6" fmla="*/ 8089900 w 8089900"/>
+              <a:gd name="connsiteY6" fmla="*/ 4838681 h 5803900"/>
+              <a:gd name="connsiteX7" fmla="*/ 7807194 w 8089900"/>
+              <a:gd name="connsiteY7" fmla="*/ 5521194 h 5803900"/>
+              <a:gd name="connsiteX8" fmla="*/ 7124681 w 8089900"/>
+              <a:gd name="connsiteY8" fmla="*/ 5803900 h 5803900"/>
+              <a:gd name="connsiteX9" fmla="*/ 977919 w 8089900"/>
+              <a:gd name="connsiteY9" fmla="*/ 5803900 h 5803900"/>
+              <a:gd name="connsiteX10" fmla="*/ 295406 w 8089900"/>
+              <a:gd name="connsiteY10" fmla="*/ 5521193 h 5803900"/>
+              <a:gd name="connsiteX11" fmla="*/ 12700 w 8089900"/>
+              <a:gd name="connsiteY11" fmla="*/ 5346700 h 5803900"/>
+              <a:gd name="connsiteX12" fmla="*/ 12700 w 8089900"/>
+              <a:gd name="connsiteY12" fmla="*/ 546100 h 5803900"/>
+              <a:gd name="connsiteX0" fmla="*/ 12700 w 8089900"/>
+              <a:gd name="connsiteY0" fmla="*/ 546100 h 5803900"/>
+              <a:gd name="connsiteX1" fmla="*/ 88900 w 8089900"/>
+              <a:gd name="connsiteY1" fmla="*/ 88900 h 5803900"/>
+              <a:gd name="connsiteX2" fmla="*/ 546100 w 8089900"/>
+              <a:gd name="connsiteY2" fmla="*/ 12701 h 5803900"/>
+              <a:gd name="connsiteX3" fmla="*/ 7124681 w 8089900"/>
+              <a:gd name="connsiteY3" fmla="*/ 12700 h 5803900"/>
+              <a:gd name="connsiteX4" fmla="*/ 7807194 w 8089900"/>
+              <a:gd name="connsiteY4" fmla="*/ 295407 h 5803900"/>
+              <a:gd name="connsiteX5" fmla="*/ 8089899 w 8089900"/>
+              <a:gd name="connsiteY5" fmla="*/ 977921 h 5803900"/>
+              <a:gd name="connsiteX6" fmla="*/ 8089900 w 8089900"/>
+              <a:gd name="connsiteY6" fmla="*/ 4838681 h 5803900"/>
+              <a:gd name="connsiteX7" fmla="*/ 7807194 w 8089900"/>
+              <a:gd name="connsiteY7" fmla="*/ 5521194 h 5803900"/>
+              <a:gd name="connsiteX8" fmla="*/ 7124681 w 8089900"/>
+              <a:gd name="connsiteY8" fmla="*/ 5803900 h 5803900"/>
+              <a:gd name="connsiteX9" fmla="*/ 546100 w 8089900"/>
+              <a:gd name="connsiteY9" fmla="*/ 5803900 h 5803900"/>
+              <a:gd name="connsiteX10" fmla="*/ 295406 w 8089900"/>
+              <a:gd name="connsiteY10" fmla="*/ 5521193 h 5803900"/>
+              <a:gd name="connsiteX11" fmla="*/ 12700 w 8089900"/>
+              <a:gd name="connsiteY11" fmla="*/ 5346700 h 5803900"/>
+              <a:gd name="connsiteX12" fmla="*/ 12700 w 8089900"/>
+              <a:gd name="connsiteY12" fmla="*/ 546100 h 5803900"/>
+              <a:gd name="connsiteX0" fmla="*/ 12700 w 8089900"/>
+              <a:gd name="connsiteY0" fmla="*/ 546100 h 5803900"/>
+              <a:gd name="connsiteX1" fmla="*/ 88900 w 8089900"/>
+              <a:gd name="connsiteY1" fmla="*/ 88900 h 5803900"/>
+              <a:gd name="connsiteX2" fmla="*/ 546100 w 8089900"/>
+              <a:gd name="connsiteY2" fmla="*/ 12701 h 5803900"/>
+              <a:gd name="connsiteX3" fmla="*/ 7124681 w 8089900"/>
+              <a:gd name="connsiteY3" fmla="*/ 12700 h 5803900"/>
+              <a:gd name="connsiteX4" fmla="*/ 7807194 w 8089900"/>
+              <a:gd name="connsiteY4" fmla="*/ 295407 h 5803900"/>
+              <a:gd name="connsiteX5" fmla="*/ 8089899 w 8089900"/>
+              <a:gd name="connsiteY5" fmla="*/ 977921 h 5803900"/>
+              <a:gd name="connsiteX6" fmla="*/ 8089900 w 8089900"/>
+              <a:gd name="connsiteY6" fmla="*/ 4838681 h 5803900"/>
+              <a:gd name="connsiteX7" fmla="*/ 7807194 w 8089900"/>
+              <a:gd name="connsiteY7" fmla="*/ 5521194 h 5803900"/>
+              <a:gd name="connsiteX8" fmla="*/ 7124681 w 8089900"/>
+              <a:gd name="connsiteY8" fmla="*/ 5803900 h 5803900"/>
+              <a:gd name="connsiteX9" fmla="*/ 546100 w 8089900"/>
+              <a:gd name="connsiteY9" fmla="*/ 5803900 h 5803900"/>
+              <a:gd name="connsiteX10" fmla="*/ 88900 w 8089900"/>
+              <a:gd name="connsiteY10" fmla="*/ 5727700 h 5803900"/>
+              <a:gd name="connsiteX11" fmla="*/ 12700 w 8089900"/>
+              <a:gd name="connsiteY11" fmla="*/ 5346700 h 5803900"/>
+              <a:gd name="connsiteX12" fmla="*/ 12700 w 8089900"/>
+              <a:gd name="connsiteY12" fmla="*/ 546100 h 5803900"/>
+              <a:gd name="connsiteX0" fmla="*/ 12700 w 8089900"/>
+              <a:gd name="connsiteY0" fmla="*/ 546100 h 5803900"/>
+              <a:gd name="connsiteX1" fmla="*/ 88900 w 8089900"/>
+              <a:gd name="connsiteY1" fmla="*/ 88900 h 5803900"/>
+              <a:gd name="connsiteX2" fmla="*/ 546100 w 8089900"/>
+              <a:gd name="connsiteY2" fmla="*/ 12701 h 5803900"/>
+              <a:gd name="connsiteX3" fmla="*/ 7556500 w 8089900"/>
+              <a:gd name="connsiteY3" fmla="*/ 12700 h 5803900"/>
+              <a:gd name="connsiteX4" fmla="*/ 7807194 w 8089900"/>
+              <a:gd name="connsiteY4" fmla="*/ 295407 h 5803900"/>
+              <a:gd name="connsiteX5" fmla="*/ 8089899 w 8089900"/>
+              <a:gd name="connsiteY5" fmla="*/ 977921 h 5803900"/>
+              <a:gd name="connsiteX6" fmla="*/ 8089900 w 8089900"/>
+              <a:gd name="connsiteY6" fmla="*/ 4838681 h 5803900"/>
+              <a:gd name="connsiteX7" fmla="*/ 7807194 w 8089900"/>
+              <a:gd name="connsiteY7" fmla="*/ 5521194 h 5803900"/>
+              <a:gd name="connsiteX8" fmla="*/ 7124681 w 8089900"/>
+              <a:gd name="connsiteY8" fmla="*/ 5803900 h 5803900"/>
+              <a:gd name="connsiteX9" fmla="*/ 546100 w 8089900"/>
+              <a:gd name="connsiteY9" fmla="*/ 5803900 h 5803900"/>
+              <a:gd name="connsiteX10" fmla="*/ 88900 w 8089900"/>
+              <a:gd name="connsiteY10" fmla="*/ 5727700 h 5803900"/>
+              <a:gd name="connsiteX11" fmla="*/ 12700 w 8089900"/>
+              <a:gd name="connsiteY11" fmla="*/ 5346700 h 5803900"/>
+              <a:gd name="connsiteX12" fmla="*/ 12700 w 8089900"/>
+              <a:gd name="connsiteY12" fmla="*/ 546100 h 5803900"/>
+              <a:gd name="connsiteX0" fmla="*/ 12700 w 8089901"/>
+              <a:gd name="connsiteY0" fmla="*/ 546100 h 5803900"/>
+              <a:gd name="connsiteX1" fmla="*/ 88900 w 8089901"/>
+              <a:gd name="connsiteY1" fmla="*/ 88900 h 5803900"/>
+              <a:gd name="connsiteX2" fmla="*/ 546100 w 8089901"/>
+              <a:gd name="connsiteY2" fmla="*/ 12701 h 5803900"/>
+              <a:gd name="connsiteX3" fmla="*/ 7556500 w 8089901"/>
+              <a:gd name="connsiteY3" fmla="*/ 12700 h 5803900"/>
+              <a:gd name="connsiteX4" fmla="*/ 7807194 w 8089901"/>
+              <a:gd name="connsiteY4" fmla="*/ 295407 h 5803900"/>
+              <a:gd name="connsiteX5" fmla="*/ 8089900 w 8089901"/>
+              <a:gd name="connsiteY5" fmla="*/ 469900 h 5803900"/>
+              <a:gd name="connsiteX6" fmla="*/ 8089900 w 8089901"/>
+              <a:gd name="connsiteY6" fmla="*/ 4838681 h 5803900"/>
+              <a:gd name="connsiteX7" fmla="*/ 7807194 w 8089901"/>
+              <a:gd name="connsiteY7" fmla="*/ 5521194 h 5803900"/>
+              <a:gd name="connsiteX8" fmla="*/ 7124681 w 8089901"/>
+              <a:gd name="connsiteY8" fmla="*/ 5803900 h 5803900"/>
+              <a:gd name="connsiteX9" fmla="*/ 546100 w 8089901"/>
+              <a:gd name="connsiteY9" fmla="*/ 5803900 h 5803900"/>
+              <a:gd name="connsiteX10" fmla="*/ 88900 w 8089901"/>
+              <a:gd name="connsiteY10" fmla="*/ 5727700 h 5803900"/>
+              <a:gd name="connsiteX11" fmla="*/ 12700 w 8089901"/>
+              <a:gd name="connsiteY11" fmla="*/ 5346700 h 5803900"/>
+              <a:gd name="connsiteX12" fmla="*/ 12700 w 8089901"/>
+              <a:gd name="connsiteY12" fmla="*/ 546100 h 5803900"/>
+              <a:gd name="connsiteX0" fmla="*/ 12700 w 8102600"/>
+              <a:gd name="connsiteY0" fmla="*/ 546100 h 5803900"/>
+              <a:gd name="connsiteX1" fmla="*/ 88900 w 8102600"/>
+              <a:gd name="connsiteY1" fmla="*/ 88900 h 5803900"/>
+              <a:gd name="connsiteX2" fmla="*/ 546100 w 8102600"/>
+              <a:gd name="connsiteY2" fmla="*/ 12701 h 5803900"/>
+              <a:gd name="connsiteX3" fmla="*/ 7556500 w 8102600"/>
+              <a:gd name="connsiteY3" fmla="*/ 12700 h 5803900"/>
+              <a:gd name="connsiteX4" fmla="*/ 8013700 w 8102600"/>
+              <a:gd name="connsiteY4" fmla="*/ 88900 h 5803900"/>
+              <a:gd name="connsiteX5" fmla="*/ 8089900 w 8102600"/>
+              <a:gd name="connsiteY5" fmla="*/ 469900 h 5803900"/>
+              <a:gd name="connsiteX6" fmla="*/ 8089900 w 8102600"/>
+              <a:gd name="connsiteY6" fmla="*/ 4838681 h 5803900"/>
+              <a:gd name="connsiteX7" fmla="*/ 7807194 w 8102600"/>
+              <a:gd name="connsiteY7" fmla="*/ 5521194 h 5803900"/>
+              <a:gd name="connsiteX8" fmla="*/ 7124681 w 8102600"/>
+              <a:gd name="connsiteY8" fmla="*/ 5803900 h 5803900"/>
+              <a:gd name="connsiteX9" fmla="*/ 546100 w 8102600"/>
+              <a:gd name="connsiteY9" fmla="*/ 5803900 h 5803900"/>
+              <a:gd name="connsiteX10" fmla="*/ 88900 w 8102600"/>
+              <a:gd name="connsiteY10" fmla="*/ 5727700 h 5803900"/>
+              <a:gd name="connsiteX11" fmla="*/ 12700 w 8102600"/>
+              <a:gd name="connsiteY11" fmla="*/ 5346700 h 5803900"/>
+              <a:gd name="connsiteX12" fmla="*/ 12700 w 8102600"/>
+              <a:gd name="connsiteY12" fmla="*/ 546100 h 5803900"/>
+              <a:gd name="connsiteX0" fmla="*/ 12700 w 8102600"/>
+              <a:gd name="connsiteY0" fmla="*/ 546100 h 5803900"/>
+              <a:gd name="connsiteX1" fmla="*/ 88900 w 8102600"/>
+              <a:gd name="connsiteY1" fmla="*/ 88900 h 5803900"/>
+              <a:gd name="connsiteX2" fmla="*/ 546100 w 8102600"/>
+              <a:gd name="connsiteY2" fmla="*/ 12701 h 5803900"/>
+              <a:gd name="connsiteX3" fmla="*/ 7556500 w 8102600"/>
+              <a:gd name="connsiteY3" fmla="*/ 12700 h 5803900"/>
+              <a:gd name="connsiteX4" fmla="*/ 8013700 w 8102600"/>
+              <a:gd name="connsiteY4" fmla="*/ 88900 h 5803900"/>
+              <a:gd name="connsiteX5" fmla="*/ 8089899 w 8102600"/>
+              <a:gd name="connsiteY5" fmla="*/ 469900 h 5803900"/>
+              <a:gd name="connsiteX6" fmla="*/ 8089900 w 8102600"/>
+              <a:gd name="connsiteY6" fmla="*/ 4838681 h 5803900"/>
+              <a:gd name="connsiteX7" fmla="*/ 7807194 w 8102600"/>
+              <a:gd name="connsiteY7" fmla="*/ 5521194 h 5803900"/>
+              <a:gd name="connsiteX8" fmla="*/ 7124681 w 8102600"/>
+              <a:gd name="connsiteY8" fmla="*/ 5803900 h 5803900"/>
+              <a:gd name="connsiteX9" fmla="*/ 546100 w 8102600"/>
+              <a:gd name="connsiteY9" fmla="*/ 5803900 h 5803900"/>
+              <a:gd name="connsiteX10" fmla="*/ 88900 w 8102600"/>
+              <a:gd name="connsiteY10" fmla="*/ 5727700 h 5803900"/>
+              <a:gd name="connsiteX11" fmla="*/ 12700 w 8102600"/>
+              <a:gd name="connsiteY11" fmla="*/ 5346700 h 5803900"/>
+              <a:gd name="connsiteX12" fmla="*/ 12700 w 8102600"/>
+              <a:gd name="connsiteY12" fmla="*/ 546100 h 5803900"/>
+              <a:gd name="connsiteX0" fmla="*/ 12700 w 8102599"/>
+              <a:gd name="connsiteY0" fmla="*/ 546100 h 5803900"/>
+              <a:gd name="connsiteX1" fmla="*/ 88900 w 8102599"/>
+              <a:gd name="connsiteY1" fmla="*/ 88900 h 5803900"/>
+              <a:gd name="connsiteX2" fmla="*/ 546100 w 8102599"/>
+              <a:gd name="connsiteY2" fmla="*/ 12701 h 5803900"/>
+              <a:gd name="connsiteX3" fmla="*/ 7556500 w 8102599"/>
+              <a:gd name="connsiteY3" fmla="*/ 12700 h 5803900"/>
+              <a:gd name="connsiteX4" fmla="*/ 8013699 w 8102599"/>
+              <a:gd name="connsiteY4" fmla="*/ 88900 h 5803900"/>
+              <a:gd name="connsiteX5" fmla="*/ 8089899 w 8102599"/>
+              <a:gd name="connsiteY5" fmla="*/ 469900 h 5803900"/>
+              <a:gd name="connsiteX6" fmla="*/ 8089900 w 8102599"/>
+              <a:gd name="connsiteY6" fmla="*/ 4838681 h 5803900"/>
+              <a:gd name="connsiteX7" fmla="*/ 7807194 w 8102599"/>
+              <a:gd name="connsiteY7" fmla="*/ 5521194 h 5803900"/>
+              <a:gd name="connsiteX8" fmla="*/ 7124681 w 8102599"/>
+              <a:gd name="connsiteY8" fmla="*/ 5803900 h 5803900"/>
+              <a:gd name="connsiteX9" fmla="*/ 546100 w 8102599"/>
+              <a:gd name="connsiteY9" fmla="*/ 5803900 h 5803900"/>
+              <a:gd name="connsiteX10" fmla="*/ 88900 w 8102599"/>
+              <a:gd name="connsiteY10" fmla="*/ 5727700 h 5803900"/>
+              <a:gd name="connsiteX11" fmla="*/ 12700 w 8102599"/>
+              <a:gd name="connsiteY11" fmla="*/ 5346700 h 5803900"/>
+              <a:gd name="connsiteX12" fmla="*/ 12700 w 8102599"/>
+              <a:gd name="connsiteY12" fmla="*/ 546100 h 5803900"/>
+              <a:gd name="connsiteX0" fmla="*/ 12700 w 8102599"/>
+              <a:gd name="connsiteY0" fmla="*/ 546100 h 5803900"/>
+              <a:gd name="connsiteX1" fmla="*/ 88900 w 8102599"/>
+              <a:gd name="connsiteY1" fmla="*/ 88900 h 5803900"/>
+              <a:gd name="connsiteX2" fmla="*/ 546100 w 8102599"/>
+              <a:gd name="connsiteY2" fmla="*/ 12701 h 5803900"/>
+              <a:gd name="connsiteX3" fmla="*/ 7556500 w 8102599"/>
+              <a:gd name="connsiteY3" fmla="*/ 12700 h 5803900"/>
+              <a:gd name="connsiteX4" fmla="*/ 8013699 w 8102599"/>
+              <a:gd name="connsiteY4" fmla="*/ 88900 h 5803900"/>
+              <a:gd name="connsiteX5" fmla="*/ 8089899 w 8102599"/>
+              <a:gd name="connsiteY5" fmla="*/ 469900 h 5803900"/>
+              <a:gd name="connsiteX6" fmla="*/ 8089900 w 8102599"/>
+              <a:gd name="connsiteY6" fmla="*/ 5346700 h 5803900"/>
+              <a:gd name="connsiteX7" fmla="*/ 7807194 w 8102599"/>
+              <a:gd name="connsiteY7" fmla="*/ 5521194 h 5803900"/>
+              <a:gd name="connsiteX8" fmla="*/ 7124681 w 8102599"/>
+              <a:gd name="connsiteY8" fmla="*/ 5803900 h 5803900"/>
+              <a:gd name="connsiteX9" fmla="*/ 546100 w 8102599"/>
+              <a:gd name="connsiteY9" fmla="*/ 5803900 h 5803900"/>
+              <a:gd name="connsiteX10" fmla="*/ 88900 w 8102599"/>
+              <a:gd name="connsiteY10" fmla="*/ 5727700 h 5803900"/>
+              <a:gd name="connsiteX11" fmla="*/ 12700 w 8102599"/>
+              <a:gd name="connsiteY11" fmla="*/ 5346700 h 5803900"/>
+              <a:gd name="connsiteX12" fmla="*/ 12700 w 8102599"/>
+              <a:gd name="connsiteY12" fmla="*/ 546100 h 5803900"/>
+              <a:gd name="connsiteX0" fmla="*/ 12700 w 8102599"/>
+              <a:gd name="connsiteY0" fmla="*/ 546100 h 5803900"/>
+              <a:gd name="connsiteX1" fmla="*/ 88900 w 8102599"/>
+              <a:gd name="connsiteY1" fmla="*/ 88900 h 5803900"/>
+              <a:gd name="connsiteX2" fmla="*/ 546100 w 8102599"/>
+              <a:gd name="connsiteY2" fmla="*/ 12701 h 5803900"/>
+              <a:gd name="connsiteX3" fmla="*/ 7556500 w 8102599"/>
+              <a:gd name="connsiteY3" fmla="*/ 12700 h 5803900"/>
+              <a:gd name="connsiteX4" fmla="*/ 8013699 w 8102599"/>
+              <a:gd name="connsiteY4" fmla="*/ 88900 h 5803900"/>
+              <a:gd name="connsiteX5" fmla="*/ 8089899 w 8102599"/>
+              <a:gd name="connsiteY5" fmla="*/ 469900 h 5803900"/>
+              <a:gd name="connsiteX6" fmla="*/ 8089900 w 8102599"/>
+              <a:gd name="connsiteY6" fmla="*/ 5346700 h 5803900"/>
+              <a:gd name="connsiteX7" fmla="*/ 7807194 w 8102599"/>
+              <a:gd name="connsiteY7" fmla="*/ 5521194 h 5803900"/>
+              <a:gd name="connsiteX8" fmla="*/ 7632700 w 8102599"/>
+              <a:gd name="connsiteY8" fmla="*/ 5803900 h 5803900"/>
+              <a:gd name="connsiteX9" fmla="*/ 546100 w 8102599"/>
+              <a:gd name="connsiteY9" fmla="*/ 5803900 h 5803900"/>
+              <a:gd name="connsiteX10" fmla="*/ 88900 w 8102599"/>
+              <a:gd name="connsiteY10" fmla="*/ 5727700 h 5803900"/>
+              <a:gd name="connsiteX11" fmla="*/ 12700 w 8102599"/>
+              <a:gd name="connsiteY11" fmla="*/ 5346700 h 5803900"/>
+              <a:gd name="connsiteX12" fmla="*/ 12700 w 8102599"/>
+              <a:gd name="connsiteY12" fmla="*/ 546100 h 5803900"/>
+              <a:gd name="connsiteX0" fmla="*/ 12700 w 8102599"/>
+              <a:gd name="connsiteY0" fmla="*/ 546100 h 5803900"/>
+              <a:gd name="connsiteX1" fmla="*/ 88900 w 8102599"/>
+              <a:gd name="connsiteY1" fmla="*/ 88900 h 5803900"/>
+              <a:gd name="connsiteX2" fmla="*/ 546100 w 8102599"/>
+              <a:gd name="connsiteY2" fmla="*/ 12701 h 5803900"/>
+              <a:gd name="connsiteX3" fmla="*/ 7556500 w 8102599"/>
+              <a:gd name="connsiteY3" fmla="*/ 12700 h 5803900"/>
+              <a:gd name="connsiteX4" fmla="*/ 8013699 w 8102599"/>
+              <a:gd name="connsiteY4" fmla="*/ 88900 h 5803900"/>
+              <a:gd name="connsiteX5" fmla="*/ 8089899 w 8102599"/>
+              <a:gd name="connsiteY5" fmla="*/ 469900 h 5803900"/>
+              <a:gd name="connsiteX6" fmla="*/ 8089900 w 8102599"/>
+              <a:gd name="connsiteY6" fmla="*/ 5346700 h 5803900"/>
+              <a:gd name="connsiteX7" fmla="*/ 8013700 w 8102599"/>
+              <a:gd name="connsiteY7" fmla="*/ 5727700 h 5803900"/>
+              <a:gd name="connsiteX8" fmla="*/ 7632700 w 8102599"/>
+              <a:gd name="connsiteY8" fmla="*/ 5803900 h 5803900"/>
+              <a:gd name="connsiteX9" fmla="*/ 546100 w 8102599"/>
+              <a:gd name="connsiteY9" fmla="*/ 5803900 h 5803900"/>
+              <a:gd name="connsiteX10" fmla="*/ 88900 w 8102599"/>
+              <a:gd name="connsiteY10" fmla="*/ 5727700 h 5803900"/>
+              <a:gd name="connsiteX11" fmla="*/ 12700 w 8102599"/>
+              <a:gd name="connsiteY11" fmla="*/ 5346700 h 5803900"/>
+              <a:gd name="connsiteX12" fmla="*/ 12700 w 8102599"/>
+              <a:gd name="connsiteY12" fmla="*/ 546100 h 5803900"/>
+            </a:gdLst>
+            <a:ahLst/>
+            <a:cxnLst>
+              <a:cxn ang="0">
+                <a:pos x="connsiteX0" y="connsiteY0"/>
+              </a:cxn>
+              <a:cxn ang="0">
+                <a:pos x="connsiteX1" y="connsiteY1"/>
+              </a:cxn>
+              <a:cxn ang="0">
+                <a:pos x="connsiteX2" y="connsiteY2"/>
+              </a:cxn>
+              <a:cxn ang="0">
+                <a:pos x="connsiteX3" y="connsiteY3"/>
+              </a:cxn>
+              <a:cxn ang="0">
+                <a:pos x="connsiteX4" y="connsiteY4"/>
+              </a:cxn>
+              <a:cxn ang="0">
+                <a:pos x="connsiteX5" y="connsiteY5"/>
+              </a:cxn>
+              <a:cxn ang="0">
+                <a:pos x="connsiteX6" y="connsiteY6"/>
+              </a:cxn>
+              <a:cxn ang="0">
+                <a:pos x="connsiteX7" y="connsiteY7"/>
+              </a:cxn>
+              <a:cxn ang="0">
+                <a:pos x="connsiteX8" y="connsiteY8"/>
+              </a:cxn>
+              <a:cxn ang="0">
+                <a:pos x="connsiteX9" y="connsiteY9"/>
+              </a:cxn>
+              <a:cxn ang="0">
+                <a:pos x="connsiteX10" y="connsiteY10"/>
+              </a:cxn>
+              <a:cxn ang="0">
+                <a:pos x="connsiteX11" y="connsiteY11"/>
+              </a:cxn>
+              <a:cxn ang="0">
+                <a:pos x="connsiteX12" y="connsiteY12"/>
+              </a:cxn>
+            </a:cxnLst>
+            <a:rect l="l" t="t" r="r" b="b"/>
+            <a:pathLst>
+              <a:path w="8102599" h="5803900">
+                <a:moveTo>
+                  <a:pt x="12700" y="546100"/>
+                </a:moveTo>
+                <a:cubicBezTo>
+                  <a:pt x="12700" y="290108"/>
+                  <a:pt x="0" y="177800"/>
+                  <a:pt x="88900" y="88900"/>
+                </a:cubicBezTo>
+                <a:cubicBezTo>
+                  <a:pt x="177800" y="0"/>
+                  <a:pt x="290107" y="12700"/>
+                  <a:pt x="546100" y="12701"/>
+                </a:cubicBezTo>
+                <a:lnTo>
+                  <a:pt x="7556500" y="12700"/>
+                </a:lnTo>
+                <a:cubicBezTo>
+                  <a:pt x="7812492" y="12700"/>
+                  <a:pt x="7924799" y="12700"/>
+                  <a:pt x="8013699" y="88900"/>
+                </a:cubicBezTo>
+                <a:cubicBezTo>
+                  <a:pt x="8102599" y="165100"/>
+                  <a:pt x="8089900" y="213907"/>
+                  <a:pt x="8089899" y="469900"/>
+                </a:cubicBezTo>
+                <a:cubicBezTo>
+                  <a:pt x="8089899" y="1926160"/>
+                  <a:pt x="8089900" y="3890440"/>
+                  <a:pt x="8089900" y="5346700"/>
+                </a:cubicBezTo>
+                <a:cubicBezTo>
+                  <a:pt x="8089900" y="5602692"/>
+                  <a:pt x="8089900" y="5651500"/>
+                  <a:pt x="8013700" y="5727700"/>
+                </a:cubicBezTo>
+                <a:cubicBezTo>
+                  <a:pt x="7937500" y="5803900"/>
+                  <a:pt x="7888692" y="5803900"/>
+                  <a:pt x="7632700" y="5803900"/>
+                </a:cubicBezTo>
+                <a:lnTo>
+                  <a:pt x="546100" y="5803900"/>
+                </a:lnTo>
+                <a:cubicBezTo>
+                  <a:pt x="290108" y="5803900"/>
+                  <a:pt x="177800" y="5803900"/>
+                  <a:pt x="88900" y="5727700"/>
+                </a:cubicBezTo>
+                <a:cubicBezTo>
+                  <a:pt x="0" y="5651500"/>
+                  <a:pt x="12700" y="5602692"/>
+                  <a:pt x="12700" y="5346700"/>
+                </a:cubicBezTo>
+                <a:lnTo>
+                  <a:pt x="12700" y="546100"/>
+                </a:lnTo>
+                <a:close/>
+              </a:path>
+            </a:pathLst>
+          </a:custGeom>
+          <a:gradFill>
+            <a:gsLst>
+              <a:gs pos="0">
+                <a:schemeClr val="bg1">
+                  <a:lumMod val="50000"/>
+                </a:schemeClr>
+              </a:gs>
+              <a:gs pos="39999">
+                <a:schemeClr val="bg1">
+                  <a:lumMod val="65000"/>
+                </a:schemeClr>
+              </a:gs>
+              <a:gs pos="70000">
+                <a:schemeClr val="bg1">
+                  <a:lumMod val="50000"/>
+                  <a:alpha val="73000"/>
+                </a:schemeClr>
+              </a:gs>
+            </a:gsLst>
+            <a:lin ang="5400000" scaled="0"/>
+          </a:gradFill>
+          <a:ln>
+            <a:solidFill>
+              <a:schemeClr val="bg1">
+                <a:lumMod val="75000"/>
+              </a:schemeClr>
+            </a:solidFill>
+          </a:ln>
+        </p:spPr>
+        <p:style>
+          <a:lnRef idx="2">
+            <a:schemeClr val="accent1">
+              <a:shade val="50000"/>
+            </a:schemeClr>
+          </a:lnRef>
+          <a:fillRef idx="1">
+            <a:schemeClr val="accent1"/>
+          </a:fillRef>
+          <a:effectRef idx="0">
+            <a:schemeClr val="accent1"/>
+          </a:effectRef>
+          <a:fontRef idx="minor">
+            <a:schemeClr val="lt1"/>
+          </a:fontRef>
+        </p:style>
+        <p:txBody>
+          <a:bodyPr rtlCol="0" anchor="ctr"/>
+          <a:lstStyle/>
+          <a:p>
+            <a:pPr fontAlgn="t"/>
+            <a:endParaRPr lang="es-AR" b="1" dirty="0" smtClean="0"/>
+          </a:p>
+          <a:p>
+            <a:pPr algn="ctr"/>
+            <a:endParaRPr lang="es-AR" dirty="0"/>
+          </a:p>
+        </p:txBody>
+      </p:sp>
+      <p:sp>
+        <p:nvSpPr>
+          <p:cNvPr id="11" name="Rectangle 13"/>
+          <p:cNvSpPr/>
+          <p:nvPr/>
+        </p:nvSpPr>
+        <p:spPr>
+          <a:xfrm>
+            <a:off x="381000" y="1295400"/>
+            <a:ext cx="8458200" cy="1066800"/>
+          </a:xfrm>
+          <a:prstGeom prst="rect">
+            <a:avLst/>
+          </a:prstGeom>
+          <a:noFill/>
+          <a:ln>
+            <a:noFill/>
+          </a:ln>
+        </p:spPr>
+        <p:style>
+          <a:lnRef idx="2">
+            <a:schemeClr val="accent1">
+              <a:shade val="50000"/>
+            </a:schemeClr>
+          </a:lnRef>
+          <a:fillRef idx="1">
+            <a:schemeClr val="accent1"/>
+          </a:fillRef>
+          <a:effectRef idx="0">
+            <a:schemeClr val="accent1"/>
+          </a:effectRef>
+          <a:fontRef idx="minor">
+            <a:schemeClr val="lt1"/>
+          </a:fontRef>
+        </p:style>
+        <p:txBody>
+          <a:bodyPr rtlCol="0" anchor="ctr"/>
+          <a:lstStyle/>
+          <a:p>
+            <a:pPr algn="ctr"/>
+            <a:r>
+              <a:rPr lang="es-AR" sz="4800" b="1" dirty="0" smtClean="0"/>
+              <a:t>Modelo de Datos (II)</a:t>
+            </a:r>
+          </a:p>
+          <a:p>
+            <a:pPr algn="ctr"/>
+            <a:endParaRPr lang="es-AR" sz="1200" dirty="0"/>
+          </a:p>
+        </p:txBody>
+      </p:sp>
+      <p:grpSp>
+        <p:nvGrpSpPr>
+          <p:cNvPr id="12" name="Group 14"/>
+          <p:cNvGrpSpPr/>
+          <p:nvPr/>
+        </p:nvGrpSpPr>
+        <p:grpSpPr>
+          <a:xfrm>
+            <a:off x="1295400" y="544415"/>
+            <a:ext cx="6553200" cy="903384"/>
+            <a:chOff x="1295400" y="544415"/>
+            <a:chExt cx="6553200" cy="903384"/>
+          </a:xfrm>
+        </p:grpSpPr>
+        <p:sp>
+          <p:nvSpPr>
+            <p:cNvPr id="13" name="Round Same Side Corner Rectangle 15"/>
+            <p:cNvSpPr/>
+            <p:nvPr/>
+          </p:nvSpPr>
+          <p:spPr>
+            <a:xfrm rot="10800000">
+              <a:off x="1295400" y="544415"/>
+              <a:ext cx="6553200" cy="903384"/>
+            </a:xfrm>
+            <a:prstGeom prst="round2SameRect">
+              <a:avLst/>
+            </a:prstGeom>
+          </p:spPr>
+          <p:style>
+            <a:lnRef idx="2">
+              <a:schemeClr val="dk1">
+                <a:shade val="50000"/>
+              </a:schemeClr>
+            </a:lnRef>
+            <a:fillRef idx="1">
+              <a:schemeClr val="dk1"/>
+            </a:fillRef>
+            <a:effectRef idx="0">
+              <a:schemeClr val="dk1"/>
+            </a:effectRef>
+            <a:fontRef idx="minor">
+              <a:schemeClr val="lt1"/>
+            </a:fontRef>
+          </p:style>
+          <p:txBody>
+            <a:bodyPr rtlCol="0" anchor="ctr"/>
+            <a:lstStyle/>
+            <a:p>
+              <a:pPr algn="ctr"/>
+              <a:endParaRPr lang="es-AR" dirty="0"/>
+            </a:p>
+          </p:txBody>
+        </p:sp>
+        <p:pic>
+          <p:nvPicPr>
+            <p:cNvPr id="14" name="Picture 2" descr="E:\U.B.A.Files\Materias\75.45 Taller de Desarrollo de Proyectos I\TP\Trunk\Proyecto\web\site\images\logo.png"/>
+            <p:cNvPicPr>
+              <a:picLocks noChangeAspect="1" noChangeArrowheads="1"/>
+            </p:cNvPicPr>
+            <p:nvPr/>
+          </p:nvPicPr>
+          <p:blipFill>
+            <a:blip r:embed="rId2" cstate="print"/>
+            <a:srcRect/>
+            <a:stretch>
+              <a:fillRect/>
+            </a:stretch>
+          </p:blipFill>
+          <p:spPr bwMode="auto">
+            <a:xfrm>
+              <a:off x="1600200" y="609600"/>
+              <a:ext cx="2640904" cy="762000"/>
+            </a:xfrm>
+            <a:prstGeom prst="rect">
+              <a:avLst/>
+            </a:prstGeom>
+            <a:noFill/>
+          </p:spPr>
+        </p:pic>
+        <p:sp>
+          <p:nvSpPr>
+            <p:cNvPr id="15" name="TextBox 22"/>
+            <p:cNvSpPr txBox="1"/>
+            <p:nvPr/>
+          </p:nvSpPr>
+          <p:spPr>
+            <a:xfrm>
+              <a:off x="4515457" y="685800"/>
+              <a:ext cx="3180743" cy="307777"/>
+            </a:xfrm>
+            <a:prstGeom prst="rect">
+              <a:avLst/>
+            </a:prstGeom>
+            <a:noFill/>
+          </p:spPr>
+          <p:txBody>
+            <a:bodyPr wrap="none" rtlCol="0">
+              <a:spAutoFit/>
+            </a:bodyPr>
+            <a:lstStyle/>
+            <a:p>
+              <a:r>
+                <a:rPr lang="es-AR" sz="1400" dirty="0" smtClean="0">
+                  <a:solidFill>
+                    <a:schemeClr val="bg1">
+                      <a:lumMod val="50000"/>
+                    </a:schemeClr>
+                  </a:solidFill>
+                </a:rPr>
+                <a:t>Centralización y análisis de datos</a:t>
+              </a:r>
+              <a:endParaRPr lang="es-AR" sz="1400" dirty="0">
+                <a:solidFill>
+                  <a:schemeClr val="bg1">
+                    <a:lumMod val="50000"/>
+                  </a:schemeClr>
+                </a:solidFill>
+              </a:endParaRPr>
+            </a:p>
+          </p:txBody>
+        </p:sp>
+      </p:grpSp>
+      <p:pic>
+        <p:nvPicPr>
+          <p:cNvPr id="19" name="18 Imagen" descr="parte2.gif"/>
+          <p:cNvPicPr>
+            <a:picLocks noChangeAspect="1"/>
+          </p:cNvPicPr>
+          <p:nvPr/>
+        </p:nvPicPr>
+        <p:blipFill>
+          <a:blip r:embed="rId3" cstate="print"/>
+          <a:stretch>
+            <a:fillRect/>
+          </a:stretch>
+        </p:blipFill>
+        <p:spPr>
+          <a:xfrm>
+            <a:off x="2362200" y="2133600"/>
+            <a:ext cx="4409831" cy="4062600"/>
+          </a:xfrm>
+          <a:prstGeom prst="rect">
+            <a:avLst/>
+          </a:prstGeom>
+        </p:spPr>
+      </p:pic>
+    </p:spTree>
+  </p:cSld>
+  <p:clrMapOvr>
+    <a:masterClrMapping/>
+  </p:clrMapOvr>
+  <p:timing>
+    <p:tnLst>
+      <p:par>
+        <p:cTn id="1" dur="indefinite" restart="never" nodeType="tmRoot"/>
+      </p:par>
+    </p:tnLst>
+  </p:timing>
+</p:sld>
+</file>
+
+<file path=ppt/slides/slide12.xml><?xml version="1.0" encoding="utf-8"?>
 <p:sld xmlns:a="http://schemas.openxmlformats.org/drawingml/2006/main" xmlns:r="http://schemas.openxmlformats.org/officeDocument/2006/relationships" xmlns:p="http://schemas.openxmlformats.org/presentationml/2006/main">
   <p:cSld>
     <p:spTree>
@@ -6023,7 +7166,1226 @@
           <a:p>
             <a:pPr algn="ctr"/>
             <a:r>
-              <a:rPr lang="es-AR" sz="4800" b="1" dirty="0" smtClean="0"/>
+              <a:rPr lang="es-AR" sz="4800" b="1" u="sng" dirty="0" smtClean="0"/>
+              <a:t>Seguridad</a:t>
+            </a:r>
+          </a:p>
+          <a:p>
+            <a:pPr algn="ctr"/>
+            <a:endParaRPr lang="es-AR" sz="1200" dirty="0"/>
+          </a:p>
+        </p:txBody>
+      </p:sp>
+      <p:grpSp>
+        <p:nvGrpSpPr>
+          <p:cNvPr id="3" name="Group 14"/>
+          <p:cNvGrpSpPr/>
+          <p:nvPr/>
+        </p:nvGrpSpPr>
+        <p:grpSpPr>
+          <a:xfrm>
+            <a:off x="1295400" y="544415"/>
+            <a:ext cx="6553200" cy="903384"/>
+            <a:chOff x="1295400" y="544415"/>
+            <a:chExt cx="6553200" cy="903384"/>
+          </a:xfrm>
+        </p:grpSpPr>
+        <p:sp>
+          <p:nvSpPr>
+            <p:cNvPr id="16" name="Round Same Side Corner Rectangle 15"/>
+            <p:cNvSpPr/>
+            <p:nvPr/>
+          </p:nvSpPr>
+          <p:spPr>
+            <a:xfrm rot="10800000">
+              <a:off x="1295400" y="544415"/>
+              <a:ext cx="6553200" cy="903384"/>
+            </a:xfrm>
+            <a:prstGeom prst="round2SameRect">
+              <a:avLst/>
+            </a:prstGeom>
+          </p:spPr>
+          <p:style>
+            <a:lnRef idx="2">
+              <a:schemeClr val="dk1">
+                <a:shade val="50000"/>
+              </a:schemeClr>
+            </a:lnRef>
+            <a:fillRef idx="1">
+              <a:schemeClr val="dk1"/>
+            </a:fillRef>
+            <a:effectRef idx="0">
+              <a:schemeClr val="dk1"/>
+            </a:effectRef>
+            <a:fontRef idx="minor">
+              <a:schemeClr val="lt1"/>
+            </a:fontRef>
+          </p:style>
+          <p:txBody>
+            <a:bodyPr rtlCol="0" anchor="ctr"/>
+            <a:lstStyle/>
+            <a:p>
+              <a:pPr algn="ctr"/>
+              <a:endParaRPr lang="es-AR" dirty="0"/>
+            </a:p>
+          </p:txBody>
+        </p:sp>
+        <p:pic>
+          <p:nvPicPr>
+            <p:cNvPr id="20" name="Picture 2" descr="E:\U.B.A.Files\Materias\75.45 Taller de Desarrollo de Proyectos I\TP\Trunk\Proyecto\web\site\images\logo.png"/>
+            <p:cNvPicPr>
+              <a:picLocks noChangeAspect="1" noChangeArrowheads="1"/>
+            </p:cNvPicPr>
+            <p:nvPr/>
+          </p:nvPicPr>
+          <p:blipFill>
+            <a:blip r:embed="rId2" cstate="print"/>
+            <a:srcRect/>
+            <a:stretch>
+              <a:fillRect/>
+            </a:stretch>
+          </p:blipFill>
+          <p:spPr bwMode="auto">
+            <a:xfrm>
+              <a:off x="1600200" y="609600"/>
+              <a:ext cx="2640904" cy="762000"/>
+            </a:xfrm>
+            <a:prstGeom prst="rect">
+              <a:avLst/>
+            </a:prstGeom>
+            <a:noFill/>
+          </p:spPr>
+        </p:pic>
+        <p:sp>
+          <p:nvSpPr>
+            <p:cNvPr id="23" name="TextBox 22"/>
+            <p:cNvSpPr txBox="1"/>
+            <p:nvPr/>
+          </p:nvSpPr>
+          <p:spPr>
+            <a:xfrm>
+              <a:off x="4515457" y="685800"/>
+              <a:ext cx="3180743" cy="307777"/>
+            </a:xfrm>
+            <a:prstGeom prst="rect">
+              <a:avLst/>
+            </a:prstGeom>
+            <a:noFill/>
+          </p:spPr>
+          <p:txBody>
+            <a:bodyPr wrap="none" rtlCol="0">
+              <a:spAutoFit/>
+            </a:bodyPr>
+            <a:lstStyle/>
+            <a:p>
+              <a:r>
+                <a:rPr lang="es-AR" sz="1400" dirty="0" smtClean="0">
+                  <a:solidFill>
+                    <a:schemeClr val="bg1">
+                      <a:lumMod val="50000"/>
+                    </a:schemeClr>
+                  </a:solidFill>
+                </a:rPr>
+                <a:t>Centralización y análisis de datos</a:t>
+              </a:r>
+              <a:endParaRPr lang="es-AR" sz="1400" dirty="0">
+                <a:solidFill>
+                  <a:schemeClr val="bg1">
+                    <a:lumMod val="50000"/>
+                  </a:schemeClr>
+                </a:solidFill>
+              </a:endParaRPr>
+            </a:p>
+          </p:txBody>
+        </p:sp>
+      </p:grpSp>
+      <p:sp>
+        <p:nvSpPr>
+          <p:cNvPr id="15" name="14 CuadroTexto"/>
+          <p:cNvSpPr txBox="1"/>
+          <p:nvPr/>
+        </p:nvSpPr>
+        <p:spPr>
+          <a:xfrm>
+            <a:off x="1371600" y="2316301"/>
+            <a:ext cx="6858000" cy="3170099"/>
+          </a:xfrm>
+          <a:prstGeom prst="rect">
+            <a:avLst/>
+          </a:prstGeom>
+          <a:noFill/>
+        </p:spPr>
+        <p:txBody>
+          <a:bodyPr wrap="square" rtlCol="0">
+            <a:spAutoFit/>
+          </a:bodyPr>
+          <a:lstStyle/>
+          <a:p>
+            <a:pPr>
+              <a:buFont typeface="Arial" pitchFamily="34" charset="0"/>
+              <a:buChar char="•"/>
+            </a:pPr>
+            <a:r>
+              <a:rPr lang="es-AR" sz="4000" dirty="0" smtClean="0"/>
+              <a:t>Control de acceso</a:t>
+            </a:r>
+          </a:p>
+          <a:p>
+            <a:pPr>
+              <a:buFont typeface="Arial" pitchFamily="34" charset="0"/>
+              <a:buChar char="•"/>
+            </a:pPr>
+            <a:r>
+              <a:rPr lang="es-AR" sz="4000" dirty="0" smtClean="0"/>
+              <a:t> </a:t>
+            </a:r>
+            <a:r>
+              <a:rPr lang="es-AR" sz="4000" dirty="0" smtClean="0"/>
+              <a:t>URL encriptado</a:t>
+            </a:r>
+          </a:p>
+          <a:p>
+            <a:pPr>
+              <a:buFont typeface="Arial" pitchFamily="34" charset="0"/>
+              <a:buChar char="•"/>
+            </a:pPr>
+            <a:r>
+              <a:rPr lang="es-AR" sz="4000" dirty="0" smtClean="0"/>
+              <a:t> Validación de campos</a:t>
+            </a:r>
+          </a:p>
+          <a:p>
+            <a:pPr>
+              <a:buFont typeface="Arial" pitchFamily="34" charset="0"/>
+              <a:buChar char="•"/>
+            </a:pPr>
+            <a:r>
+              <a:rPr lang="es-AR" sz="4000" dirty="0" smtClean="0"/>
+              <a:t> SQL </a:t>
+            </a:r>
+            <a:r>
+              <a:rPr lang="es-AR" sz="4000" dirty="0" err="1" smtClean="0"/>
+              <a:t>injection</a:t>
+            </a:r>
+            <a:endParaRPr lang="es-AR" sz="4000" dirty="0" smtClean="0"/>
+          </a:p>
+          <a:p>
+            <a:pPr>
+              <a:buFont typeface="Arial" pitchFamily="34" charset="0"/>
+              <a:buChar char="•"/>
+            </a:pPr>
+            <a:r>
+              <a:rPr lang="es-AR" sz="4000" dirty="0" smtClean="0"/>
+              <a:t> Cross </a:t>
+            </a:r>
+            <a:r>
+              <a:rPr lang="es-AR" sz="4000" dirty="0" err="1" smtClean="0"/>
+              <a:t>Site</a:t>
+            </a:r>
+            <a:r>
+              <a:rPr lang="es-AR" sz="4000" dirty="0" smtClean="0"/>
+              <a:t> Scripting (XSS)</a:t>
+            </a:r>
+            <a:endParaRPr lang="es-AR" sz="4000" dirty="0"/>
+          </a:p>
+        </p:txBody>
+      </p:sp>
+      <p:pic>
+        <p:nvPicPr>
+          <p:cNvPr id="1026" name="Picture 2"/>
+          <p:cNvPicPr>
+            <a:picLocks noChangeAspect="1" noChangeArrowheads="1"/>
+          </p:cNvPicPr>
+          <p:nvPr/>
+        </p:nvPicPr>
+        <p:blipFill>
+          <a:blip r:embed="rId3" cstate="print"/>
+          <a:srcRect/>
+          <a:stretch>
+            <a:fillRect/>
+          </a:stretch>
+        </p:blipFill>
+        <p:spPr bwMode="auto">
+          <a:xfrm>
+            <a:off x="6324600" y="2362200"/>
+            <a:ext cx="2057400" cy="2057400"/>
+          </a:xfrm>
+          <a:prstGeom prst="rect">
+            <a:avLst/>
+          </a:prstGeom>
+          <a:ln>
+            <a:noFill/>
+          </a:ln>
+          <a:effectLst>
+            <a:outerShdw blurRad="292100" dist="139700" dir="2700000" algn="tl" rotWithShape="0">
+              <a:srgbClr val="333333">
+                <a:alpha val="65000"/>
+              </a:srgbClr>
+            </a:outerShdw>
+          </a:effectLst>
+        </p:spPr>
+      </p:pic>
+    </p:spTree>
+  </p:cSld>
+  <p:clrMapOvr>
+    <a:masterClrMapping/>
+  </p:clrMapOvr>
+  <p:timing>
+    <p:tnLst>
+      <p:par>
+        <p:cTn id="1" dur="indefinite" restart="never" nodeType="tmRoot"/>
+      </p:par>
+    </p:tnLst>
+  </p:timing>
+</p:sld>
+</file>
+
+<file path=ppt/slides/slide13.xml><?xml version="1.0" encoding="utf-8"?>
+<p:sld xmlns:a="http://schemas.openxmlformats.org/drawingml/2006/main" xmlns:r="http://schemas.openxmlformats.org/officeDocument/2006/relationships" xmlns:p="http://schemas.openxmlformats.org/presentationml/2006/main">
+  <p:cSld>
+    <p:spTree>
+      <p:nvGrpSpPr>
+        <p:cNvPr id="1" name=""/>
+        <p:cNvGrpSpPr/>
+        <p:nvPr/>
+      </p:nvGrpSpPr>
+      <p:grpSpPr>
+        <a:xfrm>
+          <a:off x="0" y="0"/>
+          <a:ext cx="0" cy="0"/>
+          <a:chOff x="0" y="0"/>
+          <a:chExt cx="0" cy="0"/>
+        </a:xfrm>
+      </p:grpSpPr>
+      <p:grpSp>
+        <p:nvGrpSpPr>
+          <p:cNvPr id="2" name="Group 22"/>
+          <p:cNvGrpSpPr/>
+          <p:nvPr/>
+        </p:nvGrpSpPr>
+        <p:grpSpPr>
+          <a:xfrm>
+            <a:off x="304800" y="304800"/>
+            <a:ext cx="8534400" cy="6248400"/>
+            <a:chOff x="304800" y="304800"/>
+            <a:chExt cx="8534400" cy="6248400"/>
+          </a:xfrm>
+          <a:solidFill>
+            <a:schemeClr val="bg1">
+              <a:lumMod val="85000"/>
+            </a:schemeClr>
+          </a:solidFill>
+        </p:grpSpPr>
+        <p:sp>
+          <p:nvSpPr>
+            <p:cNvPr id="18" name="Rounded Rectangle 17"/>
+            <p:cNvSpPr/>
+            <p:nvPr/>
+          </p:nvSpPr>
+          <p:spPr>
+            <a:xfrm>
+              <a:off x="304800" y="304800"/>
+              <a:ext cx="8534400" cy="6248400"/>
+            </a:xfrm>
+            <a:prstGeom prst="roundRect">
+              <a:avLst/>
+            </a:prstGeom>
+            <a:grpFill/>
+            <a:ln>
+              <a:noFill/>
+            </a:ln>
+          </p:spPr>
+          <p:style>
+            <a:lnRef idx="2">
+              <a:schemeClr val="accent1">
+                <a:shade val="50000"/>
+              </a:schemeClr>
+            </a:lnRef>
+            <a:fillRef idx="1">
+              <a:schemeClr val="accent1"/>
+            </a:fillRef>
+            <a:effectRef idx="0">
+              <a:schemeClr val="accent1"/>
+            </a:effectRef>
+            <a:fontRef idx="minor">
+              <a:schemeClr val="lt1"/>
+            </a:fontRef>
+          </p:style>
+          <p:txBody>
+            <a:bodyPr rtlCol="0" anchor="ctr"/>
+            <a:lstStyle/>
+            <a:p>
+              <a:pPr algn="ctr"/>
+              <a:endParaRPr lang="es-AR"/>
+            </a:p>
+          </p:txBody>
+        </p:sp>
+        <p:sp>
+          <p:nvSpPr>
+            <p:cNvPr id="22" name="Rounded Rectangle 21"/>
+            <p:cNvSpPr/>
+            <p:nvPr/>
+          </p:nvSpPr>
+          <p:spPr>
+            <a:xfrm>
+              <a:off x="7086600" y="304800"/>
+              <a:ext cx="1752600" cy="1752600"/>
+            </a:xfrm>
+            <a:prstGeom prst="roundRect">
+              <a:avLst/>
+            </a:prstGeom>
+            <a:grpFill/>
+            <a:ln>
+              <a:noFill/>
+            </a:ln>
+          </p:spPr>
+          <p:style>
+            <a:lnRef idx="2">
+              <a:schemeClr val="accent1">
+                <a:shade val="50000"/>
+              </a:schemeClr>
+            </a:lnRef>
+            <a:fillRef idx="1">
+              <a:schemeClr val="accent1"/>
+            </a:fillRef>
+            <a:effectRef idx="0">
+              <a:schemeClr val="accent1"/>
+            </a:effectRef>
+            <a:fontRef idx="minor">
+              <a:schemeClr val="lt1"/>
+            </a:fontRef>
+          </p:style>
+          <p:txBody>
+            <a:bodyPr rtlCol="0" anchor="ctr"/>
+            <a:lstStyle/>
+            <a:p>
+              <a:pPr algn="ctr"/>
+              <a:endParaRPr lang="es-AR"/>
+            </a:p>
+          </p:txBody>
+        </p:sp>
+        <p:sp>
+          <p:nvSpPr>
+            <p:cNvPr id="21" name="Rounded Rectangle 20"/>
+            <p:cNvSpPr/>
+            <p:nvPr/>
+          </p:nvSpPr>
+          <p:spPr>
+            <a:xfrm>
+              <a:off x="304800" y="304800"/>
+              <a:ext cx="1752600" cy="1752600"/>
+            </a:xfrm>
+            <a:prstGeom prst="roundRect">
+              <a:avLst/>
+            </a:prstGeom>
+            <a:grpFill/>
+            <a:ln>
+              <a:noFill/>
+            </a:ln>
+          </p:spPr>
+          <p:style>
+            <a:lnRef idx="2">
+              <a:schemeClr val="accent1">
+                <a:shade val="50000"/>
+              </a:schemeClr>
+            </a:lnRef>
+            <a:fillRef idx="1">
+              <a:schemeClr val="accent1"/>
+            </a:fillRef>
+            <a:effectRef idx="0">
+              <a:schemeClr val="accent1"/>
+            </a:effectRef>
+            <a:fontRef idx="minor">
+              <a:schemeClr val="lt1"/>
+            </a:fontRef>
+          </p:style>
+          <p:txBody>
+            <a:bodyPr rtlCol="0" anchor="ctr"/>
+            <a:lstStyle/>
+            <a:p>
+              <a:pPr algn="ctr"/>
+              <a:endParaRPr lang="es-AR"/>
+            </a:p>
+          </p:txBody>
+        </p:sp>
+        <p:sp>
+          <p:nvSpPr>
+            <p:cNvPr id="17" name="Rounded Rectangle 16"/>
+            <p:cNvSpPr/>
+            <p:nvPr/>
+          </p:nvSpPr>
+          <p:spPr>
+            <a:xfrm>
+              <a:off x="304800" y="4800600"/>
+              <a:ext cx="1752600" cy="1752600"/>
+            </a:xfrm>
+            <a:prstGeom prst="roundRect">
+              <a:avLst/>
+            </a:prstGeom>
+            <a:grpFill/>
+            <a:ln>
+              <a:noFill/>
+            </a:ln>
+          </p:spPr>
+          <p:style>
+            <a:lnRef idx="2">
+              <a:schemeClr val="accent1">
+                <a:shade val="50000"/>
+              </a:schemeClr>
+            </a:lnRef>
+            <a:fillRef idx="1">
+              <a:schemeClr val="accent1"/>
+            </a:fillRef>
+            <a:effectRef idx="0">
+              <a:schemeClr val="accent1"/>
+            </a:effectRef>
+            <a:fontRef idx="minor">
+              <a:schemeClr val="lt1"/>
+            </a:fontRef>
+          </p:style>
+          <p:txBody>
+            <a:bodyPr rtlCol="0" anchor="ctr"/>
+            <a:lstStyle/>
+            <a:p>
+              <a:pPr algn="ctr"/>
+              <a:endParaRPr lang="es-AR"/>
+            </a:p>
+          </p:txBody>
+        </p:sp>
+        <p:sp>
+          <p:nvSpPr>
+            <p:cNvPr id="19" name="Rounded Rectangle 18"/>
+            <p:cNvSpPr/>
+            <p:nvPr/>
+          </p:nvSpPr>
+          <p:spPr>
+            <a:xfrm>
+              <a:off x="7086600" y="4800600"/>
+              <a:ext cx="1752600" cy="1752600"/>
+            </a:xfrm>
+            <a:prstGeom prst="roundRect">
+              <a:avLst/>
+            </a:prstGeom>
+            <a:grpFill/>
+            <a:ln>
+              <a:noFill/>
+            </a:ln>
+          </p:spPr>
+          <p:style>
+            <a:lnRef idx="2">
+              <a:schemeClr val="accent1">
+                <a:shade val="50000"/>
+              </a:schemeClr>
+            </a:lnRef>
+            <a:fillRef idx="1">
+              <a:schemeClr val="accent1"/>
+            </a:fillRef>
+            <a:effectRef idx="0">
+              <a:schemeClr val="accent1"/>
+            </a:effectRef>
+            <a:fontRef idx="minor">
+              <a:schemeClr val="lt1"/>
+            </a:fontRef>
+          </p:style>
+          <p:txBody>
+            <a:bodyPr rtlCol="0" anchor="ctr"/>
+            <a:lstStyle/>
+            <a:p>
+              <a:pPr algn="ctr"/>
+              <a:endParaRPr lang="es-AR"/>
+            </a:p>
+          </p:txBody>
+        </p:sp>
+      </p:grpSp>
+      <p:sp>
+        <p:nvSpPr>
+          <p:cNvPr id="40" name="Freeform 39"/>
+          <p:cNvSpPr/>
+          <p:nvPr/>
+        </p:nvSpPr>
+        <p:spPr>
+          <a:xfrm>
+            <a:off x="381000" y="457200"/>
+            <a:ext cx="8229600" cy="5803900"/>
+          </a:xfrm>
+          <a:custGeom>
+            <a:avLst/>
+            <a:gdLst>
+              <a:gd name="connsiteX0" fmla="*/ 0 w 8077200"/>
+              <a:gd name="connsiteY0" fmla="*/ 965219 h 5791200"/>
+              <a:gd name="connsiteX1" fmla="*/ 282707 w 8077200"/>
+              <a:gd name="connsiteY1" fmla="*/ 282706 h 5791200"/>
+              <a:gd name="connsiteX2" fmla="*/ 965221 w 8077200"/>
+              <a:gd name="connsiteY2" fmla="*/ 1 h 5791200"/>
+              <a:gd name="connsiteX3" fmla="*/ 7111981 w 8077200"/>
+              <a:gd name="connsiteY3" fmla="*/ 0 h 5791200"/>
+              <a:gd name="connsiteX4" fmla="*/ 7794494 w 8077200"/>
+              <a:gd name="connsiteY4" fmla="*/ 282707 h 5791200"/>
+              <a:gd name="connsiteX5" fmla="*/ 8077199 w 8077200"/>
+              <a:gd name="connsiteY5" fmla="*/ 965221 h 5791200"/>
+              <a:gd name="connsiteX6" fmla="*/ 8077200 w 8077200"/>
+              <a:gd name="connsiteY6" fmla="*/ 4825981 h 5791200"/>
+              <a:gd name="connsiteX7" fmla="*/ 7794494 w 8077200"/>
+              <a:gd name="connsiteY7" fmla="*/ 5508494 h 5791200"/>
+              <a:gd name="connsiteX8" fmla="*/ 7111981 w 8077200"/>
+              <a:gd name="connsiteY8" fmla="*/ 5791200 h 5791200"/>
+              <a:gd name="connsiteX9" fmla="*/ 965219 w 8077200"/>
+              <a:gd name="connsiteY9" fmla="*/ 5791200 h 5791200"/>
+              <a:gd name="connsiteX10" fmla="*/ 282706 w 8077200"/>
+              <a:gd name="connsiteY10" fmla="*/ 5508493 h 5791200"/>
+              <a:gd name="connsiteX11" fmla="*/ 0 w 8077200"/>
+              <a:gd name="connsiteY11" fmla="*/ 4825980 h 5791200"/>
+              <a:gd name="connsiteX12" fmla="*/ 0 w 8077200"/>
+              <a:gd name="connsiteY12" fmla="*/ 965219 h 5791200"/>
+              <a:gd name="connsiteX0" fmla="*/ 0 w 8077200"/>
+              <a:gd name="connsiteY0" fmla="*/ 609600 h 5791200"/>
+              <a:gd name="connsiteX1" fmla="*/ 282707 w 8077200"/>
+              <a:gd name="connsiteY1" fmla="*/ 282706 h 5791200"/>
+              <a:gd name="connsiteX2" fmla="*/ 965221 w 8077200"/>
+              <a:gd name="connsiteY2" fmla="*/ 1 h 5791200"/>
+              <a:gd name="connsiteX3" fmla="*/ 7111981 w 8077200"/>
+              <a:gd name="connsiteY3" fmla="*/ 0 h 5791200"/>
+              <a:gd name="connsiteX4" fmla="*/ 7794494 w 8077200"/>
+              <a:gd name="connsiteY4" fmla="*/ 282707 h 5791200"/>
+              <a:gd name="connsiteX5" fmla="*/ 8077199 w 8077200"/>
+              <a:gd name="connsiteY5" fmla="*/ 965221 h 5791200"/>
+              <a:gd name="connsiteX6" fmla="*/ 8077200 w 8077200"/>
+              <a:gd name="connsiteY6" fmla="*/ 4825981 h 5791200"/>
+              <a:gd name="connsiteX7" fmla="*/ 7794494 w 8077200"/>
+              <a:gd name="connsiteY7" fmla="*/ 5508494 h 5791200"/>
+              <a:gd name="connsiteX8" fmla="*/ 7111981 w 8077200"/>
+              <a:gd name="connsiteY8" fmla="*/ 5791200 h 5791200"/>
+              <a:gd name="connsiteX9" fmla="*/ 965219 w 8077200"/>
+              <a:gd name="connsiteY9" fmla="*/ 5791200 h 5791200"/>
+              <a:gd name="connsiteX10" fmla="*/ 282706 w 8077200"/>
+              <a:gd name="connsiteY10" fmla="*/ 5508493 h 5791200"/>
+              <a:gd name="connsiteX11" fmla="*/ 0 w 8077200"/>
+              <a:gd name="connsiteY11" fmla="*/ 4825980 h 5791200"/>
+              <a:gd name="connsiteX12" fmla="*/ 0 w 8077200"/>
+              <a:gd name="connsiteY12" fmla="*/ 609600 h 5791200"/>
+              <a:gd name="connsiteX0" fmla="*/ 0 w 8077200"/>
+              <a:gd name="connsiteY0" fmla="*/ 609601 h 5791201"/>
+              <a:gd name="connsiteX1" fmla="*/ 282707 w 8077200"/>
+              <a:gd name="connsiteY1" fmla="*/ 282707 h 5791201"/>
+              <a:gd name="connsiteX2" fmla="*/ 609600 w 8077200"/>
+              <a:gd name="connsiteY2" fmla="*/ 1 h 5791201"/>
+              <a:gd name="connsiteX3" fmla="*/ 7111981 w 8077200"/>
+              <a:gd name="connsiteY3" fmla="*/ 1 h 5791201"/>
+              <a:gd name="connsiteX4" fmla="*/ 7794494 w 8077200"/>
+              <a:gd name="connsiteY4" fmla="*/ 282708 h 5791201"/>
+              <a:gd name="connsiteX5" fmla="*/ 8077199 w 8077200"/>
+              <a:gd name="connsiteY5" fmla="*/ 965222 h 5791201"/>
+              <a:gd name="connsiteX6" fmla="*/ 8077200 w 8077200"/>
+              <a:gd name="connsiteY6" fmla="*/ 4825982 h 5791201"/>
+              <a:gd name="connsiteX7" fmla="*/ 7794494 w 8077200"/>
+              <a:gd name="connsiteY7" fmla="*/ 5508495 h 5791201"/>
+              <a:gd name="connsiteX8" fmla="*/ 7111981 w 8077200"/>
+              <a:gd name="connsiteY8" fmla="*/ 5791201 h 5791201"/>
+              <a:gd name="connsiteX9" fmla="*/ 965219 w 8077200"/>
+              <a:gd name="connsiteY9" fmla="*/ 5791201 h 5791201"/>
+              <a:gd name="connsiteX10" fmla="*/ 282706 w 8077200"/>
+              <a:gd name="connsiteY10" fmla="*/ 5508494 h 5791201"/>
+              <a:gd name="connsiteX11" fmla="*/ 0 w 8077200"/>
+              <a:gd name="connsiteY11" fmla="*/ 4825981 h 5791201"/>
+              <a:gd name="connsiteX12" fmla="*/ 0 w 8077200"/>
+              <a:gd name="connsiteY12" fmla="*/ 609601 h 5791201"/>
+              <a:gd name="connsiteX0" fmla="*/ 0 w 8077200"/>
+              <a:gd name="connsiteY0" fmla="*/ 609601 h 5791201"/>
+              <a:gd name="connsiteX1" fmla="*/ 152400 w 8077200"/>
+              <a:gd name="connsiteY1" fmla="*/ 152402 h 5791201"/>
+              <a:gd name="connsiteX2" fmla="*/ 609600 w 8077200"/>
+              <a:gd name="connsiteY2" fmla="*/ 1 h 5791201"/>
+              <a:gd name="connsiteX3" fmla="*/ 7111981 w 8077200"/>
+              <a:gd name="connsiteY3" fmla="*/ 1 h 5791201"/>
+              <a:gd name="connsiteX4" fmla="*/ 7794494 w 8077200"/>
+              <a:gd name="connsiteY4" fmla="*/ 282708 h 5791201"/>
+              <a:gd name="connsiteX5" fmla="*/ 8077199 w 8077200"/>
+              <a:gd name="connsiteY5" fmla="*/ 965222 h 5791201"/>
+              <a:gd name="connsiteX6" fmla="*/ 8077200 w 8077200"/>
+              <a:gd name="connsiteY6" fmla="*/ 4825982 h 5791201"/>
+              <a:gd name="connsiteX7" fmla="*/ 7794494 w 8077200"/>
+              <a:gd name="connsiteY7" fmla="*/ 5508495 h 5791201"/>
+              <a:gd name="connsiteX8" fmla="*/ 7111981 w 8077200"/>
+              <a:gd name="connsiteY8" fmla="*/ 5791201 h 5791201"/>
+              <a:gd name="connsiteX9" fmla="*/ 965219 w 8077200"/>
+              <a:gd name="connsiteY9" fmla="*/ 5791201 h 5791201"/>
+              <a:gd name="connsiteX10" fmla="*/ 282706 w 8077200"/>
+              <a:gd name="connsiteY10" fmla="*/ 5508494 h 5791201"/>
+              <a:gd name="connsiteX11" fmla="*/ 0 w 8077200"/>
+              <a:gd name="connsiteY11" fmla="*/ 4825981 h 5791201"/>
+              <a:gd name="connsiteX12" fmla="*/ 0 w 8077200"/>
+              <a:gd name="connsiteY12" fmla="*/ 609601 h 5791201"/>
+              <a:gd name="connsiteX0" fmla="*/ 0 w 8077200"/>
+              <a:gd name="connsiteY0" fmla="*/ 609600 h 5791200"/>
+              <a:gd name="connsiteX1" fmla="*/ 152400 w 8077200"/>
+              <a:gd name="connsiteY1" fmla="*/ 152401 h 5791200"/>
+              <a:gd name="connsiteX2" fmla="*/ 533400 w 8077200"/>
+              <a:gd name="connsiteY2" fmla="*/ 1 h 5791200"/>
+              <a:gd name="connsiteX3" fmla="*/ 7111981 w 8077200"/>
+              <a:gd name="connsiteY3" fmla="*/ 0 h 5791200"/>
+              <a:gd name="connsiteX4" fmla="*/ 7794494 w 8077200"/>
+              <a:gd name="connsiteY4" fmla="*/ 282707 h 5791200"/>
+              <a:gd name="connsiteX5" fmla="*/ 8077199 w 8077200"/>
+              <a:gd name="connsiteY5" fmla="*/ 965221 h 5791200"/>
+              <a:gd name="connsiteX6" fmla="*/ 8077200 w 8077200"/>
+              <a:gd name="connsiteY6" fmla="*/ 4825981 h 5791200"/>
+              <a:gd name="connsiteX7" fmla="*/ 7794494 w 8077200"/>
+              <a:gd name="connsiteY7" fmla="*/ 5508494 h 5791200"/>
+              <a:gd name="connsiteX8" fmla="*/ 7111981 w 8077200"/>
+              <a:gd name="connsiteY8" fmla="*/ 5791200 h 5791200"/>
+              <a:gd name="connsiteX9" fmla="*/ 965219 w 8077200"/>
+              <a:gd name="connsiteY9" fmla="*/ 5791200 h 5791200"/>
+              <a:gd name="connsiteX10" fmla="*/ 282706 w 8077200"/>
+              <a:gd name="connsiteY10" fmla="*/ 5508493 h 5791200"/>
+              <a:gd name="connsiteX11" fmla="*/ 0 w 8077200"/>
+              <a:gd name="connsiteY11" fmla="*/ 4825980 h 5791200"/>
+              <a:gd name="connsiteX12" fmla="*/ 0 w 8077200"/>
+              <a:gd name="connsiteY12" fmla="*/ 609600 h 5791200"/>
+              <a:gd name="connsiteX0" fmla="*/ 0 w 8077200"/>
+              <a:gd name="connsiteY0" fmla="*/ 533400 h 5791200"/>
+              <a:gd name="connsiteX1" fmla="*/ 152400 w 8077200"/>
+              <a:gd name="connsiteY1" fmla="*/ 152401 h 5791200"/>
+              <a:gd name="connsiteX2" fmla="*/ 533400 w 8077200"/>
+              <a:gd name="connsiteY2" fmla="*/ 1 h 5791200"/>
+              <a:gd name="connsiteX3" fmla="*/ 7111981 w 8077200"/>
+              <a:gd name="connsiteY3" fmla="*/ 0 h 5791200"/>
+              <a:gd name="connsiteX4" fmla="*/ 7794494 w 8077200"/>
+              <a:gd name="connsiteY4" fmla="*/ 282707 h 5791200"/>
+              <a:gd name="connsiteX5" fmla="*/ 8077199 w 8077200"/>
+              <a:gd name="connsiteY5" fmla="*/ 965221 h 5791200"/>
+              <a:gd name="connsiteX6" fmla="*/ 8077200 w 8077200"/>
+              <a:gd name="connsiteY6" fmla="*/ 4825981 h 5791200"/>
+              <a:gd name="connsiteX7" fmla="*/ 7794494 w 8077200"/>
+              <a:gd name="connsiteY7" fmla="*/ 5508494 h 5791200"/>
+              <a:gd name="connsiteX8" fmla="*/ 7111981 w 8077200"/>
+              <a:gd name="connsiteY8" fmla="*/ 5791200 h 5791200"/>
+              <a:gd name="connsiteX9" fmla="*/ 965219 w 8077200"/>
+              <a:gd name="connsiteY9" fmla="*/ 5791200 h 5791200"/>
+              <a:gd name="connsiteX10" fmla="*/ 282706 w 8077200"/>
+              <a:gd name="connsiteY10" fmla="*/ 5508493 h 5791200"/>
+              <a:gd name="connsiteX11" fmla="*/ 0 w 8077200"/>
+              <a:gd name="connsiteY11" fmla="*/ 4825980 h 5791200"/>
+              <a:gd name="connsiteX12" fmla="*/ 0 w 8077200"/>
+              <a:gd name="connsiteY12" fmla="*/ 533400 h 5791200"/>
+              <a:gd name="connsiteX0" fmla="*/ 12700 w 8089900"/>
+              <a:gd name="connsiteY0" fmla="*/ 546100 h 5803900"/>
+              <a:gd name="connsiteX1" fmla="*/ 88900 w 8089900"/>
+              <a:gd name="connsiteY1" fmla="*/ 88900 h 5803900"/>
+              <a:gd name="connsiteX2" fmla="*/ 546100 w 8089900"/>
+              <a:gd name="connsiteY2" fmla="*/ 12701 h 5803900"/>
+              <a:gd name="connsiteX3" fmla="*/ 7124681 w 8089900"/>
+              <a:gd name="connsiteY3" fmla="*/ 12700 h 5803900"/>
+              <a:gd name="connsiteX4" fmla="*/ 7807194 w 8089900"/>
+              <a:gd name="connsiteY4" fmla="*/ 295407 h 5803900"/>
+              <a:gd name="connsiteX5" fmla="*/ 8089899 w 8089900"/>
+              <a:gd name="connsiteY5" fmla="*/ 977921 h 5803900"/>
+              <a:gd name="connsiteX6" fmla="*/ 8089900 w 8089900"/>
+              <a:gd name="connsiteY6" fmla="*/ 4838681 h 5803900"/>
+              <a:gd name="connsiteX7" fmla="*/ 7807194 w 8089900"/>
+              <a:gd name="connsiteY7" fmla="*/ 5521194 h 5803900"/>
+              <a:gd name="connsiteX8" fmla="*/ 7124681 w 8089900"/>
+              <a:gd name="connsiteY8" fmla="*/ 5803900 h 5803900"/>
+              <a:gd name="connsiteX9" fmla="*/ 977919 w 8089900"/>
+              <a:gd name="connsiteY9" fmla="*/ 5803900 h 5803900"/>
+              <a:gd name="connsiteX10" fmla="*/ 295406 w 8089900"/>
+              <a:gd name="connsiteY10" fmla="*/ 5521193 h 5803900"/>
+              <a:gd name="connsiteX11" fmla="*/ 12700 w 8089900"/>
+              <a:gd name="connsiteY11" fmla="*/ 4838680 h 5803900"/>
+              <a:gd name="connsiteX12" fmla="*/ 12700 w 8089900"/>
+              <a:gd name="connsiteY12" fmla="*/ 546100 h 5803900"/>
+              <a:gd name="connsiteX0" fmla="*/ 12700 w 8089900"/>
+              <a:gd name="connsiteY0" fmla="*/ 546100 h 5803900"/>
+              <a:gd name="connsiteX1" fmla="*/ 88900 w 8089900"/>
+              <a:gd name="connsiteY1" fmla="*/ 88900 h 5803900"/>
+              <a:gd name="connsiteX2" fmla="*/ 546100 w 8089900"/>
+              <a:gd name="connsiteY2" fmla="*/ 12701 h 5803900"/>
+              <a:gd name="connsiteX3" fmla="*/ 7124681 w 8089900"/>
+              <a:gd name="connsiteY3" fmla="*/ 12700 h 5803900"/>
+              <a:gd name="connsiteX4" fmla="*/ 7807194 w 8089900"/>
+              <a:gd name="connsiteY4" fmla="*/ 295407 h 5803900"/>
+              <a:gd name="connsiteX5" fmla="*/ 8089899 w 8089900"/>
+              <a:gd name="connsiteY5" fmla="*/ 977921 h 5803900"/>
+              <a:gd name="connsiteX6" fmla="*/ 8089900 w 8089900"/>
+              <a:gd name="connsiteY6" fmla="*/ 4838681 h 5803900"/>
+              <a:gd name="connsiteX7" fmla="*/ 7807194 w 8089900"/>
+              <a:gd name="connsiteY7" fmla="*/ 5521194 h 5803900"/>
+              <a:gd name="connsiteX8" fmla="*/ 7124681 w 8089900"/>
+              <a:gd name="connsiteY8" fmla="*/ 5803900 h 5803900"/>
+              <a:gd name="connsiteX9" fmla="*/ 977919 w 8089900"/>
+              <a:gd name="connsiteY9" fmla="*/ 5803900 h 5803900"/>
+              <a:gd name="connsiteX10" fmla="*/ 295406 w 8089900"/>
+              <a:gd name="connsiteY10" fmla="*/ 5521193 h 5803900"/>
+              <a:gd name="connsiteX11" fmla="*/ 12700 w 8089900"/>
+              <a:gd name="connsiteY11" fmla="*/ 5346700 h 5803900"/>
+              <a:gd name="connsiteX12" fmla="*/ 12700 w 8089900"/>
+              <a:gd name="connsiteY12" fmla="*/ 546100 h 5803900"/>
+              <a:gd name="connsiteX0" fmla="*/ 12700 w 8089900"/>
+              <a:gd name="connsiteY0" fmla="*/ 546100 h 5803900"/>
+              <a:gd name="connsiteX1" fmla="*/ 88900 w 8089900"/>
+              <a:gd name="connsiteY1" fmla="*/ 88900 h 5803900"/>
+              <a:gd name="connsiteX2" fmla="*/ 546100 w 8089900"/>
+              <a:gd name="connsiteY2" fmla="*/ 12701 h 5803900"/>
+              <a:gd name="connsiteX3" fmla="*/ 7124681 w 8089900"/>
+              <a:gd name="connsiteY3" fmla="*/ 12700 h 5803900"/>
+              <a:gd name="connsiteX4" fmla="*/ 7807194 w 8089900"/>
+              <a:gd name="connsiteY4" fmla="*/ 295407 h 5803900"/>
+              <a:gd name="connsiteX5" fmla="*/ 8089899 w 8089900"/>
+              <a:gd name="connsiteY5" fmla="*/ 977921 h 5803900"/>
+              <a:gd name="connsiteX6" fmla="*/ 8089900 w 8089900"/>
+              <a:gd name="connsiteY6" fmla="*/ 4838681 h 5803900"/>
+              <a:gd name="connsiteX7" fmla="*/ 7807194 w 8089900"/>
+              <a:gd name="connsiteY7" fmla="*/ 5521194 h 5803900"/>
+              <a:gd name="connsiteX8" fmla="*/ 7124681 w 8089900"/>
+              <a:gd name="connsiteY8" fmla="*/ 5803900 h 5803900"/>
+              <a:gd name="connsiteX9" fmla="*/ 546100 w 8089900"/>
+              <a:gd name="connsiteY9" fmla="*/ 5803900 h 5803900"/>
+              <a:gd name="connsiteX10" fmla="*/ 295406 w 8089900"/>
+              <a:gd name="connsiteY10" fmla="*/ 5521193 h 5803900"/>
+              <a:gd name="connsiteX11" fmla="*/ 12700 w 8089900"/>
+              <a:gd name="connsiteY11" fmla="*/ 5346700 h 5803900"/>
+              <a:gd name="connsiteX12" fmla="*/ 12700 w 8089900"/>
+              <a:gd name="connsiteY12" fmla="*/ 546100 h 5803900"/>
+              <a:gd name="connsiteX0" fmla="*/ 12700 w 8089900"/>
+              <a:gd name="connsiteY0" fmla="*/ 546100 h 5803900"/>
+              <a:gd name="connsiteX1" fmla="*/ 88900 w 8089900"/>
+              <a:gd name="connsiteY1" fmla="*/ 88900 h 5803900"/>
+              <a:gd name="connsiteX2" fmla="*/ 546100 w 8089900"/>
+              <a:gd name="connsiteY2" fmla="*/ 12701 h 5803900"/>
+              <a:gd name="connsiteX3" fmla="*/ 7124681 w 8089900"/>
+              <a:gd name="connsiteY3" fmla="*/ 12700 h 5803900"/>
+              <a:gd name="connsiteX4" fmla="*/ 7807194 w 8089900"/>
+              <a:gd name="connsiteY4" fmla="*/ 295407 h 5803900"/>
+              <a:gd name="connsiteX5" fmla="*/ 8089899 w 8089900"/>
+              <a:gd name="connsiteY5" fmla="*/ 977921 h 5803900"/>
+              <a:gd name="connsiteX6" fmla="*/ 8089900 w 8089900"/>
+              <a:gd name="connsiteY6" fmla="*/ 4838681 h 5803900"/>
+              <a:gd name="connsiteX7" fmla="*/ 7807194 w 8089900"/>
+              <a:gd name="connsiteY7" fmla="*/ 5521194 h 5803900"/>
+              <a:gd name="connsiteX8" fmla="*/ 7124681 w 8089900"/>
+              <a:gd name="connsiteY8" fmla="*/ 5803900 h 5803900"/>
+              <a:gd name="connsiteX9" fmla="*/ 546100 w 8089900"/>
+              <a:gd name="connsiteY9" fmla="*/ 5803900 h 5803900"/>
+              <a:gd name="connsiteX10" fmla="*/ 88900 w 8089900"/>
+              <a:gd name="connsiteY10" fmla="*/ 5727700 h 5803900"/>
+              <a:gd name="connsiteX11" fmla="*/ 12700 w 8089900"/>
+              <a:gd name="connsiteY11" fmla="*/ 5346700 h 5803900"/>
+              <a:gd name="connsiteX12" fmla="*/ 12700 w 8089900"/>
+              <a:gd name="connsiteY12" fmla="*/ 546100 h 5803900"/>
+              <a:gd name="connsiteX0" fmla="*/ 12700 w 8089900"/>
+              <a:gd name="connsiteY0" fmla="*/ 546100 h 5803900"/>
+              <a:gd name="connsiteX1" fmla="*/ 88900 w 8089900"/>
+              <a:gd name="connsiteY1" fmla="*/ 88900 h 5803900"/>
+              <a:gd name="connsiteX2" fmla="*/ 546100 w 8089900"/>
+              <a:gd name="connsiteY2" fmla="*/ 12701 h 5803900"/>
+              <a:gd name="connsiteX3" fmla="*/ 7556500 w 8089900"/>
+              <a:gd name="connsiteY3" fmla="*/ 12700 h 5803900"/>
+              <a:gd name="connsiteX4" fmla="*/ 7807194 w 8089900"/>
+              <a:gd name="connsiteY4" fmla="*/ 295407 h 5803900"/>
+              <a:gd name="connsiteX5" fmla="*/ 8089899 w 8089900"/>
+              <a:gd name="connsiteY5" fmla="*/ 977921 h 5803900"/>
+              <a:gd name="connsiteX6" fmla="*/ 8089900 w 8089900"/>
+              <a:gd name="connsiteY6" fmla="*/ 4838681 h 5803900"/>
+              <a:gd name="connsiteX7" fmla="*/ 7807194 w 8089900"/>
+              <a:gd name="connsiteY7" fmla="*/ 5521194 h 5803900"/>
+              <a:gd name="connsiteX8" fmla="*/ 7124681 w 8089900"/>
+              <a:gd name="connsiteY8" fmla="*/ 5803900 h 5803900"/>
+              <a:gd name="connsiteX9" fmla="*/ 546100 w 8089900"/>
+              <a:gd name="connsiteY9" fmla="*/ 5803900 h 5803900"/>
+              <a:gd name="connsiteX10" fmla="*/ 88900 w 8089900"/>
+              <a:gd name="connsiteY10" fmla="*/ 5727700 h 5803900"/>
+              <a:gd name="connsiteX11" fmla="*/ 12700 w 8089900"/>
+              <a:gd name="connsiteY11" fmla="*/ 5346700 h 5803900"/>
+              <a:gd name="connsiteX12" fmla="*/ 12700 w 8089900"/>
+              <a:gd name="connsiteY12" fmla="*/ 546100 h 5803900"/>
+              <a:gd name="connsiteX0" fmla="*/ 12700 w 8089901"/>
+              <a:gd name="connsiteY0" fmla="*/ 546100 h 5803900"/>
+              <a:gd name="connsiteX1" fmla="*/ 88900 w 8089901"/>
+              <a:gd name="connsiteY1" fmla="*/ 88900 h 5803900"/>
+              <a:gd name="connsiteX2" fmla="*/ 546100 w 8089901"/>
+              <a:gd name="connsiteY2" fmla="*/ 12701 h 5803900"/>
+              <a:gd name="connsiteX3" fmla="*/ 7556500 w 8089901"/>
+              <a:gd name="connsiteY3" fmla="*/ 12700 h 5803900"/>
+              <a:gd name="connsiteX4" fmla="*/ 7807194 w 8089901"/>
+              <a:gd name="connsiteY4" fmla="*/ 295407 h 5803900"/>
+              <a:gd name="connsiteX5" fmla="*/ 8089900 w 8089901"/>
+              <a:gd name="connsiteY5" fmla="*/ 469900 h 5803900"/>
+              <a:gd name="connsiteX6" fmla="*/ 8089900 w 8089901"/>
+              <a:gd name="connsiteY6" fmla="*/ 4838681 h 5803900"/>
+              <a:gd name="connsiteX7" fmla="*/ 7807194 w 8089901"/>
+              <a:gd name="connsiteY7" fmla="*/ 5521194 h 5803900"/>
+              <a:gd name="connsiteX8" fmla="*/ 7124681 w 8089901"/>
+              <a:gd name="connsiteY8" fmla="*/ 5803900 h 5803900"/>
+              <a:gd name="connsiteX9" fmla="*/ 546100 w 8089901"/>
+              <a:gd name="connsiteY9" fmla="*/ 5803900 h 5803900"/>
+              <a:gd name="connsiteX10" fmla="*/ 88900 w 8089901"/>
+              <a:gd name="connsiteY10" fmla="*/ 5727700 h 5803900"/>
+              <a:gd name="connsiteX11" fmla="*/ 12700 w 8089901"/>
+              <a:gd name="connsiteY11" fmla="*/ 5346700 h 5803900"/>
+              <a:gd name="connsiteX12" fmla="*/ 12700 w 8089901"/>
+              <a:gd name="connsiteY12" fmla="*/ 546100 h 5803900"/>
+              <a:gd name="connsiteX0" fmla="*/ 12700 w 8102600"/>
+              <a:gd name="connsiteY0" fmla="*/ 546100 h 5803900"/>
+              <a:gd name="connsiteX1" fmla="*/ 88900 w 8102600"/>
+              <a:gd name="connsiteY1" fmla="*/ 88900 h 5803900"/>
+              <a:gd name="connsiteX2" fmla="*/ 546100 w 8102600"/>
+              <a:gd name="connsiteY2" fmla="*/ 12701 h 5803900"/>
+              <a:gd name="connsiteX3" fmla="*/ 7556500 w 8102600"/>
+              <a:gd name="connsiteY3" fmla="*/ 12700 h 5803900"/>
+              <a:gd name="connsiteX4" fmla="*/ 8013700 w 8102600"/>
+              <a:gd name="connsiteY4" fmla="*/ 88900 h 5803900"/>
+              <a:gd name="connsiteX5" fmla="*/ 8089900 w 8102600"/>
+              <a:gd name="connsiteY5" fmla="*/ 469900 h 5803900"/>
+              <a:gd name="connsiteX6" fmla="*/ 8089900 w 8102600"/>
+              <a:gd name="connsiteY6" fmla="*/ 4838681 h 5803900"/>
+              <a:gd name="connsiteX7" fmla="*/ 7807194 w 8102600"/>
+              <a:gd name="connsiteY7" fmla="*/ 5521194 h 5803900"/>
+              <a:gd name="connsiteX8" fmla="*/ 7124681 w 8102600"/>
+              <a:gd name="connsiteY8" fmla="*/ 5803900 h 5803900"/>
+              <a:gd name="connsiteX9" fmla="*/ 546100 w 8102600"/>
+              <a:gd name="connsiteY9" fmla="*/ 5803900 h 5803900"/>
+              <a:gd name="connsiteX10" fmla="*/ 88900 w 8102600"/>
+              <a:gd name="connsiteY10" fmla="*/ 5727700 h 5803900"/>
+              <a:gd name="connsiteX11" fmla="*/ 12700 w 8102600"/>
+              <a:gd name="connsiteY11" fmla="*/ 5346700 h 5803900"/>
+              <a:gd name="connsiteX12" fmla="*/ 12700 w 8102600"/>
+              <a:gd name="connsiteY12" fmla="*/ 546100 h 5803900"/>
+              <a:gd name="connsiteX0" fmla="*/ 12700 w 8102600"/>
+              <a:gd name="connsiteY0" fmla="*/ 546100 h 5803900"/>
+              <a:gd name="connsiteX1" fmla="*/ 88900 w 8102600"/>
+              <a:gd name="connsiteY1" fmla="*/ 88900 h 5803900"/>
+              <a:gd name="connsiteX2" fmla="*/ 546100 w 8102600"/>
+              <a:gd name="connsiteY2" fmla="*/ 12701 h 5803900"/>
+              <a:gd name="connsiteX3" fmla="*/ 7556500 w 8102600"/>
+              <a:gd name="connsiteY3" fmla="*/ 12700 h 5803900"/>
+              <a:gd name="connsiteX4" fmla="*/ 8013700 w 8102600"/>
+              <a:gd name="connsiteY4" fmla="*/ 88900 h 5803900"/>
+              <a:gd name="connsiteX5" fmla="*/ 8089899 w 8102600"/>
+              <a:gd name="connsiteY5" fmla="*/ 469900 h 5803900"/>
+              <a:gd name="connsiteX6" fmla="*/ 8089900 w 8102600"/>
+              <a:gd name="connsiteY6" fmla="*/ 4838681 h 5803900"/>
+              <a:gd name="connsiteX7" fmla="*/ 7807194 w 8102600"/>
+              <a:gd name="connsiteY7" fmla="*/ 5521194 h 5803900"/>
+              <a:gd name="connsiteX8" fmla="*/ 7124681 w 8102600"/>
+              <a:gd name="connsiteY8" fmla="*/ 5803900 h 5803900"/>
+              <a:gd name="connsiteX9" fmla="*/ 546100 w 8102600"/>
+              <a:gd name="connsiteY9" fmla="*/ 5803900 h 5803900"/>
+              <a:gd name="connsiteX10" fmla="*/ 88900 w 8102600"/>
+              <a:gd name="connsiteY10" fmla="*/ 5727700 h 5803900"/>
+              <a:gd name="connsiteX11" fmla="*/ 12700 w 8102600"/>
+              <a:gd name="connsiteY11" fmla="*/ 5346700 h 5803900"/>
+              <a:gd name="connsiteX12" fmla="*/ 12700 w 8102600"/>
+              <a:gd name="connsiteY12" fmla="*/ 546100 h 5803900"/>
+              <a:gd name="connsiteX0" fmla="*/ 12700 w 8102599"/>
+              <a:gd name="connsiteY0" fmla="*/ 546100 h 5803900"/>
+              <a:gd name="connsiteX1" fmla="*/ 88900 w 8102599"/>
+              <a:gd name="connsiteY1" fmla="*/ 88900 h 5803900"/>
+              <a:gd name="connsiteX2" fmla="*/ 546100 w 8102599"/>
+              <a:gd name="connsiteY2" fmla="*/ 12701 h 5803900"/>
+              <a:gd name="connsiteX3" fmla="*/ 7556500 w 8102599"/>
+              <a:gd name="connsiteY3" fmla="*/ 12700 h 5803900"/>
+              <a:gd name="connsiteX4" fmla="*/ 8013699 w 8102599"/>
+              <a:gd name="connsiteY4" fmla="*/ 88900 h 5803900"/>
+              <a:gd name="connsiteX5" fmla="*/ 8089899 w 8102599"/>
+              <a:gd name="connsiteY5" fmla="*/ 469900 h 5803900"/>
+              <a:gd name="connsiteX6" fmla="*/ 8089900 w 8102599"/>
+              <a:gd name="connsiteY6" fmla="*/ 4838681 h 5803900"/>
+              <a:gd name="connsiteX7" fmla="*/ 7807194 w 8102599"/>
+              <a:gd name="connsiteY7" fmla="*/ 5521194 h 5803900"/>
+              <a:gd name="connsiteX8" fmla="*/ 7124681 w 8102599"/>
+              <a:gd name="connsiteY8" fmla="*/ 5803900 h 5803900"/>
+              <a:gd name="connsiteX9" fmla="*/ 546100 w 8102599"/>
+              <a:gd name="connsiteY9" fmla="*/ 5803900 h 5803900"/>
+              <a:gd name="connsiteX10" fmla="*/ 88900 w 8102599"/>
+              <a:gd name="connsiteY10" fmla="*/ 5727700 h 5803900"/>
+              <a:gd name="connsiteX11" fmla="*/ 12700 w 8102599"/>
+              <a:gd name="connsiteY11" fmla="*/ 5346700 h 5803900"/>
+              <a:gd name="connsiteX12" fmla="*/ 12700 w 8102599"/>
+              <a:gd name="connsiteY12" fmla="*/ 546100 h 5803900"/>
+              <a:gd name="connsiteX0" fmla="*/ 12700 w 8102599"/>
+              <a:gd name="connsiteY0" fmla="*/ 546100 h 5803900"/>
+              <a:gd name="connsiteX1" fmla="*/ 88900 w 8102599"/>
+              <a:gd name="connsiteY1" fmla="*/ 88900 h 5803900"/>
+              <a:gd name="connsiteX2" fmla="*/ 546100 w 8102599"/>
+              <a:gd name="connsiteY2" fmla="*/ 12701 h 5803900"/>
+              <a:gd name="connsiteX3" fmla="*/ 7556500 w 8102599"/>
+              <a:gd name="connsiteY3" fmla="*/ 12700 h 5803900"/>
+              <a:gd name="connsiteX4" fmla="*/ 8013699 w 8102599"/>
+              <a:gd name="connsiteY4" fmla="*/ 88900 h 5803900"/>
+              <a:gd name="connsiteX5" fmla="*/ 8089899 w 8102599"/>
+              <a:gd name="connsiteY5" fmla="*/ 469900 h 5803900"/>
+              <a:gd name="connsiteX6" fmla="*/ 8089900 w 8102599"/>
+              <a:gd name="connsiteY6" fmla="*/ 5346700 h 5803900"/>
+              <a:gd name="connsiteX7" fmla="*/ 7807194 w 8102599"/>
+              <a:gd name="connsiteY7" fmla="*/ 5521194 h 5803900"/>
+              <a:gd name="connsiteX8" fmla="*/ 7124681 w 8102599"/>
+              <a:gd name="connsiteY8" fmla="*/ 5803900 h 5803900"/>
+              <a:gd name="connsiteX9" fmla="*/ 546100 w 8102599"/>
+              <a:gd name="connsiteY9" fmla="*/ 5803900 h 5803900"/>
+              <a:gd name="connsiteX10" fmla="*/ 88900 w 8102599"/>
+              <a:gd name="connsiteY10" fmla="*/ 5727700 h 5803900"/>
+              <a:gd name="connsiteX11" fmla="*/ 12700 w 8102599"/>
+              <a:gd name="connsiteY11" fmla="*/ 5346700 h 5803900"/>
+              <a:gd name="connsiteX12" fmla="*/ 12700 w 8102599"/>
+              <a:gd name="connsiteY12" fmla="*/ 546100 h 5803900"/>
+              <a:gd name="connsiteX0" fmla="*/ 12700 w 8102599"/>
+              <a:gd name="connsiteY0" fmla="*/ 546100 h 5803900"/>
+              <a:gd name="connsiteX1" fmla="*/ 88900 w 8102599"/>
+              <a:gd name="connsiteY1" fmla="*/ 88900 h 5803900"/>
+              <a:gd name="connsiteX2" fmla="*/ 546100 w 8102599"/>
+              <a:gd name="connsiteY2" fmla="*/ 12701 h 5803900"/>
+              <a:gd name="connsiteX3" fmla="*/ 7556500 w 8102599"/>
+              <a:gd name="connsiteY3" fmla="*/ 12700 h 5803900"/>
+              <a:gd name="connsiteX4" fmla="*/ 8013699 w 8102599"/>
+              <a:gd name="connsiteY4" fmla="*/ 88900 h 5803900"/>
+              <a:gd name="connsiteX5" fmla="*/ 8089899 w 8102599"/>
+              <a:gd name="connsiteY5" fmla="*/ 469900 h 5803900"/>
+              <a:gd name="connsiteX6" fmla="*/ 8089900 w 8102599"/>
+              <a:gd name="connsiteY6" fmla="*/ 5346700 h 5803900"/>
+              <a:gd name="connsiteX7" fmla="*/ 7807194 w 8102599"/>
+              <a:gd name="connsiteY7" fmla="*/ 5521194 h 5803900"/>
+              <a:gd name="connsiteX8" fmla="*/ 7632700 w 8102599"/>
+              <a:gd name="connsiteY8" fmla="*/ 5803900 h 5803900"/>
+              <a:gd name="connsiteX9" fmla="*/ 546100 w 8102599"/>
+              <a:gd name="connsiteY9" fmla="*/ 5803900 h 5803900"/>
+              <a:gd name="connsiteX10" fmla="*/ 88900 w 8102599"/>
+              <a:gd name="connsiteY10" fmla="*/ 5727700 h 5803900"/>
+              <a:gd name="connsiteX11" fmla="*/ 12700 w 8102599"/>
+              <a:gd name="connsiteY11" fmla="*/ 5346700 h 5803900"/>
+              <a:gd name="connsiteX12" fmla="*/ 12700 w 8102599"/>
+              <a:gd name="connsiteY12" fmla="*/ 546100 h 5803900"/>
+              <a:gd name="connsiteX0" fmla="*/ 12700 w 8102599"/>
+              <a:gd name="connsiteY0" fmla="*/ 546100 h 5803900"/>
+              <a:gd name="connsiteX1" fmla="*/ 88900 w 8102599"/>
+              <a:gd name="connsiteY1" fmla="*/ 88900 h 5803900"/>
+              <a:gd name="connsiteX2" fmla="*/ 546100 w 8102599"/>
+              <a:gd name="connsiteY2" fmla="*/ 12701 h 5803900"/>
+              <a:gd name="connsiteX3" fmla="*/ 7556500 w 8102599"/>
+              <a:gd name="connsiteY3" fmla="*/ 12700 h 5803900"/>
+              <a:gd name="connsiteX4" fmla="*/ 8013699 w 8102599"/>
+              <a:gd name="connsiteY4" fmla="*/ 88900 h 5803900"/>
+              <a:gd name="connsiteX5" fmla="*/ 8089899 w 8102599"/>
+              <a:gd name="connsiteY5" fmla="*/ 469900 h 5803900"/>
+              <a:gd name="connsiteX6" fmla="*/ 8089900 w 8102599"/>
+              <a:gd name="connsiteY6" fmla="*/ 5346700 h 5803900"/>
+              <a:gd name="connsiteX7" fmla="*/ 8013700 w 8102599"/>
+              <a:gd name="connsiteY7" fmla="*/ 5727700 h 5803900"/>
+              <a:gd name="connsiteX8" fmla="*/ 7632700 w 8102599"/>
+              <a:gd name="connsiteY8" fmla="*/ 5803900 h 5803900"/>
+              <a:gd name="connsiteX9" fmla="*/ 546100 w 8102599"/>
+              <a:gd name="connsiteY9" fmla="*/ 5803900 h 5803900"/>
+              <a:gd name="connsiteX10" fmla="*/ 88900 w 8102599"/>
+              <a:gd name="connsiteY10" fmla="*/ 5727700 h 5803900"/>
+              <a:gd name="connsiteX11" fmla="*/ 12700 w 8102599"/>
+              <a:gd name="connsiteY11" fmla="*/ 5346700 h 5803900"/>
+              <a:gd name="connsiteX12" fmla="*/ 12700 w 8102599"/>
+              <a:gd name="connsiteY12" fmla="*/ 546100 h 5803900"/>
+            </a:gdLst>
+            <a:ahLst/>
+            <a:cxnLst>
+              <a:cxn ang="0">
+                <a:pos x="connsiteX0" y="connsiteY0"/>
+              </a:cxn>
+              <a:cxn ang="0">
+                <a:pos x="connsiteX1" y="connsiteY1"/>
+              </a:cxn>
+              <a:cxn ang="0">
+                <a:pos x="connsiteX2" y="connsiteY2"/>
+              </a:cxn>
+              <a:cxn ang="0">
+                <a:pos x="connsiteX3" y="connsiteY3"/>
+              </a:cxn>
+              <a:cxn ang="0">
+                <a:pos x="connsiteX4" y="connsiteY4"/>
+              </a:cxn>
+              <a:cxn ang="0">
+                <a:pos x="connsiteX5" y="connsiteY5"/>
+              </a:cxn>
+              <a:cxn ang="0">
+                <a:pos x="connsiteX6" y="connsiteY6"/>
+              </a:cxn>
+              <a:cxn ang="0">
+                <a:pos x="connsiteX7" y="connsiteY7"/>
+              </a:cxn>
+              <a:cxn ang="0">
+                <a:pos x="connsiteX8" y="connsiteY8"/>
+              </a:cxn>
+              <a:cxn ang="0">
+                <a:pos x="connsiteX9" y="connsiteY9"/>
+              </a:cxn>
+              <a:cxn ang="0">
+                <a:pos x="connsiteX10" y="connsiteY10"/>
+              </a:cxn>
+              <a:cxn ang="0">
+                <a:pos x="connsiteX11" y="connsiteY11"/>
+              </a:cxn>
+              <a:cxn ang="0">
+                <a:pos x="connsiteX12" y="connsiteY12"/>
+              </a:cxn>
+            </a:cxnLst>
+            <a:rect l="l" t="t" r="r" b="b"/>
+            <a:pathLst>
+              <a:path w="8102599" h="5803900">
+                <a:moveTo>
+                  <a:pt x="12700" y="546100"/>
+                </a:moveTo>
+                <a:cubicBezTo>
+                  <a:pt x="12700" y="290108"/>
+                  <a:pt x="0" y="177800"/>
+                  <a:pt x="88900" y="88900"/>
+                </a:cubicBezTo>
+                <a:cubicBezTo>
+                  <a:pt x="177800" y="0"/>
+                  <a:pt x="290107" y="12700"/>
+                  <a:pt x="546100" y="12701"/>
+                </a:cubicBezTo>
+                <a:lnTo>
+                  <a:pt x="7556500" y="12700"/>
+                </a:lnTo>
+                <a:cubicBezTo>
+                  <a:pt x="7812492" y="12700"/>
+                  <a:pt x="7924799" y="12700"/>
+                  <a:pt x="8013699" y="88900"/>
+                </a:cubicBezTo>
+                <a:cubicBezTo>
+                  <a:pt x="8102599" y="165100"/>
+                  <a:pt x="8089900" y="213907"/>
+                  <a:pt x="8089899" y="469900"/>
+                </a:cubicBezTo>
+                <a:cubicBezTo>
+                  <a:pt x="8089899" y="1926160"/>
+                  <a:pt x="8089900" y="3890440"/>
+                  <a:pt x="8089900" y="5346700"/>
+                </a:cubicBezTo>
+                <a:cubicBezTo>
+                  <a:pt x="8089900" y="5602692"/>
+                  <a:pt x="8089900" y="5651500"/>
+                  <a:pt x="8013700" y="5727700"/>
+                </a:cubicBezTo>
+                <a:cubicBezTo>
+                  <a:pt x="7937500" y="5803900"/>
+                  <a:pt x="7888692" y="5803900"/>
+                  <a:pt x="7632700" y="5803900"/>
+                </a:cubicBezTo>
+                <a:lnTo>
+                  <a:pt x="546100" y="5803900"/>
+                </a:lnTo>
+                <a:cubicBezTo>
+                  <a:pt x="290108" y="5803900"/>
+                  <a:pt x="177800" y="5803900"/>
+                  <a:pt x="88900" y="5727700"/>
+                </a:cubicBezTo>
+                <a:cubicBezTo>
+                  <a:pt x="0" y="5651500"/>
+                  <a:pt x="12700" y="5602692"/>
+                  <a:pt x="12700" y="5346700"/>
+                </a:cubicBezTo>
+                <a:lnTo>
+                  <a:pt x="12700" y="546100"/>
+                </a:lnTo>
+                <a:close/>
+              </a:path>
+            </a:pathLst>
+          </a:custGeom>
+          <a:gradFill>
+            <a:gsLst>
+              <a:gs pos="0">
+                <a:schemeClr val="bg1">
+                  <a:lumMod val="50000"/>
+                </a:schemeClr>
+              </a:gs>
+              <a:gs pos="39999">
+                <a:schemeClr val="bg1">
+                  <a:lumMod val="65000"/>
+                </a:schemeClr>
+              </a:gs>
+              <a:gs pos="70000">
+                <a:schemeClr val="bg1">
+                  <a:lumMod val="50000"/>
+                  <a:alpha val="73000"/>
+                </a:schemeClr>
+              </a:gs>
+            </a:gsLst>
+            <a:lin ang="5400000" scaled="0"/>
+          </a:gradFill>
+          <a:ln>
+            <a:solidFill>
+              <a:schemeClr val="bg1">
+                <a:lumMod val="75000"/>
+              </a:schemeClr>
+            </a:solidFill>
+          </a:ln>
+        </p:spPr>
+        <p:style>
+          <a:lnRef idx="2">
+            <a:schemeClr val="accent1">
+              <a:shade val="50000"/>
+            </a:schemeClr>
+          </a:lnRef>
+          <a:fillRef idx="1">
+            <a:schemeClr val="accent1"/>
+          </a:fillRef>
+          <a:effectRef idx="0">
+            <a:schemeClr val="accent1"/>
+          </a:effectRef>
+          <a:fontRef idx="minor">
+            <a:schemeClr val="lt1"/>
+          </a:fontRef>
+        </p:style>
+        <p:txBody>
+          <a:bodyPr rtlCol="0" anchor="ctr"/>
+          <a:lstStyle/>
+          <a:p>
+            <a:pPr fontAlgn="t"/>
+            <a:endParaRPr lang="es-AR" b="1" dirty="0" smtClean="0"/>
+          </a:p>
+          <a:p>
+            <a:pPr algn="ctr"/>
+            <a:endParaRPr lang="es-AR" dirty="0"/>
+          </a:p>
+        </p:txBody>
+      </p:sp>
+      <p:sp>
+        <p:nvSpPr>
+          <p:cNvPr id="14" name="Rectangle 13"/>
+          <p:cNvSpPr/>
+          <p:nvPr/>
+        </p:nvSpPr>
+        <p:spPr>
+          <a:xfrm>
+            <a:off x="381000" y="1295400"/>
+            <a:ext cx="8458200" cy="1066800"/>
+          </a:xfrm>
+          <a:prstGeom prst="rect">
+            <a:avLst/>
+          </a:prstGeom>
+          <a:noFill/>
+          <a:ln>
+            <a:noFill/>
+          </a:ln>
+        </p:spPr>
+        <p:style>
+          <a:lnRef idx="2">
+            <a:schemeClr val="accent1">
+              <a:shade val="50000"/>
+            </a:schemeClr>
+          </a:lnRef>
+          <a:fillRef idx="1">
+            <a:schemeClr val="accent1"/>
+          </a:fillRef>
+          <a:effectRef idx="0">
+            <a:schemeClr val="accent1"/>
+          </a:effectRef>
+          <a:fontRef idx="minor">
+            <a:schemeClr val="lt1"/>
+          </a:fontRef>
+        </p:style>
+        <p:txBody>
+          <a:bodyPr rtlCol="0" anchor="ctr"/>
+          <a:lstStyle/>
+          <a:p>
+            <a:pPr algn="ctr"/>
+            <a:r>
+              <a:rPr lang="es-AR" sz="4800" b="1" u="sng" dirty="0" smtClean="0"/>
               <a:t>Interfaces</a:t>
             </a:r>
           </a:p>
@@ -6156,91 +8518,62 @@
           </p:txBody>
         </p:sp>
       </p:grpSp>
-      <p:grpSp>
-        <p:nvGrpSpPr>
-          <p:cNvPr id="1026" name="Group 2"/>
-          <p:cNvGrpSpPr>
-            <a:grpSpLocks/>
-          </p:cNvGrpSpPr>
+      <p:sp>
+        <p:nvSpPr>
+          <p:cNvPr id="1028" name="AutoShape 4"/>
+          <p:cNvSpPr>
+            <a:spLocks noChangeArrowheads="1"/>
+          </p:cNvSpPr>
           <p:nvPr/>
-        </p:nvGrpSpPr>
-        <p:grpSpPr bwMode="auto">
+        </p:nvSpPr>
+        <p:spPr bwMode="auto">
           <a:xfrm>
-            <a:off x="1905000" y="2505075"/>
-            <a:ext cx="5743575" cy="2809875"/>
-            <a:chOff x="1875" y="3255"/>
-            <a:chExt cx="9045" cy="4425"/>
+            <a:off x="6019800" y="4724400"/>
+            <a:ext cx="1200150" cy="1266825"/>
           </a:xfrm>
-        </p:grpSpPr>
-        <p:sp>
-          <p:nvSpPr>
-            <p:cNvPr id="1027" name="AutoShape 3"/>
-            <p:cNvSpPr>
-              <a:spLocks noChangeArrowheads="1"/>
-            </p:cNvSpPr>
-            <p:nvPr/>
-          </p:nvSpPr>
-          <p:spPr bwMode="auto">
-            <a:xfrm>
-              <a:off x="7935" y="3255"/>
-              <a:ext cx="1890" cy="1995"/>
-            </a:xfrm>
-            <a:prstGeom prst="foldedCorner">
-              <a:avLst>
-                <a:gd name="adj" fmla="val 12500"/>
-              </a:avLst>
-            </a:prstGeom>
+          <a:prstGeom prst="foldedCorner">
+            <a:avLst>
+              <a:gd name="adj" fmla="val 12500"/>
+            </a:avLst>
+          </a:prstGeom>
+          <a:solidFill>
+            <a:srgbClr val="FFFFFF"/>
+          </a:solidFill>
+          <a:ln w="9525">
             <a:solidFill>
-              <a:srgbClr val="FFFFFF"/>
+              <a:srgbClr val="000000"/>
             </a:solidFill>
-            <a:ln w="9525">
-              <a:solidFill>
-                <a:srgbClr val="000000"/>
-              </a:solidFill>
-              <a:round/>
-              <a:headEnd/>
-              <a:tailEnd/>
-            </a:ln>
-          </p:spPr>
-          <p:txBody>
-            <a:bodyPr vert="horz" wrap="square" lIns="91440" tIns="45720" rIns="91440" bIns="45720" numCol="1" anchor="t" anchorCtr="0" compatLnSpc="1">
-              <a:prstTxWarp prst="textNoShape">
-                <a:avLst/>
-              </a:prstTxWarp>
-            </a:bodyPr>
-            <a:lstStyle/>
-            <a:p>
-              <a:pPr marL="0" marR="0" lvl="0" indent="0" algn="l" defTabSz="914400" rtl="0" eaLnBrk="1" fontAlgn="base" latinLnBrk="0" hangingPunct="1">
-                <a:lnSpc>
-                  <a:spcPct val="100000"/>
-                </a:lnSpc>
-                <a:spcBef>
-                  <a:spcPct val="0"/>
-                </a:spcBef>
-                <a:spcAft>
-                  <a:spcPts val="1000"/>
-                </a:spcAft>
-                <a:buClrTx/>
-                <a:buSzTx/>
-                <a:buFontTx/>
-                <a:buNone/>
-                <a:tabLst/>
-              </a:pPr>
-              <a:r>
-                <a:rPr kumimoji="0" lang="es-AR" sz="1100" b="0" i="0" u="none" strike="noStrike" cap="none" normalizeH="0" baseline="0" smtClean="0">
-                  <a:ln>
-                    <a:noFill/>
-                  </a:ln>
-                  <a:solidFill>
-                    <a:schemeClr val="tx1"/>
-                  </a:solidFill>
-                  <a:effectLst/>
-                  <a:latin typeface="Calibri" pitchFamily="34" charset="0"/>
-                  <a:cs typeface="Arial" pitchFamily="34" charset="0"/>
-                </a:rPr>
-                <a:t>VTV</a:t>
-              </a:r>
-              <a:endParaRPr kumimoji="0" lang="es-AR" sz="1800" b="0" i="0" u="none" strike="noStrike" cap="none" normalizeH="0" baseline="0" smtClean="0">
+            <a:round/>
+            <a:headEnd/>
+            <a:tailEnd/>
+          </a:ln>
+        </p:spPr>
+        <p:txBody>
+          <a:bodyPr vert="horz" wrap="square" lIns="91440" tIns="45720" rIns="91440" bIns="45720" numCol="1" anchor="t" anchorCtr="0" compatLnSpc="1">
+            <a:prstTxWarp prst="textNoShape">
+              <a:avLst/>
+            </a:prstTxWarp>
+          </a:bodyPr>
+          <a:lstStyle/>
+          <a:p>
+            <a:pPr marL="0" marR="0" lvl="0" indent="0" algn="l" defTabSz="914400" rtl="0" eaLnBrk="1" fontAlgn="base" latinLnBrk="0" hangingPunct="1">
+              <a:lnSpc>
+                <a:spcPct val="100000"/>
+              </a:lnSpc>
+              <a:spcBef>
+                <a:spcPct val="0"/>
+              </a:spcBef>
+              <a:spcAft>
+                <a:spcPts val="1000"/>
+              </a:spcAft>
+              <a:buClrTx/>
+              <a:buSzTx/>
+              <a:buFontTx/>
+              <a:buNone/>
+              <a:tabLst/>
+            </a:pPr>
+            <a:r>
+              <a:rPr kumimoji="0" lang="es-AR" sz="1100" b="0" i="0" u="none" strike="noStrike" cap="none" normalizeH="0" baseline="0" smtClean="0">
                 <a:ln>
                   <a:noFill/>
                 </a:ln>
@@ -6248,81 +8581,81 @@
                   <a:schemeClr val="tx1"/>
                 </a:solidFill>
                 <a:effectLst/>
-                <a:latin typeface="Arial" pitchFamily="34" charset="0"/>
+                <a:latin typeface="Calibri" pitchFamily="34" charset="0"/>
                 <a:cs typeface="Arial" pitchFamily="34" charset="0"/>
-              </a:endParaRPr>
-            </a:p>
-          </p:txBody>
-        </p:sp>
-        <p:sp>
-          <p:nvSpPr>
-            <p:cNvPr id="1028" name="AutoShape 4"/>
-            <p:cNvSpPr>
-              <a:spLocks noChangeArrowheads="1"/>
-            </p:cNvSpPr>
-            <p:nvPr/>
-          </p:nvSpPr>
-          <p:spPr bwMode="auto">
-            <a:xfrm>
-              <a:off x="8250" y="3720"/>
-              <a:ext cx="1890" cy="1995"/>
-            </a:xfrm>
-            <a:prstGeom prst="foldedCorner">
-              <a:avLst>
-                <a:gd name="adj" fmla="val 12500"/>
-              </a:avLst>
-            </a:prstGeom>
+              </a:rPr>
+              <a:t>INFRACCIONES</a:t>
+            </a:r>
+            <a:endParaRPr kumimoji="0" lang="es-AR" sz="1800" b="0" i="0" u="none" strike="noStrike" cap="none" normalizeH="0" baseline="0" smtClean="0">
+              <a:ln>
+                <a:noFill/>
+              </a:ln>
+              <a:solidFill>
+                <a:schemeClr val="tx1"/>
+              </a:solidFill>
+              <a:effectLst/>
+              <a:latin typeface="Arial" pitchFamily="34" charset="0"/>
+              <a:cs typeface="Arial" pitchFamily="34" charset="0"/>
+            </a:endParaRPr>
+          </a:p>
+        </p:txBody>
+      </p:sp>
+      <p:sp>
+        <p:nvSpPr>
+          <p:cNvPr id="1029" name="AutoShape 5"/>
+          <p:cNvSpPr>
+            <a:spLocks noChangeArrowheads="1"/>
+          </p:cNvSpPr>
+          <p:nvPr/>
+        </p:nvSpPr>
+        <p:spPr bwMode="auto">
+          <a:xfrm>
+            <a:off x="7315200" y="4724400"/>
+            <a:ext cx="1200150" cy="1266825"/>
+          </a:xfrm>
+          <a:prstGeom prst="foldedCorner">
+            <a:avLst>
+              <a:gd name="adj" fmla="val 12500"/>
+            </a:avLst>
+          </a:prstGeom>
+          <a:solidFill>
+            <a:srgbClr val="FFFFFF"/>
+          </a:solidFill>
+          <a:ln w="9525">
             <a:solidFill>
-              <a:srgbClr val="FFFFFF"/>
+              <a:srgbClr val="000000"/>
             </a:solidFill>
-            <a:ln w="9525">
-              <a:solidFill>
-                <a:srgbClr val="000000"/>
-              </a:solidFill>
-              <a:round/>
-              <a:headEnd/>
-              <a:tailEnd/>
-            </a:ln>
-          </p:spPr>
-          <p:txBody>
-            <a:bodyPr vert="horz" wrap="square" lIns="91440" tIns="45720" rIns="91440" bIns="45720" numCol="1" anchor="t" anchorCtr="0" compatLnSpc="1">
-              <a:prstTxWarp prst="textNoShape">
-                <a:avLst/>
-              </a:prstTxWarp>
-            </a:bodyPr>
-            <a:lstStyle/>
-            <a:p>
-              <a:pPr marL="0" marR="0" lvl="0" indent="0" algn="l" defTabSz="914400" rtl="0" eaLnBrk="1" fontAlgn="base" latinLnBrk="0" hangingPunct="1">
-                <a:lnSpc>
-                  <a:spcPct val="100000"/>
-                </a:lnSpc>
-                <a:spcBef>
-                  <a:spcPct val="0"/>
-                </a:spcBef>
-                <a:spcAft>
-                  <a:spcPts val="1000"/>
-                </a:spcAft>
-                <a:buClrTx/>
-                <a:buSzTx/>
-                <a:buFontTx/>
-                <a:buNone/>
-                <a:tabLst/>
-              </a:pPr>
-              <a:r>
-                <a:rPr kumimoji="0" lang="es-AR" sz="1100" b="0" i="0" u="none" strike="noStrike" cap="none" normalizeH="0" baseline="0" smtClean="0">
-                  <a:ln>
-                    <a:noFill/>
-                  </a:ln>
-                  <a:solidFill>
-                    <a:schemeClr val="tx1"/>
-                  </a:solidFill>
-                  <a:effectLst/>
-                  <a:latin typeface="Calibri" pitchFamily="34" charset="0"/>
-                  <a:cs typeface="Arial" pitchFamily="34" charset="0"/>
-                </a:rPr>
-                <a:t>INFRACCIONES</a:t>
-              </a:r>
-              <a:endParaRPr kumimoji="0" lang="es-AR" sz="1800" b="0" i="0" u="none" strike="noStrike" cap="none" normalizeH="0" baseline="0" smtClean="0">
+            <a:round/>
+            <a:headEnd/>
+            <a:tailEnd/>
+          </a:ln>
+        </p:spPr>
+        <p:txBody>
+          <a:bodyPr vert="horz" wrap="square" lIns="91440" tIns="45720" rIns="91440" bIns="45720" numCol="1" anchor="t" anchorCtr="0" compatLnSpc="1">
+            <a:prstTxWarp prst="textNoShape">
+              <a:avLst/>
+            </a:prstTxWarp>
+          </a:bodyPr>
+          <a:lstStyle/>
+          <a:p>
+            <a:pPr marL="0" marR="0" lvl="0" indent="0" algn="l" defTabSz="914400" rtl="0" eaLnBrk="1" fontAlgn="base" latinLnBrk="0" hangingPunct="1">
+              <a:lnSpc>
+                <a:spcPct val="100000"/>
+              </a:lnSpc>
+              <a:spcBef>
+                <a:spcPct val="0"/>
+              </a:spcBef>
+              <a:spcAft>
+                <a:spcPts val="1000"/>
+              </a:spcAft>
+              <a:buClrTx/>
+              <a:buSzTx/>
+              <a:buFontTx/>
+              <a:buNone/>
+              <a:tabLst/>
+            </a:pPr>
+            <a:r>
+              <a:rPr kumimoji="0" lang="es-AR" sz="1100" b="0" i="0" u="none" strike="noStrike" cap="none" normalizeH="0" baseline="0" smtClean="0">
                 <a:ln>
                   <a:noFill/>
                 </a:ln>
@@ -6330,81 +8663,217 @@
                   <a:schemeClr val="tx1"/>
                 </a:solidFill>
                 <a:effectLst/>
-                <a:latin typeface="Arial" pitchFamily="34" charset="0"/>
+                <a:latin typeface="Calibri" pitchFamily="34" charset="0"/>
                 <a:cs typeface="Arial" pitchFamily="34" charset="0"/>
-              </a:endParaRPr>
-            </a:p>
-          </p:txBody>
-        </p:sp>
-        <p:sp>
-          <p:nvSpPr>
-            <p:cNvPr id="1029" name="AutoShape 5"/>
-            <p:cNvSpPr>
-              <a:spLocks noChangeArrowheads="1"/>
-            </p:cNvSpPr>
-            <p:nvPr/>
-          </p:nvSpPr>
-          <p:spPr bwMode="auto">
-            <a:xfrm>
-              <a:off x="8685" y="4350"/>
-              <a:ext cx="1890" cy="1995"/>
-            </a:xfrm>
-            <a:prstGeom prst="foldedCorner">
-              <a:avLst>
-                <a:gd name="adj" fmla="val 12500"/>
-              </a:avLst>
-            </a:prstGeom>
+              </a:rPr>
+              <a:t>SCORING VEHICULAR</a:t>
+            </a:r>
+            <a:endParaRPr kumimoji="0" lang="es-AR" sz="1800" b="0" i="0" u="none" strike="noStrike" cap="none" normalizeH="0" baseline="0" smtClean="0">
+              <a:ln>
+                <a:noFill/>
+              </a:ln>
+              <a:solidFill>
+                <a:schemeClr val="tx1"/>
+              </a:solidFill>
+              <a:effectLst/>
+              <a:latin typeface="Arial" pitchFamily="34" charset="0"/>
+              <a:cs typeface="Arial" pitchFamily="34" charset="0"/>
+            </a:endParaRPr>
+          </a:p>
+        </p:txBody>
+      </p:sp>
+      <p:sp>
+        <p:nvSpPr>
+          <p:cNvPr id="1032" name="AutoShape 8"/>
+          <p:cNvSpPr>
+            <a:spLocks noChangeArrowheads="1"/>
+          </p:cNvSpPr>
+          <p:nvPr/>
+        </p:nvSpPr>
+        <p:spPr bwMode="auto">
+          <a:xfrm>
+            <a:off x="3343275" y="3419475"/>
+            <a:ext cx="1552575" cy="1019175"/>
+          </a:xfrm>
+          <a:prstGeom prst="flowChartMagneticDisk">
+            <a:avLst/>
+          </a:prstGeom>
+          <a:solidFill>
+            <a:schemeClr val="tx2">
+              <a:lumMod val="60000"/>
+              <a:lumOff val="40000"/>
+            </a:schemeClr>
+          </a:solidFill>
+          <a:ln w="9525">
             <a:solidFill>
-              <a:srgbClr val="FFFFFF"/>
+              <a:srgbClr val="000000"/>
             </a:solidFill>
-            <a:ln w="9525">
-              <a:solidFill>
-                <a:srgbClr val="000000"/>
-              </a:solidFill>
-              <a:round/>
-              <a:headEnd/>
-              <a:tailEnd/>
-            </a:ln>
-          </p:spPr>
-          <p:txBody>
-            <a:bodyPr vert="horz" wrap="square" lIns="91440" tIns="45720" rIns="91440" bIns="45720" numCol="1" anchor="t" anchorCtr="0" compatLnSpc="1">
-              <a:prstTxWarp prst="textNoShape">
-                <a:avLst/>
-              </a:prstTxWarp>
-            </a:bodyPr>
-            <a:lstStyle/>
-            <a:p>
-              <a:pPr marL="0" marR="0" lvl="0" indent="0" algn="l" defTabSz="914400" rtl="0" eaLnBrk="1" fontAlgn="base" latinLnBrk="0" hangingPunct="1">
-                <a:lnSpc>
-                  <a:spcPct val="100000"/>
-                </a:lnSpc>
-                <a:spcBef>
-                  <a:spcPct val="0"/>
-                </a:spcBef>
-                <a:spcAft>
-                  <a:spcPts val="1000"/>
-                </a:spcAft>
-                <a:buClrTx/>
-                <a:buSzTx/>
-                <a:buFontTx/>
-                <a:buNone/>
-                <a:tabLst/>
-              </a:pPr>
-              <a:r>
-                <a:rPr kumimoji="0" lang="es-AR" sz="1100" b="0" i="0" u="none" strike="noStrike" cap="none" normalizeH="0" baseline="0" smtClean="0">
-                  <a:ln>
-                    <a:noFill/>
-                  </a:ln>
-                  <a:solidFill>
-                    <a:schemeClr val="tx1"/>
-                  </a:solidFill>
-                  <a:effectLst/>
-                  <a:latin typeface="Calibri" pitchFamily="34" charset="0"/>
-                  <a:cs typeface="Arial" pitchFamily="34" charset="0"/>
-                </a:rPr>
-                <a:t>SCORING VEHICULAR</a:t>
-              </a:r>
-              <a:endParaRPr kumimoji="0" lang="es-AR" sz="1800" b="0" i="0" u="none" strike="noStrike" cap="none" normalizeH="0" baseline="0" smtClean="0">
+            <a:round/>
+            <a:headEnd/>
+            <a:tailEnd/>
+          </a:ln>
+          <a:effectLst>
+            <a:innerShdw blurRad="63500" dist="50800" dir="13500000">
+              <a:prstClr val="black">
+                <a:alpha val="50000"/>
+              </a:prstClr>
+            </a:innerShdw>
+          </a:effectLst>
+        </p:spPr>
+        <p:txBody>
+          <a:bodyPr vert="horz" wrap="square" lIns="91440" tIns="45720" rIns="91440" bIns="45720" numCol="1" anchor="t" anchorCtr="0" compatLnSpc="1">
+            <a:prstTxWarp prst="textNoShape">
+              <a:avLst/>
+            </a:prstTxWarp>
+          </a:bodyPr>
+          <a:lstStyle/>
+          <a:p>
+            <a:endParaRPr lang="es-AR"/>
+          </a:p>
+        </p:txBody>
+      </p:sp>
+      <p:cxnSp>
+        <p:nvCxnSpPr>
+          <p:cNvPr id="1033" name="AutoShape 9"/>
+          <p:cNvCxnSpPr>
+            <a:cxnSpLocks noChangeShapeType="1"/>
+            <a:stCxn id="2058" idx="3"/>
+          </p:cNvCxnSpPr>
+          <p:nvPr/>
+        </p:nvCxnSpPr>
+        <p:spPr bwMode="auto">
+          <a:xfrm>
+            <a:off x="2438400" y="2601503"/>
+            <a:ext cx="990600" cy="884647"/>
+          </a:xfrm>
+          <a:prstGeom prst="straightConnector1">
+            <a:avLst/>
+          </a:prstGeom>
+          <a:noFill/>
+          <a:ln w="9525">
+            <a:solidFill>
+              <a:srgbClr val="000000"/>
+            </a:solidFill>
+            <a:prstDash val="dash"/>
+            <a:round/>
+            <a:headEnd/>
+            <a:tailEnd/>
+          </a:ln>
+        </p:spPr>
+      </p:cxnSp>
+      <p:cxnSp>
+        <p:nvCxnSpPr>
+          <p:cNvPr id="1034" name="AutoShape 10"/>
+          <p:cNvCxnSpPr>
+            <a:cxnSpLocks noChangeShapeType="1"/>
+            <a:stCxn id="2060" idx="2"/>
+          </p:cNvCxnSpPr>
+          <p:nvPr/>
+        </p:nvCxnSpPr>
+        <p:spPr bwMode="auto">
+          <a:xfrm rot="5400000">
+            <a:off x="6139932" y="2063231"/>
+            <a:ext cx="331237" cy="2857500"/>
+          </a:xfrm>
+          <a:prstGeom prst="straightConnector1">
+            <a:avLst/>
+          </a:prstGeom>
+          <a:noFill/>
+          <a:ln w="9525">
+            <a:solidFill>
+              <a:srgbClr val="000000"/>
+            </a:solidFill>
+            <a:prstDash val="dash"/>
+            <a:round/>
+            <a:headEnd/>
+            <a:tailEnd/>
+          </a:ln>
+        </p:spPr>
+      </p:cxnSp>
+      <p:cxnSp>
+        <p:nvCxnSpPr>
+          <p:cNvPr id="1036" name="AutoShape 12"/>
+          <p:cNvCxnSpPr>
+            <a:cxnSpLocks noChangeShapeType="1"/>
+            <a:stCxn id="28" idx="0"/>
+          </p:cNvCxnSpPr>
+          <p:nvPr/>
+        </p:nvCxnSpPr>
+        <p:spPr bwMode="auto">
+          <a:xfrm rot="5400000" flipH="1" flipV="1">
+            <a:off x="3067050" y="4667251"/>
+            <a:ext cx="638174" cy="85725"/>
+          </a:xfrm>
+          <a:prstGeom prst="straightConnector1">
+            <a:avLst/>
+          </a:prstGeom>
+          <a:noFill/>
+          <a:ln w="9525">
+            <a:solidFill>
+              <a:srgbClr val="000000"/>
+            </a:solidFill>
+            <a:prstDash val="dash"/>
+            <a:round/>
+            <a:headEnd/>
+            <a:tailEnd/>
+          </a:ln>
+        </p:spPr>
+      </p:cxnSp>
+      <p:sp>
+        <p:nvSpPr>
+          <p:cNvPr id="1038" name="Text Box 14"/>
+          <p:cNvSpPr txBox="1">
+            <a:spLocks noChangeArrowheads="1"/>
+          </p:cNvSpPr>
+          <p:nvPr/>
+        </p:nvSpPr>
+        <p:spPr bwMode="auto">
+          <a:xfrm>
+            <a:off x="3876040" y="3886200"/>
+            <a:ext cx="543560" cy="400050"/>
+          </a:xfrm>
+          <a:prstGeom prst="rect">
+            <a:avLst/>
+          </a:prstGeom>
+          <a:solidFill>
+            <a:schemeClr val="tx2">
+              <a:lumMod val="60000"/>
+              <a:lumOff val="40000"/>
+            </a:schemeClr>
+          </a:solidFill>
+          <a:ln w="9525">
+            <a:noFill/>
+            <a:miter lim="800000"/>
+            <a:headEnd/>
+            <a:tailEnd/>
+          </a:ln>
+        </p:spPr>
+        <p:txBody>
+          <a:bodyPr vert="horz" wrap="square" lIns="91440" tIns="45720" rIns="91440" bIns="45720" numCol="1" anchor="t" anchorCtr="0" compatLnSpc="1">
+            <a:prstTxWarp prst="textNoShape">
+              <a:avLst/>
+            </a:prstTxWarp>
+          </a:bodyPr>
+          <a:lstStyle/>
+          <a:p>
+            <a:pPr marL="0" marR="0" lvl="0" indent="0" algn="l" defTabSz="914400" rtl="0" eaLnBrk="1" fontAlgn="base" latinLnBrk="0" hangingPunct="1">
+              <a:lnSpc>
+                <a:spcPct val="100000"/>
+              </a:lnSpc>
+              <a:spcBef>
+                <a:spcPct val="0"/>
+              </a:spcBef>
+              <a:spcAft>
+                <a:spcPts val="1000"/>
+              </a:spcAft>
+              <a:buClrTx/>
+              <a:buSzTx/>
+              <a:buFontTx/>
+              <a:buNone/>
+              <a:tabLst/>
+            </a:pPr>
+            <a:r>
+              <a:rPr kumimoji="0" lang="es-AR" sz="2000" b="1" i="0" u="none" strike="noStrike" cap="none" normalizeH="0" baseline="0" dirty="0" smtClean="0">
                 <a:ln>
                   <a:noFill/>
                 </a:ln>
@@ -6412,535 +8881,31 @@
                   <a:schemeClr val="tx1"/>
                 </a:solidFill>
                 <a:effectLst/>
-                <a:latin typeface="Arial" pitchFamily="34" charset="0"/>
+                <a:latin typeface="Calibri" pitchFamily="34" charset="0"/>
                 <a:cs typeface="Arial" pitchFamily="34" charset="0"/>
-              </a:endParaRPr>
-            </a:p>
-          </p:txBody>
-        </p:sp>
-        <p:sp>
-          <p:nvSpPr>
-            <p:cNvPr id="1030" name="Text Box 6"/>
-            <p:cNvSpPr txBox="1">
-              <a:spLocks noChangeArrowheads="1"/>
-            </p:cNvSpPr>
-            <p:nvPr/>
-          </p:nvSpPr>
-          <p:spPr bwMode="auto">
-            <a:xfrm>
-              <a:off x="7605" y="5715"/>
-              <a:ext cx="1080" cy="510"/>
-            </a:xfrm>
-            <a:prstGeom prst="rect">
-              <a:avLst/>
-            </a:prstGeom>
-            <a:solidFill>
-              <a:srgbClr val="FFFFFF"/>
-            </a:solidFill>
-            <a:ln w="9525">
-              <a:noFill/>
-              <a:miter lim="800000"/>
-              <a:headEnd/>
-              <a:tailEnd/>
-            </a:ln>
-          </p:spPr>
-          <p:txBody>
-            <a:bodyPr vert="horz" wrap="square" lIns="91440" tIns="45720" rIns="91440" bIns="45720" numCol="1" anchor="t" anchorCtr="0" compatLnSpc="1">
-              <a:prstTxWarp prst="textNoShape">
-                <a:avLst/>
-              </a:prstTxWarp>
-            </a:bodyPr>
-            <a:lstStyle/>
-            <a:p>
-              <a:pPr marL="0" marR="0" lvl="0" indent="0" algn="l" defTabSz="914400" rtl="0" eaLnBrk="1" fontAlgn="base" latinLnBrk="0" hangingPunct="1">
-                <a:lnSpc>
-                  <a:spcPct val="100000"/>
-                </a:lnSpc>
-                <a:spcBef>
-                  <a:spcPct val="0"/>
-                </a:spcBef>
-                <a:spcAft>
-                  <a:spcPts val="1000"/>
-                </a:spcAft>
-                <a:buClrTx/>
-                <a:buSzTx/>
-                <a:buFontTx/>
-                <a:buNone/>
-                <a:tabLst/>
-              </a:pPr>
-              <a:r>
-                <a:rPr kumimoji="0" lang="es-AR" sz="1100" b="1" i="0" u="none" strike="noStrike" cap="none" normalizeH="0" baseline="0" smtClean="0">
-                  <a:ln>
-                    <a:noFill/>
-                  </a:ln>
-                  <a:solidFill>
-                    <a:schemeClr val="tx1"/>
-                  </a:solidFill>
-                  <a:effectLst/>
-                  <a:latin typeface="Calibri" pitchFamily="34" charset="0"/>
-                  <a:cs typeface="Arial" pitchFamily="34" charset="0"/>
-                </a:rPr>
-                <a:t>HTML</a:t>
-              </a:r>
-              <a:endParaRPr kumimoji="0" lang="es-AR" sz="1800" b="0" i="0" u="none" strike="noStrike" cap="none" normalizeH="0" baseline="0" smtClean="0">
-                <a:ln>
-                  <a:noFill/>
-                </a:ln>
-                <a:solidFill>
-                  <a:schemeClr val="tx1"/>
-                </a:solidFill>
-                <a:effectLst/>
-                <a:latin typeface="Arial" pitchFamily="34" charset="0"/>
-                <a:cs typeface="Arial" pitchFamily="34" charset="0"/>
-              </a:endParaRPr>
-            </a:p>
-          </p:txBody>
-        </p:sp>
-        <p:sp>
-          <p:nvSpPr>
-            <p:cNvPr id="1031" name="Text Box 7"/>
-            <p:cNvSpPr txBox="1">
-              <a:spLocks noChangeArrowheads="1"/>
-            </p:cNvSpPr>
-            <p:nvPr/>
-          </p:nvSpPr>
-          <p:spPr bwMode="auto">
-            <a:xfrm>
-              <a:off x="1995" y="3750"/>
-              <a:ext cx="1080" cy="510"/>
-            </a:xfrm>
-            <a:prstGeom prst="rect">
-              <a:avLst/>
-            </a:prstGeom>
-            <a:solidFill>
-              <a:srgbClr val="FFFFFF"/>
-            </a:solidFill>
-            <a:ln w="9525">
-              <a:noFill/>
-              <a:miter lim="800000"/>
-              <a:headEnd/>
-              <a:tailEnd/>
-            </a:ln>
-          </p:spPr>
-          <p:txBody>
-            <a:bodyPr vert="horz" wrap="square" lIns="91440" tIns="45720" rIns="91440" bIns="45720" numCol="1" anchor="t" anchorCtr="0" compatLnSpc="1">
-              <a:prstTxWarp prst="textNoShape">
-                <a:avLst/>
-              </a:prstTxWarp>
-            </a:bodyPr>
-            <a:lstStyle/>
-            <a:p>
-              <a:pPr marL="0" marR="0" lvl="0" indent="0" algn="l" defTabSz="914400" rtl="0" eaLnBrk="1" fontAlgn="base" latinLnBrk="0" hangingPunct="1">
-                <a:lnSpc>
-                  <a:spcPct val="100000"/>
-                </a:lnSpc>
-                <a:spcBef>
-                  <a:spcPct val="0"/>
-                </a:spcBef>
-                <a:spcAft>
-                  <a:spcPts val="1000"/>
-                </a:spcAft>
-                <a:buClrTx/>
-                <a:buSzTx/>
-                <a:buFontTx/>
-                <a:buNone/>
-                <a:tabLst/>
-              </a:pPr>
-              <a:r>
-                <a:rPr kumimoji="0" lang="es-AR" sz="1100" b="1" i="0" u="none" strike="noStrike" cap="none" normalizeH="0" baseline="0" dirty="0" smtClean="0">
-                  <a:ln>
-                    <a:noFill/>
-                  </a:ln>
-                  <a:solidFill>
-                    <a:schemeClr val="tx1"/>
-                  </a:solidFill>
-                  <a:effectLst/>
-                  <a:latin typeface="Calibri" pitchFamily="34" charset="0"/>
-                  <a:cs typeface="Arial" pitchFamily="34" charset="0"/>
-                </a:rPr>
-                <a:t>BCRA</a:t>
-              </a:r>
-              <a:endParaRPr kumimoji="0" lang="es-AR" sz="1800" b="0" i="0" u="none" strike="noStrike" cap="none" normalizeH="0" baseline="0" dirty="0" smtClean="0">
-                <a:ln>
-                  <a:noFill/>
-                </a:ln>
-                <a:solidFill>
-                  <a:schemeClr val="tx1"/>
-                </a:solidFill>
-                <a:effectLst/>
-                <a:latin typeface="Arial" pitchFamily="34" charset="0"/>
-                <a:cs typeface="Arial" pitchFamily="34" charset="0"/>
-              </a:endParaRPr>
-            </a:p>
-          </p:txBody>
-        </p:sp>
-        <p:sp>
-          <p:nvSpPr>
-            <p:cNvPr id="1032" name="AutoShape 8"/>
-            <p:cNvSpPr>
-              <a:spLocks noChangeArrowheads="1"/>
-            </p:cNvSpPr>
-            <p:nvPr/>
-          </p:nvSpPr>
-          <p:spPr bwMode="auto">
-            <a:xfrm>
-              <a:off x="4260" y="4815"/>
-              <a:ext cx="2445" cy="1605"/>
-            </a:xfrm>
-            <a:prstGeom prst="flowChartMagneticDisk">
-              <a:avLst/>
-            </a:prstGeom>
-            <a:solidFill>
-              <a:srgbClr val="FFFFFF"/>
-            </a:solidFill>
-            <a:ln w="9525">
+              </a:rPr>
+              <a:t>BD</a:t>
+            </a:r>
+            <a:endParaRPr kumimoji="0" lang="es-AR" sz="3600" b="1" i="0" u="none" strike="noStrike" cap="none" normalizeH="0" baseline="0" dirty="0" smtClean="0">
+              <a:ln>
+                <a:noFill/>
+              </a:ln>
               <a:solidFill>
-                <a:srgbClr val="000000"/>
+                <a:schemeClr val="tx1"/>
               </a:solidFill>
-              <a:round/>
-              <a:headEnd/>
-              <a:tailEnd/>
-            </a:ln>
-          </p:spPr>
-          <p:txBody>
-            <a:bodyPr vert="horz" wrap="square" lIns="91440" tIns="45720" rIns="91440" bIns="45720" numCol="1" anchor="t" anchorCtr="0" compatLnSpc="1">
-              <a:prstTxWarp prst="textNoShape">
-                <a:avLst/>
-              </a:prstTxWarp>
-            </a:bodyPr>
-            <a:lstStyle/>
-            <a:p>
-              <a:endParaRPr lang="es-AR"/>
-            </a:p>
-          </p:txBody>
-        </p:sp>
-        <p:cxnSp>
-          <p:nvCxnSpPr>
-            <p:cNvPr id="1033" name="AutoShape 9"/>
-            <p:cNvCxnSpPr>
-              <a:cxnSpLocks noChangeShapeType="1"/>
-            </p:cNvCxnSpPr>
-            <p:nvPr/>
-          </p:nvCxnSpPr>
-          <p:spPr bwMode="auto">
-            <a:xfrm>
-              <a:off x="2955" y="4350"/>
-              <a:ext cx="1440" cy="570"/>
-            </a:xfrm>
-            <a:prstGeom prst="straightConnector1">
-              <a:avLst/>
-            </a:prstGeom>
-            <a:noFill/>
-            <a:ln w="9525">
-              <a:solidFill>
-                <a:srgbClr val="000000"/>
-              </a:solidFill>
-              <a:prstDash val="dash"/>
-              <a:round/>
-              <a:headEnd/>
-              <a:tailEnd/>
-            </a:ln>
-          </p:spPr>
-        </p:cxnSp>
-        <p:cxnSp>
-          <p:nvCxnSpPr>
-            <p:cNvPr id="1034" name="AutoShape 10"/>
-            <p:cNvCxnSpPr>
-              <a:cxnSpLocks noChangeShapeType="1"/>
-            </p:cNvCxnSpPr>
-            <p:nvPr/>
-          </p:nvCxnSpPr>
-          <p:spPr bwMode="auto">
-            <a:xfrm flipH="1">
-              <a:off x="6075" y="4680"/>
-              <a:ext cx="1860" cy="150"/>
-            </a:xfrm>
-            <a:prstGeom prst="straightConnector1">
-              <a:avLst/>
-            </a:prstGeom>
-            <a:noFill/>
-            <a:ln w="9525">
-              <a:solidFill>
-                <a:srgbClr val="000000"/>
-              </a:solidFill>
-              <a:prstDash val="dash"/>
-              <a:round/>
-              <a:headEnd/>
-              <a:tailEnd/>
-            </a:ln>
-          </p:spPr>
-        </p:cxnSp>
-        <p:sp>
-          <p:nvSpPr>
-            <p:cNvPr id="1035" name="AutoShape 11"/>
-            <p:cNvSpPr>
-              <a:spLocks noChangeArrowheads="1"/>
-            </p:cNvSpPr>
-            <p:nvPr/>
-          </p:nvSpPr>
-          <p:spPr bwMode="auto">
-            <a:xfrm>
-              <a:off x="9030" y="5115"/>
-              <a:ext cx="1890" cy="1995"/>
-            </a:xfrm>
-            <a:prstGeom prst="foldedCorner">
-              <a:avLst>
-                <a:gd name="adj" fmla="val 12500"/>
-              </a:avLst>
-            </a:prstGeom>
-            <a:solidFill>
-              <a:srgbClr val="FFFFFF"/>
-            </a:solidFill>
-            <a:ln w="9525">
-              <a:solidFill>
-                <a:srgbClr val="000000"/>
-              </a:solidFill>
-              <a:round/>
-              <a:headEnd/>
-              <a:tailEnd/>
-            </a:ln>
-          </p:spPr>
-          <p:txBody>
-            <a:bodyPr vert="horz" wrap="square" lIns="91440" tIns="45720" rIns="91440" bIns="45720" numCol="1" anchor="t" anchorCtr="0" compatLnSpc="1">
-              <a:prstTxWarp prst="textNoShape">
-                <a:avLst/>
-              </a:prstTxWarp>
-            </a:bodyPr>
-            <a:lstStyle/>
-            <a:p>
-              <a:pPr marL="0" marR="0" lvl="0" indent="0" algn="l" defTabSz="914400" rtl="0" eaLnBrk="1" fontAlgn="base" latinLnBrk="0" hangingPunct="1">
-                <a:lnSpc>
-                  <a:spcPct val="100000"/>
-                </a:lnSpc>
-                <a:spcBef>
-                  <a:spcPct val="0"/>
-                </a:spcBef>
-                <a:spcAft>
-                  <a:spcPts val="1000"/>
-                </a:spcAft>
-                <a:buClrTx/>
-                <a:buSzTx/>
-                <a:buFontTx/>
-                <a:buNone/>
-                <a:tabLst/>
-              </a:pPr>
-              <a:r>
-                <a:rPr kumimoji="0" lang="es-AR" sz="1100" b="0" i="0" u="none" strike="noStrike" cap="none" normalizeH="0" baseline="0" smtClean="0">
-                  <a:ln>
-                    <a:noFill/>
-                  </a:ln>
-                  <a:solidFill>
-                    <a:schemeClr val="tx1"/>
-                  </a:solidFill>
-                  <a:effectLst/>
-                  <a:latin typeface="Calibri" pitchFamily="34" charset="0"/>
-                  <a:cs typeface="Arial" pitchFamily="34" charset="0"/>
-                </a:rPr>
-                <a:t>PODER JUDICIAL</a:t>
-              </a:r>
-              <a:endParaRPr kumimoji="0" lang="es-AR" sz="1800" b="0" i="0" u="none" strike="noStrike" cap="none" normalizeH="0" baseline="0" smtClean="0">
-                <a:ln>
-                  <a:noFill/>
-                </a:ln>
-                <a:solidFill>
-                  <a:schemeClr val="tx1"/>
-                </a:solidFill>
-                <a:effectLst/>
-                <a:latin typeface="Arial" pitchFamily="34" charset="0"/>
-                <a:cs typeface="Arial" pitchFamily="34" charset="0"/>
-              </a:endParaRPr>
-            </a:p>
-          </p:txBody>
-        </p:sp>
-        <p:cxnSp>
-          <p:nvCxnSpPr>
-            <p:cNvPr id="1036" name="AutoShape 12"/>
-            <p:cNvCxnSpPr>
-              <a:cxnSpLocks noChangeShapeType="1"/>
-            </p:cNvCxnSpPr>
-            <p:nvPr/>
-          </p:nvCxnSpPr>
-          <p:spPr bwMode="auto">
-            <a:xfrm flipV="1">
-              <a:off x="3285" y="6345"/>
-              <a:ext cx="1110" cy="1335"/>
-            </a:xfrm>
-            <a:prstGeom prst="straightConnector1">
-              <a:avLst/>
-            </a:prstGeom>
-            <a:noFill/>
-            <a:ln w="9525">
-              <a:solidFill>
-                <a:srgbClr val="000000"/>
-              </a:solidFill>
-              <a:prstDash val="dash"/>
-              <a:round/>
-              <a:headEnd/>
-              <a:tailEnd/>
-            </a:ln>
-          </p:spPr>
-        </p:cxnSp>
-        <p:sp>
-          <p:nvSpPr>
-            <p:cNvPr id="1037" name="Text Box 13"/>
-            <p:cNvSpPr txBox="1">
-              <a:spLocks noChangeArrowheads="1"/>
-            </p:cNvSpPr>
-            <p:nvPr/>
-          </p:nvSpPr>
-          <p:spPr bwMode="auto">
-            <a:xfrm>
-              <a:off x="1875" y="6840"/>
-              <a:ext cx="1620" cy="510"/>
-            </a:xfrm>
-            <a:prstGeom prst="rect">
-              <a:avLst/>
-            </a:prstGeom>
-            <a:solidFill>
-              <a:srgbClr val="FFFFFF"/>
-            </a:solidFill>
-            <a:ln w="9525">
-              <a:noFill/>
-              <a:miter lim="800000"/>
-              <a:headEnd/>
-              <a:tailEnd/>
-            </a:ln>
-          </p:spPr>
-          <p:txBody>
-            <a:bodyPr vert="horz" wrap="square" lIns="91440" tIns="45720" rIns="91440" bIns="45720" numCol="1" anchor="t" anchorCtr="0" compatLnSpc="1">
-              <a:prstTxWarp prst="textNoShape">
-                <a:avLst/>
-              </a:prstTxWarp>
-            </a:bodyPr>
-            <a:lstStyle/>
-            <a:p>
-              <a:pPr marL="0" marR="0" lvl="0" indent="0" algn="l" defTabSz="914400" rtl="0" eaLnBrk="1" fontAlgn="base" latinLnBrk="0" hangingPunct="1">
-                <a:lnSpc>
-                  <a:spcPct val="100000"/>
-                </a:lnSpc>
-                <a:spcBef>
-                  <a:spcPct val="0"/>
-                </a:spcBef>
-                <a:spcAft>
-                  <a:spcPts val="1000"/>
-                </a:spcAft>
-                <a:buClrTx/>
-                <a:buSzTx/>
-                <a:buFontTx/>
-                <a:buNone/>
-                <a:tabLst/>
-              </a:pPr>
-              <a:r>
-                <a:rPr kumimoji="0" lang="es-AR" sz="1100" b="1" i="0" u="none" strike="noStrike" cap="none" normalizeH="0" baseline="0" smtClean="0">
-                  <a:ln>
-                    <a:noFill/>
-                  </a:ln>
-                  <a:solidFill>
-                    <a:schemeClr val="tx1"/>
-                  </a:solidFill>
-                  <a:effectLst/>
-                  <a:latin typeface="Calibri" pitchFamily="34" charset="0"/>
-                  <a:cs typeface="Arial" pitchFamily="34" charset="0"/>
-                </a:rPr>
-                <a:t>Aseguradoras</a:t>
-              </a:r>
-              <a:endParaRPr kumimoji="0" lang="es-AR" sz="1800" b="0" i="0" u="none" strike="noStrike" cap="none" normalizeH="0" baseline="0" smtClean="0">
-                <a:ln>
-                  <a:noFill/>
-                </a:ln>
-                <a:solidFill>
-                  <a:schemeClr val="tx1"/>
-                </a:solidFill>
-                <a:effectLst/>
-                <a:latin typeface="Arial" pitchFamily="34" charset="0"/>
-                <a:cs typeface="Arial" pitchFamily="34" charset="0"/>
-              </a:endParaRPr>
-            </a:p>
-          </p:txBody>
-        </p:sp>
-        <p:sp>
-          <p:nvSpPr>
-            <p:cNvPr id="1038" name="Text Box 14"/>
-            <p:cNvSpPr txBox="1">
-              <a:spLocks noChangeArrowheads="1"/>
-            </p:cNvSpPr>
-            <p:nvPr/>
-          </p:nvSpPr>
-          <p:spPr bwMode="auto">
-            <a:xfrm>
-              <a:off x="5099" y="5670"/>
-              <a:ext cx="736" cy="510"/>
-            </a:xfrm>
-            <a:prstGeom prst="rect">
-              <a:avLst/>
-            </a:prstGeom>
-            <a:solidFill>
-              <a:srgbClr val="FFFFFF"/>
-            </a:solidFill>
-            <a:ln w="9525">
-              <a:noFill/>
-              <a:miter lim="800000"/>
-              <a:headEnd/>
-              <a:tailEnd/>
-            </a:ln>
-          </p:spPr>
-          <p:txBody>
-            <a:bodyPr vert="horz" wrap="square" lIns="91440" tIns="45720" rIns="91440" bIns="45720" numCol="1" anchor="t" anchorCtr="0" compatLnSpc="1">
-              <a:prstTxWarp prst="textNoShape">
-                <a:avLst/>
-              </a:prstTxWarp>
-            </a:bodyPr>
-            <a:lstStyle/>
-            <a:p>
-              <a:pPr marL="0" marR="0" lvl="0" indent="0" algn="l" defTabSz="914400" rtl="0" eaLnBrk="1" fontAlgn="base" latinLnBrk="0" hangingPunct="1">
-                <a:lnSpc>
-                  <a:spcPct val="100000"/>
-                </a:lnSpc>
-                <a:spcBef>
-                  <a:spcPct val="0"/>
-                </a:spcBef>
-                <a:spcAft>
-                  <a:spcPts val="1000"/>
-                </a:spcAft>
-                <a:buClrTx/>
-                <a:buSzTx/>
-                <a:buFontTx/>
-                <a:buNone/>
-                <a:tabLst/>
-              </a:pPr>
-              <a:r>
-                <a:rPr kumimoji="0" lang="es-AR" sz="1100" b="1" i="0" u="none" strike="noStrike" cap="none" normalizeH="0" baseline="0" smtClean="0">
-                  <a:ln>
-                    <a:noFill/>
-                  </a:ln>
-                  <a:solidFill>
-                    <a:schemeClr val="tx1"/>
-                  </a:solidFill>
-                  <a:effectLst/>
-                  <a:latin typeface="Calibri" pitchFamily="34" charset="0"/>
-                  <a:cs typeface="Arial" pitchFamily="34" charset="0"/>
-                </a:rPr>
-                <a:t>BD</a:t>
-              </a:r>
-              <a:endParaRPr kumimoji="0" lang="es-AR" sz="1800" b="0" i="0" u="none" strike="noStrike" cap="none" normalizeH="0" baseline="0" smtClean="0">
-                <a:ln>
-                  <a:noFill/>
-                </a:ln>
-                <a:solidFill>
-                  <a:schemeClr val="tx1"/>
-                </a:solidFill>
-                <a:effectLst/>
-                <a:latin typeface="Arial" pitchFamily="34" charset="0"/>
-                <a:cs typeface="Arial" pitchFamily="34" charset="0"/>
-              </a:endParaRPr>
-            </a:p>
-          </p:txBody>
-        </p:sp>
-      </p:grpSp>
+              <a:effectLst/>
+              <a:latin typeface="Arial" pitchFamily="34" charset="0"/>
+              <a:cs typeface="Arial" pitchFamily="34" charset="0"/>
+            </a:endParaRPr>
+          </a:p>
+        </p:txBody>
+      </p:sp>
       <p:pic>
         <p:nvPicPr>
-          <p:cNvPr id="27" name="26 Imagen" descr="http://imagenes.autos-carros-coches.com.ar/wp-content/uploads/2010/10/caja_01.jpg"/>
-          <p:cNvPicPr/>
+          <p:cNvPr id="2058" name="Picture 10"/>
+          <p:cNvPicPr>
+            <a:picLocks noChangeAspect="1" noChangeArrowheads="1"/>
+          </p:cNvPicPr>
           <p:nvPr/>
         </p:nvPicPr>
         <p:blipFill>
@@ -6952,8 +8917,118 @@
         </p:blipFill>
         <p:spPr bwMode="auto">
           <a:xfrm>
-            <a:off x="1752600" y="5334000"/>
-            <a:ext cx="790575" cy="771525"/>
+            <a:off x="990600" y="1828800"/>
+            <a:ext cx="1447800" cy="1545405"/>
+          </a:xfrm>
+          <a:prstGeom prst="rect">
+            <a:avLst/>
+          </a:prstGeom>
+          <a:noFill/>
+          <a:ln w="9525">
+            <a:noFill/>
+            <a:miter lim="800000"/>
+            <a:headEnd/>
+            <a:tailEnd/>
+          </a:ln>
+        </p:spPr>
+      </p:pic>
+      <p:sp>
+        <p:nvSpPr>
+          <p:cNvPr id="38" name="37 CuadroTexto"/>
+          <p:cNvSpPr txBox="1"/>
+          <p:nvPr/>
+        </p:nvSpPr>
+        <p:spPr>
+          <a:xfrm>
+            <a:off x="1307733" y="3090446"/>
+            <a:ext cx="825867" cy="338554"/>
+          </a:xfrm>
+          <a:prstGeom prst="rect">
+            <a:avLst/>
+          </a:prstGeom>
+          <a:noFill/>
+        </p:spPr>
+        <p:txBody>
+          <a:bodyPr wrap="none" rtlCol="0">
+            <a:spAutoFit/>
+          </a:bodyPr>
+          <a:lstStyle/>
+          <a:p>
+            <a:r>
+              <a:rPr lang="es-AR" sz="1600" dirty="0" smtClean="0">
+                <a:solidFill>
+                  <a:schemeClr val="bg1"/>
+                </a:solidFill>
+                <a:latin typeface="Arial Black" pitchFamily="34" charset="0"/>
+              </a:rPr>
+              <a:t>BCRA</a:t>
+            </a:r>
+            <a:endParaRPr lang="es-AR" sz="1600" dirty="0">
+              <a:solidFill>
+                <a:schemeClr val="bg1"/>
+              </a:solidFill>
+              <a:latin typeface="Arial Black" pitchFamily="34" charset="0"/>
+            </a:endParaRPr>
+          </a:p>
+        </p:txBody>
+      </p:sp>
+      <p:sp>
+        <p:nvSpPr>
+          <p:cNvPr id="39" name="38 CuadroTexto"/>
+          <p:cNvSpPr txBox="1"/>
+          <p:nvPr/>
+        </p:nvSpPr>
+        <p:spPr>
+          <a:xfrm>
+            <a:off x="1447800" y="3352800"/>
+            <a:ext cx="457200" cy="369332"/>
+          </a:xfrm>
+          <a:prstGeom prst="rect">
+            <a:avLst/>
+          </a:prstGeom>
+          <a:noFill/>
+        </p:spPr>
+        <p:txBody>
+          <a:bodyPr wrap="square" rtlCol="0">
+            <a:spAutoFit/>
+          </a:bodyPr>
+          <a:lstStyle/>
+          <a:p>
+            <a:r>
+              <a:rPr lang="es-AR" b="1" dirty="0" smtClean="0">
+                <a:solidFill>
+                  <a:srgbClr val="FFFF00"/>
+                </a:solidFill>
+              </a:rPr>
+              <a:t>CD</a:t>
+            </a:r>
+            <a:endParaRPr lang="es-AR" b="1" dirty="0">
+              <a:solidFill>
+                <a:srgbClr val="FFFF00"/>
+              </a:solidFill>
+            </a:endParaRPr>
+          </a:p>
+        </p:txBody>
+      </p:sp>
+      <p:pic>
+        <p:nvPicPr>
+          <p:cNvPr id="2059" name="Picture 11"/>
+          <p:cNvPicPr>
+            <a:picLocks noChangeAspect="1" noChangeArrowheads="1"/>
+          </p:cNvPicPr>
+          <p:nvPr/>
+        </p:nvPicPr>
+        <p:blipFill>
+          <a:blip r:embed="rId4" cstate="print"/>
+          <a:srcRect/>
+          <a:stretch>
+            <a:fillRect/>
+          </a:stretch>
+        </p:blipFill>
+        <p:spPr bwMode="auto">
+          <a:xfrm>
+            <a:off x="5943600" y="2133600"/>
+            <a:ext cx="952500" cy="1143000"/>
           </a:xfrm>
           <a:prstGeom prst="rect">
             <a:avLst/>
@@ -6969,12 +9044,14 @@
       </p:pic>
       <p:pic>
         <p:nvPicPr>
-          <p:cNvPr id="28" name="27 Imagen" descr="http://transporteinformativo.com/wordpress/wp-content/uploads/Image/zurich-portal.jpg"/>
-          <p:cNvPicPr/>
+          <p:cNvPr id="2060" name="Picture 12"/>
+          <p:cNvPicPr>
+            <a:picLocks noChangeAspect="1" noChangeArrowheads="1"/>
+          </p:cNvPicPr>
           <p:nvPr/>
         </p:nvPicPr>
         <p:blipFill>
-          <a:blip r:embed="rId4" cstate="print"/>
+          <a:blip r:embed="rId5" cstate="print"/>
           <a:srcRect/>
           <a:stretch>
             <a:fillRect/>
@@ -6982,8 +9059,388 @@
         </p:blipFill>
         <p:spPr bwMode="auto">
           <a:xfrm>
-            <a:off x="2590800" y="5334000"/>
+            <a:off x="7086600" y="2057400"/>
+            <a:ext cx="1295400" cy="1268963"/>
+          </a:xfrm>
+          <a:prstGeom prst="rect">
+            <a:avLst/>
+          </a:prstGeom>
+          <a:noFill/>
+          <a:ln w="9525">
+            <a:noFill/>
+            <a:miter lim="800000"/>
+            <a:headEnd/>
+            <a:tailEnd/>
+          </a:ln>
+        </p:spPr>
+      </p:pic>
+      <p:pic>
+        <p:nvPicPr>
+          <p:cNvPr id="2061" name="Picture 13"/>
+          <p:cNvPicPr>
+            <a:picLocks noChangeAspect="1" noChangeArrowheads="1"/>
+          </p:cNvPicPr>
+          <p:nvPr/>
+        </p:nvPicPr>
+        <p:blipFill>
+          <a:blip r:embed="rId6" cstate="print"/>
+          <a:srcRect/>
+          <a:stretch>
+            <a:fillRect/>
+          </a:stretch>
+        </p:blipFill>
+        <p:spPr bwMode="auto">
+          <a:xfrm>
+            <a:off x="6324600" y="3657600"/>
+            <a:ext cx="1981199" cy="684752"/>
+          </a:xfrm>
+          <a:prstGeom prst="rect">
+            <a:avLst/>
+          </a:prstGeom>
+          <a:noFill/>
+          <a:ln w="9525">
+            <a:noFill/>
+            <a:miter lim="800000"/>
+            <a:headEnd/>
+            <a:tailEnd/>
+          </a:ln>
+        </p:spPr>
+      </p:pic>
+      <p:cxnSp>
+        <p:nvCxnSpPr>
+          <p:cNvPr id="44" name="43 Conector recto"/>
+          <p:cNvCxnSpPr>
+            <a:stCxn id="1028" idx="0"/>
+            <a:endCxn id="2061" idx="2"/>
+          </p:cNvCxnSpPr>
+          <p:nvPr/>
+        </p:nvCxnSpPr>
+        <p:spPr>
+          <a:xfrm rot="5400000" flipH="1" flipV="1">
+            <a:off x="6776513" y="4185714"/>
+            <a:ext cx="382048" cy="695325"/>
+          </a:xfrm>
+          <a:prstGeom prst="line">
+            <a:avLst/>
+          </a:prstGeom>
+        </p:spPr>
+        <p:style>
+          <a:lnRef idx="1">
+            <a:schemeClr val="accent1"/>
+          </a:lnRef>
+          <a:fillRef idx="0">
+            <a:schemeClr val="accent1"/>
+          </a:fillRef>
+          <a:effectRef idx="0">
+            <a:schemeClr val="accent1"/>
+          </a:effectRef>
+          <a:fontRef idx="minor">
+            <a:schemeClr val="tx1"/>
+          </a:fontRef>
+        </p:style>
+      </p:cxnSp>
+      <p:cxnSp>
+        <p:nvCxnSpPr>
+          <p:cNvPr id="47" name="46 Conector recto"/>
+          <p:cNvCxnSpPr>
+            <a:stCxn id="2061" idx="2"/>
+            <a:endCxn id="1029" idx="0"/>
+          </p:cNvCxnSpPr>
+          <p:nvPr/>
+        </p:nvCxnSpPr>
+        <p:spPr>
+          <a:xfrm rot="16200000" flipH="1">
+            <a:off x="7424213" y="4233338"/>
+            <a:ext cx="382048" cy="600075"/>
+          </a:xfrm>
+          <a:prstGeom prst="line">
+            <a:avLst/>
+          </a:prstGeom>
+        </p:spPr>
+        <p:style>
+          <a:lnRef idx="1">
+            <a:schemeClr val="accent1"/>
+          </a:lnRef>
+          <a:fillRef idx="0">
+            <a:schemeClr val="accent1"/>
+          </a:fillRef>
+          <a:effectRef idx="0">
+            <a:schemeClr val="accent1"/>
+          </a:effectRef>
+          <a:fontRef idx="minor">
+            <a:schemeClr val="tx1"/>
+          </a:fontRef>
+        </p:style>
+      </p:cxnSp>
+      <p:cxnSp>
+        <p:nvCxnSpPr>
+          <p:cNvPr id="59" name="AutoShape 10"/>
+          <p:cNvCxnSpPr>
+            <a:cxnSpLocks noChangeShapeType="1"/>
+            <a:stCxn id="2059" idx="1"/>
+          </p:cNvCxnSpPr>
+          <p:nvPr/>
+        </p:nvCxnSpPr>
+        <p:spPr bwMode="auto">
+          <a:xfrm rot="10800000" flipV="1">
+            <a:off x="4876800" y="2705100"/>
+            <a:ext cx="1066800" cy="952500"/>
+          </a:xfrm>
+          <a:prstGeom prst="straightConnector1">
+            <a:avLst/>
+          </a:prstGeom>
+          <a:noFill/>
+          <a:ln w="9525">
+            <a:solidFill>
+              <a:srgbClr val="000000"/>
+            </a:solidFill>
+            <a:prstDash val="dash"/>
+            <a:round/>
+            <a:headEnd/>
+            <a:tailEnd/>
+          </a:ln>
+        </p:spPr>
+      </p:cxnSp>
+      <p:cxnSp>
+        <p:nvCxnSpPr>
+          <p:cNvPr id="61" name="AutoShape 10"/>
+          <p:cNvCxnSpPr>
+            <a:cxnSpLocks noChangeShapeType="1"/>
+            <a:stCxn id="2061" idx="1"/>
+          </p:cNvCxnSpPr>
+          <p:nvPr/>
+        </p:nvCxnSpPr>
+        <p:spPr bwMode="auto">
+          <a:xfrm rot="10800000">
+            <a:off x="4876800" y="3657600"/>
+            <a:ext cx="1447800" cy="342376"/>
+          </a:xfrm>
+          <a:prstGeom prst="straightConnector1">
+            <a:avLst/>
+          </a:prstGeom>
+          <a:noFill/>
+          <a:ln w="9525">
+            <a:solidFill>
+              <a:srgbClr val="000000"/>
+            </a:solidFill>
+            <a:prstDash val="dash"/>
+            <a:round/>
+            <a:headEnd/>
+            <a:tailEnd/>
+          </a:ln>
+        </p:spPr>
+      </p:cxnSp>
+      <p:sp>
+        <p:nvSpPr>
+          <p:cNvPr id="63" name="62 CuadroTexto"/>
+          <p:cNvSpPr txBox="1"/>
+          <p:nvPr/>
+        </p:nvSpPr>
+        <p:spPr>
+          <a:xfrm>
+            <a:off x="6781800" y="1600200"/>
+            <a:ext cx="700833" cy="369332"/>
+          </a:xfrm>
+          <a:prstGeom prst="rect">
+            <a:avLst/>
+          </a:prstGeom>
+          <a:noFill/>
+        </p:spPr>
+        <p:txBody>
+          <a:bodyPr wrap="none" rtlCol="0">
+            <a:spAutoFit/>
+          </a:bodyPr>
+          <a:lstStyle/>
+          <a:p>
+            <a:r>
+              <a:rPr lang="es-AR" b="1" dirty="0" smtClean="0">
+                <a:solidFill>
+                  <a:srgbClr val="FFFF00"/>
+                </a:solidFill>
+              </a:rPr>
+              <a:t>Sitios</a:t>
+            </a:r>
+            <a:endParaRPr lang="es-AR" b="1" dirty="0">
+              <a:solidFill>
+                <a:srgbClr val="FFFF00"/>
+              </a:solidFill>
+            </a:endParaRPr>
+          </a:p>
+        </p:txBody>
+      </p:sp>
+      <p:pic>
+        <p:nvPicPr>
+          <p:cNvPr id="64" name="63 Imagen" descr="http://3.bp.blogspot.com/_9T0GcqbAe6I/SwXhBSvmq6I/AAAAAAAATC4/As8GGgEkapg/s400/LOGO+MAPFRE+ACTUALIZADO.jpg"/>
+          <p:cNvPicPr/>
+          <p:nvPr/>
+        </p:nvPicPr>
+        <p:blipFill>
+          <a:blip r:embed="rId7" cstate="print"/>
+          <a:srcRect r="46121" b="13889"/>
+          <a:stretch>
+            <a:fillRect/>
+          </a:stretch>
+        </p:blipFill>
+        <p:spPr bwMode="auto">
+          <a:xfrm>
+            <a:off x="838200" y="5562600"/>
+            <a:ext cx="1600200" cy="533400"/>
+          </a:xfrm>
+          <a:prstGeom prst="rect">
+            <a:avLst/>
+          </a:prstGeom>
+          <a:noFill/>
+          <a:ln w="9525">
+            <a:noFill/>
+            <a:miter lim="800000"/>
+            <a:headEnd/>
+            <a:tailEnd/>
+          </a:ln>
+        </p:spPr>
+      </p:pic>
+      <p:sp>
+        <p:nvSpPr>
+          <p:cNvPr id="65" name="64 CuadroTexto"/>
+          <p:cNvSpPr txBox="1"/>
+          <p:nvPr/>
+        </p:nvSpPr>
+        <p:spPr>
+          <a:xfrm>
+            <a:off x="2743200" y="5867400"/>
+            <a:ext cx="1482585" cy="369332"/>
+          </a:xfrm>
+          <a:prstGeom prst="rect">
+            <a:avLst/>
+          </a:prstGeom>
+          <a:noFill/>
+        </p:spPr>
+        <p:txBody>
+          <a:bodyPr wrap="none" rtlCol="0">
+            <a:spAutoFit/>
+          </a:bodyPr>
+          <a:lstStyle/>
+          <a:p>
+            <a:r>
+              <a:rPr lang="es-AR" b="1" dirty="0" smtClean="0">
+                <a:solidFill>
+                  <a:srgbClr val="FFFF00"/>
+                </a:solidFill>
+              </a:rPr>
+              <a:t>Aseguradoras</a:t>
+            </a:r>
+            <a:endParaRPr lang="es-AR" b="1" dirty="0">
+              <a:solidFill>
+                <a:srgbClr val="FFFF00"/>
+              </a:solidFill>
+            </a:endParaRPr>
+          </a:p>
+        </p:txBody>
+      </p:sp>
+      <p:cxnSp>
+        <p:nvCxnSpPr>
+          <p:cNvPr id="68" name="AutoShape 12"/>
+          <p:cNvCxnSpPr>
+            <a:cxnSpLocks noChangeShapeType="1"/>
+            <a:stCxn id="64" idx="0"/>
+          </p:cNvCxnSpPr>
+          <p:nvPr/>
+        </p:nvCxnSpPr>
+        <p:spPr bwMode="auto">
+          <a:xfrm rot="5400000" flipH="1" flipV="1">
+            <a:off x="1895476" y="4086226"/>
+            <a:ext cx="1219198" cy="1733551"/>
+          </a:xfrm>
+          <a:prstGeom prst="straightConnector1">
+            <a:avLst/>
+          </a:prstGeom>
+          <a:noFill/>
+          <a:ln w="9525">
+            <a:solidFill>
+              <a:srgbClr val="000000"/>
+            </a:solidFill>
+            <a:prstDash val="dash"/>
+            <a:round/>
+            <a:headEnd/>
+            <a:tailEnd/>
+          </a:ln>
+        </p:spPr>
+      </p:cxnSp>
+      <p:cxnSp>
+        <p:nvCxnSpPr>
+          <p:cNvPr id="66" name="AutoShape 12"/>
+          <p:cNvCxnSpPr>
+            <a:cxnSpLocks noChangeShapeType="1"/>
+            <a:stCxn id="27" idx="3"/>
+          </p:cNvCxnSpPr>
+          <p:nvPr/>
+        </p:nvCxnSpPr>
+        <p:spPr bwMode="auto">
+          <a:xfrm flipV="1">
+            <a:off x="2438400" y="4343402"/>
+            <a:ext cx="933450" cy="342898"/>
+          </a:xfrm>
+          <a:prstGeom prst="straightConnector1">
+            <a:avLst/>
+          </a:prstGeom>
+          <a:noFill/>
+          <a:ln w="9525">
+            <a:solidFill>
+              <a:srgbClr val="000000"/>
+            </a:solidFill>
+            <a:prstDash val="dash"/>
+            <a:round/>
+            <a:headEnd/>
+            <a:tailEnd/>
+          </a:ln>
+        </p:spPr>
+      </p:cxnSp>
+      <p:pic>
+        <p:nvPicPr>
+          <p:cNvPr id="28" name="27 Imagen" descr="http://transporteinformativo.com/wordpress/wp-content/uploads/Image/zurich-portal.jpg"/>
+          <p:cNvPicPr/>
+          <p:nvPr/>
+        </p:nvPicPr>
+        <p:blipFill>
+          <a:blip r:embed="rId8" cstate="print"/>
+          <a:srcRect/>
+          <a:stretch>
+            <a:fillRect/>
+          </a:stretch>
+        </p:blipFill>
+        <p:spPr bwMode="auto">
+          <a:xfrm>
+            <a:off x="2743200" y="5029200"/>
             <a:ext cx="1200150" cy="723900"/>
+          </a:xfrm>
+          <a:prstGeom prst="rect">
+            <a:avLst/>
+          </a:prstGeom>
+          <a:noFill/>
+          <a:ln w="9525">
+            <a:noFill/>
+            <a:miter lim="800000"/>
+            <a:headEnd/>
+            <a:tailEnd/>
+          </a:ln>
+        </p:spPr>
+      </p:pic>
+      <p:pic>
+        <p:nvPicPr>
+          <p:cNvPr id="27" name="26 Imagen" descr="http://imagenes.autos-carros-coches.com.ar/wp-content/uploads/2010/10/caja_01.jpg"/>
+          <p:cNvPicPr/>
+          <p:nvPr/>
+        </p:nvPicPr>
+        <p:blipFill>
+          <a:blip r:embed="rId9" cstate="print"/>
+          <a:srcRect/>
+          <a:stretch>
+            <a:fillRect/>
+          </a:stretch>
+        </p:blipFill>
+        <p:spPr bwMode="auto">
+          <a:xfrm>
+            <a:off x="1066800" y="4038600"/>
+            <a:ext cx="1371600" cy="1295400"/>
           </a:xfrm>
           <a:prstGeom prst="rect">
             <a:avLst/>
@@ -7012,7 +9469,7 @@
 </p:sld>
 </file>
 
-<file path=ppt/slides/slide12.xml><?xml version="1.0" encoding="utf-8"?>
+<file path=ppt/slides/slide14.xml><?xml version="1.0" encoding="utf-8"?>
 <p:sld xmlns:a="http://schemas.openxmlformats.org/drawingml/2006/main" xmlns:r="http://schemas.openxmlformats.org/officeDocument/2006/relationships" xmlns:p="http://schemas.openxmlformats.org/presentationml/2006/main">
   <p:cSld>
     <p:spTree>
@@ -9005,6 +11462,2405 @@
           <a:bodyPr rtlCol="0" anchor="ctr"/>
           <a:lstStyle/>
           <a:p>
+            <a:pPr fontAlgn="t">
+              <a:buFont typeface="Arial" pitchFamily="34" charset="0"/>
+              <a:buChar char="•"/>
+            </a:pPr>
+            <a:endParaRPr lang="es-AR" b="1" dirty="0" smtClean="0"/>
+          </a:p>
+          <a:p>
+            <a:pPr algn="ctr">
+              <a:buFont typeface="Arial" pitchFamily="34" charset="0"/>
+              <a:buChar char="•"/>
+            </a:pPr>
+            <a:endParaRPr lang="es-AR" dirty="0"/>
+          </a:p>
+        </p:txBody>
+      </p:sp>
+      <p:sp>
+        <p:nvSpPr>
+          <p:cNvPr id="20" name="Rectangle 19"/>
+          <p:cNvSpPr/>
+          <p:nvPr/>
+        </p:nvSpPr>
+        <p:spPr>
+          <a:xfrm>
+            <a:off x="228600" y="1143000"/>
+            <a:ext cx="8534400" cy="685800"/>
+          </a:xfrm>
+          <a:prstGeom prst="rect">
+            <a:avLst/>
+          </a:prstGeom>
+          <a:noFill/>
+          <a:ln>
+            <a:noFill/>
+          </a:ln>
+        </p:spPr>
+        <p:style>
+          <a:lnRef idx="2">
+            <a:schemeClr val="accent1">
+              <a:shade val="50000"/>
+            </a:schemeClr>
+          </a:lnRef>
+          <a:fillRef idx="1">
+            <a:schemeClr val="accent1"/>
+          </a:fillRef>
+          <a:effectRef idx="0">
+            <a:schemeClr val="accent1"/>
+          </a:effectRef>
+          <a:fontRef idx="minor">
+            <a:schemeClr val="lt1"/>
+          </a:fontRef>
+        </p:style>
+        <p:txBody>
+          <a:bodyPr rtlCol="0" anchor="ctr"/>
+          <a:lstStyle/>
+          <a:p>
+            <a:pPr algn="ctr"/>
+            <a:endParaRPr lang="es-AR" sz="5400" b="1" u="sng" dirty="0" smtClean="0"/>
+          </a:p>
+          <a:p>
+            <a:pPr algn="ctr"/>
+            <a:r>
+              <a:rPr lang="es-AR" sz="5400" b="1" u="sng" dirty="0" smtClean="0"/>
+              <a:t>Premisas</a:t>
+            </a:r>
+            <a:endParaRPr lang="es-AR" sz="5400" b="1" u="sng" dirty="0" smtClean="0"/>
+          </a:p>
+          <a:p>
+            <a:pPr algn="ctr"/>
+            <a:endParaRPr lang="es-AR" sz="2000" dirty="0"/>
+          </a:p>
+        </p:txBody>
+      </p:sp>
+      <p:grpSp>
+        <p:nvGrpSpPr>
+          <p:cNvPr id="3" name="Group 28"/>
+          <p:cNvGrpSpPr/>
+          <p:nvPr/>
+        </p:nvGrpSpPr>
+        <p:grpSpPr>
+          <a:xfrm>
+            <a:off x="1295400" y="544415"/>
+            <a:ext cx="6553200" cy="903384"/>
+            <a:chOff x="1295400" y="544415"/>
+            <a:chExt cx="6553200" cy="903384"/>
+          </a:xfrm>
+        </p:grpSpPr>
+        <p:sp>
+          <p:nvSpPr>
+            <p:cNvPr id="30" name="Round Same Side Corner Rectangle 29"/>
+            <p:cNvSpPr/>
+            <p:nvPr/>
+          </p:nvSpPr>
+          <p:spPr>
+            <a:xfrm rot="10800000">
+              <a:off x="1295400" y="544415"/>
+              <a:ext cx="6553200" cy="903384"/>
+            </a:xfrm>
+            <a:prstGeom prst="round2SameRect">
+              <a:avLst/>
+            </a:prstGeom>
+          </p:spPr>
+          <p:style>
+            <a:lnRef idx="2">
+              <a:schemeClr val="dk1">
+                <a:shade val="50000"/>
+              </a:schemeClr>
+            </a:lnRef>
+            <a:fillRef idx="1">
+              <a:schemeClr val="dk1"/>
+            </a:fillRef>
+            <a:effectRef idx="0">
+              <a:schemeClr val="dk1"/>
+            </a:effectRef>
+            <a:fontRef idx="minor">
+              <a:schemeClr val="lt1"/>
+            </a:fontRef>
+          </p:style>
+          <p:txBody>
+            <a:bodyPr rtlCol="0" anchor="ctr"/>
+            <a:lstStyle/>
+            <a:p>
+              <a:pPr algn="ctr"/>
+              <a:endParaRPr lang="es-AR" dirty="0"/>
+            </a:p>
+          </p:txBody>
+        </p:sp>
+        <p:pic>
+          <p:nvPicPr>
+            <p:cNvPr id="31" name="Picture 2" descr="E:\U.B.A.Files\Materias\75.45 Taller de Desarrollo de Proyectos I\TP\Trunk\Proyecto\web\site\images\logo.png"/>
+            <p:cNvPicPr>
+              <a:picLocks noChangeAspect="1" noChangeArrowheads="1"/>
+            </p:cNvPicPr>
+            <p:nvPr/>
+          </p:nvPicPr>
+          <p:blipFill>
+            <a:blip r:embed="rId2" cstate="print"/>
+            <a:srcRect/>
+            <a:stretch>
+              <a:fillRect/>
+            </a:stretch>
+          </p:blipFill>
+          <p:spPr bwMode="auto">
+            <a:xfrm>
+              <a:off x="1600200" y="609600"/>
+              <a:ext cx="2640904" cy="762000"/>
+            </a:xfrm>
+            <a:prstGeom prst="rect">
+              <a:avLst/>
+            </a:prstGeom>
+            <a:noFill/>
+          </p:spPr>
+        </p:pic>
+        <p:sp>
+          <p:nvSpPr>
+            <p:cNvPr id="32" name="TextBox 31"/>
+            <p:cNvSpPr txBox="1"/>
+            <p:nvPr/>
+          </p:nvSpPr>
+          <p:spPr>
+            <a:xfrm>
+              <a:off x="4515457" y="685800"/>
+              <a:ext cx="3180743" cy="307777"/>
+            </a:xfrm>
+            <a:prstGeom prst="rect">
+              <a:avLst/>
+            </a:prstGeom>
+            <a:noFill/>
+          </p:spPr>
+          <p:txBody>
+            <a:bodyPr wrap="none" rtlCol="0">
+              <a:spAutoFit/>
+            </a:bodyPr>
+            <a:lstStyle/>
+            <a:p>
+              <a:r>
+                <a:rPr lang="es-AR" sz="1400" dirty="0" smtClean="0">
+                  <a:solidFill>
+                    <a:schemeClr val="bg1">
+                      <a:lumMod val="50000"/>
+                    </a:schemeClr>
+                  </a:solidFill>
+                </a:rPr>
+                <a:t>Centralización y análisis de datos</a:t>
+              </a:r>
+              <a:endParaRPr lang="es-AR" sz="1400" dirty="0">
+                <a:solidFill>
+                  <a:schemeClr val="bg1">
+                    <a:lumMod val="50000"/>
+                  </a:schemeClr>
+                </a:solidFill>
+              </a:endParaRPr>
+            </a:p>
+          </p:txBody>
+        </p:sp>
+      </p:grpSp>
+      <p:sp>
+        <p:nvSpPr>
+          <p:cNvPr id="42" name="41 CuadroTexto"/>
+          <p:cNvSpPr txBox="1"/>
+          <p:nvPr/>
+        </p:nvSpPr>
+        <p:spPr>
+          <a:xfrm>
+            <a:off x="914400" y="2286000"/>
+            <a:ext cx="7696200" cy="3293209"/>
+          </a:xfrm>
+          <a:prstGeom prst="rect">
+            <a:avLst/>
+          </a:prstGeom>
+          <a:noFill/>
+        </p:spPr>
+        <p:txBody>
+          <a:bodyPr wrap="square" rtlCol="0">
+            <a:spAutoFit/>
+          </a:bodyPr>
+          <a:lstStyle/>
+          <a:p>
+            <a:pPr lvl="0">
+              <a:buFont typeface="Arial" pitchFamily="34" charset="0"/>
+              <a:buChar char="•"/>
+            </a:pPr>
+            <a:r>
+              <a:rPr lang="es-AR" sz="3600" dirty="0" smtClean="0"/>
+              <a:t> </a:t>
+            </a:r>
+            <a:r>
+              <a:rPr lang="es-AR" sz="3600" dirty="0" smtClean="0"/>
+              <a:t>Control de </a:t>
+            </a:r>
+            <a:r>
+              <a:rPr lang="es-AR" sz="3600" dirty="0" smtClean="0"/>
+              <a:t>acceso </a:t>
+            </a:r>
+          </a:p>
+          <a:p>
+            <a:pPr lvl="0">
+              <a:buFont typeface="Arial" pitchFamily="34" charset="0"/>
+              <a:buChar char="•"/>
+            </a:pPr>
+            <a:r>
+              <a:rPr lang="es-AR" sz="3600" dirty="0" smtClean="0"/>
+              <a:t> Centralización de datos</a:t>
+            </a:r>
+            <a:endParaRPr lang="es-AR" sz="3600" dirty="0" smtClean="0"/>
+          </a:p>
+          <a:p>
+            <a:pPr lvl="0">
+              <a:buFont typeface="Arial" pitchFamily="34" charset="0"/>
+              <a:buChar char="•"/>
+            </a:pPr>
+            <a:r>
+              <a:rPr lang="es-AR" sz="3600" dirty="0" smtClean="0"/>
+              <a:t> Compatibilidad multiplataforma</a:t>
+            </a:r>
+          </a:p>
+          <a:p>
+            <a:pPr lvl="0">
+              <a:buFont typeface="Arial" pitchFamily="34" charset="0"/>
+              <a:buChar char="•"/>
+            </a:pPr>
+            <a:r>
+              <a:rPr lang="es-AR" sz="3600" dirty="0" smtClean="0"/>
+              <a:t> </a:t>
+            </a:r>
+            <a:r>
+              <a:rPr lang="es-AR" sz="3600" dirty="0" smtClean="0"/>
+              <a:t>Inmediatez  y masividad de acceso</a:t>
+            </a:r>
+          </a:p>
+          <a:p>
+            <a:pPr lvl="0">
+              <a:buFont typeface="Arial" pitchFamily="34" charset="0"/>
+              <a:buChar char="•"/>
+            </a:pPr>
+            <a:r>
+              <a:rPr lang="es-AR" sz="3600" dirty="0" smtClean="0"/>
+              <a:t> Facilidad de distribución</a:t>
+            </a:r>
+          </a:p>
+          <a:p>
+            <a:pPr lvl="0">
+              <a:buFont typeface="Arial" pitchFamily="34" charset="0"/>
+              <a:buChar char="•"/>
+            </a:pPr>
+            <a:endParaRPr lang="es-AR" sz="2800" dirty="0" smtClean="0"/>
+          </a:p>
+        </p:txBody>
+      </p:sp>
+    </p:spTree>
+  </p:cSld>
+  <p:clrMapOvr>
+    <a:masterClrMapping/>
+  </p:clrMapOvr>
+  <p:timing>
+    <p:tnLst>
+      <p:par>
+        <p:cTn id="1" dur="indefinite" restart="never" nodeType="tmRoot"/>
+      </p:par>
+    </p:tnLst>
+  </p:timing>
+</p:sld>
+</file>
+
+<file path=ppt/slides/slide3.xml><?xml version="1.0" encoding="utf-8"?>
+<p:sld xmlns:a="http://schemas.openxmlformats.org/drawingml/2006/main" xmlns:r="http://schemas.openxmlformats.org/officeDocument/2006/relationships" xmlns:p="http://schemas.openxmlformats.org/presentationml/2006/main">
+  <p:cSld>
+    <p:spTree>
+      <p:nvGrpSpPr>
+        <p:cNvPr id="1" name=""/>
+        <p:cNvGrpSpPr/>
+        <p:nvPr/>
+      </p:nvGrpSpPr>
+      <p:grpSpPr>
+        <a:xfrm>
+          <a:off x="0" y="0"/>
+          <a:ext cx="0" cy="0"/>
+          <a:chOff x="0" y="0"/>
+          <a:chExt cx="0" cy="0"/>
+        </a:xfrm>
+      </p:grpSpPr>
+      <p:grpSp>
+        <p:nvGrpSpPr>
+          <p:cNvPr id="2" name="Group 22"/>
+          <p:cNvGrpSpPr/>
+          <p:nvPr/>
+        </p:nvGrpSpPr>
+        <p:grpSpPr>
+          <a:xfrm>
+            <a:off x="304800" y="304800"/>
+            <a:ext cx="8534400" cy="6248400"/>
+            <a:chOff x="304800" y="304800"/>
+            <a:chExt cx="8534400" cy="6248400"/>
+          </a:xfrm>
+          <a:solidFill>
+            <a:schemeClr val="bg1">
+              <a:lumMod val="85000"/>
+            </a:schemeClr>
+          </a:solidFill>
+        </p:grpSpPr>
+        <p:sp>
+          <p:nvSpPr>
+            <p:cNvPr id="18" name="Rounded Rectangle 17"/>
+            <p:cNvSpPr/>
+            <p:nvPr/>
+          </p:nvSpPr>
+          <p:spPr>
+            <a:xfrm>
+              <a:off x="304800" y="304800"/>
+              <a:ext cx="8534400" cy="6248400"/>
+            </a:xfrm>
+            <a:prstGeom prst="roundRect">
+              <a:avLst/>
+            </a:prstGeom>
+            <a:grpFill/>
+            <a:ln>
+              <a:noFill/>
+            </a:ln>
+          </p:spPr>
+          <p:style>
+            <a:lnRef idx="2">
+              <a:schemeClr val="accent1">
+                <a:shade val="50000"/>
+              </a:schemeClr>
+            </a:lnRef>
+            <a:fillRef idx="1">
+              <a:schemeClr val="accent1"/>
+            </a:fillRef>
+            <a:effectRef idx="0">
+              <a:schemeClr val="accent1"/>
+            </a:effectRef>
+            <a:fontRef idx="minor">
+              <a:schemeClr val="lt1"/>
+            </a:fontRef>
+          </p:style>
+          <p:txBody>
+            <a:bodyPr rtlCol="0" anchor="ctr"/>
+            <a:lstStyle/>
+            <a:p>
+              <a:pPr algn="ctr"/>
+              <a:endParaRPr lang="es-AR"/>
+            </a:p>
+          </p:txBody>
+        </p:sp>
+        <p:sp>
+          <p:nvSpPr>
+            <p:cNvPr id="22" name="Rounded Rectangle 21"/>
+            <p:cNvSpPr/>
+            <p:nvPr/>
+          </p:nvSpPr>
+          <p:spPr>
+            <a:xfrm>
+              <a:off x="7086600" y="304800"/>
+              <a:ext cx="1752600" cy="1752600"/>
+            </a:xfrm>
+            <a:prstGeom prst="roundRect">
+              <a:avLst/>
+            </a:prstGeom>
+            <a:grpFill/>
+            <a:ln>
+              <a:noFill/>
+            </a:ln>
+          </p:spPr>
+          <p:style>
+            <a:lnRef idx="2">
+              <a:schemeClr val="accent1">
+                <a:shade val="50000"/>
+              </a:schemeClr>
+            </a:lnRef>
+            <a:fillRef idx="1">
+              <a:schemeClr val="accent1"/>
+            </a:fillRef>
+            <a:effectRef idx="0">
+              <a:schemeClr val="accent1"/>
+            </a:effectRef>
+            <a:fontRef idx="minor">
+              <a:schemeClr val="lt1"/>
+            </a:fontRef>
+          </p:style>
+          <p:txBody>
+            <a:bodyPr rtlCol="0" anchor="ctr"/>
+            <a:lstStyle/>
+            <a:p>
+              <a:pPr algn="ctr"/>
+              <a:endParaRPr lang="es-AR"/>
+            </a:p>
+          </p:txBody>
+        </p:sp>
+        <p:sp>
+          <p:nvSpPr>
+            <p:cNvPr id="21" name="Rounded Rectangle 20"/>
+            <p:cNvSpPr/>
+            <p:nvPr/>
+          </p:nvSpPr>
+          <p:spPr>
+            <a:xfrm>
+              <a:off x="304800" y="304800"/>
+              <a:ext cx="1752600" cy="1752600"/>
+            </a:xfrm>
+            <a:prstGeom prst="roundRect">
+              <a:avLst/>
+            </a:prstGeom>
+            <a:grpFill/>
+            <a:ln>
+              <a:noFill/>
+            </a:ln>
+          </p:spPr>
+          <p:style>
+            <a:lnRef idx="2">
+              <a:schemeClr val="accent1">
+                <a:shade val="50000"/>
+              </a:schemeClr>
+            </a:lnRef>
+            <a:fillRef idx="1">
+              <a:schemeClr val="accent1"/>
+            </a:fillRef>
+            <a:effectRef idx="0">
+              <a:schemeClr val="accent1"/>
+            </a:effectRef>
+            <a:fontRef idx="minor">
+              <a:schemeClr val="lt1"/>
+            </a:fontRef>
+          </p:style>
+          <p:txBody>
+            <a:bodyPr rtlCol="0" anchor="ctr"/>
+            <a:lstStyle/>
+            <a:p>
+              <a:pPr algn="ctr"/>
+              <a:endParaRPr lang="es-AR"/>
+            </a:p>
+          </p:txBody>
+        </p:sp>
+        <p:sp>
+          <p:nvSpPr>
+            <p:cNvPr id="17" name="Rounded Rectangle 16"/>
+            <p:cNvSpPr/>
+            <p:nvPr/>
+          </p:nvSpPr>
+          <p:spPr>
+            <a:xfrm>
+              <a:off x="304800" y="4800600"/>
+              <a:ext cx="1752600" cy="1752600"/>
+            </a:xfrm>
+            <a:prstGeom prst="roundRect">
+              <a:avLst/>
+            </a:prstGeom>
+            <a:grpFill/>
+            <a:ln>
+              <a:noFill/>
+            </a:ln>
+          </p:spPr>
+          <p:style>
+            <a:lnRef idx="2">
+              <a:schemeClr val="accent1">
+                <a:shade val="50000"/>
+              </a:schemeClr>
+            </a:lnRef>
+            <a:fillRef idx="1">
+              <a:schemeClr val="accent1"/>
+            </a:fillRef>
+            <a:effectRef idx="0">
+              <a:schemeClr val="accent1"/>
+            </a:effectRef>
+            <a:fontRef idx="minor">
+              <a:schemeClr val="lt1"/>
+            </a:fontRef>
+          </p:style>
+          <p:txBody>
+            <a:bodyPr rtlCol="0" anchor="ctr"/>
+            <a:lstStyle/>
+            <a:p>
+              <a:pPr algn="ctr"/>
+              <a:endParaRPr lang="es-AR"/>
+            </a:p>
+          </p:txBody>
+        </p:sp>
+        <p:sp>
+          <p:nvSpPr>
+            <p:cNvPr id="19" name="Rounded Rectangle 18"/>
+            <p:cNvSpPr/>
+            <p:nvPr/>
+          </p:nvSpPr>
+          <p:spPr>
+            <a:xfrm>
+              <a:off x="7086600" y="4800600"/>
+              <a:ext cx="1752600" cy="1752600"/>
+            </a:xfrm>
+            <a:prstGeom prst="roundRect">
+              <a:avLst/>
+            </a:prstGeom>
+            <a:grpFill/>
+            <a:ln>
+              <a:noFill/>
+            </a:ln>
+          </p:spPr>
+          <p:style>
+            <a:lnRef idx="2">
+              <a:schemeClr val="accent1">
+                <a:shade val="50000"/>
+              </a:schemeClr>
+            </a:lnRef>
+            <a:fillRef idx="1">
+              <a:schemeClr val="accent1"/>
+            </a:fillRef>
+            <a:effectRef idx="0">
+              <a:schemeClr val="accent1"/>
+            </a:effectRef>
+            <a:fontRef idx="minor">
+              <a:schemeClr val="lt1"/>
+            </a:fontRef>
+          </p:style>
+          <p:txBody>
+            <a:bodyPr rtlCol="0" anchor="ctr"/>
+            <a:lstStyle/>
+            <a:p>
+              <a:pPr algn="ctr"/>
+              <a:endParaRPr lang="es-AR"/>
+            </a:p>
+          </p:txBody>
+        </p:sp>
+      </p:grpSp>
+      <p:sp>
+        <p:nvSpPr>
+          <p:cNvPr id="40" name="Freeform 39"/>
+          <p:cNvSpPr/>
+          <p:nvPr/>
+        </p:nvSpPr>
+        <p:spPr>
+          <a:xfrm>
+            <a:off x="533400" y="457200"/>
+            <a:ext cx="8102599" cy="5803900"/>
+          </a:xfrm>
+          <a:custGeom>
+            <a:avLst/>
+            <a:gdLst>
+              <a:gd name="connsiteX0" fmla="*/ 0 w 8077200"/>
+              <a:gd name="connsiteY0" fmla="*/ 965219 h 5791200"/>
+              <a:gd name="connsiteX1" fmla="*/ 282707 w 8077200"/>
+              <a:gd name="connsiteY1" fmla="*/ 282706 h 5791200"/>
+              <a:gd name="connsiteX2" fmla="*/ 965221 w 8077200"/>
+              <a:gd name="connsiteY2" fmla="*/ 1 h 5791200"/>
+              <a:gd name="connsiteX3" fmla="*/ 7111981 w 8077200"/>
+              <a:gd name="connsiteY3" fmla="*/ 0 h 5791200"/>
+              <a:gd name="connsiteX4" fmla="*/ 7794494 w 8077200"/>
+              <a:gd name="connsiteY4" fmla="*/ 282707 h 5791200"/>
+              <a:gd name="connsiteX5" fmla="*/ 8077199 w 8077200"/>
+              <a:gd name="connsiteY5" fmla="*/ 965221 h 5791200"/>
+              <a:gd name="connsiteX6" fmla="*/ 8077200 w 8077200"/>
+              <a:gd name="connsiteY6" fmla="*/ 4825981 h 5791200"/>
+              <a:gd name="connsiteX7" fmla="*/ 7794494 w 8077200"/>
+              <a:gd name="connsiteY7" fmla="*/ 5508494 h 5791200"/>
+              <a:gd name="connsiteX8" fmla="*/ 7111981 w 8077200"/>
+              <a:gd name="connsiteY8" fmla="*/ 5791200 h 5791200"/>
+              <a:gd name="connsiteX9" fmla="*/ 965219 w 8077200"/>
+              <a:gd name="connsiteY9" fmla="*/ 5791200 h 5791200"/>
+              <a:gd name="connsiteX10" fmla="*/ 282706 w 8077200"/>
+              <a:gd name="connsiteY10" fmla="*/ 5508493 h 5791200"/>
+              <a:gd name="connsiteX11" fmla="*/ 0 w 8077200"/>
+              <a:gd name="connsiteY11" fmla="*/ 4825980 h 5791200"/>
+              <a:gd name="connsiteX12" fmla="*/ 0 w 8077200"/>
+              <a:gd name="connsiteY12" fmla="*/ 965219 h 5791200"/>
+              <a:gd name="connsiteX0" fmla="*/ 0 w 8077200"/>
+              <a:gd name="connsiteY0" fmla="*/ 609600 h 5791200"/>
+              <a:gd name="connsiteX1" fmla="*/ 282707 w 8077200"/>
+              <a:gd name="connsiteY1" fmla="*/ 282706 h 5791200"/>
+              <a:gd name="connsiteX2" fmla="*/ 965221 w 8077200"/>
+              <a:gd name="connsiteY2" fmla="*/ 1 h 5791200"/>
+              <a:gd name="connsiteX3" fmla="*/ 7111981 w 8077200"/>
+              <a:gd name="connsiteY3" fmla="*/ 0 h 5791200"/>
+              <a:gd name="connsiteX4" fmla="*/ 7794494 w 8077200"/>
+              <a:gd name="connsiteY4" fmla="*/ 282707 h 5791200"/>
+              <a:gd name="connsiteX5" fmla="*/ 8077199 w 8077200"/>
+              <a:gd name="connsiteY5" fmla="*/ 965221 h 5791200"/>
+              <a:gd name="connsiteX6" fmla="*/ 8077200 w 8077200"/>
+              <a:gd name="connsiteY6" fmla="*/ 4825981 h 5791200"/>
+              <a:gd name="connsiteX7" fmla="*/ 7794494 w 8077200"/>
+              <a:gd name="connsiteY7" fmla="*/ 5508494 h 5791200"/>
+              <a:gd name="connsiteX8" fmla="*/ 7111981 w 8077200"/>
+              <a:gd name="connsiteY8" fmla="*/ 5791200 h 5791200"/>
+              <a:gd name="connsiteX9" fmla="*/ 965219 w 8077200"/>
+              <a:gd name="connsiteY9" fmla="*/ 5791200 h 5791200"/>
+              <a:gd name="connsiteX10" fmla="*/ 282706 w 8077200"/>
+              <a:gd name="connsiteY10" fmla="*/ 5508493 h 5791200"/>
+              <a:gd name="connsiteX11" fmla="*/ 0 w 8077200"/>
+              <a:gd name="connsiteY11" fmla="*/ 4825980 h 5791200"/>
+              <a:gd name="connsiteX12" fmla="*/ 0 w 8077200"/>
+              <a:gd name="connsiteY12" fmla="*/ 609600 h 5791200"/>
+              <a:gd name="connsiteX0" fmla="*/ 0 w 8077200"/>
+              <a:gd name="connsiteY0" fmla="*/ 609601 h 5791201"/>
+              <a:gd name="connsiteX1" fmla="*/ 282707 w 8077200"/>
+              <a:gd name="connsiteY1" fmla="*/ 282707 h 5791201"/>
+              <a:gd name="connsiteX2" fmla="*/ 609600 w 8077200"/>
+              <a:gd name="connsiteY2" fmla="*/ 1 h 5791201"/>
+              <a:gd name="connsiteX3" fmla="*/ 7111981 w 8077200"/>
+              <a:gd name="connsiteY3" fmla="*/ 1 h 5791201"/>
+              <a:gd name="connsiteX4" fmla="*/ 7794494 w 8077200"/>
+              <a:gd name="connsiteY4" fmla="*/ 282708 h 5791201"/>
+              <a:gd name="connsiteX5" fmla="*/ 8077199 w 8077200"/>
+              <a:gd name="connsiteY5" fmla="*/ 965222 h 5791201"/>
+              <a:gd name="connsiteX6" fmla="*/ 8077200 w 8077200"/>
+              <a:gd name="connsiteY6" fmla="*/ 4825982 h 5791201"/>
+              <a:gd name="connsiteX7" fmla="*/ 7794494 w 8077200"/>
+              <a:gd name="connsiteY7" fmla="*/ 5508495 h 5791201"/>
+              <a:gd name="connsiteX8" fmla="*/ 7111981 w 8077200"/>
+              <a:gd name="connsiteY8" fmla="*/ 5791201 h 5791201"/>
+              <a:gd name="connsiteX9" fmla="*/ 965219 w 8077200"/>
+              <a:gd name="connsiteY9" fmla="*/ 5791201 h 5791201"/>
+              <a:gd name="connsiteX10" fmla="*/ 282706 w 8077200"/>
+              <a:gd name="connsiteY10" fmla="*/ 5508494 h 5791201"/>
+              <a:gd name="connsiteX11" fmla="*/ 0 w 8077200"/>
+              <a:gd name="connsiteY11" fmla="*/ 4825981 h 5791201"/>
+              <a:gd name="connsiteX12" fmla="*/ 0 w 8077200"/>
+              <a:gd name="connsiteY12" fmla="*/ 609601 h 5791201"/>
+              <a:gd name="connsiteX0" fmla="*/ 0 w 8077200"/>
+              <a:gd name="connsiteY0" fmla="*/ 609601 h 5791201"/>
+              <a:gd name="connsiteX1" fmla="*/ 152400 w 8077200"/>
+              <a:gd name="connsiteY1" fmla="*/ 152402 h 5791201"/>
+              <a:gd name="connsiteX2" fmla="*/ 609600 w 8077200"/>
+              <a:gd name="connsiteY2" fmla="*/ 1 h 5791201"/>
+              <a:gd name="connsiteX3" fmla="*/ 7111981 w 8077200"/>
+              <a:gd name="connsiteY3" fmla="*/ 1 h 5791201"/>
+              <a:gd name="connsiteX4" fmla="*/ 7794494 w 8077200"/>
+              <a:gd name="connsiteY4" fmla="*/ 282708 h 5791201"/>
+              <a:gd name="connsiteX5" fmla="*/ 8077199 w 8077200"/>
+              <a:gd name="connsiteY5" fmla="*/ 965222 h 5791201"/>
+              <a:gd name="connsiteX6" fmla="*/ 8077200 w 8077200"/>
+              <a:gd name="connsiteY6" fmla="*/ 4825982 h 5791201"/>
+              <a:gd name="connsiteX7" fmla="*/ 7794494 w 8077200"/>
+              <a:gd name="connsiteY7" fmla="*/ 5508495 h 5791201"/>
+              <a:gd name="connsiteX8" fmla="*/ 7111981 w 8077200"/>
+              <a:gd name="connsiteY8" fmla="*/ 5791201 h 5791201"/>
+              <a:gd name="connsiteX9" fmla="*/ 965219 w 8077200"/>
+              <a:gd name="connsiteY9" fmla="*/ 5791201 h 5791201"/>
+              <a:gd name="connsiteX10" fmla="*/ 282706 w 8077200"/>
+              <a:gd name="connsiteY10" fmla="*/ 5508494 h 5791201"/>
+              <a:gd name="connsiteX11" fmla="*/ 0 w 8077200"/>
+              <a:gd name="connsiteY11" fmla="*/ 4825981 h 5791201"/>
+              <a:gd name="connsiteX12" fmla="*/ 0 w 8077200"/>
+              <a:gd name="connsiteY12" fmla="*/ 609601 h 5791201"/>
+              <a:gd name="connsiteX0" fmla="*/ 0 w 8077200"/>
+              <a:gd name="connsiteY0" fmla="*/ 609600 h 5791200"/>
+              <a:gd name="connsiteX1" fmla="*/ 152400 w 8077200"/>
+              <a:gd name="connsiteY1" fmla="*/ 152401 h 5791200"/>
+              <a:gd name="connsiteX2" fmla="*/ 533400 w 8077200"/>
+              <a:gd name="connsiteY2" fmla="*/ 1 h 5791200"/>
+              <a:gd name="connsiteX3" fmla="*/ 7111981 w 8077200"/>
+              <a:gd name="connsiteY3" fmla="*/ 0 h 5791200"/>
+              <a:gd name="connsiteX4" fmla="*/ 7794494 w 8077200"/>
+              <a:gd name="connsiteY4" fmla="*/ 282707 h 5791200"/>
+              <a:gd name="connsiteX5" fmla="*/ 8077199 w 8077200"/>
+              <a:gd name="connsiteY5" fmla="*/ 965221 h 5791200"/>
+              <a:gd name="connsiteX6" fmla="*/ 8077200 w 8077200"/>
+              <a:gd name="connsiteY6" fmla="*/ 4825981 h 5791200"/>
+              <a:gd name="connsiteX7" fmla="*/ 7794494 w 8077200"/>
+              <a:gd name="connsiteY7" fmla="*/ 5508494 h 5791200"/>
+              <a:gd name="connsiteX8" fmla="*/ 7111981 w 8077200"/>
+              <a:gd name="connsiteY8" fmla="*/ 5791200 h 5791200"/>
+              <a:gd name="connsiteX9" fmla="*/ 965219 w 8077200"/>
+              <a:gd name="connsiteY9" fmla="*/ 5791200 h 5791200"/>
+              <a:gd name="connsiteX10" fmla="*/ 282706 w 8077200"/>
+              <a:gd name="connsiteY10" fmla="*/ 5508493 h 5791200"/>
+              <a:gd name="connsiteX11" fmla="*/ 0 w 8077200"/>
+              <a:gd name="connsiteY11" fmla="*/ 4825980 h 5791200"/>
+              <a:gd name="connsiteX12" fmla="*/ 0 w 8077200"/>
+              <a:gd name="connsiteY12" fmla="*/ 609600 h 5791200"/>
+              <a:gd name="connsiteX0" fmla="*/ 0 w 8077200"/>
+              <a:gd name="connsiteY0" fmla="*/ 533400 h 5791200"/>
+              <a:gd name="connsiteX1" fmla="*/ 152400 w 8077200"/>
+              <a:gd name="connsiteY1" fmla="*/ 152401 h 5791200"/>
+              <a:gd name="connsiteX2" fmla="*/ 533400 w 8077200"/>
+              <a:gd name="connsiteY2" fmla="*/ 1 h 5791200"/>
+              <a:gd name="connsiteX3" fmla="*/ 7111981 w 8077200"/>
+              <a:gd name="connsiteY3" fmla="*/ 0 h 5791200"/>
+              <a:gd name="connsiteX4" fmla="*/ 7794494 w 8077200"/>
+              <a:gd name="connsiteY4" fmla="*/ 282707 h 5791200"/>
+              <a:gd name="connsiteX5" fmla="*/ 8077199 w 8077200"/>
+              <a:gd name="connsiteY5" fmla="*/ 965221 h 5791200"/>
+              <a:gd name="connsiteX6" fmla="*/ 8077200 w 8077200"/>
+              <a:gd name="connsiteY6" fmla="*/ 4825981 h 5791200"/>
+              <a:gd name="connsiteX7" fmla="*/ 7794494 w 8077200"/>
+              <a:gd name="connsiteY7" fmla="*/ 5508494 h 5791200"/>
+              <a:gd name="connsiteX8" fmla="*/ 7111981 w 8077200"/>
+              <a:gd name="connsiteY8" fmla="*/ 5791200 h 5791200"/>
+              <a:gd name="connsiteX9" fmla="*/ 965219 w 8077200"/>
+              <a:gd name="connsiteY9" fmla="*/ 5791200 h 5791200"/>
+              <a:gd name="connsiteX10" fmla="*/ 282706 w 8077200"/>
+              <a:gd name="connsiteY10" fmla="*/ 5508493 h 5791200"/>
+              <a:gd name="connsiteX11" fmla="*/ 0 w 8077200"/>
+              <a:gd name="connsiteY11" fmla="*/ 4825980 h 5791200"/>
+              <a:gd name="connsiteX12" fmla="*/ 0 w 8077200"/>
+              <a:gd name="connsiteY12" fmla="*/ 533400 h 5791200"/>
+              <a:gd name="connsiteX0" fmla="*/ 12700 w 8089900"/>
+              <a:gd name="connsiteY0" fmla="*/ 546100 h 5803900"/>
+              <a:gd name="connsiteX1" fmla="*/ 88900 w 8089900"/>
+              <a:gd name="connsiteY1" fmla="*/ 88900 h 5803900"/>
+              <a:gd name="connsiteX2" fmla="*/ 546100 w 8089900"/>
+              <a:gd name="connsiteY2" fmla="*/ 12701 h 5803900"/>
+              <a:gd name="connsiteX3" fmla="*/ 7124681 w 8089900"/>
+              <a:gd name="connsiteY3" fmla="*/ 12700 h 5803900"/>
+              <a:gd name="connsiteX4" fmla="*/ 7807194 w 8089900"/>
+              <a:gd name="connsiteY4" fmla="*/ 295407 h 5803900"/>
+              <a:gd name="connsiteX5" fmla="*/ 8089899 w 8089900"/>
+              <a:gd name="connsiteY5" fmla="*/ 977921 h 5803900"/>
+              <a:gd name="connsiteX6" fmla="*/ 8089900 w 8089900"/>
+              <a:gd name="connsiteY6" fmla="*/ 4838681 h 5803900"/>
+              <a:gd name="connsiteX7" fmla="*/ 7807194 w 8089900"/>
+              <a:gd name="connsiteY7" fmla="*/ 5521194 h 5803900"/>
+              <a:gd name="connsiteX8" fmla="*/ 7124681 w 8089900"/>
+              <a:gd name="connsiteY8" fmla="*/ 5803900 h 5803900"/>
+              <a:gd name="connsiteX9" fmla="*/ 977919 w 8089900"/>
+              <a:gd name="connsiteY9" fmla="*/ 5803900 h 5803900"/>
+              <a:gd name="connsiteX10" fmla="*/ 295406 w 8089900"/>
+              <a:gd name="connsiteY10" fmla="*/ 5521193 h 5803900"/>
+              <a:gd name="connsiteX11" fmla="*/ 12700 w 8089900"/>
+              <a:gd name="connsiteY11" fmla="*/ 4838680 h 5803900"/>
+              <a:gd name="connsiteX12" fmla="*/ 12700 w 8089900"/>
+              <a:gd name="connsiteY12" fmla="*/ 546100 h 5803900"/>
+              <a:gd name="connsiteX0" fmla="*/ 12700 w 8089900"/>
+              <a:gd name="connsiteY0" fmla="*/ 546100 h 5803900"/>
+              <a:gd name="connsiteX1" fmla="*/ 88900 w 8089900"/>
+              <a:gd name="connsiteY1" fmla="*/ 88900 h 5803900"/>
+              <a:gd name="connsiteX2" fmla="*/ 546100 w 8089900"/>
+              <a:gd name="connsiteY2" fmla="*/ 12701 h 5803900"/>
+              <a:gd name="connsiteX3" fmla="*/ 7124681 w 8089900"/>
+              <a:gd name="connsiteY3" fmla="*/ 12700 h 5803900"/>
+              <a:gd name="connsiteX4" fmla="*/ 7807194 w 8089900"/>
+              <a:gd name="connsiteY4" fmla="*/ 295407 h 5803900"/>
+              <a:gd name="connsiteX5" fmla="*/ 8089899 w 8089900"/>
+              <a:gd name="connsiteY5" fmla="*/ 977921 h 5803900"/>
+              <a:gd name="connsiteX6" fmla="*/ 8089900 w 8089900"/>
+              <a:gd name="connsiteY6" fmla="*/ 4838681 h 5803900"/>
+              <a:gd name="connsiteX7" fmla="*/ 7807194 w 8089900"/>
+              <a:gd name="connsiteY7" fmla="*/ 5521194 h 5803900"/>
+              <a:gd name="connsiteX8" fmla="*/ 7124681 w 8089900"/>
+              <a:gd name="connsiteY8" fmla="*/ 5803900 h 5803900"/>
+              <a:gd name="connsiteX9" fmla="*/ 977919 w 8089900"/>
+              <a:gd name="connsiteY9" fmla="*/ 5803900 h 5803900"/>
+              <a:gd name="connsiteX10" fmla="*/ 295406 w 8089900"/>
+              <a:gd name="connsiteY10" fmla="*/ 5521193 h 5803900"/>
+              <a:gd name="connsiteX11" fmla="*/ 12700 w 8089900"/>
+              <a:gd name="connsiteY11" fmla="*/ 5346700 h 5803900"/>
+              <a:gd name="connsiteX12" fmla="*/ 12700 w 8089900"/>
+              <a:gd name="connsiteY12" fmla="*/ 546100 h 5803900"/>
+              <a:gd name="connsiteX0" fmla="*/ 12700 w 8089900"/>
+              <a:gd name="connsiteY0" fmla="*/ 546100 h 5803900"/>
+              <a:gd name="connsiteX1" fmla="*/ 88900 w 8089900"/>
+              <a:gd name="connsiteY1" fmla="*/ 88900 h 5803900"/>
+              <a:gd name="connsiteX2" fmla="*/ 546100 w 8089900"/>
+              <a:gd name="connsiteY2" fmla="*/ 12701 h 5803900"/>
+              <a:gd name="connsiteX3" fmla="*/ 7124681 w 8089900"/>
+              <a:gd name="connsiteY3" fmla="*/ 12700 h 5803900"/>
+              <a:gd name="connsiteX4" fmla="*/ 7807194 w 8089900"/>
+              <a:gd name="connsiteY4" fmla="*/ 295407 h 5803900"/>
+              <a:gd name="connsiteX5" fmla="*/ 8089899 w 8089900"/>
+              <a:gd name="connsiteY5" fmla="*/ 977921 h 5803900"/>
+              <a:gd name="connsiteX6" fmla="*/ 8089900 w 8089900"/>
+              <a:gd name="connsiteY6" fmla="*/ 4838681 h 5803900"/>
+              <a:gd name="connsiteX7" fmla="*/ 7807194 w 8089900"/>
+              <a:gd name="connsiteY7" fmla="*/ 5521194 h 5803900"/>
+              <a:gd name="connsiteX8" fmla="*/ 7124681 w 8089900"/>
+              <a:gd name="connsiteY8" fmla="*/ 5803900 h 5803900"/>
+              <a:gd name="connsiteX9" fmla="*/ 546100 w 8089900"/>
+              <a:gd name="connsiteY9" fmla="*/ 5803900 h 5803900"/>
+              <a:gd name="connsiteX10" fmla="*/ 295406 w 8089900"/>
+              <a:gd name="connsiteY10" fmla="*/ 5521193 h 5803900"/>
+              <a:gd name="connsiteX11" fmla="*/ 12700 w 8089900"/>
+              <a:gd name="connsiteY11" fmla="*/ 5346700 h 5803900"/>
+              <a:gd name="connsiteX12" fmla="*/ 12700 w 8089900"/>
+              <a:gd name="connsiteY12" fmla="*/ 546100 h 5803900"/>
+              <a:gd name="connsiteX0" fmla="*/ 12700 w 8089900"/>
+              <a:gd name="connsiteY0" fmla="*/ 546100 h 5803900"/>
+              <a:gd name="connsiteX1" fmla="*/ 88900 w 8089900"/>
+              <a:gd name="connsiteY1" fmla="*/ 88900 h 5803900"/>
+              <a:gd name="connsiteX2" fmla="*/ 546100 w 8089900"/>
+              <a:gd name="connsiteY2" fmla="*/ 12701 h 5803900"/>
+              <a:gd name="connsiteX3" fmla="*/ 7124681 w 8089900"/>
+              <a:gd name="connsiteY3" fmla="*/ 12700 h 5803900"/>
+              <a:gd name="connsiteX4" fmla="*/ 7807194 w 8089900"/>
+              <a:gd name="connsiteY4" fmla="*/ 295407 h 5803900"/>
+              <a:gd name="connsiteX5" fmla="*/ 8089899 w 8089900"/>
+              <a:gd name="connsiteY5" fmla="*/ 977921 h 5803900"/>
+              <a:gd name="connsiteX6" fmla="*/ 8089900 w 8089900"/>
+              <a:gd name="connsiteY6" fmla="*/ 4838681 h 5803900"/>
+              <a:gd name="connsiteX7" fmla="*/ 7807194 w 8089900"/>
+              <a:gd name="connsiteY7" fmla="*/ 5521194 h 5803900"/>
+              <a:gd name="connsiteX8" fmla="*/ 7124681 w 8089900"/>
+              <a:gd name="connsiteY8" fmla="*/ 5803900 h 5803900"/>
+              <a:gd name="connsiteX9" fmla="*/ 546100 w 8089900"/>
+              <a:gd name="connsiteY9" fmla="*/ 5803900 h 5803900"/>
+              <a:gd name="connsiteX10" fmla="*/ 88900 w 8089900"/>
+              <a:gd name="connsiteY10" fmla="*/ 5727700 h 5803900"/>
+              <a:gd name="connsiteX11" fmla="*/ 12700 w 8089900"/>
+              <a:gd name="connsiteY11" fmla="*/ 5346700 h 5803900"/>
+              <a:gd name="connsiteX12" fmla="*/ 12700 w 8089900"/>
+              <a:gd name="connsiteY12" fmla="*/ 546100 h 5803900"/>
+              <a:gd name="connsiteX0" fmla="*/ 12700 w 8089900"/>
+              <a:gd name="connsiteY0" fmla="*/ 546100 h 5803900"/>
+              <a:gd name="connsiteX1" fmla="*/ 88900 w 8089900"/>
+              <a:gd name="connsiteY1" fmla="*/ 88900 h 5803900"/>
+              <a:gd name="connsiteX2" fmla="*/ 546100 w 8089900"/>
+              <a:gd name="connsiteY2" fmla="*/ 12701 h 5803900"/>
+              <a:gd name="connsiteX3" fmla="*/ 7556500 w 8089900"/>
+              <a:gd name="connsiteY3" fmla="*/ 12700 h 5803900"/>
+              <a:gd name="connsiteX4" fmla="*/ 7807194 w 8089900"/>
+              <a:gd name="connsiteY4" fmla="*/ 295407 h 5803900"/>
+              <a:gd name="connsiteX5" fmla="*/ 8089899 w 8089900"/>
+              <a:gd name="connsiteY5" fmla="*/ 977921 h 5803900"/>
+              <a:gd name="connsiteX6" fmla="*/ 8089900 w 8089900"/>
+              <a:gd name="connsiteY6" fmla="*/ 4838681 h 5803900"/>
+              <a:gd name="connsiteX7" fmla="*/ 7807194 w 8089900"/>
+              <a:gd name="connsiteY7" fmla="*/ 5521194 h 5803900"/>
+              <a:gd name="connsiteX8" fmla="*/ 7124681 w 8089900"/>
+              <a:gd name="connsiteY8" fmla="*/ 5803900 h 5803900"/>
+              <a:gd name="connsiteX9" fmla="*/ 546100 w 8089900"/>
+              <a:gd name="connsiteY9" fmla="*/ 5803900 h 5803900"/>
+              <a:gd name="connsiteX10" fmla="*/ 88900 w 8089900"/>
+              <a:gd name="connsiteY10" fmla="*/ 5727700 h 5803900"/>
+              <a:gd name="connsiteX11" fmla="*/ 12700 w 8089900"/>
+              <a:gd name="connsiteY11" fmla="*/ 5346700 h 5803900"/>
+              <a:gd name="connsiteX12" fmla="*/ 12700 w 8089900"/>
+              <a:gd name="connsiteY12" fmla="*/ 546100 h 5803900"/>
+              <a:gd name="connsiteX0" fmla="*/ 12700 w 8089901"/>
+              <a:gd name="connsiteY0" fmla="*/ 546100 h 5803900"/>
+              <a:gd name="connsiteX1" fmla="*/ 88900 w 8089901"/>
+              <a:gd name="connsiteY1" fmla="*/ 88900 h 5803900"/>
+              <a:gd name="connsiteX2" fmla="*/ 546100 w 8089901"/>
+              <a:gd name="connsiteY2" fmla="*/ 12701 h 5803900"/>
+              <a:gd name="connsiteX3" fmla="*/ 7556500 w 8089901"/>
+              <a:gd name="connsiteY3" fmla="*/ 12700 h 5803900"/>
+              <a:gd name="connsiteX4" fmla="*/ 7807194 w 8089901"/>
+              <a:gd name="connsiteY4" fmla="*/ 295407 h 5803900"/>
+              <a:gd name="connsiteX5" fmla="*/ 8089900 w 8089901"/>
+              <a:gd name="connsiteY5" fmla="*/ 469900 h 5803900"/>
+              <a:gd name="connsiteX6" fmla="*/ 8089900 w 8089901"/>
+              <a:gd name="connsiteY6" fmla="*/ 4838681 h 5803900"/>
+              <a:gd name="connsiteX7" fmla="*/ 7807194 w 8089901"/>
+              <a:gd name="connsiteY7" fmla="*/ 5521194 h 5803900"/>
+              <a:gd name="connsiteX8" fmla="*/ 7124681 w 8089901"/>
+              <a:gd name="connsiteY8" fmla="*/ 5803900 h 5803900"/>
+              <a:gd name="connsiteX9" fmla="*/ 546100 w 8089901"/>
+              <a:gd name="connsiteY9" fmla="*/ 5803900 h 5803900"/>
+              <a:gd name="connsiteX10" fmla="*/ 88900 w 8089901"/>
+              <a:gd name="connsiteY10" fmla="*/ 5727700 h 5803900"/>
+              <a:gd name="connsiteX11" fmla="*/ 12700 w 8089901"/>
+              <a:gd name="connsiteY11" fmla="*/ 5346700 h 5803900"/>
+              <a:gd name="connsiteX12" fmla="*/ 12700 w 8089901"/>
+              <a:gd name="connsiteY12" fmla="*/ 546100 h 5803900"/>
+              <a:gd name="connsiteX0" fmla="*/ 12700 w 8102600"/>
+              <a:gd name="connsiteY0" fmla="*/ 546100 h 5803900"/>
+              <a:gd name="connsiteX1" fmla="*/ 88900 w 8102600"/>
+              <a:gd name="connsiteY1" fmla="*/ 88900 h 5803900"/>
+              <a:gd name="connsiteX2" fmla="*/ 546100 w 8102600"/>
+              <a:gd name="connsiteY2" fmla="*/ 12701 h 5803900"/>
+              <a:gd name="connsiteX3" fmla="*/ 7556500 w 8102600"/>
+              <a:gd name="connsiteY3" fmla="*/ 12700 h 5803900"/>
+              <a:gd name="connsiteX4" fmla="*/ 8013700 w 8102600"/>
+              <a:gd name="connsiteY4" fmla="*/ 88900 h 5803900"/>
+              <a:gd name="connsiteX5" fmla="*/ 8089900 w 8102600"/>
+              <a:gd name="connsiteY5" fmla="*/ 469900 h 5803900"/>
+              <a:gd name="connsiteX6" fmla="*/ 8089900 w 8102600"/>
+              <a:gd name="connsiteY6" fmla="*/ 4838681 h 5803900"/>
+              <a:gd name="connsiteX7" fmla="*/ 7807194 w 8102600"/>
+              <a:gd name="connsiteY7" fmla="*/ 5521194 h 5803900"/>
+              <a:gd name="connsiteX8" fmla="*/ 7124681 w 8102600"/>
+              <a:gd name="connsiteY8" fmla="*/ 5803900 h 5803900"/>
+              <a:gd name="connsiteX9" fmla="*/ 546100 w 8102600"/>
+              <a:gd name="connsiteY9" fmla="*/ 5803900 h 5803900"/>
+              <a:gd name="connsiteX10" fmla="*/ 88900 w 8102600"/>
+              <a:gd name="connsiteY10" fmla="*/ 5727700 h 5803900"/>
+              <a:gd name="connsiteX11" fmla="*/ 12700 w 8102600"/>
+              <a:gd name="connsiteY11" fmla="*/ 5346700 h 5803900"/>
+              <a:gd name="connsiteX12" fmla="*/ 12700 w 8102600"/>
+              <a:gd name="connsiteY12" fmla="*/ 546100 h 5803900"/>
+              <a:gd name="connsiteX0" fmla="*/ 12700 w 8102600"/>
+              <a:gd name="connsiteY0" fmla="*/ 546100 h 5803900"/>
+              <a:gd name="connsiteX1" fmla="*/ 88900 w 8102600"/>
+              <a:gd name="connsiteY1" fmla="*/ 88900 h 5803900"/>
+              <a:gd name="connsiteX2" fmla="*/ 546100 w 8102600"/>
+              <a:gd name="connsiteY2" fmla="*/ 12701 h 5803900"/>
+              <a:gd name="connsiteX3" fmla="*/ 7556500 w 8102600"/>
+              <a:gd name="connsiteY3" fmla="*/ 12700 h 5803900"/>
+              <a:gd name="connsiteX4" fmla="*/ 8013700 w 8102600"/>
+              <a:gd name="connsiteY4" fmla="*/ 88900 h 5803900"/>
+              <a:gd name="connsiteX5" fmla="*/ 8089899 w 8102600"/>
+              <a:gd name="connsiteY5" fmla="*/ 469900 h 5803900"/>
+              <a:gd name="connsiteX6" fmla="*/ 8089900 w 8102600"/>
+              <a:gd name="connsiteY6" fmla="*/ 4838681 h 5803900"/>
+              <a:gd name="connsiteX7" fmla="*/ 7807194 w 8102600"/>
+              <a:gd name="connsiteY7" fmla="*/ 5521194 h 5803900"/>
+              <a:gd name="connsiteX8" fmla="*/ 7124681 w 8102600"/>
+              <a:gd name="connsiteY8" fmla="*/ 5803900 h 5803900"/>
+              <a:gd name="connsiteX9" fmla="*/ 546100 w 8102600"/>
+              <a:gd name="connsiteY9" fmla="*/ 5803900 h 5803900"/>
+              <a:gd name="connsiteX10" fmla="*/ 88900 w 8102600"/>
+              <a:gd name="connsiteY10" fmla="*/ 5727700 h 5803900"/>
+              <a:gd name="connsiteX11" fmla="*/ 12700 w 8102600"/>
+              <a:gd name="connsiteY11" fmla="*/ 5346700 h 5803900"/>
+              <a:gd name="connsiteX12" fmla="*/ 12700 w 8102600"/>
+              <a:gd name="connsiteY12" fmla="*/ 546100 h 5803900"/>
+              <a:gd name="connsiteX0" fmla="*/ 12700 w 8102599"/>
+              <a:gd name="connsiteY0" fmla="*/ 546100 h 5803900"/>
+              <a:gd name="connsiteX1" fmla="*/ 88900 w 8102599"/>
+              <a:gd name="connsiteY1" fmla="*/ 88900 h 5803900"/>
+              <a:gd name="connsiteX2" fmla="*/ 546100 w 8102599"/>
+              <a:gd name="connsiteY2" fmla="*/ 12701 h 5803900"/>
+              <a:gd name="connsiteX3" fmla="*/ 7556500 w 8102599"/>
+              <a:gd name="connsiteY3" fmla="*/ 12700 h 5803900"/>
+              <a:gd name="connsiteX4" fmla="*/ 8013699 w 8102599"/>
+              <a:gd name="connsiteY4" fmla="*/ 88900 h 5803900"/>
+              <a:gd name="connsiteX5" fmla="*/ 8089899 w 8102599"/>
+              <a:gd name="connsiteY5" fmla="*/ 469900 h 5803900"/>
+              <a:gd name="connsiteX6" fmla="*/ 8089900 w 8102599"/>
+              <a:gd name="connsiteY6" fmla="*/ 4838681 h 5803900"/>
+              <a:gd name="connsiteX7" fmla="*/ 7807194 w 8102599"/>
+              <a:gd name="connsiteY7" fmla="*/ 5521194 h 5803900"/>
+              <a:gd name="connsiteX8" fmla="*/ 7124681 w 8102599"/>
+              <a:gd name="connsiteY8" fmla="*/ 5803900 h 5803900"/>
+              <a:gd name="connsiteX9" fmla="*/ 546100 w 8102599"/>
+              <a:gd name="connsiteY9" fmla="*/ 5803900 h 5803900"/>
+              <a:gd name="connsiteX10" fmla="*/ 88900 w 8102599"/>
+              <a:gd name="connsiteY10" fmla="*/ 5727700 h 5803900"/>
+              <a:gd name="connsiteX11" fmla="*/ 12700 w 8102599"/>
+              <a:gd name="connsiteY11" fmla="*/ 5346700 h 5803900"/>
+              <a:gd name="connsiteX12" fmla="*/ 12700 w 8102599"/>
+              <a:gd name="connsiteY12" fmla="*/ 546100 h 5803900"/>
+              <a:gd name="connsiteX0" fmla="*/ 12700 w 8102599"/>
+              <a:gd name="connsiteY0" fmla="*/ 546100 h 5803900"/>
+              <a:gd name="connsiteX1" fmla="*/ 88900 w 8102599"/>
+              <a:gd name="connsiteY1" fmla="*/ 88900 h 5803900"/>
+              <a:gd name="connsiteX2" fmla="*/ 546100 w 8102599"/>
+              <a:gd name="connsiteY2" fmla="*/ 12701 h 5803900"/>
+              <a:gd name="connsiteX3" fmla="*/ 7556500 w 8102599"/>
+              <a:gd name="connsiteY3" fmla="*/ 12700 h 5803900"/>
+              <a:gd name="connsiteX4" fmla="*/ 8013699 w 8102599"/>
+              <a:gd name="connsiteY4" fmla="*/ 88900 h 5803900"/>
+              <a:gd name="connsiteX5" fmla="*/ 8089899 w 8102599"/>
+              <a:gd name="connsiteY5" fmla="*/ 469900 h 5803900"/>
+              <a:gd name="connsiteX6" fmla="*/ 8089900 w 8102599"/>
+              <a:gd name="connsiteY6" fmla="*/ 5346700 h 5803900"/>
+              <a:gd name="connsiteX7" fmla="*/ 7807194 w 8102599"/>
+              <a:gd name="connsiteY7" fmla="*/ 5521194 h 5803900"/>
+              <a:gd name="connsiteX8" fmla="*/ 7124681 w 8102599"/>
+              <a:gd name="connsiteY8" fmla="*/ 5803900 h 5803900"/>
+              <a:gd name="connsiteX9" fmla="*/ 546100 w 8102599"/>
+              <a:gd name="connsiteY9" fmla="*/ 5803900 h 5803900"/>
+              <a:gd name="connsiteX10" fmla="*/ 88900 w 8102599"/>
+              <a:gd name="connsiteY10" fmla="*/ 5727700 h 5803900"/>
+              <a:gd name="connsiteX11" fmla="*/ 12700 w 8102599"/>
+              <a:gd name="connsiteY11" fmla="*/ 5346700 h 5803900"/>
+              <a:gd name="connsiteX12" fmla="*/ 12700 w 8102599"/>
+              <a:gd name="connsiteY12" fmla="*/ 546100 h 5803900"/>
+              <a:gd name="connsiteX0" fmla="*/ 12700 w 8102599"/>
+              <a:gd name="connsiteY0" fmla="*/ 546100 h 5803900"/>
+              <a:gd name="connsiteX1" fmla="*/ 88900 w 8102599"/>
+              <a:gd name="connsiteY1" fmla="*/ 88900 h 5803900"/>
+              <a:gd name="connsiteX2" fmla="*/ 546100 w 8102599"/>
+              <a:gd name="connsiteY2" fmla="*/ 12701 h 5803900"/>
+              <a:gd name="connsiteX3" fmla="*/ 7556500 w 8102599"/>
+              <a:gd name="connsiteY3" fmla="*/ 12700 h 5803900"/>
+              <a:gd name="connsiteX4" fmla="*/ 8013699 w 8102599"/>
+              <a:gd name="connsiteY4" fmla="*/ 88900 h 5803900"/>
+              <a:gd name="connsiteX5" fmla="*/ 8089899 w 8102599"/>
+              <a:gd name="connsiteY5" fmla="*/ 469900 h 5803900"/>
+              <a:gd name="connsiteX6" fmla="*/ 8089900 w 8102599"/>
+              <a:gd name="connsiteY6" fmla="*/ 5346700 h 5803900"/>
+              <a:gd name="connsiteX7" fmla="*/ 7807194 w 8102599"/>
+              <a:gd name="connsiteY7" fmla="*/ 5521194 h 5803900"/>
+              <a:gd name="connsiteX8" fmla="*/ 7632700 w 8102599"/>
+              <a:gd name="connsiteY8" fmla="*/ 5803900 h 5803900"/>
+              <a:gd name="connsiteX9" fmla="*/ 546100 w 8102599"/>
+              <a:gd name="connsiteY9" fmla="*/ 5803900 h 5803900"/>
+              <a:gd name="connsiteX10" fmla="*/ 88900 w 8102599"/>
+              <a:gd name="connsiteY10" fmla="*/ 5727700 h 5803900"/>
+              <a:gd name="connsiteX11" fmla="*/ 12700 w 8102599"/>
+              <a:gd name="connsiteY11" fmla="*/ 5346700 h 5803900"/>
+              <a:gd name="connsiteX12" fmla="*/ 12700 w 8102599"/>
+              <a:gd name="connsiteY12" fmla="*/ 546100 h 5803900"/>
+              <a:gd name="connsiteX0" fmla="*/ 12700 w 8102599"/>
+              <a:gd name="connsiteY0" fmla="*/ 546100 h 5803900"/>
+              <a:gd name="connsiteX1" fmla="*/ 88900 w 8102599"/>
+              <a:gd name="connsiteY1" fmla="*/ 88900 h 5803900"/>
+              <a:gd name="connsiteX2" fmla="*/ 546100 w 8102599"/>
+              <a:gd name="connsiteY2" fmla="*/ 12701 h 5803900"/>
+              <a:gd name="connsiteX3" fmla="*/ 7556500 w 8102599"/>
+              <a:gd name="connsiteY3" fmla="*/ 12700 h 5803900"/>
+              <a:gd name="connsiteX4" fmla="*/ 8013699 w 8102599"/>
+              <a:gd name="connsiteY4" fmla="*/ 88900 h 5803900"/>
+              <a:gd name="connsiteX5" fmla="*/ 8089899 w 8102599"/>
+              <a:gd name="connsiteY5" fmla="*/ 469900 h 5803900"/>
+              <a:gd name="connsiteX6" fmla="*/ 8089900 w 8102599"/>
+              <a:gd name="connsiteY6" fmla="*/ 5346700 h 5803900"/>
+              <a:gd name="connsiteX7" fmla="*/ 8013700 w 8102599"/>
+              <a:gd name="connsiteY7" fmla="*/ 5727700 h 5803900"/>
+              <a:gd name="connsiteX8" fmla="*/ 7632700 w 8102599"/>
+              <a:gd name="connsiteY8" fmla="*/ 5803900 h 5803900"/>
+              <a:gd name="connsiteX9" fmla="*/ 546100 w 8102599"/>
+              <a:gd name="connsiteY9" fmla="*/ 5803900 h 5803900"/>
+              <a:gd name="connsiteX10" fmla="*/ 88900 w 8102599"/>
+              <a:gd name="connsiteY10" fmla="*/ 5727700 h 5803900"/>
+              <a:gd name="connsiteX11" fmla="*/ 12700 w 8102599"/>
+              <a:gd name="connsiteY11" fmla="*/ 5346700 h 5803900"/>
+              <a:gd name="connsiteX12" fmla="*/ 12700 w 8102599"/>
+              <a:gd name="connsiteY12" fmla="*/ 546100 h 5803900"/>
+            </a:gdLst>
+            <a:ahLst/>
+            <a:cxnLst>
+              <a:cxn ang="0">
+                <a:pos x="connsiteX0" y="connsiteY0"/>
+              </a:cxn>
+              <a:cxn ang="0">
+                <a:pos x="connsiteX1" y="connsiteY1"/>
+              </a:cxn>
+              <a:cxn ang="0">
+                <a:pos x="connsiteX2" y="connsiteY2"/>
+              </a:cxn>
+              <a:cxn ang="0">
+                <a:pos x="connsiteX3" y="connsiteY3"/>
+              </a:cxn>
+              <a:cxn ang="0">
+                <a:pos x="connsiteX4" y="connsiteY4"/>
+              </a:cxn>
+              <a:cxn ang="0">
+                <a:pos x="connsiteX5" y="connsiteY5"/>
+              </a:cxn>
+              <a:cxn ang="0">
+                <a:pos x="connsiteX6" y="connsiteY6"/>
+              </a:cxn>
+              <a:cxn ang="0">
+                <a:pos x="connsiteX7" y="connsiteY7"/>
+              </a:cxn>
+              <a:cxn ang="0">
+                <a:pos x="connsiteX8" y="connsiteY8"/>
+              </a:cxn>
+              <a:cxn ang="0">
+                <a:pos x="connsiteX9" y="connsiteY9"/>
+              </a:cxn>
+              <a:cxn ang="0">
+                <a:pos x="connsiteX10" y="connsiteY10"/>
+              </a:cxn>
+              <a:cxn ang="0">
+                <a:pos x="connsiteX11" y="connsiteY11"/>
+              </a:cxn>
+              <a:cxn ang="0">
+                <a:pos x="connsiteX12" y="connsiteY12"/>
+              </a:cxn>
+            </a:cxnLst>
+            <a:rect l="l" t="t" r="r" b="b"/>
+            <a:pathLst>
+              <a:path w="8102599" h="5803900">
+                <a:moveTo>
+                  <a:pt x="12700" y="546100"/>
+                </a:moveTo>
+                <a:cubicBezTo>
+                  <a:pt x="12700" y="290108"/>
+                  <a:pt x="0" y="177800"/>
+                  <a:pt x="88900" y="88900"/>
+                </a:cubicBezTo>
+                <a:cubicBezTo>
+                  <a:pt x="177800" y="0"/>
+                  <a:pt x="290107" y="12700"/>
+                  <a:pt x="546100" y="12701"/>
+                </a:cubicBezTo>
+                <a:lnTo>
+                  <a:pt x="7556500" y="12700"/>
+                </a:lnTo>
+                <a:cubicBezTo>
+                  <a:pt x="7812492" y="12700"/>
+                  <a:pt x="7924799" y="12700"/>
+                  <a:pt x="8013699" y="88900"/>
+                </a:cubicBezTo>
+                <a:cubicBezTo>
+                  <a:pt x="8102599" y="165100"/>
+                  <a:pt x="8089900" y="213907"/>
+                  <a:pt x="8089899" y="469900"/>
+                </a:cubicBezTo>
+                <a:cubicBezTo>
+                  <a:pt x="8089899" y="1926160"/>
+                  <a:pt x="8089900" y="3890440"/>
+                  <a:pt x="8089900" y="5346700"/>
+                </a:cubicBezTo>
+                <a:cubicBezTo>
+                  <a:pt x="8089900" y="5602692"/>
+                  <a:pt x="8089900" y="5651500"/>
+                  <a:pt x="8013700" y="5727700"/>
+                </a:cubicBezTo>
+                <a:cubicBezTo>
+                  <a:pt x="7937500" y="5803900"/>
+                  <a:pt x="7888692" y="5803900"/>
+                  <a:pt x="7632700" y="5803900"/>
+                </a:cubicBezTo>
+                <a:lnTo>
+                  <a:pt x="546100" y="5803900"/>
+                </a:lnTo>
+                <a:cubicBezTo>
+                  <a:pt x="290108" y="5803900"/>
+                  <a:pt x="177800" y="5803900"/>
+                  <a:pt x="88900" y="5727700"/>
+                </a:cubicBezTo>
+                <a:cubicBezTo>
+                  <a:pt x="0" y="5651500"/>
+                  <a:pt x="12700" y="5602692"/>
+                  <a:pt x="12700" y="5346700"/>
+                </a:cubicBezTo>
+                <a:lnTo>
+                  <a:pt x="12700" y="546100"/>
+                </a:lnTo>
+                <a:close/>
+              </a:path>
+            </a:pathLst>
+          </a:custGeom>
+          <a:gradFill>
+            <a:gsLst>
+              <a:gs pos="0">
+                <a:schemeClr val="bg1">
+                  <a:lumMod val="50000"/>
+                </a:schemeClr>
+              </a:gs>
+              <a:gs pos="39999">
+                <a:schemeClr val="bg1">
+                  <a:lumMod val="65000"/>
+                </a:schemeClr>
+              </a:gs>
+              <a:gs pos="70000">
+                <a:schemeClr val="bg1">
+                  <a:lumMod val="50000"/>
+                  <a:alpha val="73000"/>
+                </a:schemeClr>
+              </a:gs>
+            </a:gsLst>
+            <a:lin ang="5400000" scaled="0"/>
+          </a:gradFill>
+          <a:ln>
+            <a:solidFill>
+              <a:schemeClr val="bg1">
+                <a:lumMod val="75000"/>
+              </a:schemeClr>
+            </a:solidFill>
+          </a:ln>
+        </p:spPr>
+        <p:style>
+          <a:lnRef idx="2">
+            <a:schemeClr val="accent1">
+              <a:shade val="50000"/>
+            </a:schemeClr>
+          </a:lnRef>
+          <a:fillRef idx="1">
+            <a:schemeClr val="accent1"/>
+          </a:fillRef>
+          <a:effectRef idx="0">
+            <a:schemeClr val="accent1"/>
+          </a:effectRef>
+          <a:fontRef idx="minor">
+            <a:schemeClr val="lt1"/>
+          </a:fontRef>
+        </p:style>
+        <p:txBody>
+          <a:bodyPr rtlCol="0" anchor="ctr"/>
+          <a:lstStyle/>
+          <a:p>
+            <a:pPr fontAlgn="t">
+              <a:buFont typeface="Arial" pitchFamily="34" charset="0"/>
+              <a:buChar char="•"/>
+            </a:pPr>
+            <a:endParaRPr lang="es-AR" b="1" dirty="0" smtClean="0"/>
+          </a:p>
+          <a:p>
+            <a:pPr algn="ctr">
+              <a:buFont typeface="Arial" pitchFamily="34" charset="0"/>
+              <a:buChar char="•"/>
+            </a:pPr>
+            <a:endParaRPr lang="es-AR" dirty="0"/>
+          </a:p>
+        </p:txBody>
+      </p:sp>
+      <p:sp>
+        <p:nvSpPr>
+          <p:cNvPr id="20" name="Rectangle 19"/>
+          <p:cNvSpPr/>
+          <p:nvPr/>
+        </p:nvSpPr>
+        <p:spPr>
+          <a:xfrm>
+            <a:off x="228600" y="1143000"/>
+            <a:ext cx="8534400" cy="685800"/>
+          </a:xfrm>
+          <a:prstGeom prst="rect">
+            <a:avLst/>
+          </a:prstGeom>
+          <a:noFill/>
+          <a:ln>
+            <a:noFill/>
+          </a:ln>
+        </p:spPr>
+        <p:style>
+          <a:lnRef idx="2">
+            <a:schemeClr val="accent1">
+              <a:shade val="50000"/>
+            </a:schemeClr>
+          </a:lnRef>
+          <a:fillRef idx="1">
+            <a:schemeClr val="accent1"/>
+          </a:fillRef>
+          <a:effectRef idx="0">
+            <a:schemeClr val="accent1"/>
+          </a:effectRef>
+          <a:fontRef idx="minor">
+            <a:schemeClr val="lt1"/>
+          </a:fontRef>
+        </p:style>
+        <p:txBody>
+          <a:bodyPr rtlCol="0" anchor="ctr"/>
+          <a:lstStyle/>
+          <a:p>
+            <a:pPr algn="ctr"/>
+            <a:endParaRPr lang="es-AR" sz="5400" b="1" u="sng" dirty="0" smtClean="0"/>
+          </a:p>
+          <a:p>
+            <a:pPr algn="ctr"/>
+            <a:r>
+              <a:rPr lang="es-AR" sz="5400" b="1" u="sng" dirty="0" smtClean="0"/>
+              <a:t>Funcionalidades</a:t>
+            </a:r>
+            <a:endParaRPr lang="es-AR" sz="5400" b="1" u="sng" dirty="0" smtClean="0"/>
+          </a:p>
+          <a:p>
+            <a:pPr algn="ctr"/>
+            <a:endParaRPr lang="es-AR" sz="2000" dirty="0"/>
+          </a:p>
+        </p:txBody>
+      </p:sp>
+      <p:grpSp>
+        <p:nvGrpSpPr>
+          <p:cNvPr id="3" name="Group 28"/>
+          <p:cNvGrpSpPr/>
+          <p:nvPr/>
+        </p:nvGrpSpPr>
+        <p:grpSpPr>
+          <a:xfrm>
+            <a:off x="1295400" y="544415"/>
+            <a:ext cx="6553200" cy="903384"/>
+            <a:chOff x="1295400" y="544415"/>
+            <a:chExt cx="6553200" cy="903384"/>
+          </a:xfrm>
+        </p:grpSpPr>
+        <p:sp>
+          <p:nvSpPr>
+            <p:cNvPr id="30" name="Round Same Side Corner Rectangle 29"/>
+            <p:cNvSpPr/>
+            <p:nvPr/>
+          </p:nvSpPr>
+          <p:spPr>
+            <a:xfrm rot="10800000">
+              <a:off x="1295400" y="544415"/>
+              <a:ext cx="6553200" cy="903384"/>
+            </a:xfrm>
+            <a:prstGeom prst="round2SameRect">
+              <a:avLst/>
+            </a:prstGeom>
+          </p:spPr>
+          <p:style>
+            <a:lnRef idx="2">
+              <a:schemeClr val="dk1">
+                <a:shade val="50000"/>
+              </a:schemeClr>
+            </a:lnRef>
+            <a:fillRef idx="1">
+              <a:schemeClr val="dk1"/>
+            </a:fillRef>
+            <a:effectRef idx="0">
+              <a:schemeClr val="dk1"/>
+            </a:effectRef>
+            <a:fontRef idx="minor">
+              <a:schemeClr val="lt1"/>
+            </a:fontRef>
+          </p:style>
+          <p:txBody>
+            <a:bodyPr rtlCol="0" anchor="ctr"/>
+            <a:lstStyle/>
+            <a:p>
+              <a:pPr algn="ctr"/>
+              <a:endParaRPr lang="es-AR" dirty="0"/>
+            </a:p>
+          </p:txBody>
+        </p:sp>
+        <p:pic>
+          <p:nvPicPr>
+            <p:cNvPr id="31" name="Picture 2" descr="E:\U.B.A.Files\Materias\75.45 Taller de Desarrollo de Proyectos I\TP\Trunk\Proyecto\web\site\images\logo.png"/>
+            <p:cNvPicPr>
+              <a:picLocks noChangeAspect="1" noChangeArrowheads="1"/>
+            </p:cNvPicPr>
+            <p:nvPr/>
+          </p:nvPicPr>
+          <p:blipFill>
+            <a:blip r:embed="rId2" cstate="print"/>
+            <a:srcRect/>
+            <a:stretch>
+              <a:fillRect/>
+            </a:stretch>
+          </p:blipFill>
+          <p:spPr bwMode="auto">
+            <a:xfrm>
+              <a:off x="1600200" y="609600"/>
+              <a:ext cx="2640904" cy="762000"/>
+            </a:xfrm>
+            <a:prstGeom prst="rect">
+              <a:avLst/>
+            </a:prstGeom>
+            <a:noFill/>
+          </p:spPr>
+        </p:pic>
+        <p:sp>
+          <p:nvSpPr>
+            <p:cNvPr id="32" name="TextBox 31"/>
+            <p:cNvSpPr txBox="1"/>
+            <p:nvPr/>
+          </p:nvSpPr>
+          <p:spPr>
+            <a:xfrm>
+              <a:off x="4515457" y="685800"/>
+              <a:ext cx="3180743" cy="307777"/>
+            </a:xfrm>
+            <a:prstGeom prst="rect">
+              <a:avLst/>
+            </a:prstGeom>
+            <a:noFill/>
+          </p:spPr>
+          <p:txBody>
+            <a:bodyPr wrap="none" rtlCol="0">
+              <a:spAutoFit/>
+            </a:bodyPr>
+            <a:lstStyle/>
+            <a:p>
+              <a:r>
+                <a:rPr lang="es-AR" sz="1400" dirty="0" smtClean="0">
+                  <a:solidFill>
+                    <a:schemeClr val="bg1">
+                      <a:lumMod val="50000"/>
+                    </a:schemeClr>
+                  </a:solidFill>
+                </a:rPr>
+                <a:t>Centralización y análisis de datos</a:t>
+              </a:r>
+              <a:endParaRPr lang="es-AR" sz="1400" dirty="0">
+                <a:solidFill>
+                  <a:schemeClr val="bg1">
+                    <a:lumMod val="50000"/>
+                  </a:schemeClr>
+                </a:solidFill>
+              </a:endParaRPr>
+            </a:p>
+          </p:txBody>
+        </p:sp>
+      </p:grpSp>
+      <p:sp>
+        <p:nvSpPr>
+          <p:cNvPr id="42" name="41 CuadroTexto"/>
+          <p:cNvSpPr txBox="1"/>
+          <p:nvPr/>
+        </p:nvSpPr>
+        <p:spPr>
+          <a:xfrm>
+            <a:off x="609600" y="2057400"/>
+            <a:ext cx="7924800" cy="3970318"/>
+          </a:xfrm>
+          <a:prstGeom prst="rect">
+            <a:avLst/>
+          </a:prstGeom>
+          <a:noFill/>
+        </p:spPr>
+        <p:txBody>
+          <a:bodyPr wrap="square" rtlCol="0">
+            <a:spAutoFit/>
+          </a:bodyPr>
+          <a:lstStyle/>
+          <a:p>
+            <a:pPr lvl="0">
+              <a:buFont typeface="Arial" pitchFamily="34" charset="0"/>
+              <a:buChar char="•"/>
+            </a:pPr>
+            <a:r>
+              <a:rPr lang="es-AR" sz="2800" dirty="0" smtClean="0"/>
+              <a:t> Integración </a:t>
+            </a:r>
+            <a:r>
+              <a:rPr lang="es-AR" sz="2800" dirty="0" smtClean="0"/>
+              <a:t>de información proveniente de diversas fuentes</a:t>
+            </a:r>
+          </a:p>
+          <a:p>
+            <a:pPr lvl="0">
+              <a:buFont typeface="Arial" pitchFamily="34" charset="0"/>
+              <a:buChar char="•"/>
+            </a:pPr>
+            <a:r>
+              <a:rPr lang="es-AR" sz="2800" dirty="0" smtClean="0"/>
+              <a:t> Control de acceso</a:t>
+            </a:r>
+          </a:p>
+          <a:p>
+            <a:pPr lvl="0">
+              <a:buFont typeface="Arial" pitchFamily="34" charset="0"/>
+              <a:buChar char="•"/>
+            </a:pPr>
+            <a:r>
+              <a:rPr lang="es-AR" sz="2800" dirty="0" smtClean="0"/>
+              <a:t> Acceso remoto a datos</a:t>
+            </a:r>
+          </a:p>
+          <a:p>
+            <a:pPr lvl="0">
+              <a:buFont typeface="Arial" pitchFamily="34" charset="0"/>
+              <a:buChar char="•"/>
+            </a:pPr>
+            <a:r>
+              <a:rPr lang="es-AR" sz="2800" dirty="0" smtClean="0"/>
+              <a:t> Análisis de datos sobre conductores</a:t>
+            </a:r>
+          </a:p>
+          <a:p>
+            <a:pPr lvl="0">
+              <a:buFont typeface="Arial" pitchFamily="34" charset="0"/>
+              <a:buChar char="•"/>
+            </a:pPr>
+            <a:r>
+              <a:rPr lang="es-AR" sz="2800" dirty="0" smtClean="0"/>
+              <a:t> Automatización de procesos de actualización y recuperación de la base de datos</a:t>
+            </a:r>
+          </a:p>
+          <a:p>
+            <a:pPr lvl="0">
+              <a:buFont typeface="Arial" pitchFamily="34" charset="0"/>
+              <a:buChar char="•"/>
+            </a:pPr>
+            <a:r>
+              <a:rPr lang="es-AR" sz="2800" dirty="0" smtClean="0"/>
+              <a:t> Administración de cuentas de usuarios</a:t>
+            </a:r>
+          </a:p>
+          <a:p>
+            <a:pPr lvl="0">
+              <a:buFont typeface="Arial" pitchFamily="34" charset="0"/>
+              <a:buChar char="•"/>
+            </a:pPr>
+            <a:r>
+              <a:rPr lang="es-AR" sz="2800" dirty="0" smtClean="0"/>
+              <a:t> Usabilidad</a:t>
+            </a:r>
+            <a:endParaRPr lang="es-AR" sz="4000" dirty="0"/>
+          </a:p>
+        </p:txBody>
+      </p:sp>
+    </p:spTree>
+  </p:cSld>
+  <p:clrMapOvr>
+    <a:masterClrMapping/>
+  </p:clrMapOvr>
+  <p:timing>
+    <p:tnLst>
+      <p:par>
+        <p:cTn id="1" dur="indefinite" restart="never" nodeType="tmRoot"/>
+      </p:par>
+    </p:tnLst>
+  </p:timing>
+</p:sld>
+</file>
+
+<file path=ppt/slides/slide4.xml><?xml version="1.0" encoding="utf-8"?>
+<p:sld xmlns:a="http://schemas.openxmlformats.org/drawingml/2006/main" xmlns:r="http://schemas.openxmlformats.org/officeDocument/2006/relationships" xmlns:p="http://schemas.openxmlformats.org/presentationml/2006/main">
+  <p:cSld>
+    <p:spTree>
+      <p:nvGrpSpPr>
+        <p:cNvPr id="1" name=""/>
+        <p:cNvGrpSpPr/>
+        <p:nvPr/>
+      </p:nvGrpSpPr>
+      <p:grpSpPr>
+        <a:xfrm>
+          <a:off x="0" y="0"/>
+          <a:ext cx="0" cy="0"/>
+          <a:chOff x="0" y="0"/>
+          <a:chExt cx="0" cy="0"/>
+        </a:xfrm>
+      </p:grpSpPr>
+      <p:grpSp>
+        <p:nvGrpSpPr>
+          <p:cNvPr id="2" name="Group 22"/>
+          <p:cNvGrpSpPr/>
+          <p:nvPr/>
+        </p:nvGrpSpPr>
+        <p:grpSpPr>
+          <a:xfrm>
+            <a:off x="304800" y="304800"/>
+            <a:ext cx="8534400" cy="6248400"/>
+            <a:chOff x="304800" y="304800"/>
+            <a:chExt cx="8534400" cy="6248400"/>
+          </a:xfrm>
+          <a:solidFill>
+            <a:schemeClr val="bg1">
+              <a:lumMod val="85000"/>
+            </a:schemeClr>
+          </a:solidFill>
+        </p:grpSpPr>
+        <p:sp>
+          <p:nvSpPr>
+            <p:cNvPr id="18" name="Rounded Rectangle 17"/>
+            <p:cNvSpPr/>
+            <p:nvPr/>
+          </p:nvSpPr>
+          <p:spPr>
+            <a:xfrm>
+              <a:off x="304800" y="304800"/>
+              <a:ext cx="8534400" cy="6248400"/>
+            </a:xfrm>
+            <a:prstGeom prst="roundRect">
+              <a:avLst/>
+            </a:prstGeom>
+            <a:grpFill/>
+            <a:ln>
+              <a:noFill/>
+            </a:ln>
+          </p:spPr>
+          <p:style>
+            <a:lnRef idx="2">
+              <a:schemeClr val="accent1">
+                <a:shade val="50000"/>
+              </a:schemeClr>
+            </a:lnRef>
+            <a:fillRef idx="1">
+              <a:schemeClr val="accent1"/>
+            </a:fillRef>
+            <a:effectRef idx="0">
+              <a:schemeClr val="accent1"/>
+            </a:effectRef>
+            <a:fontRef idx="minor">
+              <a:schemeClr val="lt1"/>
+            </a:fontRef>
+          </p:style>
+          <p:txBody>
+            <a:bodyPr rtlCol="0" anchor="ctr"/>
+            <a:lstStyle/>
+            <a:p>
+              <a:pPr algn="ctr"/>
+              <a:endParaRPr lang="es-AR"/>
+            </a:p>
+          </p:txBody>
+        </p:sp>
+        <p:sp>
+          <p:nvSpPr>
+            <p:cNvPr id="22" name="Rounded Rectangle 21"/>
+            <p:cNvSpPr/>
+            <p:nvPr/>
+          </p:nvSpPr>
+          <p:spPr>
+            <a:xfrm>
+              <a:off x="7086600" y="304800"/>
+              <a:ext cx="1752600" cy="1752600"/>
+            </a:xfrm>
+            <a:prstGeom prst="roundRect">
+              <a:avLst/>
+            </a:prstGeom>
+            <a:grpFill/>
+            <a:ln>
+              <a:noFill/>
+            </a:ln>
+          </p:spPr>
+          <p:style>
+            <a:lnRef idx="2">
+              <a:schemeClr val="accent1">
+                <a:shade val="50000"/>
+              </a:schemeClr>
+            </a:lnRef>
+            <a:fillRef idx="1">
+              <a:schemeClr val="accent1"/>
+            </a:fillRef>
+            <a:effectRef idx="0">
+              <a:schemeClr val="accent1"/>
+            </a:effectRef>
+            <a:fontRef idx="minor">
+              <a:schemeClr val="lt1"/>
+            </a:fontRef>
+          </p:style>
+          <p:txBody>
+            <a:bodyPr rtlCol="0" anchor="ctr"/>
+            <a:lstStyle/>
+            <a:p>
+              <a:pPr algn="ctr"/>
+              <a:endParaRPr lang="es-AR"/>
+            </a:p>
+          </p:txBody>
+        </p:sp>
+        <p:sp>
+          <p:nvSpPr>
+            <p:cNvPr id="21" name="Rounded Rectangle 20"/>
+            <p:cNvSpPr/>
+            <p:nvPr/>
+          </p:nvSpPr>
+          <p:spPr>
+            <a:xfrm>
+              <a:off x="304800" y="304800"/>
+              <a:ext cx="1752600" cy="1752600"/>
+            </a:xfrm>
+            <a:prstGeom prst="roundRect">
+              <a:avLst/>
+            </a:prstGeom>
+            <a:grpFill/>
+            <a:ln>
+              <a:noFill/>
+            </a:ln>
+          </p:spPr>
+          <p:style>
+            <a:lnRef idx="2">
+              <a:schemeClr val="accent1">
+                <a:shade val="50000"/>
+              </a:schemeClr>
+            </a:lnRef>
+            <a:fillRef idx="1">
+              <a:schemeClr val="accent1"/>
+            </a:fillRef>
+            <a:effectRef idx="0">
+              <a:schemeClr val="accent1"/>
+            </a:effectRef>
+            <a:fontRef idx="minor">
+              <a:schemeClr val="lt1"/>
+            </a:fontRef>
+          </p:style>
+          <p:txBody>
+            <a:bodyPr rtlCol="0" anchor="ctr"/>
+            <a:lstStyle/>
+            <a:p>
+              <a:pPr algn="ctr"/>
+              <a:endParaRPr lang="es-AR"/>
+            </a:p>
+          </p:txBody>
+        </p:sp>
+        <p:sp>
+          <p:nvSpPr>
+            <p:cNvPr id="17" name="Rounded Rectangle 16"/>
+            <p:cNvSpPr/>
+            <p:nvPr/>
+          </p:nvSpPr>
+          <p:spPr>
+            <a:xfrm>
+              <a:off x="304800" y="4800600"/>
+              <a:ext cx="1752600" cy="1752600"/>
+            </a:xfrm>
+            <a:prstGeom prst="roundRect">
+              <a:avLst/>
+            </a:prstGeom>
+            <a:grpFill/>
+            <a:ln>
+              <a:noFill/>
+            </a:ln>
+          </p:spPr>
+          <p:style>
+            <a:lnRef idx="2">
+              <a:schemeClr val="accent1">
+                <a:shade val="50000"/>
+              </a:schemeClr>
+            </a:lnRef>
+            <a:fillRef idx="1">
+              <a:schemeClr val="accent1"/>
+            </a:fillRef>
+            <a:effectRef idx="0">
+              <a:schemeClr val="accent1"/>
+            </a:effectRef>
+            <a:fontRef idx="minor">
+              <a:schemeClr val="lt1"/>
+            </a:fontRef>
+          </p:style>
+          <p:txBody>
+            <a:bodyPr rtlCol="0" anchor="ctr"/>
+            <a:lstStyle/>
+            <a:p>
+              <a:pPr algn="ctr"/>
+              <a:endParaRPr lang="es-AR"/>
+            </a:p>
+          </p:txBody>
+        </p:sp>
+        <p:sp>
+          <p:nvSpPr>
+            <p:cNvPr id="19" name="Rounded Rectangle 18"/>
+            <p:cNvSpPr/>
+            <p:nvPr/>
+          </p:nvSpPr>
+          <p:spPr>
+            <a:xfrm>
+              <a:off x="7086600" y="4800600"/>
+              <a:ext cx="1752600" cy="1752600"/>
+            </a:xfrm>
+            <a:prstGeom prst="roundRect">
+              <a:avLst/>
+            </a:prstGeom>
+            <a:grpFill/>
+            <a:ln>
+              <a:noFill/>
+            </a:ln>
+          </p:spPr>
+          <p:style>
+            <a:lnRef idx="2">
+              <a:schemeClr val="accent1">
+                <a:shade val="50000"/>
+              </a:schemeClr>
+            </a:lnRef>
+            <a:fillRef idx="1">
+              <a:schemeClr val="accent1"/>
+            </a:fillRef>
+            <a:effectRef idx="0">
+              <a:schemeClr val="accent1"/>
+            </a:effectRef>
+            <a:fontRef idx="minor">
+              <a:schemeClr val="lt1"/>
+            </a:fontRef>
+          </p:style>
+          <p:txBody>
+            <a:bodyPr rtlCol="0" anchor="ctr"/>
+            <a:lstStyle/>
+            <a:p>
+              <a:pPr algn="ctr"/>
+              <a:endParaRPr lang="es-AR"/>
+            </a:p>
+          </p:txBody>
+        </p:sp>
+      </p:grpSp>
+      <p:sp>
+        <p:nvSpPr>
+          <p:cNvPr id="40" name="Freeform 39"/>
+          <p:cNvSpPr/>
+          <p:nvPr/>
+        </p:nvSpPr>
+        <p:spPr>
+          <a:xfrm>
+            <a:off x="533400" y="457200"/>
+            <a:ext cx="8102599" cy="5803900"/>
+          </a:xfrm>
+          <a:custGeom>
+            <a:avLst/>
+            <a:gdLst>
+              <a:gd name="connsiteX0" fmla="*/ 0 w 8077200"/>
+              <a:gd name="connsiteY0" fmla="*/ 965219 h 5791200"/>
+              <a:gd name="connsiteX1" fmla="*/ 282707 w 8077200"/>
+              <a:gd name="connsiteY1" fmla="*/ 282706 h 5791200"/>
+              <a:gd name="connsiteX2" fmla="*/ 965221 w 8077200"/>
+              <a:gd name="connsiteY2" fmla="*/ 1 h 5791200"/>
+              <a:gd name="connsiteX3" fmla="*/ 7111981 w 8077200"/>
+              <a:gd name="connsiteY3" fmla="*/ 0 h 5791200"/>
+              <a:gd name="connsiteX4" fmla="*/ 7794494 w 8077200"/>
+              <a:gd name="connsiteY4" fmla="*/ 282707 h 5791200"/>
+              <a:gd name="connsiteX5" fmla="*/ 8077199 w 8077200"/>
+              <a:gd name="connsiteY5" fmla="*/ 965221 h 5791200"/>
+              <a:gd name="connsiteX6" fmla="*/ 8077200 w 8077200"/>
+              <a:gd name="connsiteY6" fmla="*/ 4825981 h 5791200"/>
+              <a:gd name="connsiteX7" fmla="*/ 7794494 w 8077200"/>
+              <a:gd name="connsiteY7" fmla="*/ 5508494 h 5791200"/>
+              <a:gd name="connsiteX8" fmla="*/ 7111981 w 8077200"/>
+              <a:gd name="connsiteY8" fmla="*/ 5791200 h 5791200"/>
+              <a:gd name="connsiteX9" fmla="*/ 965219 w 8077200"/>
+              <a:gd name="connsiteY9" fmla="*/ 5791200 h 5791200"/>
+              <a:gd name="connsiteX10" fmla="*/ 282706 w 8077200"/>
+              <a:gd name="connsiteY10" fmla="*/ 5508493 h 5791200"/>
+              <a:gd name="connsiteX11" fmla="*/ 0 w 8077200"/>
+              <a:gd name="connsiteY11" fmla="*/ 4825980 h 5791200"/>
+              <a:gd name="connsiteX12" fmla="*/ 0 w 8077200"/>
+              <a:gd name="connsiteY12" fmla="*/ 965219 h 5791200"/>
+              <a:gd name="connsiteX0" fmla="*/ 0 w 8077200"/>
+              <a:gd name="connsiteY0" fmla="*/ 609600 h 5791200"/>
+              <a:gd name="connsiteX1" fmla="*/ 282707 w 8077200"/>
+              <a:gd name="connsiteY1" fmla="*/ 282706 h 5791200"/>
+              <a:gd name="connsiteX2" fmla="*/ 965221 w 8077200"/>
+              <a:gd name="connsiteY2" fmla="*/ 1 h 5791200"/>
+              <a:gd name="connsiteX3" fmla="*/ 7111981 w 8077200"/>
+              <a:gd name="connsiteY3" fmla="*/ 0 h 5791200"/>
+              <a:gd name="connsiteX4" fmla="*/ 7794494 w 8077200"/>
+              <a:gd name="connsiteY4" fmla="*/ 282707 h 5791200"/>
+              <a:gd name="connsiteX5" fmla="*/ 8077199 w 8077200"/>
+              <a:gd name="connsiteY5" fmla="*/ 965221 h 5791200"/>
+              <a:gd name="connsiteX6" fmla="*/ 8077200 w 8077200"/>
+              <a:gd name="connsiteY6" fmla="*/ 4825981 h 5791200"/>
+              <a:gd name="connsiteX7" fmla="*/ 7794494 w 8077200"/>
+              <a:gd name="connsiteY7" fmla="*/ 5508494 h 5791200"/>
+              <a:gd name="connsiteX8" fmla="*/ 7111981 w 8077200"/>
+              <a:gd name="connsiteY8" fmla="*/ 5791200 h 5791200"/>
+              <a:gd name="connsiteX9" fmla="*/ 965219 w 8077200"/>
+              <a:gd name="connsiteY9" fmla="*/ 5791200 h 5791200"/>
+              <a:gd name="connsiteX10" fmla="*/ 282706 w 8077200"/>
+              <a:gd name="connsiteY10" fmla="*/ 5508493 h 5791200"/>
+              <a:gd name="connsiteX11" fmla="*/ 0 w 8077200"/>
+              <a:gd name="connsiteY11" fmla="*/ 4825980 h 5791200"/>
+              <a:gd name="connsiteX12" fmla="*/ 0 w 8077200"/>
+              <a:gd name="connsiteY12" fmla="*/ 609600 h 5791200"/>
+              <a:gd name="connsiteX0" fmla="*/ 0 w 8077200"/>
+              <a:gd name="connsiteY0" fmla="*/ 609601 h 5791201"/>
+              <a:gd name="connsiteX1" fmla="*/ 282707 w 8077200"/>
+              <a:gd name="connsiteY1" fmla="*/ 282707 h 5791201"/>
+              <a:gd name="connsiteX2" fmla="*/ 609600 w 8077200"/>
+              <a:gd name="connsiteY2" fmla="*/ 1 h 5791201"/>
+              <a:gd name="connsiteX3" fmla="*/ 7111981 w 8077200"/>
+              <a:gd name="connsiteY3" fmla="*/ 1 h 5791201"/>
+              <a:gd name="connsiteX4" fmla="*/ 7794494 w 8077200"/>
+              <a:gd name="connsiteY4" fmla="*/ 282708 h 5791201"/>
+              <a:gd name="connsiteX5" fmla="*/ 8077199 w 8077200"/>
+              <a:gd name="connsiteY5" fmla="*/ 965222 h 5791201"/>
+              <a:gd name="connsiteX6" fmla="*/ 8077200 w 8077200"/>
+              <a:gd name="connsiteY6" fmla="*/ 4825982 h 5791201"/>
+              <a:gd name="connsiteX7" fmla="*/ 7794494 w 8077200"/>
+              <a:gd name="connsiteY7" fmla="*/ 5508495 h 5791201"/>
+              <a:gd name="connsiteX8" fmla="*/ 7111981 w 8077200"/>
+              <a:gd name="connsiteY8" fmla="*/ 5791201 h 5791201"/>
+              <a:gd name="connsiteX9" fmla="*/ 965219 w 8077200"/>
+              <a:gd name="connsiteY9" fmla="*/ 5791201 h 5791201"/>
+              <a:gd name="connsiteX10" fmla="*/ 282706 w 8077200"/>
+              <a:gd name="connsiteY10" fmla="*/ 5508494 h 5791201"/>
+              <a:gd name="connsiteX11" fmla="*/ 0 w 8077200"/>
+              <a:gd name="connsiteY11" fmla="*/ 4825981 h 5791201"/>
+              <a:gd name="connsiteX12" fmla="*/ 0 w 8077200"/>
+              <a:gd name="connsiteY12" fmla="*/ 609601 h 5791201"/>
+              <a:gd name="connsiteX0" fmla="*/ 0 w 8077200"/>
+              <a:gd name="connsiteY0" fmla="*/ 609601 h 5791201"/>
+              <a:gd name="connsiteX1" fmla="*/ 152400 w 8077200"/>
+              <a:gd name="connsiteY1" fmla="*/ 152402 h 5791201"/>
+              <a:gd name="connsiteX2" fmla="*/ 609600 w 8077200"/>
+              <a:gd name="connsiteY2" fmla="*/ 1 h 5791201"/>
+              <a:gd name="connsiteX3" fmla="*/ 7111981 w 8077200"/>
+              <a:gd name="connsiteY3" fmla="*/ 1 h 5791201"/>
+              <a:gd name="connsiteX4" fmla="*/ 7794494 w 8077200"/>
+              <a:gd name="connsiteY4" fmla="*/ 282708 h 5791201"/>
+              <a:gd name="connsiteX5" fmla="*/ 8077199 w 8077200"/>
+              <a:gd name="connsiteY5" fmla="*/ 965222 h 5791201"/>
+              <a:gd name="connsiteX6" fmla="*/ 8077200 w 8077200"/>
+              <a:gd name="connsiteY6" fmla="*/ 4825982 h 5791201"/>
+              <a:gd name="connsiteX7" fmla="*/ 7794494 w 8077200"/>
+              <a:gd name="connsiteY7" fmla="*/ 5508495 h 5791201"/>
+              <a:gd name="connsiteX8" fmla="*/ 7111981 w 8077200"/>
+              <a:gd name="connsiteY8" fmla="*/ 5791201 h 5791201"/>
+              <a:gd name="connsiteX9" fmla="*/ 965219 w 8077200"/>
+              <a:gd name="connsiteY9" fmla="*/ 5791201 h 5791201"/>
+              <a:gd name="connsiteX10" fmla="*/ 282706 w 8077200"/>
+              <a:gd name="connsiteY10" fmla="*/ 5508494 h 5791201"/>
+              <a:gd name="connsiteX11" fmla="*/ 0 w 8077200"/>
+              <a:gd name="connsiteY11" fmla="*/ 4825981 h 5791201"/>
+              <a:gd name="connsiteX12" fmla="*/ 0 w 8077200"/>
+              <a:gd name="connsiteY12" fmla="*/ 609601 h 5791201"/>
+              <a:gd name="connsiteX0" fmla="*/ 0 w 8077200"/>
+              <a:gd name="connsiteY0" fmla="*/ 609600 h 5791200"/>
+              <a:gd name="connsiteX1" fmla="*/ 152400 w 8077200"/>
+              <a:gd name="connsiteY1" fmla="*/ 152401 h 5791200"/>
+              <a:gd name="connsiteX2" fmla="*/ 533400 w 8077200"/>
+              <a:gd name="connsiteY2" fmla="*/ 1 h 5791200"/>
+              <a:gd name="connsiteX3" fmla="*/ 7111981 w 8077200"/>
+              <a:gd name="connsiteY3" fmla="*/ 0 h 5791200"/>
+              <a:gd name="connsiteX4" fmla="*/ 7794494 w 8077200"/>
+              <a:gd name="connsiteY4" fmla="*/ 282707 h 5791200"/>
+              <a:gd name="connsiteX5" fmla="*/ 8077199 w 8077200"/>
+              <a:gd name="connsiteY5" fmla="*/ 965221 h 5791200"/>
+              <a:gd name="connsiteX6" fmla="*/ 8077200 w 8077200"/>
+              <a:gd name="connsiteY6" fmla="*/ 4825981 h 5791200"/>
+              <a:gd name="connsiteX7" fmla="*/ 7794494 w 8077200"/>
+              <a:gd name="connsiteY7" fmla="*/ 5508494 h 5791200"/>
+              <a:gd name="connsiteX8" fmla="*/ 7111981 w 8077200"/>
+              <a:gd name="connsiteY8" fmla="*/ 5791200 h 5791200"/>
+              <a:gd name="connsiteX9" fmla="*/ 965219 w 8077200"/>
+              <a:gd name="connsiteY9" fmla="*/ 5791200 h 5791200"/>
+              <a:gd name="connsiteX10" fmla="*/ 282706 w 8077200"/>
+              <a:gd name="connsiteY10" fmla="*/ 5508493 h 5791200"/>
+              <a:gd name="connsiteX11" fmla="*/ 0 w 8077200"/>
+              <a:gd name="connsiteY11" fmla="*/ 4825980 h 5791200"/>
+              <a:gd name="connsiteX12" fmla="*/ 0 w 8077200"/>
+              <a:gd name="connsiteY12" fmla="*/ 609600 h 5791200"/>
+              <a:gd name="connsiteX0" fmla="*/ 0 w 8077200"/>
+              <a:gd name="connsiteY0" fmla="*/ 533400 h 5791200"/>
+              <a:gd name="connsiteX1" fmla="*/ 152400 w 8077200"/>
+              <a:gd name="connsiteY1" fmla="*/ 152401 h 5791200"/>
+              <a:gd name="connsiteX2" fmla="*/ 533400 w 8077200"/>
+              <a:gd name="connsiteY2" fmla="*/ 1 h 5791200"/>
+              <a:gd name="connsiteX3" fmla="*/ 7111981 w 8077200"/>
+              <a:gd name="connsiteY3" fmla="*/ 0 h 5791200"/>
+              <a:gd name="connsiteX4" fmla="*/ 7794494 w 8077200"/>
+              <a:gd name="connsiteY4" fmla="*/ 282707 h 5791200"/>
+              <a:gd name="connsiteX5" fmla="*/ 8077199 w 8077200"/>
+              <a:gd name="connsiteY5" fmla="*/ 965221 h 5791200"/>
+              <a:gd name="connsiteX6" fmla="*/ 8077200 w 8077200"/>
+              <a:gd name="connsiteY6" fmla="*/ 4825981 h 5791200"/>
+              <a:gd name="connsiteX7" fmla="*/ 7794494 w 8077200"/>
+              <a:gd name="connsiteY7" fmla="*/ 5508494 h 5791200"/>
+              <a:gd name="connsiteX8" fmla="*/ 7111981 w 8077200"/>
+              <a:gd name="connsiteY8" fmla="*/ 5791200 h 5791200"/>
+              <a:gd name="connsiteX9" fmla="*/ 965219 w 8077200"/>
+              <a:gd name="connsiteY9" fmla="*/ 5791200 h 5791200"/>
+              <a:gd name="connsiteX10" fmla="*/ 282706 w 8077200"/>
+              <a:gd name="connsiteY10" fmla="*/ 5508493 h 5791200"/>
+              <a:gd name="connsiteX11" fmla="*/ 0 w 8077200"/>
+              <a:gd name="connsiteY11" fmla="*/ 4825980 h 5791200"/>
+              <a:gd name="connsiteX12" fmla="*/ 0 w 8077200"/>
+              <a:gd name="connsiteY12" fmla="*/ 533400 h 5791200"/>
+              <a:gd name="connsiteX0" fmla="*/ 12700 w 8089900"/>
+              <a:gd name="connsiteY0" fmla="*/ 546100 h 5803900"/>
+              <a:gd name="connsiteX1" fmla="*/ 88900 w 8089900"/>
+              <a:gd name="connsiteY1" fmla="*/ 88900 h 5803900"/>
+              <a:gd name="connsiteX2" fmla="*/ 546100 w 8089900"/>
+              <a:gd name="connsiteY2" fmla="*/ 12701 h 5803900"/>
+              <a:gd name="connsiteX3" fmla="*/ 7124681 w 8089900"/>
+              <a:gd name="connsiteY3" fmla="*/ 12700 h 5803900"/>
+              <a:gd name="connsiteX4" fmla="*/ 7807194 w 8089900"/>
+              <a:gd name="connsiteY4" fmla="*/ 295407 h 5803900"/>
+              <a:gd name="connsiteX5" fmla="*/ 8089899 w 8089900"/>
+              <a:gd name="connsiteY5" fmla="*/ 977921 h 5803900"/>
+              <a:gd name="connsiteX6" fmla="*/ 8089900 w 8089900"/>
+              <a:gd name="connsiteY6" fmla="*/ 4838681 h 5803900"/>
+              <a:gd name="connsiteX7" fmla="*/ 7807194 w 8089900"/>
+              <a:gd name="connsiteY7" fmla="*/ 5521194 h 5803900"/>
+              <a:gd name="connsiteX8" fmla="*/ 7124681 w 8089900"/>
+              <a:gd name="connsiteY8" fmla="*/ 5803900 h 5803900"/>
+              <a:gd name="connsiteX9" fmla="*/ 977919 w 8089900"/>
+              <a:gd name="connsiteY9" fmla="*/ 5803900 h 5803900"/>
+              <a:gd name="connsiteX10" fmla="*/ 295406 w 8089900"/>
+              <a:gd name="connsiteY10" fmla="*/ 5521193 h 5803900"/>
+              <a:gd name="connsiteX11" fmla="*/ 12700 w 8089900"/>
+              <a:gd name="connsiteY11" fmla="*/ 4838680 h 5803900"/>
+              <a:gd name="connsiteX12" fmla="*/ 12700 w 8089900"/>
+              <a:gd name="connsiteY12" fmla="*/ 546100 h 5803900"/>
+              <a:gd name="connsiteX0" fmla="*/ 12700 w 8089900"/>
+              <a:gd name="connsiteY0" fmla="*/ 546100 h 5803900"/>
+              <a:gd name="connsiteX1" fmla="*/ 88900 w 8089900"/>
+              <a:gd name="connsiteY1" fmla="*/ 88900 h 5803900"/>
+              <a:gd name="connsiteX2" fmla="*/ 546100 w 8089900"/>
+              <a:gd name="connsiteY2" fmla="*/ 12701 h 5803900"/>
+              <a:gd name="connsiteX3" fmla="*/ 7124681 w 8089900"/>
+              <a:gd name="connsiteY3" fmla="*/ 12700 h 5803900"/>
+              <a:gd name="connsiteX4" fmla="*/ 7807194 w 8089900"/>
+              <a:gd name="connsiteY4" fmla="*/ 295407 h 5803900"/>
+              <a:gd name="connsiteX5" fmla="*/ 8089899 w 8089900"/>
+              <a:gd name="connsiteY5" fmla="*/ 977921 h 5803900"/>
+              <a:gd name="connsiteX6" fmla="*/ 8089900 w 8089900"/>
+              <a:gd name="connsiteY6" fmla="*/ 4838681 h 5803900"/>
+              <a:gd name="connsiteX7" fmla="*/ 7807194 w 8089900"/>
+              <a:gd name="connsiteY7" fmla="*/ 5521194 h 5803900"/>
+              <a:gd name="connsiteX8" fmla="*/ 7124681 w 8089900"/>
+              <a:gd name="connsiteY8" fmla="*/ 5803900 h 5803900"/>
+              <a:gd name="connsiteX9" fmla="*/ 977919 w 8089900"/>
+              <a:gd name="connsiteY9" fmla="*/ 5803900 h 5803900"/>
+              <a:gd name="connsiteX10" fmla="*/ 295406 w 8089900"/>
+              <a:gd name="connsiteY10" fmla="*/ 5521193 h 5803900"/>
+              <a:gd name="connsiteX11" fmla="*/ 12700 w 8089900"/>
+              <a:gd name="connsiteY11" fmla="*/ 5346700 h 5803900"/>
+              <a:gd name="connsiteX12" fmla="*/ 12700 w 8089900"/>
+              <a:gd name="connsiteY12" fmla="*/ 546100 h 5803900"/>
+              <a:gd name="connsiteX0" fmla="*/ 12700 w 8089900"/>
+              <a:gd name="connsiteY0" fmla="*/ 546100 h 5803900"/>
+              <a:gd name="connsiteX1" fmla="*/ 88900 w 8089900"/>
+              <a:gd name="connsiteY1" fmla="*/ 88900 h 5803900"/>
+              <a:gd name="connsiteX2" fmla="*/ 546100 w 8089900"/>
+              <a:gd name="connsiteY2" fmla="*/ 12701 h 5803900"/>
+              <a:gd name="connsiteX3" fmla="*/ 7124681 w 8089900"/>
+              <a:gd name="connsiteY3" fmla="*/ 12700 h 5803900"/>
+              <a:gd name="connsiteX4" fmla="*/ 7807194 w 8089900"/>
+              <a:gd name="connsiteY4" fmla="*/ 295407 h 5803900"/>
+              <a:gd name="connsiteX5" fmla="*/ 8089899 w 8089900"/>
+              <a:gd name="connsiteY5" fmla="*/ 977921 h 5803900"/>
+              <a:gd name="connsiteX6" fmla="*/ 8089900 w 8089900"/>
+              <a:gd name="connsiteY6" fmla="*/ 4838681 h 5803900"/>
+              <a:gd name="connsiteX7" fmla="*/ 7807194 w 8089900"/>
+              <a:gd name="connsiteY7" fmla="*/ 5521194 h 5803900"/>
+              <a:gd name="connsiteX8" fmla="*/ 7124681 w 8089900"/>
+              <a:gd name="connsiteY8" fmla="*/ 5803900 h 5803900"/>
+              <a:gd name="connsiteX9" fmla="*/ 546100 w 8089900"/>
+              <a:gd name="connsiteY9" fmla="*/ 5803900 h 5803900"/>
+              <a:gd name="connsiteX10" fmla="*/ 295406 w 8089900"/>
+              <a:gd name="connsiteY10" fmla="*/ 5521193 h 5803900"/>
+              <a:gd name="connsiteX11" fmla="*/ 12700 w 8089900"/>
+              <a:gd name="connsiteY11" fmla="*/ 5346700 h 5803900"/>
+              <a:gd name="connsiteX12" fmla="*/ 12700 w 8089900"/>
+              <a:gd name="connsiteY12" fmla="*/ 546100 h 5803900"/>
+              <a:gd name="connsiteX0" fmla="*/ 12700 w 8089900"/>
+              <a:gd name="connsiteY0" fmla="*/ 546100 h 5803900"/>
+              <a:gd name="connsiteX1" fmla="*/ 88900 w 8089900"/>
+              <a:gd name="connsiteY1" fmla="*/ 88900 h 5803900"/>
+              <a:gd name="connsiteX2" fmla="*/ 546100 w 8089900"/>
+              <a:gd name="connsiteY2" fmla="*/ 12701 h 5803900"/>
+              <a:gd name="connsiteX3" fmla="*/ 7124681 w 8089900"/>
+              <a:gd name="connsiteY3" fmla="*/ 12700 h 5803900"/>
+              <a:gd name="connsiteX4" fmla="*/ 7807194 w 8089900"/>
+              <a:gd name="connsiteY4" fmla="*/ 295407 h 5803900"/>
+              <a:gd name="connsiteX5" fmla="*/ 8089899 w 8089900"/>
+              <a:gd name="connsiteY5" fmla="*/ 977921 h 5803900"/>
+              <a:gd name="connsiteX6" fmla="*/ 8089900 w 8089900"/>
+              <a:gd name="connsiteY6" fmla="*/ 4838681 h 5803900"/>
+              <a:gd name="connsiteX7" fmla="*/ 7807194 w 8089900"/>
+              <a:gd name="connsiteY7" fmla="*/ 5521194 h 5803900"/>
+              <a:gd name="connsiteX8" fmla="*/ 7124681 w 8089900"/>
+              <a:gd name="connsiteY8" fmla="*/ 5803900 h 5803900"/>
+              <a:gd name="connsiteX9" fmla="*/ 546100 w 8089900"/>
+              <a:gd name="connsiteY9" fmla="*/ 5803900 h 5803900"/>
+              <a:gd name="connsiteX10" fmla="*/ 88900 w 8089900"/>
+              <a:gd name="connsiteY10" fmla="*/ 5727700 h 5803900"/>
+              <a:gd name="connsiteX11" fmla="*/ 12700 w 8089900"/>
+              <a:gd name="connsiteY11" fmla="*/ 5346700 h 5803900"/>
+              <a:gd name="connsiteX12" fmla="*/ 12700 w 8089900"/>
+              <a:gd name="connsiteY12" fmla="*/ 546100 h 5803900"/>
+              <a:gd name="connsiteX0" fmla="*/ 12700 w 8089900"/>
+              <a:gd name="connsiteY0" fmla="*/ 546100 h 5803900"/>
+              <a:gd name="connsiteX1" fmla="*/ 88900 w 8089900"/>
+              <a:gd name="connsiteY1" fmla="*/ 88900 h 5803900"/>
+              <a:gd name="connsiteX2" fmla="*/ 546100 w 8089900"/>
+              <a:gd name="connsiteY2" fmla="*/ 12701 h 5803900"/>
+              <a:gd name="connsiteX3" fmla="*/ 7556500 w 8089900"/>
+              <a:gd name="connsiteY3" fmla="*/ 12700 h 5803900"/>
+              <a:gd name="connsiteX4" fmla="*/ 7807194 w 8089900"/>
+              <a:gd name="connsiteY4" fmla="*/ 295407 h 5803900"/>
+              <a:gd name="connsiteX5" fmla="*/ 8089899 w 8089900"/>
+              <a:gd name="connsiteY5" fmla="*/ 977921 h 5803900"/>
+              <a:gd name="connsiteX6" fmla="*/ 8089900 w 8089900"/>
+              <a:gd name="connsiteY6" fmla="*/ 4838681 h 5803900"/>
+              <a:gd name="connsiteX7" fmla="*/ 7807194 w 8089900"/>
+              <a:gd name="connsiteY7" fmla="*/ 5521194 h 5803900"/>
+              <a:gd name="connsiteX8" fmla="*/ 7124681 w 8089900"/>
+              <a:gd name="connsiteY8" fmla="*/ 5803900 h 5803900"/>
+              <a:gd name="connsiteX9" fmla="*/ 546100 w 8089900"/>
+              <a:gd name="connsiteY9" fmla="*/ 5803900 h 5803900"/>
+              <a:gd name="connsiteX10" fmla="*/ 88900 w 8089900"/>
+              <a:gd name="connsiteY10" fmla="*/ 5727700 h 5803900"/>
+              <a:gd name="connsiteX11" fmla="*/ 12700 w 8089900"/>
+              <a:gd name="connsiteY11" fmla="*/ 5346700 h 5803900"/>
+              <a:gd name="connsiteX12" fmla="*/ 12700 w 8089900"/>
+              <a:gd name="connsiteY12" fmla="*/ 546100 h 5803900"/>
+              <a:gd name="connsiteX0" fmla="*/ 12700 w 8089901"/>
+              <a:gd name="connsiteY0" fmla="*/ 546100 h 5803900"/>
+              <a:gd name="connsiteX1" fmla="*/ 88900 w 8089901"/>
+              <a:gd name="connsiteY1" fmla="*/ 88900 h 5803900"/>
+              <a:gd name="connsiteX2" fmla="*/ 546100 w 8089901"/>
+              <a:gd name="connsiteY2" fmla="*/ 12701 h 5803900"/>
+              <a:gd name="connsiteX3" fmla="*/ 7556500 w 8089901"/>
+              <a:gd name="connsiteY3" fmla="*/ 12700 h 5803900"/>
+              <a:gd name="connsiteX4" fmla="*/ 7807194 w 8089901"/>
+              <a:gd name="connsiteY4" fmla="*/ 295407 h 5803900"/>
+              <a:gd name="connsiteX5" fmla="*/ 8089900 w 8089901"/>
+              <a:gd name="connsiteY5" fmla="*/ 469900 h 5803900"/>
+              <a:gd name="connsiteX6" fmla="*/ 8089900 w 8089901"/>
+              <a:gd name="connsiteY6" fmla="*/ 4838681 h 5803900"/>
+              <a:gd name="connsiteX7" fmla="*/ 7807194 w 8089901"/>
+              <a:gd name="connsiteY7" fmla="*/ 5521194 h 5803900"/>
+              <a:gd name="connsiteX8" fmla="*/ 7124681 w 8089901"/>
+              <a:gd name="connsiteY8" fmla="*/ 5803900 h 5803900"/>
+              <a:gd name="connsiteX9" fmla="*/ 546100 w 8089901"/>
+              <a:gd name="connsiteY9" fmla="*/ 5803900 h 5803900"/>
+              <a:gd name="connsiteX10" fmla="*/ 88900 w 8089901"/>
+              <a:gd name="connsiteY10" fmla="*/ 5727700 h 5803900"/>
+              <a:gd name="connsiteX11" fmla="*/ 12700 w 8089901"/>
+              <a:gd name="connsiteY11" fmla="*/ 5346700 h 5803900"/>
+              <a:gd name="connsiteX12" fmla="*/ 12700 w 8089901"/>
+              <a:gd name="connsiteY12" fmla="*/ 546100 h 5803900"/>
+              <a:gd name="connsiteX0" fmla="*/ 12700 w 8102600"/>
+              <a:gd name="connsiteY0" fmla="*/ 546100 h 5803900"/>
+              <a:gd name="connsiteX1" fmla="*/ 88900 w 8102600"/>
+              <a:gd name="connsiteY1" fmla="*/ 88900 h 5803900"/>
+              <a:gd name="connsiteX2" fmla="*/ 546100 w 8102600"/>
+              <a:gd name="connsiteY2" fmla="*/ 12701 h 5803900"/>
+              <a:gd name="connsiteX3" fmla="*/ 7556500 w 8102600"/>
+              <a:gd name="connsiteY3" fmla="*/ 12700 h 5803900"/>
+              <a:gd name="connsiteX4" fmla="*/ 8013700 w 8102600"/>
+              <a:gd name="connsiteY4" fmla="*/ 88900 h 5803900"/>
+              <a:gd name="connsiteX5" fmla="*/ 8089900 w 8102600"/>
+              <a:gd name="connsiteY5" fmla="*/ 469900 h 5803900"/>
+              <a:gd name="connsiteX6" fmla="*/ 8089900 w 8102600"/>
+              <a:gd name="connsiteY6" fmla="*/ 4838681 h 5803900"/>
+              <a:gd name="connsiteX7" fmla="*/ 7807194 w 8102600"/>
+              <a:gd name="connsiteY7" fmla="*/ 5521194 h 5803900"/>
+              <a:gd name="connsiteX8" fmla="*/ 7124681 w 8102600"/>
+              <a:gd name="connsiteY8" fmla="*/ 5803900 h 5803900"/>
+              <a:gd name="connsiteX9" fmla="*/ 546100 w 8102600"/>
+              <a:gd name="connsiteY9" fmla="*/ 5803900 h 5803900"/>
+              <a:gd name="connsiteX10" fmla="*/ 88900 w 8102600"/>
+              <a:gd name="connsiteY10" fmla="*/ 5727700 h 5803900"/>
+              <a:gd name="connsiteX11" fmla="*/ 12700 w 8102600"/>
+              <a:gd name="connsiteY11" fmla="*/ 5346700 h 5803900"/>
+              <a:gd name="connsiteX12" fmla="*/ 12700 w 8102600"/>
+              <a:gd name="connsiteY12" fmla="*/ 546100 h 5803900"/>
+              <a:gd name="connsiteX0" fmla="*/ 12700 w 8102600"/>
+              <a:gd name="connsiteY0" fmla="*/ 546100 h 5803900"/>
+              <a:gd name="connsiteX1" fmla="*/ 88900 w 8102600"/>
+              <a:gd name="connsiteY1" fmla="*/ 88900 h 5803900"/>
+              <a:gd name="connsiteX2" fmla="*/ 546100 w 8102600"/>
+              <a:gd name="connsiteY2" fmla="*/ 12701 h 5803900"/>
+              <a:gd name="connsiteX3" fmla="*/ 7556500 w 8102600"/>
+              <a:gd name="connsiteY3" fmla="*/ 12700 h 5803900"/>
+              <a:gd name="connsiteX4" fmla="*/ 8013700 w 8102600"/>
+              <a:gd name="connsiteY4" fmla="*/ 88900 h 5803900"/>
+              <a:gd name="connsiteX5" fmla="*/ 8089899 w 8102600"/>
+              <a:gd name="connsiteY5" fmla="*/ 469900 h 5803900"/>
+              <a:gd name="connsiteX6" fmla="*/ 8089900 w 8102600"/>
+              <a:gd name="connsiteY6" fmla="*/ 4838681 h 5803900"/>
+              <a:gd name="connsiteX7" fmla="*/ 7807194 w 8102600"/>
+              <a:gd name="connsiteY7" fmla="*/ 5521194 h 5803900"/>
+              <a:gd name="connsiteX8" fmla="*/ 7124681 w 8102600"/>
+              <a:gd name="connsiteY8" fmla="*/ 5803900 h 5803900"/>
+              <a:gd name="connsiteX9" fmla="*/ 546100 w 8102600"/>
+              <a:gd name="connsiteY9" fmla="*/ 5803900 h 5803900"/>
+              <a:gd name="connsiteX10" fmla="*/ 88900 w 8102600"/>
+              <a:gd name="connsiteY10" fmla="*/ 5727700 h 5803900"/>
+              <a:gd name="connsiteX11" fmla="*/ 12700 w 8102600"/>
+              <a:gd name="connsiteY11" fmla="*/ 5346700 h 5803900"/>
+              <a:gd name="connsiteX12" fmla="*/ 12700 w 8102600"/>
+              <a:gd name="connsiteY12" fmla="*/ 546100 h 5803900"/>
+              <a:gd name="connsiteX0" fmla="*/ 12700 w 8102599"/>
+              <a:gd name="connsiteY0" fmla="*/ 546100 h 5803900"/>
+              <a:gd name="connsiteX1" fmla="*/ 88900 w 8102599"/>
+              <a:gd name="connsiteY1" fmla="*/ 88900 h 5803900"/>
+              <a:gd name="connsiteX2" fmla="*/ 546100 w 8102599"/>
+              <a:gd name="connsiteY2" fmla="*/ 12701 h 5803900"/>
+              <a:gd name="connsiteX3" fmla="*/ 7556500 w 8102599"/>
+              <a:gd name="connsiteY3" fmla="*/ 12700 h 5803900"/>
+              <a:gd name="connsiteX4" fmla="*/ 8013699 w 8102599"/>
+              <a:gd name="connsiteY4" fmla="*/ 88900 h 5803900"/>
+              <a:gd name="connsiteX5" fmla="*/ 8089899 w 8102599"/>
+              <a:gd name="connsiteY5" fmla="*/ 469900 h 5803900"/>
+              <a:gd name="connsiteX6" fmla="*/ 8089900 w 8102599"/>
+              <a:gd name="connsiteY6" fmla="*/ 4838681 h 5803900"/>
+              <a:gd name="connsiteX7" fmla="*/ 7807194 w 8102599"/>
+              <a:gd name="connsiteY7" fmla="*/ 5521194 h 5803900"/>
+              <a:gd name="connsiteX8" fmla="*/ 7124681 w 8102599"/>
+              <a:gd name="connsiteY8" fmla="*/ 5803900 h 5803900"/>
+              <a:gd name="connsiteX9" fmla="*/ 546100 w 8102599"/>
+              <a:gd name="connsiteY9" fmla="*/ 5803900 h 5803900"/>
+              <a:gd name="connsiteX10" fmla="*/ 88900 w 8102599"/>
+              <a:gd name="connsiteY10" fmla="*/ 5727700 h 5803900"/>
+              <a:gd name="connsiteX11" fmla="*/ 12700 w 8102599"/>
+              <a:gd name="connsiteY11" fmla="*/ 5346700 h 5803900"/>
+              <a:gd name="connsiteX12" fmla="*/ 12700 w 8102599"/>
+              <a:gd name="connsiteY12" fmla="*/ 546100 h 5803900"/>
+              <a:gd name="connsiteX0" fmla="*/ 12700 w 8102599"/>
+              <a:gd name="connsiteY0" fmla="*/ 546100 h 5803900"/>
+              <a:gd name="connsiteX1" fmla="*/ 88900 w 8102599"/>
+              <a:gd name="connsiteY1" fmla="*/ 88900 h 5803900"/>
+              <a:gd name="connsiteX2" fmla="*/ 546100 w 8102599"/>
+              <a:gd name="connsiteY2" fmla="*/ 12701 h 5803900"/>
+              <a:gd name="connsiteX3" fmla="*/ 7556500 w 8102599"/>
+              <a:gd name="connsiteY3" fmla="*/ 12700 h 5803900"/>
+              <a:gd name="connsiteX4" fmla="*/ 8013699 w 8102599"/>
+              <a:gd name="connsiteY4" fmla="*/ 88900 h 5803900"/>
+              <a:gd name="connsiteX5" fmla="*/ 8089899 w 8102599"/>
+              <a:gd name="connsiteY5" fmla="*/ 469900 h 5803900"/>
+              <a:gd name="connsiteX6" fmla="*/ 8089900 w 8102599"/>
+              <a:gd name="connsiteY6" fmla="*/ 5346700 h 5803900"/>
+              <a:gd name="connsiteX7" fmla="*/ 7807194 w 8102599"/>
+              <a:gd name="connsiteY7" fmla="*/ 5521194 h 5803900"/>
+              <a:gd name="connsiteX8" fmla="*/ 7124681 w 8102599"/>
+              <a:gd name="connsiteY8" fmla="*/ 5803900 h 5803900"/>
+              <a:gd name="connsiteX9" fmla="*/ 546100 w 8102599"/>
+              <a:gd name="connsiteY9" fmla="*/ 5803900 h 5803900"/>
+              <a:gd name="connsiteX10" fmla="*/ 88900 w 8102599"/>
+              <a:gd name="connsiteY10" fmla="*/ 5727700 h 5803900"/>
+              <a:gd name="connsiteX11" fmla="*/ 12700 w 8102599"/>
+              <a:gd name="connsiteY11" fmla="*/ 5346700 h 5803900"/>
+              <a:gd name="connsiteX12" fmla="*/ 12700 w 8102599"/>
+              <a:gd name="connsiteY12" fmla="*/ 546100 h 5803900"/>
+              <a:gd name="connsiteX0" fmla="*/ 12700 w 8102599"/>
+              <a:gd name="connsiteY0" fmla="*/ 546100 h 5803900"/>
+              <a:gd name="connsiteX1" fmla="*/ 88900 w 8102599"/>
+              <a:gd name="connsiteY1" fmla="*/ 88900 h 5803900"/>
+              <a:gd name="connsiteX2" fmla="*/ 546100 w 8102599"/>
+              <a:gd name="connsiteY2" fmla="*/ 12701 h 5803900"/>
+              <a:gd name="connsiteX3" fmla="*/ 7556500 w 8102599"/>
+              <a:gd name="connsiteY3" fmla="*/ 12700 h 5803900"/>
+              <a:gd name="connsiteX4" fmla="*/ 8013699 w 8102599"/>
+              <a:gd name="connsiteY4" fmla="*/ 88900 h 5803900"/>
+              <a:gd name="connsiteX5" fmla="*/ 8089899 w 8102599"/>
+              <a:gd name="connsiteY5" fmla="*/ 469900 h 5803900"/>
+              <a:gd name="connsiteX6" fmla="*/ 8089900 w 8102599"/>
+              <a:gd name="connsiteY6" fmla="*/ 5346700 h 5803900"/>
+              <a:gd name="connsiteX7" fmla="*/ 7807194 w 8102599"/>
+              <a:gd name="connsiteY7" fmla="*/ 5521194 h 5803900"/>
+              <a:gd name="connsiteX8" fmla="*/ 7632700 w 8102599"/>
+              <a:gd name="connsiteY8" fmla="*/ 5803900 h 5803900"/>
+              <a:gd name="connsiteX9" fmla="*/ 546100 w 8102599"/>
+              <a:gd name="connsiteY9" fmla="*/ 5803900 h 5803900"/>
+              <a:gd name="connsiteX10" fmla="*/ 88900 w 8102599"/>
+              <a:gd name="connsiteY10" fmla="*/ 5727700 h 5803900"/>
+              <a:gd name="connsiteX11" fmla="*/ 12700 w 8102599"/>
+              <a:gd name="connsiteY11" fmla="*/ 5346700 h 5803900"/>
+              <a:gd name="connsiteX12" fmla="*/ 12700 w 8102599"/>
+              <a:gd name="connsiteY12" fmla="*/ 546100 h 5803900"/>
+              <a:gd name="connsiteX0" fmla="*/ 12700 w 8102599"/>
+              <a:gd name="connsiteY0" fmla="*/ 546100 h 5803900"/>
+              <a:gd name="connsiteX1" fmla="*/ 88900 w 8102599"/>
+              <a:gd name="connsiteY1" fmla="*/ 88900 h 5803900"/>
+              <a:gd name="connsiteX2" fmla="*/ 546100 w 8102599"/>
+              <a:gd name="connsiteY2" fmla="*/ 12701 h 5803900"/>
+              <a:gd name="connsiteX3" fmla="*/ 7556500 w 8102599"/>
+              <a:gd name="connsiteY3" fmla="*/ 12700 h 5803900"/>
+              <a:gd name="connsiteX4" fmla="*/ 8013699 w 8102599"/>
+              <a:gd name="connsiteY4" fmla="*/ 88900 h 5803900"/>
+              <a:gd name="connsiteX5" fmla="*/ 8089899 w 8102599"/>
+              <a:gd name="connsiteY5" fmla="*/ 469900 h 5803900"/>
+              <a:gd name="connsiteX6" fmla="*/ 8089900 w 8102599"/>
+              <a:gd name="connsiteY6" fmla="*/ 5346700 h 5803900"/>
+              <a:gd name="connsiteX7" fmla="*/ 8013700 w 8102599"/>
+              <a:gd name="connsiteY7" fmla="*/ 5727700 h 5803900"/>
+              <a:gd name="connsiteX8" fmla="*/ 7632700 w 8102599"/>
+              <a:gd name="connsiteY8" fmla="*/ 5803900 h 5803900"/>
+              <a:gd name="connsiteX9" fmla="*/ 546100 w 8102599"/>
+              <a:gd name="connsiteY9" fmla="*/ 5803900 h 5803900"/>
+              <a:gd name="connsiteX10" fmla="*/ 88900 w 8102599"/>
+              <a:gd name="connsiteY10" fmla="*/ 5727700 h 5803900"/>
+              <a:gd name="connsiteX11" fmla="*/ 12700 w 8102599"/>
+              <a:gd name="connsiteY11" fmla="*/ 5346700 h 5803900"/>
+              <a:gd name="connsiteX12" fmla="*/ 12700 w 8102599"/>
+              <a:gd name="connsiteY12" fmla="*/ 546100 h 5803900"/>
+            </a:gdLst>
+            <a:ahLst/>
+            <a:cxnLst>
+              <a:cxn ang="0">
+                <a:pos x="connsiteX0" y="connsiteY0"/>
+              </a:cxn>
+              <a:cxn ang="0">
+                <a:pos x="connsiteX1" y="connsiteY1"/>
+              </a:cxn>
+              <a:cxn ang="0">
+                <a:pos x="connsiteX2" y="connsiteY2"/>
+              </a:cxn>
+              <a:cxn ang="0">
+                <a:pos x="connsiteX3" y="connsiteY3"/>
+              </a:cxn>
+              <a:cxn ang="0">
+                <a:pos x="connsiteX4" y="connsiteY4"/>
+              </a:cxn>
+              <a:cxn ang="0">
+                <a:pos x="connsiteX5" y="connsiteY5"/>
+              </a:cxn>
+              <a:cxn ang="0">
+                <a:pos x="connsiteX6" y="connsiteY6"/>
+              </a:cxn>
+              <a:cxn ang="0">
+                <a:pos x="connsiteX7" y="connsiteY7"/>
+              </a:cxn>
+              <a:cxn ang="0">
+                <a:pos x="connsiteX8" y="connsiteY8"/>
+              </a:cxn>
+              <a:cxn ang="0">
+                <a:pos x="connsiteX9" y="connsiteY9"/>
+              </a:cxn>
+              <a:cxn ang="0">
+                <a:pos x="connsiteX10" y="connsiteY10"/>
+              </a:cxn>
+              <a:cxn ang="0">
+                <a:pos x="connsiteX11" y="connsiteY11"/>
+              </a:cxn>
+              <a:cxn ang="0">
+                <a:pos x="connsiteX12" y="connsiteY12"/>
+              </a:cxn>
+            </a:cxnLst>
+            <a:rect l="l" t="t" r="r" b="b"/>
+            <a:pathLst>
+              <a:path w="8102599" h="5803900">
+                <a:moveTo>
+                  <a:pt x="12700" y="546100"/>
+                </a:moveTo>
+                <a:cubicBezTo>
+                  <a:pt x="12700" y="290108"/>
+                  <a:pt x="0" y="177800"/>
+                  <a:pt x="88900" y="88900"/>
+                </a:cubicBezTo>
+                <a:cubicBezTo>
+                  <a:pt x="177800" y="0"/>
+                  <a:pt x="290107" y="12700"/>
+                  <a:pt x="546100" y="12701"/>
+                </a:cubicBezTo>
+                <a:lnTo>
+                  <a:pt x="7556500" y="12700"/>
+                </a:lnTo>
+                <a:cubicBezTo>
+                  <a:pt x="7812492" y="12700"/>
+                  <a:pt x="7924799" y="12700"/>
+                  <a:pt x="8013699" y="88900"/>
+                </a:cubicBezTo>
+                <a:cubicBezTo>
+                  <a:pt x="8102599" y="165100"/>
+                  <a:pt x="8089900" y="213907"/>
+                  <a:pt x="8089899" y="469900"/>
+                </a:cubicBezTo>
+                <a:cubicBezTo>
+                  <a:pt x="8089899" y="1926160"/>
+                  <a:pt x="8089900" y="3890440"/>
+                  <a:pt x="8089900" y="5346700"/>
+                </a:cubicBezTo>
+                <a:cubicBezTo>
+                  <a:pt x="8089900" y="5602692"/>
+                  <a:pt x="8089900" y="5651500"/>
+                  <a:pt x="8013700" y="5727700"/>
+                </a:cubicBezTo>
+                <a:cubicBezTo>
+                  <a:pt x="7937500" y="5803900"/>
+                  <a:pt x="7888692" y="5803900"/>
+                  <a:pt x="7632700" y="5803900"/>
+                </a:cubicBezTo>
+                <a:lnTo>
+                  <a:pt x="546100" y="5803900"/>
+                </a:lnTo>
+                <a:cubicBezTo>
+                  <a:pt x="290108" y="5803900"/>
+                  <a:pt x="177800" y="5803900"/>
+                  <a:pt x="88900" y="5727700"/>
+                </a:cubicBezTo>
+                <a:cubicBezTo>
+                  <a:pt x="0" y="5651500"/>
+                  <a:pt x="12700" y="5602692"/>
+                  <a:pt x="12700" y="5346700"/>
+                </a:cubicBezTo>
+                <a:lnTo>
+                  <a:pt x="12700" y="546100"/>
+                </a:lnTo>
+                <a:close/>
+              </a:path>
+            </a:pathLst>
+          </a:custGeom>
+          <a:gradFill>
+            <a:gsLst>
+              <a:gs pos="0">
+                <a:schemeClr val="bg1">
+                  <a:lumMod val="50000"/>
+                </a:schemeClr>
+              </a:gs>
+              <a:gs pos="39999">
+                <a:schemeClr val="bg1">
+                  <a:lumMod val="65000"/>
+                </a:schemeClr>
+              </a:gs>
+              <a:gs pos="70000">
+                <a:schemeClr val="bg1">
+                  <a:lumMod val="50000"/>
+                  <a:alpha val="73000"/>
+                </a:schemeClr>
+              </a:gs>
+            </a:gsLst>
+            <a:lin ang="5400000" scaled="0"/>
+          </a:gradFill>
+          <a:ln>
+            <a:solidFill>
+              <a:schemeClr val="bg1">
+                <a:lumMod val="75000"/>
+              </a:schemeClr>
+            </a:solidFill>
+          </a:ln>
+        </p:spPr>
+        <p:style>
+          <a:lnRef idx="2">
+            <a:schemeClr val="accent1">
+              <a:shade val="50000"/>
+            </a:schemeClr>
+          </a:lnRef>
+          <a:fillRef idx="1">
+            <a:schemeClr val="accent1"/>
+          </a:fillRef>
+          <a:effectRef idx="0">
+            <a:schemeClr val="accent1"/>
+          </a:effectRef>
+          <a:fontRef idx="minor">
+            <a:schemeClr val="lt1"/>
+          </a:fontRef>
+        </p:style>
+        <p:txBody>
+          <a:bodyPr rtlCol="0" anchor="ctr"/>
+          <a:lstStyle/>
+          <a:p>
             <a:pPr fontAlgn="t"/>
             <a:endParaRPr lang="es-AR" b="1" dirty="0" smtClean="0"/>
           </a:p>
@@ -10079,7 +14935,7 @@
 </p:sld>
 </file>
 
-<file path=ppt/slides/slide3.xml><?xml version="1.0" encoding="utf-8"?>
+<file path=ppt/slides/slide5.xml><?xml version="1.0" encoding="utf-8"?>
 <p:sld xmlns:a="http://schemas.openxmlformats.org/drawingml/2006/main" xmlns:r="http://schemas.openxmlformats.org/officeDocument/2006/relationships" xmlns:p="http://schemas.openxmlformats.org/presentationml/2006/main">
   <p:cSld>
     <p:spTree>
@@ -11834,7 +16690,7 @@
 </p:sld>
 </file>
 
-<file path=ppt/slides/slide4.xml><?xml version="1.0" encoding="utf-8"?>
+<file path=ppt/slides/slide6.xml><?xml version="1.0" encoding="utf-8"?>
 <p:sld xmlns:a="http://schemas.openxmlformats.org/drawingml/2006/main" xmlns:r="http://schemas.openxmlformats.org/officeDocument/2006/relationships" xmlns:p="http://schemas.openxmlformats.org/presentationml/2006/main">
   <p:cSld>
     <p:spTree>
@@ -13073,7 +17929,7 @@
             <a:p>
               <a:pPr algn="ctr"/>
               <a:r>
-                <a:rPr lang="es-AR" sz="1200" dirty="0" err="1" smtClean="0"/>
+                <a:rPr lang="es-AR" sz="1200" dirty="0" smtClean="0"/>
                 <a:t>Wicket</a:t>
               </a:r>
               <a:endParaRPr lang="es-AR" sz="1200" dirty="0"/>
@@ -13387,7 +18243,7 @@
             <a:p>
               <a:pPr algn="ctr"/>
               <a:r>
-                <a:rPr lang="es-AR" sz="1200" dirty="0" err="1" smtClean="0"/>
+                <a:rPr lang="es-AR" sz="1200" dirty="0" smtClean="0"/>
                 <a:t>Hibernate</a:t>
               </a:r>
               <a:endParaRPr lang="es-AR" sz="1200" dirty="0"/>
@@ -13608,7 +18464,7 @@
 </p:sld>
 </file>
 
-<file path=ppt/slides/slide5.xml><?xml version="1.0" encoding="utf-8"?>
+<file path=ppt/slides/slide7.xml><?xml version="1.0" encoding="utf-8"?>
 <p:sld xmlns:a="http://schemas.openxmlformats.org/drawingml/2006/main" xmlns:r="http://schemas.openxmlformats.org/officeDocument/2006/relationships" xmlns:p="http://schemas.openxmlformats.org/presentationml/2006/main">
   <p:cSld>
     <p:spTree>
@@ -14753,7 +19609,7 @@
               <a:p>
                 <a:pPr algn="ctr"/>
                 <a:r>
-                  <a:rPr lang="es-AR" sz="1200" dirty="0" err="1" smtClean="0"/>
+                  <a:rPr lang="es-AR" sz="1200" dirty="0" smtClean="0"/>
                   <a:t>Website</a:t>
                 </a:r>
                 <a:endParaRPr lang="es-AR" sz="1200" dirty="0"/>
@@ -14926,15 +19782,7 @@
             <a:pPr algn="ctr"/>
             <a:r>
               <a:rPr lang="es-AR" sz="900" dirty="0" smtClean="0"/>
-              <a:t>&lt;&lt;</a:t>
-            </a:r>
-            <a:r>
-              <a:rPr lang="es-AR" sz="900" dirty="0" err="1" smtClean="0"/>
-              <a:t>component</a:t>
-            </a:r>
-            <a:r>
-              <a:rPr lang="es-AR" sz="900" dirty="0" smtClean="0"/>
-              <a:t>&gt;&gt;</a:t>
+              <a:t>&lt;&lt;component&gt;&gt;</a:t>
             </a:r>
           </a:p>
           <a:p>
@@ -15111,15 +19959,7 @@
             <a:pPr algn="ctr"/>
             <a:r>
               <a:rPr lang="es-AR" sz="900" dirty="0" smtClean="0"/>
-              <a:t>&lt;&lt;</a:t>
-            </a:r>
-            <a:r>
-              <a:rPr lang="es-AR" sz="900" dirty="0" err="1" smtClean="0"/>
-              <a:t>component</a:t>
-            </a:r>
-            <a:r>
-              <a:rPr lang="es-AR" sz="900" dirty="0" smtClean="0"/>
-              <a:t>&gt;&gt;</a:t>
+              <a:t>&lt;&lt;component&gt;&gt;</a:t>
             </a:r>
           </a:p>
           <a:p>
@@ -15168,15 +20008,7 @@
             <a:pPr algn="ctr"/>
             <a:r>
               <a:rPr lang="es-AR" sz="900" dirty="0" smtClean="0"/>
-              <a:t>&lt;&lt;</a:t>
-            </a:r>
-            <a:r>
-              <a:rPr lang="es-AR" sz="900" dirty="0" err="1" smtClean="0"/>
-              <a:t>component</a:t>
-            </a:r>
-            <a:r>
-              <a:rPr lang="es-AR" sz="900" dirty="0" smtClean="0"/>
-              <a:t>&gt;&gt;</a:t>
+              <a:t>&lt;&lt;component&gt;&gt;</a:t>
             </a:r>
           </a:p>
           <a:p>
@@ -15225,15 +20057,7 @@
             <a:pPr algn="ctr"/>
             <a:r>
               <a:rPr lang="es-AR" sz="900" dirty="0" smtClean="0"/>
-              <a:t>&lt;&lt;</a:t>
-            </a:r>
-            <a:r>
-              <a:rPr lang="es-AR" sz="900" dirty="0" err="1" smtClean="0"/>
-              <a:t>component</a:t>
-            </a:r>
-            <a:r>
-              <a:rPr lang="es-AR" sz="900" dirty="0" smtClean="0"/>
-              <a:t>&gt;&gt;</a:t>
+              <a:t>&lt;&lt;component&gt;&gt;</a:t>
             </a:r>
           </a:p>
           <a:p>
@@ -15410,15 +20234,7 @@
             <a:pPr algn="ctr"/>
             <a:r>
               <a:rPr lang="es-AR" sz="900" dirty="0" smtClean="0"/>
-              <a:t>&lt;&lt;</a:t>
-            </a:r>
-            <a:r>
-              <a:rPr lang="es-AR" sz="900" dirty="0" err="1" smtClean="0"/>
-              <a:t>component</a:t>
-            </a:r>
-            <a:r>
-              <a:rPr lang="es-AR" sz="900" dirty="0" smtClean="0"/>
-              <a:t>&gt;&gt;</a:t>
+              <a:t>&lt;&lt;component&gt;&gt;</a:t>
             </a:r>
           </a:p>
           <a:p>
@@ -15595,15 +20411,7 @@
             <a:pPr algn="ctr"/>
             <a:r>
               <a:rPr lang="es-AR" sz="900" dirty="0" smtClean="0"/>
-              <a:t>&lt;&lt;</a:t>
-            </a:r>
-            <a:r>
-              <a:rPr lang="es-AR" sz="900" dirty="0" err="1" smtClean="0"/>
-              <a:t>infrastructure</a:t>
-            </a:r>
-            <a:r>
-              <a:rPr lang="es-AR" sz="900" dirty="0" smtClean="0"/>
-              <a:t>&gt;&gt;</a:t>
+              <a:t>&lt;&lt;infrastructure&gt;&gt;</a:t>
             </a:r>
           </a:p>
           <a:p>
@@ -15652,15 +20460,7 @@
             <a:pPr algn="ctr"/>
             <a:r>
               <a:rPr lang="es-AR" sz="900" dirty="0" smtClean="0"/>
-              <a:t>&lt;&lt;</a:t>
-            </a:r>
-            <a:r>
-              <a:rPr lang="es-AR" sz="900" dirty="0" err="1" smtClean="0"/>
-              <a:t>database</a:t>
-            </a:r>
-            <a:r>
-              <a:rPr lang="es-AR" sz="900" dirty="0" smtClean="0"/>
-              <a:t>&gt;&gt;</a:t>
+              <a:t>&lt;&lt;database&gt;&gt;</a:t>
             </a:r>
           </a:p>
           <a:p>
@@ -15837,15 +20637,7 @@
             <a:pPr algn="ctr"/>
             <a:r>
               <a:rPr lang="es-AR" sz="900" dirty="0" smtClean="0"/>
-              <a:t>&lt;&lt;</a:t>
-            </a:r>
-            <a:r>
-              <a:rPr lang="es-AR" sz="900" dirty="0" err="1" smtClean="0"/>
-              <a:t>component</a:t>
-            </a:r>
-            <a:r>
-              <a:rPr lang="es-AR" sz="900" dirty="0" smtClean="0"/>
-              <a:t>&gt;&gt;</a:t>
+              <a:t>&lt;&lt;component&gt;&gt;</a:t>
             </a:r>
           </a:p>
           <a:p>
@@ -16718,15 +21510,7 @@
           <a:p>
             <a:r>
               <a:rPr lang="es-AR" sz="1050" i="1" dirty="0" smtClean="0"/>
-              <a:t>&lt;&lt;</a:t>
-            </a:r>
-            <a:r>
-              <a:rPr lang="es-AR" sz="1050" i="1" dirty="0" err="1" smtClean="0"/>
-              <a:t>requires</a:t>
-            </a:r>
-            <a:r>
-              <a:rPr lang="es-AR" sz="1050" i="1" dirty="0" smtClean="0"/>
-              <a:t>&gt;&gt;</a:t>
+              <a:t>&lt;&lt;requires&gt;&gt;</a:t>
             </a:r>
             <a:endParaRPr lang="es-AR" sz="1050" i="1" dirty="0"/>
           </a:p>
@@ -16747,7 +21531,7 @@
 </p:sld>
 </file>
 
-<file path=ppt/slides/slide6.xml><?xml version="1.0" encoding="utf-8"?>
+<file path=ppt/slides/slide8.xml><?xml version="1.0" encoding="utf-8"?>
 <p:sld xmlns:a="http://schemas.openxmlformats.org/drawingml/2006/main" xmlns:r="http://schemas.openxmlformats.org/officeDocument/2006/relationships" xmlns:p="http://schemas.openxmlformats.org/presentationml/2006/main">
   <p:cSld>
     <p:spTree>
@@ -17900,23 +22684,7 @@
             <a:pPr algn="ctr"/>
             <a:r>
               <a:rPr lang="es-AR" sz="900" i="1" dirty="0" smtClean="0"/>
-              <a:t>&lt;&lt;</a:t>
-            </a:r>
-            <a:r>
-              <a:rPr lang="es-AR" sz="900" i="1" dirty="0" err="1" smtClean="0"/>
-              <a:t>deployment</a:t>
-            </a:r>
-            <a:r>
-              <a:rPr lang="es-AR" sz="900" i="1" dirty="0" smtClean="0"/>
-              <a:t> </a:t>
-            </a:r>
-            <a:r>
-              <a:rPr lang="es-AR" sz="900" i="1" dirty="0" err="1" smtClean="0"/>
-              <a:t>spec</a:t>
-            </a:r>
-            <a:r>
-              <a:rPr lang="es-AR" sz="900" i="1" dirty="0" smtClean="0"/>
-              <a:t>&gt;&gt;</a:t>
+              <a:t>&lt;&lt;deployment spec&gt;&gt;</a:t>
             </a:r>
           </a:p>
           <a:p>
@@ -17965,23 +22733,7 @@
             <a:pPr algn="ctr"/>
             <a:r>
               <a:rPr lang="es-AR" sz="900" i="1" dirty="0" smtClean="0"/>
-              <a:t>&lt;&lt;</a:t>
-            </a:r>
-            <a:r>
-              <a:rPr lang="es-AR" sz="900" i="1" dirty="0" err="1" smtClean="0"/>
-              <a:t>deployment</a:t>
-            </a:r>
-            <a:r>
-              <a:rPr lang="es-AR" sz="900" i="1" dirty="0" smtClean="0"/>
-              <a:t> </a:t>
-            </a:r>
-            <a:r>
-              <a:rPr lang="es-AR" sz="900" i="1" dirty="0" err="1" smtClean="0"/>
-              <a:t>spec</a:t>
-            </a:r>
-            <a:r>
-              <a:rPr lang="es-AR" sz="900" i="1" dirty="0" smtClean="0"/>
-              <a:t>&gt;&gt;</a:t>
+              <a:t>&lt;&lt;deployment spec&gt;&gt;</a:t>
             </a:r>
           </a:p>
           <a:p>
@@ -18029,7 +22781,7 @@
           <a:p>
             <a:pPr algn="ctr"/>
             <a:r>
-              <a:rPr lang="es-AR" sz="900" dirty="0" err="1" smtClean="0"/>
+              <a:rPr lang="es-AR" sz="900" dirty="0" smtClean="0"/>
               <a:t>Hibernate.cfg.xml</a:t>
             </a:r>
             <a:endParaRPr lang="es-AR" sz="900" dirty="0"/>
@@ -18475,7 +23227,7 @@
               <a:p>
                 <a:pPr algn="ctr"/>
                 <a:r>
-                  <a:rPr lang="es-AR" sz="1200" dirty="0" err="1" smtClean="0"/>
+                  <a:rPr lang="es-AR" sz="1200" dirty="0" smtClean="0"/>
                   <a:t>Wicket</a:t>
                 </a:r>
                 <a:endParaRPr lang="es-AR" sz="1200" dirty="0"/>
@@ -18675,7 +23427,7 @@
               <a:p>
                 <a:pPr algn="ctr"/>
                 <a:r>
-                  <a:rPr lang="es-AR" sz="1200" dirty="0" err="1" smtClean="0"/>
+                  <a:rPr lang="es-AR" sz="1200" dirty="0" smtClean="0"/>
                   <a:t>Hibernate</a:t>
                 </a:r>
                 <a:endParaRPr lang="es-AR" sz="1200" dirty="0"/>
@@ -19064,26 +23816,14 @@
               <a:pPr algn="ctr"/>
               <a:r>
                 <a:rPr lang="es-AR" sz="1200" i="1" dirty="0" smtClean="0"/>
-                <a:t>&lt;&lt;</a:t>
-              </a:r>
-              <a:r>
-                <a:rPr lang="es-AR" sz="1200" i="1" dirty="0" err="1" smtClean="0"/>
-                <a:t>device</a:t>
-              </a:r>
-              <a:r>
-                <a:rPr lang="es-AR" sz="1200" i="1" dirty="0" smtClean="0"/>
-                <a:t>&gt;&gt;</a:t>
+                <a:t>&lt;&lt;device&gt;&gt;</a:t>
               </a:r>
             </a:p>
             <a:p>
               <a:pPr algn="ctr"/>
               <a:r>
-                <a:rPr lang="es-AR" sz="1200" dirty="0" err="1" smtClean="0"/>
-                <a:t>Application</a:t>
-              </a:r>
-              <a:r>
                 <a:rPr lang="es-AR" sz="1200" dirty="0" smtClean="0"/>
-                <a:t> server</a:t>
+                <a:t>Application server</a:t>
               </a:r>
               <a:endParaRPr lang="es-AR" sz="1200" dirty="0"/>
             </a:p>
@@ -19133,7 +23873,7 @@
             <a:p>
               <a:pPr algn="ctr"/>
               <a:r>
-                <a:rPr lang="es-AR" sz="1200" dirty="0" err="1" smtClean="0"/>
+                <a:rPr lang="es-AR" sz="1200" dirty="0" smtClean="0"/>
                 <a:t>Tomcat</a:t>
               </a:r>
               <a:endParaRPr lang="es-AR" sz="1200" dirty="0"/>
@@ -19638,23 +24378,7 @@
           <a:p>
             <a:r>
               <a:rPr lang="es-AR" sz="1200" i="1" dirty="0" smtClean="0"/>
-              <a:t>&lt;&lt;</a:t>
-            </a:r>
-            <a:r>
-              <a:rPr lang="es-AR" sz="1200" i="1" dirty="0" err="1" smtClean="0"/>
-              <a:t>deployed</a:t>
-            </a:r>
-            <a:r>
-              <a:rPr lang="es-AR" sz="1200" i="1" dirty="0" smtClean="0"/>
-              <a:t> </a:t>
-            </a:r>
-            <a:r>
-              <a:rPr lang="es-AR" sz="1200" i="1" dirty="0" err="1" smtClean="0"/>
-              <a:t>on</a:t>
-            </a:r>
-            <a:r>
-              <a:rPr lang="es-AR" sz="1200" i="1" dirty="0" smtClean="0"/>
-              <a:t>&gt;&gt;</a:t>
+              <a:t>&lt;&lt;deployed on&gt;&gt;</a:t>
             </a:r>
             <a:endParaRPr lang="es-AR" sz="1200" i="1" dirty="0"/>
           </a:p>
@@ -19864,7 +24588,7 @@
 </p:sld>
 </file>
 
-<file path=ppt/slides/slide7.xml><?xml version="1.0" encoding="utf-8"?>
+<file path=ppt/slides/slide9.xml><?xml version="1.0" encoding="utf-8"?>
 <p:sld xmlns:a="http://schemas.openxmlformats.org/drawingml/2006/main" xmlns:r="http://schemas.openxmlformats.org/officeDocument/2006/relationships" xmlns:p="http://schemas.openxmlformats.org/presentationml/2006/main">
   <p:cSld>
     <p:spTree>
@@ -20956,7 +25680,7 @@
           <p:nvPr/>
         </p:nvPicPr>
         <p:blipFill>
-          <a:blip r:embed="rId3"/>
+          <a:blip r:embed="rId3" cstate="print"/>
           <a:stretch>
             <a:fillRect/>
           </a:stretch>
@@ -20995,11 +25719,7 @@
           <a:p>
             <a:r>
               <a:rPr lang="es-AR" dirty="0" smtClean="0"/>
-              <a:t>Apache </a:t>
-            </a:r>
-            <a:r>
-              <a:rPr lang="es-AR" dirty="0" err="1" smtClean="0"/>
-              <a:t>Wicket</a:t>
+              <a:t>Apache Wicket</a:t>
             </a:r>
             <a:endParaRPr lang="es-AR" dirty="0"/>
           </a:p>
@@ -21014,7 +25734,7 @@
           <p:nvPr/>
         </p:nvPicPr>
         <p:blipFill>
-          <a:blip r:embed="rId4"/>
+          <a:blip r:embed="rId4" cstate="print"/>
           <a:stretch>
             <a:fillRect/>
           </a:stretch>
@@ -21038,7 +25758,7 @@
           <p:nvPr/>
         </p:nvPicPr>
         <p:blipFill>
-          <a:blip r:embed="rId5"/>
+          <a:blip r:embed="rId5" cstate="print"/>
           <a:stretch>
             <a:fillRect/>
           </a:stretch>
@@ -21070,7 +25790,7 @@
           <p:nvPr/>
         </p:nvPicPr>
         <p:blipFill>
-          <a:blip r:embed="rId6"/>
+          <a:blip r:embed="rId6" cstate="print"/>
           <a:stretch>
             <a:fillRect/>
           </a:stretch>
@@ -21134,7 +25854,7 @@
           <p:nvPr/>
         </p:nvPicPr>
         <p:blipFill>
-          <a:blip r:embed="rId7"/>
+          <a:blip r:embed="rId7" cstate="print"/>
           <a:stretch>
             <a:fillRect/>
           </a:stretch>
@@ -21163,7 +25883,7 @@
           <p:nvPr/>
         </p:nvPicPr>
         <p:blipFill>
-          <a:blip r:embed="rId8"/>
+          <a:blip r:embed="rId8" cstate="print"/>
           <a:stretch>
             <a:fillRect/>
           </a:stretch>
@@ -21194,7 +25914,7 @@
           <p:nvPr/>
         </p:nvPicPr>
         <p:blipFill>
-          <a:blip r:embed="rId9"/>
+          <a:blip r:embed="rId9" cstate="print"/>
           <a:stretch>
             <a:fillRect/>
           </a:stretch>
@@ -21233,11 +25953,7 @@
           <a:p>
             <a:r>
               <a:rPr lang="es-AR" dirty="0" smtClean="0"/>
-              <a:t>Apache </a:t>
-            </a:r>
-            <a:r>
-              <a:rPr lang="es-AR" dirty="0" err="1" smtClean="0"/>
-              <a:t>Tomcat</a:t>
+              <a:t>Apache Tomcat</a:t>
             </a:r>
             <a:endParaRPr lang="es-AR" dirty="0"/>
           </a:p>
@@ -21252,7 +25968,7 @@
           <p:nvPr/>
         </p:nvPicPr>
         <p:blipFill>
-          <a:blip r:embed="rId10"/>
+          <a:blip r:embed="rId10" cstate="print"/>
           <a:stretch>
             <a:fillRect/>
           </a:stretch>
@@ -21306,7 +26022,7 @@
           <p:nvPr/>
         </p:nvPicPr>
         <p:blipFill>
-          <a:blip r:embed="rId11"/>
+          <a:blip r:embed="rId11" cstate="print"/>
           <a:stretch>
             <a:fillRect/>
           </a:stretch>
@@ -21360,7 +26076,7 @@
           <p:nvPr/>
         </p:nvPicPr>
         <p:blipFill>
-          <a:blip r:embed="rId12"/>
+          <a:blip r:embed="rId12" cstate="print"/>
           <a:stretch>
             <a:fillRect/>
           </a:stretch>
@@ -21369,2240 +26085,6 @@
           <a:xfrm>
             <a:off x="1752600" y="5029200"/>
             <a:ext cx="524011" cy="914400"/>
-          </a:xfrm>
-          <a:prstGeom prst="rect">
-            <a:avLst/>
-          </a:prstGeom>
-        </p:spPr>
-      </p:pic>
-    </p:spTree>
-  </p:cSld>
-  <p:clrMapOvr>
-    <a:masterClrMapping/>
-  </p:clrMapOvr>
-  <p:timing>
-    <p:tnLst>
-      <p:par>
-        <p:cTn id="1" dur="indefinite" restart="never" nodeType="tmRoot"/>
-      </p:par>
-    </p:tnLst>
-  </p:timing>
-</p:sld>
-</file>
-
-<file path=ppt/slides/slide8.xml><?xml version="1.0" encoding="utf-8"?>
-<p:sld xmlns:a="http://schemas.openxmlformats.org/drawingml/2006/main" xmlns:r="http://schemas.openxmlformats.org/officeDocument/2006/relationships" xmlns:p="http://schemas.openxmlformats.org/presentationml/2006/main">
-  <p:cSld>
-    <p:spTree>
-      <p:nvGrpSpPr>
-        <p:cNvPr id="1" name=""/>
-        <p:cNvGrpSpPr/>
-        <p:nvPr/>
-      </p:nvGrpSpPr>
-      <p:grpSpPr>
-        <a:xfrm>
-          <a:off x="0" y="0"/>
-          <a:ext cx="0" cy="0"/>
-          <a:chOff x="0" y="0"/>
-          <a:chExt cx="0" cy="0"/>
-        </a:xfrm>
-      </p:grpSpPr>
-      <p:grpSp>
-        <p:nvGrpSpPr>
-          <p:cNvPr id="2" name="Group 22"/>
-          <p:cNvGrpSpPr/>
-          <p:nvPr/>
-        </p:nvGrpSpPr>
-        <p:grpSpPr>
-          <a:xfrm>
-            <a:off x="304800" y="304800"/>
-            <a:ext cx="8534400" cy="6248400"/>
-            <a:chOff x="304800" y="304800"/>
-            <a:chExt cx="8534400" cy="6248400"/>
-          </a:xfrm>
-          <a:solidFill>
-            <a:schemeClr val="bg1">
-              <a:lumMod val="85000"/>
-            </a:schemeClr>
-          </a:solidFill>
-        </p:grpSpPr>
-        <p:sp>
-          <p:nvSpPr>
-            <p:cNvPr id="18" name="Rounded Rectangle 17"/>
-            <p:cNvSpPr/>
-            <p:nvPr/>
-          </p:nvSpPr>
-          <p:spPr>
-            <a:xfrm>
-              <a:off x="304800" y="304800"/>
-              <a:ext cx="8534400" cy="6248400"/>
-            </a:xfrm>
-            <a:prstGeom prst="roundRect">
-              <a:avLst/>
-            </a:prstGeom>
-            <a:grpFill/>
-            <a:ln>
-              <a:noFill/>
-            </a:ln>
-          </p:spPr>
-          <p:style>
-            <a:lnRef idx="2">
-              <a:schemeClr val="accent1">
-                <a:shade val="50000"/>
-              </a:schemeClr>
-            </a:lnRef>
-            <a:fillRef idx="1">
-              <a:schemeClr val="accent1"/>
-            </a:fillRef>
-            <a:effectRef idx="0">
-              <a:schemeClr val="accent1"/>
-            </a:effectRef>
-            <a:fontRef idx="minor">
-              <a:schemeClr val="lt1"/>
-            </a:fontRef>
-          </p:style>
-          <p:txBody>
-            <a:bodyPr rtlCol="0" anchor="ctr"/>
-            <a:lstStyle/>
-            <a:p>
-              <a:pPr algn="ctr"/>
-              <a:endParaRPr lang="es-AR"/>
-            </a:p>
-          </p:txBody>
-        </p:sp>
-        <p:sp>
-          <p:nvSpPr>
-            <p:cNvPr id="22" name="Rounded Rectangle 21"/>
-            <p:cNvSpPr/>
-            <p:nvPr/>
-          </p:nvSpPr>
-          <p:spPr>
-            <a:xfrm>
-              <a:off x="7086600" y="304800"/>
-              <a:ext cx="1752600" cy="1752600"/>
-            </a:xfrm>
-            <a:prstGeom prst="roundRect">
-              <a:avLst/>
-            </a:prstGeom>
-            <a:grpFill/>
-            <a:ln>
-              <a:noFill/>
-            </a:ln>
-          </p:spPr>
-          <p:style>
-            <a:lnRef idx="2">
-              <a:schemeClr val="accent1">
-                <a:shade val="50000"/>
-              </a:schemeClr>
-            </a:lnRef>
-            <a:fillRef idx="1">
-              <a:schemeClr val="accent1"/>
-            </a:fillRef>
-            <a:effectRef idx="0">
-              <a:schemeClr val="accent1"/>
-            </a:effectRef>
-            <a:fontRef idx="minor">
-              <a:schemeClr val="lt1"/>
-            </a:fontRef>
-          </p:style>
-          <p:txBody>
-            <a:bodyPr rtlCol="0" anchor="ctr"/>
-            <a:lstStyle/>
-            <a:p>
-              <a:pPr algn="ctr"/>
-              <a:endParaRPr lang="es-AR"/>
-            </a:p>
-          </p:txBody>
-        </p:sp>
-        <p:sp>
-          <p:nvSpPr>
-            <p:cNvPr id="21" name="Rounded Rectangle 20"/>
-            <p:cNvSpPr/>
-            <p:nvPr/>
-          </p:nvSpPr>
-          <p:spPr>
-            <a:xfrm>
-              <a:off x="304800" y="304800"/>
-              <a:ext cx="1752600" cy="1752600"/>
-            </a:xfrm>
-            <a:prstGeom prst="roundRect">
-              <a:avLst/>
-            </a:prstGeom>
-            <a:grpFill/>
-            <a:ln>
-              <a:noFill/>
-            </a:ln>
-          </p:spPr>
-          <p:style>
-            <a:lnRef idx="2">
-              <a:schemeClr val="accent1">
-                <a:shade val="50000"/>
-              </a:schemeClr>
-            </a:lnRef>
-            <a:fillRef idx="1">
-              <a:schemeClr val="accent1"/>
-            </a:fillRef>
-            <a:effectRef idx="0">
-              <a:schemeClr val="accent1"/>
-            </a:effectRef>
-            <a:fontRef idx="minor">
-              <a:schemeClr val="lt1"/>
-            </a:fontRef>
-          </p:style>
-          <p:txBody>
-            <a:bodyPr rtlCol="0" anchor="ctr"/>
-            <a:lstStyle/>
-            <a:p>
-              <a:pPr algn="ctr"/>
-              <a:endParaRPr lang="es-AR"/>
-            </a:p>
-          </p:txBody>
-        </p:sp>
-        <p:sp>
-          <p:nvSpPr>
-            <p:cNvPr id="17" name="Rounded Rectangle 16"/>
-            <p:cNvSpPr/>
-            <p:nvPr/>
-          </p:nvSpPr>
-          <p:spPr>
-            <a:xfrm>
-              <a:off x="304800" y="4800600"/>
-              <a:ext cx="1752600" cy="1752600"/>
-            </a:xfrm>
-            <a:prstGeom prst="roundRect">
-              <a:avLst/>
-            </a:prstGeom>
-            <a:grpFill/>
-            <a:ln>
-              <a:noFill/>
-            </a:ln>
-          </p:spPr>
-          <p:style>
-            <a:lnRef idx="2">
-              <a:schemeClr val="accent1">
-                <a:shade val="50000"/>
-              </a:schemeClr>
-            </a:lnRef>
-            <a:fillRef idx="1">
-              <a:schemeClr val="accent1"/>
-            </a:fillRef>
-            <a:effectRef idx="0">
-              <a:schemeClr val="accent1"/>
-            </a:effectRef>
-            <a:fontRef idx="minor">
-              <a:schemeClr val="lt1"/>
-            </a:fontRef>
-          </p:style>
-          <p:txBody>
-            <a:bodyPr rtlCol="0" anchor="ctr"/>
-            <a:lstStyle/>
-            <a:p>
-              <a:pPr algn="ctr"/>
-              <a:endParaRPr lang="es-AR"/>
-            </a:p>
-          </p:txBody>
-        </p:sp>
-        <p:sp>
-          <p:nvSpPr>
-            <p:cNvPr id="19" name="Rounded Rectangle 18"/>
-            <p:cNvSpPr/>
-            <p:nvPr/>
-          </p:nvSpPr>
-          <p:spPr>
-            <a:xfrm>
-              <a:off x="7086600" y="4800600"/>
-              <a:ext cx="1752600" cy="1752600"/>
-            </a:xfrm>
-            <a:prstGeom prst="roundRect">
-              <a:avLst/>
-            </a:prstGeom>
-            <a:grpFill/>
-            <a:ln>
-              <a:noFill/>
-            </a:ln>
-          </p:spPr>
-          <p:style>
-            <a:lnRef idx="2">
-              <a:schemeClr val="accent1">
-                <a:shade val="50000"/>
-              </a:schemeClr>
-            </a:lnRef>
-            <a:fillRef idx="1">
-              <a:schemeClr val="accent1"/>
-            </a:fillRef>
-            <a:effectRef idx="0">
-              <a:schemeClr val="accent1"/>
-            </a:effectRef>
-            <a:fontRef idx="minor">
-              <a:schemeClr val="lt1"/>
-            </a:fontRef>
-          </p:style>
-          <p:txBody>
-            <a:bodyPr rtlCol="0" anchor="ctr"/>
-            <a:lstStyle/>
-            <a:p>
-              <a:pPr algn="ctr"/>
-              <a:endParaRPr lang="es-AR"/>
-            </a:p>
-          </p:txBody>
-        </p:sp>
-      </p:grpSp>
-      <p:sp>
-        <p:nvSpPr>
-          <p:cNvPr id="40" name="Freeform 39"/>
-          <p:cNvSpPr/>
-          <p:nvPr/>
-        </p:nvSpPr>
-        <p:spPr>
-          <a:xfrm>
-            <a:off x="457200" y="457200"/>
-            <a:ext cx="8229600" cy="5803900"/>
-          </a:xfrm>
-          <a:custGeom>
-            <a:avLst/>
-            <a:gdLst>
-              <a:gd name="connsiteX0" fmla="*/ 0 w 8077200"/>
-              <a:gd name="connsiteY0" fmla="*/ 965219 h 5791200"/>
-              <a:gd name="connsiteX1" fmla="*/ 282707 w 8077200"/>
-              <a:gd name="connsiteY1" fmla="*/ 282706 h 5791200"/>
-              <a:gd name="connsiteX2" fmla="*/ 965221 w 8077200"/>
-              <a:gd name="connsiteY2" fmla="*/ 1 h 5791200"/>
-              <a:gd name="connsiteX3" fmla="*/ 7111981 w 8077200"/>
-              <a:gd name="connsiteY3" fmla="*/ 0 h 5791200"/>
-              <a:gd name="connsiteX4" fmla="*/ 7794494 w 8077200"/>
-              <a:gd name="connsiteY4" fmla="*/ 282707 h 5791200"/>
-              <a:gd name="connsiteX5" fmla="*/ 8077199 w 8077200"/>
-              <a:gd name="connsiteY5" fmla="*/ 965221 h 5791200"/>
-              <a:gd name="connsiteX6" fmla="*/ 8077200 w 8077200"/>
-              <a:gd name="connsiteY6" fmla="*/ 4825981 h 5791200"/>
-              <a:gd name="connsiteX7" fmla="*/ 7794494 w 8077200"/>
-              <a:gd name="connsiteY7" fmla="*/ 5508494 h 5791200"/>
-              <a:gd name="connsiteX8" fmla="*/ 7111981 w 8077200"/>
-              <a:gd name="connsiteY8" fmla="*/ 5791200 h 5791200"/>
-              <a:gd name="connsiteX9" fmla="*/ 965219 w 8077200"/>
-              <a:gd name="connsiteY9" fmla="*/ 5791200 h 5791200"/>
-              <a:gd name="connsiteX10" fmla="*/ 282706 w 8077200"/>
-              <a:gd name="connsiteY10" fmla="*/ 5508493 h 5791200"/>
-              <a:gd name="connsiteX11" fmla="*/ 0 w 8077200"/>
-              <a:gd name="connsiteY11" fmla="*/ 4825980 h 5791200"/>
-              <a:gd name="connsiteX12" fmla="*/ 0 w 8077200"/>
-              <a:gd name="connsiteY12" fmla="*/ 965219 h 5791200"/>
-              <a:gd name="connsiteX0" fmla="*/ 0 w 8077200"/>
-              <a:gd name="connsiteY0" fmla="*/ 609600 h 5791200"/>
-              <a:gd name="connsiteX1" fmla="*/ 282707 w 8077200"/>
-              <a:gd name="connsiteY1" fmla="*/ 282706 h 5791200"/>
-              <a:gd name="connsiteX2" fmla="*/ 965221 w 8077200"/>
-              <a:gd name="connsiteY2" fmla="*/ 1 h 5791200"/>
-              <a:gd name="connsiteX3" fmla="*/ 7111981 w 8077200"/>
-              <a:gd name="connsiteY3" fmla="*/ 0 h 5791200"/>
-              <a:gd name="connsiteX4" fmla="*/ 7794494 w 8077200"/>
-              <a:gd name="connsiteY4" fmla="*/ 282707 h 5791200"/>
-              <a:gd name="connsiteX5" fmla="*/ 8077199 w 8077200"/>
-              <a:gd name="connsiteY5" fmla="*/ 965221 h 5791200"/>
-              <a:gd name="connsiteX6" fmla="*/ 8077200 w 8077200"/>
-              <a:gd name="connsiteY6" fmla="*/ 4825981 h 5791200"/>
-              <a:gd name="connsiteX7" fmla="*/ 7794494 w 8077200"/>
-              <a:gd name="connsiteY7" fmla="*/ 5508494 h 5791200"/>
-              <a:gd name="connsiteX8" fmla="*/ 7111981 w 8077200"/>
-              <a:gd name="connsiteY8" fmla="*/ 5791200 h 5791200"/>
-              <a:gd name="connsiteX9" fmla="*/ 965219 w 8077200"/>
-              <a:gd name="connsiteY9" fmla="*/ 5791200 h 5791200"/>
-              <a:gd name="connsiteX10" fmla="*/ 282706 w 8077200"/>
-              <a:gd name="connsiteY10" fmla="*/ 5508493 h 5791200"/>
-              <a:gd name="connsiteX11" fmla="*/ 0 w 8077200"/>
-              <a:gd name="connsiteY11" fmla="*/ 4825980 h 5791200"/>
-              <a:gd name="connsiteX12" fmla="*/ 0 w 8077200"/>
-              <a:gd name="connsiteY12" fmla="*/ 609600 h 5791200"/>
-              <a:gd name="connsiteX0" fmla="*/ 0 w 8077200"/>
-              <a:gd name="connsiteY0" fmla="*/ 609601 h 5791201"/>
-              <a:gd name="connsiteX1" fmla="*/ 282707 w 8077200"/>
-              <a:gd name="connsiteY1" fmla="*/ 282707 h 5791201"/>
-              <a:gd name="connsiteX2" fmla="*/ 609600 w 8077200"/>
-              <a:gd name="connsiteY2" fmla="*/ 1 h 5791201"/>
-              <a:gd name="connsiteX3" fmla="*/ 7111981 w 8077200"/>
-              <a:gd name="connsiteY3" fmla="*/ 1 h 5791201"/>
-              <a:gd name="connsiteX4" fmla="*/ 7794494 w 8077200"/>
-              <a:gd name="connsiteY4" fmla="*/ 282708 h 5791201"/>
-              <a:gd name="connsiteX5" fmla="*/ 8077199 w 8077200"/>
-              <a:gd name="connsiteY5" fmla="*/ 965222 h 5791201"/>
-              <a:gd name="connsiteX6" fmla="*/ 8077200 w 8077200"/>
-              <a:gd name="connsiteY6" fmla="*/ 4825982 h 5791201"/>
-              <a:gd name="connsiteX7" fmla="*/ 7794494 w 8077200"/>
-              <a:gd name="connsiteY7" fmla="*/ 5508495 h 5791201"/>
-              <a:gd name="connsiteX8" fmla="*/ 7111981 w 8077200"/>
-              <a:gd name="connsiteY8" fmla="*/ 5791201 h 5791201"/>
-              <a:gd name="connsiteX9" fmla="*/ 965219 w 8077200"/>
-              <a:gd name="connsiteY9" fmla="*/ 5791201 h 5791201"/>
-              <a:gd name="connsiteX10" fmla="*/ 282706 w 8077200"/>
-              <a:gd name="connsiteY10" fmla="*/ 5508494 h 5791201"/>
-              <a:gd name="connsiteX11" fmla="*/ 0 w 8077200"/>
-              <a:gd name="connsiteY11" fmla="*/ 4825981 h 5791201"/>
-              <a:gd name="connsiteX12" fmla="*/ 0 w 8077200"/>
-              <a:gd name="connsiteY12" fmla="*/ 609601 h 5791201"/>
-              <a:gd name="connsiteX0" fmla="*/ 0 w 8077200"/>
-              <a:gd name="connsiteY0" fmla="*/ 609601 h 5791201"/>
-              <a:gd name="connsiteX1" fmla="*/ 152400 w 8077200"/>
-              <a:gd name="connsiteY1" fmla="*/ 152402 h 5791201"/>
-              <a:gd name="connsiteX2" fmla="*/ 609600 w 8077200"/>
-              <a:gd name="connsiteY2" fmla="*/ 1 h 5791201"/>
-              <a:gd name="connsiteX3" fmla="*/ 7111981 w 8077200"/>
-              <a:gd name="connsiteY3" fmla="*/ 1 h 5791201"/>
-              <a:gd name="connsiteX4" fmla="*/ 7794494 w 8077200"/>
-              <a:gd name="connsiteY4" fmla="*/ 282708 h 5791201"/>
-              <a:gd name="connsiteX5" fmla="*/ 8077199 w 8077200"/>
-              <a:gd name="connsiteY5" fmla="*/ 965222 h 5791201"/>
-              <a:gd name="connsiteX6" fmla="*/ 8077200 w 8077200"/>
-              <a:gd name="connsiteY6" fmla="*/ 4825982 h 5791201"/>
-              <a:gd name="connsiteX7" fmla="*/ 7794494 w 8077200"/>
-              <a:gd name="connsiteY7" fmla="*/ 5508495 h 5791201"/>
-              <a:gd name="connsiteX8" fmla="*/ 7111981 w 8077200"/>
-              <a:gd name="connsiteY8" fmla="*/ 5791201 h 5791201"/>
-              <a:gd name="connsiteX9" fmla="*/ 965219 w 8077200"/>
-              <a:gd name="connsiteY9" fmla="*/ 5791201 h 5791201"/>
-              <a:gd name="connsiteX10" fmla="*/ 282706 w 8077200"/>
-              <a:gd name="connsiteY10" fmla="*/ 5508494 h 5791201"/>
-              <a:gd name="connsiteX11" fmla="*/ 0 w 8077200"/>
-              <a:gd name="connsiteY11" fmla="*/ 4825981 h 5791201"/>
-              <a:gd name="connsiteX12" fmla="*/ 0 w 8077200"/>
-              <a:gd name="connsiteY12" fmla="*/ 609601 h 5791201"/>
-              <a:gd name="connsiteX0" fmla="*/ 0 w 8077200"/>
-              <a:gd name="connsiteY0" fmla="*/ 609600 h 5791200"/>
-              <a:gd name="connsiteX1" fmla="*/ 152400 w 8077200"/>
-              <a:gd name="connsiteY1" fmla="*/ 152401 h 5791200"/>
-              <a:gd name="connsiteX2" fmla="*/ 533400 w 8077200"/>
-              <a:gd name="connsiteY2" fmla="*/ 1 h 5791200"/>
-              <a:gd name="connsiteX3" fmla="*/ 7111981 w 8077200"/>
-              <a:gd name="connsiteY3" fmla="*/ 0 h 5791200"/>
-              <a:gd name="connsiteX4" fmla="*/ 7794494 w 8077200"/>
-              <a:gd name="connsiteY4" fmla="*/ 282707 h 5791200"/>
-              <a:gd name="connsiteX5" fmla="*/ 8077199 w 8077200"/>
-              <a:gd name="connsiteY5" fmla="*/ 965221 h 5791200"/>
-              <a:gd name="connsiteX6" fmla="*/ 8077200 w 8077200"/>
-              <a:gd name="connsiteY6" fmla="*/ 4825981 h 5791200"/>
-              <a:gd name="connsiteX7" fmla="*/ 7794494 w 8077200"/>
-              <a:gd name="connsiteY7" fmla="*/ 5508494 h 5791200"/>
-              <a:gd name="connsiteX8" fmla="*/ 7111981 w 8077200"/>
-              <a:gd name="connsiteY8" fmla="*/ 5791200 h 5791200"/>
-              <a:gd name="connsiteX9" fmla="*/ 965219 w 8077200"/>
-              <a:gd name="connsiteY9" fmla="*/ 5791200 h 5791200"/>
-              <a:gd name="connsiteX10" fmla="*/ 282706 w 8077200"/>
-              <a:gd name="connsiteY10" fmla="*/ 5508493 h 5791200"/>
-              <a:gd name="connsiteX11" fmla="*/ 0 w 8077200"/>
-              <a:gd name="connsiteY11" fmla="*/ 4825980 h 5791200"/>
-              <a:gd name="connsiteX12" fmla="*/ 0 w 8077200"/>
-              <a:gd name="connsiteY12" fmla="*/ 609600 h 5791200"/>
-              <a:gd name="connsiteX0" fmla="*/ 0 w 8077200"/>
-              <a:gd name="connsiteY0" fmla="*/ 533400 h 5791200"/>
-              <a:gd name="connsiteX1" fmla="*/ 152400 w 8077200"/>
-              <a:gd name="connsiteY1" fmla="*/ 152401 h 5791200"/>
-              <a:gd name="connsiteX2" fmla="*/ 533400 w 8077200"/>
-              <a:gd name="connsiteY2" fmla="*/ 1 h 5791200"/>
-              <a:gd name="connsiteX3" fmla="*/ 7111981 w 8077200"/>
-              <a:gd name="connsiteY3" fmla="*/ 0 h 5791200"/>
-              <a:gd name="connsiteX4" fmla="*/ 7794494 w 8077200"/>
-              <a:gd name="connsiteY4" fmla="*/ 282707 h 5791200"/>
-              <a:gd name="connsiteX5" fmla="*/ 8077199 w 8077200"/>
-              <a:gd name="connsiteY5" fmla="*/ 965221 h 5791200"/>
-              <a:gd name="connsiteX6" fmla="*/ 8077200 w 8077200"/>
-              <a:gd name="connsiteY6" fmla="*/ 4825981 h 5791200"/>
-              <a:gd name="connsiteX7" fmla="*/ 7794494 w 8077200"/>
-              <a:gd name="connsiteY7" fmla="*/ 5508494 h 5791200"/>
-              <a:gd name="connsiteX8" fmla="*/ 7111981 w 8077200"/>
-              <a:gd name="connsiteY8" fmla="*/ 5791200 h 5791200"/>
-              <a:gd name="connsiteX9" fmla="*/ 965219 w 8077200"/>
-              <a:gd name="connsiteY9" fmla="*/ 5791200 h 5791200"/>
-              <a:gd name="connsiteX10" fmla="*/ 282706 w 8077200"/>
-              <a:gd name="connsiteY10" fmla="*/ 5508493 h 5791200"/>
-              <a:gd name="connsiteX11" fmla="*/ 0 w 8077200"/>
-              <a:gd name="connsiteY11" fmla="*/ 4825980 h 5791200"/>
-              <a:gd name="connsiteX12" fmla="*/ 0 w 8077200"/>
-              <a:gd name="connsiteY12" fmla="*/ 533400 h 5791200"/>
-              <a:gd name="connsiteX0" fmla="*/ 12700 w 8089900"/>
-              <a:gd name="connsiteY0" fmla="*/ 546100 h 5803900"/>
-              <a:gd name="connsiteX1" fmla="*/ 88900 w 8089900"/>
-              <a:gd name="connsiteY1" fmla="*/ 88900 h 5803900"/>
-              <a:gd name="connsiteX2" fmla="*/ 546100 w 8089900"/>
-              <a:gd name="connsiteY2" fmla="*/ 12701 h 5803900"/>
-              <a:gd name="connsiteX3" fmla="*/ 7124681 w 8089900"/>
-              <a:gd name="connsiteY3" fmla="*/ 12700 h 5803900"/>
-              <a:gd name="connsiteX4" fmla="*/ 7807194 w 8089900"/>
-              <a:gd name="connsiteY4" fmla="*/ 295407 h 5803900"/>
-              <a:gd name="connsiteX5" fmla="*/ 8089899 w 8089900"/>
-              <a:gd name="connsiteY5" fmla="*/ 977921 h 5803900"/>
-              <a:gd name="connsiteX6" fmla="*/ 8089900 w 8089900"/>
-              <a:gd name="connsiteY6" fmla="*/ 4838681 h 5803900"/>
-              <a:gd name="connsiteX7" fmla="*/ 7807194 w 8089900"/>
-              <a:gd name="connsiteY7" fmla="*/ 5521194 h 5803900"/>
-              <a:gd name="connsiteX8" fmla="*/ 7124681 w 8089900"/>
-              <a:gd name="connsiteY8" fmla="*/ 5803900 h 5803900"/>
-              <a:gd name="connsiteX9" fmla="*/ 977919 w 8089900"/>
-              <a:gd name="connsiteY9" fmla="*/ 5803900 h 5803900"/>
-              <a:gd name="connsiteX10" fmla="*/ 295406 w 8089900"/>
-              <a:gd name="connsiteY10" fmla="*/ 5521193 h 5803900"/>
-              <a:gd name="connsiteX11" fmla="*/ 12700 w 8089900"/>
-              <a:gd name="connsiteY11" fmla="*/ 4838680 h 5803900"/>
-              <a:gd name="connsiteX12" fmla="*/ 12700 w 8089900"/>
-              <a:gd name="connsiteY12" fmla="*/ 546100 h 5803900"/>
-              <a:gd name="connsiteX0" fmla="*/ 12700 w 8089900"/>
-              <a:gd name="connsiteY0" fmla="*/ 546100 h 5803900"/>
-              <a:gd name="connsiteX1" fmla="*/ 88900 w 8089900"/>
-              <a:gd name="connsiteY1" fmla="*/ 88900 h 5803900"/>
-              <a:gd name="connsiteX2" fmla="*/ 546100 w 8089900"/>
-              <a:gd name="connsiteY2" fmla="*/ 12701 h 5803900"/>
-              <a:gd name="connsiteX3" fmla="*/ 7124681 w 8089900"/>
-              <a:gd name="connsiteY3" fmla="*/ 12700 h 5803900"/>
-              <a:gd name="connsiteX4" fmla="*/ 7807194 w 8089900"/>
-              <a:gd name="connsiteY4" fmla="*/ 295407 h 5803900"/>
-              <a:gd name="connsiteX5" fmla="*/ 8089899 w 8089900"/>
-              <a:gd name="connsiteY5" fmla="*/ 977921 h 5803900"/>
-              <a:gd name="connsiteX6" fmla="*/ 8089900 w 8089900"/>
-              <a:gd name="connsiteY6" fmla="*/ 4838681 h 5803900"/>
-              <a:gd name="connsiteX7" fmla="*/ 7807194 w 8089900"/>
-              <a:gd name="connsiteY7" fmla="*/ 5521194 h 5803900"/>
-              <a:gd name="connsiteX8" fmla="*/ 7124681 w 8089900"/>
-              <a:gd name="connsiteY8" fmla="*/ 5803900 h 5803900"/>
-              <a:gd name="connsiteX9" fmla="*/ 977919 w 8089900"/>
-              <a:gd name="connsiteY9" fmla="*/ 5803900 h 5803900"/>
-              <a:gd name="connsiteX10" fmla="*/ 295406 w 8089900"/>
-              <a:gd name="connsiteY10" fmla="*/ 5521193 h 5803900"/>
-              <a:gd name="connsiteX11" fmla="*/ 12700 w 8089900"/>
-              <a:gd name="connsiteY11" fmla="*/ 5346700 h 5803900"/>
-              <a:gd name="connsiteX12" fmla="*/ 12700 w 8089900"/>
-              <a:gd name="connsiteY12" fmla="*/ 546100 h 5803900"/>
-              <a:gd name="connsiteX0" fmla="*/ 12700 w 8089900"/>
-              <a:gd name="connsiteY0" fmla="*/ 546100 h 5803900"/>
-              <a:gd name="connsiteX1" fmla="*/ 88900 w 8089900"/>
-              <a:gd name="connsiteY1" fmla="*/ 88900 h 5803900"/>
-              <a:gd name="connsiteX2" fmla="*/ 546100 w 8089900"/>
-              <a:gd name="connsiteY2" fmla="*/ 12701 h 5803900"/>
-              <a:gd name="connsiteX3" fmla="*/ 7124681 w 8089900"/>
-              <a:gd name="connsiteY3" fmla="*/ 12700 h 5803900"/>
-              <a:gd name="connsiteX4" fmla="*/ 7807194 w 8089900"/>
-              <a:gd name="connsiteY4" fmla="*/ 295407 h 5803900"/>
-              <a:gd name="connsiteX5" fmla="*/ 8089899 w 8089900"/>
-              <a:gd name="connsiteY5" fmla="*/ 977921 h 5803900"/>
-              <a:gd name="connsiteX6" fmla="*/ 8089900 w 8089900"/>
-              <a:gd name="connsiteY6" fmla="*/ 4838681 h 5803900"/>
-              <a:gd name="connsiteX7" fmla="*/ 7807194 w 8089900"/>
-              <a:gd name="connsiteY7" fmla="*/ 5521194 h 5803900"/>
-              <a:gd name="connsiteX8" fmla="*/ 7124681 w 8089900"/>
-              <a:gd name="connsiteY8" fmla="*/ 5803900 h 5803900"/>
-              <a:gd name="connsiteX9" fmla="*/ 546100 w 8089900"/>
-              <a:gd name="connsiteY9" fmla="*/ 5803900 h 5803900"/>
-              <a:gd name="connsiteX10" fmla="*/ 295406 w 8089900"/>
-              <a:gd name="connsiteY10" fmla="*/ 5521193 h 5803900"/>
-              <a:gd name="connsiteX11" fmla="*/ 12700 w 8089900"/>
-              <a:gd name="connsiteY11" fmla="*/ 5346700 h 5803900"/>
-              <a:gd name="connsiteX12" fmla="*/ 12700 w 8089900"/>
-              <a:gd name="connsiteY12" fmla="*/ 546100 h 5803900"/>
-              <a:gd name="connsiteX0" fmla="*/ 12700 w 8089900"/>
-              <a:gd name="connsiteY0" fmla="*/ 546100 h 5803900"/>
-              <a:gd name="connsiteX1" fmla="*/ 88900 w 8089900"/>
-              <a:gd name="connsiteY1" fmla="*/ 88900 h 5803900"/>
-              <a:gd name="connsiteX2" fmla="*/ 546100 w 8089900"/>
-              <a:gd name="connsiteY2" fmla="*/ 12701 h 5803900"/>
-              <a:gd name="connsiteX3" fmla="*/ 7124681 w 8089900"/>
-              <a:gd name="connsiteY3" fmla="*/ 12700 h 5803900"/>
-              <a:gd name="connsiteX4" fmla="*/ 7807194 w 8089900"/>
-              <a:gd name="connsiteY4" fmla="*/ 295407 h 5803900"/>
-              <a:gd name="connsiteX5" fmla="*/ 8089899 w 8089900"/>
-              <a:gd name="connsiteY5" fmla="*/ 977921 h 5803900"/>
-              <a:gd name="connsiteX6" fmla="*/ 8089900 w 8089900"/>
-              <a:gd name="connsiteY6" fmla="*/ 4838681 h 5803900"/>
-              <a:gd name="connsiteX7" fmla="*/ 7807194 w 8089900"/>
-              <a:gd name="connsiteY7" fmla="*/ 5521194 h 5803900"/>
-              <a:gd name="connsiteX8" fmla="*/ 7124681 w 8089900"/>
-              <a:gd name="connsiteY8" fmla="*/ 5803900 h 5803900"/>
-              <a:gd name="connsiteX9" fmla="*/ 546100 w 8089900"/>
-              <a:gd name="connsiteY9" fmla="*/ 5803900 h 5803900"/>
-              <a:gd name="connsiteX10" fmla="*/ 88900 w 8089900"/>
-              <a:gd name="connsiteY10" fmla="*/ 5727700 h 5803900"/>
-              <a:gd name="connsiteX11" fmla="*/ 12700 w 8089900"/>
-              <a:gd name="connsiteY11" fmla="*/ 5346700 h 5803900"/>
-              <a:gd name="connsiteX12" fmla="*/ 12700 w 8089900"/>
-              <a:gd name="connsiteY12" fmla="*/ 546100 h 5803900"/>
-              <a:gd name="connsiteX0" fmla="*/ 12700 w 8089900"/>
-              <a:gd name="connsiteY0" fmla="*/ 546100 h 5803900"/>
-              <a:gd name="connsiteX1" fmla="*/ 88900 w 8089900"/>
-              <a:gd name="connsiteY1" fmla="*/ 88900 h 5803900"/>
-              <a:gd name="connsiteX2" fmla="*/ 546100 w 8089900"/>
-              <a:gd name="connsiteY2" fmla="*/ 12701 h 5803900"/>
-              <a:gd name="connsiteX3" fmla="*/ 7556500 w 8089900"/>
-              <a:gd name="connsiteY3" fmla="*/ 12700 h 5803900"/>
-              <a:gd name="connsiteX4" fmla="*/ 7807194 w 8089900"/>
-              <a:gd name="connsiteY4" fmla="*/ 295407 h 5803900"/>
-              <a:gd name="connsiteX5" fmla="*/ 8089899 w 8089900"/>
-              <a:gd name="connsiteY5" fmla="*/ 977921 h 5803900"/>
-              <a:gd name="connsiteX6" fmla="*/ 8089900 w 8089900"/>
-              <a:gd name="connsiteY6" fmla="*/ 4838681 h 5803900"/>
-              <a:gd name="connsiteX7" fmla="*/ 7807194 w 8089900"/>
-              <a:gd name="connsiteY7" fmla="*/ 5521194 h 5803900"/>
-              <a:gd name="connsiteX8" fmla="*/ 7124681 w 8089900"/>
-              <a:gd name="connsiteY8" fmla="*/ 5803900 h 5803900"/>
-              <a:gd name="connsiteX9" fmla="*/ 546100 w 8089900"/>
-              <a:gd name="connsiteY9" fmla="*/ 5803900 h 5803900"/>
-              <a:gd name="connsiteX10" fmla="*/ 88900 w 8089900"/>
-              <a:gd name="connsiteY10" fmla="*/ 5727700 h 5803900"/>
-              <a:gd name="connsiteX11" fmla="*/ 12700 w 8089900"/>
-              <a:gd name="connsiteY11" fmla="*/ 5346700 h 5803900"/>
-              <a:gd name="connsiteX12" fmla="*/ 12700 w 8089900"/>
-              <a:gd name="connsiteY12" fmla="*/ 546100 h 5803900"/>
-              <a:gd name="connsiteX0" fmla="*/ 12700 w 8089901"/>
-              <a:gd name="connsiteY0" fmla="*/ 546100 h 5803900"/>
-              <a:gd name="connsiteX1" fmla="*/ 88900 w 8089901"/>
-              <a:gd name="connsiteY1" fmla="*/ 88900 h 5803900"/>
-              <a:gd name="connsiteX2" fmla="*/ 546100 w 8089901"/>
-              <a:gd name="connsiteY2" fmla="*/ 12701 h 5803900"/>
-              <a:gd name="connsiteX3" fmla="*/ 7556500 w 8089901"/>
-              <a:gd name="connsiteY3" fmla="*/ 12700 h 5803900"/>
-              <a:gd name="connsiteX4" fmla="*/ 7807194 w 8089901"/>
-              <a:gd name="connsiteY4" fmla="*/ 295407 h 5803900"/>
-              <a:gd name="connsiteX5" fmla="*/ 8089900 w 8089901"/>
-              <a:gd name="connsiteY5" fmla="*/ 469900 h 5803900"/>
-              <a:gd name="connsiteX6" fmla="*/ 8089900 w 8089901"/>
-              <a:gd name="connsiteY6" fmla="*/ 4838681 h 5803900"/>
-              <a:gd name="connsiteX7" fmla="*/ 7807194 w 8089901"/>
-              <a:gd name="connsiteY7" fmla="*/ 5521194 h 5803900"/>
-              <a:gd name="connsiteX8" fmla="*/ 7124681 w 8089901"/>
-              <a:gd name="connsiteY8" fmla="*/ 5803900 h 5803900"/>
-              <a:gd name="connsiteX9" fmla="*/ 546100 w 8089901"/>
-              <a:gd name="connsiteY9" fmla="*/ 5803900 h 5803900"/>
-              <a:gd name="connsiteX10" fmla="*/ 88900 w 8089901"/>
-              <a:gd name="connsiteY10" fmla="*/ 5727700 h 5803900"/>
-              <a:gd name="connsiteX11" fmla="*/ 12700 w 8089901"/>
-              <a:gd name="connsiteY11" fmla="*/ 5346700 h 5803900"/>
-              <a:gd name="connsiteX12" fmla="*/ 12700 w 8089901"/>
-              <a:gd name="connsiteY12" fmla="*/ 546100 h 5803900"/>
-              <a:gd name="connsiteX0" fmla="*/ 12700 w 8102600"/>
-              <a:gd name="connsiteY0" fmla="*/ 546100 h 5803900"/>
-              <a:gd name="connsiteX1" fmla="*/ 88900 w 8102600"/>
-              <a:gd name="connsiteY1" fmla="*/ 88900 h 5803900"/>
-              <a:gd name="connsiteX2" fmla="*/ 546100 w 8102600"/>
-              <a:gd name="connsiteY2" fmla="*/ 12701 h 5803900"/>
-              <a:gd name="connsiteX3" fmla="*/ 7556500 w 8102600"/>
-              <a:gd name="connsiteY3" fmla="*/ 12700 h 5803900"/>
-              <a:gd name="connsiteX4" fmla="*/ 8013700 w 8102600"/>
-              <a:gd name="connsiteY4" fmla="*/ 88900 h 5803900"/>
-              <a:gd name="connsiteX5" fmla="*/ 8089900 w 8102600"/>
-              <a:gd name="connsiteY5" fmla="*/ 469900 h 5803900"/>
-              <a:gd name="connsiteX6" fmla="*/ 8089900 w 8102600"/>
-              <a:gd name="connsiteY6" fmla="*/ 4838681 h 5803900"/>
-              <a:gd name="connsiteX7" fmla="*/ 7807194 w 8102600"/>
-              <a:gd name="connsiteY7" fmla="*/ 5521194 h 5803900"/>
-              <a:gd name="connsiteX8" fmla="*/ 7124681 w 8102600"/>
-              <a:gd name="connsiteY8" fmla="*/ 5803900 h 5803900"/>
-              <a:gd name="connsiteX9" fmla="*/ 546100 w 8102600"/>
-              <a:gd name="connsiteY9" fmla="*/ 5803900 h 5803900"/>
-              <a:gd name="connsiteX10" fmla="*/ 88900 w 8102600"/>
-              <a:gd name="connsiteY10" fmla="*/ 5727700 h 5803900"/>
-              <a:gd name="connsiteX11" fmla="*/ 12700 w 8102600"/>
-              <a:gd name="connsiteY11" fmla="*/ 5346700 h 5803900"/>
-              <a:gd name="connsiteX12" fmla="*/ 12700 w 8102600"/>
-              <a:gd name="connsiteY12" fmla="*/ 546100 h 5803900"/>
-              <a:gd name="connsiteX0" fmla="*/ 12700 w 8102600"/>
-              <a:gd name="connsiteY0" fmla="*/ 546100 h 5803900"/>
-              <a:gd name="connsiteX1" fmla="*/ 88900 w 8102600"/>
-              <a:gd name="connsiteY1" fmla="*/ 88900 h 5803900"/>
-              <a:gd name="connsiteX2" fmla="*/ 546100 w 8102600"/>
-              <a:gd name="connsiteY2" fmla="*/ 12701 h 5803900"/>
-              <a:gd name="connsiteX3" fmla="*/ 7556500 w 8102600"/>
-              <a:gd name="connsiteY3" fmla="*/ 12700 h 5803900"/>
-              <a:gd name="connsiteX4" fmla="*/ 8013700 w 8102600"/>
-              <a:gd name="connsiteY4" fmla="*/ 88900 h 5803900"/>
-              <a:gd name="connsiteX5" fmla="*/ 8089899 w 8102600"/>
-              <a:gd name="connsiteY5" fmla="*/ 469900 h 5803900"/>
-              <a:gd name="connsiteX6" fmla="*/ 8089900 w 8102600"/>
-              <a:gd name="connsiteY6" fmla="*/ 4838681 h 5803900"/>
-              <a:gd name="connsiteX7" fmla="*/ 7807194 w 8102600"/>
-              <a:gd name="connsiteY7" fmla="*/ 5521194 h 5803900"/>
-              <a:gd name="connsiteX8" fmla="*/ 7124681 w 8102600"/>
-              <a:gd name="connsiteY8" fmla="*/ 5803900 h 5803900"/>
-              <a:gd name="connsiteX9" fmla="*/ 546100 w 8102600"/>
-              <a:gd name="connsiteY9" fmla="*/ 5803900 h 5803900"/>
-              <a:gd name="connsiteX10" fmla="*/ 88900 w 8102600"/>
-              <a:gd name="connsiteY10" fmla="*/ 5727700 h 5803900"/>
-              <a:gd name="connsiteX11" fmla="*/ 12700 w 8102600"/>
-              <a:gd name="connsiteY11" fmla="*/ 5346700 h 5803900"/>
-              <a:gd name="connsiteX12" fmla="*/ 12700 w 8102600"/>
-              <a:gd name="connsiteY12" fmla="*/ 546100 h 5803900"/>
-              <a:gd name="connsiteX0" fmla="*/ 12700 w 8102599"/>
-              <a:gd name="connsiteY0" fmla="*/ 546100 h 5803900"/>
-              <a:gd name="connsiteX1" fmla="*/ 88900 w 8102599"/>
-              <a:gd name="connsiteY1" fmla="*/ 88900 h 5803900"/>
-              <a:gd name="connsiteX2" fmla="*/ 546100 w 8102599"/>
-              <a:gd name="connsiteY2" fmla="*/ 12701 h 5803900"/>
-              <a:gd name="connsiteX3" fmla="*/ 7556500 w 8102599"/>
-              <a:gd name="connsiteY3" fmla="*/ 12700 h 5803900"/>
-              <a:gd name="connsiteX4" fmla="*/ 8013699 w 8102599"/>
-              <a:gd name="connsiteY4" fmla="*/ 88900 h 5803900"/>
-              <a:gd name="connsiteX5" fmla="*/ 8089899 w 8102599"/>
-              <a:gd name="connsiteY5" fmla="*/ 469900 h 5803900"/>
-              <a:gd name="connsiteX6" fmla="*/ 8089900 w 8102599"/>
-              <a:gd name="connsiteY6" fmla="*/ 4838681 h 5803900"/>
-              <a:gd name="connsiteX7" fmla="*/ 7807194 w 8102599"/>
-              <a:gd name="connsiteY7" fmla="*/ 5521194 h 5803900"/>
-              <a:gd name="connsiteX8" fmla="*/ 7124681 w 8102599"/>
-              <a:gd name="connsiteY8" fmla="*/ 5803900 h 5803900"/>
-              <a:gd name="connsiteX9" fmla="*/ 546100 w 8102599"/>
-              <a:gd name="connsiteY9" fmla="*/ 5803900 h 5803900"/>
-              <a:gd name="connsiteX10" fmla="*/ 88900 w 8102599"/>
-              <a:gd name="connsiteY10" fmla="*/ 5727700 h 5803900"/>
-              <a:gd name="connsiteX11" fmla="*/ 12700 w 8102599"/>
-              <a:gd name="connsiteY11" fmla="*/ 5346700 h 5803900"/>
-              <a:gd name="connsiteX12" fmla="*/ 12700 w 8102599"/>
-              <a:gd name="connsiteY12" fmla="*/ 546100 h 5803900"/>
-              <a:gd name="connsiteX0" fmla="*/ 12700 w 8102599"/>
-              <a:gd name="connsiteY0" fmla="*/ 546100 h 5803900"/>
-              <a:gd name="connsiteX1" fmla="*/ 88900 w 8102599"/>
-              <a:gd name="connsiteY1" fmla="*/ 88900 h 5803900"/>
-              <a:gd name="connsiteX2" fmla="*/ 546100 w 8102599"/>
-              <a:gd name="connsiteY2" fmla="*/ 12701 h 5803900"/>
-              <a:gd name="connsiteX3" fmla="*/ 7556500 w 8102599"/>
-              <a:gd name="connsiteY3" fmla="*/ 12700 h 5803900"/>
-              <a:gd name="connsiteX4" fmla="*/ 8013699 w 8102599"/>
-              <a:gd name="connsiteY4" fmla="*/ 88900 h 5803900"/>
-              <a:gd name="connsiteX5" fmla="*/ 8089899 w 8102599"/>
-              <a:gd name="connsiteY5" fmla="*/ 469900 h 5803900"/>
-              <a:gd name="connsiteX6" fmla="*/ 8089900 w 8102599"/>
-              <a:gd name="connsiteY6" fmla="*/ 5346700 h 5803900"/>
-              <a:gd name="connsiteX7" fmla="*/ 7807194 w 8102599"/>
-              <a:gd name="connsiteY7" fmla="*/ 5521194 h 5803900"/>
-              <a:gd name="connsiteX8" fmla="*/ 7124681 w 8102599"/>
-              <a:gd name="connsiteY8" fmla="*/ 5803900 h 5803900"/>
-              <a:gd name="connsiteX9" fmla="*/ 546100 w 8102599"/>
-              <a:gd name="connsiteY9" fmla="*/ 5803900 h 5803900"/>
-              <a:gd name="connsiteX10" fmla="*/ 88900 w 8102599"/>
-              <a:gd name="connsiteY10" fmla="*/ 5727700 h 5803900"/>
-              <a:gd name="connsiteX11" fmla="*/ 12700 w 8102599"/>
-              <a:gd name="connsiteY11" fmla="*/ 5346700 h 5803900"/>
-              <a:gd name="connsiteX12" fmla="*/ 12700 w 8102599"/>
-              <a:gd name="connsiteY12" fmla="*/ 546100 h 5803900"/>
-              <a:gd name="connsiteX0" fmla="*/ 12700 w 8102599"/>
-              <a:gd name="connsiteY0" fmla="*/ 546100 h 5803900"/>
-              <a:gd name="connsiteX1" fmla="*/ 88900 w 8102599"/>
-              <a:gd name="connsiteY1" fmla="*/ 88900 h 5803900"/>
-              <a:gd name="connsiteX2" fmla="*/ 546100 w 8102599"/>
-              <a:gd name="connsiteY2" fmla="*/ 12701 h 5803900"/>
-              <a:gd name="connsiteX3" fmla="*/ 7556500 w 8102599"/>
-              <a:gd name="connsiteY3" fmla="*/ 12700 h 5803900"/>
-              <a:gd name="connsiteX4" fmla="*/ 8013699 w 8102599"/>
-              <a:gd name="connsiteY4" fmla="*/ 88900 h 5803900"/>
-              <a:gd name="connsiteX5" fmla="*/ 8089899 w 8102599"/>
-              <a:gd name="connsiteY5" fmla="*/ 469900 h 5803900"/>
-              <a:gd name="connsiteX6" fmla="*/ 8089900 w 8102599"/>
-              <a:gd name="connsiteY6" fmla="*/ 5346700 h 5803900"/>
-              <a:gd name="connsiteX7" fmla="*/ 7807194 w 8102599"/>
-              <a:gd name="connsiteY7" fmla="*/ 5521194 h 5803900"/>
-              <a:gd name="connsiteX8" fmla="*/ 7632700 w 8102599"/>
-              <a:gd name="connsiteY8" fmla="*/ 5803900 h 5803900"/>
-              <a:gd name="connsiteX9" fmla="*/ 546100 w 8102599"/>
-              <a:gd name="connsiteY9" fmla="*/ 5803900 h 5803900"/>
-              <a:gd name="connsiteX10" fmla="*/ 88900 w 8102599"/>
-              <a:gd name="connsiteY10" fmla="*/ 5727700 h 5803900"/>
-              <a:gd name="connsiteX11" fmla="*/ 12700 w 8102599"/>
-              <a:gd name="connsiteY11" fmla="*/ 5346700 h 5803900"/>
-              <a:gd name="connsiteX12" fmla="*/ 12700 w 8102599"/>
-              <a:gd name="connsiteY12" fmla="*/ 546100 h 5803900"/>
-              <a:gd name="connsiteX0" fmla="*/ 12700 w 8102599"/>
-              <a:gd name="connsiteY0" fmla="*/ 546100 h 5803900"/>
-              <a:gd name="connsiteX1" fmla="*/ 88900 w 8102599"/>
-              <a:gd name="connsiteY1" fmla="*/ 88900 h 5803900"/>
-              <a:gd name="connsiteX2" fmla="*/ 546100 w 8102599"/>
-              <a:gd name="connsiteY2" fmla="*/ 12701 h 5803900"/>
-              <a:gd name="connsiteX3" fmla="*/ 7556500 w 8102599"/>
-              <a:gd name="connsiteY3" fmla="*/ 12700 h 5803900"/>
-              <a:gd name="connsiteX4" fmla="*/ 8013699 w 8102599"/>
-              <a:gd name="connsiteY4" fmla="*/ 88900 h 5803900"/>
-              <a:gd name="connsiteX5" fmla="*/ 8089899 w 8102599"/>
-              <a:gd name="connsiteY5" fmla="*/ 469900 h 5803900"/>
-              <a:gd name="connsiteX6" fmla="*/ 8089900 w 8102599"/>
-              <a:gd name="connsiteY6" fmla="*/ 5346700 h 5803900"/>
-              <a:gd name="connsiteX7" fmla="*/ 8013700 w 8102599"/>
-              <a:gd name="connsiteY7" fmla="*/ 5727700 h 5803900"/>
-              <a:gd name="connsiteX8" fmla="*/ 7632700 w 8102599"/>
-              <a:gd name="connsiteY8" fmla="*/ 5803900 h 5803900"/>
-              <a:gd name="connsiteX9" fmla="*/ 546100 w 8102599"/>
-              <a:gd name="connsiteY9" fmla="*/ 5803900 h 5803900"/>
-              <a:gd name="connsiteX10" fmla="*/ 88900 w 8102599"/>
-              <a:gd name="connsiteY10" fmla="*/ 5727700 h 5803900"/>
-              <a:gd name="connsiteX11" fmla="*/ 12700 w 8102599"/>
-              <a:gd name="connsiteY11" fmla="*/ 5346700 h 5803900"/>
-              <a:gd name="connsiteX12" fmla="*/ 12700 w 8102599"/>
-              <a:gd name="connsiteY12" fmla="*/ 546100 h 5803900"/>
-            </a:gdLst>
-            <a:ahLst/>
-            <a:cxnLst>
-              <a:cxn ang="0">
-                <a:pos x="connsiteX0" y="connsiteY0"/>
-              </a:cxn>
-              <a:cxn ang="0">
-                <a:pos x="connsiteX1" y="connsiteY1"/>
-              </a:cxn>
-              <a:cxn ang="0">
-                <a:pos x="connsiteX2" y="connsiteY2"/>
-              </a:cxn>
-              <a:cxn ang="0">
-                <a:pos x="connsiteX3" y="connsiteY3"/>
-              </a:cxn>
-              <a:cxn ang="0">
-                <a:pos x="connsiteX4" y="connsiteY4"/>
-              </a:cxn>
-              <a:cxn ang="0">
-                <a:pos x="connsiteX5" y="connsiteY5"/>
-              </a:cxn>
-              <a:cxn ang="0">
-                <a:pos x="connsiteX6" y="connsiteY6"/>
-              </a:cxn>
-              <a:cxn ang="0">
-                <a:pos x="connsiteX7" y="connsiteY7"/>
-              </a:cxn>
-              <a:cxn ang="0">
-                <a:pos x="connsiteX8" y="connsiteY8"/>
-              </a:cxn>
-              <a:cxn ang="0">
-                <a:pos x="connsiteX9" y="connsiteY9"/>
-              </a:cxn>
-              <a:cxn ang="0">
-                <a:pos x="connsiteX10" y="connsiteY10"/>
-              </a:cxn>
-              <a:cxn ang="0">
-                <a:pos x="connsiteX11" y="connsiteY11"/>
-              </a:cxn>
-              <a:cxn ang="0">
-                <a:pos x="connsiteX12" y="connsiteY12"/>
-              </a:cxn>
-            </a:cxnLst>
-            <a:rect l="l" t="t" r="r" b="b"/>
-            <a:pathLst>
-              <a:path w="8102599" h="5803900">
-                <a:moveTo>
-                  <a:pt x="12700" y="546100"/>
-                </a:moveTo>
-                <a:cubicBezTo>
-                  <a:pt x="12700" y="290108"/>
-                  <a:pt x="0" y="177800"/>
-                  <a:pt x="88900" y="88900"/>
-                </a:cubicBezTo>
-                <a:cubicBezTo>
-                  <a:pt x="177800" y="0"/>
-                  <a:pt x="290107" y="12700"/>
-                  <a:pt x="546100" y="12701"/>
-                </a:cubicBezTo>
-                <a:lnTo>
-                  <a:pt x="7556500" y="12700"/>
-                </a:lnTo>
-                <a:cubicBezTo>
-                  <a:pt x="7812492" y="12700"/>
-                  <a:pt x="7924799" y="12700"/>
-                  <a:pt x="8013699" y="88900"/>
-                </a:cubicBezTo>
-                <a:cubicBezTo>
-                  <a:pt x="8102599" y="165100"/>
-                  <a:pt x="8089900" y="213907"/>
-                  <a:pt x="8089899" y="469900"/>
-                </a:cubicBezTo>
-                <a:cubicBezTo>
-                  <a:pt x="8089899" y="1926160"/>
-                  <a:pt x="8089900" y="3890440"/>
-                  <a:pt x="8089900" y="5346700"/>
-                </a:cubicBezTo>
-                <a:cubicBezTo>
-                  <a:pt x="8089900" y="5602692"/>
-                  <a:pt x="8089900" y="5651500"/>
-                  <a:pt x="8013700" y="5727700"/>
-                </a:cubicBezTo>
-                <a:cubicBezTo>
-                  <a:pt x="7937500" y="5803900"/>
-                  <a:pt x="7888692" y="5803900"/>
-                  <a:pt x="7632700" y="5803900"/>
-                </a:cubicBezTo>
-                <a:lnTo>
-                  <a:pt x="546100" y="5803900"/>
-                </a:lnTo>
-                <a:cubicBezTo>
-                  <a:pt x="290108" y="5803900"/>
-                  <a:pt x="177800" y="5803900"/>
-                  <a:pt x="88900" y="5727700"/>
-                </a:cubicBezTo>
-                <a:cubicBezTo>
-                  <a:pt x="0" y="5651500"/>
-                  <a:pt x="12700" y="5602692"/>
-                  <a:pt x="12700" y="5346700"/>
-                </a:cubicBezTo>
-                <a:lnTo>
-                  <a:pt x="12700" y="546100"/>
-                </a:lnTo>
-                <a:close/>
-              </a:path>
-            </a:pathLst>
-          </a:custGeom>
-          <a:gradFill>
-            <a:gsLst>
-              <a:gs pos="0">
-                <a:schemeClr val="bg1">
-                  <a:lumMod val="50000"/>
-                </a:schemeClr>
-              </a:gs>
-              <a:gs pos="39999">
-                <a:schemeClr val="bg1">
-                  <a:lumMod val="65000"/>
-                </a:schemeClr>
-              </a:gs>
-              <a:gs pos="70000">
-                <a:schemeClr val="bg1">
-                  <a:lumMod val="50000"/>
-                  <a:alpha val="73000"/>
-                </a:schemeClr>
-              </a:gs>
-            </a:gsLst>
-            <a:lin ang="5400000" scaled="0"/>
-          </a:gradFill>
-          <a:ln>
-            <a:solidFill>
-              <a:schemeClr val="bg1">
-                <a:lumMod val="75000"/>
-              </a:schemeClr>
-            </a:solidFill>
-          </a:ln>
-        </p:spPr>
-        <p:style>
-          <a:lnRef idx="2">
-            <a:schemeClr val="accent1">
-              <a:shade val="50000"/>
-            </a:schemeClr>
-          </a:lnRef>
-          <a:fillRef idx="1">
-            <a:schemeClr val="accent1"/>
-          </a:fillRef>
-          <a:effectRef idx="0">
-            <a:schemeClr val="accent1"/>
-          </a:effectRef>
-          <a:fontRef idx="minor">
-            <a:schemeClr val="lt1"/>
-          </a:fontRef>
-        </p:style>
-        <p:txBody>
-          <a:bodyPr rtlCol="0" anchor="ctr"/>
-          <a:lstStyle/>
-          <a:p>
-            <a:pPr fontAlgn="t"/>
-            <a:endParaRPr lang="es-AR" b="1" dirty="0" smtClean="0"/>
-          </a:p>
-          <a:p>
-            <a:pPr algn="ctr"/>
-            <a:endParaRPr lang="es-AR" dirty="0"/>
-          </a:p>
-        </p:txBody>
-      </p:sp>
-      <p:sp>
-        <p:nvSpPr>
-          <p:cNvPr id="14" name="Rectangle 13"/>
-          <p:cNvSpPr/>
-          <p:nvPr/>
-        </p:nvSpPr>
-        <p:spPr>
-          <a:xfrm>
-            <a:off x="381000" y="1295400"/>
-            <a:ext cx="8458200" cy="1066800"/>
-          </a:xfrm>
-          <a:prstGeom prst="rect">
-            <a:avLst/>
-          </a:prstGeom>
-          <a:noFill/>
-          <a:ln>
-            <a:noFill/>
-          </a:ln>
-        </p:spPr>
-        <p:style>
-          <a:lnRef idx="2">
-            <a:schemeClr val="accent1">
-              <a:shade val="50000"/>
-            </a:schemeClr>
-          </a:lnRef>
-          <a:fillRef idx="1">
-            <a:schemeClr val="accent1"/>
-          </a:fillRef>
-          <a:effectRef idx="0">
-            <a:schemeClr val="accent1"/>
-          </a:effectRef>
-          <a:fontRef idx="minor">
-            <a:schemeClr val="lt1"/>
-          </a:fontRef>
-        </p:style>
-        <p:txBody>
-          <a:bodyPr rtlCol="0" anchor="ctr"/>
-          <a:lstStyle/>
-          <a:p>
-            <a:pPr algn="ctr"/>
-            <a:r>
-              <a:rPr lang="es-AR" sz="4800" b="1" dirty="0" smtClean="0"/>
-              <a:t>Modelo de Datos (I)</a:t>
-            </a:r>
-          </a:p>
-          <a:p>
-            <a:pPr algn="ctr"/>
-            <a:endParaRPr lang="es-AR" sz="1200" dirty="0"/>
-          </a:p>
-        </p:txBody>
-      </p:sp>
-      <p:grpSp>
-        <p:nvGrpSpPr>
-          <p:cNvPr id="3" name="Group 14"/>
-          <p:cNvGrpSpPr/>
-          <p:nvPr/>
-        </p:nvGrpSpPr>
-        <p:grpSpPr>
-          <a:xfrm>
-            <a:off x="1295400" y="544415"/>
-            <a:ext cx="6553200" cy="903384"/>
-            <a:chOff x="1295400" y="544415"/>
-            <a:chExt cx="6553200" cy="903384"/>
-          </a:xfrm>
-        </p:grpSpPr>
-        <p:sp>
-          <p:nvSpPr>
-            <p:cNvPr id="16" name="Round Same Side Corner Rectangle 15"/>
-            <p:cNvSpPr/>
-            <p:nvPr/>
-          </p:nvSpPr>
-          <p:spPr>
-            <a:xfrm rot="10800000">
-              <a:off x="1295400" y="544415"/>
-              <a:ext cx="6553200" cy="903384"/>
-            </a:xfrm>
-            <a:prstGeom prst="round2SameRect">
-              <a:avLst/>
-            </a:prstGeom>
-          </p:spPr>
-          <p:style>
-            <a:lnRef idx="2">
-              <a:schemeClr val="dk1">
-                <a:shade val="50000"/>
-              </a:schemeClr>
-            </a:lnRef>
-            <a:fillRef idx="1">
-              <a:schemeClr val="dk1"/>
-            </a:fillRef>
-            <a:effectRef idx="0">
-              <a:schemeClr val="dk1"/>
-            </a:effectRef>
-            <a:fontRef idx="minor">
-              <a:schemeClr val="lt1"/>
-            </a:fontRef>
-          </p:style>
-          <p:txBody>
-            <a:bodyPr rtlCol="0" anchor="ctr"/>
-            <a:lstStyle/>
-            <a:p>
-              <a:pPr algn="ctr"/>
-              <a:endParaRPr lang="es-AR" dirty="0"/>
-            </a:p>
-          </p:txBody>
-        </p:sp>
-        <p:pic>
-          <p:nvPicPr>
-            <p:cNvPr id="20" name="Picture 2" descr="E:\U.B.A.Files\Materias\75.45 Taller de Desarrollo de Proyectos I\TP\Trunk\Proyecto\web\site\images\logo.png"/>
-            <p:cNvPicPr>
-              <a:picLocks noChangeAspect="1" noChangeArrowheads="1"/>
-            </p:cNvPicPr>
-            <p:nvPr/>
-          </p:nvPicPr>
-          <p:blipFill>
-            <a:blip r:embed="rId2" cstate="print"/>
-            <a:srcRect/>
-            <a:stretch>
-              <a:fillRect/>
-            </a:stretch>
-          </p:blipFill>
-          <p:spPr bwMode="auto">
-            <a:xfrm>
-              <a:off x="1600200" y="609600"/>
-              <a:ext cx="2640904" cy="762000"/>
-            </a:xfrm>
-            <a:prstGeom prst="rect">
-              <a:avLst/>
-            </a:prstGeom>
-            <a:noFill/>
-          </p:spPr>
-        </p:pic>
-        <p:sp>
-          <p:nvSpPr>
-            <p:cNvPr id="23" name="TextBox 22"/>
-            <p:cNvSpPr txBox="1"/>
-            <p:nvPr/>
-          </p:nvSpPr>
-          <p:spPr>
-            <a:xfrm>
-              <a:off x="4515457" y="685800"/>
-              <a:ext cx="3180743" cy="307777"/>
-            </a:xfrm>
-            <a:prstGeom prst="rect">
-              <a:avLst/>
-            </a:prstGeom>
-            <a:noFill/>
-          </p:spPr>
-          <p:txBody>
-            <a:bodyPr wrap="none" rtlCol="0">
-              <a:spAutoFit/>
-            </a:bodyPr>
-            <a:lstStyle/>
-            <a:p>
-              <a:r>
-                <a:rPr lang="es-AR" sz="1400" dirty="0" smtClean="0">
-                  <a:solidFill>
-                    <a:schemeClr val="bg1">
-                      <a:lumMod val="50000"/>
-                    </a:schemeClr>
-                  </a:solidFill>
-                </a:rPr>
-                <a:t>Centralización y análisis de datos</a:t>
-              </a:r>
-              <a:endParaRPr lang="es-AR" sz="1400" dirty="0">
-                <a:solidFill>
-                  <a:schemeClr val="bg1">
-                    <a:lumMod val="50000"/>
-                  </a:schemeClr>
-                </a:solidFill>
-              </a:endParaRPr>
-            </a:p>
-          </p:txBody>
-        </p:sp>
-      </p:grpSp>
-      <p:pic>
-        <p:nvPicPr>
-          <p:cNvPr id="25" name="24 Imagen" descr="parte1.gif"/>
-          <p:cNvPicPr>
-            <a:picLocks noChangeAspect="1"/>
-          </p:cNvPicPr>
-          <p:nvPr/>
-        </p:nvPicPr>
-        <p:blipFill>
-          <a:blip r:embed="rId3"/>
-          <a:stretch>
-            <a:fillRect/>
-          </a:stretch>
-        </p:blipFill>
-        <p:spPr>
-          <a:xfrm>
-            <a:off x="1371600" y="2133600"/>
-            <a:ext cx="6511672" cy="4329310"/>
-          </a:xfrm>
-          <a:prstGeom prst="rect">
-            <a:avLst/>
-          </a:prstGeom>
-        </p:spPr>
-      </p:pic>
-    </p:spTree>
-  </p:cSld>
-  <p:clrMapOvr>
-    <a:masterClrMapping/>
-  </p:clrMapOvr>
-  <p:timing>
-    <p:tnLst>
-      <p:par>
-        <p:cTn id="1" dur="indefinite" restart="never" nodeType="tmRoot"/>
-      </p:par>
-    </p:tnLst>
-  </p:timing>
-</p:sld>
-</file>
-
-<file path=ppt/slides/slide9.xml><?xml version="1.0" encoding="utf-8"?>
-<p:sld xmlns:a="http://schemas.openxmlformats.org/drawingml/2006/main" xmlns:r="http://schemas.openxmlformats.org/officeDocument/2006/relationships" xmlns:p="http://schemas.openxmlformats.org/presentationml/2006/main">
-  <p:cSld>
-    <p:spTree>
-      <p:nvGrpSpPr>
-        <p:cNvPr id="1" name=""/>
-        <p:cNvGrpSpPr/>
-        <p:nvPr/>
-      </p:nvGrpSpPr>
-      <p:grpSpPr>
-        <a:xfrm>
-          <a:off x="0" y="0"/>
-          <a:ext cx="0" cy="0"/>
-          <a:chOff x="0" y="0"/>
-          <a:chExt cx="0" cy="0"/>
-        </a:xfrm>
-      </p:grpSpPr>
-      <p:grpSp>
-        <p:nvGrpSpPr>
-          <p:cNvPr id="4" name="Group 22"/>
-          <p:cNvGrpSpPr/>
-          <p:nvPr/>
-        </p:nvGrpSpPr>
-        <p:grpSpPr>
-          <a:xfrm>
-            <a:off x="304800" y="304800"/>
-            <a:ext cx="8534400" cy="6248400"/>
-            <a:chOff x="304800" y="304800"/>
-            <a:chExt cx="8534400" cy="6248400"/>
-          </a:xfrm>
-          <a:solidFill>
-            <a:schemeClr val="bg1">
-              <a:lumMod val="85000"/>
-            </a:schemeClr>
-          </a:solidFill>
-        </p:grpSpPr>
-        <p:sp>
-          <p:nvSpPr>
-            <p:cNvPr id="5" name="Rounded Rectangle 17"/>
-            <p:cNvSpPr/>
-            <p:nvPr/>
-          </p:nvSpPr>
-          <p:spPr>
-            <a:xfrm>
-              <a:off x="304800" y="304800"/>
-              <a:ext cx="8534400" cy="6248400"/>
-            </a:xfrm>
-            <a:prstGeom prst="roundRect">
-              <a:avLst/>
-            </a:prstGeom>
-            <a:grpFill/>
-            <a:ln>
-              <a:noFill/>
-            </a:ln>
-          </p:spPr>
-          <p:style>
-            <a:lnRef idx="2">
-              <a:schemeClr val="accent1">
-                <a:shade val="50000"/>
-              </a:schemeClr>
-            </a:lnRef>
-            <a:fillRef idx="1">
-              <a:schemeClr val="accent1"/>
-            </a:fillRef>
-            <a:effectRef idx="0">
-              <a:schemeClr val="accent1"/>
-            </a:effectRef>
-            <a:fontRef idx="minor">
-              <a:schemeClr val="lt1"/>
-            </a:fontRef>
-          </p:style>
-          <p:txBody>
-            <a:bodyPr rtlCol="0" anchor="ctr"/>
-            <a:lstStyle/>
-            <a:p>
-              <a:pPr algn="ctr"/>
-              <a:endParaRPr lang="es-AR"/>
-            </a:p>
-          </p:txBody>
-        </p:sp>
-        <p:sp>
-          <p:nvSpPr>
-            <p:cNvPr id="6" name="Rounded Rectangle 21"/>
-            <p:cNvSpPr/>
-            <p:nvPr/>
-          </p:nvSpPr>
-          <p:spPr>
-            <a:xfrm>
-              <a:off x="7086600" y="304800"/>
-              <a:ext cx="1752600" cy="1752600"/>
-            </a:xfrm>
-            <a:prstGeom prst="roundRect">
-              <a:avLst/>
-            </a:prstGeom>
-            <a:grpFill/>
-            <a:ln>
-              <a:noFill/>
-            </a:ln>
-          </p:spPr>
-          <p:style>
-            <a:lnRef idx="2">
-              <a:schemeClr val="accent1">
-                <a:shade val="50000"/>
-              </a:schemeClr>
-            </a:lnRef>
-            <a:fillRef idx="1">
-              <a:schemeClr val="accent1"/>
-            </a:fillRef>
-            <a:effectRef idx="0">
-              <a:schemeClr val="accent1"/>
-            </a:effectRef>
-            <a:fontRef idx="minor">
-              <a:schemeClr val="lt1"/>
-            </a:fontRef>
-          </p:style>
-          <p:txBody>
-            <a:bodyPr rtlCol="0" anchor="ctr"/>
-            <a:lstStyle/>
-            <a:p>
-              <a:pPr algn="ctr"/>
-              <a:endParaRPr lang="es-AR"/>
-            </a:p>
-          </p:txBody>
-        </p:sp>
-        <p:sp>
-          <p:nvSpPr>
-            <p:cNvPr id="7" name="Rounded Rectangle 20"/>
-            <p:cNvSpPr/>
-            <p:nvPr/>
-          </p:nvSpPr>
-          <p:spPr>
-            <a:xfrm>
-              <a:off x="304800" y="304800"/>
-              <a:ext cx="1752600" cy="1752600"/>
-            </a:xfrm>
-            <a:prstGeom prst="roundRect">
-              <a:avLst/>
-            </a:prstGeom>
-            <a:grpFill/>
-            <a:ln>
-              <a:noFill/>
-            </a:ln>
-          </p:spPr>
-          <p:style>
-            <a:lnRef idx="2">
-              <a:schemeClr val="accent1">
-                <a:shade val="50000"/>
-              </a:schemeClr>
-            </a:lnRef>
-            <a:fillRef idx="1">
-              <a:schemeClr val="accent1"/>
-            </a:fillRef>
-            <a:effectRef idx="0">
-              <a:schemeClr val="accent1"/>
-            </a:effectRef>
-            <a:fontRef idx="minor">
-              <a:schemeClr val="lt1"/>
-            </a:fontRef>
-          </p:style>
-          <p:txBody>
-            <a:bodyPr rtlCol="0" anchor="ctr"/>
-            <a:lstStyle/>
-            <a:p>
-              <a:pPr algn="ctr"/>
-              <a:endParaRPr lang="es-AR"/>
-            </a:p>
-          </p:txBody>
-        </p:sp>
-        <p:sp>
-          <p:nvSpPr>
-            <p:cNvPr id="8" name="Rounded Rectangle 16"/>
-            <p:cNvSpPr/>
-            <p:nvPr/>
-          </p:nvSpPr>
-          <p:spPr>
-            <a:xfrm>
-              <a:off x="304800" y="4800600"/>
-              <a:ext cx="1752600" cy="1752600"/>
-            </a:xfrm>
-            <a:prstGeom prst="roundRect">
-              <a:avLst/>
-            </a:prstGeom>
-            <a:grpFill/>
-            <a:ln>
-              <a:noFill/>
-            </a:ln>
-          </p:spPr>
-          <p:style>
-            <a:lnRef idx="2">
-              <a:schemeClr val="accent1">
-                <a:shade val="50000"/>
-              </a:schemeClr>
-            </a:lnRef>
-            <a:fillRef idx="1">
-              <a:schemeClr val="accent1"/>
-            </a:fillRef>
-            <a:effectRef idx="0">
-              <a:schemeClr val="accent1"/>
-            </a:effectRef>
-            <a:fontRef idx="minor">
-              <a:schemeClr val="lt1"/>
-            </a:fontRef>
-          </p:style>
-          <p:txBody>
-            <a:bodyPr rtlCol="0" anchor="ctr"/>
-            <a:lstStyle/>
-            <a:p>
-              <a:pPr algn="ctr"/>
-              <a:endParaRPr lang="es-AR"/>
-            </a:p>
-          </p:txBody>
-        </p:sp>
-        <p:sp>
-          <p:nvSpPr>
-            <p:cNvPr id="9" name="Rounded Rectangle 18"/>
-            <p:cNvSpPr/>
-            <p:nvPr/>
-          </p:nvSpPr>
-          <p:spPr>
-            <a:xfrm>
-              <a:off x="7086600" y="4800600"/>
-              <a:ext cx="1752600" cy="1752600"/>
-            </a:xfrm>
-            <a:prstGeom prst="roundRect">
-              <a:avLst/>
-            </a:prstGeom>
-            <a:grpFill/>
-            <a:ln>
-              <a:noFill/>
-            </a:ln>
-          </p:spPr>
-          <p:style>
-            <a:lnRef idx="2">
-              <a:schemeClr val="accent1">
-                <a:shade val="50000"/>
-              </a:schemeClr>
-            </a:lnRef>
-            <a:fillRef idx="1">
-              <a:schemeClr val="accent1"/>
-            </a:fillRef>
-            <a:effectRef idx="0">
-              <a:schemeClr val="accent1"/>
-            </a:effectRef>
-            <a:fontRef idx="minor">
-              <a:schemeClr val="lt1"/>
-            </a:fontRef>
-          </p:style>
-          <p:txBody>
-            <a:bodyPr rtlCol="0" anchor="ctr"/>
-            <a:lstStyle/>
-            <a:p>
-              <a:pPr algn="ctr"/>
-              <a:endParaRPr lang="es-AR"/>
-            </a:p>
-          </p:txBody>
-        </p:sp>
-      </p:grpSp>
-      <p:sp>
-        <p:nvSpPr>
-          <p:cNvPr id="10" name="Freeform 39"/>
-          <p:cNvSpPr/>
-          <p:nvPr/>
-        </p:nvSpPr>
-        <p:spPr>
-          <a:xfrm>
-            <a:off x="457200" y="457200"/>
-            <a:ext cx="8229600" cy="5803900"/>
-          </a:xfrm>
-          <a:custGeom>
-            <a:avLst/>
-            <a:gdLst>
-              <a:gd name="connsiteX0" fmla="*/ 0 w 8077200"/>
-              <a:gd name="connsiteY0" fmla="*/ 965219 h 5791200"/>
-              <a:gd name="connsiteX1" fmla="*/ 282707 w 8077200"/>
-              <a:gd name="connsiteY1" fmla="*/ 282706 h 5791200"/>
-              <a:gd name="connsiteX2" fmla="*/ 965221 w 8077200"/>
-              <a:gd name="connsiteY2" fmla="*/ 1 h 5791200"/>
-              <a:gd name="connsiteX3" fmla="*/ 7111981 w 8077200"/>
-              <a:gd name="connsiteY3" fmla="*/ 0 h 5791200"/>
-              <a:gd name="connsiteX4" fmla="*/ 7794494 w 8077200"/>
-              <a:gd name="connsiteY4" fmla="*/ 282707 h 5791200"/>
-              <a:gd name="connsiteX5" fmla="*/ 8077199 w 8077200"/>
-              <a:gd name="connsiteY5" fmla="*/ 965221 h 5791200"/>
-              <a:gd name="connsiteX6" fmla="*/ 8077200 w 8077200"/>
-              <a:gd name="connsiteY6" fmla="*/ 4825981 h 5791200"/>
-              <a:gd name="connsiteX7" fmla="*/ 7794494 w 8077200"/>
-              <a:gd name="connsiteY7" fmla="*/ 5508494 h 5791200"/>
-              <a:gd name="connsiteX8" fmla="*/ 7111981 w 8077200"/>
-              <a:gd name="connsiteY8" fmla="*/ 5791200 h 5791200"/>
-              <a:gd name="connsiteX9" fmla="*/ 965219 w 8077200"/>
-              <a:gd name="connsiteY9" fmla="*/ 5791200 h 5791200"/>
-              <a:gd name="connsiteX10" fmla="*/ 282706 w 8077200"/>
-              <a:gd name="connsiteY10" fmla="*/ 5508493 h 5791200"/>
-              <a:gd name="connsiteX11" fmla="*/ 0 w 8077200"/>
-              <a:gd name="connsiteY11" fmla="*/ 4825980 h 5791200"/>
-              <a:gd name="connsiteX12" fmla="*/ 0 w 8077200"/>
-              <a:gd name="connsiteY12" fmla="*/ 965219 h 5791200"/>
-              <a:gd name="connsiteX0" fmla="*/ 0 w 8077200"/>
-              <a:gd name="connsiteY0" fmla="*/ 609600 h 5791200"/>
-              <a:gd name="connsiteX1" fmla="*/ 282707 w 8077200"/>
-              <a:gd name="connsiteY1" fmla="*/ 282706 h 5791200"/>
-              <a:gd name="connsiteX2" fmla="*/ 965221 w 8077200"/>
-              <a:gd name="connsiteY2" fmla="*/ 1 h 5791200"/>
-              <a:gd name="connsiteX3" fmla="*/ 7111981 w 8077200"/>
-              <a:gd name="connsiteY3" fmla="*/ 0 h 5791200"/>
-              <a:gd name="connsiteX4" fmla="*/ 7794494 w 8077200"/>
-              <a:gd name="connsiteY4" fmla="*/ 282707 h 5791200"/>
-              <a:gd name="connsiteX5" fmla="*/ 8077199 w 8077200"/>
-              <a:gd name="connsiteY5" fmla="*/ 965221 h 5791200"/>
-              <a:gd name="connsiteX6" fmla="*/ 8077200 w 8077200"/>
-              <a:gd name="connsiteY6" fmla="*/ 4825981 h 5791200"/>
-              <a:gd name="connsiteX7" fmla="*/ 7794494 w 8077200"/>
-              <a:gd name="connsiteY7" fmla="*/ 5508494 h 5791200"/>
-              <a:gd name="connsiteX8" fmla="*/ 7111981 w 8077200"/>
-              <a:gd name="connsiteY8" fmla="*/ 5791200 h 5791200"/>
-              <a:gd name="connsiteX9" fmla="*/ 965219 w 8077200"/>
-              <a:gd name="connsiteY9" fmla="*/ 5791200 h 5791200"/>
-              <a:gd name="connsiteX10" fmla="*/ 282706 w 8077200"/>
-              <a:gd name="connsiteY10" fmla="*/ 5508493 h 5791200"/>
-              <a:gd name="connsiteX11" fmla="*/ 0 w 8077200"/>
-              <a:gd name="connsiteY11" fmla="*/ 4825980 h 5791200"/>
-              <a:gd name="connsiteX12" fmla="*/ 0 w 8077200"/>
-              <a:gd name="connsiteY12" fmla="*/ 609600 h 5791200"/>
-              <a:gd name="connsiteX0" fmla="*/ 0 w 8077200"/>
-              <a:gd name="connsiteY0" fmla="*/ 609601 h 5791201"/>
-              <a:gd name="connsiteX1" fmla="*/ 282707 w 8077200"/>
-              <a:gd name="connsiteY1" fmla="*/ 282707 h 5791201"/>
-              <a:gd name="connsiteX2" fmla="*/ 609600 w 8077200"/>
-              <a:gd name="connsiteY2" fmla="*/ 1 h 5791201"/>
-              <a:gd name="connsiteX3" fmla="*/ 7111981 w 8077200"/>
-              <a:gd name="connsiteY3" fmla="*/ 1 h 5791201"/>
-              <a:gd name="connsiteX4" fmla="*/ 7794494 w 8077200"/>
-              <a:gd name="connsiteY4" fmla="*/ 282708 h 5791201"/>
-              <a:gd name="connsiteX5" fmla="*/ 8077199 w 8077200"/>
-              <a:gd name="connsiteY5" fmla="*/ 965222 h 5791201"/>
-              <a:gd name="connsiteX6" fmla="*/ 8077200 w 8077200"/>
-              <a:gd name="connsiteY6" fmla="*/ 4825982 h 5791201"/>
-              <a:gd name="connsiteX7" fmla="*/ 7794494 w 8077200"/>
-              <a:gd name="connsiteY7" fmla="*/ 5508495 h 5791201"/>
-              <a:gd name="connsiteX8" fmla="*/ 7111981 w 8077200"/>
-              <a:gd name="connsiteY8" fmla="*/ 5791201 h 5791201"/>
-              <a:gd name="connsiteX9" fmla="*/ 965219 w 8077200"/>
-              <a:gd name="connsiteY9" fmla="*/ 5791201 h 5791201"/>
-              <a:gd name="connsiteX10" fmla="*/ 282706 w 8077200"/>
-              <a:gd name="connsiteY10" fmla="*/ 5508494 h 5791201"/>
-              <a:gd name="connsiteX11" fmla="*/ 0 w 8077200"/>
-              <a:gd name="connsiteY11" fmla="*/ 4825981 h 5791201"/>
-              <a:gd name="connsiteX12" fmla="*/ 0 w 8077200"/>
-              <a:gd name="connsiteY12" fmla="*/ 609601 h 5791201"/>
-              <a:gd name="connsiteX0" fmla="*/ 0 w 8077200"/>
-              <a:gd name="connsiteY0" fmla="*/ 609601 h 5791201"/>
-              <a:gd name="connsiteX1" fmla="*/ 152400 w 8077200"/>
-              <a:gd name="connsiteY1" fmla="*/ 152402 h 5791201"/>
-              <a:gd name="connsiteX2" fmla="*/ 609600 w 8077200"/>
-              <a:gd name="connsiteY2" fmla="*/ 1 h 5791201"/>
-              <a:gd name="connsiteX3" fmla="*/ 7111981 w 8077200"/>
-              <a:gd name="connsiteY3" fmla="*/ 1 h 5791201"/>
-              <a:gd name="connsiteX4" fmla="*/ 7794494 w 8077200"/>
-              <a:gd name="connsiteY4" fmla="*/ 282708 h 5791201"/>
-              <a:gd name="connsiteX5" fmla="*/ 8077199 w 8077200"/>
-              <a:gd name="connsiteY5" fmla="*/ 965222 h 5791201"/>
-              <a:gd name="connsiteX6" fmla="*/ 8077200 w 8077200"/>
-              <a:gd name="connsiteY6" fmla="*/ 4825982 h 5791201"/>
-              <a:gd name="connsiteX7" fmla="*/ 7794494 w 8077200"/>
-              <a:gd name="connsiteY7" fmla="*/ 5508495 h 5791201"/>
-              <a:gd name="connsiteX8" fmla="*/ 7111981 w 8077200"/>
-              <a:gd name="connsiteY8" fmla="*/ 5791201 h 5791201"/>
-              <a:gd name="connsiteX9" fmla="*/ 965219 w 8077200"/>
-              <a:gd name="connsiteY9" fmla="*/ 5791201 h 5791201"/>
-              <a:gd name="connsiteX10" fmla="*/ 282706 w 8077200"/>
-              <a:gd name="connsiteY10" fmla="*/ 5508494 h 5791201"/>
-              <a:gd name="connsiteX11" fmla="*/ 0 w 8077200"/>
-              <a:gd name="connsiteY11" fmla="*/ 4825981 h 5791201"/>
-              <a:gd name="connsiteX12" fmla="*/ 0 w 8077200"/>
-              <a:gd name="connsiteY12" fmla="*/ 609601 h 5791201"/>
-              <a:gd name="connsiteX0" fmla="*/ 0 w 8077200"/>
-              <a:gd name="connsiteY0" fmla="*/ 609600 h 5791200"/>
-              <a:gd name="connsiteX1" fmla="*/ 152400 w 8077200"/>
-              <a:gd name="connsiteY1" fmla="*/ 152401 h 5791200"/>
-              <a:gd name="connsiteX2" fmla="*/ 533400 w 8077200"/>
-              <a:gd name="connsiteY2" fmla="*/ 1 h 5791200"/>
-              <a:gd name="connsiteX3" fmla="*/ 7111981 w 8077200"/>
-              <a:gd name="connsiteY3" fmla="*/ 0 h 5791200"/>
-              <a:gd name="connsiteX4" fmla="*/ 7794494 w 8077200"/>
-              <a:gd name="connsiteY4" fmla="*/ 282707 h 5791200"/>
-              <a:gd name="connsiteX5" fmla="*/ 8077199 w 8077200"/>
-              <a:gd name="connsiteY5" fmla="*/ 965221 h 5791200"/>
-              <a:gd name="connsiteX6" fmla="*/ 8077200 w 8077200"/>
-              <a:gd name="connsiteY6" fmla="*/ 4825981 h 5791200"/>
-              <a:gd name="connsiteX7" fmla="*/ 7794494 w 8077200"/>
-              <a:gd name="connsiteY7" fmla="*/ 5508494 h 5791200"/>
-              <a:gd name="connsiteX8" fmla="*/ 7111981 w 8077200"/>
-              <a:gd name="connsiteY8" fmla="*/ 5791200 h 5791200"/>
-              <a:gd name="connsiteX9" fmla="*/ 965219 w 8077200"/>
-              <a:gd name="connsiteY9" fmla="*/ 5791200 h 5791200"/>
-              <a:gd name="connsiteX10" fmla="*/ 282706 w 8077200"/>
-              <a:gd name="connsiteY10" fmla="*/ 5508493 h 5791200"/>
-              <a:gd name="connsiteX11" fmla="*/ 0 w 8077200"/>
-              <a:gd name="connsiteY11" fmla="*/ 4825980 h 5791200"/>
-              <a:gd name="connsiteX12" fmla="*/ 0 w 8077200"/>
-              <a:gd name="connsiteY12" fmla="*/ 609600 h 5791200"/>
-              <a:gd name="connsiteX0" fmla="*/ 0 w 8077200"/>
-              <a:gd name="connsiteY0" fmla="*/ 533400 h 5791200"/>
-              <a:gd name="connsiteX1" fmla="*/ 152400 w 8077200"/>
-              <a:gd name="connsiteY1" fmla="*/ 152401 h 5791200"/>
-              <a:gd name="connsiteX2" fmla="*/ 533400 w 8077200"/>
-              <a:gd name="connsiteY2" fmla="*/ 1 h 5791200"/>
-              <a:gd name="connsiteX3" fmla="*/ 7111981 w 8077200"/>
-              <a:gd name="connsiteY3" fmla="*/ 0 h 5791200"/>
-              <a:gd name="connsiteX4" fmla="*/ 7794494 w 8077200"/>
-              <a:gd name="connsiteY4" fmla="*/ 282707 h 5791200"/>
-              <a:gd name="connsiteX5" fmla="*/ 8077199 w 8077200"/>
-              <a:gd name="connsiteY5" fmla="*/ 965221 h 5791200"/>
-              <a:gd name="connsiteX6" fmla="*/ 8077200 w 8077200"/>
-              <a:gd name="connsiteY6" fmla="*/ 4825981 h 5791200"/>
-              <a:gd name="connsiteX7" fmla="*/ 7794494 w 8077200"/>
-              <a:gd name="connsiteY7" fmla="*/ 5508494 h 5791200"/>
-              <a:gd name="connsiteX8" fmla="*/ 7111981 w 8077200"/>
-              <a:gd name="connsiteY8" fmla="*/ 5791200 h 5791200"/>
-              <a:gd name="connsiteX9" fmla="*/ 965219 w 8077200"/>
-              <a:gd name="connsiteY9" fmla="*/ 5791200 h 5791200"/>
-              <a:gd name="connsiteX10" fmla="*/ 282706 w 8077200"/>
-              <a:gd name="connsiteY10" fmla="*/ 5508493 h 5791200"/>
-              <a:gd name="connsiteX11" fmla="*/ 0 w 8077200"/>
-              <a:gd name="connsiteY11" fmla="*/ 4825980 h 5791200"/>
-              <a:gd name="connsiteX12" fmla="*/ 0 w 8077200"/>
-              <a:gd name="connsiteY12" fmla="*/ 533400 h 5791200"/>
-              <a:gd name="connsiteX0" fmla="*/ 12700 w 8089900"/>
-              <a:gd name="connsiteY0" fmla="*/ 546100 h 5803900"/>
-              <a:gd name="connsiteX1" fmla="*/ 88900 w 8089900"/>
-              <a:gd name="connsiteY1" fmla="*/ 88900 h 5803900"/>
-              <a:gd name="connsiteX2" fmla="*/ 546100 w 8089900"/>
-              <a:gd name="connsiteY2" fmla="*/ 12701 h 5803900"/>
-              <a:gd name="connsiteX3" fmla="*/ 7124681 w 8089900"/>
-              <a:gd name="connsiteY3" fmla="*/ 12700 h 5803900"/>
-              <a:gd name="connsiteX4" fmla="*/ 7807194 w 8089900"/>
-              <a:gd name="connsiteY4" fmla="*/ 295407 h 5803900"/>
-              <a:gd name="connsiteX5" fmla="*/ 8089899 w 8089900"/>
-              <a:gd name="connsiteY5" fmla="*/ 977921 h 5803900"/>
-              <a:gd name="connsiteX6" fmla="*/ 8089900 w 8089900"/>
-              <a:gd name="connsiteY6" fmla="*/ 4838681 h 5803900"/>
-              <a:gd name="connsiteX7" fmla="*/ 7807194 w 8089900"/>
-              <a:gd name="connsiteY7" fmla="*/ 5521194 h 5803900"/>
-              <a:gd name="connsiteX8" fmla="*/ 7124681 w 8089900"/>
-              <a:gd name="connsiteY8" fmla="*/ 5803900 h 5803900"/>
-              <a:gd name="connsiteX9" fmla="*/ 977919 w 8089900"/>
-              <a:gd name="connsiteY9" fmla="*/ 5803900 h 5803900"/>
-              <a:gd name="connsiteX10" fmla="*/ 295406 w 8089900"/>
-              <a:gd name="connsiteY10" fmla="*/ 5521193 h 5803900"/>
-              <a:gd name="connsiteX11" fmla="*/ 12700 w 8089900"/>
-              <a:gd name="connsiteY11" fmla="*/ 4838680 h 5803900"/>
-              <a:gd name="connsiteX12" fmla="*/ 12700 w 8089900"/>
-              <a:gd name="connsiteY12" fmla="*/ 546100 h 5803900"/>
-              <a:gd name="connsiteX0" fmla="*/ 12700 w 8089900"/>
-              <a:gd name="connsiteY0" fmla="*/ 546100 h 5803900"/>
-              <a:gd name="connsiteX1" fmla="*/ 88900 w 8089900"/>
-              <a:gd name="connsiteY1" fmla="*/ 88900 h 5803900"/>
-              <a:gd name="connsiteX2" fmla="*/ 546100 w 8089900"/>
-              <a:gd name="connsiteY2" fmla="*/ 12701 h 5803900"/>
-              <a:gd name="connsiteX3" fmla="*/ 7124681 w 8089900"/>
-              <a:gd name="connsiteY3" fmla="*/ 12700 h 5803900"/>
-              <a:gd name="connsiteX4" fmla="*/ 7807194 w 8089900"/>
-              <a:gd name="connsiteY4" fmla="*/ 295407 h 5803900"/>
-              <a:gd name="connsiteX5" fmla="*/ 8089899 w 8089900"/>
-              <a:gd name="connsiteY5" fmla="*/ 977921 h 5803900"/>
-              <a:gd name="connsiteX6" fmla="*/ 8089900 w 8089900"/>
-              <a:gd name="connsiteY6" fmla="*/ 4838681 h 5803900"/>
-              <a:gd name="connsiteX7" fmla="*/ 7807194 w 8089900"/>
-              <a:gd name="connsiteY7" fmla="*/ 5521194 h 5803900"/>
-              <a:gd name="connsiteX8" fmla="*/ 7124681 w 8089900"/>
-              <a:gd name="connsiteY8" fmla="*/ 5803900 h 5803900"/>
-              <a:gd name="connsiteX9" fmla="*/ 977919 w 8089900"/>
-              <a:gd name="connsiteY9" fmla="*/ 5803900 h 5803900"/>
-              <a:gd name="connsiteX10" fmla="*/ 295406 w 8089900"/>
-              <a:gd name="connsiteY10" fmla="*/ 5521193 h 5803900"/>
-              <a:gd name="connsiteX11" fmla="*/ 12700 w 8089900"/>
-              <a:gd name="connsiteY11" fmla="*/ 5346700 h 5803900"/>
-              <a:gd name="connsiteX12" fmla="*/ 12700 w 8089900"/>
-              <a:gd name="connsiteY12" fmla="*/ 546100 h 5803900"/>
-              <a:gd name="connsiteX0" fmla="*/ 12700 w 8089900"/>
-              <a:gd name="connsiteY0" fmla="*/ 546100 h 5803900"/>
-              <a:gd name="connsiteX1" fmla="*/ 88900 w 8089900"/>
-              <a:gd name="connsiteY1" fmla="*/ 88900 h 5803900"/>
-              <a:gd name="connsiteX2" fmla="*/ 546100 w 8089900"/>
-              <a:gd name="connsiteY2" fmla="*/ 12701 h 5803900"/>
-              <a:gd name="connsiteX3" fmla="*/ 7124681 w 8089900"/>
-              <a:gd name="connsiteY3" fmla="*/ 12700 h 5803900"/>
-              <a:gd name="connsiteX4" fmla="*/ 7807194 w 8089900"/>
-              <a:gd name="connsiteY4" fmla="*/ 295407 h 5803900"/>
-              <a:gd name="connsiteX5" fmla="*/ 8089899 w 8089900"/>
-              <a:gd name="connsiteY5" fmla="*/ 977921 h 5803900"/>
-              <a:gd name="connsiteX6" fmla="*/ 8089900 w 8089900"/>
-              <a:gd name="connsiteY6" fmla="*/ 4838681 h 5803900"/>
-              <a:gd name="connsiteX7" fmla="*/ 7807194 w 8089900"/>
-              <a:gd name="connsiteY7" fmla="*/ 5521194 h 5803900"/>
-              <a:gd name="connsiteX8" fmla="*/ 7124681 w 8089900"/>
-              <a:gd name="connsiteY8" fmla="*/ 5803900 h 5803900"/>
-              <a:gd name="connsiteX9" fmla="*/ 546100 w 8089900"/>
-              <a:gd name="connsiteY9" fmla="*/ 5803900 h 5803900"/>
-              <a:gd name="connsiteX10" fmla="*/ 295406 w 8089900"/>
-              <a:gd name="connsiteY10" fmla="*/ 5521193 h 5803900"/>
-              <a:gd name="connsiteX11" fmla="*/ 12700 w 8089900"/>
-              <a:gd name="connsiteY11" fmla="*/ 5346700 h 5803900"/>
-              <a:gd name="connsiteX12" fmla="*/ 12700 w 8089900"/>
-              <a:gd name="connsiteY12" fmla="*/ 546100 h 5803900"/>
-              <a:gd name="connsiteX0" fmla="*/ 12700 w 8089900"/>
-              <a:gd name="connsiteY0" fmla="*/ 546100 h 5803900"/>
-              <a:gd name="connsiteX1" fmla="*/ 88900 w 8089900"/>
-              <a:gd name="connsiteY1" fmla="*/ 88900 h 5803900"/>
-              <a:gd name="connsiteX2" fmla="*/ 546100 w 8089900"/>
-              <a:gd name="connsiteY2" fmla="*/ 12701 h 5803900"/>
-              <a:gd name="connsiteX3" fmla="*/ 7124681 w 8089900"/>
-              <a:gd name="connsiteY3" fmla="*/ 12700 h 5803900"/>
-              <a:gd name="connsiteX4" fmla="*/ 7807194 w 8089900"/>
-              <a:gd name="connsiteY4" fmla="*/ 295407 h 5803900"/>
-              <a:gd name="connsiteX5" fmla="*/ 8089899 w 8089900"/>
-              <a:gd name="connsiteY5" fmla="*/ 977921 h 5803900"/>
-              <a:gd name="connsiteX6" fmla="*/ 8089900 w 8089900"/>
-              <a:gd name="connsiteY6" fmla="*/ 4838681 h 5803900"/>
-              <a:gd name="connsiteX7" fmla="*/ 7807194 w 8089900"/>
-              <a:gd name="connsiteY7" fmla="*/ 5521194 h 5803900"/>
-              <a:gd name="connsiteX8" fmla="*/ 7124681 w 8089900"/>
-              <a:gd name="connsiteY8" fmla="*/ 5803900 h 5803900"/>
-              <a:gd name="connsiteX9" fmla="*/ 546100 w 8089900"/>
-              <a:gd name="connsiteY9" fmla="*/ 5803900 h 5803900"/>
-              <a:gd name="connsiteX10" fmla="*/ 88900 w 8089900"/>
-              <a:gd name="connsiteY10" fmla="*/ 5727700 h 5803900"/>
-              <a:gd name="connsiteX11" fmla="*/ 12700 w 8089900"/>
-              <a:gd name="connsiteY11" fmla="*/ 5346700 h 5803900"/>
-              <a:gd name="connsiteX12" fmla="*/ 12700 w 8089900"/>
-              <a:gd name="connsiteY12" fmla="*/ 546100 h 5803900"/>
-              <a:gd name="connsiteX0" fmla="*/ 12700 w 8089900"/>
-              <a:gd name="connsiteY0" fmla="*/ 546100 h 5803900"/>
-              <a:gd name="connsiteX1" fmla="*/ 88900 w 8089900"/>
-              <a:gd name="connsiteY1" fmla="*/ 88900 h 5803900"/>
-              <a:gd name="connsiteX2" fmla="*/ 546100 w 8089900"/>
-              <a:gd name="connsiteY2" fmla="*/ 12701 h 5803900"/>
-              <a:gd name="connsiteX3" fmla="*/ 7556500 w 8089900"/>
-              <a:gd name="connsiteY3" fmla="*/ 12700 h 5803900"/>
-              <a:gd name="connsiteX4" fmla="*/ 7807194 w 8089900"/>
-              <a:gd name="connsiteY4" fmla="*/ 295407 h 5803900"/>
-              <a:gd name="connsiteX5" fmla="*/ 8089899 w 8089900"/>
-              <a:gd name="connsiteY5" fmla="*/ 977921 h 5803900"/>
-              <a:gd name="connsiteX6" fmla="*/ 8089900 w 8089900"/>
-              <a:gd name="connsiteY6" fmla="*/ 4838681 h 5803900"/>
-              <a:gd name="connsiteX7" fmla="*/ 7807194 w 8089900"/>
-              <a:gd name="connsiteY7" fmla="*/ 5521194 h 5803900"/>
-              <a:gd name="connsiteX8" fmla="*/ 7124681 w 8089900"/>
-              <a:gd name="connsiteY8" fmla="*/ 5803900 h 5803900"/>
-              <a:gd name="connsiteX9" fmla="*/ 546100 w 8089900"/>
-              <a:gd name="connsiteY9" fmla="*/ 5803900 h 5803900"/>
-              <a:gd name="connsiteX10" fmla="*/ 88900 w 8089900"/>
-              <a:gd name="connsiteY10" fmla="*/ 5727700 h 5803900"/>
-              <a:gd name="connsiteX11" fmla="*/ 12700 w 8089900"/>
-              <a:gd name="connsiteY11" fmla="*/ 5346700 h 5803900"/>
-              <a:gd name="connsiteX12" fmla="*/ 12700 w 8089900"/>
-              <a:gd name="connsiteY12" fmla="*/ 546100 h 5803900"/>
-              <a:gd name="connsiteX0" fmla="*/ 12700 w 8089901"/>
-              <a:gd name="connsiteY0" fmla="*/ 546100 h 5803900"/>
-              <a:gd name="connsiteX1" fmla="*/ 88900 w 8089901"/>
-              <a:gd name="connsiteY1" fmla="*/ 88900 h 5803900"/>
-              <a:gd name="connsiteX2" fmla="*/ 546100 w 8089901"/>
-              <a:gd name="connsiteY2" fmla="*/ 12701 h 5803900"/>
-              <a:gd name="connsiteX3" fmla="*/ 7556500 w 8089901"/>
-              <a:gd name="connsiteY3" fmla="*/ 12700 h 5803900"/>
-              <a:gd name="connsiteX4" fmla="*/ 7807194 w 8089901"/>
-              <a:gd name="connsiteY4" fmla="*/ 295407 h 5803900"/>
-              <a:gd name="connsiteX5" fmla="*/ 8089900 w 8089901"/>
-              <a:gd name="connsiteY5" fmla="*/ 469900 h 5803900"/>
-              <a:gd name="connsiteX6" fmla="*/ 8089900 w 8089901"/>
-              <a:gd name="connsiteY6" fmla="*/ 4838681 h 5803900"/>
-              <a:gd name="connsiteX7" fmla="*/ 7807194 w 8089901"/>
-              <a:gd name="connsiteY7" fmla="*/ 5521194 h 5803900"/>
-              <a:gd name="connsiteX8" fmla="*/ 7124681 w 8089901"/>
-              <a:gd name="connsiteY8" fmla="*/ 5803900 h 5803900"/>
-              <a:gd name="connsiteX9" fmla="*/ 546100 w 8089901"/>
-              <a:gd name="connsiteY9" fmla="*/ 5803900 h 5803900"/>
-              <a:gd name="connsiteX10" fmla="*/ 88900 w 8089901"/>
-              <a:gd name="connsiteY10" fmla="*/ 5727700 h 5803900"/>
-              <a:gd name="connsiteX11" fmla="*/ 12700 w 8089901"/>
-              <a:gd name="connsiteY11" fmla="*/ 5346700 h 5803900"/>
-              <a:gd name="connsiteX12" fmla="*/ 12700 w 8089901"/>
-              <a:gd name="connsiteY12" fmla="*/ 546100 h 5803900"/>
-              <a:gd name="connsiteX0" fmla="*/ 12700 w 8102600"/>
-              <a:gd name="connsiteY0" fmla="*/ 546100 h 5803900"/>
-              <a:gd name="connsiteX1" fmla="*/ 88900 w 8102600"/>
-              <a:gd name="connsiteY1" fmla="*/ 88900 h 5803900"/>
-              <a:gd name="connsiteX2" fmla="*/ 546100 w 8102600"/>
-              <a:gd name="connsiteY2" fmla="*/ 12701 h 5803900"/>
-              <a:gd name="connsiteX3" fmla="*/ 7556500 w 8102600"/>
-              <a:gd name="connsiteY3" fmla="*/ 12700 h 5803900"/>
-              <a:gd name="connsiteX4" fmla="*/ 8013700 w 8102600"/>
-              <a:gd name="connsiteY4" fmla="*/ 88900 h 5803900"/>
-              <a:gd name="connsiteX5" fmla="*/ 8089900 w 8102600"/>
-              <a:gd name="connsiteY5" fmla="*/ 469900 h 5803900"/>
-              <a:gd name="connsiteX6" fmla="*/ 8089900 w 8102600"/>
-              <a:gd name="connsiteY6" fmla="*/ 4838681 h 5803900"/>
-              <a:gd name="connsiteX7" fmla="*/ 7807194 w 8102600"/>
-              <a:gd name="connsiteY7" fmla="*/ 5521194 h 5803900"/>
-              <a:gd name="connsiteX8" fmla="*/ 7124681 w 8102600"/>
-              <a:gd name="connsiteY8" fmla="*/ 5803900 h 5803900"/>
-              <a:gd name="connsiteX9" fmla="*/ 546100 w 8102600"/>
-              <a:gd name="connsiteY9" fmla="*/ 5803900 h 5803900"/>
-              <a:gd name="connsiteX10" fmla="*/ 88900 w 8102600"/>
-              <a:gd name="connsiteY10" fmla="*/ 5727700 h 5803900"/>
-              <a:gd name="connsiteX11" fmla="*/ 12700 w 8102600"/>
-              <a:gd name="connsiteY11" fmla="*/ 5346700 h 5803900"/>
-              <a:gd name="connsiteX12" fmla="*/ 12700 w 8102600"/>
-              <a:gd name="connsiteY12" fmla="*/ 546100 h 5803900"/>
-              <a:gd name="connsiteX0" fmla="*/ 12700 w 8102600"/>
-              <a:gd name="connsiteY0" fmla="*/ 546100 h 5803900"/>
-              <a:gd name="connsiteX1" fmla="*/ 88900 w 8102600"/>
-              <a:gd name="connsiteY1" fmla="*/ 88900 h 5803900"/>
-              <a:gd name="connsiteX2" fmla="*/ 546100 w 8102600"/>
-              <a:gd name="connsiteY2" fmla="*/ 12701 h 5803900"/>
-              <a:gd name="connsiteX3" fmla="*/ 7556500 w 8102600"/>
-              <a:gd name="connsiteY3" fmla="*/ 12700 h 5803900"/>
-              <a:gd name="connsiteX4" fmla="*/ 8013700 w 8102600"/>
-              <a:gd name="connsiteY4" fmla="*/ 88900 h 5803900"/>
-              <a:gd name="connsiteX5" fmla="*/ 8089899 w 8102600"/>
-              <a:gd name="connsiteY5" fmla="*/ 469900 h 5803900"/>
-              <a:gd name="connsiteX6" fmla="*/ 8089900 w 8102600"/>
-              <a:gd name="connsiteY6" fmla="*/ 4838681 h 5803900"/>
-              <a:gd name="connsiteX7" fmla="*/ 7807194 w 8102600"/>
-              <a:gd name="connsiteY7" fmla="*/ 5521194 h 5803900"/>
-              <a:gd name="connsiteX8" fmla="*/ 7124681 w 8102600"/>
-              <a:gd name="connsiteY8" fmla="*/ 5803900 h 5803900"/>
-              <a:gd name="connsiteX9" fmla="*/ 546100 w 8102600"/>
-              <a:gd name="connsiteY9" fmla="*/ 5803900 h 5803900"/>
-              <a:gd name="connsiteX10" fmla="*/ 88900 w 8102600"/>
-              <a:gd name="connsiteY10" fmla="*/ 5727700 h 5803900"/>
-              <a:gd name="connsiteX11" fmla="*/ 12700 w 8102600"/>
-              <a:gd name="connsiteY11" fmla="*/ 5346700 h 5803900"/>
-              <a:gd name="connsiteX12" fmla="*/ 12700 w 8102600"/>
-              <a:gd name="connsiteY12" fmla="*/ 546100 h 5803900"/>
-              <a:gd name="connsiteX0" fmla="*/ 12700 w 8102599"/>
-              <a:gd name="connsiteY0" fmla="*/ 546100 h 5803900"/>
-              <a:gd name="connsiteX1" fmla="*/ 88900 w 8102599"/>
-              <a:gd name="connsiteY1" fmla="*/ 88900 h 5803900"/>
-              <a:gd name="connsiteX2" fmla="*/ 546100 w 8102599"/>
-              <a:gd name="connsiteY2" fmla="*/ 12701 h 5803900"/>
-              <a:gd name="connsiteX3" fmla="*/ 7556500 w 8102599"/>
-              <a:gd name="connsiteY3" fmla="*/ 12700 h 5803900"/>
-              <a:gd name="connsiteX4" fmla="*/ 8013699 w 8102599"/>
-              <a:gd name="connsiteY4" fmla="*/ 88900 h 5803900"/>
-              <a:gd name="connsiteX5" fmla="*/ 8089899 w 8102599"/>
-              <a:gd name="connsiteY5" fmla="*/ 469900 h 5803900"/>
-              <a:gd name="connsiteX6" fmla="*/ 8089900 w 8102599"/>
-              <a:gd name="connsiteY6" fmla="*/ 4838681 h 5803900"/>
-              <a:gd name="connsiteX7" fmla="*/ 7807194 w 8102599"/>
-              <a:gd name="connsiteY7" fmla="*/ 5521194 h 5803900"/>
-              <a:gd name="connsiteX8" fmla="*/ 7124681 w 8102599"/>
-              <a:gd name="connsiteY8" fmla="*/ 5803900 h 5803900"/>
-              <a:gd name="connsiteX9" fmla="*/ 546100 w 8102599"/>
-              <a:gd name="connsiteY9" fmla="*/ 5803900 h 5803900"/>
-              <a:gd name="connsiteX10" fmla="*/ 88900 w 8102599"/>
-              <a:gd name="connsiteY10" fmla="*/ 5727700 h 5803900"/>
-              <a:gd name="connsiteX11" fmla="*/ 12700 w 8102599"/>
-              <a:gd name="connsiteY11" fmla="*/ 5346700 h 5803900"/>
-              <a:gd name="connsiteX12" fmla="*/ 12700 w 8102599"/>
-              <a:gd name="connsiteY12" fmla="*/ 546100 h 5803900"/>
-              <a:gd name="connsiteX0" fmla="*/ 12700 w 8102599"/>
-              <a:gd name="connsiteY0" fmla="*/ 546100 h 5803900"/>
-              <a:gd name="connsiteX1" fmla="*/ 88900 w 8102599"/>
-              <a:gd name="connsiteY1" fmla="*/ 88900 h 5803900"/>
-              <a:gd name="connsiteX2" fmla="*/ 546100 w 8102599"/>
-              <a:gd name="connsiteY2" fmla="*/ 12701 h 5803900"/>
-              <a:gd name="connsiteX3" fmla="*/ 7556500 w 8102599"/>
-              <a:gd name="connsiteY3" fmla="*/ 12700 h 5803900"/>
-              <a:gd name="connsiteX4" fmla="*/ 8013699 w 8102599"/>
-              <a:gd name="connsiteY4" fmla="*/ 88900 h 5803900"/>
-              <a:gd name="connsiteX5" fmla="*/ 8089899 w 8102599"/>
-              <a:gd name="connsiteY5" fmla="*/ 469900 h 5803900"/>
-              <a:gd name="connsiteX6" fmla="*/ 8089900 w 8102599"/>
-              <a:gd name="connsiteY6" fmla="*/ 5346700 h 5803900"/>
-              <a:gd name="connsiteX7" fmla="*/ 7807194 w 8102599"/>
-              <a:gd name="connsiteY7" fmla="*/ 5521194 h 5803900"/>
-              <a:gd name="connsiteX8" fmla="*/ 7124681 w 8102599"/>
-              <a:gd name="connsiteY8" fmla="*/ 5803900 h 5803900"/>
-              <a:gd name="connsiteX9" fmla="*/ 546100 w 8102599"/>
-              <a:gd name="connsiteY9" fmla="*/ 5803900 h 5803900"/>
-              <a:gd name="connsiteX10" fmla="*/ 88900 w 8102599"/>
-              <a:gd name="connsiteY10" fmla="*/ 5727700 h 5803900"/>
-              <a:gd name="connsiteX11" fmla="*/ 12700 w 8102599"/>
-              <a:gd name="connsiteY11" fmla="*/ 5346700 h 5803900"/>
-              <a:gd name="connsiteX12" fmla="*/ 12700 w 8102599"/>
-              <a:gd name="connsiteY12" fmla="*/ 546100 h 5803900"/>
-              <a:gd name="connsiteX0" fmla="*/ 12700 w 8102599"/>
-              <a:gd name="connsiteY0" fmla="*/ 546100 h 5803900"/>
-              <a:gd name="connsiteX1" fmla="*/ 88900 w 8102599"/>
-              <a:gd name="connsiteY1" fmla="*/ 88900 h 5803900"/>
-              <a:gd name="connsiteX2" fmla="*/ 546100 w 8102599"/>
-              <a:gd name="connsiteY2" fmla="*/ 12701 h 5803900"/>
-              <a:gd name="connsiteX3" fmla="*/ 7556500 w 8102599"/>
-              <a:gd name="connsiteY3" fmla="*/ 12700 h 5803900"/>
-              <a:gd name="connsiteX4" fmla="*/ 8013699 w 8102599"/>
-              <a:gd name="connsiteY4" fmla="*/ 88900 h 5803900"/>
-              <a:gd name="connsiteX5" fmla="*/ 8089899 w 8102599"/>
-              <a:gd name="connsiteY5" fmla="*/ 469900 h 5803900"/>
-              <a:gd name="connsiteX6" fmla="*/ 8089900 w 8102599"/>
-              <a:gd name="connsiteY6" fmla="*/ 5346700 h 5803900"/>
-              <a:gd name="connsiteX7" fmla="*/ 7807194 w 8102599"/>
-              <a:gd name="connsiteY7" fmla="*/ 5521194 h 5803900"/>
-              <a:gd name="connsiteX8" fmla="*/ 7632700 w 8102599"/>
-              <a:gd name="connsiteY8" fmla="*/ 5803900 h 5803900"/>
-              <a:gd name="connsiteX9" fmla="*/ 546100 w 8102599"/>
-              <a:gd name="connsiteY9" fmla="*/ 5803900 h 5803900"/>
-              <a:gd name="connsiteX10" fmla="*/ 88900 w 8102599"/>
-              <a:gd name="connsiteY10" fmla="*/ 5727700 h 5803900"/>
-              <a:gd name="connsiteX11" fmla="*/ 12700 w 8102599"/>
-              <a:gd name="connsiteY11" fmla="*/ 5346700 h 5803900"/>
-              <a:gd name="connsiteX12" fmla="*/ 12700 w 8102599"/>
-              <a:gd name="connsiteY12" fmla="*/ 546100 h 5803900"/>
-              <a:gd name="connsiteX0" fmla="*/ 12700 w 8102599"/>
-              <a:gd name="connsiteY0" fmla="*/ 546100 h 5803900"/>
-              <a:gd name="connsiteX1" fmla="*/ 88900 w 8102599"/>
-              <a:gd name="connsiteY1" fmla="*/ 88900 h 5803900"/>
-              <a:gd name="connsiteX2" fmla="*/ 546100 w 8102599"/>
-              <a:gd name="connsiteY2" fmla="*/ 12701 h 5803900"/>
-              <a:gd name="connsiteX3" fmla="*/ 7556500 w 8102599"/>
-              <a:gd name="connsiteY3" fmla="*/ 12700 h 5803900"/>
-              <a:gd name="connsiteX4" fmla="*/ 8013699 w 8102599"/>
-              <a:gd name="connsiteY4" fmla="*/ 88900 h 5803900"/>
-              <a:gd name="connsiteX5" fmla="*/ 8089899 w 8102599"/>
-              <a:gd name="connsiteY5" fmla="*/ 469900 h 5803900"/>
-              <a:gd name="connsiteX6" fmla="*/ 8089900 w 8102599"/>
-              <a:gd name="connsiteY6" fmla="*/ 5346700 h 5803900"/>
-              <a:gd name="connsiteX7" fmla="*/ 8013700 w 8102599"/>
-              <a:gd name="connsiteY7" fmla="*/ 5727700 h 5803900"/>
-              <a:gd name="connsiteX8" fmla="*/ 7632700 w 8102599"/>
-              <a:gd name="connsiteY8" fmla="*/ 5803900 h 5803900"/>
-              <a:gd name="connsiteX9" fmla="*/ 546100 w 8102599"/>
-              <a:gd name="connsiteY9" fmla="*/ 5803900 h 5803900"/>
-              <a:gd name="connsiteX10" fmla="*/ 88900 w 8102599"/>
-              <a:gd name="connsiteY10" fmla="*/ 5727700 h 5803900"/>
-              <a:gd name="connsiteX11" fmla="*/ 12700 w 8102599"/>
-              <a:gd name="connsiteY11" fmla="*/ 5346700 h 5803900"/>
-              <a:gd name="connsiteX12" fmla="*/ 12700 w 8102599"/>
-              <a:gd name="connsiteY12" fmla="*/ 546100 h 5803900"/>
-            </a:gdLst>
-            <a:ahLst/>
-            <a:cxnLst>
-              <a:cxn ang="0">
-                <a:pos x="connsiteX0" y="connsiteY0"/>
-              </a:cxn>
-              <a:cxn ang="0">
-                <a:pos x="connsiteX1" y="connsiteY1"/>
-              </a:cxn>
-              <a:cxn ang="0">
-                <a:pos x="connsiteX2" y="connsiteY2"/>
-              </a:cxn>
-              <a:cxn ang="0">
-                <a:pos x="connsiteX3" y="connsiteY3"/>
-              </a:cxn>
-              <a:cxn ang="0">
-                <a:pos x="connsiteX4" y="connsiteY4"/>
-              </a:cxn>
-              <a:cxn ang="0">
-                <a:pos x="connsiteX5" y="connsiteY5"/>
-              </a:cxn>
-              <a:cxn ang="0">
-                <a:pos x="connsiteX6" y="connsiteY6"/>
-              </a:cxn>
-              <a:cxn ang="0">
-                <a:pos x="connsiteX7" y="connsiteY7"/>
-              </a:cxn>
-              <a:cxn ang="0">
-                <a:pos x="connsiteX8" y="connsiteY8"/>
-              </a:cxn>
-              <a:cxn ang="0">
-                <a:pos x="connsiteX9" y="connsiteY9"/>
-              </a:cxn>
-              <a:cxn ang="0">
-                <a:pos x="connsiteX10" y="connsiteY10"/>
-              </a:cxn>
-              <a:cxn ang="0">
-                <a:pos x="connsiteX11" y="connsiteY11"/>
-              </a:cxn>
-              <a:cxn ang="0">
-                <a:pos x="connsiteX12" y="connsiteY12"/>
-              </a:cxn>
-            </a:cxnLst>
-            <a:rect l="l" t="t" r="r" b="b"/>
-            <a:pathLst>
-              <a:path w="8102599" h="5803900">
-                <a:moveTo>
-                  <a:pt x="12700" y="546100"/>
-                </a:moveTo>
-                <a:cubicBezTo>
-                  <a:pt x="12700" y="290108"/>
-                  <a:pt x="0" y="177800"/>
-                  <a:pt x="88900" y="88900"/>
-                </a:cubicBezTo>
-                <a:cubicBezTo>
-                  <a:pt x="177800" y="0"/>
-                  <a:pt x="290107" y="12700"/>
-                  <a:pt x="546100" y="12701"/>
-                </a:cubicBezTo>
-                <a:lnTo>
-                  <a:pt x="7556500" y="12700"/>
-                </a:lnTo>
-                <a:cubicBezTo>
-                  <a:pt x="7812492" y="12700"/>
-                  <a:pt x="7924799" y="12700"/>
-                  <a:pt x="8013699" y="88900"/>
-                </a:cubicBezTo>
-                <a:cubicBezTo>
-                  <a:pt x="8102599" y="165100"/>
-                  <a:pt x="8089900" y="213907"/>
-                  <a:pt x="8089899" y="469900"/>
-                </a:cubicBezTo>
-                <a:cubicBezTo>
-                  <a:pt x="8089899" y="1926160"/>
-                  <a:pt x="8089900" y="3890440"/>
-                  <a:pt x="8089900" y="5346700"/>
-                </a:cubicBezTo>
-                <a:cubicBezTo>
-                  <a:pt x="8089900" y="5602692"/>
-                  <a:pt x="8089900" y="5651500"/>
-                  <a:pt x="8013700" y="5727700"/>
-                </a:cubicBezTo>
-                <a:cubicBezTo>
-                  <a:pt x="7937500" y="5803900"/>
-                  <a:pt x="7888692" y="5803900"/>
-                  <a:pt x="7632700" y="5803900"/>
-                </a:cubicBezTo>
-                <a:lnTo>
-                  <a:pt x="546100" y="5803900"/>
-                </a:lnTo>
-                <a:cubicBezTo>
-                  <a:pt x="290108" y="5803900"/>
-                  <a:pt x="177800" y="5803900"/>
-                  <a:pt x="88900" y="5727700"/>
-                </a:cubicBezTo>
-                <a:cubicBezTo>
-                  <a:pt x="0" y="5651500"/>
-                  <a:pt x="12700" y="5602692"/>
-                  <a:pt x="12700" y="5346700"/>
-                </a:cubicBezTo>
-                <a:lnTo>
-                  <a:pt x="12700" y="546100"/>
-                </a:lnTo>
-                <a:close/>
-              </a:path>
-            </a:pathLst>
-          </a:custGeom>
-          <a:gradFill>
-            <a:gsLst>
-              <a:gs pos="0">
-                <a:schemeClr val="bg1">
-                  <a:lumMod val="50000"/>
-                </a:schemeClr>
-              </a:gs>
-              <a:gs pos="39999">
-                <a:schemeClr val="bg1">
-                  <a:lumMod val="65000"/>
-                </a:schemeClr>
-              </a:gs>
-              <a:gs pos="70000">
-                <a:schemeClr val="bg1">
-                  <a:lumMod val="50000"/>
-                  <a:alpha val="73000"/>
-                </a:schemeClr>
-              </a:gs>
-            </a:gsLst>
-            <a:lin ang="5400000" scaled="0"/>
-          </a:gradFill>
-          <a:ln>
-            <a:solidFill>
-              <a:schemeClr val="bg1">
-                <a:lumMod val="75000"/>
-              </a:schemeClr>
-            </a:solidFill>
-          </a:ln>
-        </p:spPr>
-        <p:style>
-          <a:lnRef idx="2">
-            <a:schemeClr val="accent1">
-              <a:shade val="50000"/>
-            </a:schemeClr>
-          </a:lnRef>
-          <a:fillRef idx="1">
-            <a:schemeClr val="accent1"/>
-          </a:fillRef>
-          <a:effectRef idx="0">
-            <a:schemeClr val="accent1"/>
-          </a:effectRef>
-          <a:fontRef idx="minor">
-            <a:schemeClr val="lt1"/>
-          </a:fontRef>
-        </p:style>
-        <p:txBody>
-          <a:bodyPr rtlCol="0" anchor="ctr"/>
-          <a:lstStyle/>
-          <a:p>
-            <a:pPr fontAlgn="t"/>
-            <a:endParaRPr lang="es-AR" b="1" dirty="0" smtClean="0"/>
-          </a:p>
-          <a:p>
-            <a:pPr algn="ctr"/>
-            <a:endParaRPr lang="es-AR" dirty="0"/>
-          </a:p>
-        </p:txBody>
-      </p:sp>
-      <p:sp>
-        <p:nvSpPr>
-          <p:cNvPr id="11" name="Rectangle 13"/>
-          <p:cNvSpPr/>
-          <p:nvPr/>
-        </p:nvSpPr>
-        <p:spPr>
-          <a:xfrm>
-            <a:off x="381000" y="1295400"/>
-            <a:ext cx="8458200" cy="1066800"/>
-          </a:xfrm>
-          <a:prstGeom prst="rect">
-            <a:avLst/>
-          </a:prstGeom>
-          <a:noFill/>
-          <a:ln>
-            <a:noFill/>
-          </a:ln>
-        </p:spPr>
-        <p:style>
-          <a:lnRef idx="2">
-            <a:schemeClr val="accent1">
-              <a:shade val="50000"/>
-            </a:schemeClr>
-          </a:lnRef>
-          <a:fillRef idx="1">
-            <a:schemeClr val="accent1"/>
-          </a:fillRef>
-          <a:effectRef idx="0">
-            <a:schemeClr val="accent1"/>
-          </a:effectRef>
-          <a:fontRef idx="minor">
-            <a:schemeClr val="lt1"/>
-          </a:fontRef>
-        </p:style>
-        <p:txBody>
-          <a:bodyPr rtlCol="0" anchor="ctr"/>
-          <a:lstStyle/>
-          <a:p>
-            <a:pPr algn="ctr"/>
-            <a:r>
-              <a:rPr lang="es-AR" sz="4800" b="1" dirty="0" smtClean="0"/>
-              <a:t>Modelo de Datos (II)</a:t>
-            </a:r>
-          </a:p>
-          <a:p>
-            <a:pPr algn="ctr"/>
-            <a:endParaRPr lang="es-AR" sz="1200" dirty="0"/>
-          </a:p>
-        </p:txBody>
-      </p:sp>
-      <p:grpSp>
-        <p:nvGrpSpPr>
-          <p:cNvPr id="12" name="Group 14"/>
-          <p:cNvGrpSpPr/>
-          <p:nvPr/>
-        </p:nvGrpSpPr>
-        <p:grpSpPr>
-          <a:xfrm>
-            <a:off x="1295400" y="544415"/>
-            <a:ext cx="6553200" cy="903384"/>
-            <a:chOff x="1295400" y="544415"/>
-            <a:chExt cx="6553200" cy="903384"/>
-          </a:xfrm>
-        </p:grpSpPr>
-        <p:sp>
-          <p:nvSpPr>
-            <p:cNvPr id="13" name="Round Same Side Corner Rectangle 15"/>
-            <p:cNvSpPr/>
-            <p:nvPr/>
-          </p:nvSpPr>
-          <p:spPr>
-            <a:xfrm rot="10800000">
-              <a:off x="1295400" y="544415"/>
-              <a:ext cx="6553200" cy="903384"/>
-            </a:xfrm>
-            <a:prstGeom prst="round2SameRect">
-              <a:avLst/>
-            </a:prstGeom>
-          </p:spPr>
-          <p:style>
-            <a:lnRef idx="2">
-              <a:schemeClr val="dk1">
-                <a:shade val="50000"/>
-              </a:schemeClr>
-            </a:lnRef>
-            <a:fillRef idx="1">
-              <a:schemeClr val="dk1"/>
-            </a:fillRef>
-            <a:effectRef idx="0">
-              <a:schemeClr val="dk1"/>
-            </a:effectRef>
-            <a:fontRef idx="minor">
-              <a:schemeClr val="lt1"/>
-            </a:fontRef>
-          </p:style>
-          <p:txBody>
-            <a:bodyPr rtlCol="0" anchor="ctr"/>
-            <a:lstStyle/>
-            <a:p>
-              <a:pPr algn="ctr"/>
-              <a:endParaRPr lang="es-AR" dirty="0"/>
-            </a:p>
-          </p:txBody>
-        </p:sp>
-        <p:pic>
-          <p:nvPicPr>
-            <p:cNvPr id="14" name="Picture 2" descr="E:\U.B.A.Files\Materias\75.45 Taller de Desarrollo de Proyectos I\TP\Trunk\Proyecto\web\site\images\logo.png"/>
-            <p:cNvPicPr>
-              <a:picLocks noChangeAspect="1" noChangeArrowheads="1"/>
-            </p:cNvPicPr>
-            <p:nvPr/>
-          </p:nvPicPr>
-          <p:blipFill>
-            <a:blip r:embed="rId2" cstate="print"/>
-            <a:srcRect/>
-            <a:stretch>
-              <a:fillRect/>
-            </a:stretch>
-          </p:blipFill>
-          <p:spPr bwMode="auto">
-            <a:xfrm>
-              <a:off x="1600200" y="609600"/>
-              <a:ext cx="2640904" cy="762000"/>
-            </a:xfrm>
-            <a:prstGeom prst="rect">
-              <a:avLst/>
-            </a:prstGeom>
-            <a:noFill/>
-          </p:spPr>
-        </p:pic>
-        <p:sp>
-          <p:nvSpPr>
-            <p:cNvPr id="15" name="TextBox 22"/>
-            <p:cNvSpPr txBox="1"/>
-            <p:nvPr/>
-          </p:nvSpPr>
-          <p:spPr>
-            <a:xfrm>
-              <a:off x="4515457" y="685800"/>
-              <a:ext cx="3180743" cy="307777"/>
-            </a:xfrm>
-            <a:prstGeom prst="rect">
-              <a:avLst/>
-            </a:prstGeom>
-            <a:noFill/>
-          </p:spPr>
-          <p:txBody>
-            <a:bodyPr wrap="none" rtlCol="0">
-              <a:spAutoFit/>
-            </a:bodyPr>
-            <a:lstStyle/>
-            <a:p>
-              <a:r>
-                <a:rPr lang="es-AR" sz="1400" dirty="0" smtClean="0">
-                  <a:solidFill>
-                    <a:schemeClr val="bg1">
-                      <a:lumMod val="50000"/>
-                    </a:schemeClr>
-                  </a:solidFill>
-                </a:rPr>
-                <a:t>Centralización y análisis de datos</a:t>
-              </a:r>
-              <a:endParaRPr lang="es-AR" sz="1400" dirty="0">
-                <a:solidFill>
-                  <a:schemeClr val="bg1">
-                    <a:lumMod val="50000"/>
-                  </a:schemeClr>
-                </a:solidFill>
-              </a:endParaRPr>
-            </a:p>
-          </p:txBody>
-        </p:sp>
-      </p:grpSp>
-      <p:pic>
-        <p:nvPicPr>
-          <p:cNvPr id="19" name="18 Imagen" descr="parte2.gif"/>
-          <p:cNvPicPr>
-            <a:picLocks noChangeAspect="1"/>
-          </p:cNvPicPr>
-          <p:nvPr/>
-        </p:nvPicPr>
-        <p:blipFill>
-          <a:blip r:embed="rId3"/>
-          <a:stretch>
-            <a:fillRect/>
-          </a:stretch>
-        </p:blipFill>
-        <p:spPr>
-          <a:xfrm>
-            <a:off x="2362200" y="2133600"/>
-            <a:ext cx="4409831" cy="4062600"/>
           </a:xfrm>
           <a:prstGeom prst="rect">
             <a:avLst/>

--- a/trunk/Presentacion/Tecnica/Presentacion Tecnica.pptx
+++ b/trunk/Presentacion/Tecnica/Presentacion Tecnica.pptx
@@ -5,7 +5,7 @@
     <p:sldMasterId id="2147484416" r:id="rId1"/>
   </p:sldMasterIdLst>
   <p:notesMasterIdLst>
-    <p:notesMasterId r:id="rId16"/>
+    <p:notesMasterId r:id="rId17"/>
   </p:notesMasterIdLst>
   <p:sldIdLst>
     <p:sldId id="256" r:id="rId2"/>
@@ -22,6 +22,7 @@
     <p:sldId id="273" r:id="rId13"/>
     <p:sldId id="274" r:id="rId14"/>
     <p:sldId id="269" r:id="rId15"/>
+    <p:sldId id="277" r:id="rId16"/>
   </p:sldIdLst>
   <p:sldSz cx="9144000" cy="6858000" type="screen4x3"/>
   <p:notesSz cx="6858000" cy="9144000"/>
@@ -206,7 +207,7 @@
             <a:fld id="{9763C9BB-72E2-4283-8DE8-50E875797B7C}" type="datetimeFigureOut">
               <a:rPr lang="es-AR" smtClean="0"/>
               <a:pPr/>
-              <a:t>07/07/2011</a:t>
+              <a:t>08/07/2011</a:t>
             </a:fld>
             <a:endParaRPr lang="es-AR"/>
           </a:p>
@@ -654,7 +655,7 @@
             <a:fld id="{1D8BD707-D9CF-40AE-B4C6-C98DA3205C09}" type="datetimeFigureOut">
               <a:rPr lang="en-US" smtClean="0"/>
               <a:pPr/>
-              <a:t>7/7/2011</a:t>
+              <a:t>7/8/2011</a:t>
             </a:fld>
             <a:endParaRPr lang="en-US"/>
           </a:p>
@@ -821,7 +822,7 @@
             <a:fld id="{1D8BD707-D9CF-40AE-B4C6-C98DA3205C09}" type="datetimeFigureOut">
               <a:rPr lang="en-US" smtClean="0"/>
               <a:pPr/>
-              <a:t>7/7/2011</a:t>
+              <a:t>7/8/2011</a:t>
             </a:fld>
             <a:endParaRPr lang="en-US"/>
           </a:p>
@@ -998,7 +999,7 @@
             <a:fld id="{1D8BD707-D9CF-40AE-B4C6-C98DA3205C09}" type="datetimeFigureOut">
               <a:rPr lang="en-US" smtClean="0"/>
               <a:pPr/>
-              <a:t>7/7/2011</a:t>
+              <a:t>7/8/2011</a:t>
             </a:fld>
             <a:endParaRPr lang="en-US"/>
           </a:p>
@@ -1165,7 +1166,7 @@
             <a:fld id="{1D8BD707-D9CF-40AE-B4C6-C98DA3205C09}" type="datetimeFigureOut">
               <a:rPr lang="en-US" smtClean="0"/>
               <a:pPr/>
-              <a:t>7/7/2011</a:t>
+              <a:t>7/8/2011</a:t>
             </a:fld>
             <a:endParaRPr lang="en-US"/>
           </a:p>
@@ -1408,7 +1409,7 @@
             <a:fld id="{1D8BD707-D9CF-40AE-B4C6-C98DA3205C09}" type="datetimeFigureOut">
               <a:rPr lang="en-US" smtClean="0"/>
               <a:pPr/>
-              <a:t>7/7/2011</a:t>
+              <a:t>7/8/2011</a:t>
             </a:fld>
             <a:endParaRPr lang="en-US"/>
           </a:p>
@@ -1693,7 +1694,7 @@
             <a:fld id="{1D8BD707-D9CF-40AE-B4C6-C98DA3205C09}" type="datetimeFigureOut">
               <a:rPr lang="en-US" smtClean="0"/>
               <a:pPr/>
-              <a:t>7/7/2011</a:t>
+              <a:t>7/8/2011</a:t>
             </a:fld>
             <a:endParaRPr lang="en-US"/>
           </a:p>
@@ -2112,7 +2113,7 @@
             <a:fld id="{1D8BD707-D9CF-40AE-B4C6-C98DA3205C09}" type="datetimeFigureOut">
               <a:rPr lang="en-US" smtClean="0"/>
               <a:pPr/>
-              <a:t>7/7/2011</a:t>
+              <a:t>7/8/2011</a:t>
             </a:fld>
             <a:endParaRPr lang="en-US"/>
           </a:p>
@@ -2227,7 +2228,7 @@
             <a:fld id="{1D8BD707-D9CF-40AE-B4C6-C98DA3205C09}" type="datetimeFigureOut">
               <a:rPr lang="en-US" smtClean="0"/>
               <a:pPr/>
-              <a:t>7/7/2011</a:t>
+              <a:t>7/8/2011</a:t>
             </a:fld>
             <a:endParaRPr lang="en-US"/>
           </a:p>
@@ -2319,7 +2320,7 @@
             <a:fld id="{1D8BD707-D9CF-40AE-B4C6-C98DA3205C09}" type="datetimeFigureOut">
               <a:rPr lang="en-US" smtClean="0"/>
               <a:pPr/>
-              <a:t>7/7/2011</a:t>
+              <a:t>7/8/2011</a:t>
             </a:fld>
             <a:endParaRPr lang="en-US"/>
           </a:p>
@@ -2593,7 +2594,7 @@
             <a:fld id="{1D8BD707-D9CF-40AE-B4C6-C98DA3205C09}" type="datetimeFigureOut">
               <a:rPr lang="en-US" smtClean="0"/>
               <a:pPr/>
-              <a:t>7/7/2011</a:t>
+              <a:t>7/8/2011</a:t>
             </a:fld>
             <a:endParaRPr lang="en-US"/>
           </a:p>
@@ -2843,7 +2844,7 @@
             <a:fld id="{1D8BD707-D9CF-40AE-B4C6-C98DA3205C09}" type="datetimeFigureOut">
               <a:rPr lang="en-US" smtClean="0"/>
               <a:pPr/>
-              <a:t>7/7/2011</a:t>
+              <a:t>7/8/2011</a:t>
             </a:fld>
             <a:endParaRPr lang="en-US"/>
           </a:p>
@@ -3058,7 +3059,7 @@
             <a:fld id="{1D8BD707-D9CF-40AE-B4C6-C98DA3205C09}" type="datetimeFigureOut">
               <a:rPr lang="en-US" smtClean="0"/>
               <a:pPr/>
-              <a:t>7/7/2011</a:t>
+              <a:t>7/8/2011</a:t>
             </a:fld>
             <a:endParaRPr lang="en-US"/>
           </a:p>
@@ -4932,7 +4933,7 @@
           <a:p>
             <a:pPr algn="ctr"/>
             <a:r>
-              <a:rPr lang="es-AR" sz="4800" b="1" dirty="0" smtClean="0"/>
+              <a:rPr lang="es-AR" sz="4800" b="1" u="sng" dirty="0" smtClean="0"/>
               <a:t>Modelo de Datos (I)</a:t>
             </a:r>
           </a:p>
@@ -6049,7 +6050,7 @@
           <a:p>
             <a:pPr algn="ctr"/>
             <a:r>
-              <a:rPr lang="es-AR" sz="4800" b="1" dirty="0" smtClean="0"/>
+              <a:rPr lang="es-AR" sz="4800" b="1" u="sng" dirty="0" smtClean="0"/>
               <a:t>Modelo de Datos (II)</a:t>
             </a:r>
           </a:p>
@@ -7337,11 +7338,7 @@
             </a:pPr>
             <a:r>
               <a:rPr lang="es-AR" sz="4000" dirty="0" smtClean="0"/>
-              <a:t> </a:t>
-            </a:r>
-            <a:r>
-              <a:rPr lang="es-AR" sz="4000" dirty="0" smtClean="0"/>
-              <a:t>URL encriptado</a:t>
+              <a:t> URL encriptado</a:t>
             </a:r>
           </a:p>
           <a:p>
@@ -10381,7 +10378,7 @@
         </p:nvSpPr>
         <p:spPr>
           <a:xfrm>
-            <a:off x="381000" y="1295400"/>
+            <a:off x="381000" y="1828800"/>
             <a:ext cx="8458200" cy="1066800"/>
           </a:xfrm>
           <a:prstGeom prst="rect">
@@ -10414,14 +10411,16 @@
           <a:p>
             <a:pPr algn="ctr"/>
             <a:r>
-              <a:rPr lang="es-AR" sz="4800" b="1" dirty="0" smtClean="0"/>
-              <a:t>Data </a:t>
+              <a:rPr lang="es-AR" sz="4800" b="1" u="sng" dirty="0" smtClean="0"/>
+              <a:t>Diferencias</a:t>
             </a:r>
+          </a:p>
+          <a:p>
+            <a:pPr algn="ctr"/>
             <a:r>
-              <a:rPr lang="es-AR" sz="4800" b="1" dirty="0" err="1" smtClean="0"/>
-              <a:t>Mining</a:t>
+              <a:rPr lang="es-AR" sz="3200" b="1" dirty="0" smtClean="0"/>
+              <a:t>(entre el prototipo y el sistema real)</a:t>
             </a:r>
-            <a:endParaRPr lang="es-AR" sz="4800" b="1" dirty="0" smtClean="0"/>
           </a:p>
           <a:p>
             <a:pPr algn="ctr"/>
@@ -10552,6 +10551,76 @@
           </p:txBody>
         </p:sp>
       </p:grpSp>
+      <p:sp>
+        <p:nvSpPr>
+          <p:cNvPr id="15" name="14 Rectángulo"/>
+          <p:cNvSpPr/>
+          <p:nvPr/>
+        </p:nvSpPr>
+        <p:spPr>
+          <a:xfrm>
+            <a:off x="685800" y="2895600"/>
+            <a:ext cx="7467600" cy="3108543"/>
+          </a:xfrm>
+          <a:prstGeom prst="rect">
+            <a:avLst/>
+          </a:prstGeom>
+        </p:spPr>
+        <p:txBody>
+          <a:bodyPr wrap="square">
+            <a:spAutoFit/>
+          </a:bodyPr>
+          <a:lstStyle/>
+          <a:p>
+            <a:pPr lvl="0">
+              <a:buFont typeface="Arial" pitchFamily="34" charset="0"/>
+              <a:buChar char="•"/>
+            </a:pPr>
+            <a:r>
+              <a:rPr lang="es-AR" sz="2800" dirty="0" smtClean="0"/>
+              <a:t> Contratos y convenios con las diferentes entidades para obtener los datos.</a:t>
+            </a:r>
+          </a:p>
+          <a:p>
+            <a:pPr lvl="0">
+              <a:buFont typeface="Arial" pitchFamily="34" charset="0"/>
+              <a:buChar char="•"/>
+            </a:pPr>
+            <a:r>
+              <a:rPr lang="es-AR" sz="2800" dirty="0" smtClean="0"/>
+              <a:t>Montaje de la base de datos y de la web en un </a:t>
+            </a:r>
+            <a:r>
+              <a:rPr lang="es-AR" sz="2800" dirty="0" err="1" smtClean="0"/>
+              <a:t>datacenter</a:t>
+            </a:r>
+            <a:r>
+              <a:rPr lang="es-AR" sz="2800" dirty="0" smtClean="0"/>
+              <a:t>.</a:t>
+            </a:r>
+          </a:p>
+          <a:p>
+            <a:pPr lvl="0">
+              <a:buFont typeface="Arial" pitchFamily="34" charset="0"/>
+              <a:buChar char="•"/>
+            </a:pPr>
+            <a:r>
+              <a:rPr lang="es-AR" sz="2800" dirty="0" smtClean="0"/>
+              <a:t>Análisis y estimación de riesgos realizado por un actuario u otro tipo de profesional.</a:t>
+            </a:r>
+          </a:p>
+          <a:p>
+            <a:pPr lvl="0">
+              <a:buFont typeface="Arial" pitchFamily="34" charset="0"/>
+              <a:buChar char="•"/>
+            </a:pPr>
+            <a:r>
+              <a:rPr lang="es-AR" sz="2800" dirty="0" smtClean="0"/>
+              <a:t> Procesos de actualización de la base de datos.</a:t>
+            </a:r>
+          </a:p>
+        </p:txBody>
+      </p:sp>
     </p:spTree>
   </p:cSld>
   <p:clrMapOvr>
@@ -10564,6 +10633,1161 @@
       </p:par>
     </p:tnLst>
   </p:timing>
+</p:sld>
+</file>
+
+<file path=ppt/slides/slide15.xml><?xml version="1.0" encoding="utf-8"?>
+<p:sld xmlns:a="http://schemas.openxmlformats.org/drawingml/2006/main" xmlns:r="http://schemas.openxmlformats.org/officeDocument/2006/relationships" xmlns:p="http://schemas.openxmlformats.org/presentationml/2006/main">
+  <p:cSld>
+    <p:spTree>
+      <p:nvGrpSpPr>
+        <p:cNvPr id="1" name=""/>
+        <p:cNvGrpSpPr/>
+        <p:nvPr/>
+      </p:nvGrpSpPr>
+      <p:grpSpPr>
+        <a:xfrm>
+          <a:off x="0" y="0"/>
+          <a:ext cx="0" cy="0"/>
+          <a:chOff x="0" y="0"/>
+          <a:chExt cx="0" cy="0"/>
+        </a:xfrm>
+      </p:grpSpPr>
+      <p:grpSp>
+        <p:nvGrpSpPr>
+          <p:cNvPr id="17" name="Group 22"/>
+          <p:cNvGrpSpPr/>
+          <p:nvPr/>
+        </p:nvGrpSpPr>
+        <p:grpSpPr>
+          <a:xfrm>
+            <a:off x="304800" y="304800"/>
+            <a:ext cx="8534400" cy="6248400"/>
+            <a:chOff x="304800" y="304800"/>
+            <a:chExt cx="8534400" cy="6248400"/>
+          </a:xfrm>
+          <a:solidFill>
+            <a:schemeClr val="bg1">
+              <a:lumMod val="85000"/>
+            </a:schemeClr>
+          </a:solidFill>
+        </p:grpSpPr>
+        <p:sp>
+          <p:nvSpPr>
+            <p:cNvPr id="18" name="Rounded Rectangle 17"/>
+            <p:cNvSpPr/>
+            <p:nvPr/>
+          </p:nvSpPr>
+          <p:spPr>
+            <a:xfrm>
+              <a:off x="304800" y="304800"/>
+              <a:ext cx="8534400" cy="6248400"/>
+            </a:xfrm>
+            <a:prstGeom prst="roundRect">
+              <a:avLst/>
+            </a:prstGeom>
+            <a:grpFill/>
+            <a:ln>
+              <a:noFill/>
+            </a:ln>
+          </p:spPr>
+          <p:style>
+            <a:lnRef idx="2">
+              <a:schemeClr val="accent1">
+                <a:shade val="50000"/>
+              </a:schemeClr>
+            </a:lnRef>
+            <a:fillRef idx="1">
+              <a:schemeClr val="accent1"/>
+            </a:fillRef>
+            <a:effectRef idx="0">
+              <a:schemeClr val="accent1"/>
+            </a:effectRef>
+            <a:fontRef idx="minor">
+              <a:schemeClr val="lt1"/>
+            </a:fontRef>
+          </p:style>
+          <p:txBody>
+            <a:bodyPr rtlCol="0" anchor="ctr"/>
+            <a:lstStyle/>
+            <a:p>
+              <a:pPr algn="ctr"/>
+              <a:endParaRPr lang="es-AR"/>
+            </a:p>
+          </p:txBody>
+        </p:sp>
+        <p:sp>
+          <p:nvSpPr>
+            <p:cNvPr id="19" name="Rounded Rectangle 21"/>
+            <p:cNvSpPr/>
+            <p:nvPr/>
+          </p:nvSpPr>
+          <p:spPr>
+            <a:xfrm>
+              <a:off x="7086600" y="304800"/>
+              <a:ext cx="1752600" cy="1752600"/>
+            </a:xfrm>
+            <a:prstGeom prst="roundRect">
+              <a:avLst/>
+            </a:prstGeom>
+            <a:grpFill/>
+            <a:ln>
+              <a:noFill/>
+            </a:ln>
+          </p:spPr>
+          <p:style>
+            <a:lnRef idx="2">
+              <a:schemeClr val="accent1">
+                <a:shade val="50000"/>
+              </a:schemeClr>
+            </a:lnRef>
+            <a:fillRef idx="1">
+              <a:schemeClr val="accent1"/>
+            </a:fillRef>
+            <a:effectRef idx="0">
+              <a:schemeClr val="accent1"/>
+            </a:effectRef>
+            <a:fontRef idx="minor">
+              <a:schemeClr val="lt1"/>
+            </a:fontRef>
+          </p:style>
+          <p:txBody>
+            <a:bodyPr rtlCol="0" anchor="ctr"/>
+            <a:lstStyle/>
+            <a:p>
+              <a:pPr algn="ctr"/>
+              <a:endParaRPr lang="es-AR"/>
+            </a:p>
+          </p:txBody>
+        </p:sp>
+        <p:sp>
+          <p:nvSpPr>
+            <p:cNvPr id="20" name="Rounded Rectangle 20"/>
+            <p:cNvSpPr/>
+            <p:nvPr/>
+          </p:nvSpPr>
+          <p:spPr>
+            <a:xfrm>
+              <a:off x="304800" y="304800"/>
+              <a:ext cx="1752600" cy="1752600"/>
+            </a:xfrm>
+            <a:prstGeom prst="roundRect">
+              <a:avLst/>
+            </a:prstGeom>
+            <a:grpFill/>
+            <a:ln>
+              <a:noFill/>
+            </a:ln>
+          </p:spPr>
+          <p:style>
+            <a:lnRef idx="2">
+              <a:schemeClr val="accent1">
+                <a:shade val="50000"/>
+              </a:schemeClr>
+            </a:lnRef>
+            <a:fillRef idx="1">
+              <a:schemeClr val="accent1"/>
+            </a:fillRef>
+            <a:effectRef idx="0">
+              <a:schemeClr val="accent1"/>
+            </a:effectRef>
+            <a:fontRef idx="minor">
+              <a:schemeClr val="lt1"/>
+            </a:fontRef>
+          </p:style>
+          <p:txBody>
+            <a:bodyPr rtlCol="0" anchor="ctr"/>
+            <a:lstStyle/>
+            <a:p>
+              <a:pPr algn="ctr"/>
+              <a:endParaRPr lang="es-AR"/>
+            </a:p>
+          </p:txBody>
+        </p:sp>
+        <p:sp>
+          <p:nvSpPr>
+            <p:cNvPr id="21" name="Rounded Rectangle 16"/>
+            <p:cNvSpPr/>
+            <p:nvPr/>
+          </p:nvSpPr>
+          <p:spPr>
+            <a:xfrm>
+              <a:off x="304800" y="4800600"/>
+              <a:ext cx="1752600" cy="1752600"/>
+            </a:xfrm>
+            <a:prstGeom prst="roundRect">
+              <a:avLst/>
+            </a:prstGeom>
+            <a:grpFill/>
+            <a:ln>
+              <a:noFill/>
+            </a:ln>
+          </p:spPr>
+          <p:style>
+            <a:lnRef idx="2">
+              <a:schemeClr val="accent1">
+                <a:shade val="50000"/>
+              </a:schemeClr>
+            </a:lnRef>
+            <a:fillRef idx="1">
+              <a:schemeClr val="accent1"/>
+            </a:fillRef>
+            <a:effectRef idx="0">
+              <a:schemeClr val="accent1"/>
+            </a:effectRef>
+            <a:fontRef idx="minor">
+              <a:schemeClr val="lt1"/>
+            </a:fontRef>
+          </p:style>
+          <p:txBody>
+            <a:bodyPr rtlCol="0" anchor="ctr"/>
+            <a:lstStyle/>
+            <a:p>
+              <a:pPr algn="ctr"/>
+              <a:endParaRPr lang="es-AR"/>
+            </a:p>
+          </p:txBody>
+        </p:sp>
+        <p:sp>
+          <p:nvSpPr>
+            <p:cNvPr id="22" name="Rounded Rectangle 18"/>
+            <p:cNvSpPr/>
+            <p:nvPr/>
+          </p:nvSpPr>
+          <p:spPr>
+            <a:xfrm>
+              <a:off x="7086600" y="4800600"/>
+              <a:ext cx="1752600" cy="1752600"/>
+            </a:xfrm>
+            <a:prstGeom prst="roundRect">
+              <a:avLst/>
+            </a:prstGeom>
+            <a:grpFill/>
+            <a:ln>
+              <a:noFill/>
+            </a:ln>
+          </p:spPr>
+          <p:style>
+            <a:lnRef idx="2">
+              <a:schemeClr val="accent1">
+                <a:shade val="50000"/>
+              </a:schemeClr>
+            </a:lnRef>
+            <a:fillRef idx="1">
+              <a:schemeClr val="accent1"/>
+            </a:fillRef>
+            <a:effectRef idx="0">
+              <a:schemeClr val="accent1"/>
+            </a:effectRef>
+            <a:fontRef idx="minor">
+              <a:schemeClr val="lt1"/>
+            </a:fontRef>
+          </p:style>
+          <p:txBody>
+            <a:bodyPr rtlCol="0" anchor="ctr"/>
+            <a:lstStyle/>
+            <a:p>
+              <a:pPr algn="ctr"/>
+              <a:endParaRPr lang="es-AR"/>
+            </a:p>
+          </p:txBody>
+        </p:sp>
+      </p:grpSp>
+      <p:sp>
+        <p:nvSpPr>
+          <p:cNvPr id="23" name="Freeform 39"/>
+          <p:cNvSpPr/>
+          <p:nvPr/>
+        </p:nvSpPr>
+        <p:spPr>
+          <a:xfrm>
+            <a:off x="457200" y="457200"/>
+            <a:ext cx="8229600" cy="5803900"/>
+          </a:xfrm>
+          <a:custGeom>
+            <a:avLst/>
+            <a:gdLst>
+              <a:gd name="connsiteX0" fmla="*/ 0 w 8077200"/>
+              <a:gd name="connsiteY0" fmla="*/ 965219 h 5791200"/>
+              <a:gd name="connsiteX1" fmla="*/ 282707 w 8077200"/>
+              <a:gd name="connsiteY1" fmla="*/ 282706 h 5791200"/>
+              <a:gd name="connsiteX2" fmla="*/ 965221 w 8077200"/>
+              <a:gd name="connsiteY2" fmla="*/ 1 h 5791200"/>
+              <a:gd name="connsiteX3" fmla="*/ 7111981 w 8077200"/>
+              <a:gd name="connsiteY3" fmla="*/ 0 h 5791200"/>
+              <a:gd name="connsiteX4" fmla="*/ 7794494 w 8077200"/>
+              <a:gd name="connsiteY4" fmla="*/ 282707 h 5791200"/>
+              <a:gd name="connsiteX5" fmla="*/ 8077199 w 8077200"/>
+              <a:gd name="connsiteY5" fmla="*/ 965221 h 5791200"/>
+              <a:gd name="connsiteX6" fmla="*/ 8077200 w 8077200"/>
+              <a:gd name="connsiteY6" fmla="*/ 4825981 h 5791200"/>
+              <a:gd name="connsiteX7" fmla="*/ 7794494 w 8077200"/>
+              <a:gd name="connsiteY7" fmla="*/ 5508494 h 5791200"/>
+              <a:gd name="connsiteX8" fmla="*/ 7111981 w 8077200"/>
+              <a:gd name="connsiteY8" fmla="*/ 5791200 h 5791200"/>
+              <a:gd name="connsiteX9" fmla="*/ 965219 w 8077200"/>
+              <a:gd name="connsiteY9" fmla="*/ 5791200 h 5791200"/>
+              <a:gd name="connsiteX10" fmla="*/ 282706 w 8077200"/>
+              <a:gd name="connsiteY10" fmla="*/ 5508493 h 5791200"/>
+              <a:gd name="connsiteX11" fmla="*/ 0 w 8077200"/>
+              <a:gd name="connsiteY11" fmla="*/ 4825980 h 5791200"/>
+              <a:gd name="connsiteX12" fmla="*/ 0 w 8077200"/>
+              <a:gd name="connsiteY12" fmla="*/ 965219 h 5791200"/>
+              <a:gd name="connsiteX0" fmla="*/ 0 w 8077200"/>
+              <a:gd name="connsiteY0" fmla="*/ 609600 h 5791200"/>
+              <a:gd name="connsiteX1" fmla="*/ 282707 w 8077200"/>
+              <a:gd name="connsiteY1" fmla="*/ 282706 h 5791200"/>
+              <a:gd name="connsiteX2" fmla="*/ 965221 w 8077200"/>
+              <a:gd name="connsiteY2" fmla="*/ 1 h 5791200"/>
+              <a:gd name="connsiteX3" fmla="*/ 7111981 w 8077200"/>
+              <a:gd name="connsiteY3" fmla="*/ 0 h 5791200"/>
+              <a:gd name="connsiteX4" fmla="*/ 7794494 w 8077200"/>
+              <a:gd name="connsiteY4" fmla="*/ 282707 h 5791200"/>
+              <a:gd name="connsiteX5" fmla="*/ 8077199 w 8077200"/>
+              <a:gd name="connsiteY5" fmla="*/ 965221 h 5791200"/>
+              <a:gd name="connsiteX6" fmla="*/ 8077200 w 8077200"/>
+              <a:gd name="connsiteY6" fmla="*/ 4825981 h 5791200"/>
+              <a:gd name="connsiteX7" fmla="*/ 7794494 w 8077200"/>
+              <a:gd name="connsiteY7" fmla="*/ 5508494 h 5791200"/>
+              <a:gd name="connsiteX8" fmla="*/ 7111981 w 8077200"/>
+              <a:gd name="connsiteY8" fmla="*/ 5791200 h 5791200"/>
+              <a:gd name="connsiteX9" fmla="*/ 965219 w 8077200"/>
+              <a:gd name="connsiteY9" fmla="*/ 5791200 h 5791200"/>
+              <a:gd name="connsiteX10" fmla="*/ 282706 w 8077200"/>
+              <a:gd name="connsiteY10" fmla="*/ 5508493 h 5791200"/>
+              <a:gd name="connsiteX11" fmla="*/ 0 w 8077200"/>
+              <a:gd name="connsiteY11" fmla="*/ 4825980 h 5791200"/>
+              <a:gd name="connsiteX12" fmla="*/ 0 w 8077200"/>
+              <a:gd name="connsiteY12" fmla="*/ 609600 h 5791200"/>
+              <a:gd name="connsiteX0" fmla="*/ 0 w 8077200"/>
+              <a:gd name="connsiteY0" fmla="*/ 609601 h 5791201"/>
+              <a:gd name="connsiteX1" fmla="*/ 282707 w 8077200"/>
+              <a:gd name="connsiteY1" fmla="*/ 282707 h 5791201"/>
+              <a:gd name="connsiteX2" fmla="*/ 609600 w 8077200"/>
+              <a:gd name="connsiteY2" fmla="*/ 1 h 5791201"/>
+              <a:gd name="connsiteX3" fmla="*/ 7111981 w 8077200"/>
+              <a:gd name="connsiteY3" fmla="*/ 1 h 5791201"/>
+              <a:gd name="connsiteX4" fmla="*/ 7794494 w 8077200"/>
+              <a:gd name="connsiteY4" fmla="*/ 282708 h 5791201"/>
+              <a:gd name="connsiteX5" fmla="*/ 8077199 w 8077200"/>
+              <a:gd name="connsiteY5" fmla="*/ 965222 h 5791201"/>
+              <a:gd name="connsiteX6" fmla="*/ 8077200 w 8077200"/>
+              <a:gd name="connsiteY6" fmla="*/ 4825982 h 5791201"/>
+              <a:gd name="connsiteX7" fmla="*/ 7794494 w 8077200"/>
+              <a:gd name="connsiteY7" fmla="*/ 5508495 h 5791201"/>
+              <a:gd name="connsiteX8" fmla="*/ 7111981 w 8077200"/>
+              <a:gd name="connsiteY8" fmla="*/ 5791201 h 5791201"/>
+              <a:gd name="connsiteX9" fmla="*/ 965219 w 8077200"/>
+              <a:gd name="connsiteY9" fmla="*/ 5791201 h 5791201"/>
+              <a:gd name="connsiteX10" fmla="*/ 282706 w 8077200"/>
+              <a:gd name="connsiteY10" fmla="*/ 5508494 h 5791201"/>
+              <a:gd name="connsiteX11" fmla="*/ 0 w 8077200"/>
+              <a:gd name="connsiteY11" fmla="*/ 4825981 h 5791201"/>
+              <a:gd name="connsiteX12" fmla="*/ 0 w 8077200"/>
+              <a:gd name="connsiteY12" fmla="*/ 609601 h 5791201"/>
+              <a:gd name="connsiteX0" fmla="*/ 0 w 8077200"/>
+              <a:gd name="connsiteY0" fmla="*/ 609601 h 5791201"/>
+              <a:gd name="connsiteX1" fmla="*/ 152400 w 8077200"/>
+              <a:gd name="connsiteY1" fmla="*/ 152402 h 5791201"/>
+              <a:gd name="connsiteX2" fmla="*/ 609600 w 8077200"/>
+              <a:gd name="connsiteY2" fmla="*/ 1 h 5791201"/>
+              <a:gd name="connsiteX3" fmla="*/ 7111981 w 8077200"/>
+              <a:gd name="connsiteY3" fmla="*/ 1 h 5791201"/>
+              <a:gd name="connsiteX4" fmla="*/ 7794494 w 8077200"/>
+              <a:gd name="connsiteY4" fmla="*/ 282708 h 5791201"/>
+              <a:gd name="connsiteX5" fmla="*/ 8077199 w 8077200"/>
+              <a:gd name="connsiteY5" fmla="*/ 965222 h 5791201"/>
+              <a:gd name="connsiteX6" fmla="*/ 8077200 w 8077200"/>
+              <a:gd name="connsiteY6" fmla="*/ 4825982 h 5791201"/>
+              <a:gd name="connsiteX7" fmla="*/ 7794494 w 8077200"/>
+              <a:gd name="connsiteY7" fmla="*/ 5508495 h 5791201"/>
+              <a:gd name="connsiteX8" fmla="*/ 7111981 w 8077200"/>
+              <a:gd name="connsiteY8" fmla="*/ 5791201 h 5791201"/>
+              <a:gd name="connsiteX9" fmla="*/ 965219 w 8077200"/>
+              <a:gd name="connsiteY9" fmla="*/ 5791201 h 5791201"/>
+              <a:gd name="connsiteX10" fmla="*/ 282706 w 8077200"/>
+              <a:gd name="connsiteY10" fmla="*/ 5508494 h 5791201"/>
+              <a:gd name="connsiteX11" fmla="*/ 0 w 8077200"/>
+              <a:gd name="connsiteY11" fmla="*/ 4825981 h 5791201"/>
+              <a:gd name="connsiteX12" fmla="*/ 0 w 8077200"/>
+              <a:gd name="connsiteY12" fmla="*/ 609601 h 5791201"/>
+              <a:gd name="connsiteX0" fmla="*/ 0 w 8077200"/>
+              <a:gd name="connsiteY0" fmla="*/ 609600 h 5791200"/>
+              <a:gd name="connsiteX1" fmla="*/ 152400 w 8077200"/>
+              <a:gd name="connsiteY1" fmla="*/ 152401 h 5791200"/>
+              <a:gd name="connsiteX2" fmla="*/ 533400 w 8077200"/>
+              <a:gd name="connsiteY2" fmla="*/ 1 h 5791200"/>
+              <a:gd name="connsiteX3" fmla="*/ 7111981 w 8077200"/>
+              <a:gd name="connsiteY3" fmla="*/ 0 h 5791200"/>
+              <a:gd name="connsiteX4" fmla="*/ 7794494 w 8077200"/>
+              <a:gd name="connsiteY4" fmla="*/ 282707 h 5791200"/>
+              <a:gd name="connsiteX5" fmla="*/ 8077199 w 8077200"/>
+              <a:gd name="connsiteY5" fmla="*/ 965221 h 5791200"/>
+              <a:gd name="connsiteX6" fmla="*/ 8077200 w 8077200"/>
+              <a:gd name="connsiteY6" fmla="*/ 4825981 h 5791200"/>
+              <a:gd name="connsiteX7" fmla="*/ 7794494 w 8077200"/>
+              <a:gd name="connsiteY7" fmla="*/ 5508494 h 5791200"/>
+              <a:gd name="connsiteX8" fmla="*/ 7111981 w 8077200"/>
+              <a:gd name="connsiteY8" fmla="*/ 5791200 h 5791200"/>
+              <a:gd name="connsiteX9" fmla="*/ 965219 w 8077200"/>
+              <a:gd name="connsiteY9" fmla="*/ 5791200 h 5791200"/>
+              <a:gd name="connsiteX10" fmla="*/ 282706 w 8077200"/>
+              <a:gd name="connsiteY10" fmla="*/ 5508493 h 5791200"/>
+              <a:gd name="connsiteX11" fmla="*/ 0 w 8077200"/>
+              <a:gd name="connsiteY11" fmla="*/ 4825980 h 5791200"/>
+              <a:gd name="connsiteX12" fmla="*/ 0 w 8077200"/>
+              <a:gd name="connsiteY12" fmla="*/ 609600 h 5791200"/>
+              <a:gd name="connsiteX0" fmla="*/ 0 w 8077200"/>
+              <a:gd name="connsiteY0" fmla="*/ 533400 h 5791200"/>
+              <a:gd name="connsiteX1" fmla="*/ 152400 w 8077200"/>
+              <a:gd name="connsiteY1" fmla="*/ 152401 h 5791200"/>
+              <a:gd name="connsiteX2" fmla="*/ 533400 w 8077200"/>
+              <a:gd name="connsiteY2" fmla="*/ 1 h 5791200"/>
+              <a:gd name="connsiteX3" fmla="*/ 7111981 w 8077200"/>
+              <a:gd name="connsiteY3" fmla="*/ 0 h 5791200"/>
+              <a:gd name="connsiteX4" fmla="*/ 7794494 w 8077200"/>
+              <a:gd name="connsiteY4" fmla="*/ 282707 h 5791200"/>
+              <a:gd name="connsiteX5" fmla="*/ 8077199 w 8077200"/>
+              <a:gd name="connsiteY5" fmla="*/ 965221 h 5791200"/>
+              <a:gd name="connsiteX6" fmla="*/ 8077200 w 8077200"/>
+              <a:gd name="connsiteY6" fmla="*/ 4825981 h 5791200"/>
+              <a:gd name="connsiteX7" fmla="*/ 7794494 w 8077200"/>
+              <a:gd name="connsiteY7" fmla="*/ 5508494 h 5791200"/>
+              <a:gd name="connsiteX8" fmla="*/ 7111981 w 8077200"/>
+              <a:gd name="connsiteY8" fmla="*/ 5791200 h 5791200"/>
+              <a:gd name="connsiteX9" fmla="*/ 965219 w 8077200"/>
+              <a:gd name="connsiteY9" fmla="*/ 5791200 h 5791200"/>
+              <a:gd name="connsiteX10" fmla="*/ 282706 w 8077200"/>
+              <a:gd name="connsiteY10" fmla="*/ 5508493 h 5791200"/>
+              <a:gd name="connsiteX11" fmla="*/ 0 w 8077200"/>
+              <a:gd name="connsiteY11" fmla="*/ 4825980 h 5791200"/>
+              <a:gd name="connsiteX12" fmla="*/ 0 w 8077200"/>
+              <a:gd name="connsiteY12" fmla="*/ 533400 h 5791200"/>
+              <a:gd name="connsiteX0" fmla="*/ 12700 w 8089900"/>
+              <a:gd name="connsiteY0" fmla="*/ 546100 h 5803900"/>
+              <a:gd name="connsiteX1" fmla="*/ 88900 w 8089900"/>
+              <a:gd name="connsiteY1" fmla="*/ 88900 h 5803900"/>
+              <a:gd name="connsiteX2" fmla="*/ 546100 w 8089900"/>
+              <a:gd name="connsiteY2" fmla="*/ 12701 h 5803900"/>
+              <a:gd name="connsiteX3" fmla="*/ 7124681 w 8089900"/>
+              <a:gd name="connsiteY3" fmla="*/ 12700 h 5803900"/>
+              <a:gd name="connsiteX4" fmla="*/ 7807194 w 8089900"/>
+              <a:gd name="connsiteY4" fmla="*/ 295407 h 5803900"/>
+              <a:gd name="connsiteX5" fmla="*/ 8089899 w 8089900"/>
+              <a:gd name="connsiteY5" fmla="*/ 977921 h 5803900"/>
+              <a:gd name="connsiteX6" fmla="*/ 8089900 w 8089900"/>
+              <a:gd name="connsiteY6" fmla="*/ 4838681 h 5803900"/>
+              <a:gd name="connsiteX7" fmla="*/ 7807194 w 8089900"/>
+              <a:gd name="connsiteY7" fmla="*/ 5521194 h 5803900"/>
+              <a:gd name="connsiteX8" fmla="*/ 7124681 w 8089900"/>
+              <a:gd name="connsiteY8" fmla="*/ 5803900 h 5803900"/>
+              <a:gd name="connsiteX9" fmla="*/ 977919 w 8089900"/>
+              <a:gd name="connsiteY9" fmla="*/ 5803900 h 5803900"/>
+              <a:gd name="connsiteX10" fmla="*/ 295406 w 8089900"/>
+              <a:gd name="connsiteY10" fmla="*/ 5521193 h 5803900"/>
+              <a:gd name="connsiteX11" fmla="*/ 12700 w 8089900"/>
+              <a:gd name="connsiteY11" fmla="*/ 4838680 h 5803900"/>
+              <a:gd name="connsiteX12" fmla="*/ 12700 w 8089900"/>
+              <a:gd name="connsiteY12" fmla="*/ 546100 h 5803900"/>
+              <a:gd name="connsiteX0" fmla="*/ 12700 w 8089900"/>
+              <a:gd name="connsiteY0" fmla="*/ 546100 h 5803900"/>
+              <a:gd name="connsiteX1" fmla="*/ 88900 w 8089900"/>
+              <a:gd name="connsiteY1" fmla="*/ 88900 h 5803900"/>
+              <a:gd name="connsiteX2" fmla="*/ 546100 w 8089900"/>
+              <a:gd name="connsiteY2" fmla="*/ 12701 h 5803900"/>
+              <a:gd name="connsiteX3" fmla="*/ 7124681 w 8089900"/>
+              <a:gd name="connsiteY3" fmla="*/ 12700 h 5803900"/>
+              <a:gd name="connsiteX4" fmla="*/ 7807194 w 8089900"/>
+              <a:gd name="connsiteY4" fmla="*/ 295407 h 5803900"/>
+              <a:gd name="connsiteX5" fmla="*/ 8089899 w 8089900"/>
+              <a:gd name="connsiteY5" fmla="*/ 977921 h 5803900"/>
+              <a:gd name="connsiteX6" fmla="*/ 8089900 w 8089900"/>
+              <a:gd name="connsiteY6" fmla="*/ 4838681 h 5803900"/>
+              <a:gd name="connsiteX7" fmla="*/ 7807194 w 8089900"/>
+              <a:gd name="connsiteY7" fmla="*/ 5521194 h 5803900"/>
+              <a:gd name="connsiteX8" fmla="*/ 7124681 w 8089900"/>
+              <a:gd name="connsiteY8" fmla="*/ 5803900 h 5803900"/>
+              <a:gd name="connsiteX9" fmla="*/ 977919 w 8089900"/>
+              <a:gd name="connsiteY9" fmla="*/ 5803900 h 5803900"/>
+              <a:gd name="connsiteX10" fmla="*/ 295406 w 8089900"/>
+              <a:gd name="connsiteY10" fmla="*/ 5521193 h 5803900"/>
+              <a:gd name="connsiteX11" fmla="*/ 12700 w 8089900"/>
+              <a:gd name="connsiteY11" fmla="*/ 5346700 h 5803900"/>
+              <a:gd name="connsiteX12" fmla="*/ 12700 w 8089900"/>
+              <a:gd name="connsiteY12" fmla="*/ 546100 h 5803900"/>
+              <a:gd name="connsiteX0" fmla="*/ 12700 w 8089900"/>
+              <a:gd name="connsiteY0" fmla="*/ 546100 h 5803900"/>
+              <a:gd name="connsiteX1" fmla="*/ 88900 w 8089900"/>
+              <a:gd name="connsiteY1" fmla="*/ 88900 h 5803900"/>
+              <a:gd name="connsiteX2" fmla="*/ 546100 w 8089900"/>
+              <a:gd name="connsiteY2" fmla="*/ 12701 h 5803900"/>
+              <a:gd name="connsiteX3" fmla="*/ 7124681 w 8089900"/>
+              <a:gd name="connsiteY3" fmla="*/ 12700 h 5803900"/>
+              <a:gd name="connsiteX4" fmla="*/ 7807194 w 8089900"/>
+              <a:gd name="connsiteY4" fmla="*/ 295407 h 5803900"/>
+              <a:gd name="connsiteX5" fmla="*/ 8089899 w 8089900"/>
+              <a:gd name="connsiteY5" fmla="*/ 977921 h 5803900"/>
+              <a:gd name="connsiteX6" fmla="*/ 8089900 w 8089900"/>
+              <a:gd name="connsiteY6" fmla="*/ 4838681 h 5803900"/>
+              <a:gd name="connsiteX7" fmla="*/ 7807194 w 8089900"/>
+              <a:gd name="connsiteY7" fmla="*/ 5521194 h 5803900"/>
+              <a:gd name="connsiteX8" fmla="*/ 7124681 w 8089900"/>
+              <a:gd name="connsiteY8" fmla="*/ 5803900 h 5803900"/>
+              <a:gd name="connsiteX9" fmla="*/ 546100 w 8089900"/>
+              <a:gd name="connsiteY9" fmla="*/ 5803900 h 5803900"/>
+              <a:gd name="connsiteX10" fmla="*/ 295406 w 8089900"/>
+              <a:gd name="connsiteY10" fmla="*/ 5521193 h 5803900"/>
+              <a:gd name="connsiteX11" fmla="*/ 12700 w 8089900"/>
+              <a:gd name="connsiteY11" fmla="*/ 5346700 h 5803900"/>
+              <a:gd name="connsiteX12" fmla="*/ 12700 w 8089900"/>
+              <a:gd name="connsiteY12" fmla="*/ 546100 h 5803900"/>
+              <a:gd name="connsiteX0" fmla="*/ 12700 w 8089900"/>
+              <a:gd name="connsiteY0" fmla="*/ 546100 h 5803900"/>
+              <a:gd name="connsiteX1" fmla="*/ 88900 w 8089900"/>
+              <a:gd name="connsiteY1" fmla="*/ 88900 h 5803900"/>
+              <a:gd name="connsiteX2" fmla="*/ 546100 w 8089900"/>
+              <a:gd name="connsiteY2" fmla="*/ 12701 h 5803900"/>
+              <a:gd name="connsiteX3" fmla="*/ 7124681 w 8089900"/>
+              <a:gd name="connsiteY3" fmla="*/ 12700 h 5803900"/>
+              <a:gd name="connsiteX4" fmla="*/ 7807194 w 8089900"/>
+              <a:gd name="connsiteY4" fmla="*/ 295407 h 5803900"/>
+              <a:gd name="connsiteX5" fmla="*/ 8089899 w 8089900"/>
+              <a:gd name="connsiteY5" fmla="*/ 977921 h 5803900"/>
+              <a:gd name="connsiteX6" fmla="*/ 8089900 w 8089900"/>
+              <a:gd name="connsiteY6" fmla="*/ 4838681 h 5803900"/>
+              <a:gd name="connsiteX7" fmla="*/ 7807194 w 8089900"/>
+              <a:gd name="connsiteY7" fmla="*/ 5521194 h 5803900"/>
+              <a:gd name="connsiteX8" fmla="*/ 7124681 w 8089900"/>
+              <a:gd name="connsiteY8" fmla="*/ 5803900 h 5803900"/>
+              <a:gd name="connsiteX9" fmla="*/ 546100 w 8089900"/>
+              <a:gd name="connsiteY9" fmla="*/ 5803900 h 5803900"/>
+              <a:gd name="connsiteX10" fmla="*/ 88900 w 8089900"/>
+              <a:gd name="connsiteY10" fmla="*/ 5727700 h 5803900"/>
+              <a:gd name="connsiteX11" fmla="*/ 12700 w 8089900"/>
+              <a:gd name="connsiteY11" fmla="*/ 5346700 h 5803900"/>
+              <a:gd name="connsiteX12" fmla="*/ 12700 w 8089900"/>
+              <a:gd name="connsiteY12" fmla="*/ 546100 h 5803900"/>
+              <a:gd name="connsiteX0" fmla="*/ 12700 w 8089900"/>
+              <a:gd name="connsiteY0" fmla="*/ 546100 h 5803900"/>
+              <a:gd name="connsiteX1" fmla="*/ 88900 w 8089900"/>
+              <a:gd name="connsiteY1" fmla="*/ 88900 h 5803900"/>
+              <a:gd name="connsiteX2" fmla="*/ 546100 w 8089900"/>
+              <a:gd name="connsiteY2" fmla="*/ 12701 h 5803900"/>
+              <a:gd name="connsiteX3" fmla="*/ 7556500 w 8089900"/>
+              <a:gd name="connsiteY3" fmla="*/ 12700 h 5803900"/>
+              <a:gd name="connsiteX4" fmla="*/ 7807194 w 8089900"/>
+              <a:gd name="connsiteY4" fmla="*/ 295407 h 5803900"/>
+              <a:gd name="connsiteX5" fmla="*/ 8089899 w 8089900"/>
+              <a:gd name="connsiteY5" fmla="*/ 977921 h 5803900"/>
+              <a:gd name="connsiteX6" fmla="*/ 8089900 w 8089900"/>
+              <a:gd name="connsiteY6" fmla="*/ 4838681 h 5803900"/>
+              <a:gd name="connsiteX7" fmla="*/ 7807194 w 8089900"/>
+              <a:gd name="connsiteY7" fmla="*/ 5521194 h 5803900"/>
+              <a:gd name="connsiteX8" fmla="*/ 7124681 w 8089900"/>
+              <a:gd name="connsiteY8" fmla="*/ 5803900 h 5803900"/>
+              <a:gd name="connsiteX9" fmla="*/ 546100 w 8089900"/>
+              <a:gd name="connsiteY9" fmla="*/ 5803900 h 5803900"/>
+              <a:gd name="connsiteX10" fmla="*/ 88900 w 8089900"/>
+              <a:gd name="connsiteY10" fmla="*/ 5727700 h 5803900"/>
+              <a:gd name="connsiteX11" fmla="*/ 12700 w 8089900"/>
+              <a:gd name="connsiteY11" fmla="*/ 5346700 h 5803900"/>
+              <a:gd name="connsiteX12" fmla="*/ 12700 w 8089900"/>
+              <a:gd name="connsiteY12" fmla="*/ 546100 h 5803900"/>
+              <a:gd name="connsiteX0" fmla="*/ 12700 w 8089901"/>
+              <a:gd name="connsiteY0" fmla="*/ 546100 h 5803900"/>
+              <a:gd name="connsiteX1" fmla="*/ 88900 w 8089901"/>
+              <a:gd name="connsiteY1" fmla="*/ 88900 h 5803900"/>
+              <a:gd name="connsiteX2" fmla="*/ 546100 w 8089901"/>
+              <a:gd name="connsiteY2" fmla="*/ 12701 h 5803900"/>
+              <a:gd name="connsiteX3" fmla="*/ 7556500 w 8089901"/>
+              <a:gd name="connsiteY3" fmla="*/ 12700 h 5803900"/>
+              <a:gd name="connsiteX4" fmla="*/ 7807194 w 8089901"/>
+              <a:gd name="connsiteY4" fmla="*/ 295407 h 5803900"/>
+              <a:gd name="connsiteX5" fmla="*/ 8089900 w 8089901"/>
+              <a:gd name="connsiteY5" fmla="*/ 469900 h 5803900"/>
+              <a:gd name="connsiteX6" fmla="*/ 8089900 w 8089901"/>
+              <a:gd name="connsiteY6" fmla="*/ 4838681 h 5803900"/>
+              <a:gd name="connsiteX7" fmla="*/ 7807194 w 8089901"/>
+              <a:gd name="connsiteY7" fmla="*/ 5521194 h 5803900"/>
+              <a:gd name="connsiteX8" fmla="*/ 7124681 w 8089901"/>
+              <a:gd name="connsiteY8" fmla="*/ 5803900 h 5803900"/>
+              <a:gd name="connsiteX9" fmla="*/ 546100 w 8089901"/>
+              <a:gd name="connsiteY9" fmla="*/ 5803900 h 5803900"/>
+              <a:gd name="connsiteX10" fmla="*/ 88900 w 8089901"/>
+              <a:gd name="connsiteY10" fmla="*/ 5727700 h 5803900"/>
+              <a:gd name="connsiteX11" fmla="*/ 12700 w 8089901"/>
+              <a:gd name="connsiteY11" fmla="*/ 5346700 h 5803900"/>
+              <a:gd name="connsiteX12" fmla="*/ 12700 w 8089901"/>
+              <a:gd name="connsiteY12" fmla="*/ 546100 h 5803900"/>
+              <a:gd name="connsiteX0" fmla="*/ 12700 w 8102600"/>
+              <a:gd name="connsiteY0" fmla="*/ 546100 h 5803900"/>
+              <a:gd name="connsiteX1" fmla="*/ 88900 w 8102600"/>
+              <a:gd name="connsiteY1" fmla="*/ 88900 h 5803900"/>
+              <a:gd name="connsiteX2" fmla="*/ 546100 w 8102600"/>
+              <a:gd name="connsiteY2" fmla="*/ 12701 h 5803900"/>
+              <a:gd name="connsiteX3" fmla="*/ 7556500 w 8102600"/>
+              <a:gd name="connsiteY3" fmla="*/ 12700 h 5803900"/>
+              <a:gd name="connsiteX4" fmla="*/ 8013700 w 8102600"/>
+              <a:gd name="connsiteY4" fmla="*/ 88900 h 5803900"/>
+              <a:gd name="connsiteX5" fmla="*/ 8089900 w 8102600"/>
+              <a:gd name="connsiteY5" fmla="*/ 469900 h 5803900"/>
+              <a:gd name="connsiteX6" fmla="*/ 8089900 w 8102600"/>
+              <a:gd name="connsiteY6" fmla="*/ 4838681 h 5803900"/>
+              <a:gd name="connsiteX7" fmla="*/ 7807194 w 8102600"/>
+              <a:gd name="connsiteY7" fmla="*/ 5521194 h 5803900"/>
+              <a:gd name="connsiteX8" fmla="*/ 7124681 w 8102600"/>
+              <a:gd name="connsiteY8" fmla="*/ 5803900 h 5803900"/>
+              <a:gd name="connsiteX9" fmla="*/ 546100 w 8102600"/>
+              <a:gd name="connsiteY9" fmla="*/ 5803900 h 5803900"/>
+              <a:gd name="connsiteX10" fmla="*/ 88900 w 8102600"/>
+              <a:gd name="connsiteY10" fmla="*/ 5727700 h 5803900"/>
+              <a:gd name="connsiteX11" fmla="*/ 12700 w 8102600"/>
+              <a:gd name="connsiteY11" fmla="*/ 5346700 h 5803900"/>
+              <a:gd name="connsiteX12" fmla="*/ 12700 w 8102600"/>
+              <a:gd name="connsiteY12" fmla="*/ 546100 h 5803900"/>
+              <a:gd name="connsiteX0" fmla="*/ 12700 w 8102600"/>
+              <a:gd name="connsiteY0" fmla="*/ 546100 h 5803900"/>
+              <a:gd name="connsiteX1" fmla="*/ 88900 w 8102600"/>
+              <a:gd name="connsiteY1" fmla="*/ 88900 h 5803900"/>
+              <a:gd name="connsiteX2" fmla="*/ 546100 w 8102600"/>
+              <a:gd name="connsiteY2" fmla="*/ 12701 h 5803900"/>
+              <a:gd name="connsiteX3" fmla="*/ 7556500 w 8102600"/>
+              <a:gd name="connsiteY3" fmla="*/ 12700 h 5803900"/>
+              <a:gd name="connsiteX4" fmla="*/ 8013700 w 8102600"/>
+              <a:gd name="connsiteY4" fmla="*/ 88900 h 5803900"/>
+              <a:gd name="connsiteX5" fmla="*/ 8089899 w 8102600"/>
+              <a:gd name="connsiteY5" fmla="*/ 469900 h 5803900"/>
+              <a:gd name="connsiteX6" fmla="*/ 8089900 w 8102600"/>
+              <a:gd name="connsiteY6" fmla="*/ 4838681 h 5803900"/>
+              <a:gd name="connsiteX7" fmla="*/ 7807194 w 8102600"/>
+              <a:gd name="connsiteY7" fmla="*/ 5521194 h 5803900"/>
+              <a:gd name="connsiteX8" fmla="*/ 7124681 w 8102600"/>
+              <a:gd name="connsiteY8" fmla="*/ 5803900 h 5803900"/>
+              <a:gd name="connsiteX9" fmla="*/ 546100 w 8102600"/>
+              <a:gd name="connsiteY9" fmla="*/ 5803900 h 5803900"/>
+              <a:gd name="connsiteX10" fmla="*/ 88900 w 8102600"/>
+              <a:gd name="connsiteY10" fmla="*/ 5727700 h 5803900"/>
+              <a:gd name="connsiteX11" fmla="*/ 12700 w 8102600"/>
+              <a:gd name="connsiteY11" fmla="*/ 5346700 h 5803900"/>
+              <a:gd name="connsiteX12" fmla="*/ 12700 w 8102600"/>
+              <a:gd name="connsiteY12" fmla="*/ 546100 h 5803900"/>
+              <a:gd name="connsiteX0" fmla="*/ 12700 w 8102599"/>
+              <a:gd name="connsiteY0" fmla="*/ 546100 h 5803900"/>
+              <a:gd name="connsiteX1" fmla="*/ 88900 w 8102599"/>
+              <a:gd name="connsiteY1" fmla="*/ 88900 h 5803900"/>
+              <a:gd name="connsiteX2" fmla="*/ 546100 w 8102599"/>
+              <a:gd name="connsiteY2" fmla="*/ 12701 h 5803900"/>
+              <a:gd name="connsiteX3" fmla="*/ 7556500 w 8102599"/>
+              <a:gd name="connsiteY3" fmla="*/ 12700 h 5803900"/>
+              <a:gd name="connsiteX4" fmla="*/ 8013699 w 8102599"/>
+              <a:gd name="connsiteY4" fmla="*/ 88900 h 5803900"/>
+              <a:gd name="connsiteX5" fmla="*/ 8089899 w 8102599"/>
+              <a:gd name="connsiteY5" fmla="*/ 469900 h 5803900"/>
+              <a:gd name="connsiteX6" fmla="*/ 8089900 w 8102599"/>
+              <a:gd name="connsiteY6" fmla="*/ 4838681 h 5803900"/>
+              <a:gd name="connsiteX7" fmla="*/ 7807194 w 8102599"/>
+              <a:gd name="connsiteY7" fmla="*/ 5521194 h 5803900"/>
+              <a:gd name="connsiteX8" fmla="*/ 7124681 w 8102599"/>
+              <a:gd name="connsiteY8" fmla="*/ 5803900 h 5803900"/>
+              <a:gd name="connsiteX9" fmla="*/ 546100 w 8102599"/>
+              <a:gd name="connsiteY9" fmla="*/ 5803900 h 5803900"/>
+              <a:gd name="connsiteX10" fmla="*/ 88900 w 8102599"/>
+              <a:gd name="connsiteY10" fmla="*/ 5727700 h 5803900"/>
+              <a:gd name="connsiteX11" fmla="*/ 12700 w 8102599"/>
+              <a:gd name="connsiteY11" fmla="*/ 5346700 h 5803900"/>
+              <a:gd name="connsiteX12" fmla="*/ 12700 w 8102599"/>
+              <a:gd name="connsiteY12" fmla="*/ 546100 h 5803900"/>
+              <a:gd name="connsiteX0" fmla="*/ 12700 w 8102599"/>
+              <a:gd name="connsiteY0" fmla="*/ 546100 h 5803900"/>
+              <a:gd name="connsiteX1" fmla="*/ 88900 w 8102599"/>
+              <a:gd name="connsiteY1" fmla="*/ 88900 h 5803900"/>
+              <a:gd name="connsiteX2" fmla="*/ 546100 w 8102599"/>
+              <a:gd name="connsiteY2" fmla="*/ 12701 h 5803900"/>
+              <a:gd name="connsiteX3" fmla="*/ 7556500 w 8102599"/>
+              <a:gd name="connsiteY3" fmla="*/ 12700 h 5803900"/>
+              <a:gd name="connsiteX4" fmla="*/ 8013699 w 8102599"/>
+              <a:gd name="connsiteY4" fmla="*/ 88900 h 5803900"/>
+              <a:gd name="connsiteX5" fmla="*/ 8089899 w 8102599"/>
+              <a:gd name="connsiteY5" fmla="*/ 469900 h 5803900"/>
+              <a:gd name="connsiteX6" fmla="*/ 8089900 w 8102599"/>
+              <a:gd name="connsiteY6" fmla="*/ 5346700 h 5803900"/>
+              <a:gd name="connsiteX7" fmla="*/ 7807194 w 8102599"/>
+              <a:gd name="connsiteY7" fmla="*/ 5521194 h 5803900"/>
+              <a:gd name="connsiteX8" fmla="*/ 7124681 w 8102599"/>
+              <a:gd name="connsiteY8" fmla="*/ 5803900 h 5803900"/>
+              <a:gd name="connsiteX9" fmla="*/ 546100 w 8102599"/>
+              <a:gd name="connsiteY9" fmla="*/ 5803900 h 5803900"/>
+              <a:gd name="connsiteX10" fmla="*/ 88900 w 8102599"/>
+              <a:gd name="connsiteY10" fmla="*/ 5727700 h 5803900"/>
+              <a:gd name="connsiteX11" fmla="*/ 12700 w 8102599"/>
+              <a:gd name="connsiteY11" fmla="*/ 5346700 h 5803900"/>
+              <a:gd name="connsiteX12" fmla="*/ 12700 w 8102599"/>
+              <a:gd name="connsiteY12" fmla="*/ 546100 h 5803900"/>
+              <a:gd name="connsiteX0" fmla="*/ 12700 w 8102599"/>
+              <a:gd name="connsiteY0" fmla="*/ 546100 h 5803900"/>
+              <a:gd name="connsiteX1" fmla="*/ 88900 w 8102599"/>
+              <a:gd name="connsiteY1" fmla="*/ 88900 h 5803900"/>
+              <a:gd name="connsiteX2" fmla="*/ 546100 w 8102599"/>
+              <a:gd name="connsiteY2" fmla="*/ 12701 h 5803900"/>
+              <a:gd name="connsiteX3" fmla="*/ 7556500 w 8102599"/>
+              <a:gd name="connsiteY3" fmla="*/ 12700 h 5803900"/>
+              <a:gd name="connsiteX4" fmla="*/ 8013699 w 8102599"/>
+              <a:gd name="connsiteY4" fmla="*/ 88900 h 5803900"/>
+              <a:gd name="connsiteX5" fmla="*/ 8089899 w 8102599"/>
+              <a:gd name="connsiteY5" fmla="*/ 469900 h 5803900"/>
+              <a:gd name="connsiteX6" fmla="*/ 8089900 w 8102599"/>
+              <a:gd name="connsiteY6" fmla="*/ 5346700 h 5803900"/>
+              <a:gd name="connsiteX7" fmla="*/ 7807194 w 8102599"/>
+              <a:gd name="connsiteY7" fmla="*/ 5521194 h 5803900"/>
+              <a:gd name="connsiteX8" fmla="*/ 7632700 w 8102599"/>
+              <a:gd name="connsiteY8" fmla="*/ 5803900 h 5803900"/>
+              <a:gd name="connsiteX9" fmla="*/ 546100 w 8102599"/>
+              <a:gd name="connsiteY9" fmla="*/ 5803900 h 5803900"/>
+              <a:gd name="connsiteX10" fmla="*/ 88900 w 8102599"/>
+              <a:gd name="connsiteY10" fmla="*/ 5727700 h 5803900"/>
+              <a:gd name="connsiteX11" fmla="*/ 12700 w 8102599"/>
+              <a:gd name="connsiteY11" fmla="*/ 5346700 h 5803900"/>
+              <a:gd name="connsiteX12" fmla="*/ 12700 w 8102599"/>
+              <a:gd name="connsiteY12" fmla="*/ 546100 h 5803900"/>
+              <a:gd name="connsiteX0" fmla="*/ 12700 w 8102599"/>
+              <a:gd name="connsiteY0" fmla="*/ 546100 h 5803900"/>
+              <a:gd name="connsiteX1" fmla="*/ 88900 w 8102599"/>
+              <a:gd name="connsiteY1" fmla="*/ 88900 h 5803900"/>
+              <a:gd name="connsiteX2" fmla="*/ 546100 w 8102599"/>
+              <a:gd name="connsiteY2" fmla="*/ 12701 h 5803900"/>
+              <a:gd name="connsiteX3" fmla="*/ 7556500 w 8102599"/>
+              <a:gd name="connsiteY3" fmla="*/ 12700 h 5803900"/>
+              <a:gd name="connsiteX4" fmla="*/ 8013699 w 8102599"/>
+              <a:gd name="connsiteY4" fmla="*/ 88900 h 5803900"/>
+              <a:gd name="connsiteX5" fmla="*/ 8089899 w 8102599"/>
+              <a:gd name="connsiteY5" fmla="*/ 469900 h 5803900"/>
+              <a:gd name="connsiteX6" fmla="*/ 8089900 w 8102599"/>
+              <a:gd name="connsiteY6" fmla="*/ 5346700 h 5803900"/>
+              <a:gd name="connsiteX7" fmla="*/ 8013700 w 8102599"/>
+              <a:gd name="connsiteY7" fmla="*/ 5727700 h 5803900"/>
+              <a:gd name="connsiteX8" fmla="*/ 7632700 w 8102599"/>
+              <a:gd name="connsiteY8" fmla="*/ 5803900 h 5803900"/>
+              <a:gd name="connsiteX9" fmla="*/ 546100 w 8102599"/>
+              <a:gd name="connsiteY9" fmla="*/ 5803900 h 5803900"/>
+              <a:gd name="connsiteX10" fmla="*/ 88900 w 8102599"/>
+              <a:gd name="connsiteY10" fmla="*/ 5727700 h 5803900"/>
+              <a:gd name="connsiteX11" fmla="*/ 12700 w 8102599"/>
+              <a:gd name="connsiteY11" fmla="*/ 5346700 h 5803900"/>
+              <a:gd name="connsiteX12" fmla="*/ 12700 w 8102599"/>
+              <a:gd name="connsiteY12" fmla="*/ 546100 h 5803900"/>
+            </a:gdLst>
+            <a:ahLst/>
+            <a:cxnLst>
+              <a:cxn ang="0">
+                <a:pos x="connsiteX0" y="connsiteY0"/>
+              </a:cxn>
+              <a:cxn ang="0">
+                <a:pos x="connsiteX1" y="connsiteY1"/>
+              </a:cxn>
+              <a:cxn ang="0">
+                <a:pos x="connsiteX2" y="connsiteY2"/>
+              </a:cxn>
+              <a:cxn ang="0">
+                <a:pos x="connsiteX3" y="connsiteY3"/>
+              </a:cxn>
+              <a:cxn ang="0">
+                <a:pos x="connsiteX4" y="connsiteY4"/>
+              </a:cxn>
+              <a:cxn ang="0">
+                <a:pos x="connsiteX5" y="connsiteY5"/>
+              </a:cxn>
+              <a:cxn ang="0">
+                <a:pos x="connsiteX6" y="connsiteY6"/>
+              </a:cxn>
+              <a:cxn ang="0">
+                <a:pos x="connsiteX7" y="connsiteY7"/>
+              </a:cxn>
+              <a:cxn ang="0">
+                <a:pos x="connsiteX8" y="connsiteY8"/>
+              </a:cxn>
+              <a:cxn ang="0">
+                <a:pos x="connsiteX9" y="connsiteY9"/>
+              </a:cxn>
+              <a:cxn ang="0">
+                <a:pos x="connsiteX10" y="connsiteY10"/>
+              </a:cxn>
+              <a:cxn ang="0">
+                <a:pos x="connsiteX11" y="connsiteY11"/>
+              </a:cxn>
+              <a:cxn ang="0">
+                <a:pos x="connsiteX12" y="connsiteY12"/>
+              </a:cxn>
+            </a:cxnLst>
+            <a:rect l="l" t="t" r="r" b="b"/>
+            <a:pathLst>
+              <a:path w="8102599" h="5803900">
+                <a:moveTo>
+                  <a:pt x="12700" y="546100"/>
+                </a:moveTo>
+                <a:cubicBezTo>
+                  <a:pt x="12700" y="290108"/>
+                  <a:pt x="0" y="177800"/>
+                  <a:pt x="88900" y="88900"/>
+                </a:cubicBezTo>
+                <a:cubicBezTo>
+                  <a:pt x="177800" y="0"/>
+                  <a:pt x="290107" y="12700"/>
+                  <a:pt x="546100" y="12701"/>
+                </a:cubicBezTo>
+                <a:lnTo>
+                  <a:pt x="7556500" y="12700"/>
+                </a:lnTo>
+                <a:cubicBezTo>
+                  <a:pt x="7812492" y="12700"/>
+                  <a:pt x="7924799" y="12700"/>
+                  <a:pt x="8013699" y="88900"/>
+                </a:cubicBezTo>
+                <a:cubicBezTo>
+                  <a:pt x="8102599" y="165100"/>
+                  <a:pt x="8089900" y="213907"/>
+                  <a:pt x="8089899" y="469900"/>
+                </a:cubicBezTo>
+                <a:cubicBezTo>
+                  <a:pt x="8089899" y="1926160"/>
+                  <a:pt x="8089900" y="3890440"/>
+                  <a:pt x="8089900" y="5346700"/>
+                </a:cubicBezTo>
+                <a:cubicBezTo>
+                  <a:pt x="8089900" y="5602692"/>
+                  <a:pt x="8089900" y="5651500"/>
+                  <a:pt x="8013700" y="5727700"/>
+                </a:cubicBezTo>
+                <a:cubicBezTo>
+                  <a:pt x="7937500" y="5803900"/>
+                  <a:pt x="7888692" y="5803900"/>
+                  <a:pt x="7632700" y="5803900"/>
+                </a:cubicBezTo>
+                <a:lnTo>
+                  <a:pt x="546100" y="5803900"/>
+                </a:lnTo>
+                <a:cubicBezTo>
+                  <a:pt x="290108" y="5803900"/>
+                  <a:pt x="177800" y="5803900"/>
+                  <a:pt x="88900" y="5727700"/>
+                </a:cubicBezTo>
+                <a:cubicBezTo>
+                  <a:pt x="0" y="5651500"/>
+                  <a:pt x="12700" y="5602692"/>
+                  <a:pt x="12700" y="5346700"/>
+                </a:cubicBezTo>
+                <a:lnTo>
+                  <a:pt x="12700" y="546100"/>
+                </a:lnTo>
+                <a:close/>
+              </a:path>
+            </a:pathLst>
+          </a:custGeom>
+          <a:gradFill>
+            <a:gsLst>
+              <a:gs pos="0">
+                <a:schemeClr val="bg1">
+                  <a:lumMod val="50000"/>
+                </a:schemeClr>
+              </a:gs>
+              <a:gs pos="39999">
+                <a:schemeClr val="bg1">
+                  <a:lumMod val="65000"/>
+                </a:schemeClr>
+              </a:gs>
+              <a:gs pos="70000">
+                <a:schemeClr val="bg1">
+                  <a:lumMod val="50000"/>
+                  <a:alpha val="73000"/>
+                </a:schemeClr>
+              </a:gs>
+            </a:gsLst>
+            <a:lin ang="5400000" scaled="0"/>
+          </a:gradFill>
+          <a:ln>
+            <a:solidFill>
+              <a:schemeClr val="bg1">
+                <a:lumMod val="75000"/>
+              </a:schemeClr>
+            </a:solidFill>
+          </a:ln>
+        </p:spPr>
+        <p:style>
+          <a:lnRef idx="2">
+            <a:schemeClr val="accent1">
+              <a:shade val="50000"/>
+            </a:schemeClr>
+          </a:lnRef>
+          <a:fillRef idx="1">
+            <a:schemeClr val="accent1"/>
+          </a:fillRef>
+          <a:effectRef idx="0">
+            <a:schemeClr val="accent1"/>
+          </a:effectRef>
+          <a:fontRef idx="minor">
+            <a:schemeClr val="lt1"/>
+          </a:fontRef>
+        </p:style>
+        <p:txBody>
+          <a:bodyPr rtlCol="0" anchor="ctr"/>
+          <a:lstStyle/>
+          <a:p>
+            <a:pPr fontAlgn="t"/>
+            <a:endParaRPr lang="es-AR" b="1" dirty="0" smtClean="0"/>
+          </a:p>
+          <a:p>
+            <a:pPr algn="ctr"/>
+            <a:endParaRPr lang="es-AR" dirty="0"/>
+          </a:p>
+        </p:txBody>
+      </p:sp>
+      <p:sp>
+        <p:nvSpPr>
+          <p:cNvPr id="24" name="Rectangle 13"/>
+          <p:cNvSpPr/>
+          <p:nvPr/>
+        </p:nvSpPr>
+        <p:spPr>
+          <a:xfrm>
+            <a:off x="381000" y="1828800"/>
+            <a:ext cx="8458200" cy="1066800"/>
+          </a:xfrm>
+          <a:prstGeom prst="rect">
+            <a:avLst/>
+          </a:prstGeom>
+          <a:noFill/>
+          <a:ln>
+            <a:noFill/>
+          </a:ln>
+        </p:spPr>
+        <p:style>
+          <a:lnRef idx="2">
+            <a:schemeClr val="accent1">
+              <a:shade val="50000"/>
+            </a:schemeClr>
+          </a:lnRef>
+          <a:fillRef idx="1">
+            <a:schemeClr val="accent1"/>
+          </a:fillRef>
+          <a:effectRef idx="0">
+            <a:schemeClr val="accent1"/>
+          </a:effectRef>
+          <a:fontRef idx="minor">
+            <a:schemeClr val="lt1"/>
+          </a:fontRef>
+        </p:style>
+        <p:txBody>
+          <a:bodyPr rtlCol="0" anchor="ctr"/>
+          <a:lstStyle/>
+          <a:p>
+            <a:pPr algn="ctr"/>
+            <a:r>
+              <a:rPr lang="es-AR" sz="4800" b="1" u="sng" dirty="0" smtClean="0"/>
+              <a:t>Mejoras</a:t>
+            </a:r>
+            <a:endParaRPr lang="es-AR" sz="3200" b="1" u="sng" dirty="0" smtClean="0"/>
+          </a:p>
+          <a:p>
+            <a:pPr algn="ctr"/>
+            <a:endParaRPr lang="es-AR" sz="1200" dirty="0"/>
+          </a:p>
+        </p:txBody>
+      </p:sp>
+      <p:grpSp>
+        <p:nvGrpSpPr>
+          <p:cNvPr id="25" name="Group 14"/>
+          <p:cNvGrpSpPr/>
+          <p:nvPr/>
+        </p:nvGrpSpPr>
+        <p:grpSpPr>
+          <a:xfrm>
+            <a:off x="1295400" y="544415"/>
+            <a:ext cx="6553200" cy="903384"/>
+            <a:chOff x="1295400" y="544415"/>
+            <a:chExt cx="6553200" cy="903384"/>
+          </a:xfrm>
+        </p:grpSpPr>
+        <p:sp>
+          <p:nvSpPr>
+            <p:cNvPr id="26" name="Round Same Side Corner Rectangle 15"/>
+            <p:cNvSpPr/>
+            <p:nvPr/>
+          </p:nvSpPr>
+          <p:spPr>
+            <a:xfrm rot="10800000">
+              <a:off x="1295400" y="544415"/>
+              <a:ext cx="6553200" cy="903384"/>
+            </a:xfrm>
+            <a:prstGeom prst="round2SameRect">
+              <a:avLst/>
+            </a:prstGeom>
+          </p:spPr>
+          <p:style>
+            <a:lnRef idx="2">
+              <a:schemeClr val="dk1">
+                <a:shade val="50000"/>
+              </a:schemeClr>
+            </a:lnRef>
+            <a:fillRef idx="1">
+              <a:schemeClr val="dk1"/>
+            </a:fillRef>
+            <a:effectRef idx="0">
+              <a:schemeClr val="dk1"/>
+            </a:effectRef>
+            <a:fontRef idx="minor">
+              <a:schemeClr val="lt1"/>
+            </a:fontRef>
+          </p:style>
+          <p:txBody>
+            <a:bodyPr rtlCol="0" anchor="ctr"/>
+            <a:lstStyle/>
+            <a:p>
+              <a:pPr algn="ctr"/>
+              <a:endParaRPr lang="es-AR" dirty="0"/>
+            </a:p>
+          </p:txBody>
+        </p:sp>
+        <p:pic>
+          <p:nvPicPr>
+            <p:cNvPr id="27" name="Picture 2" descr="E:\U.B.A.Files\Materias\75.45 Taller de Desarrollo de Proyectos I\TP\Trunk\Proyecto\web\site\images\logo.png"/>
+            <p:cNvPicPr>
+              <a:picLocks noChangeAspect="1" noChangeArrowheads="1"/>
+            </p:cNvPicPr>
+            <p:nvPr/>
+          </p:nvPicPr>
+          <p:blipFill>
+            <a:blip r:embed="rId2" cstate="print"/>
+            <a:srcRect/>
+            <a:stretch>
+              <a:fillRect/>
+            </a:stretch>
+          </p:blipFill>
+          <p:spPr bwMode="auto">
+            <a:xfrm>
+              <a:off x="1600200" y="609600"/>
+              <a:ext cx="2640904" cy="762000"/>
+            </a:xfrm>
+            <a:prstGeom prst="rect">
+              <a:avLst/>
+            </a:prstGeom>
+            <a:noFill/>
+          </p:spPr>
+        </p:pic>
+        <p:sp>
+          <p:nvSpPr>
+            <p:cNvPr id="28" name="TextBox 22"/>
+            <p:cNvSpPr txBox="1"/>
+            <p:nvPr/>
+          </p:nvSpPr>
+          <p:spPr>
+            <a:xfrm>
+              <a:off x="4515457" y="685800"/>
+              <a:ext cx="3180743" cy="307777"/>
+            </a:xfrm>
+            <a:prstGeom prst="rect">
+              <a:avLst/>
+            </a:prstGeom>
+            <a:noFill/>
+          </p:spPr>
+          <p:txBody>
+            <a:bodyPr wrap="none" rtlCol="0">
+              <a:spAutoFit/>
+            </a:bodyPr>
+            <a:lstStyle/>
+            <a:p>
+              <a:r>
+                <a:rPr lang="es-AR" sz="1400" dirty="0" smtClean="0">
+                  <a:solidFill>
+                    <a:schemeClr val="bg1">
+                      <a:lumMod val="50000"/>
+                    </a:schemeClr>
+                  </a:solidFill>
+                </a:rPr>
+                <a:t>Centralización y análisis de datos</a:t>
+              </a:r>
+              <a:endParaRPr lang="es-AR" sz="1400" dirty="0">
+                <a:solidFill>
+                  <a:schemeClr val="bg1">
+                    <a:lumMod val="50000"/>
+                  </a:schemeClr>
+                </a:solidFill>
+              </a:endParaRPr>
+            </a:p>
+          </p:txBody>
+        </p:sp>
+      </p:grpSp>
+      <p:sp>
+        <p:nvSpPr>
+          <p:cNvPr id="29" name="28 Rectángulo"/>
+          <p:cNvSpPr/>
+          <p:nvPr/>
+        </p:nvSpPr>
+        <p:spPr>
+          <a:xfrm>
+            <a:off x="685800" y="2895600"/>
+            <a:ext cx="7467600" cy="1815882"/>
+          </a:xfrm>
+          <a:prstGeom prst="rect">
+            <a:avLst/>
+          </a:prstGeom>
+        </p:spPr>
+        <p:txBody>
+          <a:bodyPr wrap="square">
+            <a:spAutoFit/>
+          </a:bodyPr>
+          <a:lstStyle/>
+          <a:p>
+            <a:pPr lvl="0">
+              <a:buFont typeface="Arial" pitchFamily="34" charset="0"/>
+              <a:buChar char="•"/>
+            </a:pPr>
+            <a:r>
+              <a:rPr lang="es-AR" sz="2800" dirty="0" smtClean="0"/>
+              <a:t> Estimación de riesgos mediante Data </a:t>
+            </a:r>
+            <a:r>
+              <a:rPr lang="es-AR" sz="2800" dirty="0" err="1" smtClean="0"/>
+              <a:t>Mining</a:t>
+            </a:r>
+            <a:r>
+              <a:rPr lang="es-AR" sz="2800" dirty="0" smtClean="0"/>
+              <a:t>.</a:t>
+            </a:r>
+          </a:p>
+          <a:p>
+            <a:pPr lvl="0">
+              <a:buFont typeface="Arial" pitchFamily="34" charset="0"/>
+              <a:buChar char="•"/>
+            </a:pPr>
+            <a:r>
+              <a:rPr lang="es-AR" sz="2800" dirty="0" smtClean="0"/>
+              <a:t>Análisis estadístico de los clientes de la empresa.</a:t>
+            </a:r>
+          </a:p>
+          <a:p>
+            <a:pPr lvl="0">
+              <a:buFont typeface="Arial" pitchFamily="34" charset="0"/>
+              <a:buChar char="•"/>
+            </a:pPr>
+            <a:r>
+              <a:rPr lang="es-AR" sz="2800" dirty="0" smtClean="0"/>
+              <a:t>Informe coloquial sobre el comportamiento del individuo y una </a:t>
+            </a:r>
+            <a:r>
+              <a:rPr lang="es-AR" sz="2800" dirty="0" err="1" smtClean="0"/>
+              <a:t>definicion</a:t>
+            </a:r>
+            <a:r>
+              <a:rPr lang="es-AR" sz="2800" dirty="0" smtClean="0"/>
+              <a:t> en cuanto a riesgos.</a:t>
+            </a:r>
+          </a:p>
+        </p:txBody>
+      </p:sp>
+    </p:spTree>
+  </p:cSld>
+  <p:clrMapOvr>
+    <a:masterClrMapping/>
+  </p:clrMapOvr>
 </p:sld>
 </file>
 
@@ -11525,7 +12749,6 @@
               <a:rPr lang="es-AR" sz="5400" b="1" u="sng" dirty="0" smtClean="0"/>
               <a:t>Premisas</a:t>
             </a:r>
-            <a:endParaRPr lang="es-AR" sz="5400" b="1" u="sng" dirty="0" smtClean="0"/>
           </a:p>
           <a:p>
             <a:pPr algn="ctr"/>
@@ -11684,15 +12907,7 @@
             </a:pPr>
             <a:r>
               <a:rPr lang="es-AR" sz="3600" dirty="0" smtClean="0"/>
-              <a:t> </a:t>
-            </a:r>
-            <a:r>
-              <a:rPr lang="es-AR" sz="3600" dirty="0" smtClean="0"/>
-              <a:t>Control de </a:t>
-            </a:r>
-            <a:r>
-              <a:rPr lang="es-AR" sz="3600" dirty="0" smtClean="0"/>
-              <a:t>acceso </a:t>
+              <a:t> Control de acceso </a:t>
             </a:r>
           </a:p>
           <a:p>
@@ -11704,7 +12919,6 @@
               <a:rPr lang="es-AR" sz="3600" dirty="0" smtClean="0"/>
               <a:t> Centralización de datos</a:t>
             </a:r>
-            <a:endParaRPr lang="es-AR" sz="3600" dirty="0" smtClean="0"/>
           </a:p>
           <a:p>
             <a:pPr lvl="0">
@@ -11723,11 +12937,7 @@
             </a:pPr>
             <a:r>
               <a:rPr lang="es-AR" sz="3600" dirty="0" smtClean="0"/>
-              <a:t> </a:t>
-            </a:r>
-            <a:r>
-              <a:rPr lang="es-AR" sz="3600" dirty="0" smtClean="0"/>
-              <a:t>Inmediatez  y masividad de acceso</a:t>
+              <a:t> Inmediatez  y masividad de acceso</a:t>
             </a:r>
           </a:p>
           <a:p>
@@ -12722,7 +13932,6 @@
               <a:rPr lang="es-AR" sz="5400" b="1" u="sng" dirty="0" smtClean="0"/>
               <a:t>Funcionalidades</a:t>
             </a:r>
-            <a:endParaRPr lang="es-AR" sz="5400" b="1" u="sng" dirty="0" smtClean="0"/>
           </a:p>
           <a:p>
             <a:pPr algn="ctr"/>
@@ -12881,11 +14090,7 @@
             </a:pPr>
             <a:r>
               <a:rPr lang="es-AR" sz="2800" dirty="0" smtClean="0"/>
-              <a:t> Integración </a:t>
-            </a:r>
-            <a:r>
-              <a:rPr lang="es-AR" sz="2800" dirty="0" smtClean="0"/>
-              <a:t>de información proveniente de diversas fuentes</a:t>
+              <a:t> Integración de información proveniente de diversas fuentes</a:t>
             </a:r>
           </a:p>
           <a:p>
@@ -13915,7 +15120,7 @@
           <a:p>
             <a:pPr algn="ctr"/>
             <a:r>
-              <a:rPr lang="es-AR" sz="5400" b="1" dirty="0" smtClean="0"/>
+              <a:rPr lang="es-AR" sz="5400" b="1" u="sng" dirty="0" smtClean="0"/>
               <a:t>Casos de uso (I)</a:t>
             </a:r>
           </a:p>
@@ -15884,7 +17089,7 @@
           <a:p>
             <a:pPr algn="ctr"/>
             <a:r>
-              <a:rPr lang="es-AR" sz="5400" b="1" dirty="0" smtClean="0"/>
+              <a:rPr lang="es-AR" sz="5400" b="1" u="sng" dirty="0" smtClean="0"/>
               <a:t>Casos de uso (II)</a:t>
             </a:r>
           </a:p>
@@ -17758,10 +18963,10 @@
           <a:p>
             <a:pPr algn="ctr"/>
             <a:r>
-              <a:rPr lang="es-AR" sz="5400" b="1" dirty="0" smtClean="0"/>
+              <a:rPr lang="es-AR" sz="5400" b="1" u="sng" dirty="0" smtClean="0"/>
               <a:t>Arquitectura</a:t>
             </a:r>
-            <a:endParaRPr lang="es-AR" sz="2000" dirty="0"/>
+            <a:endParaRPr lang="es-AR" sz="2000" u="sng" dirty="0"/>
           </a:p>
         </p:txBody>
       </p:sp>
@@ -19532,10 +20737,10 @@
           <a:p>
             <a:pPr algn="ctr"/>
             <a:r>
-              <a:rPr lang="es-AR" sz="5400" b="1" dirty="0" smtClean="0"/>
+              <a:rPr lang="es-AR" sz="5400" b="1" u="sng" dirty="0" smtClean="0"/>
               <a:t>Diagrama de componentes</a:t>
             </a:r>
-            <a:endParaRPr lang="es-AR" sz="2000" dirty="0"/>
+            <a:endParaRPr lang="es-AR" sz="2000" u="sng" dirty="0"/>
           </a:p>
         </p:txBody>
       </p:sp>
@@ -22476,10 +23681,10 @@
           <a:p>
             <a:pPr algn="ctr"/>
             <a:r>
-              <a:rPr lang="es-AR" sz="4800" b="1" dirty="0" smtClean="0"/>
+              <a:rPr lang="es-AR" sz="4800" b="1" u="sng" dirty="0" smtClean="0"/>
               <a:t>Diagrama de Despliegue</a:t>
             </a:r>
-            <a:endParaRPr lang="es-AR" sz="1200" dirty="0"/>
+            <a:endParaRPr lang="es-AR" sz="1200" u="sng" dirty="0"/>
           </a:p>
         </p:txBody>
       </p:sp>
@@ -25533,14 +26738,14 @@
           <a:p>
             <a:pPr algn="ctr"/>
             <a:r>
-              <a:rPr lang="es-AR" sz="4800" b="1" dirty="0" smtClean="0"/>
+              <a:rPr lang="es-AR" sz="4800" b="1" u="sng" dirty="0" smtClean="0"/>
               <a:t>Tecnologías y </a:t>
             </a:r>
             <a:r>
-              <a:rPr lang="es-AR" sz="4800" b="1" dirty="0" err="1" smtClean="0"/>
+              <a:rPr lang="es-AR" sz="4800" b="1" u="sng" dirty="0" err="1" smtClean="0"/>
               <a:t>Frameworks</a:t>
             </a:r>
-            <a:endParaRPr lang="es-AR" sz="4800" b="1" dirty="0" smtClean="0"/>
+            <a:endParaRPr lang="es-AR" sz="4800" b="1" u="sng" dirty="0" smtClean="0"/>
           </a:p>
           <a:p>
             <a:pPr algn="ctr"/>

--- a/trunk/Presentacion/Tecnica/Presentacion Tecnica.pptx
+++ b/trunk/Presentacion/Tecnica/Presentacion Tecnica.pptx
@@ -3925,12 +3925,6 @@
               </a:rPr>
               <a:t>Presentación Técnica</a:t>
             </a:r>
-            <a:endParaRPr lang="es-AR" sz="3200" dirty="0" smtClean="0">
-              <a:solidFill>
-                <a:schemeClr val="bg1"/>
-              </a:solidFill>
-              <a:latin typeface="Cooper Black" pitchFamily="18" charset="0"/>
-            </a:endParaRPr>
           </a:p>
           <a:p>
             <a:endParaRPr lang="es-AR" sz="3200" dirty="0">
@@ -4257,7 +4251,7 @@
         </p:nvSpPr>
         <p:spPr>
           <a:xfrm>
-            <a:off x="457200" y="457200"/>
+            <a:off x="381000" y="381000"/>
             <a:ext cx="8229600" cy="5803900"/>
           </a:xfrm>
           <a:custGeom>
@@ -5067,6 +5061,1040 @@
           </p:txBody>
         </p:sp>
       </p:grpSp>
+      <p:sp>
+        <p:nvSpPr>
+          <p:cNvPr id="24" name="23 Rectángulo"/>
+          <p:cNvSpPr/>
+          <p:nvPr/>
+        </p:nvSpPr>
+        <p:spPr>
+          <a:xfrm>
+            <a:off x="6477000" y="3014662"/>
+            <a:ext cx="1295400" cy="566738"/>
+          </a:xfrm>
+          <a:prstGeom prst="rect">
+            <a:avLst/>
+          </a:prstGeom>
+        </p:spPr>
+        <p:style>
+          <a:lnRef idx="1">
+            <a:schemeClr val="dk1"/>
+          </a:lnRef>
+          <a:fillRef idx="2">
+            <a:schemeClr val="dk1"/>
+          </a:fillRef>
+          <a:effectRef idx="1">
+            <a:schemeClr val="dk1"/>
+          </a:effectRef>
+          <a:fontRef idx="minor">
+            <a:schemeClr val="dk1"/>
+          </a:fontRef>
+        </p:style>
+        <p:txBody>
+          <a:bodyPr rtlCol="0" anchor="ctr"/>
+          <a:lstStyle/>
+          <a:p>
+            <a:pPr algn="ctr"/>
+            <a:r>
+              <a:rPr lang="es-AR" sz="1200" dirty="0" smtClean="0"/>
+              <a:t>EXPEDIENTE JUDICIAL</a:t>
+            </a:r>
+            <a:endParaRPr lang="es-AR" sz="2000" dirty="0"/>
+          </a:p>
+        </p:txBody>
+      </p:sp>
+      <p:sp>
+        <p:nvSpPr>
+          <p:cNvPr id="25" name="24 Rectángulo"/>
+          <p:cNvSpPr/>
+          <p:nvPr/>
+        </p:nvSpPr>
+        <p:spPr>
+          <a:xfrm>
+            <a:off x="5791200" y="2057400"/>
+            <a:ext cx="1295400" cy="566738"/>
+          </a:xfrm>
+          <a:prstGeom prst="rect">
+            <a:avLst/>
+          </a:prstGeom>
+        </p:spPr>
+        <p:style>
+          <a:lnRef idx="1">
+            <a:schemeClr val="dk1"/>
+          </a:lnRef>
+          <a:fillRef idx="2">
+            <a:schemeClr val="dk1"/>
+          </a:fillRef>
+          <a:effectRef idx="1">
+            <a:schemeClr val="dk1"/>
+          </a:effectRef>
+          <a:fontRef idx="minor">
+            <a:schemeClr val="dk1"/>
+          </a:fontRef>
+        </p:style>
+        <p:txBody>
+          <a:bodyPr rtlCol="0" anchor="ctr"/>
+          <a:lstStyle/>
+          <a:p>
+            <a:pPr algn="ctr"/>
+            <a:r>
+              <a:rPr lang="es-AR" sz="1200" dirty="0" smtClean="0"/>
+              <a:t>DEUDA SISITEMA FINANCIERO</a:t>
+            </a:r>
+            <a:endParaRPr lang="es-AR" sz="2000" dirty="0"/>
+          </a:p>
+        </p:txBody>
+      </p:sp>
+      <p:sp>
+        <p:nvSpPr>
+          <p:cNvPr id="26" name="25 Rectángulo"/>
+          <p:cNvSpPr/>
+          <p:nvPr/>
+        </p:nvSpPr>
+        <p:spPr>
+          <a:xfrm>
+            <a:off x="3429000" y="2971800"/>
+            <a:ext cx="1295400" cy="566738"/>
+          </a:xfrm>
+          <a:prstGeom prst="rect">
+            <a:avLst/>
+          </a:prstGeom>
+        </p:spPr>
+        <p:style>
+          <a:lnRef idx="1">
+            <a:schemeClr val="dk1"/>
+          </a:lnRef>
+          <a:fillRef idx="2">
+            <a:schemeClr val="dk1"/>
+          </a:fillRef>
+          <a:effectRef idx="1">
+            <a:schemeClr val="dk1"/>
+          </a:effectRef>
+          <a:fontRef idx="minor">
+            <a:schemeClr val="dk1"/>
+          </a:fontRef>
+        </p:style>
+        <p:txBody>
+          <a:bodyPr rtlCol="0" anchor="ctr"/>
+          <a:lstStyle/>
+          <a:p>
+            <a:pPr algn="ctr"/>
+            <a:r>
+              <a:rPr lang="es-AR" sz="1200" dirty="0" smtClean="0"/>
+              <a:t>CONDUCTOR</a:t>
+            </a:r>
+            <a:endParaRPr lang="es-AR" sz="1200" dirty="0"/>
+          </a:p>
+        </p:txBody>
+      </p:sp>
+      <p:sp>
+        <p:nvSpPr>
+          <p:cNvPr id="27" name="26 Rectángulo"/>
+          <p:cNvSpPr/>
+          <p:nvPr/>
+        </p:nvSpPr>
+        <p:spPr>
+          <a:xfrm>
+            <a:off x="5181600" y="5529262"/>
+            <a:ext cx="1295400" cy="566738"/>
+          </a:xfrm>
+          <a:prstGeom prst="rect">
+            <a:avLst/>
+          </a:prstGeom>
+        </p:spPr>
+        <p:style>
+          <a:lnRef idx="1">
+            <a:schemeClr val="dk1"/>
+          </a:lnRef>
+          <a:fillRef idx="2">
+            <a:schemeClr val="dk1"/>
+          </a:fillRef>
+          <a:effectRef idx="1">
+            <a:schemeClr val="dk1"/>
+          </a:effectRef>
+          <a:fontRef idx="minor">
+            <a:schemeClr val="dk1"/>
+          </a:fontRef>
+        </p:style>
+        <p:txBody>
+          <a:bodyPr rtlCol="0" anchor="ctr"/>
+          <a:lstStyle/>
+          <a:p>
+            <a:pPr algn="ctr"/>
+            <a:r>
+              <a:rPr lang="es-AR" sz="1200" dirty="0" smtClean="0"/>
+              <a:t>SINIESTRO</a:t>
+            </a:r>
+            <a:endParaRPr lang="es-AR" sz="1200" dirty="0" smtClean="0"/>
+          </a:p>
+        </p:txBody>
+      </p:sp>
+      <p:sp>
+        <p:nvSpPr>
+          <p:cNvPr id="28" name="27 Rectángulo"/>
+          <p:cNvSpPr/>
+          <p:nvPr/>
+        </p:nvSpPr>
+        <p:spPr>
+          <a:xfrm>
+            <a:off x="6629400" y="4648200"/>
+            <a:ext cx="1295400" cy="566738"/>
+          </a:xfrm>
+          <a:prstGeom prst="rect">
+            <a:avLst/>
+          </a:prstGeom>
+        </p:spPr>
+        <p:style>
+          <a:lnRef idx="1">
+            <a:schemeClr val="dk1"/>
+          </a:lnRef>
+          <a:fillRef idx="2">
+            <a:schemeClr val="dk1"/>
+          </a:fillRef>
+          <a:effectRef idx="1">
+            <a:schemeClr val="dk1"/>
+          </a:effectRef>
+          <a:fontRef idx="minor">
+            <a:schemeClr val="dk1"/>
+          </a:fontRef>
+        </p:style>
+        <p:txBody>
+          <a:bodyPr rtlCol="0" anchor="ctr"/>
+          <a:lstStyle/>
+          <a:p>
+            <a:pPr algn="ctr"/>
+            <a:r>
+              <a:rPr lang="es-AR" sz="1200" dirty="0" smtClean="0"/>
+              <a:t>VERIFICACIÓN TÉCNICA</a:t>
+            </a:r>
+            <a:endParaRPr lang="es-AR" sz="1200" dirty="0"/>
+          </a:p>
+        </p:txBody>
+      </p:sp>
+      <p:sp>
+        <p:nvSpPr>
+          <p:cNvPr id="29" name="28 Rectángulo"/>
+          <p:cNvSpPr/>
+          <p:nvPr/>
+        </p:nvSpPr>
+        <p:spPr>
+          <a:xfrm>
+            <a:off x="3429000" y="4648200"/>
+            <a:ext cx="1295400" cy="566738"/>
+          </a:xfrm>
+          <a:prstGeom prst="rect">
+            <a:avLst/>
+          </a:prstGeom>
+        </p:spPr>
+        <p:style>
+          <a:lnRef idx="1">
+            <a:schemeClr val="dk1"/>
+          </a:lnRef>
+          <a:fillRef idx="2">
+            <a:schemeClr val="dk1"/>
+          </a:fillRef>
+          <a:effectRef idx="1">
+            <a:schemeClr val="dk1"/>
+          </a:effectRef>
+          <a:fontRef idx="minor">
+            <a:schemeClr val="dk1"/>
+          </a:fontRef>
+        </p:style>
+        <p:txBody>
+          <a:bodyPr rtlCol="0" anchor="ctr"/>
+          <a:lstStyle/>
+          <a:p>
+            <a:pPr algn="ctr"/>
+            <a:r>
+              <a:rPr lang="es-AR" sz="1200" dirty="0" smtClean="0"/>
+              <a:t>VEHÍCULO</a:t>
+            </a:r>
+            <a:endParaRPr lang="es-AR" sz="1200" dirty="0"/>
+          </a:p>
+        </p:txBody>
+      </p:sp>
+      <p:sp>
+        <p:nvSpPr>
+          <p:cNvPr id="30" name="29 Rectángulo"/>
+          <p:cNvSpPr/>
+          <p:nvPr/>
+        </p:nvSpPr>
+        <p:spPr>
+          <a:xfrm>
+            <a:off x="609600" y="4691062"/>
+            <a:ext cx="1295400" cy="566738"/>
+          </a:xfrm>
+          <a:prstGeom prst="rect">
+            <a:avLst/>
+          </a:prstGeom>
+        </p:spPr>
+        <p:style>
+          <a:lnRef idx="1">
+            <a:schemeClr val="dk1"/>
+          </a:lnRef>
+          <a:fillRef idx="2">
+            <a:schemeClr val="dk1"/>
+          </a:fillRef>
+          <a:effectRef idx="1">
+            <a:schemeClr val="dk1"/>
+          </a:effectRef>
+          <a:fontRef idx="minor">
+            <a:schemeClr val="dk1"/>
+          </a:fontRef>
+        </p:style>
+        <p:txBody>
+          <a:bodyPr rtlCol="0" anchor="ctr"/>
+          <a:lstStyle/>
+          <a:p>
+            <a:pPr algn="ctr"/>
+            <a:r>
+              <a:rPr lang="es-AR" sz="1200" dirty="0" smtClean="0"/>
+              <a:t>INFRACCIÓN</a:t>
+            </a:r>
+            <a:endParaRPr lang="es-AR" sz="1200" dirty="0"/>
+          </a:p>
+        </p:txBody>
+      </p:sp>
+      <p:sp>
+        <p:nvSpPr>
+          <p:cNvPr id="31" name="30 Rombo"/>
+          <p:cNvSpPr/>
+          <p:nvPr/>
+        </p:nvSpPr>
+        <p:spPr>
+          <a:xfrm>
+            <a:off x="762000" y="3505200"/>
+            <a:ext cx="990600" cy="457200"/>
+          </a:xfrm>
+          <a:prstGeom prst="diamond">
+            <a:avLst/>
+          </a:prstGeom>
+        </p:spPr>
+        <p:style>
+          <a:lnRef idx="0">
+            <a:schemeClr val="accent6"/>
+          </a:lnRef>
+          <a:fillRef idx="3">
+            <a:schemeClr val="accent6"/>
+          </a:fillRef>
+          <a:effectRef idx="3">
+            <a:schemeClr val="accent6"/>
+          </a:effectRef>
+          <a:fontRef idx="minor">
+            <a:schemeClr val="lt1"/>
+          </a:fontRef>
+        </p:style>
+        <p:txBody>
+          <a:bodyPr wrap="none" rtlCol="0" anchor="ctr"/>
+          <a:lstStyle/>
+          <a:p>
+            <a:pPr algn="ctr"/>
+            <a:r>
+              <a:rPr lang="es-AR" sz="1100" b="1" dirty="0" smtClean="0"/>
+              <a:t>APLICADA</a:t>
+            </a:r>
+            <a:endParaRPr lang="es-AR" sz="900" b="1" dirty="0"/>
+          </a:p>
+        </p:txBody>
+      </p:sp>
+      <p:sp>
+        <p:nvSpPr>
+          <p:cNvPr id="32" name="31 Rombo"/>
+          <p:cNvSpPr/>
+          <p:nvPr/>
+        </p:nvSpPr>
+        <p:spPr>
+          <a:xfrm>
+            <a:off x="2209800" y="4724400"/>
+            <a:ext cx="914400" cy="457200"/>
+          </a:xfrm>
+          <a:prstGeom prst="diamond">
+            <a:avLst/>
+          </a:prstGeom>
+        </p:spPr>
+        <p:style>
+          <a:lnRef idx="0">
+            <a:schemeClr val="accent6"/>
+          </a:lnRef>
+          <a:fillRef idx="3">
+            <a:schemeClr val="accent6"/>
+          </a:fillRef>
+          <a:effectRef idx="3">
+            <a:schemeClr val="accent6"/>
+          </a:effectRef>
+          <a:fontRef idx="minor">
+            <a:schemeClr val="lt1"/>
+          </a:fontRef>
+        </p:style>
+        <p:txBody>
+          <a:bodyPr wrap="none" rtlCol="0" anchor="ctr"/>
+          <a:lstStyle/>
+          <a:p>
+            <a:pPr algn="ctr"/>
+            <a:r>
+              <a:rPr lang="es-AR" sz="1100" b="1" dirty="0" smtClean="0"/>
+              <a:t>APLICADA</a:t>
+            </a:r>
+            <a:endParaRPr lang="es-AR" sz="1000" b="1" dirty="0"/>
+          </a:p>
+        </p:txBody>
+      </p:sp>
+      <p:sp>
+        <p:nvSpPr>
+          <p:cNvPr id="33" name="32 Rombo"/>
+          <p:cNvSpPr/>
+          <p:nvPr/>
+        </p:nvSpPr>
+        <p:spPr>
+          <a:xfrm>
+            <a:off x="5105400" y="3048000"/>
+            <a:ext cx="990600" cy="457200"/>
+          </a:xfrm>
+          <a:prstGeom prst="diamond">
+            <a:avLst/>
+          </a:prstGeom>
+        </p:spPr>
+        <p:style>
+          <a:lnRef idx="0">
+            <a:schemeClr val="accent6"/>
+          </a:lnRef>
+          <a:fillRef idx="3">
+            <a:schemeClr val="accent6"/>
+          </a:fillRef>
+          <a:effectRef idx="3">
+            <a:schemeClr val="accent6"/>
+          </a:effectRef>
+          <a:fontRef idx="minor">
+            <a:schemeClr val="lt1"/>
+          </a:fontRef>
+        </p:style>
+        <p:txBody>
+          <a:bodyPr wrap="none" rtlCol="0" anchor="ctr"/>
+          <a:lstStyle/>
+          <a:p>
+            <a:pPr algn="ctr"/>
+            <a:r>
+              <a:rPr lang="es-AR" sz="1100" b="1" dirty="0" smtClean="0"/>
+              <a:t>APLICADA</a:t>
+            </a:r>
+            <a:endParaRPr lang="es-AR" sz="1000" b="1" dirty="0"/>
+          </a:p>
+        </p:txBody>
+      </p:sp>
+      <p:sp>
+        <p:nvSpPr>
+          <p:cNvPr id="34" name="33 Rombo"/>
+          <p:cNvSpPr/>
+          <p:nvPr/>
+        </p:nvSpPr>
+        <p:spPr>
+          <a:xfrm>
+            <a:off x="3657600" y="3995738"/>
+            <a:ext cx="838200" cy="381000"/>
+          </a:xfrm>
+          <a:prstGeom prst="diamond">
+            <a:avLst/>
+          </a:prstGeom>
+        </p:spPr>
+        <p:style>
+          <a:lnRef idx="0">
+            <a:schemeClr val="accent6"/>
+          </a:lnRef>
+          <a:fillRef idx="3">
+            <a:schemeClr val="accent6"/>
+          </a:fillRef>
+          <a:effectRef idx="3">
+            <a:schemeClr val="accent6"/>
+          </a:effectRef>
+          <a:fontRef idx="minor">
+            <a:schemeClr val="lt1"/>
+          </a:fontRef>
+        </p:style>
+        <p:txBody>
+          <a:bodyPr wrap="none" rtlCol="0" anchor="ctr"/>
+          <a:lstStyle/>
+          <a:p>
+            <a:pPr algn="ctr"/>
+            <a:r>
+              <a:rPr lang="es-AR" sz="1200" b="1" dirty="0" smtClean="0"/>
+              <a:t>TIENE</a:t>
+            </a:r>
+            <a:endParaRPr lang="es-AR" sz="1000" b="1" dirty="0"/>
+          </a:p>
+        </p:txBody>
+      </p:sp>
+      <p:sp>
+        <p:nvSpPr>
+          <p:cNvPr id="35" name="34 Rombo"/>
+          <p:cNvSpPr/>
+          <p:nvPr/>
+        </p:nvSpPr>
+        <p:spPr>
+          <a:xfrm>
+            <a:off x="3733800" y="2133600"/>
+            <a:ext cx="762000" cy="457200"/>
+          </a:xfrm>
+          <a:prstGeom prst="diamond">
+            <a:avLst/>
+          </a:prstGeom>
+        </p:spPr>
+        <p:style>
+          <a:lnRef idx="0">
+            <a:schemeClr val="accent6"/>
+          </a:lnRef>
+          <a:fillRef idx="3">
+            <a:schemeClr val="accent6"/>
+          </a:fillRef>
+          <a:effectRef idx="3">
+            <a:schemeClr val="accent6"/>
+          </a:effectRef>
+          <a:fontRef idx="minor">
+            <a:schemeClr val="lt1"/>
+          </a:fontRef>
+        </p:style>
+        <p:txBody>
+          <a:bodyPr wrap="none" rtlCol="0" anchor="ctr"/>
+          <a:lstStyle/>
+          <a:p>
+            <a:pPr algn="ctr"/>
+            <a:r>
+              <a:rPr lang="es-AR" sz="1000" b="1" dirty="0" smtClean="0"/>
+              <a:t>APLICADA</a:t>
+            </a:r>
+            <a:endParaRPr lang="es-AR" sz="1000" b="1" dirty="0"/>
+          </a:p>
+        </p:txBody>
+      </p:sp>
+      <p:sp>
+        <p:nvSpPr>
+          <p:cNvPr id="36" name="35 Rombo"/>
+          <p:cNvSpPr/>
+          <p:nvPr/>
+        </p:nvSpPr>
+        <p:spPr>
+          <a:xfrm>
+            <a:off x="5181600" y="4724400"/>
+            <a:ext cx="990600" cy="457200"/>
+          </a:xfrm>
+          <a:prstGeom prst="diamond">
+            <a:avLst/>
+          </a:prstGeom>
+        </p:spPr>
+        <p:style>
+          <a:lnRef idx="0">
+            <a:schemeClr val="accent6"/>
+          </a:lnRef>
+          <a:fillRef idx="3">
+            <a:schemeClr val="accent6"/>
+          </a:fillRef>
+          <a:effectRef idx="3">
+            <a:schemeClr val="accent6"/>
+          </a:effectRef>
+          <a:fontRef idx="minor">
+            <a:schemeClr val="lt1"/>
+          </a:fontRef>
+        </p:style>
+        <p:txBody>
+          <a:bodyPr wrap="none" rtlCol="0" anchor="ctr"/>
+          <a:lstStyle/>
+          <a:p>
+            <a:pPr algn="ctr"/>
+            <a:r>
+              <a:rPr lang="es-AR" sz="1100" b="1" dirty="0" smtClean="0"/>
+              <a:t>APLICADA</a:t>
+            </a:r>
+            <a:endParaRPr lang="es-AR" sz="1000" b="1" dirty="0"/>
+          </a:p>
+        </p:txBody>
+      </p:sp>
+      <p:sp>
+        <p:nvSpPr>
+          <p:cNvPr id="37" name="36 Rombo"/>
+          <p:cNvSpPr/>
+          <p:nvPr/>
+        </p:nvSpPr>
+        <p:spPr>
+          <a:xfrm>
+            <a:off x="3505200" y="5562600"/>
+            <a:ext cx="1066800" cy="457200"/>
+          </a:xfrm>
+          <a:prstGeom prst="diamond">
+            <a:avLst/>
+          </a:prstGeom>
+        </p:spPr>
+        <p:style>
+          <a:lnRef idx="0">
+            <a:schemeClr val="accent6"/>
+          </a:lnRef>
+          <a:fillRef idx="3">
+            <a:schemeClr val="accent6"/>
+          </a:fillRef>
+          <a:effectRef idx="3">
+            <a:schemeClr val="accent6"/>
+          </a:effectRef>
+          <a:fontRef idx="minor">
+            <a:schemeClr val="lt1"/>
+          </a:fontRef>
+        </p:style>
+        <p:txBody>
+          <a:bodyPr wrap="none" rtlCol="0" anchor="ctr"/>
+          <a:lstStyle/>
+          <a:p>
+            <a:pPr algn="ctr"/>
+            <a:r>
+              <a:rPr lang="es-AR" sz="1100" b="1" dirty="0" smtClean="0"/>
+              <a:t>INVOLUCRA</a:t>
+            </a:r>
+            <a:endParaRPr lang="es-AR" sz="1000" b="1" dirty="0"/>
+          </a:p>
+        </p:txBody>
+      </p:sp>
+      <p:cxnSp>
+        <p:nvCxnSpPr>
+          <p:cNvPr id="39" name="38 Conector recto"/>
+          <p:cNvCxnSpPr>
+            <a:stCxn id="30" idx="0"/>
+            <a:endCxn id="31" idx="2"/>
+          </p:cNvCxnSpPr>
+          <p:nvPr/>
+        </p:nvCxnSpPr>
+        <p:spPr>
+          <a:xfrm rot="5400000" flipH="1" flipV="1">
+            <a:off x="892969" y="4326731"/>
+            <a:ext cx="728662" cy="0"/>
+          </a:xfrm>
+          <a:prstGeom prst="line">
+            <a:avLst/>
+          </a:prstGeom>
+          <a:ln w="22225"/>
+        </p:spPr>
+        <p:style>
+          <a:lnRef idx="2">
+            <a:schemeClr val="accent1"/>
+          </a:lnRef>
+          <a:fillRef idx="0">
+            <a:schemeClr val="accent1"/>
+          </a:fillRef>
+          <a:effectRef idx="1">
+            <a:schemeClr val="accent1"/>
+          </a:effectRef>
+          <a:fontRef idx="minor">
+            <a:schemeClr val="tx1"/>
+          </a:fontRef>
+        </p:style>
+      </p:cxnSp>
+      <p:cxnSp>
+        <p:nvCxnSpPr>
+          <p:cNvPr id="44" name="43 Forma"/>
+          <p:cNvCxnSpPr>
+            <a:stCxn id="31" idx="0"/>
+            <a:endCxn id="26" idx="1"/>
+          </p:cNvCxnSpPr>
+          <p:nvPr/>
+        </p:nvCxnSpPr>
+        <p:spPr>
+          <a:xfrm rot="5400000" flipH="1" flipV="1">
+            <a:off x="2218135" y="2294335"/>
+            <a:ext cx="250031" cy="2171700"/>
+          </a:xfrm>
+          <a:prstGeom prst="bentConnector2">
+            <a:avLst/>
+          </a:prstGeom>
+          <a:ln w="22225"/>
+        </p:spPr>
+        <p:style>
+          <a:lnRef idx="2">
+            <a:schemeClr val="accent1"/>
+          </a:lnRef>
+          <a:fillRef idx="0">
+            <a:schemeClr val="accent1"/>
+          </a:fillRef>
+          <a:effectRef idx="1">
+            <a:schemeClr val="accent1"/>
+          </a:effectRef>
+          <a:fontRef idx="minor">
+            <a:schemeClr val="tx1"/>
+          </a:fontRef>
+        </p:style>
+      </p:cxnSp>
+      <p:cxnSp>
+        <p:nvCxnSpPr>
+          <p:cNvPr id="47" name="46 Conector recto"/>
+          <p:cNvCxnSpPr/>
+          <p:nvPr/>
+        </p:nvCxnSpPr>
+        <p:spPr>
+          <a:xfrm>
+            <a:off x="4495800" y="2362200"/>
+            <a:ext cx="1295400" cy="0"/>
+          </a:xfrm>
+          <a:prstGeom prst="line">
+            <a:avLst/>
+          </a:prstGeom>
+          <a:ln w="22225"/>
+        </p:spPr>
+        <p:style>
+          <a:lnRef idx="2">
+            <a:schemeClr val="accent1"/>
+          </a:lnRef>
+          <a:fillRef idx="0">
+            <a:schemeClr val="accent1"/>
+          </a:fillRef>
+          <a:effectRef idx="1">
+            <a:schemeClr val="accent1"/>
+          </a:effectRef>
+          <a:fontRef idx="minor">
+            <a:schemeClr val="tx1"/>
+          </a:fontRef>
+        </p:style>
+      </p:cxnSp>
+      <p:cxnSp>
+        <p:nvCxnSpPr>
+          <p:cNvPr id="60" name="59 Conector recto"/>
+          <p:cNvCxnSpPr/>
+          <p:nvPr/>
+        </p:nvCxnSpPr>
+        <p:spPr>
+          <a:xfrm flipV="1">
+            <a:off x="1905000" y="4952999"/>
+            <a:ext cx="304800" cy="1"/>
+          </a:xfrm>
+          <a:prstGeom prst="line">
+            <a:avLst/>
+          </a:prstGeom>
+          <a:ln w="22225"/>
+        </p:spPr>
+        <p:style>
+          <a:lnRef idx="2">
+            <a:schemeClr val="accent1"/>
+          </a:lnRef>
+          <a:fillRef idx="0">
+            <a:schemeClr val="accent1"/>
+          </a:fillRef>
+          <a:effectRef idx="1">
+            <a:schemeClr val="accent1"/>
+          </a:effectRef>
+          <a:fontRef idx="minor">
+            <a:schemeClr val="tx1"/>
+          </a:fontRef>
+        </p:style>
+      </p:cxnSp>
+      <p:cxnSp>
+        <p:nvCxnSpPr>
+          <p:cNvPr id="68" name="67 Conector recto"/>
+          <p:cNvCxnSpPr>
+            <a:stCxn id="26" idx="2"/>
+            <a:endCxn id="34" idx="0"/>
+          </p:cNvCxnSpPr>
+          <p:nvPr/>
+        </p:nvCxnSpPr>
+        <p:spPr>
+          <a:xfrm rot="5400000">
+            <a:off x="3848100" y="3767138"/>
+            <a:ext cx="457200" cy="0"/>
+          </a:xfrm>
+          <a:prstGeom prst="line">
+            <a:avLst/>
+          </a:prstGeom>
+          <a:ln w="22225"/>
+        </p:spPr>
+        <p:style>
+          <a:lnRef idx="2">
+            <a:schemeClr val="accent1"/>
+          </a:lnRef>
+          <a:fillRef idx="0">
+            <a:schemeClr val="accent1"/>
+          </a:fillRef>
+          <a:effectRef idx="1">
+            <a:schemeClr val="accent1"/>
+          </a:effectRef>
+          <a:fontRef idx="minor">
+            <a:schemeClr val="tx1"/>
+          </a:fontRef>
+        </p:style>
+      </p:cxnSp>
+      <p:cxnSp>
+        <p:nvCxnSpPr>
+          <p:cNvPr id="70" name="69 Conector recto"/>
+          <p:cNvCxnSpPr>
+            <a:stCxn id="29" idx="0"/>
+            <a:endCxn id="34" idx="2"/>
+          </p:cNvCxnSpPr>
+          <p:nvPr/>
+        </p:nvCxnSpPr>
+        <p:spPr>
+          <a:xfrm rot="5400000" flipH="1" flipV="1">
+            <a:off x="3940969" y="4512469"/>
+            <a:ext cx="271462" cy="0"/>
+          </a:xfrm>
+          <a:prstGeom prst="line">
+            <a:avLst/>
+          </a:prstGeom>
+          <a:ln w="22225"/>
+        </p:spPr>
+        <p:style>
+          <a:lnRef idx="2">
+            <a:schemeClr val="accent1"/>
+          </a:lnRef>
+          <a:fillRef idx="0">
+            <a:schemeClr val="accent1"/>
+          </a:fillRef>
+          <a:effectRef idx="1">
+            <a:schemeClr val="accent1"/>
+          </a:effectRef>
+          <a:fontRef idx="minor">
+            <a:schemeClr val="tx1"/>
+          </a:fontRef>
+        </p:style>
+      </p:cxnSp>
+      <p:cxnSp>
+        <p:nvCxnSpPr>
+          <p:cNvPr id="73" name="72 Conector recto"/>
+          <p:cNvCxnSpPr/>
+          <p:nvPr/>
+        </p:nvCxnSpPr>
+        <p:spPr>
+          <a:xfrm flipV="1">
+            <a:off x="3124200" y="4953000"/>
+            <a:ext cx="304800" cy="1"/>
+          </a:xfrm>
+          <a:prstGeom prst="line">
+            <a:avLst/>
+          </a:prstGeom>
+          <a:ln w="22225"/>
+        </p:spPr>
+        <p:style>
+          <a:lnRef idx="2">
+            <a:schemeClr val="accent1"/>
+          </a:lnRef>
+          <a:fillRef idx="0">
+            <a:schemeClr val="accent1"/>
+          </a:fillRef>
+          <a:effectRef idx="1">
+            <a:schemeClr val="accent1"/>
+          </a:effectRef>
+          <a:fontRef idx="minor">
+            <a:schemeClr val="tx1"/>
+          </a:fontRef>
+        </p:style>
+      </p:cxnSp>
+      <p:cxnSp>
+        <p:nvCxnSpPr>
+          <p:cNvPr id="78" name="77 Conector recto"/>
+          <p:cNvCxnSpPr/>
+          <p:nvPr/>
+        </p:nvCxnSpPr>
+        <p:spPr>
+          <a:xfrm rot="5400000" flipH="1" flipV="1">
+            <a:off x="3924300" y="2781300"/>
+            <a:ext cx="381000" cy="0"/>
+          </a:xfrm>
+          <a:prstGeom prst="line">
+            <a:avLst/>
+          </a:prstGeom>
+          <a:ln w="22225"/>
+        </p:spPr>
+        <p:style>
+          <a:lnRef idx="2">
+            <a:schemeClr val="accent1"/>
+          </a:lnRef>
+          <a:fillRef idx="0">
+            <a:schemeClr val="accent1"/>
+          </a:fillRef>
+          <a:effectRef idx="1">
+            <a:schemeClr val="accent1"/>
+          </a:effectRef>
+          <a:fontRef idx="minor">
+            <a:schemeClr val="tx1"/>
+          </a:fontRef>
+        </p:style>
+      </p:cxnSp>
+      <p:cxnSp>
+        <p:nvCxnSpPr>
+          <p:cNvPr id="80" name="79 Conector recto"/>
+          <p:cNvCxnSpPr/>
+          <p:nvPr/>
+        </p:nvCxnSpPr>
+        <p:spPr>
+          <a:xfrm rot="5400000" flipH="1" flipV="1">
+            <a:off x="3864769" y="5388769"/>
+            <a:ext cx="347662" cy="0"/>
+          </a:xfrm>
+          <a:prstGeom prst="line">
+            <a:avLst/>
+          </a:prstGeom>
+          <a:ln w="22225"/>
+        </p:spPr>
+        <p:style>
+          <a:lnRef idx="2">
+            <a:schemeClr val="accent1"/>
+          </a:lnRef>
+          <a:fillRef idx="0">
+            <a:schemeClr val="accent1"/>
+          </a:fillRef>
+          <a:effectRef idx="1">
+            <a:schemeClr val="accent1"/>
+          </a:effectRef>
+          <a:fontRef idx="minor">
+            <a:schemeClr val="tx1"/>
+          </a:fontRef>
+        </p:style>
+      </p:cxnSp>
+      <p:cxnSp>
+        <p:nvCxnSpPr>
+          <p:cNvPr id="82" name="81 Conector recto"/>
+          <p:cNvCxnSpPr/>
+          <p:nvPr/>
+        </p:nvCxnSpPr>
+        <p:spPr>
+          <a:xfrm>
+            <a:off x="4572000" y="5791200"/>
+            <a:ext cx="609600" cy="0"/>
+          </a:xfrm>
+          <a:prstGeom prst="line">
+            <a:avLst/>
+          </a:prstGeom>
+          <a:ln w="22225"/>
+        </p:spPr>
+        <p:style>
+          <a:lnRef idx="2">
+            <a:schemeClr val="accent1"/>
+          </a:lnRef>
+          <a:fillRef idx="0">
+            <a:schemeClr val="accent1"/>
+          </a:fillRef>
+          <a:effectRef idx="1">
+            <a:schemeClr val="accent1"/>
+          </a:effectRef>
+          <a:fontRef idx="minor">
+            <a:schemeClr val="tx1"/>
+          </a:fontRef>
+        </p:style>
+      </p:cxnSp>
+      <p:cxnSp>
+        <p:nvCxnSpPr>
+          <p:cNvPr id="84" name="83 Conector recto"/>
+          <p:cNvCxnSpPr/>
+          <p:nvPr/>
+        </p:nvCxnSpPr>
+        <p:spPr>
+          <a:xfrm>
+            <a:off x="4724400" y="4953000"/>
+            <a:ext cx="457200" cy="0"/>
+          </a:xfrm>
+          <a:prstGeom prst="line">
+            <a:avLst/>
+          </a:prstGeom>
+          <a:ln w="22225"/>
+        </p:spPr>
+        <p:style>
+          <a:lnRef idx="2">
+            <a:schemeClr val="accent1"/>
+          </a:lnRef>
+          <a:fillRef idx="0">
+            <a:schemeClr val="accent1"/>
+          </a:fillRef>
+          <a:effectRef idx="1">
+            <a:schemeClr val="accent1"/>
+          </a:effectRef>
+          <a:fontRef idx="minor">
+            <a:schemeClr val="tx1"/>
+          </a:fontRef>
+        </p:style>
+      </p:cxnSp>
+      <p:cxnSp>
+        <p:nvCxnSpPr>
+          <p:cNvPr id="95" name="94 Conector recto"/>
+          <p:cNvCxnSpPr/>
+          <p:nvPr/>
+        </p:nvCxnSpPr>
+        <p:spPr>
+          <a:xfrm>
+            <a:off x="4724400" y="3276600"/>
+            <a:ext cx="381000" cy="0"/>
+          </a:xfrm>
+          <a:prstGeom prst="line">
+            <a:avLst/>
+          </a:prstGeom>
+          <a:ln w="22225"/>
+        </p:spPr>
+        <p:style>
+          <a:lnRef idx="2">
+            <a:schemeClr val="accent1"/>
+          </a:lnRef>
+          <a:fillRef idx="0">
+            <a:schemeClr val="accent1"/>
+          </a:fillRef>
+          <a:effectRef idx="1">
+            <a:schemeClr val="accent1"/>
+          </a:effectRef>
+          <a:fontRef idx="minor">
+            <a:schemeClr val="tx1"/>
+          </a:fontRef>
+        </p:style>
+      </p:cxnSp>
+      <p:cxnSp>
+        <p:nvCxnSpPr>
+          <p:cNvPr id="97" name="96 Conector recto"/>
+          <p:cNvCxnSpPr/>
+          <p:nvPr/>
+        </p:nvCxnSpPr>
+        <p:spPr>
+          <a:xfrm>
+            <a:off x="6096000" y="3276600"/>
+            <a:ext cx="381000" cy="0"/>
+          </a:xfrm>
+          <a:prstGeom prst="line">
+            <a:avLst/>
+          </a:prstGeom>
+          <a:ln w="22225"/>
+        </p:spPr>
+        <p:style>
+          <a:lnRef idx="2">
+            <a:schemeClr val="accent1"/>
+          </a:lnRef>
+          <a:fillRef idx="0">
+            <a:schemeClr val="accent1"/>
+          </a:fillRef>
+          <a:effectRef idx="1">
+            <a:schemeClr val="accent1"/>
+          </a:effectRef>
+          <a:fontRef idx="minor">
+            <a:schemeClr val="tx1"/>
+          </a:fontRef>
+        </p:style>
+      </p:cxnSp>
+      <p:cxnSp>
+        <p:nvCxnSpPr>
+          <p:cNvPr id="103" name="102 Conector recto"/>
+          <p:cNvCxnSpPr/>
+          <p:nvPr/>
+        </p:nvCxnSpPr>
+        <p:spPr>
+          <a:xfrm>
+            <a:off x="6172200" y="4953000"/>
+            <a:ext cx="457200" cy="0"/>
+          </a:xfrm>
+          <a:prstGeom prst="line">
+            <a:avLst/>
+          </a:prstGeom>
+          <a:ln w="22225"/>
+        </p:spPr>
+        <p:style>
+          <a:lnRef idx="2">
+            <a:schemeClr val="accent1"/>
+          </a:lnRef>
+          <a:fillRef idx="0">
+            <a:schemeClr val="accent1"/>
+          </a:fillRef>
+          <a:effectRef idx="1">
+            <a:schemeClr val="accent1"/>
+          </a:effectRef>
+          <a:fontRef idx="minor">
+            <a:schemeClr val="tx1"/>
+          </a:fontRef>
+        </p:style>
+      </p:cxnSp>
     </p:spTree>
   </p:cSld>
   <p:clrMapOvr>

--- a/trunk/Presentacion/Tecnica/Presentacion Tecnica.pptx
+++ b/trunk/Presentacion/Tecnica/Presentacion Tecnica.pptx
@@ -205,7 +205,7 @@
             <a:fld id="{9763C9BB-72E2-4283-8DE8-50E875797B7C}" type="datetimeFigureOut">
               <a:rPr lang="es-AR" smtClean="0"/>
               <a:pPr/>
-              <a:t>09/07/2011</a:t>
+              <a:t>14/07/2011</a:t>
             </a:fld>
             <a:endParaRPr lang="es-AR"/>
           </a:p>
@@ -374,6 +374,11 @@
         </p:txBody>
       </p:sp>
     </p:spTree>
+    <p:extLst>
+      <p:ext uri="{BB962C8B-B14F-4D97-AF65-F5344CB8AC3E}">
+        <p14:creationId xmlns:p14="http://schemas.microsoft.com/office/powerpoint/2010/main" val="206827975"/>
+      </p:ext>
+    </p:extLst>
   </p:cSld>
   <p:clrMap bg1="lt1" tx1="dk1" bg2="lt2" tx2="dk2" accent1="accent1" accent2="accent2" accent3="accent3" accent4="accent4" accent5="accent5" accent6="accent6" hlink="hlink" folHlink="folHlink"/>
   <p:notesStyle>
@@ -653,7 +658,7 @@
             <a:fld id="{1D8BD707-D9CF-40AE-B4C6-C98DA3205C09}" type="datetimeFigureOut">
               <a:rPr lang="en-US" smtClean="0"/>
               <a:pPr/>
-              <a:t>7/9/2011</a:t>
+              <a:t>7/14/2011</a:t>
             </a:fld>
             <a:endParaRPr lang="en-US"/>
           </a:p>
@@ -820,7 +825,7 @@
             <a:fld id="{1D8BD707-D9CF-40AE-B4C6-C98DA3205C09}" type="datetimeFigureOut">
               <a:rPr lang="en-US" smtClean="0"/>
               <a:pPr/>
-              <a:t>7/9/2011</a:t>
+              <a:t>7/14/2011</a:t>
             </a:fld>
             <a:endParaRPr lang="en-US"/>
           </a:p>
@@ -997,7 +1002,7 @@
             <a:fld id="{1D8BD707-D9CF-40AE-B4C6-C98DA3205C09}" type="datetimeFigureOut">
               <a:rPr lang="en-US" smtClean="0"/>
               <a:pPr/>
-              <a:t>7/9/2011</a:t>
+              <a:t>7/14/2011</a:t>
             </a:fld>
             <a:endParaRPr lang="en-US"/>
           </a:p>
@@ -1164,7 +1169,7 @@
             <a:fld id="{1D8BD707-D9CF-40AE-B4C6-C98DA3205C09}" type="datetimeFigureOut">
               <a:rPr lang="en-US" smtClean="0"/>
               <a:pPr/>
-              <a:t>7/9/2011</a:t>
+              <a:t>7/14/2011</a:t>
             </a:fld>
             <a:endParaRPr lang="en-US"/>
           </a:p>
@@ -1407,7 +1412,7 @@
             <a:fld id="{1D8BD707-D9CF-40AE-B4C6-C98DA3205C09}" type="datetimeFigureOut">
               <a:rPr lang="en-US" smtClean="0"/>
               <a:pPr/>
-              <a:t>7/9/2011</a:t>
+              <a:t>7/14/2011</a:t>
             </a:fld>
             <a:endParaRPr lang="en-US"/>
           </a:p>
@@ -1692,7 +1697,7 @@
             <a:fld id="{1D8BD707-D9CF-40AE-B4C6-C98DA3205C09}" type="datetimeFigureOut">
               <a:rPr lang="en-US" smtClean="0"/>
               <a:pPr/>
-              <a:t>7/9/2011</a:t>
+              <a:t>7/14/2011</a:t>
             </a:fld>
             <a:endParaRPr lang="en-US"/>
           </a:p>
@@ -2111,7 +2116,7 @@
             <a:fld id="{1D8BD707-D9CF-40AE-B4C6-C98DA3205C09}" type="datetimeFigureOut">
               <a:rPr lang="en-US" smtClean="0"/>
               <a:pPr/>
-              <a:t>7/9/2011</a:t>
+              <a:t>7/14/2011</a:t>
             </a:fld>
             <a:endParaRPr lang="en-US"/>
           </a:p>
@@ -2226,7 +2231,7 @@
             <a:fld id="{1D8BD707-D9CF-40AE-B4C6-C98DA3205C09}" type="datetimeFigureOut">
               <a:rPr lang="en-US" smtClean="0"/>
               <a:pPr/>
-              <a:t>7/9/2011</a:t>
+              <a:t>7/14/2011</a:t>
             </a:fld>
             <a:endParaRPr lang="en-US"/>
           </a:p>
@@ -2318,7 +2323,7 @@
             <a:fld id="{1D8BD707-D9CF-40AE-B4C6-C98DA3205C09}" type="datetimeFigureOut">
               <a:rPr lang="en-US" smtClean="0"/>
               <a:pPr/>
-              <a:t>7/9/2011</a:t>
+              <a:t>7/14/2011</a:t>
             </a:fld>
             <a:endParaRPr lang="en-US"/>
           </a:p>
@@ -2592,7 +2597,7 @@
             <a:fld id="{1D8BD707-D9CF-40AE-B4C6-C98DA3205C09}" type="datetimeFigureOut">
               <a:rPr lang="en-US" smtClean="0"/>
               <a:pPr/>
-              <a:t>7/9/2011</a:t>
+              <a:t>7/14/2011</a:t>
             </a:fld>
             <a:endParaRPr lang="en-US"/>
           </a:p>
@@ -2842,7 +2847,7 @@
             <a:fld id="{1D8BD707-D9CF-40AE-B4C6-C98DA3205C09}" type="datetimeFigureOut">
               <a:rPr lang="en-US" smtClean="0"/>
               <a:pPr/>
-              <a:t>7/9/2011</a:t>
+              <a:t>7/14/2011</a:t>
             </a:fld>
             <a:endParaRPr lang="en-US"/>
           </a:p>
@@ -3057,7 +3062,7 @@
             <a:fld id="{1D8BD707-D9CF-40AE-B4C6-C98DA3205C09}" type="datetimeFigureOut">
               <a:rPr lang="en-US" smtClean="0"/>
               <a:pPr/>
-              <a:t>7/9/2011</a:t>
+              <a:t>7/14/2011</a:t>
             </a:fld>
             <a:endParaRPr lang="en-US"/>
           </a:p>
@@ -5225,7 +5230,6 @@
               <a:rPr lang="es-AR" sz="1200" dirty="0" smtClean="0"/>
               <a:t>SINIESTRO</a:t>
             </a:r>
-            <a:endParaRPr lang="es-AR" sz="1200" dirty="0" smtClean="0"/>
           </a:p>
         </p:txBody>
       </p:sp>
@@ -10831,9 +10835,14 @@
           <a:p>
             <a:pPr algn="ctr"/>
             <a:r>
-              <a:rPr lang="es-AR" sz="5400" b="1" u="sng" dirty="0" smtClean="0"/>
-              <a:t>Requisitos</a:t>
+              <a:rPr lang="es-AR" sz="4400" b="1" u="sng" dirty="0" smtClean="0"/>
+              <a:t>Requerimientos</a:t>
             </a:r>
+            <a:r>
+              <a:rPr lang="es-AR" sz="4000" b="1" u="sng" dirty="0" smtClean="0"/>
+              <a:t> No Funcionales</a:t>
+            </a:r>
+            <a:endParaRPr lang="es-AR" sz="5400" b="1" u="sng" dirty="0" smtClean="0"/>
           </a:p>
           <a:p>
             <a:pPr algn="ctr"/>
@@ -11014,8 +11023,13 @@
             </a:pPr>
             <a:r>
               <a:rPr lang="es-AR" sz="3400" dirty="0" smtClean="0"/>
-              <a:t> Control de acceso </a:t>
+              <a:t> </a:t>
             </a:r>
+            <a:r>
+              <a:rPr lang="es-AR" sz="3400" dirty="0" smtClean="0"/>
+              <a:t>Seguridad </a:t>
+            </a:r>
+            <a:endParaRPr lang="es-AR" sz="3400" dirty="0" smtClean="0"/>
           </a:p>
           <a:p>
             <a:pPr lvl="0">
@@ -11028,8 +11042,13 @@
             </a:pPr>
             <a:r>
               <a:rPr lang="es-AR" sz="3400" dirty="0" smtClean="0"/>
-              <a:t> Compatibilidad multiplataforma</a:t>
+              <a:t> </a:t>
             </a:r>
+            <a:r>
+              <a:rPr lang="es-AR" sz="3400" dirty="0" smtClean="0"/>
+              <a:t>Compatibilidad</a:t>
+            </a:r>
+            <a:endParaRPr lang="es-AR" sz="3400" dirty="0" smtClean="0"/>
           </a:p>
           <a:p>
             <a:pPr lvl="0">
@@ -12048,9 +12067,10 @@
           <a:p>
             <a:pPr algn="ctr"/>
             <a:r>
-              <a:rPr lang="es-AR" sz="5400" b="1" u="sng" dirty="0" smtClean="0"/>
-              <a:t>Funcionalidad</a:t>
+              <a:rPr lang="es-AR" sz="4400" b="1" u="sng" dirty="0" smtClean="0"/>
+              <a:t>Requerimientos Funcionales</a:t>
             </a:r>
+            <a:endParaRPr lang="es-AR" sz="4400" b="1" u="sng" dirty="0" smtClean="0"/>
           </a:p>
           <a:p>
             <a:pPr algn="ctr"/>
@@ -12355,7 +12375,7 @@
             <a:lstStyle/>
             <a:p>
               <a:pPr algn="ctr"/>
-              <a:endParaRPr lang="es-AR"/>
+              <a:endParaRPr lang="es-AR" dirty="0"/>
             </a:p>
           </p:txBody>
         </p:sp>
@@ -12399,7 +12419,7 @@
             <a:lstStyle/>
             <a:p>
               <a:pPr algn="ctr"/>
-              <a:endParaRPr lang="es-AR"/>
+              <a:endParaRPr lang="es-AR" dirty="0"/>
             </a:p>
           </p:txBody>
         </p:sp>
@@ -12443,7 +12463,7 @@
             <a:lstStyle/>
             <a:p>
               <a:pPr algn="ctr"/>
-              <a:endParaRPr lang="es-AR"/>
+              <a:endParaRPr lang="es-AR" dirty="0"/>
             </a:p>
           </p:txBody>
         </p:sp>
@@ -12487,7 +12507,7 @@
             <a:lstStyle/>
             <a:p>
               <a:pPr algn="ctr"/>
-              <a:endParaRPr lang="es-AR"/>
+              <a:endParaRPr lang="es-AR" dirty="0"/>
             </a:p>
           </p:txBody>
         </p:sp>
@@ -12531,7 +12551,7 @@
             <a:lstStyle/>
             <a:p>
               <a:pPr algn="ctr"/>
-              <a:endParaRPr lang="es-AR"/>
+              <a:endParaRPr lang="es-AR" dirty="0"/>
             </a:p>
           </p:txBody>
         </p:sp>
@@ -13197,7 +13217,7 @@
         </p:nvSpPr>
         <p:spPr>
           <a:xfrm>
-            <a:off x="228600" y="1066800"/>
+            <a:off x="228600" y="1104900"/>
             <a:ext cx="8534400" cy="685800"/>
           </a:xfrm>
           <a:prstGeom prst="rect">
@@ -13234,10 +13254,10 @@
           <a:p>
             <a:pPr algn="ctr"/>
             <a:r>
-              <a:rPr lang="es-AR" sz="4800" b="1" u="sng" dirty="0" smtClean="0"/>
+              <a:rPr lang="es-AR" sz="4400" b="1" u="sng" dirty="0" smtClean="0"/>
               <a:t>Perfiles</a:t>
             </a:r>
-            <a:endParaRPr lang="es-AR" sz="5400" b="1" u="sng" dirty="0" smtClean="0"/>
+            <a:endParaRPr lang="es-AR" sz="4800" b="1" u="sng" dirty="0" smtClean="0"/>
           </a:p>
           <a:p>
             <a:pPr algn="ctr"/>
@@ -13529,7 +13549,7 @@
                     <a:bodyPr/>
                     <a:lstStyle/>
                     <a:p>
-                      <a:endParaRPr lang="es-AR"/>
+                      <a:endParaRPr lang="es-AR" dirty="0"/>
                     </a:p>
                   </a:txBody>
                   <a:tcPr/>
@@ -13594,7 +13614,7 @@
                     <a:bodyPr/>
                     <a:lstStyle/>
                     <a:p>
-                      <a:endParaRPr lang="es-AR"/>
+                      <a:endParaRPr lang="es-AR" dirty="0"/>
                     </a:p>
                   </a:txBody>
                   <a:tcPr/>
@@ -13631,7 +13651,7 @@
                     <a:bodyPr/>
                     <a:lstStyle/>
                     <a:p>
-                      <a:endParaRPr lang="es-AR"/>
+                      <a:endParaRPr lang="es-AR" dirty="0"/>
                     </a:p>
                   </a:txBody>
                   <a:tcPr/>
@@ -13641,7 +13661,7 @@
                     <a:bodyPr/>
                     <a:lstStyle/>
                     <a:p>
-                      <a:endParaRPr lang="es-AR"/>
+                      <a:endParaRPr lang="es-AR" dirty="0"/>
                     </a:p>
                   </a:txBody>
                   <a:tcPr/>
@@ -13682,7 +13702,7 @@
                     <a:bodyPr/>
                     <a:lstStyle/>
                     <a:p>
-                      <a:endParaRPr lang="es-AR"/>
+                      <a:endParaRPr lang="es-AR" dirty="0"/>
                     </a:p>
                   </a:txBody>
                   <a:tcPr/>
@@ -13692,7 +13712,7 @@
                     <a:bodyPr/>
                     <a:lstStyle/>
                     <a:p>
-                      <a:endParaRPr lang="es-AR"/>
+                      <a:endParaRPr lang="es-AR" dirty="0"/>
                     </a:p>
                   </a:txBody>
                   <a:tcPr/>
@@ -13729,7 +13749,7 @@
                     <a:bodyPr/>
                     <a:lstStyle/>
                     <a:p>
-                      <a:endParaRPr lang="es-AR"/>
+                      <a:endParaRPr lang="es-AR" dirty="0"/>
                     </a:p>
                   </a:txBody>
                   <a:tcPr/>
@@ -13739,7 +13759,7 @@
                     <a:bodyPr/>
                     <a:lstStyle/>
                     <a:p>
-                      <a:endParaRPr lang="es-AR"/>
+                      <a:endParaRPr lang="es-AR" dirty="0"/>
                     </a:p>
                   </a:txBody>
                   <a:tcPr/>
@@ -14421,7 +14441,7 @@
             <a:lstStyle/>
             <a:p>
               <a:pPr algn="ctr"/>
-              <a:endParaRPr lang="es-AR"/>
+              <a:endParaRPr lang="es-AR" dirty="0"/>
             </a:p>
           </p:txBody>
         </p:sp>
@@ -14465,7 +14485,7 @@
             <a:lstStyle/>
             <a:p>
               <a:pPr algn="ctr"/>
-              <a:endParaRPr lang="es-AR"/>
+              <a:endParaRPr lang="es-AR" dirty="0"/>
             </a:p>
           </p:txBody>
         </p:sp>
@@ -14509,7 +14529,7 @@
             <a:lstStyle/>
             <a:p>
               <a:pPr algn="ctr"/>
-              <a:endParaRPr lang="es-AR"/>
+              <a:endParaRPr lang="es-AR" dirty="0"/>
             </a:p>
           </p:txBody>
         </p:sp>
@@ -14553,7 +14573,7 @@
             <a:lstStyle/>
             <a:p>
               <a:pPr algn="ctr"/>
-              <a:endParaRPr lang="es-AR"/>
+              <a:endParaRPr lang="es-AR" dirty="0"/>
             </a:p>
           </p:txBody>
         </p:sp>
@@ -14597,7 +14617,7 @@
             <a:lstStyle/>
             <a:p>
               <a:pPr algn="ctr"/>
-              <a:endParaRPr lang="es-AR"/>
+              <a:endParaRPr lang="es-AR" dirty="0"/>
             </a:p>
           </p:txBody>
         </p:sp>
@@ -16195,7 +16215,7 @@
             <a:lstStyle/>
             <a:p>
               <a:pPr algn="ctr"/>
-              <a:endParaRPr lang="es-AR"/>
+              <a:endParaRPr lang="es-AR" dirty="0"/>
             </a:p>
           </p:txBody>
         </p:sp>
@@ -16239,7 +16259,7 @@
             <a:lstStyle/>
             <a:p>
               <a:pPr algn="ctr"/>
-              <a:endParaRPr lang="es-AR"/>
+              <a:endParaRPr lang="es-AR" dirty="0"/>
             </a:p>
           </p:txBody>
         </p:sp>
@@ -16283,7 +16303,7 @@
             <a:lstStyle/>
             <a:p>
               <a:pPr algn="ctr"/>
-              <a:endParaRPr lang="es-AR"/>
+              <a:endParaRPr lang="es-AR" dirty="0"/>
             </a:p>
           </p:txBody>
         </p:sp>
@@ -16327,7 +16347,7 @@
             <a:lstStyle/>
             <a:p>
               <a:pPr algn="ctr"/>
-              <a:endParaRPr lang="es-AR"/>
+              <a:endParaRPr lang="es-AR" dirty="0"/>
             </a:p>
           </p:txBody>
         </p:sp>
@@ -16371,7 +16391,7 @@
             <a:lstStyle/>
             <a:p>
               <a:pPr algn="ctr"/>
-              <a:endParaRPr lang="es-AR"/>
+              <a:endParaRPr lang="es-AR" dirty="0"/>
             </a:p>
           </p:txBody>
         </p:sp>
@@ -17307,7 +17327,7 @@
               <a:lstStyle/>
               <a:p>
                 <a:pPr algn="ctr"/>
-                <a:endParaRPr lang="es-AR" sz="1600"/>
+                <a:endParaRPr lang="es-AR" sz="1600" dirty="0"/>
               </a:p>
             </p:txBody>
           </p:sp>
@@ -17352,7 +17372,7 @@
             <a:lstStyle/>
             <a:p>
               <a:pPr algn="ctr"/>
-              <a:endParaRPr lang="es-AR" sz="1600"/>
+              <a:endParaRPr lang="es-AR" sz="1600" dirty="0"/>
             </a:p>
           </p:txBody>
         </p:sp>
@@ -17396,7 +17416,7 @@
             <a:lstStyle/>
             <a:p>
               <a:pPr algn="ctr"/>
-              <a:endParaRPr lang="es-AR" sz="1600"/>
+              <a:endParaRPr lang="es-AR" sz="1600" dirty="0"/>
             </a:p>
           </p:txBody>
         </p:sp>
@@ -17486,7 +17506,7 @@
           <a:lstStyle/>
           <a:p>
             <a:pPr algn="ctr"/>
-            <a:endParaRPr lang="es-AR" sz="1600"/>
+            <a:endParaRPr lang="es-AR" sz="1600" dirty="0"/>
           </a:p>
         </p:txBody>
       </p:sp>
@@ -17530,7 +17550,7 @@
           <a:lstStyle/>
           <a:p>
             <a:pPr algn="ctr"/>
-            <a:endParaRPr lang="es-AR" sz="1600"/>
+            <a:endParaRPr lang="es-AR" sz="1600" dirty="0"/>
           </a:p>
         </p:txBody>
       </p:sp>
@@ -17574,7 +17594,7 @@
           <a:lstStyle/>
           <a:p>
             <a:pPr algn="ctr"/>
-            <a:endParaRPr lang="es-AR" sz="1600"/>
+            <a:endParaRPr lang="es-AR" sz="1600" dirty="0"/>
           </a:p>
         </p:txBody>
       </p:sp>
@@ -17761,7 +17781,7 @@
           <a:lstStyle/>
           <a:p>
             <a:pPr algn="ctr"/>
-            <a:endParaRPr lang="es-AR" sz="1600"/>
+            <a:endParaRPr lang="es-AR" sz="1600" dirty="0"/>
           </a:p>
         </p:txBody>
       </p:sp>
@@ -17805,7 +17825,7 @@
           <a:lstStyle/>
           <a:p>
             <a:pPr algn="ctr"/>
-            <a:endParaRPr lang="es-AR" sz="1600"/>
+            <a:endParaRPr lang="es-AR" sz="1600" dirty="0"/>
           </a:p>
         </p:txBody>
       </p:sp>
@@ -17849,7 +17869,7 @@
           <a:lstStyle/>
           <a:p>
             <a:pPr algn="ctr"/>
-            <a:endParaRPr lang="es-AR" sz="1600"/>
+            <a:endParaRPr lang="es-AR" sz="1600" dirty="0"/>
           </a:p>
         </p:txBody>
       </p:sp>
@@ -17938,7 +17958,7 @@
           <a:lstStyle/>
           <a:p>
             <a:pPr algn="ctr"/>
-            <a:endParaRPr lang="es-AR" sz="1600"/>
+            <a:endParaRPr lang="es-AR" sz="1600" dirty="0"/>
           </a:p>
         </p:txBody>
       </p:sp>
@@ -17982,7 +18002,7 @@
           <a:lstStyle/>
           <a:p>
             <a:pPr algn="ctr"/>
-            <a:endParaRPr lang="es-AR" sz="1600"/>
+            <a:endParaRPr lang="es-AR" sz="1600" dirty="0"/>
           </a:p>
         </p:txBody>
       </p:sp>
@@ -18026,7 +18046,7 @@
           <a:lstStyle/>
           <a:p>
             <a:pPr algn="ctr"/>
-            <a:endParaRPr lang="es-AR" sz="1600"/>
+            <a:endParaRPr lang="es-AR" sz="1600" dirty="0"/>
           </a:p>
         </p:txBody>
       </p:sp>
@@ -18164,7 +18184,7 @@
           <a:lstStyle/>
           <a:p>
             <a:pPr algn="ctr"/>
-            <a:endParaRPr lang="es-AR" sz="1600"/>
+            <a:endParaRPr lang="es-AR" sz="1600" dirty="0"/>
           </a:p>
         </p:txBody>
       </p:sp>
@@ -18208,7 +18228,7 @@
           <a:lstStyle/>
           <a:p>
             <a:pPr algn="ctr"/>
-            <a:endParaRPr lang="es-AR" sz="1600"/>
+            <a:endParaRPr lang="es-AR" sz="1600" dirty="0"/>
           </a:p>
         </p:txBody>
       </p:sp>
@@ -18252,7 +18272,7 @@
           <a:lstStyle/>
           <a:p>
             <a:pPr algn="ctr"/>
-            <a:endParaRPr lang="es-AR" sz="1600"/>
+            <a:endParaRPr lang="es-AR" sz="1600" dirty="0"/>
           </a:p>
         </p:txBody>
       </p:sp>
@@ -18341,7 +18361,7 @@
           <a:lstStyle/>
           <a:p>
             <a:pPr algn="ctr"/>
-            <a:endParaRPr lang="es-AR" sz="1600"/>
+            <a:endParaRPr lang="es-AR" sz="1600" dirty="0"/>
           </a:p>
         </p:txBody>
       </p:sp>
@@ -18385,7 +18405,7 @@
           <a:lstStyle/>
           <a:p>
             <a:pPr algn="ctr"/>
-            <a:endParaRPr lang="es-AR" sz="1600"/>
+            <a:endParaRPr lang="es-AR" sz="1600" dirty="0"/>
           </a:p>
         </p:txBody>
       </p:sp>
@@ -18429,7 +18449,7 @@
           <a:lstStyle/>
           <a:p>
             <a:pPr algn="ctr"/>
-            <a:endParaRPr lang="es-AR" sz="1600"/>
+            <a:endParaRPr lang="es-AR" sz="1600" dirty="0"/>
           </a:p>
         </p:txBody>
       </p:sp>
@@ -18469,7 +18489,7 @@
           <a:lstStyle/>
           <a:p>
             <a:pPr algn="ctr"/>
-            <a:endParaRPr lang="es-AR" sz="1600"/>
+            <a:endParaRPr lang="es-AR" sz="1600" dirty="0"/>
           </a:p>
         </p:txBody>
       </p:sp>
@@ -18513,7 +18533,7 @@
           <a:lstStyle/>
           <a:p>
             <a:pPr algn="ctr"/>
-            <a:endParaRPr lang="es-AR" sz="1600"/>
+            <a:endParaRPr lang="es-AR" sz="1600" dirty="0"/>
           </a:p>
         </p:txBody>
       </p:sp>
@@ -18557,7 +18577,7 @@
           <a:lstStyle/>
           <a:p>
             <a:pPr algn="ctr"/>
-            <a:endParaRPr lang="es-AR" sz="1600"/>
+            <a:endParaRPr lang="es-AR" sz="1600" dirty="0"/>
           </a:p>
         </p:txBody>
       </p:sp>
@@ -18597,7 +18617,7 @@
           <a:lstStyle/>
           <a:p>
             <a:pPr algn="ctr"/>
-            <a:endParaRPr lang="es-AR" sz="1600"/>
+            <a:endParaRPr lang="es-AR" sz="1600" dirty="0"/>
           </a:p>
         </p:txBody>
       </p:sp>
@@ -18641,7 +18661,7 @@
           <a:lstStyle/>
           <a:p>
             <a:pPr algn="ctr"/>
-            <a:endParaRPr lang="es-AR" sz="1600"/>
+            <a:endParaRPr lang="es-AR" sz="1600" dirty="0"/>
           </a:p>
         </p:txBody>
       </p:sp>
@@ -18685,7 +18705,7 @@
           <a:lstStyle/>
           <a:p>
             <a:pPr algn="ctr"/>
-            <a:endParaRPr lang="es-AR" sz="1600"/>
+            <a:endParaRPr lang="es-AR" sz="1600" dirty="0"/>
           </a:p>
         </p:txBody>
       </p:sp>
@@ -18725,7 +18745,7 @@
           <a:lstStyle/>
           <a:p>
             <a:pPr algn="ctr"/>
-            <a:endParaRPr lang="es-AR" sz="1600"/>
+            <a:endParaRPr lang="es-AR" sz="1600" dirty="0"/>
           </a:p>
         </p:txBody>
       </p:sp>
@@ -18769,7 +18789,7 @@
           <a:lstStyle/>
           <a:p>
             <a:pPr algn="ctr"/>
-            <a:endParaRPr lang="es-AR" sz="1600"/>
+            <a:endParaRPr lang="es-AR" sz="1600" dirty="0"/>
           </a:p>
         </p:txBody>
       </p:sp>
@@ -18813,7 +18833,7 @@
           <a:lstStyle/>
           <a:p>
             <a:pPr algn="ctr"/>
-            <a:endParaRPr lang="es-AR" sz="1600"/>
+            <a:endParaRPr lang="es-AR" sz="1600" dirty="0"/>
           </a:p>
         </p:txBody>
       </p:sp>
@@ -19262,7 +19282,7 @@
             <a:lstStyle/>
             <a:p>
               <a:pPr algn="ctr"/>
-              <a:endParaRPr lang="es-AR"/>
+              <a:endParaRPr lang="es-AR" dirty="0"/>
             </a:p>
           </p:txBody>
         </p:sp>
@@ -19306,7 +19326,7 @@
             <a:lstStyle/>
             <a:p>
               <a:pPr algn="ctr"/>
-              <a:endParaRPr lang="es-AR"/>
+              <a:endParaRPr lang="es-AR" dirty="0"/>
             </a:p>
           </p:txBody>
         </p:sp>
@@ -19350,7 +19370,7 @@
             <a:lstStyle/>
             <a:p>
               <a:pPr algn="ctr"/>
-              <a:endParaRPr lang="es-AR"/>
+              <a:endParaRPr lang="es-AR" dirty="0"/>
             </a:p>
           </p:txBody>
         </p:sp>
@@ -19394,7 +19414,7 @@
             <a:lstStyle/>
             <a:p>
               <a:pPr algn="ctr"/>
-              <a:endParaRPr lang="es-AR"/>
+              <a:endParaRPr lang="es-AR" dirty="0"/>
             </a:p>
           </p:txBody>
         </p:sp>
@@ -19438,7 +19458,7 @@
             <a:lstStyle/>
             <a:p>
               <a:pPr algn="ctr"/>
-              <a:endParaRPr lang="es-AR"/>
+              <a:endParaRPr lang="es-AR" dirty="0"/>
             </a:p>
           </p:txBody>
         </p:sp>
@@ -20666,12 +20686,8 @@
               <a:p>
                 <a:pPr algn="ctr"/>
                 <a:r>
-                  <a:rPr lang="es-AR" sz="900" dirty="0" err="1" smtClean="0"/>
-                  <a:t>Firefox</a:t>
-                </a:r>
-                <a:r>
                   <a:rPr lang="es-AR" sz="900" dirty="0" smtClean="0"/>
-                  <a:t>, Google </a:t>
+                  <a:t>Firefox, Google </a:t>
                 </a:r>
                 <a:r>
                   <a:rPr lang="es-AR" sz="900" dirty="0" err="1" smtClean="0"/>
@@ -23189,13 +23205,8 @@
             <a:pPr algn="ctr"/>
             <a:r>
               <a:rPr lang="es-AR" sz="4800" b="1" u="sng" dirty="0" smtClean="0"/>
-              <a:t>Tecnologías y </a:t>
+              <a:t>Tecnologías y Frameworks</a:t>
             </a:r>
-            <a:r>
-              <a:rPr lang="es-AR" sz="4800" b="1" u="sng" dirty="0" err="1" smtClean="0"/>
-              <a:t>Frameworks</a:t>
-            </a:r>
-            <a:endParaRPr lang="es-AR" sz="4800" b="1" u="sng" dirty="0" smtClean="0"/>
           </a:p>
           <a:p>
             <a:pPr algn="ctr"/>
@@ -23326,60 +23337,75 @@
           </p:txBody>
         </p:sp>
       </p:grpSp>
-      <p:pic>
-        <p:nvPicPr>
-          <p:cNvPr id="38" name="37 Imagen" descr="wicket.gif"/>
-          <p:cNvPicPr>
-            <a:picLocks noChangeAspect="1"/>
-          </p:cNvPicPr>
+      <p:grpSp>
+        <p:nvGrpSpPr>
+          <p:cNvPr id="7" name="6 Grupo"/>
+          <p:cNvGrpSpPr/>
           <p:nvPr/>
-        </p:nvPicPr>
-        <p:blipFill>
-          <a:blip r:embed="rId3" cstate="print"/>
-          <a:stretch>
-            <a:fillRect/>
-          </a:stretch>
-        </p:blipFill>
-        <p:spPr>
+        </p:nvGrpSpPr>
+        <p:grpSpPr>
           <a:xfrm>
-            <a:off x="1161357" y="2754868"/>
-            <a:ext cx="867676" cy="860281"/>
+            <a:off x="1058810" y="2655443"/>
+            <a:ext cx="1581843" cy="1044947"/>
+            <a:chOff x="856557" y="2765053"/>
+            <a:chExt cx="1581843" cy="1044947"/>
           </a:xfrm>
-          <a:prstGeom prst="rect">
-            <a:avLst/>
-          </a:prstGeom>
-        </p:spPr>
-      </p:pic>
-      <p:sp>
-        <p:nvSpPr>
-          <p:cNvPr id="39" name="38 CuadroTexto"/>
-          <p:cNvSpPr txBox="1"/>
-          <p:nvPr/>
-        </p:nvSpPr>
-        <p:spPr>
-          <a:xfrm>
-            <a:off x="856557" y="3440668"/>
-            <a:ext cx="1581843" cy="369332"/>
-          </a:xfrm>
-          <a:prstGeom prst="rect">
-            <a:avLst/>
-          </a:prstGeom>
-          <a:noFill/>
-        </p:spPr>
-        <p:txBody>
-          <a:bodyPr wrap="none" rtlCol="0">
-            <a:spAutoFit/>
-          </a:bodyPr>
-          <a:lstStyle/>
-          <a:p>
-            <a:r>
-              <a:rPr lang="es-AR" dirty="0" smtClean="0"/>
-              <a:t>Apache Wicket</a:t>
-            </a:r>
-            <a:endParaRPr lang="es-AR" dirty="0"/>
-          </a:p>
-        </p:txBody>
-      </p:sp>
+        </p:grpSpPr>
+        <p:pic>
+          <p:nvPicPr>
+            <p:cNvPr id="38" name="37 Imagen" descr="wicket.gif"/>
+            <p:cNvPicPr>
+              <a:picLocks noChangeAspect="1"/>
+            </p:cNvPicPr>
+            <p:nvPr/>
+          </p:nvPicPr>
+          <p:blipFill>
+            <a:blip r:embed="rId3" cstate="print"/>
+            <a:stretch>
+              <a:fillRect/>
+            </a:stretch>
+          </p:blipFill>
+          <p:spPr>
+            <a:xfrm>
+              <a:off x="1213640" y="2765053"/>
+              <a:ext cx="867676" cy="860281"/>
+            </a:xfrm>
+            <a:prstGeom prst="rect">
+              <a:avLst/>
+            </a:prstGeom>
+          </p:spPr>
+        </p:pic>
+        <p:sp>
+          <p:nvSpPr>
+            <p:cNvPr id="39" name="38 CuadroTexto"/>
+            <p:cNvSpPr txBox="1"/>
+            <p:nvPr/>
+          </p:nvSpPr>
+          <p:spPr>
+            <a:xfrm>
+              <a:off x="856557" y="3440668"/>
+              <a:ext cx="1581843" cy="369332"/>
+            </a:xfrm>
+            <a:prstGeom prst="rect">
+              <a:avLst/>
+            </a:prstGeom>
+            <a:noFill/>
+          </p:spPr>
+          <p:txBody>
+            <a:bodyPr wrap="none" rtlCol="0">
+              <a:spAutoFit/>
+            </a:bodyPr>
+            <a:lstStyle/>
+            <a:p>
+              <a:r>
+                <a:rPr lang="es-AR" dirty="0" smtClean="0"/>
+                <a:t>Apache Wicket</a:t>
+              </a:r>
+              <a:endParaRPr lang="es-AR" dirty="0"/>
+            </a:p>
+          </p:txBody>
+        </p:sp>
+      </p:grpSp>
       <p:pic>
         <p:nvPicPr>
           <p:cNvPr id="42" name="41 Imagen" descr="hibernate.gif"/>
@@ -23396,8 +23422,8 @@
         </p:blipFill>
         <p:spPr>
           <a:xfrm>
-            <a:off x="2895600" y="2895600"/>
-            <a:ext cx="2819400" cy="469453"/>
+            <a:off x="3219426" y="4362449"/>
+            <a:ext cx="2467302" cy="544489"/>
           </a:xfrm>
           <a:prstGeom prst="rect">
             <a:avLst/>
@@ -23412,70 +23438,85 @@
           </a:effectLst>
         </p:spPr>
       </p:pic>
-      <p:pic>
-        <p:nvPicPr>
-          <p:cNvPr id="44" name="43 Imagen" descr="JXL.jpg"/>
-          <p:cNvPicPr>
-            <a:picLocks noChangeAspect="1"/>
-          </p:cNvPicPr>
+      <p:grpSp>
+        <p:nvGrpSpPr>
+          <p:cNvPr id="5" name="4 Grupo"/>
+          <p:cNvGrpSpPr/>
           <p:nvPr/>
-        </p:nvPicPr>
-        <p:blipFill>
-          <a:blip r:embed="rId5" cstate="print"/>
-          <a:stretch>
-            <a:fillRect/>
-          </a:stretch>
-        </p:blipFill>
-        <p:spPr>
+        </p:nvGrpSpPr>
+        <p:grpSpPr>
           <a:xfrm>
-            <a:off x="6629400" y="4812268"/>
-            <a:ext cx="685800" cy="685800"/>
+            <a:off x="6657974" y="4237292"/>
+            <a:ext cx="685800" cy="1071029"/>
+            <a:chOff x="5767180" y="5091066"/>
+            <a:chExt cx="685800" cy="1071029"/>
           </a:xfrm>
-          <a:prstGeom prst="rect">
-            <a:avLst/>
-          </a:prstGeom>
-          <a:ln w="3175">
-            <a:solidFill>
-              <a:schemeClr val="tx1"/>
-            </a:solidFill>
-          </a:ln>
-          <a:effectLst>
-            <a:outerShdw blurRad="50800" dist="50800" dir="5400000" algn="ctr" rotWithShape="0">
-              <a:schemeClr val="tx1"/>
-            </a:outerShdw>
-          </a:effectLst>
-        </p:spPr>
-      </p:pic>
-      <p:sp>
-        <p:nvSpPr>
-          <p:cNvPr id="45" name="44 CuadroTexto"/>
-          <p:cNvSpPr txBox="1"/>
-          <p:nvPr/>
-        </p:nvSpPr>
-        <p:spPr>
-          <a:xfrm>
-            <a:off x="6781800" y="5574268"/>
-            <a:ext cx="474169" cy="369332"/>
-          </a:xfrm>
-          <a:prstGeom prst="rect">
-            <a:avLst/>
-          </a:prstGeom>
-          <a:noFill/>
-        </p:spPr>
-        <p:txBody>
-          <a:bodyPr wrap="none" rtlCol="0">
-            <a:spAutoFit/>
-          </a:bodyPr>
-          <a:lstStyle/>
-          <a:p>
-            <a:r>
-              <a:rPr lang="es-AR" dirty="0" smtClean="0"/>
-              <a:t>JXL</a:t>
-            </a:r>
-            <a:endParaRPr lang="es-AR" dirty="0"/>
-          </a:p>
-        </p:txBody>
-      </p:sp>
+        </p:grpSpPr>
+        <p:pic>
+          <p:nvPicPr>
+            <p:cNvPr id="44" name="43 Imagen" descr="JXL.jpg"/>
+            <p:cNvPicPr>
+              <a:picLocks noChangeAspect="1"/>
+            </p:cNvPicPr>
+            <p:nvPr/>
+          </p:nvPicPr>
+          <p:blipFill>
+            <a:blip r:embed="rId5" cstate="print"/>
+            <a:stretch>
+              <a:fillRect/>
+            </a:stretch>
+          </p:blipFill>
+          <p:spPr>
+            <a:xfrm>
+              <a:off x="5767180" y="5091066"/>
+              <a:ext cx="685800" cy="685800"/>
+            </a:xfrm>
+            <a:prstGeom prst="rect">
+              <a:avLst/>
+            </a:prstGeom>
+            <a:ln w="3175">
+              <a:solidFill>
+                <a:schemeClr val="tx1"/>
+              </a:solidFill>
+            </a:ln>
+            <a:effectLst>
+              <a:outerShdw blurRad="50800" dist="50800" dir="5400000" algn="ctr" rotWithShape="0">
+                <a:schemeClr val="tx1"/>
+              </a:outerShdw>
+            </a:effectLst>
+          </p:spPr>
+        </p:pic>
+        <p:sp>
+          <p:nvSpPr>
+            <p:cNvPr id="45" name="44 CuadroTexto"/>
+            <p:cNvSpPr txBox="1"/>
+            <p:nvPr/>
+          </p:nvSpPr>
+          <p:spPr>
+            <a:xfrm>
+              <a:off x="5872995" y="5792763"/>
+              <a:ext cx="474169" cy="369332"/>
+            </a:xfrm>
+            <a:prstGeom prst="rect">
+              <a:avLst/>
+            </a:prstGeom>
+            <a:noFill/>
+          </p:spPr>
+          <p:txBody>
+            <a:bodyPr wrap="none" rtlCol="0">
+              <a:spAutoFit/>
+            </a:bodyPr>
+            <a:lstStyle/>
+            <a:p>
+              <a:r>
+                <a:rPr lang="es-AR" dirty="0" smtClean="0"/>
+                <a:t>JXL</a:t>
+              </a:r>
+              <a:endParaRPr lang="es-AR" dirty="0"/>
+            </a:p>
+          </p:txBody>
+        </p:sp>
+      </p:grpSp>
       <p:pic>
         <p:nvPicPr>
           <p:cNvPr id="46" name="45 Imagen" descr="maven.gif"/>
@@ -23492,8 +23533,8 @@
         </p:blipFill>
         <p:spPr>
           <a:xfrm>
-            <a:off x="5867400" y="3886200"/>
-            <a:ext cx="2438400" cy="466405"/>
+            <a:off x="3330434" y="5422660"/>
+            <a:ext cx="2113944" cy="508480"/>
           </a:xfrm>
           <a:prstGeom prst="rect">
             <a:avLst/>
@@ -23521,7 +23562,7 @@
         </p:blipFill>
         <p:spPr>
           <a:xfrm>
-            <a:off x="3352800" y="4114800"/>
+            <a:off x="873834" y="3905249"/>
             <a:ext cx="1760562" cy="914400"/>
           </a:xfrm>
           <a:prstGeom prst="rect">
@@ -23536,82 +23577,114 @@
           </a:effectLst>
         </p:spPr>
       </p:pic>
+      <p:grpSp>
+        <p:nvGrpSpPr>
+          <p:cNvPr id="6" name="5 Grupo"/>
+          <p:cNvGrpSpPr/>
+          <p:nvPr/>
+        </p:nvGrpSpPr>
+        <p:grpSpPr>
+          <a:xfrm>
+            <a:off x="6220128" y="2584450"/>
+            <a:ext cx="1617238" cy="1149350"/>
+            <a:chOff x="6191553" y="2660650"/>
+            <a:chExt cx="1617238" cy="1149350"/>
+          </a:xfrm>
+        </p:grpSpPr>
+        <p:pic>
+          <p:nvPicPr>
+            <p:cNvPr id="48" name="47 Imagen" descr="tomcat.gif"/>
+            <p:cNvPicPr>
+              <a:picLocks noChangeAspect="1"/>
+            </p:cNvPicPr>
+            <p:nvPr/>
+          </p:nvPicPr>
+          <p:blipFill>
+            <a:blip r:embed="rId8" cstate="print"/>
+            <a:stretch>
+              <a:fillRect/>
+            </a:stretch>
+          </p:blipFill>
+          <p:spPr>
+            <a:xfrm>
+              <a:off x="6433930" y="2660650"/>
+              <a:ext cx="1076739" cy="762000"/>
+            </a:xfrm>
+            <a:prstGeom prst="rect">
+              <a:avLst/>
+            </a:prstGeom>
+          </p:spPr>
+        </p:pic>
+        <p:sp>
+          <p:nvSpPr>
+            <p:cNvPr id="49" name="48 CuadroTexto"/>
+            <p:cNvSpPr txBox="1"/>
+            <p:nvPr/>
+          </p:nvSpPr>
+          <p:spPr>
+            <a:xfrm>
+              <a:off x="6191553" y="3440668"/>
+              <a:ext cx="1617238" cy="369332"/>
+            </a:xfrm>
+            <a:prstGeom prst="rect">
+              <a:avLst/>
+            </a:prstGeom>
+            <a:noFill/>
+          </p:spPr>
+          <p:txBody>
+            <a:bodyPr wrap="none" rtlCol="0">
+              <a:spAutoFit/>
+            </a:bodyPr>
+            <a:lstStyle/>
+            <a:p>
+              <a:r>
+                <a:rPr lang="es-AR" dirty="0" smtClean="0"/>
+                <a:t>Apache Tomcat</a:t>
+              </a:r>
+              <a:endParaRPr lang="es-AR" dirty="0"/>
+            </a:p>
+          </p:txBody>
+        </p:sp>
+      </p:grpSp>
       <p:pic>
         <p:nvPicPr>
-          <p:cNvPr id="48" name="47 Imagen" descr="tomcat.gif"/>
+          <p:cNvPr id="4" name="3 Imagen"/>
           <p:cNvPicPr>
             <a:picLocks noChangeAspect="1"/>
           </p:cNvPicPr>
           <p:nvPr/>
         </p:nvPicPr>
         <p:blipFill>
-          <a:blip r:embed="rId8" cstate="print"/>
+          <a:blip r:embed="rId9" cstate="print">
+            <a:clrChange>
+              <a:clrFrom>
+                <a:srgbClr val="FFFFFF"/>
+              </a:clrFrom>
+              <a:clrTo>
+                <a:srgbClr val="FFFFFF">
+                  <a:alpha val="0"/>
+                </a:srgbClr>
+              </a:clrTo>
+            </a:clrChange>
+            <a:extLst>
+              <a:ext uri="{28A0092B-C50C-407E-A947-70E740481C1C}">
+                <a14:useLocalDpi xmlns:a14="http://schemas.microsoft.com/office/drawing/2010/main" val="0"/>
+              </a:ext>
+            </a:extLst>
+          </a:blip>
           <a:stretch>
             <a:fillRect/>
           </a:stretch>
         </p:blipFill>
         <p:spPr>
           <a:xfrm>
-            <a:off x="1202162" y="4495800"/>
-            <a:ext cx="1076739" cy="762000"/>
+            <a:off x="3330434" y="2286000"/>
+            <a:ext cx="2356294" cy="1447800"/>
           </a:xfrm>
           <a:prstGeom prst="rect">
             <a:avLst/>
           </a:prstGeom>
-        </p:spPr>
-      </p:pic>
-      <p:sp>
-        <p:nvSpPr>
-          <p:cNvPr id="49" name="48 CuadroTexto"/>
-          <p:cNvSpPr txBox="1"/>
-          <p:nvPr/>
-        </p:nvSpPr>
-        <p:spPr>
-          <a:xfrm>
-            <a:off x="973562" y="5257800"/>
-            <a:ext cx="1617238" cy="369332"/>
-          </a:xfrm>
-          <a:prstGeom prst="rect">
-            <a:avLst/>
-          </a:prstGeom>
-          <a:noFill/>
-        </p:spPr>
-        <p:txBody>
-          <a:bodyPr wrap="none" rtlCol="0">
-            <a:spAutoFit/>
-          </a:bodyPr>
-          <a:lstStyle/>
-          <a:p>
-            <a:r>
-              <a:rPr lang="es-AR" dirty="0" smtClean="0"/>
-              <a:t>Apache Tomcat</a:t>
-            </a:r>
-            <a:endParaRPr lang="es-AR" dirty="0"/>
-          </a:p>
-        </p:txBody>
-      </p:sp>
-      <p:pic>
-        <p:nvPicPr>
-          <p:cNvPr id="29" name="28 Imagen" descr="java.gif"/>
-          <p:cNvPicPr>
-            <a:picLocks noChangeAspect="1"/>
-          </p:cNvPicPr>
-          <p:nvPr/>
-        </p:nvPicPr>
-        <p:blipFill>
-          <a:blip r:embed="rId9" cstate="print"/>
-          <a:stretch>
-            <a:fillRect/>
-          </a:stretch>
-        </p:blipFill>
-        <p:spPr>
-          <a:xfrm>
-            <a:off x="6867389" y="2514600"/>
-            <a:ext cx="524011" cy="914400"/>
-          </a:xfrm>
-          <a:prstGeom prst="rect">
-            <a:avLst/>
-          </a:prstGeom>
+          <a:effectLst/>
         </p:spPr>
       </p:pic>
     </p:spTree>
